--- a/発表スライド/230217_スライド01.pptx
+++ b/発表スライド/230217_スライド01.pptx
@@ -146,8 +146,45 @@
   <p1510:revLst>
     <p1510:client id="{719BD9EA-3BA9-564D-AA26-5BBF6AD9D466}" v="69" dt="2023-02-17T12:52:46.366"/>
     <p1510:client id="{8E95786B-EB47-214E-8054-B894BBD4E56A}" v="20" dt="2023-02-17T09:03:30.291"/>
+    <p1510:client id="{A9446C5A-C51B-544D-A5B5-FE8E56D2ADF1}" v="38" dt="2023-02-17T14:36:46.405"/>
   </p1510:revLst>
 </p1510:revInfo>
+</file>
+
+<file path=ppt/changesInfos/changesInfo1.xml><?xml version="1.0" encoding="utf-8"?>
+<pc:chgInfo xmlns:a="http://schemas.openxmlformats.org/drawingml/2006/main" xmlns:r="http://schemas.openxmlformats.org/officeDocument/2006/relationships" xmlns:ac="http://schemas.microsoft.com/office/drawing/2013/main/command" xmlns:pc="http://schemas.microsoft.com/office/powerpoint/2013/main/command">
+  <pc:docChgLst>
+    <pc:chgData name="松山 ファミリー" userId="9fadbf8cd42e59b5" providerId="LiveId" clId="{A9446C5A-C51B-544D-A5B5-FE8E56D2ADF1}"/>
+    <pc:docChg chg="modSld">
+      <pc:chgData name="松山 ファミリー" userId="9fadbf8cd42e59b5" providerId="LiveId" clId="{A9446C5A-C51B-544D-A5B5-FE8E56D2ADF1}" dt="2023-02-17T14:36:46.405" v="38" actId="20577"/>
+      <pc:docMkLst>
+        <pc:docMk/>
+      </pc:docMkLst>
+      <pc:sldChg chg="addSp delSp modSp mod">
+        <pc:chgData name="松山 ファミリー" userId="9fadbf8cd42e59b5" providerId="LiveId" clId="{A9446C5A-C51B-544D-A5B5-FE8E56D2ADF1}" dt="2023-02-17T14:27:22.135" v="20"/>
+        <pc:sldMkLst>
+          <pc:docMk/>
+          <pc:sldMk cId="3223597582" sldId="357"/>
+        </pc:sldMkLst>
+        <pc:spChg chg="add del mod">
+          <ac:chgData name="松山 ファミリー" userId="9fadbf8cd42e59b5" providerId="LiveId" clId="{A9446C5A-C51B-544D-A5B5-FE8E56D2ADF1}" dt="2023-02-17T14:27:22.135" v="20"/>
+          <ac:spMkLst>
+            <pc:docMk/>
+            <pc:sldMk cId="3223597582" sldId="357"/>
+            <ac:spMk id="2" creationId="{8E40A3BC-5C62-180A-BA4E-FFD4DB4DF9B7}"/>
+          </ac:spMkLst>
+        </pc:spChg>
+      </pc:sldChg>
+      <pc:sldChg chg="modNotesTx">
+        <pc:chgData name="松山 ファミリー" userId="9fadbf8cd42e59b5" providerId="LiveId" clId="{A9446C5A-C51B-544D-A5B5-FE8E56D2ADF1}" dt="2023-02-17T14:36:46.405" v="38" actId="20577"/>
+        <pc:sldMkLst>
+          <pc:docMk/>
+          <pc:sldMk cId="3707504778" sldId="366"/>
+        </pc:sldMkLst>
+      </pc:sldChg>
+    </pc:docChg>
+  </pc:docChgLst>
+</pc:chgInfo>
 </file>
 
 <file path=ppt/notesMasters/notesMaster1.xml><?xml version="1.0" encoding="utf-8"?>
@@ -307,7 +344,7 @@
               <a:t>第 </a:t>
             </a:r>
             <a:r>
-              <a:rPr kumimoji="1" lang="en-US" altLang="ja-JP" dirty="0"/>
+              <a:rPr kumimoji="1" lang="en-US" altLang="ja-JP"/>
               <a:t>2 </a:t>
             </a:r>
             <a:r>
@@ -322,7 +359,7 @@
               <a:t>第 </a:t>
             </a:r>
             <a:r>
-              <a:rPr kumimoji="1" lang="en-US" altLang="ja-JP" dirty="0"/>
+              <a:rPr kumimoji="1" lang="en-US" altLang="ja-JP"/>
               <a:t>3 </a:t>
             </a:r>
             <a:r>
@@ -337,7 +374,7 @@
               <a:t>第 </a:t>
             </a:r>
             <a:r>
-              <a:rPr kumimoji="1" lang="en-US" altLang="ja-JP" dirty="0"/>
+              <a:rPr kumimoji="1" lang="en-US" altLang="ja-JP"/>
               <a:t>4 </a:t>
             </a:r>
             <a:r>
@@ -352,7 +389,7 @@
               <a:t>第 </a:t>
             </a:r>
             <a:r>
-              <a:rPr kumimoji="1" lang="en-US" altLang="ja-JP" dirty="0"/>
+              <a:rPr kumimoji="1" lang="en-US" altLang="ja-JP"/>
               <a:t>5 </a:t>
             </a:r>
             <a:r>
@@ -584,7 +621,7 @@
               <a:rPr kumimoji="1" lang="ja-JP" altLang="en-US"/>
               <a:t>「ニッケル水酸化物ナノシート固定電極によるグルコース酸化の検討」</a:t>
             </a:r>
-            <a:endParaRPr kumimoji="1" lang="en-US" altLang="ja-JP" dirty="0"/>
+            <a:endParaRPr kumimoji="1" lang="en-US" altLang="ja-JP"/>
           </a:p>
           <a:p>
             <a:r>
@@ -688,7 +725,7 @@
               <a:t>ナフィオンでは</a:t>
             </a:r>
             <a:r>
-              <a:rPr lang="en-US" altLang="ja-JP" sz="1600" dirty="0">
+              <a:rPr lang="en-US" altLang="ja-JP" sz="1600">
                 <a:latin typeface="MS Mincho" panose="02020609040205080304" pitchFamily="49" charset="-128"/>
                 <a:ea typeface="MS Mincho" panose="02020609040205080304" pitchFamily="49" charset="-128"/>
                 <a:cs typeface="Times New Roman" panose="02020603050405020304" pitchFamily="18" charset="0"/>
@@ -704,7 +741,7 @@
               <a:t>、</a:t>
             </a:r>
             <a:r>
-              <a:rPr lang="en-US" altLang="ja-JP" sz="1600" dirty="0">
+              <a:rPr lang="en-US" altLang="ja-JP" sz="1600">
                 <a:latin typeface="MS Mincho" panose="02020609040205080304" pitchFamily="49" charset="-128"/>
                 <a:ea typeface="MS Mincho" panose="02020609040205080304" pitchFamily="49" charset="-128"/>
                 <a:cs typeface="Times New Roman" panose="02020603050405020304" pitchFamily="18" charset="0"/>
@@ -720,7 +757,7 @@
               <a:t>、</a:t>
             </a:r>
             <a:r>
-              <a:rPr lang="en-US" altLang="ja-JP" sz="1600" dirty="0">
+              <a:rPr lang="en-US" altLang="ja-JP" sz="1600">
                 <a:latin typeface="MS Mincho" panose="02020609040205080304" pitchFamily="49" charset="-128"/>
                 <a:ea typeface="MS Mincho" panose="02020609040205080304" pitchFamily="49" charset="-128"/>
                 <a:cs typeface="Times New Roman" panose="02020603050405020304" pitchFamily="18" charset="0"/>
@@ -736,7 +773,7 @@
               <a:t>と量を変化させて電極を作成していました。その中でも、ナフィオン</a:t>
             </a:r>
             <a:r>
-              <a:rPr lang="en-US" altLang="ja-JP" sz="1600" dirty="0">
+              <a:rPr lang="en-US" altLang="ja-JP" sz="1600">
                 <a:latin typeface="MS Mincho" panose="02020609040205080304" pitchFamily="49" charset="-128"/>
                 <a:ea typeface="MS Mincho" panose="02020609040205080304" pitchFamily="49" charset="-128"/>
                 <a:cs typeface="Times New Roman" panose="02020603050405020304" pitchFamily="18" charset="0"/>
@@ -752,7 +789,7 @@
               <a:t>が電流密度が高かったため、</a:t>
             </a:r>
             <a:r>
-              <a:rPr lang="en-US" altLang="ja-JP" sz="1600" dirty="0">
+              <a:rPr lang="en-US" altLang="ja-JP" sz="1600">
                 <a:latin typeface="MS Mincho" panose="02020609040205080304" pitchFamily="49" charset="-128"/>
                 <a:ea typeface="MS Mincho" panose="02020609040205080304" pitchFamily="49" charset="-128"/>
                 <a:cs typeface="Times New Roman" panose="02020603050405020304" pitchFamily="18" charset="0"/>
@@ -767,7 +804,7 @@
               </a:rPr>
               <a:t>で繰り返し測定を行いました。</a:t>
             </a:r>
-            <a:endParaRPr kumimoji="1" lang="en-US" altLang="ja-JP" sz="1600" dirty="0">
+            <a:endParaRPr kumimoji="1" lang="en-US" altLang="ja-JP" sz="1600">
               <a:latin typeface="MS Mincho" panose="02020609040205080304" pitchFamily="49" charset="-128"/>
               <a:ea typeface="MS Mincho" panose="02020609040205080304" pitchFamily="49" charset="-128"/>
               <a:cs typeface="Times New Roman" panose="02020603050405020304" pitchFamily="18" charset="0"/>
@@ -886,7 +923,7 @@
               <a:t>先ほどのナフィオン</a:t>
             </a:r>
             <a:r>
-              <a:rPr kumimoji="1" lang="en-US" altLang="ja-JP" sz="1600" dirty="0">
+              <a:rPr kumimoji="1" lang="en-US" altLang="ja-JP" sz="1600">
                 <a:latin typeface="MS Mincho" panose="02020609040205080304" pitchFamily="49" charset="-128"/>
                 <a:ea typeface="MS Mincho" panose="02020609040205080304" pitchFamily="49" charset="-128"/>
                 <a:cs typeface="Times New Roman" panose="02020603050405020304" pitchFamily="18" charset="0"/>
@@ -902,7 +939,7 @@
               <a:t>を使ったカーボンペースト電極で</a:t>
             </a:r>
             <a:r>
-              <a:rPr kumimoji="1" lang="en-US" altLang="ja-JP" sz="1600" dirty="0">
+              <a:rPr kumimoji="1" lang="en-US" altLang="ja-JP" sz="1600">
                 <a:latin typeface="MS Mincho" panose="02020609040205080304" pitchFamily="49" charset="-128"/>
                 <a:ea typeface="MS Mincho" panose="02020609040205080304" pitchFamily="49" charset="-128"/>
                 <a:cs typeface="Times New Roman" panose="02020603050405020304" pitchFamily="18" charset="0"/>
@@ -918,7 +955,7 @@
               <a:t>回の繰り返し測定を行いました。感度を比べてみると、</a:t>
             </a:r>
             <a:r>
-              <a:rPr kumimoji="1" lang="en-US" altLang="ja-JP" sz="1600" dirty="0">
+              <a:rPr kumimoji="1" lang="en-US" altLang="ja-JP" sz="1600">
                 <a:latin typeface="MS Mincho" panose="02020609040205080304" pitchFamily="49" charset="-128"/>
                 <a:ea typeface="MS Mincho" panose="02020609040205080304" pitchFamily="49" charset="-128"/>
                 <a:cs typeface="Times New Roman" panose="02020603050405020304" pitchFamily="18" charset="0"/>
@@ -934,7 +971,7 @@
               <a:t>回目と</a:t>
             </a:r>
             <a:r>
-              <a:rPr kumimoji="1" lang="en-US" altLang="ja-JP" sz="1600" dirty="0">
+              <a:rPr kumimoji="1" lang="en-US" altLang="ja-JP" sz="1600">
                 <a:latin typeface="MS Mincho" panose="02020609040205080304" pitchFamily="49" charset="-128"/>
                 <a:ea typeface="MS Mincho" panose="02020609040205080304" pitchFamily="49" charset="-128"/>
                 <a:cs typeface="Times New Roman" panose="02020603050405020304" pitchFamily="18" charset="0"/>
@@ -950,7 +987,7 @@
               <a:t>回目は、</a:t>
             </a:r>
             <a:r>
-              <a:rPr kumimoji="1" lang="en-US" altLang="ja-JP" sz="1600" dirty="0">
+              <a:rPr kumimoji="1" lang="en-US" altLang="ja-JP" sz="1600">
                 <a:latin typeface="MS Mincho" panose="02020609040205080304" pitchFamily="49" charset="-128"/>
                 <a:ea typeface="MS Mincho" panose="02020609040205080304" pitchFamily="49" charset="-128"/>
                 <a:cs typeface="Times New Roman" panose="02020603050405020304" pitchFamily="18" charset="0"/>
@@ -965,7 +1002,7 @@
               </a:rPr>
               <a:t>回目に比べて、良好な結果となりました。</a:t>
             </a:r>
-            <a:endParaRPr kumimoji="1" lang="en-US" altLang="ja-JP" sz="1600" dirty="0">
+            <a:endParaRPr kumimoji="1" lang="en-US" altLang="ja-JP" sz="1600">
               <a:latin typeface="MS Mincho" panose="02020609040205080304" pitchFamily="49" charset="-128"/>
               <a:ea typeface="MS Mincho" panose="02020609040205080304" pitchFamily="49" charset="-128"/>
               <a:cs typeface="Times New Roman" panose="02020603050405020304" pitchFamily="18" charset="0"/>
@@ -998,7 +1035,7 @@
               <a:t>繰り返し測定</a:t>
             </a:r>
             <a:r>
-              <a:rPr kumimoji="1" lang="en-US" altLang="ja-JP" sz="1600" dirty="0">
+              <a:rPr kumimoji="1" lang="en-US" altLang="ja-JP" sz="1600">
                 <a:latin typeface="MS Mincho" panose="02020609040205080304" pitchFamily="49" charset="-128"/>
                 <a:ea typeface="MS Mincho" panose="02020609040205080304" pitchFamily="49" charset="-128"/>
                 <a:cs typeface="Times New Roman" panose="02020603050405020304" pitchFamily="18" charset="0"/>
@@ -1013,7 +1050,7 @@
               </a:rPr>
               <a:t>回目からは感度の低下が見られましたが、これは電極表面のナノシートが一部剥がれ落ちた可能性や、電極表面に電極反応で生成するグルコン酸などが付着し、グルコースとの反応を阻害している可能性などが考えられます。</a:t>
             </a:r>
-            <a:endParaRPr kumimoji="1" lang="en-US" altLang="ja-JP" sz="1600" dirty="0">
+            <a:endParaRPr kumimoji="1" lang="en-US" altLang="ja-JP" sz="1600">
               <a:latin typeface="MS Mincho" panose="02020609040205080304" pitchFamily="49" charset="-128"/>
               <a:ea typeface="MS Mincho" panose="02020609040205080304" pitchFamily="49" charset="-128"/>
               <a:cs typeface="Times New Roman" panose="02020603050405020304" pitchFamily="18" charset="0"/>
@@ -1131,7 +1168,7 @@
               </a:rPr>
               <a:t>結言です。セルロースナノファイバーやナフィオンをバインダーとしてニッケル水酸化物ナノシートを用いた電極はグルコースを添加した際に電流量の増加が見られ、グルコース酸化による電流が確認されました。</a:t>
             </a:r>
-            <a:endParaRPr kumimoji="1" lang="en-US" altLang="ja-JP" sz="1600" dirty="0">
+            <a:endParaRPr kumimoji="1" lang="en-US" altLang="ja-JP" sz="1600">
               <a:latin typeface="MS Mincho" panose="02020609040205080304" pitchFamily="49" charset="-128"/>
               <a:ea typeface="MS Mincho" panose="02020609040205080304" pitchFamily="49" charset="-128"/>
               <a:cs typeface="Times New Roman" panose="02020603050405020304" pitchFamily="18" charset="0"/>
@@ -1191,7 +1228,7 @@
               <a:t>ナフィオン</a:t>
             </a:r>
             <a:r>
-              <a:rPr kumimoji="1" lang="en-US" altLang="ja-JP" sz="1600" dirty="0">
+              <a:rPr kumimoji="1" lang="en-US" altLang="ja-JP" sz="1600">
                 <a:latin typeface="MS Mincho" panose="02020609040205080304" pitchFamily="49" charset="-128"/>
                 <a:ea typeface="MS Mincho" panose="02020609040205080304" pitchFamily="49" charset="-128"/>
                 <a:cs typeface="Times New Roman" panose="02020603050405020304" pitchFamily="18" charset="0"/>
@@ -1199,7 +1236,7 @@
               <a:t>10 </a:t>
             </a:r>
             <a:r>
-              <a:rPr kumimoji="1" lang="el-GR" altLang="ja-JP" sz="1600" dirty="0">
+              <a:rPr kumimoji="1" lang="el-GR" altLang="ja-JP" sz="1600">
                 <a:latin typeface="MS Mincho" panose="02020609040205080304" pitchFamily="49" charset="-128"/>
                 <a:ea typeface="MS Mincho" panose="02020609040205080304" pitchFamily="49" charset="-128"/>
                 <a:cs typeface="Times New Roman" panose="02020603050405020304" pitchFamily="18" charset="0"/>
@@ -1207,7 +1244,7 @@
               <a:t>μ</a:t>
             </a:r>
             <a:r>
-              <a:rPr kumimoji="1" lang="en-US" altLang="ja-JP" sz="1600" dirty="0">
+              <a:rPr kumimoji="1" lang="en-US" altLang="ja-JP" sz="1600">
                 <a:latin typeface="MS Mincho" panose="02020609040205080304" pitchFamily="49" charset="-128"/>
                 <a:ea typeface="MS Mincho" panose="02020609040205080304" pitchFamily="49" charset="-128"/>
                 <a:cs typeface="Times New Roman" panose="02020603050405020304" pitchFamily="18" charset="0"/>
@@ -1222,7 +1259,7 @@
               </a:rPr>
               <a:t>をバインダーとして用いた電極が、本研究内では最も感度が良好でした。複数回測定での安定性は課題ですが、本研究によりニッケル水酸化物ナノシート固定電極によるグルコース酸化が可能であることが示されました。</a:t>
             </a:r>
-            <a:endParaRPr kumimoji="1" lang="en-US" altLang="ja-JP" sz="1600" dirty="0">
+            <a:endParaRPr kumimoji="1" lang="en-US" altLang="ja-JP" sz="1600">
               <a:latin typeface="MS Mincho" panose="02020609040205080304" pitchFamily="49" charset="-128"/>
               <a:ea typeface="MS Mincho" panose="02020609040205080304" pitchFamily="49" charset="-128"/>
               <a:cs typeface="Times New Roman" panose="02020603050405020304" pitchFamily="18" charset="0"/>
@@ -1346,14 +1383,14 @@
               <a:rPr kumimoji="1" lang="ja-JP" altLang="en-US"/>
               <a:t>左から右</a:t>
             </a:r>
-            <a:endParaRPr kumimoji="1" lang="en-US" altLang="ja-JP" dirty="0"/>
+            <a:endParaRPr kumimoji="1" lang="en-US" altLang="ja-JP"/>
           </a:p>
           <a:p>
             <a:r>
               <a:rPr kumimoji="1" lang="ja-JP" altLang="en-US"/>
               <a:t>上から下</a:t>
             </a:r>
-            <a:endParaRPr kumimoji="1" lang="en-US" altLang="ja-JP" dirty="0"/>
+            <a:endParaRPr kumimoji="1" lang="en-US" altLang="ja-JP"/>
           </a:p>
           <a:p>
             <a:endParaRPr kumimoji="1" lang="ja-JP" altLang="en-US"/>
@@ -1453,7 +1490,7 @@
               </a:rPr>
               <a:t>現在、グルコースの定量分析は食品加工や臨床診断、環境モニタリングなど多くの分野で利用されており、酵素を用いない非酵素型グルコース酸化触媒の開発が期待されています。</a:t>
             </a:r>
-            <a:endParaRPr kumimoji="1" lang="en-US" altLang="ja-JP" dirty="0">
+            <a:endParaRPr kumimoji="1" lang="en-US" altLang="ja-JP">
               <a:latin typeface="Times New Roman" panose="02020603050405020304" pitchFamily="18" charset="0"/>
               <a:ea typeface="MS Mincho" panose="02020609040205080304" pitchFamily="49" charset="-128"/>
               <a:cs typeface="Times New Roman" panose="02020603050405020304" pitchFamily="18" charset="0"/>
@@ -1461,7 +1498,7 @@
           </a:p>
           <a:p>
             <a:r>
-              <a:rPr kumimoji="1" lang="en-US" altLang="ja-JP" dirty="0">
+              <a:rPr kumimoji="1" lang="en-US" altLang="ja-JP">
                 <a:latin typeface="Times New Roman" panose="02020603050405020304" pitchFamily="18" charset="0"/>
                 <a:ea typeface="MS Mincho" panose="02020609040205080304" pitchFamily="49" charset="-128"/>
                 <a:cs typeface="Times New Roman" panose="02020603050405020304" pitchFamily="18" charset="0"/>
@@ -1477,7 +1514,7 @@
               <a:t>期待されていない</a:t>
             </a:r>
             <a:r>
-              <a:rPr kumimoji="1" lang="en-US" altLang="ja-JP" dirty="0">
+              <a:rPr kumimoji="1" lang="en-US" altLang="ja-JP">
                 <a:latin typeface="Times New Roman" panose="02020603050405020304" pitchFamily="18" charset="0"/>
                 <a:ea typeface="MS Mincho" panose="02020609040205080304" pitchFamily="49" charset="-128"/>
                 <a:cs typeface="Times New Roman" panose="02020603050405020304" pitchFamily="18" charset="0"/>
@@ -1487,7 +1524,7 @@
           </a:p>
           <a:p>
             <a:r>
-              <a:rPr kumimoji="1" lang="en-US" altLang="ja-JP" dirty="0">
+              <a:rPr kumimoji="1" lang="en-US" altLang="ja-JP">
                 <a:latin typeface="Times New Roman" panose="02020603050405020304" pitchFamily="18" charset="0"/>
                 <a:ea typeface="MS Mincho" panose="02020609040205080304" pitchFamily="49" charset="-128"/>
                 <a:cs typeface="Times New Roman" panose="02020603050405020304" pitchFamily="18" charset="0"/>
@@ -1503,7 +1540,7 @@
               <a:t>銅で反応が見られている</a:t>
             </a:r>
             <a:r>
-              <a:rPr kumimoji="1" lang="en-US" altLang="ja-JP" dirty="0">
+              <a:rPr kumimoji="1" lang="en-US" altLang="ja-JP">
                 <a:latin typeface="Times New Roman" panose="02020603050405020304" pitchFamily="18" charset="0"/>
                 <a:ea typeface="MS Mincho" panose="02020609040205080304" pitchFamily="49" charset="-128"/>
                 <a:cs typeface="Times New Roman" panose="02020603050405020304" pitchFamily="18" charset="0"/>
@@ -1512,7 +1549,7 @@
             </a:r>
           </a:p>
           <a:p>
-            <a:endParaRPr kumimoji="1" lang="en-US" altLang="ja-JP" dirty="0">
+            <a:endParaRPr kumimoji="1" lang="en-US" altLang="ja-JP">
               <a:latin typeface="Times New Roman" panose="02020603050405020304" pitchFamily="18" charset="0"/>
               <a:ea typeface="MS Mincho" panose="02020609040205080304" pitchFamily="49" charset="-128"/>
               <a:cs typeface="Times New Roman" panose="02020603050405020304" pitchFamily="18" charset="0"/>
@@ -1527,7 +1564,7 @@
               </a:rPr>
               <a:t>その中でも、ナノ構造を持たせたニッケル化合物では、グルコースを参加するいくつかの例が報告されており、高い触媒活性を有することが知られています。</a:t>
             </a:r>
-            <a:endParaRPr kumimoji="1" lang="en-US" altLang="ja-JP" dirty="0">
+            <a:endParaRPr kumimoji="1" lang="en-US" altLang="ja-JP">
               <a:latin typeface="Times New Roman" panose="02020603050405020304" pitchFamily="18" charset="0"/>
               <a:ea typeface="MS Mincho" panose="02020609040205080304" pitchFamily="49" charset="-128"/>
               <a:cs typeface="Times New Roman" panose="02020603050405020304" pitchFamily="18" charset="0"/>
@@ -1544,7 +1581,7 @@
               <a:t>本研究室では、以前より層状ニッケル水酸化物を</a:t>
             </a:r>
             <a:r>
-              <a:rPr lang="en-US" altLang="ja-JP" sz="1200" dirty="0">
+              <a:rPr lang="en-US" altLang="ja-JP" sz="1200">
                 <a:effectLst/>
                 <a:latin typeface="Times New Roman" panose="02020603050405020304" pitchFamily="18" charset="0"/>
                 <a:ea typeface="MS Mincho" panose="02020609040205080304" pitchFamily="49" charset="-128"/>
@@ -1667,7 +1704,7 @@
               <a:t>セルロースナノファイバーをバインダーとして同じ量</a:t>
             </a:r>
             <a:r>
-              <a:rPr lang="en-US" altLang="ja-JP" sz="1600" kern="100" dirty="0">
+              <a:rPr lang="en-US" altLang="ja-JP" sz="1600" kern="100">
                 <a:solidFill>
                   <a:srgbClr val="000000"/>
                 </a:solidFill>
@@ -1689,7 +1726,7 @@
               <a:t>、同じ手法でカーボンペースト電極を</a:t>
             </a:r>
             <a:r>
-              <a:rPr lang="en-US" altLang="ja-JP" sz="1600" kern="100" dirty="0">
+              <a:rPr lang="en-US" altLang="ja-JP" sz="1600" kern="100">
                 <a:solidFill>
                   <a:srgbClr val="000000"/>
                 </a:solidFill>
@@ -1710,7 +1747,7 @@
               </a:rPr>
               <a:t>つ作製し、クロノアンペロメトリを測定を行なった。</a:t>
             </a:r>
-            <a:endParaRPr lang="en-US" altLang="ja-JP" sz="1600" kern="100" dirty="0">
+            <a:endParaRPr lang="en-US" altLang="ja-JP" sz="1600" kern="100">
               <a:solidFill>
                 <a:srgbClr val="000000"/>
               </a:solidFill>
@@ -1721,7 +1758,7 @@
           </a:p>
           <a:p>
             <a:pPr algn="just"/>
-            <a:endParaRPr lang="en-US" altLang="ja-JP" sz="1600" kern="100" dirty="0">
+            <a:endParaRPr lang="en-US" altLang="ja-JP" sz="1600" kern="100">
               <a:effectLst/>
               <a:latin typeface="Times New Roman" panose="02020603050405020304" pitchFamily="18" charset="0"/>
               <a:cs typeface="Times New Roman" panose="02020603050405020304" pitchFamily="18" charset="0"/>
@@ -1737,7 +1774,7 @@
               </a:rPr>
               <a:t>二本は高い</a:t>
             </a:r>
-            <a:endParaRPr lang="en-US" altLang="ja-JP" sz="1600" kern="100" dirty="0">
+            <a:endParaRPr lang="en-US" altLang="ja-JP" sz="1600" kern="100">
               <a:effectLst/>
               <a:latin typeface="Times New Roman" panose="02020603050405020304" pitchFamily="18" charset="0"/>
               <a:cs typeface="Times New Roman" panose="02020603050405020304" pitchFamily="18" charset="0"/>
@@ -1753,7 +1790,7 @@
               </a:rPr>
               <a:t>二本は低い</a:t>
             </a:r>
-            <a:endParaRPr lang="en-US" altLang="ja-JP" sz="1600" kern="100" dirty="0">
+            <a:endParaRPr lang="en-US" altLang="ja-JP" sz="1600" kern="100">
               <a:effectLst/>
               <a:latin typeface="Times New Roman" panose="02020603050405020304" pitchFamily="18" charset="0"/>
               <a:cs typeface="Times New Roman" panose="02020603050405020304" pitchFamily="18" charset="0"/>
@@ -1769,7 +1806,7 @@
               </a:rPr>
               <a:t>再現性が</a:t>
             </a:r>
-            <a:endParaRPr lang="en-US" altLang="ja-JP" sz="1600" kern="100" dirty="0">
+            <a:endParaRPr lang="en-US" altLang="ja-JP" sz="1600" kern="100">
               <a:effectLst/>
               <a:latin typeface="Times New Roman" panose="02020603050405020304" pitchFamily="18" charset="0"/>
               <a:cs typeface="Times New Roman" panose="02020603050405020304" pitchFamily="18" charset="0"/>
@@ -1777,7 +1814,7 @@
           </a:p>
           <a:p>
             <a:pPr algn="just"/>
-            <a:endParaRPr lang="en-US" altLang="ja-JP" sz="1600" kern="100" dirty="0">
+            <a:endParaRPr lang="en-US" altLang="ja-JP" sz="1600" kern="100">
               <a:effectLst/>
               <a:latin typeface="Times New Roman" panose="02020603050405020304" pitchFamily="18" charset="0"/>
               <a:cs typeface="Times New Roman" panose="02020603050405020304" pitchFamily="18" charset="0"/>
@@ -1794,7 +1831,7 @@
               <a:t>スライド</a:t>
             </a:r>
             <a:r>
-              <a:rPr lang="en-US" altLang="ja-JP" sz="1600" kern="100" dirty="0">
+              <a:rPr lang="en-US" altLang="ja-JP" sz="1600" kern="100">
                 <a:effectLst/>
                 <a:latin typeface="Times New Roman" panose="02020603050405020304" pitchFamily="18" charset="0"/>
                 <a:cs typeface="Times New Roman" panose="02020603050405020304" pitchFamily="18" charset="0"/>
@@ -1809,7 +1846,7 @@
               </a:rPr>
               <a:t>枚にセルとナフィの図</a:t>
             </a:r>
-            <a:endParaRPr lang="en-US" altLang="ja-JP" sz="1600" kern="100" dirty="0">
+            <a:endParaRPr lang="en-US" altLang="ja-JP" sz="1600" kern="100">
               <a:effectLst/>
               <a:latin typeface="Times New Roman" panose="02020603050405020304" pitchFamily="18" charset="0"/>
               <a:cs typeface="Times New Roman" panose="02020603050405020304" pitchFamily="18" charset="0"/>
@@ -1817,7 +1854,7 @@
           </a:p>
           <a:p>
             <a:pPr algn="just"/>
-            <a:endParaRPr lang="en-US" altLang="ja-JP" sz="1600" kern="100" dirty="0">
+            <a:endParaRPr lang="en-US" altLang="ja-JP" sz="1600" kern="100">
               <a:effectLst/>
               <a:latin typeface="Times New Roman" panose="02020603050405020304" pitchFamily="18" charset="0"/>
               <a:cs typeface="Times New Roman" panose="02020603050405020304" pitchFamily="18" charset="0"/>
@@ -1825,7 +1862,7 @@
           </a:p>
           <a:p>
             <a:pPr algn="just"/>
-            <a:endParaRPr lang="en-US" altLang="ja-JP" sz="1600" kern="100" dirty="0">
+            <a:endParaRPr lang="en-US" altLang="ja-JP" sz="1600" kern="100">
               <a:effectLst/>
               <a:latin typeface="Times New Roman" panose="02020603050405020304" pitchFamily="18" charset="0"/>
               <a:cs typeface="Times New Roman" panose="02020603050405020304" pitchFamily="18" charset="0"/>
@@ -1858,7 +1895,7 @@
               <a:t>電極</a:t>
             </a:r>
             <a:r>
-              <a:rPr lang="en-US" altLang="ja-JP" sz="1600" kern="100" dirty="0">
+              <a:rPr lang="en-US" altLang="ja-JP" sz="1600" kern="100">
                 <a:effectLst/>
                 <a:latin typeface="Times New Roman" panose="02020603050405020304" pitchFamily="18" charset="0"/>
                 <a:cs typeface="Times New Roman" panose="02020603050405020304" pitchFamily="18" charset="0"/>
@@ -1882,7 +1919,7 @@
               <a:t>電極</a:t>
             </a:r>
             <a:r>
-              <a:rPr lang="en-US" altLang="ja-JP" sz="1600" kern="100" dirty="0">
+              <a:rPr lang="en-US" altLang="ja-JP" sz="1600" kern="100">
                 <a:effectLst/>
                 <a:latin typeface="Times New Roman" panose="02020603050405020304" pitchFamily="18" charset="0"/>
                 <a:cs typeface="Times New Roman" panose="02020603050405020304" pitchFamily="18" charset="0"/>
@@ -1898,7 +1935,7 @@
               <a:t>では電流密度が</a:t>
             </a:r>
             <a:r>
-              <a:rPr lang="en-US" altLang="ja-JP" sz="1600" kern="100" dirty="0">
+              <a:rPr lang="en-US" altLang="ja-JP" sz="1600" kern="100">
                 <a:effectLst/>
                 <a:latin typeface="Times New Roman" panose="02020603050405020304" pitchFamily="18" charset="0"/>
                 <a:cs typeface="Times New Roman" panose="02020603050405020304" pitchFamily="18" charset="0"/>
@@ -1906,7 +1943,7 @@
               <a:t>10 mA cm</a:t>
             </a:r>
             <a:r>
-              <a:rPr lang="en-US" altLang="ja-JP" sz="1600" kern="100" baseline="30000" dirty="0">
+              <a:rPr lang="en-US" altLang="ja-JP" sz="1600" kern="100" baseline="30000">
                 <a:effectLst/>
                 <a:latin typeface="Times New Roman" panose="02020603050405020304" pitchFamily="18" charset="0"/>
                 <a:cs typeface="Times New Roman" panose="02020603050405020304" pitchFamily="18" charset="0"/>
@@ -1930,7 +1967,7 @@
               <a:t>電極</a:t>
             </a:r>
             <a:r>
-              <a:rPr lang="en-US" altLang="ja-JP" sz="1600" kern="100" dirty="0">
+              <a:rPr lang="en-US" altLang="ja-JP" sz="1600" kern="100">
                 <a:effectLst/>
                 <a:latin typeface="Times New Roman" panose="02020603050405020304" pitchFamily="18" charset="0"/>
                 <a:cs typeface="Times New Roman" panose="02020603050405020304" pitchFamily="18" charset="0"/>
@@ -1946,7 +1983,7 @@
               <a:t>と電極</a:t>
             </a:r>
             <a:r>
-              <a:rPr lang="en-US" altLang="ja-JP" sz="1600" kern="100" dirty="0">
+              <a:rPr lang="en-US" altLang="ja-JP" sz="1600" kern="100">
                 <a:effectLst/>
                 <a:latin typeface="Times New Roman" panose="02020603050405020304" pitchFamily="18" charset="0"/>
                 <a:cs typeface="Times New Roman" panose="02020603050405020304" pitchFamily="18" charset="0"/>
@@ -1962,7 +1999,7 @@
               <a:t>では電極は</a:t>
             </a:r>
             <a:r>
-              <a:rPr lang="en-US" altLang="ja-JP" sz="1600" kern="100" dirty="0">
+              <a:rPr lang="en-US" altLang="ja-JP" sz="1600" kern="100">
                 <a:effectLst/>
                 <a:latin typeface="Times New Roman" panose="02020603050405020304" pitchFamily="18" charset="0"/>
                 <a:cs typeface="Times New Roman" panose="02020603050405020304" pitchFamily="18" charset="0"/>
@@ -1970,7 +2007,7 @@
               <a:t>0.5 mA cm</a:t>
             </a:r>
             <a:r>
-              <a:rPr lang="en-US" altLang="ja-JP" sz="1600" kern="100" baseline="30000" dirty="0">
+              <a:rPr lang="en-US" altLang="ja-JP" sz="1600" kern="100" baseline="30000">
                 <a:effectLst/>
                 <a:latin typeface="Times New Roman" panose="02020603050405020304" pitchFamily="18" charset="0"/>
                 <a:cs typeface="Times New Roman" panose="02020603050405020304" pitchFamily="18" charset="0"/>
@@ -2009,7 +2046,7 @@
               </a:rPr>
               <a:t>これらの結果から、セルロースナノファイバーをバインダーに用いた電極では、複数回測定が難しく、同じ手法で製作しても再現性に乏しいことが判明した。 </a:t>
             </a:r>
-            <a:endParaRPr lang="en-US" altLang="ja-JP" sz="1600" dirty="0">
+            <a:endParaRPr lang="en-US" altLang="ja-JP" sz="1600">
               <a:effectLst/>
               <a:latin typeface="Times New Roman" panose="02020603050405020304" pitchFamily="18" charset="0"/>
               <a:cs typeface="Times New Roman" panose="02020603050405020304" pitchFamily="18" charset="0"/>
@@ -2033,7 +2070,7 @@
               <a:tabLst/>
               <a:defRPr/>
             </a:pPr>
-            <a:endParaRPr kumimoji="1" lang="en-US" altLang="ja-JP" sz="1600" dirty="0">
+            <a:endParaRPr kumimoji="1" lang="en-US" altLang="ja-JP" sz="1600">
               <a:effectLst/>
               <a:latin typeface="Times New Roman" panose="02020603050405020304" pitchFamily="18" charset="0"/>
               <a:cs typeface="Times New Roman" panose="02020603050405020304" pitchFamily="18" charset="0"/>
@@ -2066,7 +2103,7 @@
               <a:t>写真</a:t>
             </a:r>
             <a:r>
-              <a:rPr kumimoji="1" lang="en-US" altLang="ja-JP" sz="1600" dirty="0">
+              <a:rPr kumimoji="1" lang="en-US" altLang="ja-JP" sz="1600">
                 <a:effectLst/>
                 <a:latin typeface="Times New Roman" panose="02020603050405020304" pitchFamily="18" charset="0"/>
                 <a:cs typeface="Times New Roman" panose="02020603050405020304" pitchFamily="18" charset="0"/>
@@ -2074,7 +2111,7 @@
               <a:t>[https://</a:t>
             </a:r>
             <a:r>
-              <a:rPr kumimoji="1" lang="en-US" altLang="ja-JP" sz="1600" dirty="0" err="1">
+              <a:rPr kumimoji="1" lang="en-US" altLang="ja-JP" sz="1600" err="1">
                 <a:effectLst/>
                 <a:latin typeface="Times New Roman" panose="02020603050405020304" pitchFamily="18" charset="0"/>
                 <a:cs typeface="Times New Roman" panose="02020603050405020304" pitchFamily="18" charset="0"/>
@@ -2082,14 +2119,14 @@
               <a:t>www.e-education.psu.edu</a:t>
             </a:r>
             <a:r>
-              <a:rPr kumimoji="1" lang="en-US" altLang="ja-JP" sz="1600" dirty="0">
+              <a:rPr kumimoji="1" lang="en-US" altLang="ja-JP" sz="1600">
                 <a:effectLst/>
                 <a:latin typeface="Times New Roman" panose="02020603050405020304" pitchFamily="18" charset="0"/>
                 <a:cs typeface="Times New Roman" panose="02020603050405020304" pitchFamily="18" charset="0"/>
               </a:rPr>
               <a:t>/egee439/node/669]</a:t>
             </a:r>
-            <a:endParaRPr kumimoji="1" lang="en-US" altLang="ja-JP" sz="1600" dirty="0">
+            <a:endParaRPr kumimoji="1" lang="en-US" altLang="ja-JP" sz="1600">
               <a:latin typeface="Times New Roman" panose="02020603050405020304" pitchFamily="18" charset="0"/>
               <a:cs typeface="Times New Roman" panose="02020603050405020304" pitchFamily="18" charset="0"/>
             </a:endParaRPr>
@@ -2199,7 +2236,7 @@
               <a:defRPr/>
             </a:pPr>
             <a:r>
-              <a:rPr lang="en-US" altLang="ja-JP" sz="1800" dirty="0">
+              <a:rPr lang="en-US" altLang="ja-JP" sz="1800">
                 <a:effectLst/>
                 <a:latin typeface="Times New Roman" panose="02020603050405020304" pitchFamily="18" charset="0"/>
                 <a:ea typeface="ＭＳ 明朝" panose="02020609040205080304" pitchFamily="49" charset="-128"/>
@@ -2216,7 +2253,7 @@
               <a:t>回目のグルコース滴下後に電流密度が低下し続ける反応が見られた。また、測定</a:t>
             </a:r>
             <a:r>
-              <a:rPr lang="en-US" altLang="ja-JP" sz="1800" dirty="0">
+              <a:rPr lang="en-US" altLang="ja-JP" sz="1800">
                 <a:effectLst/>
                 <a:latin typeface="Times New Roman" panose="02020603050405020304" pitchFamily="18" charset="0"/>
                 <a:ea typeface="ＭＳ 明朝" panose="02020609040205080304" pitchFamily="49" charset="-128"/>
@@ -2233,7 +2270,7 @@
               <a:t>回目以降から測定</a:t>
             </a:r>
             <a:r>
-              <a:rPr lang="en-US" altLang="ja-JP" sz="1800" dirty="0">
+              <a:rPr lang="en-US" altLang="ja-JP" sz="1800">
                 <a:effectLst/>
                 <a:latin typeface="Times New Roman" panose="02020603050405020304" pitchFamily="18" charset="0"/>
                 <a:ea typeface="ＭＳ 明朝" panose="02020609040205080304" pitchFamily="49" charset="-128"/>
@@ -2250,7 +2287,7 @@
               <a:t>回目に比べて電流密度が</a:t>
             </a:r>
             <a:r>
-              <a:rPr lang="en-US" altLang="ja-JP" sz="1800" dirty="0">
+              <a:rPr lang="en-US" altLang="ja-JP" sz="1800">
                 <a:effectLst/>
                 <a:latin typeface="Times New Roman" panose="02020603050405020304" pitchFamily="18" charset="0"/>
                 <a:ea typeface="ＭＳ 明朝" panose="02020609040205080304" pitchFamily="49" charset="-128"/>
@@ -2279,7 +2316,7 @@
               <a:t>また、</a:t>
             </a:r>
             <a:r>
-              <a:rPr lang="en-US" altLang="ja-JP" sz="1800" dirty="0">
+              <a:rPr lang="en-US" altLang="ja-JP" sz="1800">
                 <a:solidFill>
                   <a:srgbClr val="000000"/>
                 </a:solidFill>
@@ -2302,7 +2339,7 @@
               <a:t>回目や</a:t>
             </a:r>
             <a:r>
-              <a:rPr lang="en-US" altLang="ja-JP" sz="1800" dirty="0">
+              <a:rPr lang="en-US" altLang="ja-JP" sz="1800">
                 <a:solidFill>
                   <a:srgbClr val="000000"/>
                 </a:solidFill>
@@ -2325,7 +2362,7 @@
               <a:t>回目での反応と比べて、グルコース滴下</a:t>
             </a:r>
             <a:r>
-              <a:rPr lang="en-US" altLang="ja-JP" sz="1800" dirty="0">
+              <a:rPr lang="en-US" altLang="ja-JP" sz="1800">
                 <a:solidFill>
                   <a:srgbClr val="000000"/>
                 </a:solidFill>
@@ -2348,7 +2385,7 @@
               <a:t>回目と</a:t>
             </a:r>
             <a:r>
-              <a:rPr lang="en-US" altLang="ja-JP" sz="1800" dirty="0">
+              <a:rPr lang="en-US" altLang="ja-JP" sz="1800">
                 <a:solidFill>
                   <a:srgbClr val="000000"/>
                 </a:solidFill>
@@ -2371,7 +2408,7 @@
               <a:t>回目の電流密度の増加の差が大きくなっている。電極洗浄時にミリ</a:t>
             </a:r>
             <a:r>
-              <a:rPr lang="en-US" altLang="ja-JP" sz="1800" dirty="0">
+              <a:rPr lang="en-US" altLang="ja-JP" sz="1800">
                 <a:solidFill>
                   <a:srgbClr val="000000"/>
                 </a:solidFill>
@@ -2394,7 +2431,7 @@
               <a:t>水で電極表面にグルコースから酸化して生成されるグルコン酸など付着していた物質が洗い流されたためと考える。滴下</a:t>
             </a:r>
             <a:r>
-              <a:rPr lang="en-US" altLang="ja-JP" sz="1800" dirty="0">
+              <a:rPr lang="en-US" altLang="ja-JP" sz="1800">
                 <a:solidFill>
                   <a:srgbClr val="000000"/>
                 </a:solidFill>
@@ -2422,7 +2459,7 @@
               </a:rPr>
               <a:t> </a:t>
             </a:r>
-            <a:endParaRPr kumimoji="1" lang="en-US" altLang="ja-JP" dirty="0"/>
+            <a:endParaRPr kumimoji="1" lang="en-US" altLang="ja-JP"/>
           </a:p>
         </p:txBody>
       </p:sp>
@@ -2550,7 +2587,7 @@
               <a:t>グルコース滴下後に電流密度が低下し続ける反応は見られなかった。測定</a:t>
             </a:r>
             <a:r>
-              <a:rPr lang="en-US" altLang="ja-JP" sz="1800" dirty="0">
+              <a:rPr lang="en-US" altLang="ja-JP" sz="1800">
                 <a:effectLst/>
                 <a:latin typeface="Times New Roman" panose="02020603050405020304" pitchFamily="18" charset="0"/>
                 <a:ea typeface="ＭＳ 明朝" panose="02020609040205080304" pitchFamily="49" charset="-128"/>
@@ -2567,7 +2604,7 @@
               <a:t>回目の線形範囲は、複数回測定の中では一番広いが、感度は一番低い結果となった。測定回数</a:t>
             </a:r>
             <a:r>
-              <a:rPr lang="en-US" altLang="ja-JP" sz="1800" dirty="0">
+              <a:rPr lang="en-US" altLang="ja-JP" sz="1800">
                 <a:effectLst/>
                 <a:latin typeface="Times New Roman" panose="02020603050405020304" pitchFamily="18" charset="0"/>
                 <a:ea typeface="ＭＳ 明朝" panose="02020609040205080304" pitchFamily="49" charset="-128"/>
@@ -2584,7 +2621,7 @@
               <a:t>回目が</a:t>
             </a:r>
             <a:r>
-              <a:rPr lang="en-US" altLang="ja-JP" sz="1800" dirty="0">
+              <a:rPr lang="en-US" altLang="ja-JP" sz="1800">
                 <a:effectLst/>
                 <a:latin typeface="Times New Roman" panose="02020603050405020304" pitchFamily="18" charset="0"/>
                 <a:ea typeface="ＭＳ 明朝" panose="02020609040205080304" pitchFamily="49" charset="-128"/>
@@ -2601,7 +2638,7 @@
               <a:t>回目に比べて感度がわずかに高かったが、</a:t>
             </a:r>
             <a:r>
-              <a:rPr lang="en-US" altLang="ja-JP" sz="1800" dirty="0">
+              <a:rPr lang="en-US" altLang="ja-JP" sz="1800">
                 <a:effectLst/>
                 <a:latin typeface="Times New Roman" panose="02020603050405020304" pitchFamily="18" charset="0"/>
                 <a:ea typeface="ＭＳ 明朝" panose="02020609040205080304" pitchFamily="49" charset="-128"/>
@@ -2623,7 +2660,7 @@
               </a:rPr>
               <a:t> </a:t>
             </a:r>
-            <a:endParaRPr kumimoji="1" lang="en-US" altLang="ja-JP" dirty="0"/>
+            <a:endParaRPr kumimoji="1" lang="en-US" altLang="ja-JP"/>
           </a:p>
         </p:txBody>
       </p:sp>
@@ -2730,7 +2767,7 @@
               </a:rPr>
               <a:t>実験手順です。</a:t>
             </a:r>
-            <a:endParaRPr lang="en-US" altLang="ja-JP" sz="1800" kern="100" dirty="0">
+            <a:endParaRPr lang="en-US" altLang="ja-JP" sz="1800" kern="100">
               <a:solidFill>
                 <a:srgbClr val="000000"/>
               </a:solidFill>
@@ -2764,7 +2801,7 @@
               </a:rPr>
               <a:t>まず、ニッケル水酸化物ナノシートの合成を行います。</a:t>
             </a:r>
-            <a:endParaRPr lang="en-US" altLang="ja-JP" sz="1800" kern="100" dirty="0">
+            <a:endParaRPr lang="en-US" altLang="ja-JP" sz="1800" kern="100">
               <a:solidFill>
                 <a:srgbClr val="000000"/>
               </a:solidFill>
@@ -2799,7 +2836,7 @@
               <a:t>はじめに、酢酸ニッケル四水和物にエタノールと水を順番に加え、</a:t>
             </a:r>
             <a:r>
-              <a:rPr lang="en-US" altLang="ja-JP" sz="1800" kern="100" dirty="0">
+              <a:rPr lang="en-US" altLang="ja-JP" sz="1800" kern="100">
                 <a:solidFill>
                   <a:srgbClr val="000000"/>
                 </a:solidFill>
@@ -2832,7 +2869,7 @@
               </a:rPr>
               <a:t>度で加熱還流を行い遠心分離により、層状水酸化物である塩基性酢酸ニッケル塩の合成を行いました。</a:t>
             </a:r>
-            <a:endParaRPr lang="en-US" altLang="ja-JP" sz="1800" kern="100" dirty="0">
+            <a:endParaRPr lang="en-US" altLang="ja-JP" sz="1800" kern="100">
               <a:solidFill>
                 <a:srgbClr val="000000"/>
               </a:solidFill>
@@ -2849,7 +2886,7 @@
           </a:p>
           <a:p>
             <a:pPr algn="just"/>
-            <a:endParaRPr lang="en-US" altLang="ja-JP" sz="1800" kern="100" dirty="0">
+            <a:endParaRPr lang="en-US" altLang="ja-JP" sz="1800" kern="100">
               <a:solidFill>
                 <a:srgbClr val="000000"/>
               </a:solidFill>
@@ -2883,7 +2920,7 @@
               </a:rPr>
               <a:t>次に、先ほど合成した塩基性酢酸ニッケル塩をドデシルベンゼンスルホン酸ナトリウムを溶かした水溶液中にて一晩放置し、塩基性酢酸ニッケル塩の酢酸部分をドデシルベンゼンスルホン酸にイオン交換させ、層状化合物の層間を拡大させました。</a:t>
             </a:r>
-            <a:endParaRPr lang="en-US" altLang="ja-JP" sz="1800" kern="100" dirty="0">
+            <a:endParaRPr lang="en-US" altLang="ja-JP" sz="1800" kern="100">
               <a:solidFill>
                 <a:srgbClr val="000000"/>
               </a:solidFill>
@@ -2987,7 +3024,7 @@
           </a:bodyPr>
           <a:lstStyle/>
           <a:p>
-            <a:endParaRPr kumimoji="1" lang="ja-JP" altLang="en-US" dirty="0"/>
+            <a:endParaRPr kumimoji="1" lang="ja-JP" altLang="en-US"/>
           </a:p>
         </p:txBody>
       </p:sp>
@@ -3091,7 +3128,7 @@
               <a:t>本研究室では、銅、ニッケル、コバルトの水酸化物を</a:t>
             </a:r>
             <a:r>
-              <a:rPr lang="en-US" altLang="ja-JP" sz="1800" kern="100" dirty="0">
+              <a:rPr lang="en-US" altLang="ja-JP" sz="1800" kern="100">
                 <a:solidFill>
                   <a:srgbClr val="000000"/>
                 </a:solidFill>
@@ -3124,7 +3161,7 @@
               </a:rPr>
               <a:t>ブタノール中で単層剥離することによりナノシートが生成したことを報告しています。</a:t>
             </a:r>
-            <a:endParaRPr lang="en-US" altLang="ja-JP" sz="1800" kern="100" dirty="0">
+            <a:endParaRPr lang="en-US" altLang="ja-JP" sz="1800" kern="100">
               <a:solidFill>
                 <a:srgbClr val="000000"/>
               </a:solidFill>
@@ -3158,7 +3195,7 @@
               </a:rPr>
               <a:t>また、銅水酸化物ナノシートではグルコースの酸化が確認されています。一方のニッケル水酸化物の異なるナノ構造でもグルコースの酸化についていくつかの例が報告されています。</a:t>
             </a:r>
-            <a:endParaRPr lang="en-US" altLang="ja-JP" sz="1800" kern="100" dirty="0">
+            <a:endParaRPr lang="en-US" altLang="ja-JP" sz="1800" kern="100">
               <a:solidFill>
                 <a:srgbClr val="000000"/>
               </a:solidFill>
@@ -3192,7 +3229,7 @@
               </a:rPr>
               <a:t>このことから、ニッケル水酸化ナノシートでもグルコースの酸化が可能であると考え、本研究ではニッケル水酸化物ナノシート固定電極を作製し、電気化学的なグルコース酸化の検討を行いました。</a:t>
             </a:r>
-            <a:endParaRPr lang="en-US" altLang="ja-JP" sz="1800" kern="100" dirty="0">
+            <a:endParaRPr lang="en-US" altLang="ja-JP" sz="1800" kern="100">
               <a:solidFill>
                 <a:srgbClr val="000000"/>
               </a:solidFill>
@@ -3323,7 +3360,7 @@
               <a:t>ナフィオンをバインダーとしてそれぞれ</a:t>
             </a:r>
             <a:r>
-              <a:rPr lang="en-US" altLang="ja-JP" sz="1600" kern="100" dirty="0">
+              <a:rPr lang="en-US" altLang="ja-JP" sz="1600" kern="100">
                 <a:solidFill>
                   <a:srgbClr val="000000"/>
                 </a:solidFill>
@@ -3345,7 +3382,7 @@
               <a:t>カーボンペースト電極を</a:t>
             </a:r>
             <a:r>
-              <a:rPr lang="en-US" altLang="ja-JP" sz="1600" kern="100" dirty="0">
+              <a:rPr lang="en-US" altLang="ja-JP" sz="1600" kern="100">
                 <a:solidFill>
                   <a:srgbClr val="000000"/>
                 </a:solidFill>
@@ -3366,7 +3403,7 @@
               </a:rPr>
               <a:t>つ作製し、クロノアンペロメトリを測定を行なった。</a:t>
             </a:r>
-            <a:endParaRPr lang="en-US" altLang="ja-JP" sz="1600" kern="100" dirty="0">
+            <a:endParaRPr lang="en-US" altLang="ja-JP" sz="1600" kern="100">
               <a:solidFill>
                 <a:srgbClr val="000000"/>
               </a:solidFill>
@@ -3394,7 +3431,7 @@
               <a:defRPr/>
             </a:pPr>
             <a:r>
-              <a:rPr lang="en-US" altLang="ja-JP" sz="1600" kern="100" dirty="0">
+              <a:rPr lang="en-US" altLang="ja-JP" sz="1600" kern="100">
                 <a:solidFill>
                   <a:srgbClr val="000000"/>
                 </a:solidFill>
@@ -3416,7 +3453,7 @@
               <a:t>量はおいとく</a:t>
             </a:r>
             <a:r>
-              <a:rPr lang="en-US" altLang="ja-JP" sz="1600" kern="100" dirty="0">
+              <a:rPr lang="en-US" altLang="ja-JP" sz="1600" kern="100">
                 <a:solidFill>
                   <a:srgbClr val="000000"/>
                 </a:solidFill>
@@ -3456,7 +3493,7 @@
               </a:rPr>
               <a:t>高い時と低い時がセルロースに比べると</a:t>
             </a:r>
-            <a:endParaRPr lang="en-US" altLang="ja-JP" sz="1600" dirty="0">
+            <a:endParaRPr lang="en-US" altLang="ja-JP" sz="1600">
               <a:effectLst/>
               <a:latin typeface="Times New Roman" panose="02020603050405020304" pitchFamily="18" charset="0"/>
               <a:cs typeface="Times New Roman" panose="02020603050405020304" pitchFamily="18" charset="0"/>
@@ -3480,7 +3517,7 @@
               <a:tabLst/>
               <a:defRPr/>
             </a:pPr>
-            <a:endParaRPr lang="en-US" altLang="ja-JP" sz="1600" dirty="0">
+            <a:endParaRPr lang="en-US" altLang="ja-JP" sz="1600">
               <a:effectLst/>
               <a:latin typeface="Times New Roman" panose="02020603050405020304" pitchFamily="18" charset="0"/>
               <a:cs typeface="Times New Roman" panose="02020603050405020304" pitchFamily="18" charset="0"/>
@@ -3513,7 +3550,7 @@
               <a:t>グルコースに対して反応し電流を流すことは確認できた。</a:t>
             </a:r>
             <a:r>
-              <a:rPr lang="en-US" altLang="ja-JP" sz="1600" dirty="0">
+              <a:rPr lang="en-US" altLang="ja-JP" sz="1600">
                 <a:solidFill>
                   <a:srgbClr val="000000"/>
                 </a:solidFill>
@@ -3535,7 +3572,7 @@
               <a:t>電極</a:t>
             </a:r>
             <a:r>
-              <a:rPr lang="en-US" altLang="ja-JP" sz="1600" dirty="0">
+              <a:rPr lang="en-US" altLang="ja-JP" sz="1600">
                 <a:solidFill>
                   <a:srgbClr val="000000"/>
                 </a:solidFill>
@@ -3557,7 +3594,7 @@
               <a:t>では、グルコースが</a:t>
             </a:r>
             <a:r>
-              <a:rPr lang="en-US" altLang="ja-JP" sz="1600" dirty="0">
+              <a:rPr lang="en-US" altLang="ja-JP" sz="1600">
                 <a:solidFill>
                   <a:srgbClr val="000000"/>
                 </a:solidFill>
@@ -3587,7 +3624,7 @@
               <a:t>ナフィオン溶液を用いた電極はセルロースナノファイバーを用いた電極より濃度に対する電流増加量</a:t>
             </a:r>
             <a:r>
-              <a:rPr lang="en-US" altLang="ja-JP" sz="1600" dirty="0">
+              <a:rPr lang="en-US" altLang="ja-JP" sz="1600">
                 <a:effectLst/>
                 <a:latin typeface="Times New Roman" panose="02020603050405020304" pitchFamily="18" charset="0"/>
                 <a:cs typeface="Times New Roman" panose="02020603050405020304" pitchFamily="18" charset="0"/>
@@ -3603,7 +3640,7 @@
               <a:t>感度</a:t>
             </a:r>
             <a:r>
-              <a:rPr lang="en-US" altLang="ja-JP" sz="1600" dirty="0">
+              <a:rPr lang="en-US" altLang="ja-JP" sz="1600">
                 <a:effectLst/>
                 <a:latin typeface="Times New Roman" panose="02020603050405020304" pitchFamily="18" charset="0"/>
                 <a:cs typeface="Times New Roman" panose="02020603050405020304" pitchFamily="18" charset="0"/>
@@ -3618,7 +3655,7 @@
               </a:rPr>
               <a:t>が大きく、電流密度が低い電極は無かった。結果として、ナフィオンは再現性が乏しいとは言えない電極であった。 </a:t>
             </a:r>
-            <a:endParaRPr lang="en-US" altLang="ja-JP" sz="1600" dirty="0">
+            <a:endParaRPr lang="en-US" altLang="ja-JP" sz="1600">
               <a:effectLst/>
               <a:latin typeface="Times New Roman" panose="02020603050405020304" pitchFamily="18" charset="0"/>
               <a:cs typeface="Times New Roman" panose="02020603050405020304" pitchFamily="18" charset="0"/>
@@ -3642,7 +3679,7 @@
               <a:tabLst/>
               <a:defRPr/>
             </a:pPr>
-            <a:endParaRPr kumimoji="1" lang="en-US" altLang="ja-JP" sz="1600" dirty="0">
+            <a:endParaRPr kumimoji="1" lang="en-US" altLang="ja-JP" sz="1600">
               <a:effectLst/>
               <a:latin typeface="Times New Roman" panose="02020603050405020304" pitchFamily="18" charset="0"/>
               <a:cs typeface="Times New Roman" panose="02020603050405020304" pitchFamily="18" charset="0"/>
@@ -3674,35 +3711,35 @@
               <a:t>写真</a:t>
             </a:r>
             <a:r>
-              <a:rPr kumimoji="1" lang="en-US" altLang="ja-JP" sz="1600" dirty="0">
+              <a:rPr kumimoji="1" lang="en-US" altLang="ja-JP" sz="1600">
                 <a:latin typeface="Times New Roman" panose="02020603050405020304" pitchFamily="18" charset="0"/>
                 <a:cs typeface="Times New Roman" panose="02020603050405020304" pitchFamily="18" charset="0"/>
               </a:rPr>
               <a:t>[https://</a:t>
             </a:r>
             <a:r>
-              <a:rPr kumimoji="1" lang="en-US" altLang="ja-JP" sz="1600" dirty="0" err="1">
+              <a:rPr kumimoji="1" lang="en-US" altLang="ja-JP" sz="1600" err="1">
                 <a:latin typeface="Times New Roman" panose="02020603050405020304" pitchFamily="18" charset="0"/>
                 <a:cs typeface="Times New Roman" panose="02020603050405020304" pitchFamily="18" charset="0"/>
               </a:rPr>
               <a:t>www.sigmaaldrich.com</a:t>
             </a:r>
             <a:r>
-              <a:rPr kumimoji="1" lang="en-US" altLang="ja-JP" sz="1600" dirty="0">
+              <a:rPr kumimoji="1" lang="en-US" altLang="ja-JP" sz="1600">
                 <a:latin typeface="Times New Roman" panose="02020603050405020304" pitchFamily="18" charset="0"/>
                 <a:cs typeface="Times New Roman" panose="02020603050405020304" pitchFamily="18" charset="0"/>
               </a:rPr>
               <a:t>/JP/ja/product/</a:t>
             </a:r>
             <a:r>
-              <a:rPr kumimoji="1" lang="en-US" altLang="ja-JP" sz="1600" dirty="0" err="1">
+              <a:rPr kumimoji="1" lang="en-US" altLang="ja-JP" sz="1600" err="1">
                 <a:latin typeface="Times New Roman" panose="02020603050405020304" pitchFamily="18" charset="0"/>
                 <a:cs typeface="Times New Roman" panose="02020603050405020304" pitchFamily="18" charset="0"/>
               </a:rPr>
               <a:t>aldrich</a:t>
             </a:r>
             <a:r>
-              <a:rPr kumimoji="1" lang="en-US" altLang="ja-JP" sz="1600" dirty="0">
+              <a:rPr kumimoji="1" lang="en-US" altLang="ja-JP" sz="1600">
                 <a:latin typeface="Times New Roman" panose="02020603050405020304" pitchFamily="18" charset="0"/>
                 <a:cs typeface="Times New Roman" panose="02020603050405020304" pitchFamily="18" charset="0"/>
               </a:rPr>
@@ -3825,7 +3862,7 @@
               <a:t>セルロースナノファイバーをバインダーに用いた電極の中で、線形範囲と感度がもっとも良好であった</a:t>
             </a:r>
             <a:r>
-              <a:rPr lang="en-US" altLang="ja-JP" sz="1600" dirty="0">
+              <a:rPr lang="en-US" altLang="ja-JP" sz="1600">
                 <a:solidFill>
                   <a:srgbClr val="000000"/>
                 </a:solidFill>
@@ -3847,7 +3884,7 @@
               <a:t>電極とナフィオンをバインダーに用いた電極の中で、感度が最も良好であった</a:t>
             </a:r>
             <a:r>
-              <a:rPr lang="en-US" altLang="ja-JP" sz="1600" dirty="0">
+              <a:rPr lang="en-US" altLang="ja-JP" sz="1600">
                 <a:solidFill>
                   <a:srgbClr val="000000"/>
                 </a:solidFill>
@@ -3877,7 +3914,7 @@
               <a:t>線形範囲と感度と共にナフィオンの方がセルロースナノファイバーより良好であった。</a:t>
             </a:r>
             <a:r>
-              <a:rPr lang="en-US" altLang="ja-JP" sz="1600" dirty="0">
+              <a:rPr lang="en-US" altLang="ja-JP" sz="1600">
                 <a:effectLst/>
                 <a:latin typeface="Times New Roman" panose="02020603050405020304" pitchFamily="18" charset="0"/>
                 <a:cs typeface="Times New Roman" panose="02020603050405020304" pitchFamily="18" charset="0"/>
@@ -3915,7 +3952,7 @@
               <a:tabLst/>
               <a:defRPr/>
             </a:pPr>
-            <a:endParaRPr kumimoji="1" lang="en-US" altLang="ja-JP" sz="1600" dirty="0">
+            <a:endParaRPr kumimoji="1" lang="en-US" altLang="ja-JP" sz="1600">
               <a:latin typeface="Times New Roman" panose="02020603050405020304" pitchFamily="18" charset="0"/>
               <a:cs typeface="Times New Roman" panose="02020603050405020304" pitchFamily="18" charset="0"/>
             </a:endParaRPr>
@@ -4027,18 +4064,18 @@
               <a:defRPr/>
             </a:pPr>
             <a:r>
-              <a:rPr kumimoji="1" lang="ja-JP" altLang="en-US" sz="1050" b="0" dirty="0"/>
+              <a:rPr kumimoji="1" lang="ja-JP" altLang="en-US" sz="1050" b="0"/>
               <a:t>これが、ドデシルベンゼンスルホン酸ナトリウムで、このドデシルベンゼンスルホン酸基を以降</a:t>
             </a:r>
             <a:r>
-              <a:rPr kumimoji="1" lang="en-US" altLang="ja-JP" sz="1050" b="0" dirty="0"/>
+              <a:rPr kumimoji="1" lang="en-US" altLang="ja-JP" sz="1050" b="0"/>
               <a:t>DBS</a:t>
             </a:r>
             <a:r>
-              <a:rPr kumimoji="1" lang="ja-JP" altLang="en-US" sz="1050" b="0" dirty="0"/>
+              <a:rPr kumimoji="1" lang="ja-JP" altLang="en-US" sz="1050" b="0"/>
               <a:t>と略します。</a:t>
             </a:r>
-            <a:endParaRPr kumimoji="1" lang="en-US" altLang="ja-JP" sz="1050" b="0" dirty="0"/>
+            <a:endParaRPr kumimoji="1" lang="en-US" altLang="ja-JP" sz="1050" b="0"/>
           </a:p>
           <a:p>
             <a:pPr marL="0" marR="0" lvl="0" indent="0" algn="l" defTabSz="914400" rtl="0" eaLnBrk="1" fontAlgn="auto" latinLnBrk="0" hangingPunct="1">
@@ -4058,7 +4095,7 @@
               <a:tabLst/>
               <a:defRPr/>
             </a:pPr>
-            <a:endParaRPr lang="en-US" altLang="ja-JP" sz="1050" kern="100" dirty="0">
+            <a:endParaRPr lang="en-US" altLang="ja-JP" sz="1050" kern="100">
               <a:solidFill>
                 <a:srgbClr val="000000"/>
               </a:solidFill>
@@ -4129,7 +4166,7 @@
               </a:rPr>
               <a:t>をドデシルベンゼンスルホン酸ナトリウムを溶かした水溶液中にて一晩放置し、酢酸イオンをドデシルベンゼンスルホン酸イオンに交換し、単層剥離できる層状水酸化物を得ることができました。</a:t>
             </a:r>
-            <a:endParaRPr lang="en-US" altLang="ja-JP" sz="1050" kern="100" dirty="0">
+            <a:endParaRPr lang="en-US" altLang="ja-JP" sz="1050" kern="100">
               <a:solidFill>
                 <a:srgbClr val="000000"/>
               </a:solidFill>
@@ -4162,7 +4199,7 @@
               <a:tabLst/>
               <a:defRPr/>
             </a:pPr>
-            <a:endParaRPr lang="en-US" altLang="ja-JP" sz="1050" kern="100" dirty="0">
+            <a:endParaRPr lang="en-US" altLang="ja-JP" sz="1050" kern="100">
               <a:solidFill>
                 <a:srgbClr val="000000"/>
               </a:solidFill>
@@ -4213,7 +4250,7 @@
               <a:t>下</a:t>
             </a:r>
             <a:r>
-              <a:rPr lang="en-US" altLang="ja-JP" sz="1050" kern="100" dirty="0">
+              <a:rPr lang="en-US" altLang="ja-JP" sz="1050" kern="100">
                 <a:solidFill>
                   <a:srgbClr val="000000"/>
                 </a:solidFill>
@@ -4247,7 +4284,7 @@
               <a:t>つの図はそれぞれ</a:t>
             </a:r>
             <a:r>
-              <a:rPr lang="en-US" altLang="ja-JP" sz="1050" kern="100" dirty="0">
+              <a:rPr lang="en-US" altLang="ja-JP" sz="1050" kern="100">
                 <a:solidFill>
                   <a:srgbClr val="000000"/>
                 </a:solidFill>
@@ -4280,7 +4317,7 @@
               </a:rPr>
               <a:t>の結果です。</a:t>
             </a:r>
-            <a:endParaRPr lang="en-US" altLang="ja-JP" sz="1050" kern="100" dirty="0">
+            <a:endParaRPr lang="en-US" altLang="ja-JP" sz="1050" kern="100">
               <a:solidFill>
                 <a:srgbClr val="000000"/>
               </a:solidFill>
@@ -4314,7 +4351,7 @@
               <a:defRPr/>
             </a:pPr>
             <a:r>
-              <a:rPr lang="en-US" altLang="ja-JP" sz="1050" kern="100" dirty="0">
+              <a:rPr lang="en-US" altLang="ja-JP" sz="1050" kern="100">
                 <a:solidFill>
                   <a:srgbClr val="000000"/>
                 </a:solidFill>
@@ -4348,7 +4385,7 @@
               <a:t>結果から、層状塩基性酢酸塩の層間が</a:t>
             </a:r>
             <a:r>
-              <a:rPr lang="en-US" altLang="ja-JP" sz="1050" kern="100" dirty="0">
+              <a:rPr lang="en-US" altLang="ja-JP" sz="1050" kern="100">
                 <a:solidFill>
                   <a:srgbClr val="000000"/>
                 </a:solidFill>
@@ -4382,7 +4419,7 @@
               <a:t>、イオン交換後のニッケル層状水酸化物は、層間が</a:t>
             </a:r>
             <a:r>
-              <a:rPr lang="en-US" altLang="ja-JP" sz="1050" kern="100" dirty="0">
+              <a:rPr lang="en-US" altLang="ja-JP" sz="1050" kern="100">
                 <a:solidFill>
                   <a:srgbClr val="000000"/>
                 </a:solidFill>
@@ -4416,7 +4453,7 @@
               <a:t>であり、イオン交換前と</a:t>
             </a:r>
             <a:r>
-              <a:rPr lang="en-US" altLang="ja-JP" sz="1050" kern="100" dirty="0">
+              <a:rPr lang="en-US" altLang="ja-JP" sz="1050" kern="100">
                 <a:solidFill>
                   <a:srgbClr val="000000"/>
                 </a:solidFill>
@@ -4449,7 +4486,7 @@
               </a:rPr>
               <a:t>ほど拡大されていることが確認できました。</a:t>
             </a:r>
-            <a:endParaRPr lang="en-US" altLang="ja-JP" sz="1050" kern="100" dirty="0">
+            <a:endParaRPr lang="en-US" altLang="ja-JP" sz="1050" kern="100">
               <a:solidFill>
                 <a:srgbClr val="000000"/>
               </a:solidFill>
@@ -4482,7 +4519,7 @@
               <a:tabLst/>
               <a:defRPr/>
             </a:pPr>
-            <a:endParaRPr lang="en-US" altLang="ja-JP" sz="1050" kern="100" dirty="0">
+            <a:endParaRPr lang="en-US" altLang="ja-JP" sz="1050" kern="100">
               <a:solidFill>
                 <a:srgbClr val="000000"/>
               </a:solidFill>
@@ -4516,7 +4553,7 @@
               <a:defRPr/>
             </a:pPr>
             <a:r>
-              <a:rPr lang="en-US" altLang="ja-JP" sz="1050" kern="100" dirty="0">
+              <a:rPr lang="en-US" altLang="ja-JP" sz="1050" kern="100">
                 <a:solidFill>
                   <a:srgbClr val="000000"/>
                 </a:solidFill>
@@ -4550,7 +4587,7 @@
               <a:t>は</a:t>
             </a:r>
             <a:r>
-              <a:rPr lang="en-US" altLang="ja-JP" sz="1050" kern="100" dirty="0">
+              <a:rPr lang="en-US" altLang="ja-JP" sz="1050" kern="100">
                 <a:solidFill>
                   <a:srgbClr val="000000"/>
                 </a:solidFill>
@@ -4584,7 +4621,7 @@
               <a:t>長辺の長さと一致しており、層状塩基性酢酸塩の層間が</a:t>
             </a:r>
             <a:r>
-              <a:rPr lang="en-US" altLang="ja-JP" sz="1050" kern="100" dirty="0">
+              <a:rPr lang="en-US" altLang="ja-JP" sz="1050" kern="100">
                 <a:solidFill>
                   <a:srgbClr val="000000"/>
                 </a:solidFill>
@@ -4617,7 +4654,7 @@
               </a:rPr>
               <a:t>により拡大されていることが確認できました。</a:t>
             </a:r>
-            <a:endParaRPr lang="en-US" altLang="ja-JP" sz="1050" kern="100" dirty="0">
+            <a:endParaRPr lang="en-US" altLang="ja-JP" sz="1050" kern="100">
               <a:solidFill>
                 <a:srgbClr val="000000"/>
               </a:solidFill>
@@ -4650,7 +4687,7 @@
               <a:tabLst/>
               <a:defRPr/>
             </a:pPr>
-            <a:endParaRPr lang="en-US" altLang="ja-JP" sz="1050" kern="100" dirty="0">
+            <a:endParaRPr lang="en-US" altLang="ja-JP" sz="1050" kern="100">
               <a:solidFill>
                 <a:srgbClr val="000000"/>
               </a:solidFill>
@@ -4684,7 +4721,7 @@
               <a:defRPr/>
             </a:pPr>
             <a:r>
-              <a:rPr lang="en-US" altLang="ja-JP" sz="1050" kern="100" dirty="0">
+              <a:rPr lang="en-US" altLang="ja-JP" sz="1050" kern="100">
                 <a:solidFill>
                   <a:srgbClr val="000000"/>
                 </a:solidFill>
@@ -4718,7 +4755,7 @@
               <a:t>指数と講師</a:t>
             </a:r>
             <a:r>
-              <a:rPr lang="en-US" altLang="ja-JP" sz="1050" kern="100" dirty="0">
+              <a:rPr lang="en-US" altLang="ja-JP" sz="1050" kern="100">
                 <a:solidFill>
                   <a:srgbClr val="000000"/>
                 </a:solidFill>
@@ -4843,7 +4880,7 @@
               <a:defRPr/>
             </a:pPr>
             <a:r>
-              <a:rPr lang="en-US" altLang="ja-JP" sz="1050" kern="100" dirty="0">
+              <a:rPr lang="en-US" altLang="ja-JP" sz="1050" kern="100">
                 <a:solidFill>
                   <a:srgbClr val="000000"/>
                 </a:solidFill>
@@ -4877,7 +4914,7 @@
               <a:t>結果から、イオン交換前の層状塩基性酢酸ニッケルの層間が</a:t>
             </a:r>
             <a:r>
-              <a:rPr lang="en-US" altLang="ja-JP" sz="1050" kern="100" dirty="0">
+              <a:rPr lang="en-US" altLang="ja-JP" sz="1050" kern="100">
                 <a:solidFill>
                   <a:srgbClr val="000000"/>
                 </a:solidFill>
@@ -4911,7 +4948,7 @@
               <a:t>でイオン交換後のニッケル層状水酸化物は、層間が</a:t>
             </a:r>
             <a:r>
-              <a:rPr lang="en-US" altLang="ja-JP" sz="1050" kern="100" dirty="0">
+              <a:rPr lang="en-US" altLang="ja-JP" sz="1050" kern="100">
                 <a:solidFill>
                   <a:srgbClr val="000000"/>
                 </a:solidFill>
@@ -4945,7 +4982,7 @@
               <a:t>であり、イオン交換前と</a:t>
             </a:r>
             <a:r>
-              <a:rPr lang="en-US" altLang="ja-JP" sz="1050" kern="100" dirty="0">
+              <a:rPr lang="en-US" altLang="ja-JP" sz="1050" kern="100">
                 <a:solidFill>
                   <a:srgbClr val="000000"/>
                 </a:solidFill>
@@ -4978,7 +5015,7 @@
               </a:rPr>
               <a:t>ほど拡大されていることが確認できました。</a:t>
             </a:r>
-            <a:endParaRPr lang="en-US" altLang="ja-JP" sz="1050" kern="100" dirty="0">
+            <a:endParaRPr lang="en-US" altLang="ja-JP" sz="1050" kern="100">
               <a:solidFill>
                 <a:srgbClr val="000000"/>
               </a:solidFill>
@@ -5011,7 +5048,7 @@
               <a:tabLst/>
               <a:defRPr/>
             </a:pPr>
-            <a:endParaRPr lang="en-US" altLang="ja-JP" sz="1050" kern="100" dirty="0">
+            <a:endParaRPr lang="en-US" altLang="ja-JP" sz="1050" kern="100">
               <a:solidFill>
                 <a:srgbClr val="000000"/>
               </a:solidFill>
@@ -5045,7 +5082,7 @@
               <a:defRPr/>
             </a:pPr>
             <a:r>
-              <a:rPr lang="en-US" altLang="ja-JP" sz="1050" kern="100" dirty="0">
+              <a:rPr lang="en-US" altLang="ja-JP" sz="1050" kern="100">
                 <a:solidFill>
                   <a:srgbClr val="000000"/>
                 </a:solidFill>
@@ -5079,7 +5116,7 @@
               <a:t>は</a:t>
             </a:r>
             <a:r>
-              <a:rPr lang="en-US" altLang="ja-JP" sz="1050" kern="100" dirty="0">
+              <a:rPr lang="en-US" altLang="ja-JP" sz="1050" kern="100">
                 <a:solidFill>
                   <a:srgbClr val="000000"/>
                 </a:solidFill>
@@ -5113,7 +5150,7 @@
               <a:t>長辺の長さと一致しており、層状塩基性酢酸ニッケルの層間が</a:t>
             </a:r>
             <a:r>
-              <a:rPr lang="en-US" altLang="ja-JP" sz="1050" kern="100" dirty="0">
+              <a:rPr lang="en-US" altLang="ja-JP" sz="1050" kern="100">
                 <a:solidFill>
                   <a:srgbClr val="000000"/>
                 </a:solidFill>
@@ -5146,7 +5183,7 @@
               </a:rPr>
               <a:t>により拡大されていることが確認できました。</a:t>
             </a:r>
-            <a:endParaRPr lang="en-US" altLang="ja-JP" sz="1050" kern="100" dirty="0">
+            <a:endParaRPr lang="en-US" altLang="ja-JP" sz="1050" kern="100">
               <a:solidFill>
                 <a:srgbClr val="000000"/>
               </a:solidFill>
@@ -5266,7 +5303,7 @@
               </a:rPr>
               <a:t>ニッケル水酸化物ナノシートの合成についてです。</a:t>
             </a:r>
-            <a:endParaRPr lang="en-US" altLang="ja-JP" sz="1600" kern="100" dirty="0">
+            <a:endParaRPr lang="en-US" altLang="ja-JP" sz="1600" kern="100">
               <a:solidFill>
                 <a:srgbClr val="000000"/>
               </a:solidFill>
@@ -5282,7 +5319,7 @@
           </a:p>
           <a:p>
             <a:pPr algn="just"/>
-            <a:endParaRPr lang="en-US" altLang="ja-JP" sz="1600" kern="100" dirty="0">
+            <a:endParaRPr lang="en-US" altLang="ja-JP" sz="1600" kern="100">
               <a:solidFill>
                 <a:srgbClr val="000000"/>
               </a:solidFill>
@@ -5315,7 +5352,7 @@
               <a:t>酢酸ニッケル四水和物にエタノール</a:t>
             </a:r>
             <a:r>
-              <a:rPr lang="en-US" altLang="ja-JP" sz="1600" kern="100" dirty="0">
+              <a:rPr lang="en-US" altLang="ja-JP" sz="1600" kern="100">
                 <a:solidFill>
                   <a:srgbClr val="000000"/>
                 </a:solidFill>
@@ -5378,7 +5415,7 @@
               </a:rPr>
               <a:t>酢酸イオンをドデシルベンゼンスルホン酸イオンに交換させ、層間の拡大を行いました。</a:t>
             </a:r>
-            <a:endParaRPr lang="en-US" altLang="ja-JP" sz="1600" kern="100" dirty="0">
+            <a:endParaRPr lang="en-US" altLang="ja-JP" sz="1600" kern="100">
               <a:solidFill>
                 <a:srgbClr val="000000"/>
               </a:solidFill>
@@ -5498,7 +5535,7 @@
               <a:t>実験手順です。まず、ニッケル水酸化物ナノシートの前駆体であるニッケル層状水酸化物を合成しました。酢酸ニッケル四水和物にエタノール</a:t>
             </a:r>
             <a:r>
-              <a:rPr lang="en-US" altLang="ja-JP" sz="1600" kern="100" dirty="0">
+              <a:rPr lang="en-US" altLang="ja-JP" sz="1600" kern="100">
                 <a:solidFill>
                   <a:srgbClr val="000000"/>
                 </a:solidFill>
@@ -5565,7 +5602,7 @@
               </a:rPr>
               <a:t>酢酸イオンをドデシルベンゼンスルホン酸イオンに交換させることにより層間を拡大しました。</a:t>
             </a:r>
-            <a:endParaRPr lang="en-US" altLang="ja-JP" sz="1600" kern="100" dirty="0">
+            <a:endParaRPr lang="en-US" altLang="ja-JP" sz="1600" kern="100">
               <a:solidFill>
                 <a:srgbClr val="000000"/>
               </a:solidFill>
@@ -5583,7 +5620,7 @@
           <a:p>
             <a:pPr algn="just"/>
             <a:r>
-              <a:rPr lang="en-US" altLang="ja-JP" sz="1600" kern="100" dirty="0">
+              <a:rPr lang="en-US" altLang="ja-JP" sz="1600" kern="100">
                 <a:solidFill>
                   <a:srgbClr val="000000"/>
                 </a:solidFill>
@@ -5617,7 +5654,7 @@
               <a:t>の結果から、層状塩基性酢酸ニッケルでは層間が</a:t>
             </a:r>
             <a:r>
-              <a:rPr lang="en-US" altLang="ja-JP" sz="1600" kern="100" dirty="0">
+              <a:rPr lang="en-US" altLang="ja-JP" sz="1600" kern="100">
                 <a:solidFill>
                   <a:srgbClr val="000000"/>
                 </a:solidFill>
@@ -5651,7 +5688,7 @@
               <a:t>、イオン交換後は</a:t>
             </a:r>
             <a:r>
-              <a:rPr lang="en-US" altLang="ja-JP" sz="1600" kern="100" dirty="0">
+              <a:rPr lang="en-US" altLang="ja-JP" sz="1600" kern="100">
                 <a:solidFill>
                   <a:srgbClr val="000000"/>
                 </a:solidFill>
@@ -5685,7 +5722,7 @@
               <a:t>であることがわかり、層間が約</a:t>
             </a:r>
             <a:r>
-              <a:rPr lang="en-US" altLang="ja-JP" sz="1600" kern="100" dirty="0">
+              <a:rPr lang="en-US" altLang="ja-JP" sz="1600" kern="100">
                 <a:solidFill>
                   <a:srgbClr val="000000"/>
                 </a:solidFill>
@@ -5719,7 +5756,7 @@
               <a:t>拡大していました。ドデシルベンゼンスルホン酸イオンの長さが約</a:t>
             </a:r>
             <a:r>
-              <a:rPr lang="en-US" altLang="ja-JP" sz="1600" kern="100" dirty="0">
+              <a:rPr lang="en-US" altLang="ja-JP" sz="1600" kern="100">
                 <a:solidFill>
                   <a:srgbClr val="000000"/>
                 </a:solidFill>
@@ -5752,7 +5789,7 @@
               </a:rPr>
               <a:t>程度であるため、イオン交換が達成できた判断しました。</a:t>
             </a:r>
-            <a:endParaRPr lang="en-US" altLang="ja-JP" sz="1600" kern="100" dirty="0">
+            <a:endParaRPr lang="en-US" altLang="ja-JP" sz="1600" kern="100">
               <a:solidFill>
                 <a:srgbClr val="000000"/>
               </a:solidFill>
@@ -5873,7 +5910,7 @@
               <a:t>次に、イオン交換後のニッケル層状水酸化物を</a:t>
             </a:r>
             <a:r>
-              <a:rPr lang="en-US" altLang="ja-JP" sz="1600" kern="100" dirty="0">
+              <a:rPr lang="en-US" altLang="ja-JP" sz="1600" kern="100">
                 <a:solidFill>
                   <a:srgbClr val="000000"/>
                 </a:solidFill>
@@ -5906,7 +5943,7 @@
               </a:rPr>
               <a:t>ブタノール中で超音波分散による単層剥離し、ニッケルナノシート分散液を作成しました。</a:t>
             </a:r>
-            <a:endParaRPr lang="en-US" altLang="ja-JP" sz="1600" kern="100" dirty="0">
+            <a:endParaRPr lang="en-US" altLang="ja-JP" sz="1600" kern="100">
               <a:solidFill>
                 <a:srgbClr val="000000"/>
               </a:solidFill>
@@ -5941,7 +5978,7 @@
               <a:t>作成後の分散液にレーザーポインターを当てるとチンダル現象がみられ、ナノシートが</a:t>
             </a:r>
             <a:r>
-              <a:rPr lang="en-US" altLang="ja-JP" sz="1600" kern="100" dirty="0">
+              <a:rPr lang="en-US" altLang="ja-JP" sz="1600" kern="100">
                 <a:solidFill>
                   <a:srgbClr val="000000"/>
                 </a:solidFill>
@@ -5974,7 +6011,7 @@
               </a:rPr>
               <a:t>ブタノール中に分散していることが確認できました。</a:t>
             </a:r>
-            <a:endParaRPr lang="en-US" altLang="ja-JP" sz="1600" kern="100" dirty="0">
+            <a:endParaRPr lang="en-US" altLang="ja-JP" sz="1600" kern="100">
               <a:solidFill>
                 <a:srgbClr val="000000"/>
               </a:solidFill>
@@ -5991,7 +6028,7 @@
           </a:p>
           <a:p>
             <a:pPr algn="just"/>
-            <a:endParaRPr lang="en-US" altLang="ja-JP" sz="1600" kern="100" dirty="0">
+            <a:endParaRPr lang="en-US" altLang="ja-JP" sz="1600" kern="100">
               <a:solidFill>
                 <a:srgbClr val="000000"/>
               </a:solidFill>
@@ -6025,7 +6062,7 @@
               </a:rPr>
               <a:t>この分散液を使って、電気化学測定に用いる電極を作製しました。</a:t>
             </a:r>
-            <a:endParaRPr lang="en-US" altLang="ja-JP" sz="1600" kern="100" dirty="0">
+            <a:endParaRPr lang="en-US" altLang="ja-JP" sz="1600" kern="100">
               <a:solidFill>
                 <a:srgbClr val="000000"/>
               </a:solidFill>
@@ -6143,43 +6180,9 @@
                 <a:ea typeface="MS Mincho" panose="02020609040205080304" pitchFamily="49" charset="-128"/>
                 <a:cs typeface="Times New Roman" panose="02020603050405020304" pitchFamily="18" charset="0"/>
               </a:rPr>
-              <a:t>電極の作製についてです。キャスト電極では、ニッケルナノシート分散液を減圧濃縮させ</a:t>
-            </a:r>
-            <a:r>
-              <a:rPr lang="en-US" altLang="ja-JP" sz="1600" kern="100" dirty="0">
-                <a:solidFill>
-                  <a:srgbClr val="000000"/>
-                </a:solidFill>
-                <a:effectLst/>
-                <a:uFill>
-                  <a:solidFill>
-                    <a:srgbClr val="000000"/>
-                  </a:solidFill>
-                </a:uFill>
-                <a:latin typeface="MS Mincho" panose="02020609040205080304" pitchFamily="49" charset="-128"/>
-                <a:ea typeface="MS Mincho" panose="02020609040205080304" pitchFamily="49" charset="-128"/>
-                <a:cs typeface="Times New Roman" panose="02020603050405020304" pitchFamily="18" charset="0"/>
-              </a:rPr>
-              <a:t>1-</a:t>
-            </a:r>
-            <a:r>
-              <a:rPr lang="ja-JP" altLang="en-US" sz="1600" kern="100">
-                <a:solidFill>
-                  <a:srgbClr val="000000"/>
-                </a:solidFill>
-                <a:effectLst/>
-                <a:uFill>
-                  <a:solidFill>
-                    <a:srgbClr val="000000"/>
-                  </a:solidFill>
-                </a:uFill>
-                <a:latin typeface="MS Mincho" panose="02020609040205080304" pitchFamily="49" charset="-128"/>
-                <a:ea typeface="MS Mincho" panose="02020609040205080304" pitchFamily="49" charset="-128"/>
-                <a:cs typeface="Times New Roman" panose="02020603050405020304" pitchFamily="18" charset="0"/>
-              </a:rPr>
-              <a:t>ブタノールを蒸発させました。この濃縮液をグラッシーカーボン電極にピペットを用いて滴下乾燥を繰り返しました。</a:t>
-            </a:r>
-            <a:endParaRPr lang="en-US" altLang="ja-JP" sz="1600" kern="100" dirty="0">
+              <a:t>電極の作製についてです。キャスト電極では、ニッケルナノシート分散液を減圧濃縮させた。この濃縮液をグラッシーカーボン電極にピペットを用いて滴下乾燥を繰り返しました。</a:t>
+            </a:r>
+            <a:endParaRPr lang="en-US" altLang="ja-JP" sz="1600" kern="100">
               <a:solidFill>
                 <a:srgbClr val="000000"/>
               </a:solidFill>
@@ -6229,7 +6232,7 @@
               </a:rPr>
               <a:t>次に、カーボンペースト電極では、先ほど得たニッケルナノシート分散液にケッチェンブラックを混ぜ、減圧乾燥を行いました。乳鉢にバインダーとしてナフィオンまたはセルロースナノファイバーを入れて、減圧乾燥させた粉末を入念に混ぜ合わせました。混ぜ合わせた粉末をカーボンペースト用電極の穴に入る様に叩きながら詰め、作製を行いました。</a:t>
             </a:r>
-            <a:endParaRPr lang="en-US" altLang="ja-JP" sz="1600" kern="100" dirty="0">
+            <a:endParaRPr lang="en-US" altLang="ja-JP" sz="1600" kern="100">
               <a:solidFill>
                 <a:srgbClr val="000000"/>
               </a:solidFill>
@@ -6246,7 +6249,7 @@
           </a:p>
           <a:p>
             <a:pPr algn="just"/>
-            <a:endParaRPr lang="en-US" altLang="ja-JP" sz="1600" kern="100" dirty="0">
+            <a:endParaRPr lang="en-US" altLang="ja-JP" sz="1600" kern="100">
               <a:solidFill>
                 <a:srgbClr val="000000"/>
               </a:solidFill>
@@ -6357,7 +6360,7 @@
               </a:rPr>
               <a:t>電気化学測定は三電極法を使用しました。</a:t>
             </a:r>
-            <a:endParaRPr kumimoji="1" lang="en-US" altLang="ja-JP" sz="1600" b="0" dirty="0">
+            <a:endParaRPr kumimoji="1" lang="en-US" altLang="ja-JP" sz="1600" b="0">
               <a:latin typeface="MS Mincho" panose="02020609040205080304" pitchFamily="49" charset="-128"/>
               <a:ea typeface="MS Mincho" panose="02020609040205080304" pitchFamily="49" charset="-128"/>
               <a:cs typeface="Times New Roman" panose="02020603050405020304" pitchFamily="18" charset="0"/>
@@ -6366,7 +6369,7 @@
           <a:p>
             <a:pPr algn="just"/>
             <a:r>
-              <a:rPr kumimoji="1" lang="en-US" altLang="ja-JP" sz="1600" b="0" dirty="0">
+              <a:rPr kumimoji="1" lang="en-US" altLang="ja-JP" sz="1600" b="0">
                 <a:latin typeface="MS Mincho" panose="02020609040205080304" pitchFamily="49" charset="-128"/>
                 <a:ea typeface="MS Mincho" panose="02020609040205080304" pitchFamily="49" charset="-128"/>
                 <a:cs typeface="Times New Roman" panose="02020603050405020304" pitchFamily="18" charset="0"/>
@@ -6382,7 +6385,7 @@
               <a:t>水酸化ナトリウム電解液中で行い、作用極は作製した電極、対極は白金線、参照極は</a:t>
             </a:r>
             <a:r>
-              <a:rPr kumimoji="1" lang="en-US" altLang="ja-JP" sz="1600" b="0" dirty="0">
+              <a:rPr kumimoji="1" lang="en-US" altLang="ja-JP" sz="1600" b="0">
                 <a:latin typeface="MS Mincho" panose="02020609040205080304" pitchFamily="49" charset="-128"/>
                 <a:ea typeface="MS Mincho" panose="02020609040205080304" pitchFamily="49" charset="-128"/>
                 <a:cs typeface="Times New Roman" panose="02020603050405020304" pitchFamily="18" charset="0"/>
@@ -6397,7 +6400,7 @@
               </a:rPr>
               <a:t>電極を用いて測定を行いました。</a:t>
             </a:r>
-            <a:endParaRPr kumimoji="1" lang="en-US" altLang="ja-JP" sz="1600" b="0" dirty="0">
+            <a:endParaRPr kumimoji="1" lang="en-US" altLang="ja-JP" sz="1600" b="0">
               <a:latin typeface="MS Mincho" panose="02020609040205080304" pitchFamily="49" charset="-128"/>
               <a:ea typeface="MS Mincho" panose="02020609040205080304" pitchFamily="49" charset="-128"/>
               <a:cs typeface="Times New Roman" panose="02020603050405020304" pitchFamily="18" charset="0"/>
@@ -6519,7 +6522,7 @@
               </a:rPr>
               <a:t>キャスト電極によるサイクリックボルタンメトリ測定を行い、ニッケル水酸化物ナノシートによるグルコース酸化を調べました。</a:t>
             </a:r>
-            <a:endParaRPr lang="en-US" altLang="ja-JP" sz="1600" dirty="0">
+            <a:endParaRPr lang="en-US" altLang="ja-JP" sz="1600">
               <a:solidFill>
                 <a:srgbClr val="000000"/>
               </a:solidFill>
@@ -6567,7 +6570,7 @@
               <a:t>が、グルコース量を増やすにつれて</a:t>
             </a:r>
             <a:r>
-              <a:rPr lang="en-US" altLang="ja-JP" sz="1600" dirty="0">
+              <a:rPr lang="en-US" altLang="ja-JP" sz="1600">
                 <a:solidFill>
                   <a:srgbClr val="000000"/>
                 </a:solidFill>
@@ -6590,7 +6593,7 @@
               </a:rPr>
               <a:t>付近に電流量の増加が見られました。</a:t>
             </a:r>
-            <a:endParaRPr lang="en-US" altLang="ja-JP" sz="1600" dirty="0">
+            <a:endParaRPr lang="en-US" altLang="ja-JP" sz="1600">
               <a:solidFill>
                 <a:srgbClr val="000000"/>
               </a:solidFill>
@@ -6631,7 +6634,7 @@
               <a:t>この結果をもとに、</a:t>
             </a:r>
             <a:r>
-              <a:rPr lang="en-US" altLang="ja-JP" sz="1600" dirty="0">
+              <a:rPr lang="en-US" altLang="ja-JP" sz="1600">
                 <a:solidFill>
                   <a:srgbClr val="000000"/>
                 </a:solidFill>
@@ -6655,7 +6658,7 @@
               <a:t>ｌ</a:t>
             </a:r>
             <a:r>
-              <a:rPr lang="en-US" altLang="ja-JP" sz="1600" dirty="0">
+              <a:rPr lang="en-US" altLang="ja-JP" sz="1600">
                 <a:solidFill>
                   <a:srgbClr val="000000"/>
                 </a:solidFill>
@@ -6678,7 +6681,7 @@
               </a:rPr>
               <a:t>の低電位をかけて濃度に対する電流密度の測定を行いました。</a:t>
             </a:r>
-            <a:endParaRPr lang="en-US" altLang="ja-JP" sz="1600" dirty="0">
+            <a:endParaRPr lang="en-US" altLang="ja-JP" sz="1600">
               <a:solidFill>
                 <a:srgbClr val="000000"/>
               </a:solidFill>
@@ -6800,7 +6803,7 @@
               </a:rPr>
               <a:t>グルコース濃度に対する電流密度をカーボンペースト電極を用いて測定しました。</a:t>
             </a:r>
-            <a:endParaRPr kumimoji="1" lang="en-US" altLang="ja-JP" sz="1600" dirty="0">
+            <a:endParaRPr kumimoji="1" lang="en-US" altLang="ja-JP" sz="1600">
               <a:latin typeface="MS Mincho" panose="02020609040205080304" pitchFamily="49" charset="-128"/>
               <a:ea typeface="MS Mincho" panose="02020609040205080304" pitchFamily="49" charset="-128"/>
               <a:cs typeface="Times New Roman" panose="02020603050405020304" pitchFamily="18" charset="0"/>
@@ -6833,7 +6836,7 @@
               <a:t>ここにプロットされている</a:t>
             </a:r>
             <a:r>
-              <a:rPr kumimoji="1" lang="en-US" altLang="ja-JP" sz="1600" dirty="0">
+              <a:rPr kumimoji="1" lang="en-US" altLang="ja-JP" sz="1600">
                 <a:latin typeface="MS Mincho" panose="02020609040205080304" pitchFamily="49" charset="-128"/>
                 <a:ea typeface="MS Mincho" panose="02020609040205080304" pitchFamily="49" charset="-128"/>
                 <a:cs typeface="Times New Roman" panose="02020603050405020304" pitchFamily="18" charset="0"/>
@@ -6848,7 +6851,7 @@
               </a:rPr>
               <a:t>つの電極は全てバインダーとしてセルロースナノファイバーを使用し、同じ量、同じ手法で作製を行いました。</a:t>
             </a:r>
-            <a:endParaRPr kumimoji="1" lang="en-US" altLang="ja-JP" sz="1600" dirty="0">
+            <a:endParaRPr kumimoji="1" lang="en-US" altLang="ja-JP" sz="1600">
               <a:latin typeface="MS Mincho" panose="02020609040205080304" pitchFamily="49" charset="-128"/>
               <a:ea typeface="MS Mincho" panose="02020609040205080304" pitchFamily="49" charset="-128"/>
               <a:cs typeface="Times New Roman" panose="02020603050405020304" pitchFamily="18" charset="0"/>
@@ -6881,7 +6884,7 @@
               <a:t>しかし、上</a:t>
             </a:r>
             <a:r>
-              <a:rPr kumimoji="1" lang="en-US" altLang="ja-JP" sz="1600" dirty="0">
+              <a:rPr kumimoji="1" lang="en-US" altLang="ja-JP" sz="1600">
                 <a:latin typeface="MS Mincho" panose="02020609040205080304" pitchFamily="49" charset="-128"/>
                 <a:ea typeface="MS Mincho" panose="02020609040205080304" pitchFamily="49" charset="-128"/>
                 <a:cs typeface="Times New Roman" panose="02020603050405020304" pitchFamily="18" charset="0"/>
@@ -6897,7 +6900,7 @@
               <a:t>つのオレンジと緑の電極、下</a:t>
             </a:r>
             <a:r>
-              <a:rPr kumimoji="1" lang="en-US" altLang="ja-JP" sz="1600" dirty="0">
+              <a:rPr kumimoji="1" lang="en-US" altLang="ja-JP" sz="1600">
                 <a:latin typeface="MS Mincho" panose="02020609040205080304" pitchFamily="49" charset="-128"/>
                 <a:ea typeface="MS Mincho" panose="02020609040205080304" pitchFamily="49" charset="-128"/>
                 <a:cs typeface="Times New Roman" panose="02020603050405020304" pitchFamily="18" charset="0"/>
@@ -6912,7 +6915,7 @@
               </a:rPr>
               <a:t>つの赤と青の電極のように、同じ電流密度を得ることが難しく、再現性に乏しい状況でした。</a:t>
             </a:r>
-            <a:endParaRPr kumimoji="1" lang="en-US" altLang="ja-JP" sz="1600" dirty="0">
+            <a:endParaRPr kumimoji="1" lang="en-US" altLang="ja-JP" sz="1600">
               <a:latin typeface="MS Mincho" panose="02020609040205080304" pitchFamily="49" charset="-128"/>
               <a:ea typeface="MS Mincho" panose="02020609040205080304" pitchFamily="49" charset="-128"/>
               <a:cs typeface="Times New Roman" panose="02020603050405020304" pitchFamily="18" charset="0"/>
@@ -7038,7 +7041,7 @@
               </a:rPr>
               <a:t>ナフィオンとセルロースナノファイバーを比べると、電流密度と傾きはどちらもナフィオンが高い結果となりました。またセルロースナノファイバーに見られた、電流密度のバラツキは見られませんでした。</a:t>
             </a:r>
-            <a:endParaRPr lang="en-US" altLang="ja-JP" sz="1600" dirty="0">
+            <a:endParaRPr lang="en-US" altLang="ja-JP" sz="1600">
               <a:latin typeface="MS Mincho" panose="02020609040205080304" pitchFamily="49" charset="-128"/>
               <a:ea typeface="MS Mincho" panose="02020609040205080304" pitchFamily="49" charset="-128"/>
               <a:cs typeface="Times New Roman" panose="02020603050405020304" pitchFamily="18" charset="0"/>
@@ -7053,7 +7056,7 @@
               </a:rPr>
               <a:t>このことから、セルロースナノファイバーよりナフィオンがカーボンペースト電極に適していると思われます。</a:t>
             </a:r>
-            <a:endParaRPr lang="en-US" altLang="ja-JP" sz="1600" dirty="0">
+            <a:endParaRPr lang="en-US" altLang="ja-JP" sz="1600">
               <a:latin typeface="MS Mincho" panose="02020609040205080304" pitchFamily="49" charset="-128"/>
               <a:ea typeface="MS Mincho" panose="02020609040205080304" pitchFamily="49" charset="-128"/>
               <a:cs typeface="Times New Roman" panose="02020603050405020304" pitchFamily="18" charset="0"/>
@@ -7142,7 +7145,7 @@
               <a:rPr lang="ja-JP" altLang="en-US"/>
               <a:t>マスター タイトルの書式設定</a:t>
             </a:r>
-            <a:endParaRPr lang="en-US" dirty="0"/>
+            <a:endParaRPr lang="en-US"/>
           </a:p>
         </p:txBody>
       </p:sp>
@@ -7207,7 +7210,7 @@
               <a:rPr lang="ja-JP" altLang="en-US"/>
               <a:t>マスター サブタイトルの書式設定</a:t>
             </a:r>
-            <a:endParaRPr lang="en-US" dirty="0"/>
+            <a:endParaRPr lang="en-US"/>
           </a:p>
         </p:txBody>
       </p:sp>
@@ -7325,7 +7328,7 @@
               <a:rPr lang="ja-JP" altLang="en-US"/>
               <a:t>マスター タイトルの書式設定</a:t>
             </a:r>
-            <a:endParaRPr lang="en-US" dirty="0"/>
+            <a:endParaRPr lang="en-US"/>
           </a:p>
         </p:txBody>
       </p:sp>
@@ -7409,7 +7412,7 @@
               <a:rPr lang="ja-JP" altLang="en-US"/>
               <a:t>レベル</a:t>
             </a:r>
-            <a:endParaRPr lang="en-US" dirty="0"/>
+            <a:endParaRPr lang="en-US"/>
           </a:p>
         </p:txBody>
       </p:sp>
@@ -7532,7 +7535,7 @@
               <a:rPr lang="ja-JP" altLang="en-US"/>
               <a:t>マスター タイトルの書式設定</a:t>
             </a:r>
-            <a:endParaRPr lang="en-US" dirty="0"/>
+            <a:endParaRPr lang="en-US"/>
           </a:p>
         </p:txBody>
       </p:sp>
@@ -7621,7 +7624,7 @@
               <a:rPr lang="ja-JP" altLang="en-US"/>
               <a:t>レベル</a:t>
             </a:r>
-            <a:endParaRPr lang="en-US" dirty="0"/>
+            <a:endParaRPr lang="en-US"/>
           </a:p>
         </p:txBody>
       </p:sp>
@@ -7739,7 +7742,7 @@
               <a:rPr lang="ja-JP" altLang="en-US"/>
               <a:t>マスター タイトルの書式設定</a:t>
             </a:r>
-            <a:endParaRPr lang="en-US" dirty="0"/>
+            <a:endParaRPr lang="en-US"/>
           </a:p>
         </p:txBody>
       </p:sp>
@@ -7823,7 +7826,7 @@
               <a:rPr lang="ja-JP" altLang="en-US"/>
               <a:t>レベル</a:t>
             </a:r>
-            <a:endParaRPr lang="en-US" dirty="0"/>
+            <a:endParaRPr lang="en-US"/>
           </a:p>
         </p:txBody>
       </p:sp>
@@ -7950,7 +7953,7 @@
               <a:rPr lang="ja-JP" altLang="en-US"/>
               <a:t>マスター タイトルの書式設定</a:t>
             </a:r>
-            <a:endParaRPr lang="en-US" dirty="0"/>
+            <a:endParaRPr lang="en-US"/>
           </a:p>
         </p:txBody>
       </p:sp>
@@ -8185,7 +8188,7 @@
               <a:rPr lang="ja-JP" altLang="en-US"/>
               <a:t>マスター タイトルの書式設定</a:t>
             </a:r>
-            <a:endParaRPr lang="en-US" dirty="0"/>
+            <a:endParaRPr lang="en-US"/>
           </a:p>
         </p:txBody>
       </p:sp>
@@ -8274,7 +8277,7 @@
               <a:rPr lang="ja-JP" altLang="en-US"/>
               <a:t>レベル</a:t>
             </a:r>
-            <a:endParaRPr lang="en-US" dirty="0"/>
+            <a:endParaRPr lang="en-US"/>
           </a:p>
         </p:txBody>
       </p:sp>
@@ -8363,7 +8366,7 @@
               <a:rPr lang="ja-JP" altLang="en-US"/>
               <a:t>レベル</a:t>
             </a:r>
-            <a:endParaRPr lang="en-US" dirty="0"/>
+            <a:endParaRPr lang="en-US"/>
           </a:p>
         </p:txBody>
       </p:sp>
@@ -8486,7 +8489,7 @@
               <a:rPr lang="ja-JP" altLang="en-US"/>
               <a:t>マスター タイトルの書式設定</a:t>
             </a:r>
-            <a:endParaRPr lang="en-US" dirty="0"/>
+            <a:endParaRPr lang="en-US"/>
           </a:p>
         </p:txBody>
       </p:sp>
@@ -8640,7 +8643,7 @@
               <a:rPr lang="ja-JP" altLang="en-US"/>
               <a:t>レベル</a:t>
             </a:r>
-            <a:endParaRPr lang="en-US" dirty="0"/>
+            <a:endParaRPr lang="en-US"/>
           </a:p>
         </p:txBody>
       </p:sp>
@@ -8794,7 +8797,7 @@
               <a:rPr lang="ja-JP" altLang="en-US"/>
               <a:t>レベル</a:t>
             </a:r>
-            <a:endParaRPr lang="en-US" dirty="0"/>
+            <a:endParaRPr lang="en-US"/>
           </a:p>
         </p:txBody>
       </p:sp>
@@ -8912,7 +8915,7 @@
               <a:rPr lang="ja-JP" altLang="en-US"/>
               <a:t>マスター タイトルの書式設定</a:t>
             </a:r>
-            <a:endParaRPr lang="en-US" dirty="0"/>
+            <a:endParaRPr lang="en-US"/>
           </a:p>
         </p:txBody>
       </p:sp>
@@ -9134,7 +9137,7 @@
               <a:rPr lang="ja-JP" altLang="en-US"/>
               <a:t>マスター タイトルの書式設定</a:t>
             </a:r>
-            <a:endParaRPr lang="en-US" dirty="0"/>
+            <a:endParaRPr lang="en-US"/>
           </a:p>
         </p:txBody>
       </p:sp>
@@ -9251,7 +9254,7 @@
               <a:rPr lang="ja-JP" altLang="en-US"/>
               <a:t>レベル</a:t>
             </a:r>
-            <a:endParaRPr lang="en-US" dirty="0"/>
+            <a:endParaRPr lang="en-US"/>
           </a:p>
         </p:txBody>
       </p:sp>
@@ -9443,7 +9446,7 @@
               <a:rPr lang="ja-JP" altLang="en-US"/>
               <a:t>マスター タイトルの書式設定</a:t>
             </a:r>
-            <a:endParaRPr lang="en-US" dirty="0"/>
+            <a:endParaRPr lang="en-US"/>
           </a:p>
         </p:txBody>
       </p:sp>
@@ -9508,7 +9511,7 @@
               <a:rPr lang="ja-JP" altLang="en-US"/>
               <a:t>アイコンをクリックして図を追加</a:t>
             </a:r>
-            <a:endParaRPr lang="en-US" dirty="0"/>
+            <a:endParaRPr lang="en-US"/>
           </a:p>
         </p:txBody>
       </p:sp>
@@ -9706,7 +9709,7 @@
               <a:rPr lang="ja-JP" altLang="en-US"/>
               <a:t>マスター タイトルの書式設定</a:t>
             </a:r>
-            <a:endParaRPr lang="en-US" dirty="0"/>
+            <a:endParaRPr lang="en-US"/>
           </a:p>
         </p:txBody>
       </p:sp>
@@ -9800,7 +9803,7 @@
               <a:rPr lang="ja-JP" altLang="en-US"/>
               <a:t>レベル</a:t>
             </a:r>
-            <a:endParaRPr lang="en-US" dirty="0"/>
+            <a:endParaRPr lang="en-US"/>
           </a:p>
         </p:txBody>
       </p:sp>
@@ -10282,7 +10285,7 @@
               <a:t>ニッケル水酸化物ナノシート</a:t>
             </a:r>
             <a:br>
-              <a:rPr lang="en-US" altLang="ja-JP" sz="3600" kern="100" dirty="0">
+              <a:rPr lang="en-US" altLang="ja-JP" sz="3600" kern="100">
                 <a:latin typeface="HGSSoeiKakugothicUB" panose="020B0900000000000000" pitchFamily="34" charset="-128"/>
                 <a:ea typeface="HGSSoeiKakugothicUB" panose="020B0900000000000000" pitchFamily="34" charset="-128"/>
                 <a:cs typeface="Times New Roman" panose="02020603050405020304" pitchFamily="18" charset="0"/>
@@ -10384,7 +10387,7 @@
               <a:t>令和</a:t>
             </a:r>
             <a:r>
-              <a:rPr lang="en-US" altLang="ja-JP" dirty="0">
+              <a:rPr lang="en-US" altLang="ja-JP">
                 <a:latin typeface="MS Gothic" panose="020B0609070205080204" pitchFamily="49" charset="-128"/>
                 <a:ea typeface="MS Gothic" panose="020B0609070205080204" pitchFamily="49" charset="-128"/>
               </a:rPr>
@@ -10397,7 +10400,7 @@
               </a:rPr>
               <a:t>年度</a:t>
             </a:r>
-            <a:endParaRPr lang="en-US" altLang="ja-JP" dirty="0">
+            <a:endParaRPr lang="en-US" altLang="ja-JP">
               <a:latin typeface="MS Gothic" panose="020B0609070205080204" pitchFamily="49" charset="-128"/>
               <a:ea typeface="MS Gothic" panose="020B0609070205080204" pitchFamily="49" charset="-128"/>
             </a:endParaRPr>
@@ -10411,7 +10414,7 @@
               </a:rPr>
               <a:t>徳島大学理工学部</a:t>
             </a:r>
-            <a:endParaRPr lang="en-US" altLang="ja-JP" dirty="0">
+            <a:endParaRPr lang="en-US" altLang="ja-JP">
               <a:latin typeface="MS Gothic" panose="020B0609070205080204" pitchFamily="49" charset="-128"/>
               <a:ea typeface="MS Gothic" panose="020B0609070205080204" pitchFamily="49" charset="-128"/>
             </a:endParaRPr>
@@ -10425,14 +10428,14 @@
               </a:rPr>
               <a:t>理工学科　応用化学システムコース　物質機能化学講座</a:t>
             </a:r>
-            <a:endParaRPr lang="en-US" altLang="ja-JP" dirty="0">
+            <a:endParaRPr lang="en-US" altLang="ja-JP">
               <a:latin typeface="MS Gothic" panose="020B0609070205080204" pitchFamily="49" charset="-128"/>
               <a:ea typeface="MS Gothic" panose="020B0609070205080204" pitchFamily="49" charset="-128"/>
             </a:endParaRPr>
           </a:p>
           <a:p>
             <a:pPr algn="ctr"/>
-            <a:endParaRPr lang="en-US" altLang="ja-JP" sz="2400" dirty="0">
+            <a:endParaRPr lang="en-US" altLang="ja-JP" sz="2400">
               <a:latin typeface="MS Gothic" panose="020B0609070205080204" pitchFamily="49" charset="-128"/>
               <a:ea typeface="MS Gothic" panose="020B0609070205080204" pitchFamily="49" charset="-128"/>
             </a:endParaRPr>
@@ -10478,7 +10481,7 @@
           <a:lstStyle/>
           <a:p>
             <a:r>
-              <a:rPr lang="en-US" altLang="ja-JP" sz="3000" dirty="0">
+              <a:rPr lang="en-US" altLang="ja-JP" sz="3000">
                 <a:latin typeface="HGSSoeiKakugothicUB" panose="020B0900000000000000" pitchFamily="34" charset="-128"/>
                 <a:ea typeface="HGSSoeiKakugothicUB" panose="020B0900000000000000" pitchFamily="34" charset="-128"/>
               </a:rPr>
@@ -10660,7 +10663,7 @@
               <a:t>ナフィオン</a:t>
             </a:r>
             <a:r>
-              <a:rPr lang="en-US" altLang="ja-JP" dirty="0">
+              <a:rPr lang="en-US" altLang="ja-JP">
                 <a:solidFill>
                   <a:schemeClr val="accent2">
                     <a:lumMod val="75000"/>
@@ -10714,7 +10717,7 @@
           <a:lstStyle/>
           <a:p>
             <a:r>
-              <a:rPr lang="en-US" altLang="ja-JP" dirty="0">
+              <a:rPr lang="en-US" altLang="ja-JP">
                 <a:solidFill>
                   <a:srgbClr val="00B050"/>
                 </a:solidFill>
@@ -10764,7 +10767,7 @@
           <a:lstStyle/>
           <a:p>
             <a:r>
-              <a:rPr lang="en-US" altLang="ja-JP" dirty="0">
+              <a:rPr lang="en-US" altLang="ja-JP">
                 <a:solidFill>
                   <a:srgbClr val="FF0000"/>
                 </a:solidFill>
@@ -10814,7 +10817,7 @@
           <a:lstStyle/>
           <a:p>
             <a:r>
-              <a:rPr lang="en-US" altLang="ja-JP" dirty="0">
+              <a:rPr lang="en-US" altLang="ja-JP">
                 <a:solidFill>
                   <a:schemeClr val="accent1"/>
                 </a:solidFill>
@@ -10871,7 +10874,7 @@
               </a:rPr>
               <a:t>バインダー：</a:t>
             </a:r>
-            <a:endParaRPr lang="en-US" altLang="ja-JP" dirty="0">
+            <a:endParaRPr lang="en-US" altLang="ja-JP">
               <a:latin typeface="Times New Roman" panose="02020603050405020304" pitchFamily="18" charset="0"/>
               <a:ea typeface="MS Mincho" panose="02020609040205080304" pitchFamily="49" charset="-128"/>
               <a:cs typeface="Times New Roman" panose="02020603050405020304" pitchFamily="18" charset="0"/>
@@ -10886,7 +10889,7 @@
               </a:rPr>
               <a:t>ナフィオン</a:t>
             </a:r>
-            <a:endParaRPr lang="en-US" altLang="ja-JP" dirty="0">
+            <a:endParaRPr lang="en-US" altLang="ja-JP">
               <a:latin typeface="HGSSoeiKakugothicUB" panose="020B0900000000000000" pitchFamily="34" charset="-128"/>
               <a:ea typeface="HGSSoeiKakugothicUB" panose="020B0900000000000000" pitchFamily="34" charset="-128"/>
               <a:cs typeface="Times New Roman" panose="02020603050405020304" pitchFamily="18" charset="0"/>
@@ -10935,7 +10938,7 @@
               <a:t>ナフィオン</a:t>
             </a:r>
             <a:r>
-              <a:rPr lang="en-US" altLang="ja-JP" sz="1800" dirty="0">
+              <a:rPr lang="en-US" altLang="ja-JP" sz="1800">
                 <a:latin typeface="Times New Roman" panose="02020603050405020304" pitchFamily="18" charset="0"/>
                 <a:ea typeface="MS Mincho" panose="02020609040205080304" pitchFamily="49" charset="-128"/>
                 <a:cs typeface="Times New Roman" panose="02020603050405020304" pitchFamily="18" charset="0"/>
@@ -10957,7 +10960,7 @@
               <a:t>ナフィオン</a:t>
             </a:r>
             <a:r>
-              <a:rPr lang="en-US" altLang="ja-JP" sz="1800" dirty="0">
+              <a:rPr lang="en-US" altLang="ja-JP" sz="1800">
                 <a:latin typeface="Times New Roman" panose="02020603050405020304" pitchFamily="18" charset="0"/>
                 <a:ea typeface="MS Mincho" panose="02020609040205080304" pitchFamily="49" charset="-128"/>
                 <a:cs typeface="Times New Roman" panose="02020603050405020304" pitchFamily="18" charset="0"/>
@@ -10979,7 +10982,7 @@
               <a:t>ナフィオン</a:t>
             </a:r>
             <a:r>
-              <a:rPr lang="en-US" altLang="ja-JP" sz="1800" dirty="0">
+              <a:rPr lang="en-US" altLang="ja-JP" sz="1800">
                 <a:latin typeface="Times New Roman" panose="02020603050405020304" pitchFamily="18" charset="0"/>
                 <a:ea typeface="MS Mincho" panose="02020609040205080304" pitchFamily="49" charset="-128"/>
                 <a:cs typeface="Times New Roman" panose="02020603050405020304" pitchFamily="18" charset="0"/>
@@ -11001,7 +11004,7 @@
               <a:t>ナフィオン</a:t>
             </a:r>
             <a:r>
-              <a:rPr lang="en-US" altLang="ja-JP" sz="1800" dirty="0">
+              <a:rPr lang="en-US" altLang="ja-JP" sz="1800">
                 <a:latin typeface="Times New Roman" panose="02020603050405020304" pitchFamily="18" charset="0"/>
                 <a:ea typeface="MS Mincho" panose="02020609040205080304" pitchFamily="49" charset="-128"/>
                 <a:cs typeface="Times New Roman" panose="02020603050405020304" pitchFamily="18" charset="0"/>
@@ -11048,7 +11051,7 @@
               <a:t>の</a:t>
             </a:r>
             <a:r>
-              <a:rPr kumimoji="1" lang="en-US" altLang="ja-JP" dirty="0">
+              <a:rPr kumimoji="1" lang="en-US" altLang="ja-JP">
                 <a:latin typeface="Times New Roman" panose="02020603050405020304" pitchFamily="18" charset="0"/>
                 <a:ea typeface="MS Mincho" panose="02020609040205080304" pitchFamily="49" charset="-128"/>
                 <a:cs typeface="Times New Roman" panose="02020603050405020304" pitchFamily="18" charset="0"/>
@@ -11184,7 +11187,7 @@
           <a:lstStyle/>
           <a:p>
             <a:r>
-              <a:rPr lang="en-US" altLang="ja-JP" dirty="0">
+              <a:rPr lang="en-US" altLang="ja-JP">
                 <a:latin typeface="Hiragino Maru Gothic ProN W4" panose="020F0400000000000000" pitchFamily="34" charset="-128"/>
                 <a:ea typeface="Hiragino Maru Gothic ProN W4" panose="020F0400000000000000" pitchFamily="34" charset="-128"/>
               </a:rPr>
@@ -11236,14 +11239,14 @@
               <a:t>ナフィオン</a:t>
             </a:r>
             <a:r>
-              <a:rPr lang="en-US" altLang="ja-JP" sz="2400" dirty="0">
+              <a:rPr lang="en-US" altLang="ja-JP" sz="2400">
                 <a:latin typeface="HGSSoeiKakugothicUB" panose="020B0900000000000000" pitchFamily="34" charset="-128"/>
                 <a:ea typeface="HGSSoeiKakugothicUB" panose="020B0900000000000000" pitchFamily="34" charset="-128"/>
               </a:rPr>
               <a:t>10 </a:t>
             </a:r>
             <a:r>
-              <a:rPr lang="en-US" altLang="ja-JP" sz="2400" b="1" dirty="0">
+              <a:rPr lang="en-US" altLang="ja-JP" sz="2400" b="1">
                 <a:latin typeface="Times New Roman" panose="02020603050405020304" pitchFamily="18" charset="0"/>
                 <a:ea typeface="HGSSoeiKakugothicUB" panose="020B0900000000000000" pitchFamily="34" charset="-128"/>
                 <a:cs typeface="Times New Roman" panose="02020603050405020304" pitchFamily="18" charset="0"/>
@@ -11251,7 +11254,7 @@
               <a:t>μ</a:t>
             </a:r>
             <a:r>
-              <a:rPr lang="en-US" altLang="ja-JP" sz="2400" dirty="0">
+              <a:rPr lang="en-US" altLang="ja-JP" sz="2400">
                 <a:latin typeface="HGSSoeiKakugothicUB" panose="020B0900000000000000" pitchFamily="34" charset="-128"/>
                 <a:ea typeface="HGSSoeiKakugothicUB" panose="020B0900000000000000" pitchFamily="34" charset="-128"/>
               </a:rPr>
@@ -11296,7 +11299,7 @@
           <a:lstStyle/>
           <a:p>
             <a:r>
-              <a:rPr lang="en-US" altLang="ja-JP" dirty="0">
+              <a:rPr lang="en-US" altLang="ja-JP">
                 <a:solidFill>
                   <a:schemeClr val="accent1"/>
                 </a:solidFill>
@@ -11347,7 +11350,7 @@
           <a:lstStyle/>
           <a:p>
             <a:r>
-              <a:rPr lang="en-US" altLang="ja-JP" dirty="0">
+              <a:rPr lang="en-US" altLang="ja-JP">
                 <a:solidFill>
                   <a:srgbClr val="FF0000"/>
                 </a:solidFill>
@@ -11406,7 +11409,7 @@
               </a:rPr>
               <a:t>感度低下の原因の可能性</a:t>
             </a:r>
-            <a:endParaRPr lang="en-US" altLang="ja-JP" sz="2000" dirty="0">
+            <a:endParaRPr lang="en-US" altLang="ja-JP" sz="2000">
               <a:latin typeface="Times New Roman" panose="02020603050405020304" pitchFamily="18" charset="0"/>
               <a:ea typeface="MS Mincho" panose="02020609040205080304" pitchFamily="49" charset="-128"/>
               <a:cs typeface="Times New Roman" panose="02020603050405020304" pitchFamily="18" charset="0"/>
@@ -11425,7 +11428,7 @@
               </a:rPr>
               <a:t>電極表面のナノシートが一部剥がれ落ちた</a:t>
             </a:r>
-            <a:endParaRPr lang="en-US" altLang="ja-JP" sz="2000" dirty="0">
+            <a:endParaRPr lang="en-US" altLang="ja-JP" sz="2000">
               <a:latin typeface="Times New Roman" panose="02020603050405020304" pitchFamily="18" charset="0"/>
               <a:ea typeface="MS Mincho" panose="02020609040205080304" pitchFamily="49" charset="-128"/>
               <a:cs typeface="Times New Roman" panose="02020603050405020304" pitchFamily="18" charset="0"/>
@@ -11570,7 +11573,7 @@
               </a:rPr>
               <a:t>ニッケル水酸化物ナノシートを用いた電極はグルコースを添加した際に電流量の増加が見られ、グルコース酸化による電流が確認された。</a:t>
             </a:r>
-            <a:endParaRPr lang="en-US" altLang="ja-JP" kern="100" dirty="0">
+            <a:endParaRPr lang="en-US" altLang="ja-JP" kern="100">
               <a:latin typeface="Times New Roman" panose="02020603050405020304" pitchFamily="18" charset="0"/>
               <a:ea typeface="ＭＳ 明朝" panose="02020609040205080304" pitchFamily="49" charset="-128"/>
               <a:cs typeface="Times New Roman" panose="02020603050405020304" pitchFamily="18" charset="0"/>
@@ -11581,7 +11584,7 @@
               <a:buFont typeface="+mj-lt"/>
               <a:buAutoNum type="arabicPeriod"/>
             </a:pPr>
-            <a:endParaRPr lang="en-US" altLang="ja-JP" kern="100" dirty="0">
+            <a:endParaRPr lang="en-US" altLang="ja-JP" kern="100">
               <a:latin typeface="Times New Roman" panose="02020603050405020304" pitchFamily="18" charset="0"/>
               <a:ea typeface="ＭＳ 明朝" panose="02020609040205080304" pitchFamily="49" charset="-128"/>
               <a:cs typeface="Times New Roman" panose="02020603050405020304" pitchFamily="18" charset="0"/>
@@ -11592,7 +11595,7 @@
               <a:buFont typeface="+mj-lt"/>
               <a:buAutoNum type="arabicPeriod"/>
             </a:pPr>
-            <a:endParaRPr lang="en-US" altLang="ja-JP" kern="100" dirty="0">
+            <a:endParaRPr lang="en-US" altLang="ja-JP" kern="100">
               <a:latin typeface="Times New Roman" panose="02020603050405020304" pitchFamily="18" charset="0"/>
               <a:ea typeface="ＭＳ 明朝" panose="02020609040205080304" pitchFamily="49" charset="-128"/>
               <a:cs typeface="Times New Roman" panose="02020603050405020304" pitchFamily="18" charset="0"/>
@@ -11603,7 +11606,7 @@
               <a:buFont typeface="+mj-lt"/>
               <a:buAutoNum type="arabicPeriod"/>
             </a:pPr>
-            <a:endParaRPr lang="en-US" altLang="ja-JP" kern="100" dirty="0">
+            <a:endParaRPr lang="en-US" altLang="ja-JP" kern="100">
               <a:latin typeface="Times New Roman" panose="02020603050405020304" pitchFamily="18" charset="0"/>
               <a:ea typeface="ＭＳ 明朝" panose="02020609040205080304" pitchFamily="49" charset="-128"/>
               <a:cs typeface="Times New Roman" panose="02020603050405020304" pitchFamily="18" charset="0"/>
@@ -11646,7 +11649,7 @@
               </a:rPr>
               <a:t>セルロースナノファイバーより感度が良好であることが判明した。</a:t>
             </a:r>
-            <a:endParaRPr lang="en-US" altLang="ja-JP" dirty="0">
+            <a:endParaRPr lang="en-US" altLang="ja-JP">
               <a:latin typeface="Times New Roman" panose="02020603050405020304" pitchFamily="18" charset="0"/>
               <a:ea typeface="ＭＳ 明朝" panose="02020609040205080304" pitchFamily="49" charset="-128"/>
               <a:cs typeface="Times New Roman" panose="02020603050405020304" pitchFamily="18" charset="0"/>
@@ -11657,7 +11660,7 @@
               <a:buFont typeface="+mj-lt"/>
               <a:buAutoNum type="arabicPeriod"/>
             </a:pPr>
-            <a:endParaRPr lang="en-US" altLang="ja-JP" dirty="0">
+            <a:endParaRPr lang="en-US" altLang="ja-JP">
               <a:latin typeface="Times New Roman" panose="02020603050405020304" pitchFamily="18" charset="0"/>
               <a:ea typeface="ＭＳ 明朝" panose="02020609040205080304" pitchFamily="49" charset="-128"/>
               <a:cs typeface="Times New Roman" panose="02020603050405020304" pitchFamily="18" charset="0"/>
@@ -11668,7 +11671,7 @@
               <a:buFont typeface="+mj-lt"/>
               <a:buAutoNum type="arabicPeriod"/>
             </a:pPr>
-            <a:endParaRPr lang="en-US" altLang="ja-JP" dirty="0">
+            <a:endParaRPr lang="en-US" altLang="ja-JP">
               <a:latin typeface="Times New Roman" panose="02020603050405020304" pitchFamily="18" charset="0"/>
               <a:ea typeface="ＭＳ 明朝" panose="02020609040205080304" pitchFamily="49" charset="-128"/>
               <a:cs typeface="Times New Roman" panose="02020603050405020304" pitchFamily="18" charset="0"/>
@@ -11679,7 +11682,7 @@
               <a:buFont typeface="+mj-lt"/>
               <a:buAutoNum type="arabicPeriod"/>
             </a:pPr>
-            <a:endParaRPr lang="en-US" altLang="ja-JP" dirty="0">
+            <a:endParaRPr lang="en-US" altLang="ja-JP">
               <a:latin typeface="Times New Roman" panose="02020603050405020304" pitchFamily="18" charset="0"/>
               <a:ea typeface="ＭＳ 明朝" panose="02020609040205080304" pitchFamily="49" charset="-128"/>
               <a:cs typeface="Times New Roman" panose="02020603050405020304" pitchFamily="18" charset="0"/>
@@ -11699,7 +11702,7 @@
               <a:t>ナフィオン</a:t>
             </a:r>
             <a:r>
-              <a:rPr lang="en-US" altLang="ja-JP" dirty="0">
+              <a:rPr lang="en-US" altLang="ja-JP">
                 <a:latin typeface="Times New Roman" panose="02020603050405020304" pitchFamily="18" charset="0"/>
                 <a:ea typeface="ＭＳ 明朝" panose="02020609040205080304" pitchFamily="49" charset="-128"/>
                 <a:cs typeface="Times New Roman" panose="02020603050405020304" pitchFamily="18" charset="0"/>
@@ -12017,7 +12020,7 @@
               <a:t>利用されている</a:t>
             </a:r>
             <a:r>
-              <a:rPr lang="en-US" altLang="ja-JP" baseline="30000" dirty="0">
+              <a:rPr lang="en-US" altLang="ja-JP" baseline="30000">
                 <a:latin typeface="MS Gothic" panose="020B0609070205080204" pitchFamily="49" charset="-128"/>
                 <a:ea typeface="MS Gothic" panose="020B0609070205080204" pitchFamily="49" charset="-128"/>
               </a:rPr>
@@ -12030,7 +12033,7 @@
               </a:rPr>
               <a:t>。</a:t>
             </a:r>
-            <a:endParaRPr lang="en-US" altLang="ja-JP" dirty="0">
+            <a:endParaRPr lang="en-US" altLang="ja-JP">
               <a:latin typeface="MS Gothic" panose="020B0609070205080204" pitchFamily="49" charset="-128"/>
               <a:ea typeface="MS Gothic" panose="020B0609070205080204" pitchFamily="49" charset="-128"/>
             </a:endParaRPr>
@@ -12044,7 +12047,7 @@
               </a:rPr>
               <a:t>また、酵素を用いない非酵素型グルコース酸化触媒の開発が期待されている</a:t>
             </a:r>
-            <a:endParaRPr lang="en-US" altLang="ja-JP" baseline="30000" dirty="0">
+            <a:endParaRPr lang="en-US" altLang="ja-JP" baseline="30000">
               <a:latin typeface="MS Gothic" panose="020B0609070205080204" pitchFamily="49" charset="-128"/>
               <a:ea typeface="MS Gothic" panose="020B0609070205080204" pitchFamily="49" charset="-128"/>
             </a:endParaRPr>
@@ -12080,28 +12083,28 @@
           <a:lstStyle/>
           <a:p>
             <a:r>
-              <a:rPr lang="en-US" altLang="ja-JP" sz="900" dirty="0">
+              <a:rPr lang="en-US" altLang="ja-JP" sz="900">
                 <a:latin typeface="MS Gothic" panose="020B0609070205080204" pitchFamily="49" charset="-128"/>
                 <a:ea typeface="MS Gothic" panose="020B0609070205080204" pitchFamily="49" charset="-128"/>
               </a:rPr>
               <a:t>[1] Feng Gao et al. </a:t>
             </a:r>
             <a:r>
-              <a:rPr lang="en-US" altLang="ja-JP" sz="900" i="1" dirty="0">
+              <a:rPr lang="en-US" altLang="ja-JP" sz="900" i="1">
                 <a:latin typeface="MS Gothic" panose="020B0609070205080204" pitchFamily="49" charset="-128"/>
                 <a:ea typeface="MS Gothic" panose="020B0609070205080204" pitchFamily="49" charset="-128"/>
               </a:rPr>
               <a:t>ACS Appl. Nano Mater.</a:t>
             </a:r>
             <a:r>
-              <a:rPr lang="en-US" altLang="ja-JP" sz="900" b="1" dirty="0">
+              <a:rPr lang="en-US" altLang="ja-JP" sz="900" b="1">
                 <a:latin typeface="MS Gothic" panose="020B0609070205080204" pitchFamily="49" charset="-128"/>
                 <a:ea typeface="MS Gothic" panose="020B0609070205080204" pitchFamily="49" charset="-128"/>
               </a:rPr>
               <a:t>2021</a:t>
             </a:r>
             <a:r>
-              <a:rPr lang="en-US" altLang="ja-JP" sz="900" dirty="0">
+              <a:rPr lang="en-US" altLang="ja-JP" sz="900">
                 <a:latin typeface="MS Gothic" panose="020B0609070205080204" pitchFamily="49" charset="-128"/>
                 <a:ea typeface="MS Gothic" panose="020B0609070205080204" pitchFamily="49" charset="-128"/>
               </a:rPr>
@@ -12110,7 +12113,7 @@
           </a:p>
           <a:p>
             <a:r>
-              <a:rPr lang="en-US" altLang="ja-JP" sz="900" dirty="0">
+              <a:rPr lang="en-US" altLang="ja-JP" sz="900">
                 <a:solidFill>
                   <a:srgbClr val="000000"/>
                 </a:solidFill>
@@ -12121,7 +12124,7 @@
               <a:t>[2] Etab M et al. ,</a:t>
             </a:r>
             <a:r>
-              <a:rPr lang="en-US" altLang="ja-JP" sz="900" i="1" cap="all" dirty="0">
+              <a:rPr lang="en-US" altLang="ja-JP" sz="900" i="1" cap="all">
                 <a:solidFill>
                   <a:srgbClr val="000000"/>
                 </a:solidFill>
@@ -12132,7 +12135,7 @@
               <a:t> </a:t>
             </a:r>
             <a:r>
-              <a:rPr lang="en-US" altLang="ja-JP" sz="900" i="1" dirty="0">
+              <a:rPr lang="en-US" altLang="ja-JP" sz="900" i="1">
                 <a:solidFill>
                   <a:srgbClr val="000000"/>
                 </a:solidFill>
@@ -12143,7 +12146,7 @@
               <a:t>Arabian Journal of Chemistry </a:t>
             </a:r>
             <a:r>
-              <a:rPr lang="en-US" altLang="ja-JP" sz="900" dirty="0">
+              <a:rPr lang="en-US" altLang="ja-JP" sz="900">
                 <a:solidFill>
                   <a:srgbClr val="000000"/>
                 </a:solidFill>
@@ -12154,7 +12157,7 @@
               <a:t>(</a:t>
             </a:r>
             <a:r>
-              <a:rPr lang="en-US" altLang="ja-JP" sz="900" b="1" dirty="0">
+              <a:rPr lang="en-US" altLang="ja-JP" sz="900" b="1">
                 <a:solidFill>
                   <a:srgbClr val="000000"/>
                 </a:solidFill>
@@ -12165,7 +12168,7 @@
               <a:t>2022</a:t>
             </a:r>
             <a:r>
-              <a:rPr lang="en-US" altLang="ja-JP" sz="900" dirty="0">
+              <a:rPr lang="en-US" altLang="ja-JP" sz="900">
                 <a:solidFill>
                   <a:srgbClr val="000000"/>
                 </a:solidFill>
@@ -12234,7 +12237,7 @@
               <a:t>を持たせたニッケル化合物では、グルコースを酸化するいくつかの例が報告されており、高い触媒活性を有する</a:t>
             </a:r>
             <a:r>
-              <a:rPr lang="en-US" altLang="ja-JP" baseline="30000" dirty="0">
+              <a:rPr lang="en-US" altLang="ja-JP" baseline="30000">
                 <a:latin typeface="MS Gothic" panose="020B0609070205080204" pitchFamily="49" charset="-128"/>
                 <a:ea typeface="MS Gothic" panose="020B0609070205080204" pitchFamily="49" charset="-128"/>
                 <a:cs typeface="Times New Roman" panose="02020603050405020304" pitchFamily="18" charset="0"/>
@@ -12249,7 +12252,7 @@
               </a:rPr>
               <a:t>。</a:t>
             </a:r>
-            <a:endParaRPr lang="en-US" altLang="ja-JP" dirty="0">
+            <a:endParaRPr lang="en-US" altLang="ja-JP">
               <a:latin typeface="MS Gothic" panose="020B0609070205080204" pitchFamily="49" charset="-128"/>
               <a:ea typeface="MS Gothic" panose="020B0609070205080204" pitchFamily="49" charset="-128"/>
               <a:cs typeface="Times New Roman" panose="02020603050405020304" pitchFamily="18" charset="0"/>
@@ -12532,7 +12535,7 @@
               <a:t>本研究室では、以前より層状ニッケル水酸化物を</a:t>
             </a:r>
             <a:r>
-              <a:rPr lang="en-US" altLang="ja-JP" dirty="0">
+              <a:rPr lang="en-US" altLang="ja-JP">
                 <a:latin typeface="MS Gothic" panose="020B0609070205080204" pitchFamily="49" charset="-128"/>
                 <a:ea typeface="MS Gothic" panose="020B0609070205080204" pitchFamily="49" charset="-128"/>
                 <a:cs typeface="Times New Roman" panose="02020603050405020304" pitchFamily="18" charset="0"/>
@@ -12547,7 +12550,7 @@
               </a:rPr>
               <a:t>ブタノール中で単層剥離をさせており、グルコース酸化に有用であると考えた。</a:t>
             </a:r>
-            <a:endParaRPr lang="en-US" altLang="ja-JP" dirty="0">
+            <a:endParaRPr lang="en-US" altLang="ja-JP">
               <a:latin typeface="MS Gothic" panose="020B0609070205080204" pitchFamily="49" charset="-128"/>
               <a:ea typeface="MS Gothic" panose="020B0609070205080204" pitchFamily="49" charset="-128"/>
               <a:cs typeface="Times New Roman" panose="02020603050405020304" pitchFamily="18" charset="0"/>
@@ -12758,7 +12761,7 @@
           <a:lstStyle/>
           <a:p>
             <a:r>
-              <a:rPr lang="en" altLang="ja-JP" dirty="0">
+              <a:rPr lang="en" altLang="ja-JP">
                 <a:solidFill>
                   <a:schemeClr val="accent1">
                     <a:lumMod val="60000"/>
@@ -12770,7 +12773,7 @@
               </a:rPr>
               <a:t>Result</a:t>
             </a:r>
-            <a:endParaRPr lang="en-US" altLang="ja-JP" dirty="0"/>
+            <a:endParaRPr lang="en-US" altLang="ja-JP"/>
           </a:p>
         </p:txBody>
       </p:sp>
@@ -12925,7 +12928,7 @@
           <a:lstStyle/>
           <a:p>
             <a:r>
-              <a:rPr lang="en" altLang="ja-JP" dirty="0">
+              <a:rPr lang="en" altLang="ja-JP">
                 <a:solidFill>
                   <a:schemeClr val="accent1">
                     <a:lumMod val="60000"/>
@@ -12937,7 +12940,7 @@
               </a:rPr>
               <a:t>Result</a:t>
             </a:r>
-            <a:endParaRPr lang="en-US" altLang="ja-JP" dirty="0"/>
+            <a:endParaRPr lang="en-US" altLang="ja-JP"/>
           </a:p>
         </p:txBody>
       </p:sp>
@@ -13148,7 +13151,7 @@
                         <a:t>線形範囲 </a:t>
                       </a:r>
                       <a:r>
-                        <a:rPr lang="en-US" sz="1200" kern="100" dirty="0">
+                        <a:rPr lang="en-US" sz="1200" kern="100">
                           <a:effectLst/>
                         </a:rPr>
                         <a:t>(mM)</a:t>
@@ -13186,31 +13189,31 @@
                         <a:t>感度</a:t>
                       </a:r>
                       <a:r>
-                        <a:rPr lang="en-US" sz="1200" kern="100" dirty="0">
+                        <a:rPr lang="en-US" sz="1200" kern="100">
                           <a:effectLst/>
                         </a:rPr>
                         <a:t>(mA mM</a:t>
                       </a:r>
                       <a:r>
-                        <a:rPr lang="en-US" sz="1200" kern="100" baseline="30000" dirty="0">
+                        <a:rPr lang="en-US" sz="1200" kern="100" baseline="30000">
                           <a:effectLst/>
                         </a:rPr>
                         <a:t>-1</a:t>
                       </a:r>
                       <a:r>
-                        <a:rPr lang="en-US" sz="1200" kern="100" dirty="0">
+                        <a:rPr lang="en-US" sz="1200" kern="100">
                           <a:effectLst/>
                         </a:rPr>
                         <a:t> cm</a:t>
                       </a:r>
                       <a:r>
-                        <a:rPr lang="en-US" sz="1200" kern="100" baseline="30000" dirty="0">
+                        <a:rPr lang="en-US" sz="1200" kern="100" baseline="30000">
                           <a:effectLst/>
                         </a:rPr>
                         <a:t>-2</a:t>
                       </a:r>
                       <a:r>
-                        <a:rPr lang="en-US" sz="1200" kern="100" dirty="0">
+                        <a:rPr lang="en-US" sz="1200" kern="100">
                           <a:effectLst/>
                         </a:rPr>
                         <a:t>)</a:t>
@@ -13248,13 +13251,13 @@
                         <a:t>決定係数</a:t>
                       </a:r>
                       <a:r>
-                        <a:rPr lang="en-US" sz="1200" kern="100" dirty="0">
+                        <a:rPr lang="en-US" sz="1200" kern="100">
                           <a:effectLst/>
                         </a:rPr>
                         <a:t> R</a:t>
                       </a:r>
                       <a:r>
-                        <a:rPr lang="en-US" sz="1200" kern="100" baseline="30000" dirty="0">
+                        <a:rPr lang="en-US" sz="1200" kern="100" baseline="30000">
                           <a:effectLst/>
                         </a:rPr>
                         <a:t>2</a:t>
@@ -13293,7 +13296,7 @@
                     <a:p>
                       <a:pPr algn="ctr"/>
                       <a:r>
-                        <a:rPr lang="en-US" sz="1200" kern="100" dirty="0">
+                        <a:rPr lang="en-US" sz="1200" kern="100">
                           <a:effectLst/>
                         </a:rPr>
                         <a:t>1</a:t>
@@ -13340,7 +13343,7 @@
                     <a:p>
                       <a:pPr algn="r"/>
                       <a:r>
-                        <a:rPr lang="en-US" sz="1200" kern="100" dirty="0">
+                        <a:rPr lang="en-US" sz="1200" kern="100">
                           <a:effectLst/>
                         </a:rPr>
                         <a:t>0~1.31</a:t>
@@ -13422,7 +13425,7 @@
                     <a:p>
                       <a:pPr algn="r"/>
                       <a:r>
-                        <a:rPr lang="en-US" sz="1200" kern="100" dirty="0">
+                        <a:rPr lang="en-US" sz="1200" kern="100">
                           <a:effectLst/>
                         </a:rPr>
                         <a:t>0.9182</a:t>
@@ -13470,7 +13473,7 @@
                     <a:p>
                       <a:pPr algn="ctr"/>
                       <a:r>
-                        <a:rPr lang="en-US" sz="1200" kern="100" dirty="0">
+                        <a:rPr lang="en-US" sz="1200" kern="100">
                           <a:effectLst/>
                         </a:rPr>
                         <a:t>2</a:t>
@@ -13517,7 +13520,7 @@
                     <a:p>
                       <a:pPr algn="r"/>
                       <a:r>
-                        <a:rPr lang="en-US" sz="1200" kern="100" dirty="0">
+                        <a:rPr lang="en-US" sz="1200" kern="100">
                           <a:effectLst/>
                         </a:rPr>
                         <a:t>0~0.88</a:t>
@@ -13558,7 +13561,7 @@
                     <a:p>
                       <a:pPr algn="r"/>
                       <a:r>
-                        <a:rPr lang="en-US" sz="1200" kern="100" dirty="0">
+                        <a:rPr lang="en-US" sz="1200" kern="100">
                           <a:effectLst/>
                         </a:rPr>
                         <a:t>0.0307</a:t>
@@ -13599,7 +13602,7 @@
                     <a:p>
                       <a:pPr algn="r"/>
                       <a:r>
-                        <a:rPr lang="en-US" sz="1200" kern="100" dirty="0">
+                        <a:rPr lang="en-US" sz="1200" kern="100">
                           <a:effectLst/>
                         </a:rPr>
                         <a:t>0.9086</a:t>
@@ -13647,7 +13650,7 @@
                     <a:p>
                       <a:pPr algn="ctr"/>
                       <a:r>
-                        <a:rPr lang="en-US" sz="1200" kern="100" dirty="0">
+                        <a:rPr lang="en-US" sz="1200" kern="100">
                           <a:effectLst/>
                         </a:rPr>
                         <a:t>3</a:t>
@@ -13694,7 +13697,7 @@
                     <a:p>
                       <a:pPr algn="r"/>
                       <a:r>
-                        <a:rPr lang="en-US" sz="1200" kern="100" dirty="0">
+                        <a:rPr lang="en-US" sz="1200" kern="100">
                           <a:effectLst/>
                         </a:rPr>
                         <a:t>0~0.88</a:t>
@@ -13735,7 +13738,7 @@
                     <a:p>
                       <a:pPr algn="r"/>
                       <a:r>
-                        <a:rPr lang="en-US" sz="1200" kern="100" dirty="0">
+                        <a:rPr lang="en-US" sz="1200" kern="100">
                           <a:effectLst/>
                         </a:rPr>
                         <a:t>0.0324</a:t>
@@ -13776,7 +13779,7 @@
                     <a:p>
                       <a:pPr algn="r"/>
                       <a:r>
-                        <a:rPr lang="en-US" sz="1200" kern="100" dirty="0">
+                        <a:rPr lang="en-US" sz="1200" kern="100">
                           <a:effectLst/>
                         </a:rPr>
                         <a:t>0.8424</a:t>
@@ -13874,7 +13877,7 @@
           <a:lstStyle/>
           <a:p>
             <a:r>
-              <a:rPr lang="en" altLang="ja-JP" dirty="0">
+              <a:rPr lang="en" altLang="ja-JP">
                 <a:solidFill>
                   <a:schemeClr val="accent1">
                     <a:lumMod val="60000"/>
@@ -13886,7 +13889,7 @@
               </a:rPr>
               <a:t>Result</a:t>
             </a:r>
-            <a:endParaRPr lang="en-US" altLang="ja-JP" dirty="0"/>
+            <a:endParaRPr lang="en-US" altLang="ja-JP"/>
           </a:p>
         </p:txBody>
       </p:sp>
@@ -14059,16 +14062,10 @@
                     <a:p>
                       <a:pPr algn="l"/>
                       <a:r>
-                        <a:rPr lang="en-US" sz="1200" kern="100" dirty="0">
-                          <a:effectLst/>
-                        </a:rPr>
-                        <a:t> </a:t>
-                      </a:r>
-                      <a:r>
                         <a:rPr lang="en-US" sz="1200" kern="100">
                           <a:effectLst/>
                         </a:rPr>
-                        <a:t>繰り返し測定回数</a:t>
+                        <a:t> 繰り返し測定回数</a:t>
                       </a:r>
                       <a:endParaRPr lang="ja-JP" sz="1200" kern="100">
                         <a:effectLst/>
@@ -14103,7 +14100,7 @@
                         <a:t>線形範囲 </a:t>
                       </a:r>
                       <a:r>
-                        <a:rPr lang="en-US" sz="1200" kern="100" dirty="0">
+                        <a:rPr lang="en-US" sz="1200" kern="100">
                           <a:effectLst/>
                         </a:rPr>
                         <a:t>(mM)</a:t>
@@ -14141,31 +14138,31 @@
                         <a:t>感度</a:t>
                       </a:r>
                       <a:r>
-                        <a:rPr lang="en-US" sz="1200" kern="100" dirty="0">
+                        <a:rPr lang="en-US" sz="1200" kern="100">
                           <a:effectLst/>
                         </a:rPr>
                         <a:t>(mA mM</a:t>
                       </a:r>
                       <a:r>
-                        <a:rPr lang="en-US" sz="1200" kern="100" baseline="30000" dirty="0">
+                        <a:rPr lang="en-US" sz="1200" kern="100" baseline="30000">
                           <a:effectLst/>
                         </a:rPr>
                         <a:t>-1</a:t>
                       </a:r>
                       <a:r>
-                        <a:rPr lang="en-US" sz="1200" kern="100" dirty="0">
+                        <a:rPr lang="en-US" sz="1200" kern="100">
                           <a:effectLst/>
                         </a:rPr>
                         <a:t> cm</a:t>
                       </a:r>
                       <a:r>
-                        <a:rPr lang="en-US" sz="1200" kern="100" baseline="30000" dirty="0">
+                        <a:rPr lang="en-US" sz="1200" kern="100" baseline="30000">
                           <a:effectLst/>
                         </a:rPr>
                         <a:t>-2</a:t>
                       </a:r>
                       <a:r>
-                        <a:rPr lang="en-US" sz="1200" kern="100" dirty="0">
+                        <a:rPr lang="en-US" sz="1200" kern="100">
                           <a:effectLst/>
                         </a:rPr>
                         <a:t>)</a:t>
@@ -14203,13 +14200,13 @@
                         <a:t>決定係数</a:t>
                       </a:r>
                       <a:r>
-                        <a:rPr lang="en-US" sz="1200" kern="100" dirty="0">
+                        <a:rPr lang="en-US" sz="1200" kern="100">
                           <a:effectLst/>
                         </a:rPr>
                         <a:t> R</a:t>
                       </a:r>
                       <a:r>
-                        <a:rPr lang="en-US" sz="1200" kern="100" baseline="30000" dirty="0">
+                        <a:rPr lang="en-US" sz="1200" kern="100" baseline="30000">
                           <a:effectLst/>
                         </a:rPr>
                         <a:t>2</a:t>
@@ -14248,7 +14245,7 @@
                     <a:p>
                       <a:pPr algn="ctr"/>
                       <a:r>
-                        <a:rPr lang="en-US" sz="1200" kern="100" dirty="0">
+                        <a:rPr lang="en-US" sz="1200" kern="100">
                           <a:effectLst/>
                         </a:rPr>
                         <a:t>1</a:t>
@@ -14295,7 +14292,7 @@
                     <a:p>
                       <a:pPr algn="r"/>
                       <a:r>
-                        <a:rPr lang="en-US" sz="1200" kern="100" dirty="0">
+                        <a:rPr lang="en-US" sz="1200" kern="100">
                           <a:effectLst/>
                         </a:rPr>
                         <a:t>0~6.73</a:t>
@@ -14336,7 +14333,7 @@
                     <a:p>
                       <a:pPr algn="r"/>
                       <a:r>
-                        <a:rPr lang="en-US" sz="1200" kern="100" dirty="0">
+                        <a:rPr lang="en-US" sz="1200" kern="100">
                           <a:effectLst/>
                         </a:rPr>
                         <a:t>2.2533</a:t>
@@ -14377,7 +14374,7 @@
                     <a:p>
                       <a:pPr algn="r"/>
                       <a:r>
-                        <a:rPr lang="en-US" sz="1200" kern="100" dirty="0">
+                        <a:rPr lang="en-US" sz="1200" kern="100">
                           <a:effectLst/>
                         </a:rPr>
                         <a:t>0.9853</a:t>
@@ -14425,7 +14422,7 @@
                     <a:p>
                       <a:pPr algn="ctr"/>
                       <a:r>
-                        <a:rPr lang="en-US" sz="1200" kern="100" dirty="0">
+                        <a:rPr lang="en-US" sz="1200" kern="100">
                           <a:effectLst/>
                         </a:rPr>
                         <a:t>2</a:t>
@@ -14472,7 +14469,7 @@
                     <a:p>
                       <a:pPr algn="r"/>
                       <a:r>
-                        <a:rPr lang="en-US" sz="1200" kern="100" dirty="0">
+                        <a:rPr lang="en-US" sz="1200" kern="100">
                           <a:effectLst/>
                         </a:rPr>
                         <a:t>0~3.46</a:t>
@@ -14513,7 +14510,7 @@
                     <a:p>
                       <a:pPr algn="r"/>
                       <a:r>
-                        <a:rPr lang="en-US" sz="1200" kern="100" dirty="0">
+                        <a:rPr lang="en-US" sz="1200" kern="100">
                           <a:effectLst/>
                         </a:rPr>
                         <a:t>3.4265</a:t>
@@ -14554,7 +14551,7 @@
                     <a:p>
                       <a:pPr algn="r"/>
                       <a:r>
-                        <a:rPr lang="en-US" sz="1200" kern="100" dirty="0">
+                        <a:rPr lang="en-US" sz="1200" kern="100">
                           <a:effectLst/>
                         </a:rPr>
                         <a:t>0.9884</a:t>
@@ -14602,7 +14599,7 @@
                     <a:p>
                       <a:pPr algn="ctr"/>
                       <a:r>
-                        <a:rPr lang="en-US" sz="1200" kern="100" dirty="0">
+                        <a:rPr lang="en-US" sz="1200" kern="100">
                           <a:effectLst/>
                         </a:rPr>
                         <a:t>3</a:t>
@@ -14649,7 +14646,7 @@
                     <a:p>
                       <a:pPr algn="r"/>
                       <a:r>
-                        <a:rPr lang="en-US" sz="1200" kern="100" dirty="0">
+                        <a:rPr lang="en-US" sz="1200" kern="100">
                           <a:effectLst/>
                         </a:rPr>
                         <a:t>0~7.98</a:t>
@@ -14690,7 +14687,7 @@
                     <a:p>
                       <a:pPr algn="r"/>
                       <a:r>
-                        <a:rPr lang="en-US" sz="1200" kern="100" dirty="0">
+                        <a:rPr lang="en-US" sz="1200" kern="100">
                           <a:effectLst/>
                         </a:rPr>
                         <a:t>1.3460</a:t>
@@ -14731,7 +14728,7 @@
                     <a:p>
                       <a:pPr algn="r"/>
                       <a:r>
-                        <a:rPr lang="en-US" sz="1200" kern="100" dirty="0">
+                        <a:rPr lang="en-US" sz="1200" kern="100">
                           <a:effectLst/>
                         </a:rPr>
                         <a:t>0.9948</a:t>
@@ -14834,7 +14831,7 @@
           <a:lstStyle/>
           <a:p>
             <a:r>
-              <a:rPr lang="en" altLang="ja-JP" dirty="0">
+              <a:rPr lang="en" altLang="ja-JP">
                 <a:solidFill>
                   <a:schemeClr val="accent1">
                     <a:lumMod val="60000"/>
@@ -14921,7 +14918,7 @@
               </a:rPr>
               <a:t>酢酸ニッケルから塩基性酢酸ニッケル塩の合成</a:t>
             </a:r>
-            <a:endParaRPr lang="en-US" altLang="ja-JP" sz="2100" dirty="0">
+            <a:endParaRPr lang="en-US" altLang="ja-JP" sz="2100">
               <a:latin typeface="MS Gothic" panose="020B0609070205080204" pitchFamily="49" charset="-128"/>
               <a:ea typeface="MS Gothic" panose="020B0609070205080204" pitchFamily="49" charset="-128"/>
             </a:endParaRPr>
@@ -14931,7 +14928,7 @@
               <a:buFont typeface="+mj-lt"/>
               <a:buAutoNum type="arabicPeriod"/>
             </a:pPr>
-            <a:endParaRPr lang="en-US" altLang="ja-JP" sz="2100" dirty="0">
+            <a:endParaRPr lang="en-US" altLang="ja-JP" sz="2100">
               <a:latin typeface="MS Gothic" panose="020B0609070205080204" pitchFamily="49" charset="-128"/>
               <a:ea typeface="MS Gothic" panose="020B0609070205080204" pitchFamily="49" charset="-128"/>
             </a:endParaRPr>
@@ -14941,25 +14938,25 @@
               <a:buFont typeface="+mj-lt"/>
               <a:buAutoNum type="arabicPeriod"/>
             </a:pPr>
-            <a:endParaRPr lang="en-US" altLang="ja-JP" sz="2100" dirty="0">
+            <a:endParaRPr lang="en-US" altLang="ja-JP" sz="2100">
               <a:latin typeface="MS Gothic" panose="020B0609070205080204" pitchFamily="49" charset="-128"/>
               <a:ea typeface="MS Gothic" panose="020B0609070205080204" pitchFamily="49" charset="-128"/>
             </a:endParaRPr>
           </a:p>
           <a:p>
-            <a:endParaRPr lang="en-US" altLang="ja-JP" sz="2100" dirty="0">
+            <a:endParaRPr lang="en-US" altLang="ja-JP" sz="2100">
               <a:latin typeface="MS Gothic" panose="020B0609070205080204" pitchFamily="49" charset="-128"/>
               <a:ea typeface="MS Gothic" panose="020B0609070205080204" pitchFamily="49" charset="-128"/>
             </a:endParaRPr>
           </a:p>
           <a:p>
-            <a:endParaRPr lang="en-US" altLang="ja-JP" sz="2100" dirty="0">
+            <a:endParaRPr lang="en-US" altLang="ja-JP" sz="2100">
               <a:latin typeface="MS Gothic" panose="020B0609070205080204" pitchFamily="49" charset="-128"/>
               <a:ea typeface="MS Gothic" panose="020B0609070205080204" pitchFamily="49" charset="-128"/>
             </a:endParaRPr>
           </a:p>
           <a:p>
-            <a:endParaRPr lang="en-US" altLang="ja-JP" sz="2100" dirty="0">
+            <a:endParaRPr lang="en-US" altLang="ja-JP" sz="2100">
               <a:latin typeface="MS Gothic" panose="020B0609070205080204" pitchFamily="49" charset="-128"/>
               <a:ea typeface="MS Gothic" panose="020B0609070205080204" pitchFamily="49" charset="-128"/>
             </a:endParaRPr>
@@ -14976,15 +14973,15 @@
               </a:rPr>
               <a:t>塩基性酢酸ニッケル塩の層間隔をイオン交換により拡大</a:t>
             </a:r>
-            <a:endParaRPr lang="en-US" altLang="ja-JP" sz="2100" dirty="0">
+            <a:endParaRPr lang="en-US" altLang="ja-JP" sz="2100">
               <a:latin typeface="MS Gothic" panose="020B0609070205080204" pitchFamily="49" charset="-128"/>
               <a:ea typeface="MS Gothic" panose="020B0609070205080204" pitchFamily="49" charset="-128"/>
             </a:endParaRPr>
           </a:p>
         </p:txBody>
       </p:sp>
-      <mc:AlternateContent xmlns:mc="http://schemas.openxmlformats.org/markup-compatibility/2006" xmlns:a14="http://schemas.microsoft.com/office/drawing/2010/main">
-        <mc:Choice Requires="a14">
+      <mc:AlternateContent xmlns:mc="http://schemas.openxmlformats.org/markup-compatibility/2006">
+        <mc:Choice xmlns:a14="http://schemas.microsoft.com/office/drawing/2010/main" Requires="a14">
           <p:sp>
             <p:nvSpPr>
               <p:cNvPr id="7" name="テキスト ボックス 6">
@@ -15015,7 +15012,7 @@
               <a:p>
                 <a:pPr fontAlgn="base"/>
                 <a:r>
-                  <a:rPr lang="en-US" altLang="ja-JP" sz="1350" dirty="0">
+                  <a:rPr lang="en-US" altLang="ja-JP" sz="1350">
                     <a:latin typeface="Yu Mincho" panose="02020400000000000000" pitchFamily="18" charset="-128"/>
                     <a:ea typeface="Yu Mincho" panose="02020400000000000000" pitchFamily="18" charset="-128"/>
                     <a:cs typeface="ＭＳ Ｐゴシック" panose="020B0600070205080204" pitchFamily="34" charset="-128"/>
@@ -15023,7 +15020,7 @@
                   <a:t>2Ni(CH</a:t>
                 </a:r>
                 <a:r>
-                  <a:rPr lang="en-US" altLang="ja-JP" sz="1350" baseline="-25000" dirty="0">
+                  <a:rPr lang="en-US" altLang="ja-JP" sz="1350" baseline="-25000">
                     <a:latin typeface="Yu Mincho" panose="02020400000000000000" pitchFamily="18" charset="-128"/>
                     <a:ea typeface="Yu Mincho" panose="02020400000000000000" pitchFamily="18" charset="-128"/>
                     <a:cs typeface="ＭＳ Ｐゴシック" panose="020B0600070205080204" pitchFamily="34" charset="-128"/>
@@ -15031,7 +15028,7 @@
                   <a:t>3</a:t>
                 </a:r>
                 <a:r>
-                  <a:rPr lang="en-US" altLang="ja-JP" sz="1350" dirty="0">
+                  <a:rPr lang="en-US" altLang="ja-JP" sz="1350">
                     <a:latin typeface="Yu Mincho" panose="02020400000000000000" pitchFamily="18" charset="-128"/>
                     <a:ea typeface="Yu Mincho" panose="02020400000000000000" pitchFamily="18" charset="-128"/>
                     <a:cs typeface="ＭＳ Ｐゴシック" panose="020B0600070205080204" pitchFamily="34" charset="-128"/>
@@ -15039,7 +15036,7 @@
                   <a:t>COO)</a:t>
                 </a:r>
                 <a:r>
-                  <a:rPr lang="en-US" altLang="ja-JP" sz="1350" baseline="-25000" dirty="0">
+                  <a:rPr lang="en-US" altLang="ja-JP" sz="1350" baseline="-25000">
                     <a:latin typeface="Yu Mincho" panose="02020400000000000000" pitchFamily="18" charset="-128"/>
                     <a:ea typeface="Yu Mincho" panose="02020400000000000000" pitchFamily="18" charset="-128"/>
                     <a:cs typeface="ＭＳ Ｐゴシック" panose="020B0600070205080204" pitchFamily="34" charset="-128"/>
@@ -15055,7 +15052,7 @@
                   <a:t>・</a:t>
                 </a:r>
                 <a:r>
-                  <a:rPr lang="en-US" altLang="ja-JP" sz="1350" dirty="0">
+                  <a:rPr lang="en-US" altLang="ja-JP" sz="1350">
                     <a:latin typeface="Yu Mincho" panose="02020400000000000000" pitchFamily="18" charset="-128"/>
                     <a:ea typeface="Yu Mincho" panose="02020400000000000000" pitchFamily="18" charset="-128"/>
                     <a:cs typeface="ＭＳ Ｐゴシック" panose="020B0600070205080204" pitchFamily="34" charset="-128"/>
@@ -15063,7 +15060,7 @@
                   <a:t>4H</a:t>
                 </a:r>
                 <a:r>
-                  <a:rPr lang="en-US" altLang="ja-JP" sz="1350" baseline="-25000" dirty="0">
+                  <a:rPr lang="en-US" altLang="ja-JP" sz="1350" baseline="-25000">
                     <a:latin typeface="Yu Mincho" panose="02020400000000000000" pitchFamily="18" charset="-128"/>
                     <a:ea typeface="Yu Mincho" panose="02020400000000000000" pitchFamily="18" charset="-128"/>
                     <a:cs typeface="ＭＳ Ｐゴシック" panose="020B0600070205080204" pitchFamily="34" charset="-128"/>
@@ -15071,7 +15068,7 @@
                   <a:t>2</a:t>
                 </a:r>
                 <a:r>
-                  <a:rPr lang="en-US" altLang="ja-JP" sz="1350" dirty="0">
+                  <a:rPr lang="en-US" altLang="ja-JP" sz="1350">
                     <a:latin typeface="Yu Mincho" panose="02020400000000000000" pitchFamily="18" charset="-128"/>
                     <a:ea typeface="Yu Mincho" panose="02020400000000000000" pitchFamily="18" charset="-128"/>
                     <a:cs typeface="ＭＳ Ｐゴシック" panose="020B0600070205080204" pitchFamily="34" charset="-128"/>
@@ -15127,7 +15124,7 @@
                   </m:oMath>
                 </a14:m>
                 <a:r>
-                  <a:rPr lang="en-US" altLang="ja-JP" sz="1350" dirty="0">
+                  <a:rPr lang="en-US" altLang="ja-JP" sz="1350">
                     <a:latin typeface="Yu Mincho" panose="02020400000000000000" pitchFamily="18" charset="-128"/>
                     <a:ea typeface="Yu Mincho" panose="02020400000000000000" pitchFamily="18" charset="-128"/>
                     <a:cs typeface="Times New Roman" panose="02020603050405020304" pitchFamily="18" charset="0"/>
@@ -15135,7 +15132,7 @@
                   <a:t>   Ni</a:t>
                 </a:r>
                 <a:r>
-                  <a:rPr lang="en-US" altLang="ja-JP" sz="1350" baseline="-25000" dirty="0">
+                  <a:rPr lang="en-US" altLang="ja-JP" sz="1350" baseline="-25000">
                     <a:latin typeface="Yu Mincho" panose="02020400000000000000" pitchFamily="18" charset="-128"/>
                     <a:ea typeface="Yu Mincho" panose="02020400000000000000" pitchFamily="18" charset="-128"/>
                     <a:cs typeface="Times New Roman" panose="02020603050405020304" pitchFamily="18" charset="0"/>
@@ -15143,7 +15140,7 @@
                   <a:t>2</a:t>
                 </a:r>
                 <a:r>
-                  <a:rPr lang="en-US" altLang="ja-JP" sz="1350" dirty="0">
+                  <a:rPr lang="en-US" altLang="ja-JP" sz="1350">
                     <a:latin typeface="Yu Mincho" panose="02020400000000000000" pitchFamily="18" charset="-128"/>
                     <a:ea typeface="Yu Mincho" panose="02020400000000000000" pitchFamily="18" charset="-128"/>
                     <a:cs typeface="Times New Roman" panose="02020603050405020304" pitchFamily="18" charset="0"/>
@@ -15151,7 +15148,7 @@
                   <a:t>(OH)</a:t>
                 </a:r>
                 <a:r>
-                  <a:rPr lang="en-US" altLang="ja-JP" sz="1350" baseline="-25000" dirty="0">
+                  <a:rPr lang="en-US" altLang="ja-JP" sz="1350" baseline="-25000">
                     <a:latin typeface="Yu Mincho" panose="02020400000000000000" pitchFamily="18" charset="-128"/>
                     <a:ea typeface="Yu Mincho" panose="02020400000000000000" pitchFamily="18" charset="-128"/>
                     <a:cs typeface="Times New Roman" panose="02020603050405020304" pitchFamily="18" charset="0"/>
@@ -15159,7 +15156,7 @@
                   <a:t>3</a:t>
                 </a:r>
                 <a:r>
-                  <a:rPr lang="en-US" altLang="ja-JP" sz="1350" dirty="0">
+                  <a:rPr lang="en-US" altLang="ja-JP" sz="1350">
                     <a:latin typeface="Yu Mincho" panose="02020400000000000000" pitchFamily="18" charset="-128"/>
                     <a:ea typeface="Yu Mincho" panose="02020400000000000000" pitchFamily="18" charset="-128"/>
                     <a:cs typeface="Times New Roman" panose="02020603050405020304" pitchFamily="18" charset="0"/>
@@ -15167,7 +15164,7 @@
                   <a:t>(CH</a:t>
                 </a:r>
                 <a:r>
-                  <a:rPr lang="en-US" altLang="ja-JP" sz="1350" baseline="-25000" dirty="0">
+                  <a:rPr lang="en-US" altLang="ja-JP" sz="1350" baseline="-25000">
                     <a:latin typeface="Yu Mincho" panose="02020400000000000000" pitchFamily="18" charset="-128"/>
                     <a:ea typeface="Yu Mincho" panose="02020400000000000000" pitchFamily="18" charset="-128"/>
                     <a:cs typeface="Times New Roman" panose="02020603050405020304" pitchFamily="18" charset="0"/>
@@ -15175,7 +15172,7 @@
                   <a:t>3</a:t>
                 </a:r>
                 <a:r>
-                  <a:rPr lang="en-US" altLang="ja-JP" sz="1350" dirty="0">
+                  <a:rPr lang="en-US" altLang="ja-JP" sz="1350">
                     <a:latin typeface="Yu Mincho" panose="02020400000000000000" pitchFamily="18" charset="-128"/>
                     <a:ea typeface="Yu Mincho" panose="02020400000000000000" pitchFamily="18" charset="-128"/>
                     <a:cs typeface="Times New Roman" panose="02020603050405020304" pitchFamily="18" charset="0"/>
@@ -15191,7 +15188,7 @@
                   <a:t>・</a:t>
                 </a:r>
                 <a:r>
-                  <a:rPr lang="en-US" altLang="ja-JP" sz="1350" dirty="0">
+                  <a:rPr lang="en-US" altLang="ja-JP" sz="1350">
                     <a:latin typeface="Yu Mincho" panose="02020400000000000000" pitchFamily="18" charset="-128"/>
                     <a:ea typeface="Yu Mincho" panose="02020400000000000000" pitchFamily="18" charset="-128"/>
                     <a:cs typeface="Times New Roman" panose="02020603050405020304" pitchFamily="18" charset="0"/>
@@ -15199,7 +15196,7 @@
                   <a:t>H</a:t>
                 </a:r>
                 <a:r>
-                  <a:rPr lang="en-US" altLang="ja-JP" sz="1350" baseline="-25000" dirty="0">
+                  <a:rPr lang="en-US" altLang="ja-JP" sz="1350" baseline="-25000">
                     <a:latin typeface="Yu Mincho" panose="02020400000000000000" pitchFamily="18" charset="-128"/>
                     <a:ea typeface="Yu Mincho" panose="02020400000000000000" pitchFamily="18" charset="-128"/>
                     <a:cs typeface="Times New Roman" panose="02020603050405020304" pitchFamily="18" charset="0"/>
@@ -15207,7 +15204,7 @@
                   <a:t>2</a:t>
                 </a:r>
                 <a:r>
-                  <a:rPr lang="en-US" altLang="ja-JP" sz="1350" dirty="0">
+                  <a:rPr lang="en-US" altLang="ja-JP" sz="1350">
                     <a:latin typeface="Yu Mincho" panose="02020400000000000000" pitchFamily="18" charset="-128"/>
                     <a:ea typeface="Yu Mincho" panose="02020400000000000000" pitchFamily="18" charset="-128"/>
                     <a:cs typeface="Times New Roman" panose="02020603050405020304" pitchFamily="18" charset="0"/>
@@ -15215,7 +15212,7 @@
                   <a:t>O + 3CH</a:t>
                 </a:r>
                 <a:r>
-                  <a:rPr lang="en-US" altLang="ja-JP" sz="1350" baseline="-25000" dirty="0">
+                  <a:rPr lang="en-US" altLang="ja-JP" sz="1350" baseline="-25000">
                     <a:latin typeface="Yu Mincho" panose="02020400000000000000" pitchFamily="18" charset="-128"/>
                     <a:ea typeface="Yu Mincho" panose="02020400000000000000" pitchFamily="18" charset="-128"/>
                     <a:cs typeface="Times New Roman" panose="02020603050405020304" pitchFamily="18" charset="0"/>
@@ -15223,7 +15220,7 @@
                   <a:t>3</a:t>
                 </a:r>
                 <a:r>
-                  <a:rPr lang="en-US" altLang="ja-JP" sz="1350" dirty="0">
+                  <a:rPr lang="en-US" altLang="ja-JP" sz="1350">
                     <a:latin typeface="Yu Mincho" panose="02020400000000000000" pitchFamily="18" charset="-128"/>
                     <a:ea typeface="Yu Mincho" panose="02020400000000000000" pitchFamily="18" charset="-128"/>
                     <a:cs typeface="Times New Roman" panose="02020603050405020304" pitchFamily="18" charset="0"/>
@@ -15237,7 +15234,7 @@
                   </a:rPr>
                   <a:t> </a:t>
                 </a:r>
-                <a:endParaRPr lang="en-US" altLang="ja-JP" sz="1350" dirty="0">
+                <a:endParaRPr lang="en-US" altLang="ja-JP" sz="1350">
                   <a:latin typeface="Yu Mincho" panose="02020400000000000000" pitchFamily="18" charset="-128"/>
                   <a:ea typeface="Yu Mincho" panose="02020400000000000000" pitchFamily="18" charset="-128"/>
                 </a:endParaRPr>
@@ -15245,7 +15242,7 @@
             </p:txBody>
           </p:sp>
         </mc:Choice>
-        <mc:Fallback xmlns="">
+        <mc:Fallback>
           <p:sp>
             <p:nvSpPr>
               <p:cNvPr id="7" name="テキスト ボックス 6">
@@ -15271,7 +15268,7 @@
               <a:blipFill>
                 <a:blip r:embed="rId3"/>
                 <a:stretch>
-                  <a:fillRect l="-203" b="-18519"/>
+                  <a:fillRect l="-294" b="-18868"/>
                 </a:stretch>
               </a:blipFill>
             </p:spPr>
@@ -15280,7 +15277,7 @@
               <a:lstStyle/>
               <a:p>
                 <a:r>
-                  <a:rPr lang="ja-JP" altLang="en-US">
+                  <a:rPr lang="en-US">
                     <a:noFill/>
                   </a:rPr>
                   <a:t> </a:t>
@@ -15339,7 +15336,7 @@
             <a:lstStyle/>
             <a:p>
               <a:r>
-                <a:rPr lang="en-US" altLang="ja-JP" sz="1350" kern="100" dirty="0">
+                <a:rPr lang="en-US" altLang="ja-JP" sz="1350" kern="100">
                   <a:latin typeface="游明朝" panose="02020400000000000000" pitchFamily="18" charset="-128"/>
                   <a:ea typeface="游明朝" panose="02020400000000000000" pitchFamily="18" charset="-128"/>
                   <a:cs typeface="Arial" panose="020B0604020202020204" pitchFamily="34" charset="0"/>
@@ -15347,7 +15344,7 @@
                 <a:t>Ni(OH)</a:t>
               </a:r>
               <a:r>
-                <a:rPr lang="en-US" altLang="ja-JP" sz="1350" kern="100" baseline="-25000" dirty="0">
+                <a:rPr lang="en-US" altLang="ja-JP" sz="1350" kern="100" baseline="-25000">
                   <a:latin typeface="游明朝" panose="02020400000000000000" pitchFamily="18" charset="-128"/>
                   <a:ea typeface="游明朝" panose="02020400000000000000" pitchFamily="18" charset="-128"/>
                   <a:cs typeface="Arial" panose="020B0604020202020204" pitchFamily="34" charset="0"/>
@@ -15355,7 +15352,7 @@
                 <a:t>3</a:t>
               </a:r>
               <a:r>
-                <a:rPr lang="en-US" altLang="ja-JP" sz="1350" kern="100" dirty="0">
+                <a:rPr lang="en-US" altLang="ja-JP" sz="1350" kern="100">
                   <a:latin typeface="游明朝" panose="02020400000000000000" pitchFamily="18" charset="-128"/>
                   <a:ea typeface="游明朝" panose="02020400000000000000" pitchFamily="18" charset="-128"/>
                   <a:cs typeface="Arial" panose="020B0604020202020204" pitchFamily="34" charset="0"/>
@@ -15363,7 +15360,7 @@
                 <a:t>(CH</a:t>
               </a:r>
               <a:r>
-                <a:rPr lang="en-US" altLang="ja-JP" sz="1350" kern="100" baseline="-25000" dirty="0">
+                <a:rPr lang="en-US" altLang="ja-JP" sz="1350" kern="100" baseline="-25000">
                   <a:latin typeface="游明朝" panose="02020400000000000000" pitchFamily="18" charset="-128"/>
                   <a:ea typeface="游明朝" panose="02020400000000000000" pitchFamily="18" charset="-128"/>
                   <a:cs typeface="Arial" panose="020B0604020202020204" pitchFamily="34" charset="0"/>
@@ -15371,7 +15368,7 @@
                 <a:t>3</a:t>
               </a:r>
               <a:r>
-                <a:rPr lang="en-US" altLang="ja-JP" sz="1350" kern="100" dirty="0">
+                <a:rPr lang="en-US" altLang="ja-JP" sz="1350" kern="100">
                   <a:latin typeface="游明朝" panose="02020400000000000000" pitchFamily="18" charset="-128"/>
                   <a:ea typeface="游明朝" panose="02020400000000000000" pitchFamily="18" charset="-128"/>
                   <a:cs typeface="Arial" panose="020B0604020202020204" pitchFamily="34" charset="0"/>
@@ -15387,7 +15384,7 @@
                 <a:t>・</a:t>
               </a:r>
               <a:r>
-                <a:rPr lang="en-US" altLang="ja-JP" sz="1350" kern="100" dirty="0">
+                <a:rPr lang="en-US" altLang="ja-JP" sz="1350" kern="100">
                   <a:latin typeface="游明朝" panose="02020400000000000000" pitchFamily="18" charset="-128"/>
                   <a:ea typeface="游明朝" panose="02020400000000000000" pitchFamily="18" charset="-128"/>
                   <a:cs typeface="Arial" panose="020B0604020202020204" pitchFamily="34" charset="0"/>
@@ -15395,7 +15392,7 @@
                 <a:t>H</a:t>
               </a:r>
               <a:r>
-                <a:rPr lang="en-US" altLang="ja-JP" sz="1350" kern="100" baseline="-25000" dirty="0">
+                <a:rPr lang="en-US" altLang="ja-JP" sz="1350" kern="100" baseline="-25000">
                   <a:latin typeface="游明朝" panose="02020400000000000000" pitchFamily="18" charset="-128"/>
                   <a:ea typeface="游明朝" panose="02020400000000000000" pitchFamily="18" charset="-128"/>
                   <a:cs typeface="Arial" panose="020B0604020202020204" pitchFamily="34" charset="0"/>
@@ -15403,7 +15400,7 @@
                 <a:t>2</a:t>
               </a:r>
               <a:r>
-                <a:rPr lang="en-US" altLang="ja-JP" sz="1350" kern="100" dirty="0">
+                <a:rPr lang="en-US" altLang="ja-JP" sz="1350" kern="100">
                   <a:latin typeface="游明朝" panose="02020400000000000000" pitchFamily="18" charset="-128"/>
                   <a:ea typeface="游明朝" panose="02020400000000000000" pitchFamily="18" charset="-128"/>
                   <a:cs typeface="Arial" panose="020B0604020202020204" pitchFamily="34" charset="0"/>
@@ -15535,7 +15532,7 @@
               <a:lstStyle/>
               <a:p>
                 <a:r>
-                  <a:rPr lang="en-US" altLang="ja-JP" sz="825" dirty="0">
+                  <a:rPr lang="en-US" altLang="ja-JP" sz="825">
                     <a:latin typeface="Yu Mincho" panose="02020400000000000000" pitchFamily="18" charset="-128"/>
                     <a:ea typeface="Yu Mincho" panose="02020400000000000000" pitchFamily="18" charset="-128"/>
                   </a:rPr>
@@ -15549,7 +15546,7 @@
                   <a:t> </a:t>
                 </a:r>
                 <a:r>
-                  <a:rPr lang="en-US" altLang="ja-JP" sz="825" dirty="0">
+                  <a:rPr lang="en-US" altLang="ja-JP" sz="825">
                     <a:latin typeface="Yu Mincho" panose="02020400000000000000" pitchFamily="18" charset="-128"/>
                     <a:ea typeface="Yu Mincho" panose="02020400000000000000" pitchFamily="18" charset="-128"/>
                   </a:rPr>
@@ -15591,7 +15588,7 @@
               <a:lstStyle/>
               <a:p>
                 <a:r>
-                  <a:rPr lang="en-US" altLang="ja-JP" sz="1050" dirty="0">
+                  <a:rPr lang="en-US" altLang="ja-JP" sz="1050">
                     <a:latin typeface="Yu Mincho" panose="02020400000000000000" pitchFamily="18" charset="-128"/>
                     <a:ea typeface="Yu Mincho" panose="02020400000000000000" pitchFamily="18" charset="-128"/>
                   </a:rPr>
@@ -15634,7 +15631,7 @@
             <a:lstStyle/>
             <a:p>
               <a:r>
-                <a:rPr lang="en-US" altLang="ja-JP" sz="1350" dirty="0">
+                <a:rPr lang="en-US" altLang="ja-JP" sz="1350">
                   <a:latin typeface="Yu Mincho" panose="02020400000000000000" pitchFamily="18" charset="-128"/>
                   <a:ea typeface="Yu Mincho" panose="02020400000000000000" pitchFamily="18" charset="-128"/>
                   <a:cs typeface="Arial" panose="020B0604020202020204" pitchFamily="34" charset="0"/>
@@ -15642,7 +15639,7 @@
                 <a:t>Ni(OH)</a:t>
               </a:r>
               <a:r>
-                <a:rPr lang="en-US" altLang="ja-JP" sz="1350" baseline="-25000" dirty="0">
+                <a:rPr lang="en-US" altLang="ja-JP" sz="1350" baseline="-25000">
                   <a:latin typeface="Yu Mincho" panose="02020400000000000000" pitchFamily="18" charset="-128"/>
                   <a:ea typeface="Yu Mincho" panose="02020400000000000000" pitchFamily="18" charset="-128"/>
                   <a:cs typeface="Arial" panose="020B0604020202020204" pitchFamily="34" charset="0"/>
@@ -15650,7 +15647,7 @@
                 <a:t>3</a:t>
               </a:r>
               <a:r>
-                <a:rPr lang="en-US" altLang="ja-JP" sz="1350" dirty="0">
+                <a:rPr lang="en-US" altLang="ja-JP" sz="1350">
                   <a:latin typeface="Yu Mincho" panose="02020400000000000000" pitchFamily="18" charset="-128"/>
                   <a:ea typeface="Yu Mincho" panose="02020400000000000000" pitchFamily="18" charset="-128"/>
                   <a:cs typeface="Arial" panose="020B0604020202020204" pitchFamily="34" charset="0"/>
@@ -15658,7 +15655,7 @@
                 <a:t>(CH</a:t>
               </a:r>
               <a:r>
-                <a:rPr lang="en-US" altLang="ja-JP" sz="1350" baseline="-25000" dirty="0">
+                <a:rPr lang="en-US" altLang="ja-JP" sz="1350" baseline="-25000">
                   <a:latin typeface="Yu Mincho" panose="02020400000000000000" pitchFamily="18" charset="-128"/>
                   <a:ea typeface="Yu Mincho" panose="02020400000000000000" pitchFamily="18" charset="-128"/>
                   <a:cs typeface="Arial" panose="020B0604020202020204" pitchFamily="34" charset="0"/>
@@ -15666,7 +15663,7 @@
                 <a:t>3</a:t>
               </a:r>
               <a:r>
-                <a:rPr lang="en-US" altLang="ja-JP" sz="1350" dirty="0">
+                <a:rPr lang="en-US" altLang="ja-JP" sz="1350">
                   <a:latin typeface="Yu Mincho" panose="02020400000000000000" pitchFamily="18" charset="-128"/>
                   <a:ea typeface="Yu Mincho" panose="02020400000000000000" pitchFamily="18" charset="-128"/>
                   <a:cs typeface="Arial" panose="020B0604020202020204" pitchFamily="34" charset="0"/>
@@ -15674,7 +15671,7 @@
                 <a:t>(CH</a:t>
               </a:r>
               <a:r>
-                <a:rPr lang="en-US" altLang="ja-JP" sz="1350" baseline="-25000" dirty="0">
+                <a:rPr lang="en-US" altLang="ja-JP" sz="1350" baseline="-25000">
                   <a:latin typeface="Yu Mincho" panose="02020400000000000000" pitchFamily="18" charset="-128"/>
                   <a:ea typeface="Yu Mincho" panose="02020400000000000000" pitchFamily="18" charset="-128"/>
                   <a:cs typeface="Arial" panose="020B0604020202020204" pitchFamily="34" charset="0"/>
@@ -15682,7 +15679,7 @@
                 <a:t>2</a:t>
               </a:r>
               <a:r>
-                <a:rPr lang="en-US" altLang="ja-JP" sz="1350" dirty="0">
+                <a:rPr lang="en-US" altLang="ja-JP" sz="1350">
                   <a:latin typeface="Yu Mincho" panose="02020400000000000000" pitchFamily="18" charset="-128"/>
                   <a:ea typeface="Yu Mincho" panose="02020400000000000000" pitchFamily="18" charset="-128"/>
                   <a:cs typeface="Arial" panose="020B0604020202020204" pitchFamily="34" charset="0"/>
@@ -15690,7 +15687,7 @@
                 <a:t>)</a:t>
               </a:r>
               <a:r>
-                <a:rPr lang="en-US" altLang="ja-JP" sz="1350" baseline="-25000" dirty="0">
+                <a:rPr lang="en-US" altLang="ja-JP" sz="1350" baseline="-25000">
                   <a:latin typeface="Yu Mincho" panose="02020400000000000000" pitchFamily="18" charset="-128"/>
                   <a:ea typeface="Yu Mincho" panose="02020400000000000000" pitchFamily="18" charset="-128"/>
                   <a:cs typeface="Arial" panose="020B0604020202020204" pitchFamily="34" charset="0"/>
@@ -15698,7 +15695,7 @@
                 <a:t>11</a:t>
               </a:r>
               <a:r>
-                <a:rPr lang="en-US" altLang="ja-JP" sz="1350" dirty="0">
+                <a:rPr lang="en-US" altLang="ja-JP" sz="1350">
                   <a:latin typeface="Yu Mincho" panose="02020400000000000000" pitchFamily="18" charset="-128"/>
                   <a:ea typeface="Yu Mincho" panose="02020400000000000000" pitchFamily="18" charset="-128"/>
                   <a:cs typeface="Arial" panose="020B0604020202020204" pitchFamily="34" charset="0"/>
@@ -15706,7 +15703,7 @@
                 <a:t>C</a:t>
               </a:r>
               <a:r>
-                <a:rPr lang="en-US" altLang="ja-JP" sz="1350" baseline="-25000" dirty="0">
+                <a:rPr lang="en-US" altLang="ja-JP" sz="1350" baseline="-25000">
                   <a:latin typeface="Yu Mincho" panose="02020400000000000000" pitchFamily="18" charset="-128"/>
                   <a:ea typeface="Yu Mincho" panose="02020400000000000000" pitchFamily="18" charset="-128"/>
                   <a:cs typeface="Arial" panose="020B0604020202020204" pitchFamily="34" charset="0"/>
@@ -15714,7 +15711,7 @@
                 <a:t>6</a:t>
               </a:r>
               <a:r>
-                <a:rPr lang="en-US" altLang="ja-JP" sz="1350" dirty="0">
+                <a:rPr lang="en-US" altLang="ja-JP" sz="1350">
                   <a:latin typeface="Yu Mincho" panose="02020400000000000000" pitchFamily="18" charset="-128"/>
                   <a:ea typeface="Yu Mincho" panose="02020400000000000000" pitchFamily="18" charset="-128"/>
                   <a:cs typeface="Arial" panose="020B0604020202020204" pitchFamily="34" charset="0"/>
@@ -15722,7 +15719,7 @@
                 <a:t>H</a:t>
               </a:r>
               <a:r>
-                <a:rPr lang="en-US" altLang="ja-JP" sz="1350" baseline="-25000" dirty="0">
+                <a:rPr lang="en-US" altLang="ja-JP" sz="1350" baseline="-25000">
                   <a:latin typeface="Yu Mincho" panose="02020400000000000000" pitchFamily="18" charset="-128"/>
                   <a:ea typeface="Yu Mincho" panose="02020400000000000000" pitchFamily="18" charset="-128"/>
                   <a:cs typeface="Arial" panose="020B0604020202020204" pitchFamily="34" charset="0"/>
@@ -15730,7 +15727,7 @@
                 <a:t>4</a:t>
               </a:r>
               <a:r>
-                <a:rPr lang="en-US" altLang="ja-JP" sz="1350" dirty="0">
+                <a:rPr lang="en-US" altLang="ja-JP" sz="1350">
                   <a:latin typeface="Yu Mincho" panose="02020400000000000000" pitchFamily="18" charset="-128"/>
                   <a:ea typeface="Yu Mincho" panose="02020400000000000000" pitchFamily="18" charset="-128"/>
                   <a:cs typeface="Arial" panose="020B0604020202020204" pitchFamily="34" charset="0"/>
@@ -15738,7 +15735,7 @@
                 <a:t>SO</a:t>
               </a:r>
               <a:r>
-                <a:rPr lang="en-US" altLang="ja-JP" sz="1350" baseline="-25000" dirty="0">
+                <a:rPr lang="en-US" altLang="ja-JP" sz="1350" baseline="-25000">
                   <a:latin typeface="Yu Mincho" panose="02020400000000000000" pitchFamily="18" charset="-128"/>
                   <a:ea typeface="Yu Mincho" panose="02020400000000000000" pitchFamily="18" charset="-128"/>
                   <a:cs typeface="Arial" panose="020B0604020202020204" pitchFamily="34" charset="0"/>
@@ -15746,7 +15743,7 @@
                 <a:t>3</a:t>
               </a:r>
               <a:r>
-                <a:rPr lang="en-US" altLang="ja-JP" sz="1350" dirty="0">
+                <a:rPr lang="en-US" altLang="ja-JP" sz="1350">
                   <a:latin typeface="Yu Mincho" panose="02020400000000000000" pitchFamily="18" charset="-128"/>
                   <a:ea typeface="Yu Mincho" panose="02020400000000000000" pitchFamily="18" charset="-128"/>
                   <a:cs typeface="Arial" panose="020B0604020202020204" pitchFamily="34" charset="0"/>
@@ -15762,7 +15759,7 @@
                 <a:t>・</a:t>
               </a:r>
               <a:r>
-                <a:rPr lang="en-US" altLang="ja-JP" sz="1350" dirty="0">
+                <a:rPr lang="en-US" altLang="ja-JP" sz="1350">
                   <a:latin typeface="Yu Mincho" panose="02020400000000000000" pitchFamily="18" charset="-128"/>
                   <a:ea typeface="Yu Mincho" panose="02020400000000000000" pitchFamily="18" charset="-128"/>
                   <a:cs typeface="Arial" panose="020B0604020202020204" pitchFamily="34" charset="0"/>
@@ -15770,7 +15767,7 @@
                 <a:t>H</a:t>
               </a:r>
               <a:r>
-                <a:rPr lang="en-US" altLang="ja-JP" sz="1350" baseline="-25000" dirty="0">
+                <a:rPr lang="en-US" altLang="ja-JP" sz="1350" baseline="-25000">
                   <a:latin typeface="Yu Mincho" panose="02020400000000000000" pitchFamily="18" charset="-128"/>
                   <a:ea typeface="Yu Mincho" panose="02020400000000000000" pitchFamily="18" charset="-128"/>
                   <a:cs typeface="Arial" panose="020B0604020202020204" pitchFamily="34" charset="0"/>
@@ -15778,7 +15775,7 @@
                 <a:t>2</a:t>
               </a:r>
               <a:r>
-                <a:rPr lang="en-US" altLang="ja-JP" sz="1350" dirty="0">
+                <a:rPr lang="en-US" altLang="ja-JP" sz="1350">
                   <a:latin typeface="Yu Mincho" panose="02020400000000000000" pitchFamily="18" charset="-128"/>
                   <a:ea typeface="Yu Mincho" panose="02020400000000000000" pitchFamily="18" charset="-128"/>
                   <a:cs typeface="Arial" panose="020B0604020202020204" pitchFamily="34" charset="0"/>
@@ -15871,7 +15868,7 @@
               <a:lstStyle/>
               <a:p>
                 <a:r>
-                  <a:rPr lang="en-US" altLang="ja-JP" sz="1050" dirty="0">
+                  <a:rPr lang="en-US" altLang="ja-JP" sz="1050">
                     <a:latin typeface="Yu Mincho" panose="02020400000000000000" pitchFamily="18" charset="-128"/>
                     <a:ea typeface="Yu Mincho" panose="02020400000000000000" pitchFamily="18" charset="-128"/>
                   </a:rPr>
@@ -15955,7 +15952,7 @@
               <a:lstStyle/>
               <a:p>
                 <a:r>
-                  <a:rPr lang="en-US" altLang="ja-JP" sz="825" dirty="0">
+                  <a:rPr lang="en-US" altLang="ja-JP" sz="825">
                     <a:latin typeface="Yu Mincho" panose="02020400000000000000" pitchFamily="18" charset="-128"/>
                     <a:ea typeface="Yu Mincho" panose="02020400000000000000" pitchFamily="18" charset="-128"/>
                   </a:rPr>
@@ -15969,7 +15966,7 @@
                   <a:t> </a:t>
                 </a:r>
                 <a:r>
-                  <a:rPr lang="en-US" altLang="ja-JP" sz="825" dirty="0">
+                  <a:rPr lang="en-US" altLang="ja-JP" sz="825">
                     <a:latin typeface="Yu Mincho" panose="02020400000000000000" pitchFamily="18" charset="-128"/>
                     <a:ea typeface="Yu Mincho" panose="02020400000000000000" pitchFamily="18" charset="-128"/>
                   </a:rPr>
@@ -16067,7 +16064,7 @@
             <a:p>
               <a:pPr algn="ctr"/>
               <a:r>
-                <a:rPr lang="en-US" altLang="ja-JP" sz="1050" dirty="0">
+                <a:rPr lang="en-US" altLang="ja-JP" sz="1050">
                   <a:latin typeface="Yu Mincho" panose="02020400000000000000" pitchFamily="18" charset="-128"/>
                   <a:ea typeface="Yu Mincho" panose="02020400000000000000" pitchFamily="18" charset="-128"/>
                 </a:rPr>
@@ -16084,7 +16081,7 @@
                 <a:t>室温</a:t>
               </a:r>
               <a:r>
-                <a:rPr lang="en-US" altLang="ja-JP" sz="1050" dirty="0">
+                <a:rPr lang="en-US" altLang="ja-JP" sz="1050">
                   <a:latin typeface="Yu Mincho" panose="02020400000000000000" pitchFamily="18" charset="-128"/>
                   <a:ea typeface="Yu Mincho" panose="02020400000000000000" pitchFamily="18" charset="-128"/>
                 </a:rPr>
@@ -16162,7 +16159,7 @@
               <a:t>サイクリックボルタンメトリー</a:t>
             </a:r>
             <a:r>
-              <a:rPr lang="en-US" altLang="ja-JP" sz="2100" dirty="0">
+              <a:rPr lang="en-US" altLang="ja-JP" sz="2100">
                 <a:latin typeface="HGSSoeiKakugothicUB" panose="020B0900000000000000" pitchFamily="34" charset="-128"/>
                 <a:ea typeface="HGSSoeiKakugothicUB" panose="020B0900000000000000" pitchFamily="34" charset="-128"/>
               </a:rPr>
@@ -16593,7 +16590,7 @@
                   </a:rPr>
                   <a:t>参照極</a:t>
                 </a:r>
-                <a:endParaRPr lang="en-US" altLang="ja-JP" sz="1350" dirty="0">
+                <a:endParaRPr lang="en-US" altLang="ja-JP" sz="1350">
                   <a:latin typeface="Hiragino Maru Gothic ProN W4" panose="020F0400000000000000" pitchFamily="34" charset="-128"/>
                   <a:ea typeface="Hiragino Maru Gothic ProN W4" panose="020F0400000000000000" pitchFamily="34" charset="-128"/>
                 </a:endParaRPr>
@@ -16601,7 +16598,7 @@
               <a:p>
                 <a:pPr algn="ctr"/>
                 <a:r>
-                  <a:rPr lang="en-US" altLang="ja-JP" sz="1350" dirty="0">
+                  <a:rPr lang="en-US" altLang="ja-JP" sz="1350">
                     <a:latin typeface="Hiragino Maru Gothic ProN W4" panose="020F0400000000000000" pitchFamily="34" charset="-128"/>
                     <a:ea typeface="Hiragino Maru Gothic ProN W4" panose="020F0400000000000000" pitchFamily="34" charset="-128"/>
                   </a:rPr>
@@ -16614,10 +16611,6 @@
                   </a:rPr>
                   <a:t>電極</a:t>
                 </a:r>
-                <a:endParaRPr lang="ja-JP" altLang="en-US" sz="1350" dirty="0">
-                  <a:latin typeface="Hiragino Maru Gothic ProN W4" panose="020F0400000000000000" pitchFamily="34" charset="-128"/>
-                  <a:ea typeface="Hiragino Maru Gothic ProN W4" panose="020F0400000000000000" pitchFamily="34" charset="-128"/>
-                </a:endParaRPr>
               </a:p>
             </p:txBody>
           </p:sp>
@@ -16662,7 +16655,7 @@
                   </a:rPr>
                   <a:t>対極</a:t>
                 </a:r>
-                <a:endParaRPr lang="en-US" altLang="ja-JP" sz="1350" dirty="0">
+                <a:endParaRPr lang="en-US" altLang="ja-JP" sz="1350">
                   <a:latin typeface="Hiragino Maru Gothic ProN W4" panose="020F0400000000000000" pitchFamily="34" charset="-128"/>
                   <a:ea typeface="Hiragino Maru Gothic ProN W4" panose="020F0400000000000000" pitchFamily="34" charset="-128"/>
                 </a:endParaRPr>
@@ -16674,14 +16667,7 @@
                     <a:latin typeface="Hiragino Maru Gothic ProN W4" panose="020F0400000000000000" pitchFamily="34" charset="-128"/>
                     <a:ea typeface="Hiragino Maru Gothic ProN W4" panose="020F0400000000000000" pitchFamily="34" charset="-128"/>
                   </a:rPr>
-                  <a:t>白金</a:t>
-                </a:r>
-                <a:r>
-                  <a:rPr lang="ja-JP" altLang="en-US" sz="1350" dirty="0">
-                    <a:latin typeface="Hiragino Maru Gothic ProN W4" panose="020F0400000000000000" pitchFamily="34" charset="-128"/>
-                    <a:ea typeface="Hiragino Maru Gothic ProN W4" panose="020F0400000000000000" pitchFamily="34" charset="-128"/>
-                  </a:rPr>
-                  <a:t>線　</a:t>
+                  <a:t>白金線　</a:t>
                 </a:r>
               </a:p>
             </p:txBody>
@@ -16759,7 +16745,7 @@
               <a:p>
                 <a:pPr algn="ctr"/>
                 <a:r>
-                  <a:rPr lang="ja-JP" altLang="en-US" sz="1350" dirty="0">
+                  <a:rPr lang="ja-JP" altLang="en-US" sz="1350">
                     <a:latin typeface="Hiragino Maru Gothic ProN W4" panose="020F0400000000000000" pitchFamily="34" charset="-128"/>
                     <a:ea typeface="Hiragino Maru Gothic ProN W4" panose="020F0400000000000000" pitchFamily="34" charset="-128"/>
                   </a:rPr>
@@ -16809,7 +16795,7 @@
               <a:p>
                 <a:pPr algn="ctr"/>
                 <a:r>
-                  <a:rPr lang="en-US" altLang="ja-JP" sz="1350" dirty="0">
+                  <a:rPr lang="en-US" altLang="ja-JP" sz="1350">
                     <a:solidFill>
                       <a:schemeClr val="tx1"/>
                     </a:solidFill>
@@ -16818,7 +16804,7 @@
                   </a:rPr>
                   <a:t>0.1 M NaOH</a:t>
                 </a:r>
-                <a:endParaRPr lang="ja-JP" altLang="en-US" sz="1350" dirty="0">
+                <a:endParaRPr lang="ja-JP" altLang="en-US" sz="1350">
                   <a:solidFill>
                     <a:schemeClr val="tx1"/>
                   </a:solidFill>
@@ -18000,7 +17986,7 @@
                     </a:rPr>
                     <a:t>参照極</a:t>
                   </a:r>
-                  <a:endParaRPr lang="en-US" altLang="ja-JP" sz="1350" dirty="0">
+                  <a:endParaRPr lang="en-US" altLang="ja-JP" sz="1350">
                     <a:latin typeface="Hiragino Maru Gothic ProN W4" panose="020F0400000000000000" pitchFamily="34" charset="-128"/>
                     <a:ea typeface="Hiragino Maru Gothic ProN W4" panose="020F0400000000000000" pitchFamily="34" charset="-128"/>
                   </a:endParaRPr>
@@ -18008,7 +17994,7 @@
                 <a:p>
                   <a:pPr algn="ctr"/>
                   <a:r>
-                    <a:rPr lang="en-US" altLang="ja-JP" sz="1350" dirty="0">
+                    <a:rPr lang="en-US" altLang="ja-JP" sz="1350">
                       <a:latin typeface="Hiragino Maru Gothic ProN W4" panose="020F0400000000000000" pitchFamily="34" charset="-128"/>
                       <a:ea typeface="Hiragino Maru Gothic ProN W4" panose="020F0400000000000000" pitchFamily="34" charset="-128"/>
                     </a:rPr>
@@ -18021,10 +18007,6 @@
                     </a:rPr>
                     <a:t>電極</a:t>
                   </a:r>
-                  <a:endParaRPr lang="ja-JP" altLang="en-US" sz="1350" dirty="0">
-                    <a:latin typeface="Hiragino Maru Gothic ProN W4" panose="020F0400000000000000" pitchFamily="34" charset="-128"/>
-                    <a:ea typeface="Hiragino Maru Gothic ProN W4" panose="020F0400000000000000" pitchFamily="34" charset="-128"/>
-                  </a:endParaRPr>
                 </a:p>
               </p:txBody>
             </p:sp>
@@ -18075,7 +18057,7 @@
                     </a:rPr>
                     <a:t>対極</a:t>
                   </a:r>
-                  <a:endParaRPr lang="en-US" altLang="ja-JP" sz="1350" dirty="0">
+                  <a:endParaRPr lang="en-US" altLang="ja-JP" sz="1350">
                     <a:latin typeface="Hiragino Maru Gothic ProN W4" panose="020F0400000000000000" pitchFamily="34" charset="-128"/>
                     <a:ea typeface="Hiragino Maru Gothic ProN W4" panose="020F0400000000000000" pitchFamily="34" charset="-128"/>
                   </a:endParaRPr>
@@ -18087,14 +18069,7 @@
                       <a:latin typeface="Hiragino Maru Gothic ProN W4" panose="020F0400000000000000" pitchFamily="34" charset="-128"/>
                       <a:ea typeface="Hiragino Maru Gothic ProN W4" panose="020F0400000000000000" pitchFamily="34" charset="-128"/>
                     </a:rPr>
-                    <a:t>白金</a:t>
-                  </a:r>
-                  <a:r>
-                    <a:rPr lang="ja-JP" altLang="en-US" sz="1350" dirty="0">
-                      <a:latin typeface="Hiragino Maru Gothic ProN W4" panose="020F0400000000000000" pitchFamily="34" charset="-128"/>
-                      <a:ea typeface="Hiragino Maru Gothic ProN W4" panose="020F0400000000000000" pitchFamily="34" charset="-128"/>
-                    </a:rPr>
-                    <a:t>線　</a:t>
+                    <a:t>白金線　</a:t>
                   </a:r>
                 </a:p>
               </p:txBody>
@@ -18184,7 +18159,7 @@
                 <a:p>
                   <a:pPr algn="ctr"/>
                   <a:r>
-                    <a:rPr lang="ja-JP" altLang="en-US" sz="1350" dirty="0">
+                    <a:rPr lang="ja-JP" altLang="en-US" sz="1350">
                       <a:latin typeface="Hiragino Maru Gothic ProN W4" panose="020F0400000000000000" pitchFamily="34" charset="-128"/>
                       <a:ea typeface="Hiragino Maru Gothic ProN W4" panose="020F0400000000000000" pitchFamily="34" charset="-128"/>
                     </a:rPr>
@@ -18240,7 +18215,7 @@
                 <a:p>
                   <a:pPr algn="ctr"/>
                   <a:r>
-                    <a:rPr lang="en-US" altLang="ja-JP" sz="1350" dirty="0">
+                    <a:rPr lang="en-US" altLang="ja-JP" sz="1350">
                       <a:solidFill>
                         <a:schemeClr val="tx1"/>
                       </a:solidFill>
@@ -18249,7 +18224,7 @@
                     </a:rPr>
                     <a:t>0.1 M NaOH</a:t>
                   </a:r>
-                  <a:endParaRPr lang="ja-JP" altLang="en-US" sz="1350" dirty="0">
+                  <a:endParaRPr lang="ja-JP" altLang="en-US" sz="1350">
                     <a:solidFill>
                       <a:schemeClr val="tx1"/>
                     </a:solidFill>
@@ -19032,7 +19007,7 @@
                 </a:rPr>
                 <a:t>スターラーピース</a:t>
               </a:r>
-              <a:endParaRPr lang="en-US" altLang="ja-JP" sz="1350" dirty="0">
+              <a:endParaRPr lang="en-US" altLang="ja-JP" sz="1350">
                 <a:latin typeface="Hiragino Maru Gothic ProN W4" panose="020F0400000000000000" pitchFamily="34" charset="-128"/>
                 <a:ea typeface="Hiragino Maru Gothic ProN W4" panose="020F0400000000000000" pitchFamily="34" charset="-128"/>
               </a:endParaRPr>
@@ -19046,10 +19021,6 @@
                 </a:rPr>
                 <a:t>で撹拌</a:t>
               </a:r>
-              <a:endParaRPr lang="ja-JP" altLang="en-US" sz="1350" dirty="0">
-                <a:latin typeface="Hiragino Maru Gothic ProN W4" panose="020F0400000000000000" pitchFamily="34" charset="-128"/>
-                <a:ea typeface="Hiragino Maru Gothic ProN W4" panose="020F0400000000000000" pitchFamily="34" charset="-128"/>
-              </a:endParaRPr>
             </a:p>
           </p:txBody>
         </p:sp>
@@ -19170,7 +19141,7 @@
               </a:rPr>
               <a:t>クロノアンペロメトリ</a:t>
             </a:r>
-            <a:endParaRPr lang="en-US" altLang="ja-JP" sz="2100" dirty="0">
+            <a:endParaRPr lang="en-US" altLang="ja-JP" sz="2100">
               <a:latin typeface="HGSSoeiKakugothicUB" panose="020B0900000000000000" pitchFamily="34" charset="-128"/>
               <a:ea typeface="HGSSoeiKakugothicUB" panose="020B0900000000000000" pitchFamily="34" charset="-128"/>
             </a:endParaRPr>
@@ -19213,7 +19184,7 @@
               <a:t>グルコース</a:t>
             </a:r>
             <a:r>
-              <a:rPr lang="en-US" altLang="ja-JP" sz="1350" dirty="0">
+              <a:rPr lang="en-US" altLang="ja-JP" sz="1350">
                 <a:latin typeface="Hiragino Maru Gothic ProN W4" panose="020F0400000000000000" pitchFamily="34" charset="-128"/>
                 <a:ea typeface="Hiragino Maru Gothic ProN W4" panose="020F0400000000000000" pitchFamily="34" charset="-128"/>
               </a:rPr>
@@ -19430,7 +19401,7 @@
                     </a:rPr>
                     <a:t>ニッケル水酸化物ナノシート固定電極を作製し</a:t>
                   </a:r>
-                  <a:endParaRPr lang="en-US" altLang="ja-JP" sz="2700" b="1" dirty="0">
+                  <a:endParaRPr lang="en-US" altLang="ja-JP" sz="2700" b="1">
                     <a:latin typeface="MS Gothic" panose="020B0609070205080204" pitchFamily="49" charset="-128"/>
                     <a:ea typeface="MS Gothic" panose="020B0609070205080204" pitchFamily="49" charset="-128"/>
                   </a:endParaRPr>
@@ -19498,7 +19469,7 @@
               <a:lstStyle/>
               <a:p>
                 <a:pPr algn="ctr"/>
-                <a:endParaRPr lang="en-US" altLang="ja-JP" sz="2400" b="1" dirty="0">
+                <a:endParaRPr lang="en-US" altLang="ja-JP" sz="2400" b="1">
                   <a:solidFill>
                     <a:schemeClr val="tx1"/>
                   </a:solidFill>
@@ -19571,7 +19542,7 @@
                 </a:rPr>
                 <a:t>本研究</a:t>
               </a:r>
-              <a:endParaRPr lang="en-US" altLang="ja-JP" sz="2400" b="1" dirty="0">
+              <a:endParaRPr lang="en-US" altLang="ja-JP" sz="2400" b="1">
                 <a:solidFill>
                   <a:schemeClr val="tx1"/>
                 </a:solidFill>
@@ -19765,7 +19736,7 @@
           <a:p>
             <a:pPr algn="ctr"/>
             <a:r>
-              <a:rPr kumimoji="1" lang="ja-JP" altLang="en-US" dirty="0">
+              <a:rPr kumimoji="1" lang="ja-JP" altLang="en-US">
                 <a:latin typeface="Meiryo" panose="020B0604030504040204" pitchFamily="34" charset="-128"/>
                 <a:ea typeface="Meiryo" panose="020B0604030504040204" pitchFamily="34" charset="-128"/>
               </a:rPr>
@@ -19946,7 +19917,7 @@
               </a:rPr>
               <a:t>緒言</a:t>
             </a:r>
-            <a:endParaRPr lang="en-US" altLang="ja-JP" sz="2100" dirty="0">
+            <a:endParaRPr lang="en-US" altLang="ja-JP" sz="2100">
               <a:latin typeface="MS Gothic" panose="020B0609070205080204" pitchFamily="49" charset="-128"/>
               <a:ea typeface="MS Gothic" panose="020B0609070205080204" pitchFamily="49" charset="-128"/>
             </a:endParaRPr>
@@ -19985,7 +19956,7 @@
               <a:buAutoNum type="arabicParenBoth"/>
             </a:pPr>
             <a:r>
-              <a:rPr lang="en-US" altLang="ja-JP" sz="900" b="0" i="0" u="none" strike="noStrike" dirty="0">
+              <a:rPr lang="en-US" altLang="ja-JP" sz="900" b="0" i="0" u="none" strike="noStrike">
                 <a:solidFill>
                   <a:srgbClr val="000000"/>
                 </a:solidFill>
@@ -19997,7 +19968,7 @@
               <a:t>M. Kurashina, A. Eguchi, E. Kanezaki, T. Shiga, and H. Oshio, </a:t>
             </a:r>
             <a:r>
-              <a:rPr lang="en-US" altLang="ja-JP" sz="900" dirty="0">
+              <a:rPr lang="en-US" altLang="ja-JP" sz="900">
                 <a:solidFill>
                   <a:srgbClr val="000000"/>
                 </a:solidFill>
@@ -20008,7 +19979,7 @@
               <a:t> </a:t>
             </a:r>
             <a:r>
-              <a:rPr lang="en-US" altLang="ja-JP" sz="900" b="0" i="1" u="none" strike="noStrike" dirty="0">
+              <a:rPr lang="en-US" altLang="ja-JP" sz="900" b="0" i="1" u="none" strike="noStrike">
                 <a:solidFill>
                   <a:srgbClr val="000000"/>
                 </a:solidFill>
@@ -20020,7 +19991,7 @@
               <a:t>Int. J. Mod. Phys. B</a:t>
             </a:r>
             <a:r>
-              <a:rPr lang="en-US" altLang="ja-JP" sz="900" b="0" i="0" u="none" strike="noStrike" dirty="0">
+              <a:rPr lang="en-US" altLang="ja-JP" sz="900" b="0" i="0" u="none" strike="noStrike">
                 <a:solidFill>
                   <a:srgbClr val="000000"/>
                 </a:solidFill>
@@ -20032,7 +20003,7 @@
               <a:t>, </a:t>
             </a:r>
             <a:r>
-              <a:rPr lang="en-US" altLang="ja-JP" sz="900" b="1" i="0" u="none" strike="noStrike" dirty="0">
+              <a:rPr lang="en-US" altLang="ja-JP" sz="900" b="1" i="0" u="none" strike="noStrike">
                 <a:solidFill>
                   <a:srgbClr val="000000"/>
                 </a:solidFill>
@@ -20044,7 +20015,7 @@
               <a:t>24</a:t>
             </a:r>
             <a:r>
-              <a:rPr lang="en-US" altLang="ja-JP" sz="900" b="0" i="0" u="none" strike="noStrike" dirty="0">
+              <a:rPr lang="en-US" altLang="ja-JP" sz="900" b="0" i="0" u="none" strike="noStrike">
                 <a:solidFill>
                   <a:srgbClr val="000000"/>
                 </a:solidFill>
@@ -20072,7 +20043,7 @@
               <a:t>坪平</a:t>
             </a:r>
             <a:r>
-              <a:rPr lang="en-US" altLang="ja-JP" sz="900" dirty="0">
+              <a:rPr lang="en-US" altLang="ja-JP" sz="900">
                 <a:solidFill>
                   <a:srgbClr val="000000"/>
                 </a:solidFill>
@@ -20094,7 +20065,7 @@
               <a:t>遥河</a:t>
             </a:r>
             <a:r>
-              <a:rPr lang="en-US" altLang="ja-JP" sz="900" dirty="0">
+              <a:rPr lang="en-US" altLang="ja-JP" sz="900">
                 <a:solidFill>
                   <a:srgbClr val="000000"/>
                 </a:solidFill>
@@ -20116,7 +20087,7 @@
               <a:t>徳島大学修士論文</a:t>
             </a:r>
             <a:r>
-              <a:rPr lang="en-US" altLang="ja-JP" sz="900" dirty="0">
+              <a:rPr lang="en-US" altLang="ja-JP" sz="900">
                 <a:solidFill>
                   <a:srgbClr val="000000"/>
                 </a:solidFill>
@@ -20127,7 +20098,7 @@
               <a:t> (2023)</a:t>
             </a:r>
             <a:r>
-              <a:rPr lang="en-US" altLang="ja-JP" sz="900" b="0" i="0" u="none" strike="noStrike" dirty="0">
+              <a:rPr lang="en-US" altLang="ja-JP" sz="900" b="0" i="0" u="none" strike="noStrike">
                 <a:solidFill>
                   <a:srgbClr val="000000"/>
                 </a:solidFill>
@@ -20144,7 +20115,7 @@
               <a:buAutoNum type="arabicParenBoth"/>
             </a:pPr>
             <a:r>
-              <a:rPr kumimoji="1" lang="en" altLang="ja-JP" sz="900" dirty="0">
+              <a:rPr kumimoji="1" lang="en" altLang="ja-JP" sz="900">
                 <a:latin typeface="Times New Roman" panose="02020603050405020304" pitchFamily="18" charset="0"/>
                 <a:ea typeface="MS Mincho" panose="02020609040205080304" pitchFamily="49" charset="-128"/>
                 <a:cs typeface="Times New Roman" panose="02020603050405020304" pitchFamily="18" charset="0"/>
@@ -20152,7 +20123,7 @@
               <a:t>E. M. Almutairi et al., </a:t>
             </a:r>
             <a:r>
-              <a:rPr kumimoji="1" lang="en" altLang="ja-JP" sz="900" i="1" dirty="0">
+              <a:rPr kumimoji="1" lang="en" altLang="ja-JP" sz="900" i="1">
                 <a:latin typeface="Times New Roman" panose="02020603050405020304" pitchFamily="18" charset="0"/>
                 <a:ea typeface="MS Mincho" panose="02020609040205080304" pitchFamily="49" charset="-128"/>
                 <a:cs typeface="Times New Roman" panose="02020603050405020304" pitchFamily="18" charset="0"/>
@@ -20160,7 +20131,7 @@
               <a:t>Arabian Journal of Chemistry </a:t>
             </a:r>
             <a:r>
-              <a:rPr kumimoji="1" lang="en" altLang="ja-JP" sz="900" dirty="0">
+              <a:rPr kumimoji="1" lang="en" altLang="ja-JP" sz="900">
                 <a:latin typeface="Times New Roman" panose="02020603050405020304" pitchFamily="18" charset="0"/>
                 <a:ea typeface="MS Mincho" panose="02020609040205080304" pitchFamily="49" charset="-128"/>
                 <a:cs typeface="Times New Roman" panose="02020603050405020304" pitchFamily="18" charset="0"/>
@@ -20210,7 +20181,7 @@
               </a:rPr>
               <a:t>層状化合物を剥離することで</a:t>
             </a:r>
-            <a:endParaRPr kumimoji="1" lang="en-US" altLang="ja-JP" dirty="0">
+            <a:endParaRPr kumimoji="1" lang="en-US" altLang="ja-JP">
               <a:latin typeface="HGSSoeiKakugothicUB" panose="020B0900000000000000" pitchFamily="34" charset="-128"/>
               <a:ea typeface="HGSSoeiKakugothicUB" panose="020B0900000000000000" pitchFamily="34" charset="-128"/>
             </a:endParaRPr>
@@ -20224,7 +20195,7 @@
               <a:t>ナノシートが得られる</a:t>
             </a:r>
             <a:r>
-              <a:rPr kumimoji="1" lang="en-US" altLang="ja-JP" baseline="30000" dirty="0">
+              <a:rPr kumimoji="1" lang="en-US" altLang="ja-JP" baseline="30000">
                 <a:latin typeface="HGSSoeiKakugothicUB" panose="020B0900000000000000" pitchFamily="34" charset="-128"/>
                 <a:ea typeface="HGSSoeiKakugothicUB" panose="020B0900000000000000" pitchFamily="34" charset="-128"/>
               </a:rPr>
@@ -20320,7 +20291,7 @@
           <a:lstStyle/>
           <a:p>
             <a:r>
-              <a:rPr kumimoji="1" lang="en-US" altLang="ja-JP" dirty="0">
+              <a:rPr kumimoji="1" lang="en-US" altLang="ja-JP">
                 <a:latin typeface="HGSSoeiKakugothicUB" panose="020B0900000000000000" pitchFamily="34" charset="-128"/>
                 <a:ea typeface="HGSSoeiKakugothicUB" panose="020B0900000000000000" pitchFamily="34" charset="-128"/>
               </a:rPr>
@@ -20365,42 +20336,42 @@
           <a:lstStyle/>
           <a:p>
             <a:r>
-              <a:rPr kumimoji="1" lang="en-US" altLang="ja-JP" sz="1400" dirty="0">
+              <a:rPr kumimoji="1" lang="en-US" altLang="ja-JP" sz="1400">
                 <a:latin typeface="Meiryo" panose="020B0604030504040204" pitchFamily="34" charset="-128"/>
                 <a:ea typeface="Meiryo" panose="020B0604030504040204" pitchFamily="34" charset="-128"/>
               </a:rPr>
               <a:t>Cu(OH)</a:t>
             </a:r>
             <a:r>
-              <a:rPr kumimoji="1" lang="en-US" altLang="ja-JP" sz="1400" baseline="-25000" dirty="0">
+              <a:rPr kumimoji="1" lang="en-US" altLang="ja-JP" sz="1400" baseline="-25000">
                 <a:latin typeface="Meiryo" panose="020B0604030504040204" pitchFamily="34" charset="-128"/>
                 <a:ea typeface="Meiryo" panose="020B0604030504040204" pitchFamily="34" charset="-128"/>
               </a:rPr>
               <a:t>2</a:t>
             </a:r>
             <a:r>
-              <a:rPr kumimoji="1" lang="en-US" altLang="ja-JP" sz="1400" dirty="0">
+              <a:rPr kumimoji="1" lang="en-US" altLang="ja-JP" sz="1400">
                 <a:latin typeface="Meiryo" panose="020B0604030504040204" pitchFamily="34" charset="-128"/>
                 <a:ea typeface="Meiryo" panose="020B0604030504040204" pitchFamily="34" charset="-128"/>
               </a:rPr>
               <a:t>, Ni(OH)</a:t>
             </a:r>
             <a:r>
-              <a:rPr kumimoji="1" lang="en-US" altLang="ja-JP" sz="1400" baseline="-25000" dirty="0">
+              <a:rPr kumimoji="1" lang="en-US" altLang="ja-JP" sz="1400" baseline="-25000">
                 <a:latin typeface="Meiryo" panose="020B0604030504040204" pitchFamily="34" charset="-128"/>
                 <a:ea typeface="Meiryo" panose="020B0604030504040204" pitchFamily="34" charset="-128"/>
               </a:rPr>
               <a:t>2</a:t>
             </a:r>
             <a:r>
-              <a:rPr kumimoji="1" lang="en-US" altLang="ja-JP" sz="1400" dirty="0">
+              <a:rPr kumimoji="1" lang="en-US" altLang="ja-JP" sz="1400">
                 <a:latin typeface="Meiryo" panose="020B0604030504040204" pitchFamily="34" charset="-128"/>
                 <a:ea typeface="Meiryo" panose="020B0604030504040204" pitchFamily="34" charset="-128"/>
               </a:rPr>
               <a:t>, Co(OH)</a:t>
             </a:r>
             <a:r>
-              <a:rPr kumimoji="1" lang="en-US" altLang="ja-JP" sz="1400" baseline="-25000" dirty="0">
+              <a:rPr kumimoji="1" lang="en-US" altLang="ja-JP" sz="1400" baseline="-25000">
                 <a:latin typeface="Meiryo" panose="020B0604030504040204" pitchFamily="34" charset="-128"/>
                 <a:ea typeface="Meiryo" panose="020B0604030504040204" pitchFamily="34" charset="-128"/>
               </a:rPr>
@@ -20450,7 +20421,7 @@
               <a:t>時間に対する電流応答</a:t>
             </a:r>
             <a:r>
-              <a:rPr kumimoji="1" lang="en-US" altLang="ja-JP" sz="1100" baseline="30000" dirty="0">
+              <a:rPr kumimoji="1" lang="en-US" altLang="ja-JP" sz="1100" baseline="30000">
                 <a:latin typeface="Hiragino Maru Gothic ProN W4" panose="020F0400000000000000" pitchFamily="34" charset="-128"/>
                 <a:ea typeface="Hiragino Maru Gothic ProN W4" panose="020F0400000000000000" pitchFamily="34" charset="-128"/>
               </a:rPr>
@@ -20498,7 +20469,7 @@
               </a:rPr>
               <a:t>銅水酸化物ナノシートでは、</a:t>
             </a:r>
-            <a:endParaRPr kumimoji="1" lang="en-US" altLang="ja-JP" dirty="0">
+            <a:endParaRPr kumimoji="1" lang="en-US" altLang="ja-JP">
               <a:latin typeface="Hiragino Maru Gothic ProN W4" panose="020F0400000000000000" pitchFamily="34" charset="-128"/>
               <a:ea typeface="Hiragino Maru Gothic ProN W4" panose="020F0400000000000000" pitchFamily="34" charset="-128"/>
             </a:endParaRPr>
@@ -20511,25 +20482,25 @@
               </a:rPr>
               <a:t>グルコースの酸化が確認されている</a:t>
             </a:r>
-            <a:endParaRPr kumimoji="1" lang="en-US" altLang="ja-JP" dirty="0">
+            <a:endParaRPr kumimoji="1" lang="en-US" altLang="ja-JP">
               <a:latin typeface="Hiragino Maru Gothic ProN W4" panose="020F0400000000000000" pitchFamily="34" charset="-128"/>
               <a:ea typeface="Hiragino Maru Gothic ProN W4" panose="020F0400000000000000" pitchFamily="34" charset="-128"/>
             </a:endParaRPr>
           </a:p>
           <a:p>
-            <a:endParaRPr kumimoji="1" lang="en-US" altLang="ja-JP" dirty="0">
+            <a:endParaRPr kumimoji="1" lang="en-US" altLang="ja-JP">
               <a:latin typeface="Hiragino Maru Gothic ProN W4" panose="020F0400000000000000" pitchFamily="34" charset="-128"/>
               <a:ea typeface="Hiragino Maru Gothic ProN W4" panose="020F0400000000000000" pitchFamily="34" charset="-128"/>
             </a:endParaRPr>
           </a:p>
           <a:p>
-            <a:endParaRPr kumimoji="1" lang="en-US" altLang="ja-JP" dirty="0">
+            <a:endParaRPr kumimoji="1" lang="en-US" altLang="ja-JP">
               <a:latin typeface="Hiragino Maru Gothic ProN W4" panose="020F0400000000000000" pitchFamily="34" charset="-128"/>
               <a:ea typeface="Hiragino Maru Gothic ProN W4" panose="020F0400000000000000" pitchFamily="34" charset="-128"/>
             </a:endParaRPr>
           </a:p>
           <a:p>
-            <a:endParaRPr kumimoji="1" lang="en-US" altLang="ja-JP" dirty="0">
+            <a:endParaRPr kumimoji="1" lang="en-US" altLang="ja-JP">
               <a:latin typeface="Hiragino Maru Gothic ProN W4" panose="020F0400000000000000" pitchFamily="34" charset="-128"/>
               <a:ea typeface="Hiragino Maru Gothic ProN W4" panose="020F0400000000000000" pitchFamily="34" charset="-128"/>
             </a:endParaRPr>
@@ -20542,7 +20513,7 @@
               </a:rPr>
               <a:t>ニッケル水酸化物ナノ構造でも</a:t>
             </a:r>
-            <a:endParaRPr kumimoji="1" lang="en-US" altLang="ja-JP" dirty="0">
+            <a:endParaRPr kumimoji="1" lang="en-US" altLang="ja-JP">
               <a:latin typeface="Hiragino Maru Gothic ProN W4" panose="020F0400000000000000" pitchFamily="34" charset="-128"/>
               <a:ea typeface="Hiragino Maru Gothic ProN W4" panose="020F0400000000000000" pitchFamily="34" charset="-128"/>
             </a:endParaRPr>
@@ -20556,7 +20527,7 @@
               <a:t>グルコースの酸化についていくつか例がある</a:t>
             </a:r>
             <a:r>
-              <a:rPr kumimoji="1" lang="en-US" altLang="ja-JP" baseline="30000" dirty="0">
+              <a:rPr kumimoji="1" lang="en-US" altLang="ja-JP" baseline="30000">
                 <a:latin typeface="Hiragino Maru Gothic ProN W4" panose="020F0400000000000000" pitchFamily="34" charset="-128"/>
                 <a:ea typeface="Hiragino Maru Gothic ProN W4" panose="020F0400000000000000" pitchFamily="34" charset="-128"/>
               </a:rPr>
@@ -20739,7 +20710,7 @@
           <a:lstStyle/>
           <a:p>
             <a:r>
-              <a:rPr lang="en" altLang="ja-JP" dirty="0">
+              <a:rPr lang="en" altLang="ja-JP">
                 <a:solidFill>
                   <a:schemeClr val="accent1">
                     <a:lumMod val="60000"/>
@@ -20751,7 +20722,7 @@
               </a:rPr>
               <a:t>Result</a:t>
             </a:r>
-            <a:endParaRPr lang="en-US" altLang="ja-JP" dirty="0"/>
+            <a:endParaRPr lang="en-US" altLang="ja-JP"/>
           </a:p>
         </p:txBody>
       </p:sp>
@@ -20956,7 +20927,7 @@
                 </a:rPr>
                 <a:t>ナフィオン</a:t>
               </a:r>
-              <a:endParaRPr lang="en-US" altLang="ja-JP" b="1" dirty="0">
+              <a:endParaRPr lang="en-US" altLang="ja-JP" b="1">
                 <a:solidFill>
                   <a:schemeClr val="tx1"/>
                 </a:solidFill>
@@ -21002,7 +20973,7 @@
               </a:rPr>
               <a:t>陽イオン交換膜で</a:t>
             </a:r>
-            <a:endParaRPr lang="en-US" altLang="ja-JP" sz="1350" dirty="0">
+            <a:endParaRPr lang="en-US" altLang="ja-JP" sz="1350">
               <a:latin typeface="MS Mincho" panose="02020609040205080304" pitchFamily="49" charset="-128"/>
               <a:ea typeface="MS Mincho" panose="02020609040205080304" pitchFamily="49" charset="-128"/>
             </a:endParaRPr>
@@ -21015,7 +20986,7 @@
               </a:rPr>
               <a:t>電池や電池材料</a:t>
             </a:r>
-            <a:endParaRPr lang="en-US" altLang="ja-JP" sz="1350" dirty="0">
+            <a:endParaRPr lang="en-US" altLang="ja-JP" sz="1350">
               <a:latin typeface="MS Mincho" panose="02020609040205080304" pitchFamily="49" charset="-128"/>
               <a:ea typeface="MS Mincho" panose="02020609040205080304" pitchFamily="49" charset="-128"/>
             </a:endParaRPr>
@@ -21162,7 +21133,7 @@
           <a:lstStyle/>
           <a:p>
             <a:r>
-              <a:rPr lang="en" altLang="ja-JP" dirty="0">
+              <a:rPr lang="en" altLang="ja-JP">
                 <a:solidFill>
                   <a:schemeClr val="accent1">
                     <a:lumMod val="60000"/>
@@ -21174,7 +21145,7 @@
               </a:rPr>
               <a:t>Result</a:t>
             </a:r>
-            <a:endParaRPr lang="en-US" altLang="ja-JP" dirty="0"/>
+            <a:endParaRPr lang="en-US" altLang="ja-JP"/>
           </a:p>
         </p:txBody>
       </p:sp>
@@ -21414,7 +21385,7 @@
                     <a:p>
                       <a:pPr algn="l"/>
                       <a:r>
-                        <a:rPr lang="en-US" sz="900" kern="100" dirty="0">
+                        <a:rPr lang="en-US" sz="900" kern="100">
                           <a:effectLst/>
                           <a:latin typeface="Times New Roman" panose="02020603050405020304" pitchFamily="18" charset="0"/>
                           <a:ea typeface="MS Mincho" panose="02020609040205080304" pitchFamily="49" charset="-128"/>
@@ -21475,7 +21446,7 @@
                         <a:t>線形範囲 </a:t>
                       </a:r>
                       <a:r>
-                        <a:rPr lang="en-US" sz="900" kern="100" dirty="0">
+                        <a:rPr lang="en-US" sz="900" kern="100">
                           <a:effectLst/>
                           <a:latin typeface="Times New Roman" panose="02020603050405020304" pitchFamily="18" charset="0"/>
                           <a:ea typeface="MS Mincho" panose="02020609040205080304" pitchFamily="49" charset="-128"/>
@@ -21536,7 +21507,7 @@
                         <a:t>感度</a:t>
                       </a:r>
                       <a:r>
-                        <a:rPr lang="en-US" sz="900" kern="100" dirty="0">
+                        <a:rPr lang="en-US" sz="900" kern="100">
                           <a:effectLst/>
                           <a:latin typeface="Times New Roman" panose="02020603050405020304" pitchFamily="18" charset="0"/>
                           <a:ea typeface="MS Mincho" panose="02020609040205080304" pitchFamily="49" charset="-128"/>
@@ -21545,7 +21516,7 @@
                         <a:t>(mA mM</a:t>
                       </a:r>
                       <a:r>
-                        <a:rPr lang="en-US" sz="900" kern="100" baseline="30000" dirty="0">
+                        <a:rPr lang="en-US" sz="900" kern="100" baseline="30000">
                           <a:effectLst/>
                           <a:latin typeface="Times New Roman" panose="02020603050405020304" pitchFamily="18" charset="0"/>
                           <a:ea typeface="MS Mincho" panose="02020609040205080304" pitchFamily="49" charset="-128"/>
@@ -21554,7 +21525,7 @@
                         <a:t>-1</a:t>
                       </a:r>
                       <a:r>
-                        <a:rPr lang="en-US" sz="900" kern="100" dirty="0">
+                        <a:rPr lang="en-US" sz="900" kern="100">
                           <a:effectLst/>
                           <a:latin typeface="Times New Roman" panose="02020603050405020304" pitchFamily="18" charset="0"/>
                           <a:ea typeface="MS Mincho" panose="02020609040205080304" pitchFamily="49" charset="-128"/>
@@ -21563,7 +21534,7 @@
                         <a:t> cm</a:t>
                       </a:r>
                       <a:r>
-                        <a:rPr lang="en-US" sz="900" kern="100" baseline="30000" dirty="0">
+                        <a:rPr lang="en-US" sz="900" kern="100" baseline="30000">
                           <a:effectLst/>
                           <a:latin typeface="Times New Roman" panose="02020603050405020304" pitchFamily="18" charset="0"/>
                           <a:ea typeface="MS Mincho" panose="02020609040205080304" pitchFamily="49" charset="-128"/>
@@ -21572,7 +21543,7 @@
                         <a:t>-2</a:t>
                       </a:r>
                       <a:r>
-                        <a:rPr lang="en-US" sz="900" kern="100" dirty="0">
+                        <a:rPr lang="en-US" sz="900" kern="100">
                           <a:effectLst/>
                           <a:latin typeface="Times New Roman" panose="02020603050405020304" pitchFamily="18" charset="0"/>
                           <a:ea typeface="MS Mincho" panose="02020609040205080304" pitchFamily="49" charset="-128"/>
@@ -21633,7 +21604,7 @@
                         <a:t>決定係数</a:t>
                       </a:r>
                       <a:r>
-                        <a:rPr lang="en-US" sz="900" kern="100" dirty="0">
+                        <a:rPr lang="en-US" sz="900" kern="100">
                           <a:effectLst/>
                           <a:latin typeface="Times New Roman" panose="02020603050405020304" pitchFamily="18" charset="0"/>
                           <a:ea typeface="MS Mincho" panose="02020609040205080304" pitchFamily="49" charset="-128"/>
@@ -21642,7 +21613,7 @@
                         <a:t> R</a:t>
                       </a:r>
                       <a:r>
-                        <a:rPr lang="en-US" sz="900" kern="100" baseline="30000" dirty="0">
+                        <a:rPr lang="en-US" sz="900" kern="100" baseline="30000">
                           <a:effectLst/>
                           <a:latin typeface="Times New Roman" panose="02020603050405020304" pitchFamily="18" charset="0"/>
                           <a:ea typeface="MS Mincho" panose="02020609040205080304" pitchFamily="49" charset="-128"/>
@@ -21701,7 +21672,7 @@
                     <a:p>
                       <a:pPr algn="ctr"/>
                       <a:r>
-                        <a:rPr lang="en-US" sz="900" kern="100" dirty="0">
+                        <a:rPr lang="en-US" sz="900" kern="100">
                           <a:effectLst/>
                           <a:latin typeface="Times New Roman" panose="02020603050405020304" pitchFamily="18" charset="0"/>
                           <a:ea typeface="MS Mincho" panose="02020609040205080304" pitchFamily="49" charset="-128"/>
@@ -21759,7 +21730,7 @@
                     <a:p>
                       <a:pPr algn="r"/>
                       <a:r>
-                        <a:rPr lang="en-US" sz="1200" kern="100" dirty="0">
+                        <a:rPr lang="en-US" sz="1200" kern="100">
                           <a:effectLst/>
                           <a:latin typeface="Times New Roman" panose="02020603050405020304" pitchFamily="18" charset="0"/>
                           <a:ea typeface="MS Mincho" panose="02020609040205080304" pitchFamily="49" charset="-128"/>
@@ -21817,7 +21788,7 @@
                     <a:p>
                       <a:pPr algn="r"/>
                       <a:r>
-                        <a:rPr lang="en-US" sz="1200" kern="100" dirty="0">
+                        <a:rPr lang="en-US" sz="1200" kern="100">
                           <a:effectLst/>
                           <a:latin typeface="Times New Roman" panose="02020603050405020304" pitchFamily="18" charset="0"/>
                           <a:ea typeface="MS Mincho" panose="02020609040205080304" pitchFamily="49" charset="-128"/>
@@ -21875,7 +21846,7 @@
                     <a:p>
                       <a:pPr algn="r"/>
                       <a:r>
-                        <a:rPr lang="en-US" sz="1200" kern="100" dirty="0">
+                        <a:rPr lang="en-US" sz="1200" kern="100">
                           <a:effectLst/>
                           <a:latin typeface="Times New Roman" panose="02020603050405020304" pitchFamily="18" charset="0"/>
                           <a:ea typeface="MS Mincho" panose="02020609040205080304" pitchFamily="49" charset="-128"/>
@@ -22056,7 +22027,7 @@
                     <a:p>
                       <a:pPr algn="r"/>
                       <a:r>
-                        <a:rPr lang="en-US" sz="1200" kern="100" dirty="0">
+                        <a:rPr lang="en-US" sz="1200" kern="100">
                           <a:effectLst/>
                           <a:latin typeface="Times New Roman" panose="02020603050405020304" pitchFamily="18" charset="0"/>
                           <a:ea typeface="MS Mincho" panose="02020609040205080304" pitchFamily="49" charset="-128"/>
@@ -22114,7 +22085,7 @@
                     <a:p>
                       <a:pPr algn="r"/>
                       <a:r>
-                        <a:rPr lang="en-US" sz="1200" kern="100" dirty="0">
+                        <a:rPr lang="en-US" sz="1200" kern="100">
                           <a:effectLst/>
                           <a:latin typeface="Times New Roman" panose="02020603050405020304" pitchFamily="18" charset="0"/>
                           <a:ea typeface="MS Mincho" panose="02020609040205080304" pitchFamily="49" charset="-128"/>
@@ -22270,7 +22241,7 @@
                 <a:t>ナフィオン</a:t>
               </a:r>
               <a:r>
-                <a:rPr lang="en-US" altLang="ja-JP" sz="1050" dirty="0">
+                <a:rPr lang="en-US" altLang="ja-JP" sz="1050">
                   <a:latin typeface="Times New Roman" panose="02020603050405020304" pitchFamily="18" charset="0"/>
                   <a:ea typeface="Hiragino Maru Gothic Pro W4" panose="020F0400000000000000" pitchFamily="34" charset="-128"/>
                   <a:cs typeface="Times New Roman" panose="02020603050405020304" pitchFamily="18" charset="0"/>
@@ -22389,7 +22360,7 @@
                 <a:t>セルロース</a:t>
               </a:r>
               <a:r>
-                <a:rPr lang="en-US" altLang="ja-JP" sz="1050" dirty="0">
+                <a:rPr lang="en-US" altLang="ja-JP" sz="1050">
                   <a:solidFill>
                     <a:srgbClr val="FF0000"/>
                   </a:solidFill>
@@ -22506,7 +22477,7 @@
                 <a:t>ナフィオン</a:t>
               </a:r>
               <a:r>
-                <a:rPr lang="en-US" altLang="ja-JP" sz="1050" dirty="0">
+                <a:rPr lang="en-US" altLang="ja-JP" sz="1050">
                   <a:latin typeface="Times New Roman" panose="02020603050405020304" pitchFamily="18" charset="0"/>
                   <a:ea typeface="Hiragino Maru Gothic Pro W4" panose="020F0400000000000000" pitchFamily="34" charset="-128"/>
                   <a:cs typeface="Times New Roman" panose="02020603050405020304" pitchFamily="18" charset="0"/>
@@ -22625,7 +22596,7 @@
                 <a:t>セルロース</a:t>
               </a:r>
               <a:r>
-                <a:rPr lang="en-US" altLang="ja-JP" sz="1050" dirty="0">
+                <a:rPr lang="en-US" altLang="ja-JP" sz="1050">
                   <a:solidFill>
                     <a:srgbClr val="FF0000"/>
                   </a:solidFill>
@@ -22676,7 +22647,7 @@
           <a:lstStyle/>
           <a:p>
             <a:r>
-              <a:rPr lang="en-US" altLang="ja-JP" sz="1350" dirty="0"/>
+              <a:rPr lang="en-US" altLang="ja-JP" sz="1350"/>
               <a:t>Fig.8 </a:t>
             </a:r>
             <a:r>
@@ -22715,7 +22686,7 @@
           <a:lstStyle/>
           <a:p>
             <a:r>
-              <a:rPr lang="en-US" altLang="ja-JP" sz="1350" dirty="0"/>
+              <a:rPr lang="en-US" altLang="ja-JP" sz="1350"/>
               <a:t>Fig.7 </a:t>
             </a:r>
             <a:r>
@@ -22802,7 +22773,7 @@
           <a:p>
             <a:pPr algn="ctr"/>
             <a:r>
-              <a:rPr lang="ja-JP" altLang="en-US" b="1" dirty="0">
+              <a:rPr lang="ja-JP" altLang="en-US" b="1">
                 <a:solidFill>
                   <a:schemeClr val="tx1"/>
                 </a:solidFill>
@@ -22837,7 +22808,7 @@
             <p:nvPr/>
           </p:nvPicPr>
           <p:blipFill>
-            <a:blip r:embed="rId3" cstate="print"/>
+            <a:blip r:embed="rId4" cstate="print"/>
             <a:srcRect/>
             <a:stretch>
               <a:fillRect/>
@@ -22870,7 +22841,7 @@
             <p:nvPr/>
           </p:nvPicPr>
           <p:blipFill>
-            <a:blip r:embed="rId3" cstate="print"/>
+            <a:blip r:embed="rId4" cstate="print"/>
             <a:srcRect/>
             <a:stretch>
               <a:fillRect/>
@@ -22910,12 +22881,12 @@
             <a:graphicData uri="http://schemas.openxmlformats.org/presentationml/2006/ole">
               <mc:AlternateContent xmlns:mc="http://schemas.openxmlformats.org/markup-compatibility/2006">
                 <mc:Choice xmlns:v="urn:schemas-microsoft-com:vml" Requires="v">
-                  <p:oleObj name="CS ChemDraw Drawing" r:id="rId4" imgW="604440" imgH="472320" progId="">
+                  <p:oleObj spid="_x0000_s57345" name="CS ChemDraw Drawing" r:id="rId5" imgW="604440" imgH="472320" progId="">
                     <p:embed/>
                   </p:oleObj>
                 </mc:Choice>
                 <mc:Fallback>
-                  <p:oleObj name="CS ChemDraw Drawing" r:id="rId4" imgW="604440" imgH="472320" progId="">
+                  <p:oleObj name="CS ChemDraw Drawing" r:id="rId5" imgW="604440" imgH="472320" progId="">
                     <p:embed/>
                     <p:pic>
                       <p:nvPicPr>
@@ -22926,7 +22897,7 @@
                         <p:nvPr/>
                       </p:nvPicPr>
                       <p:blipFill>
-                        <a:blip r:embed="rId5">
+                        <a:blip r:embed="rId6">
                           <a:extLst>
                             <a:ext uri="{28A0092B-C50C-407E-A947-70E740481C1C}">
                               <a14:useLocalDpi xmlns:a14="http://schemas.microsoft.com/office/drawing/2010/main" val="0"/>
@@ -22999,7 +22970,7 @@
               <p:nvPr/>
             </p:nvPicPr>
             <p:blipFill>
-              <a:blip r:embed="rId3" cstate="print"/>
+              <a:blip r:embed="rId4" cstate="print"/>
               <a:srcRect/>
               <a:stretch>
                 <a:fillRect/>
@@ -23032,7 +23003,7 @@
               <p:nvPr/>
             </p:nvPicPr>
             <p:blipFill>
-              <a:blip r:embed="rId3" cstate="print"/>
+              <a:blip r:embed="rId4" cstate="print"/>
               <a:srcRect/>
               <a:stretch>
                 <a:fillRect/>
@@ -23066,7 +23037,7 @@
             <p:nvPr/>
           </p:nvPicPr>
           <p:blipFill>
-            <a:blip r:embed="rId6" cstate="print"/>
+            <a:blip r:embed="rId7" cstate="print"/>
             <a:srcRect/>
             <a:stretch>
               <a:fillRect/>
@@ -23099,7 +23070,7 @@
             <p:nvPr/>
           </p:nvPicPr>
           <p:blipFill>
-            <a:blip r:embed="rId6" cstate="print"/>
+            <a:blip r:embed="rId7" cstate="print"/>
             <a:srcRect/>
             <a:stretch>
               <a:fillRect/>
@@ -23195,7 +23166,7 @@
           <a:lstStyle/>
           <a:p>
             <a:r>
-              <a:rPr lang="en-US" altLang="ja-JP" sz="1050" dirty="0">
+              <a:rPr lang="en-US" altLang="ja-JP" sz="1050">
                 <a:latin typeface="Yu Mincho" panose="02020400000000000000" pitchFamily="18" charset="-128"/>
                 <a:ea typeface="Yu Mincho" panose="02020400000000000000" pitchFamily="18" charset="-128"/>
               </a:rPr>
@@ -23209,7 +23180,7 @@
               <a:t> </a:t>
             </a:r>
             <a:r>
-              <a:rPr lang="en-US" altLang="ja-JP" sz="1050" dirty="0">
+              <a:rPr lang="en-US" altLang="ja-JP" sz="1050">
                 <a:latin typeface="Yu Mincho" panose="02020400000000000000" pitchFamily="18" charset="-128"/>
                 <a:ea typeface="Yu Mincho" panose="02020400000000000000" pitchFamily="18" charset="-128"/>
               </a:rPr>
@@ -23257,7 +23228,7 @@
             <p:nvPr/>
           </p:nvPicPr>
           <p:blipFill>
-            <a:blip r:embed="rId7">
+            <a:blip r:embed="rId8">
               <a:extLst>
                 <a:ext uri="{28A0092B-C50C-407E-A947-70E740481C1C}">
                   <a14:useLocalDpi xmlns:a14="http://schemas.microsoft.com/office/drawing/2010/main"/>
@@ -23307,7 +23278,7 @@
             <a:lstStyle/>
             <a:p>
               <a:r>
-                <a:rPr lang="en-US" altLang="ja-JP" sz="900" dirty="0">
+                <a:rPr lang="en-US" altLang="ja-JP" sz="900">
                   <a:latin typeface="HGSSoeiKakugothicUB" panose="020B0900000000000000" pitchFamily="34" charset="-128"/>
                   <a:ea typeface="HGSSoeiKakugothicUB" panose="020B0900000000000000" pitchFamily="34" charset="-128"/>
                 </a:rPr>
@@ -23353,7 +23324,7 @@
                 <a:t>層状塩基性酢酸塩の</a:t>
               </a:r>
               <a:r>
-                <a:rPr lang="en-US" altLang="ja-JP" sz="1350" dirty="0"/>
+                <a:rPr lang="en-US" altLang="ja-JP" sz="1350"/>
                 <a:t>XRD</a:t>
               </a:r>
               <a:endParaRPr lang="ja-JP" altLang="en-US" sz="1350"/>
@@ -23396,7 +23367,7 @@
             <p:nvPr/>
           </p:nvPicPr>
           <p:blipFill>
-            <a:blip r:embed="rId8">
+            <a:blip r:embed="rId9">
               <a:extLst>
                 <a:ext uri="{28A0092B-C50C-407E-A947-70E740481C1C}">
                   <a14:useLocalDpi xmlns:a14="http://schemas.microsoft.com/office/drawing/2010/main"/>
@@ -23446,7 +23417,7 @@
             <a:lstStyle/>
             <a:p>
               <a:r>
-                <a:rPr lang="en-US" altLang="ja-JP" sz="900" dirty="0">
+                <a:rPr lang="en-US" altLang="ja-JP" sz="900">
                   <a:latin typeface="HGSSoeiKakugothicUB" panose="020B0900000000000000" pitchFamily="34" charset="-128"/>
                   <a:ea typeface="HGSSoeiKakugothicUB" panose="020B0900000000000000" pitchFamily="34" charset="-128"/>
                 </a:rPr>
@@ -23492,7 +23463,7 @@
                 <a:t>イオン交換後のニッケル層状水酸化物の</a:t>
               </a:r>
               <a:r>
-                <a:rPr lang="en-US" altLang="ja-JP" sz="1350" dirty="0"/>
+                <a:rPr lang="en-US" altLang="ja-JP" sz="1350"/>
                 <a:t>XRD</a:t>
               </a:r>
               <a:endParaRPr lang="ja-JP" altLang="en-US" sz="1350"/>
@@ -23535,7 +23506,7 @@
             <p:nvPr/>
           </p:nvPicPr>
           <p:blipFill>
-            <a:blip r:embed="rId9"/>
+            <a:blip r:embed="rId10"/>
             <a:stretch>
               <a:fillRect/>
             </a:stretch>
@@ -23635,12 +23606,12 @@
                 <a:rPr lang="ja-JP" altLang="en-US" sz="1050"/>
                 <a:t>ドデシルベンゼンスルホン酸ナトリウム</a:t>
               </a:r>
-              <a:endParaRPr lang="en-US" altLang="ja-JP" sz="1050" dirty="0"/>
+              <a:endParaRPr lang="en-US" altLang="ja-JP" sz="1050"/>
             </a:p>
             <a:p>
               <a:pPr algn="ctr"/>
               <a:r>
-                <a:rPr lang="en-US" altLang="ja-JP" sz="1050" dirty="0"/>
+                <a:rPr lang="en-US" altLang="ja-JP" sz="1050"/>
                 <a:t>(DBS-Na)</a:t>
               </a:r>
               <a:endParaRPr lang="ja-JP" altLang="en-US" sz="1050"/>
@@ -23822,14 +23793,14 @@
             <a:lstStyle/>
             <a:p>
               <a:r>
-                <a:rPr lang="en-US" altLang="ja-JP" sz="1350" dirty="0">
+                <a:rPr lang="en-US" altLang="ja-JP" sz="1350">
                   <a:solidFill>
                     <a:srgbClr val="FF0000"/>
                   </a:solidFill>
                 </a:rPr>
                 <a:t>X</a:t>
               </a:r>
-              <a:endParaRPr lang="ja-JP" altLang="en-US" sz="1350" dirty="0">
+              <a:endParaRPr lang="ja-JP" altLang="en-US" sz="1350">
                 <a:solidFill>
                   <a:srgbClr val="FF0000"/>
                 </a:solidFill>
@@ -23860,14 +23831,14 @@
             <a:lstStyle/>
             <a:p>
               <a:r>
-                <a:rPr lang="en-US" altLang="ja-JP" sz="1350" dirty="0">
+                <a:rPr lang="en-US" altLang="ja-JP" sz="1350">
                   <a:solidFill>
                     <a:srgbClr val="92D050"/>
                   </a:solidFill>
                 </a:rPr>
                 <a:t>Y</a:t>
               </a:r>
-              <a:endParaRPr lang="ja-JP" altLang="en-US" sz="1350" dirty="0">
+              <a:endParaRPr lang="ja-JP" altLang="en-US" sz="1350">
                 <a:solidFill>
                   <a:srgbClr val="92D050"/>
                 </a:solidFill>
@@ -23898,14 +23869,14 @@
             <a:lstStyle/>
             <a:p>
               <a:r>
-                <a:rPr lang="en-US" altLang="ja-JP" sz="1350" dirty="0">
+                <a:rPr lang="en-US" altLang="ja-JP" sz="1350">
                   <a:solidFill>
                     <a:schemeClr val="accent1"/>
                   </a:solidFill>
                 </a:rPr>
                 <a:t>Z</a:t>
               </a:r>
-              <a:endParaRPr lang="ja-JP" altLang="en-US" sz="1350" dirty="0">
+              <a:endParaRPr lang="ja-JP" altLang="en-US" sz="1350">
                 <a:solidFill>
                   <a:schemeClr val="accent1"/>
                 </a:solidFill>
@@ -23943,7 +23914,7 @@
           <a:lstStyle/>
           <a:p>
             <a:r>
-              <a:rPr lang="en-US" altLang="ja-JP" dirty="0">
+              <a:rPr lang="en-US" altLang="ja-JP">
                 <a:latin typeface="MS Gothic" panose="020B0609070205080204" pitchFamily="49" charset="-128"/>
                 <a:ea typeface="MS Gothic" panose="020B0609070205080204" pitchFamily="49" charset="-128"/>
               </a:rPr>
@@ -23956,7 +23927,7 @@
               </a:rPr>
               <a:t>塩基性酢酸ニッケル塩の層間隔をイオン交換により拡大</a:t>
             </a:r>
-            <a:endParaRPr lang="en-US" altLang="ja-JP" dirty="0">
+            <a:endParaRPr lang="en-US" altLang="ja-JP">
               <a:latin typeface="MS Gothic" panose="020B0609070205080204" pitchFamily="49" charset="-128"/>
               <a:ea typeface="MS Gothic" panose="020B0609070205080204" pitchFamily="49" charset="-128"/>
             </a:endParaRPr>
@@ -24063,7 +24034,7 @@
           <p:nvPr/>
         </p:nvPicPr>
         <p:blipFill>
-          <a:blip r:embed="rId3"/>
+          <a:blip r:embed="rId4"/>
           <a:stretch>
             <a:fillRect/>
           </a:stretch>
@@ -24171,7 +24142,7 @@
               <a:t>約</a:t>
             </a:r>
             <a:r>
-              <a:rPr lang="en-US" altLang="ja-JP" sz="1350" dirty="0">
+              <a:rPr lang="en-US" altLang="ja-JP" sz="1350">
                 <a:latin typeface="Hiragino Maru Gothic ProN W4" panose="020F0400000000000000" pitchFamily="34" charset="-128"/>
                 <a:ea typeface="Hiragino Maru Gothic ProN W4" panose="020F0400000000000000" pitchFamily="34" charset="-128"/>
               </a:rPr>
@@ -24224,7 +24195,7 @@
             <p:nvPr/>
           </p:nvPicPr>
           <p:blipFill>
-            <a:blip r:embed="rId4" cstate="print"/>
+            <a:blip r:embed="rId5" cstate="print"/>
             <a:srcRect/>
             <a:stretch>
               <a:fillRect/>
@@ -24263,7 +24234,7 @@
             <p:nvPr/>
           </p:nvPicPr>
           <p:blipFill>
-            <a:blip r:embed="rId4" cstate="print"/>
+            <a:blip r:embed="rId5" cstate="print"/>
             <a:srcRect/>
             <a:stretch>
               <a:fillRect/>
@@ -24309,12 +24280,12 @@
             <a:graphicData uri="http://schemas.openxmlformats.org/presentationml/2006/ole">
               <mc:AlternateContent xmlns:mc="http://schemas.openxmlformats.org/markup-compatibility/2006">
                 <mc:Choice xmlns:v="urn:schemas-microsoft-com:vml" Requires="v">
-                  <p:oleObj name="CS ChemDraw Drawing" r:id="rId5" imgW="604440" imgH="472320" progId="">
+                  <p:oleObj spid="_x0000_s59393" name="CS ChemDraw Drawing" r:id="rId6" imgW="604440" imgH="472320" progId="">
                     <p:embed/>
                   </p:oleObj>
                 </mc:Choice>
                 <mc:Fallback>
-                  <p:oleObj name="CS ChemDraw Drawing" r:id="rId5" imgW="604440" imgH="472320" progId="">
+                  <p:oleObj name="CS ChemDraw Drawing" r:id="rId6" imgW="604440" imgH="472320" progId="">
                     <p:embed/>
                     <p:pic>
                       <p:nvPicPr>
@@ -24331,7 +24302,7 @@
                         <p:nvPr/>
                       </p:nvPicPr>
                       <p:blipFill>
-                        <a:blip r:embed="rId6">
+                        <a:blip r:embed="rId7">
                           <a:extLst>
                             <a:ext uri="{28A0092B-C50C-407E-A947-70E740481C1C}">
                               <a14:useLocalDpi xmlns:a14="http://schemas.microsoft.com/office/drawing/2010/main" val="0"/>
@@ -24424,7 +24395,7 @@
               <p:nvPr/>
             </p:nvPicPr>
             <p:blipFill>
-              <a:blip r:embed="rId4" cstate="print"/>
+              <a:blip r:embed="rId5" cstate="print"/>
               <a:srcRect/>
               <a:stretch>
                 <a:fillRect/>
@@ -24463,7 +24434,7 @@
               <p:nvPr/>
             </p:nvPicPr>
             <p:blipFill>
-              <a:blip r:embed="rId4" cstate="print"/>
+              <a:blip r:embed="rId5" cstate="print"/>
               <a:srcRect/>
               <a:stretch>
                 <a:fillRect/>
@@ -24503,7 +24474,7 @@
             <p:nvPr/>
           </p:nvPicPr>
           <p:blipFill>
-            <a:blip r:embed="rId7" cstate="print"/>
+            <a:blip r:embed="rId8" cstate="print"/>
             <a:srcRect/>
             <a:stretch>
               <a:fillRect/>
@@ -24542,7 +24513,7 @@
             <p:nvPr/>
           </p:nvPicPr>
           <p:blipFill>
-            <a:blip r:embed="rId7" cstate="print"/>
+            <a:blip r:embed="rId8" cstate="print"/>
             <a:srcRect/>
             <a:stretch>
               <a:fillRect/>
@@ -24622,7 +24593,7 @@
               <p:nvPr/>
             </p:nvPicPr>
             <p:blipFill>
-              <a:blip r:embed="rId8"/>
+              <a:blip r:embed="rId9"/>
               <a:stretch>
                 <a:fillRect/>
               </a:stretch>
@@ -24722,12 +24693,12 @@
                   <a:rPr lang="ja-JP" altLang="en-US" sz="900"/>
                   <a:t>ドデシルベンゼンスルホン酸ナトリウム</a:t>
                 </a:r>
-                <a:endParaRPr lang="en-US" altLang="ja-JP" sz="900" dirty="0"/>
+                <a:endParaRPr lang="en-US" altLang="ja-JP" sz="900"/>
               </a:p>
               <a:p>
                 <a:pPr algn="ctr"/>
                 <a:r>
-                  <a:rPr lang="en-US" altLang="ja-JP" sz="900" dirty="0"/>
+                  <a:rPr lang="en-US" altLang="ja-JP" sz="900"/>
                   <a:t>(DBS-Na)</a:t>
                 </a:r>
                 <a:endParaRPr lang="ja-JP" altLang="en-US" sz="900"/>
@@ -24806,7 +24777,7 @@
             <a:lstStyle/>
             <a:p>
               <a:r>
-                <a:rPr lang="en-US" altLang="ja-JP" sz="1050" dirty="0">
+                <a:rPr lang="en-US" altLang="ja-JP" sz="1050">
                   <a:latin typeface="Yu Mincho" panose="02020400000000000000" pitchFamily="18" charset="-128"/>
                   <a:ea typeface="Yu Mincho" panose="02020400000000000000" pitchFamily="18" charset="-128"/>
                 </a:rPr>
@@ -24820,7 +24791,7 @@
                 <a:t> </a:t>
               </a:r>
               <a:r>
-                <a:rPr lang="en-US" altLang="ja-JP" sz="1050" dirty="0">
+                <a:rPr lang="en-US" altLang="ja-JP" sz="1050">
                   <a:latin typeface="Yu Mincho" panose="02020400000000000000" pitchFamily="18" charset="-128"/>
                   <a:ea typeface="Yu Mincho" panose="02020400000000000000" pitchFamily="18" charset="-128"/>
                 </a:rPr>
@@ -24901,7 +24872,7 @@
           <p:nvPr/>
         </p:nvPicPr>
         <p:blipFill>
-          <a:blip r:embed="rId9"/>
+          <a:blip r:embed="rId10"/>
           <a:stretch>
             <a:fillRect/>
           </a:stretch>
@@ -24976,7 +24947,7 @@
           <a:lstStyle/>
           <a:p>
             <a:r>
-              <a:rPr lang="en" altLang="ja-JP" dirty="0">
+              <a:rPr lang="en" altLang="ja-JP">
                 <a:solidFill>
                   <a:schemeClr val="accent1">
                     <a:lumMod val="60000"/>
@@ -25060,7 +25031,7 @@
               </a:rPr>
               <a:t>ニッケル水酸化物ナノシートの合成</a:t>
             </a:r>
-            <a:endParaRPr lang="en-US" altLang="ja-JP" sz="2100" dirty="0">
+            <a:endParaRPr lang="en-US" altLang="ja-JP" sz="2100">
               <a:latin typeface="MS Gothic" panose="020B0609070205080204" pitchFamily="49" charset="-128"/>
               <a:ea typeface="MS Gothic" panose="020B0609070205080204" pitchFamily="49" charset="-128"/>
             </a:endParaRPr>
@@ -25137,7 +25108,7 @@
               <a:p>
                 <a:pPr fontAlgn="base"/>
                 <a:r>
-                  <a:rPr lang="en-US" altLang="ja-JP" sz="1350" dirty="0">
+                  <a:rPr lang="en-US" altLang="ja-JP" sz="1350">
                     <a:latin typeface="Yu Mincho" panose="02020400000000000000" pitchFamily="18" charset="-128"/>
                     <a:ea typeface="Yu Mincho" panose="02020400000000000000" pitchFamily="18" charset="-128"/>
                     <a:cs typeface="ＭＳ Ｐゴシック" panose="020B0600070205080204" pitchFamily="34" charset="-128"/>
@@ -25145,7 +25116,7 @@
                   <a:t>2Ni(CH</a:t>
                 </a:r>
                 <a:r>
-                  <a:rPr lang="en-US" altLang="ja-JP" sz="1350" baseline="-25000" dirty="0">
+                  <a:rPr lang="en-US" altLang="ja-JP" sz="1350" baseline="-25000">
                     <a:latin typeface="Yu Mincho" panose="02020400000000000000" pitchFamily="18" charset="-128"/>
                     <a:ea typeface="Yu Mincho" panose="02020400000000000000" pitchFamily="18" charset="-128"/>
                     <a:cs typeface="ＭＳ Ｐゴシック" panose="020B0600070205080204" pitchFamily="34" charset="-128"/>
@@ -25153,7 +25124,7 @@
                   <a:t>3</a:t>
                 </a:r>
                 <a:r>
-                  <a:rPr lang="en-US" altLang="ja-JP" sz="1350" dirty="0">
+                  <a:rPr lang="en-US" altLang="ja-JP" sz="1350">
                     <a:latin typeface="Yu Mincho" panose="02020400000000000000" pitchFamily="18" charset="-128"/>
                     <a:ea typeface="Yu Mincho" panose="02020400000000000000" pitchFamily="18" charset="-128"/>
                     <a:cs typeface="ＭＳ Ｐゴシック" panose="020B0600070205080204" pitchFamily="34" charset="-128"/>
@@ -25161,7 +25132,7 @@
                   <a:t>COO)</a:t>
                 </a:r>
                 <a:r>
-                  <a:rPr lang="en-US" altLang="ja-JP" sz="1350" baseline="-25000" dirty="0">
+                  <a:rPr lang="en-US" altLang="ja-JP" sz="1350" baseline="-25000">
                     <a:latin typeface="Yu Mincho" panose="02020400000000000000" pitchFamily="18" charset="-128"/>
                     <a:ea typeface="Yu Mincho" panose="02020400000000000000" pitchFamily="18" charset="-128"/>
                     <a:cs typeface="ＭＳ Ｐゴシック" panose="020B0600070205080204" pitchFamily="34" charset="-128"/>
@@ -25177,7 +25148,7 @@
                   <a:t>・</a:t>
                 </a:r>
                 <a:r>
-                  <a:rPr lang="en-US" altLang="ja-JP" sz="1350" dirty="0">
+                  <a:rPr lang="en-US" altLang="ja-JP" sz="1350">
                     <a:latin typeface="Yu Mincho" panose="02020400000000000000" pitchFamily="18" charset="-128"/>
                     <a:ea typeface="Yu Mincho" panose="02020400000000000000" pitchFamily="18" charset="-128"/>
                     <a:cs typeface="ＭＳ Ｐゴシック" panose="020B0600070205080204" pitchFamily="34" charset="-128"/>
@@ -25185,7 +25156,7 @@
                   <a:t>4H</a:t>
                 </a:r>
                 <a:r>
-                  <a:rPr lang="en-US" altLang="ja-JP" sz="1350" baseline="-25000" dirty="0">
+                  <a:rPr lang="en-US" altLang="ja-JP" sz="1350" baseline="-25000">
                     <a:latin typeface="Yu Mincho" panose="02020400000000000000" pitchFamily="18" charset="-128"/>
                     <a:ea typeface="Yu Mincho" panose="02020400000000000000" pitchFamily="18" charset="-128"/>
                     <a:cs typeface="ＭＳ Ｐゴシック" panose="020B0600070205080204" pitchFamily="34" charset="-128"/>
@@ -25193,14 +25164,14 @@
                   <a:t>2</a:t>
                 </a:r>
                 <a:r>
-                  <a:rPr lang="en-US" altLang="ja-JP" sz="1350" dirty="0">
+                  <a:rPr lang="en-US" altLang="ja-JP" sz="1350">
                     <a:latin typeface="Yu Mincho" panose="02020400000000000000" pitchFamily="18" charset="-128"/>
                     <a:ea typeface="Yu Mincho" panose="02020400000000000000" pitchFamily="18" charset="-128"/>
                     <a:cs typeface="ＭＳ Ｐゴシック" panose="020B0600070205080204" pitchFamily="34" charset="-128"/>
                   </a:rPr>
                   <a:t>O</a:t>
                 </a:r>
-                <a:endParaRPr lang="en-US" altLang="ja-JP" sz="1350" dirty="0">
+                <a:endParaRPr lang="en-US" altLang="ja-JP" sz="1350">
                   <a:latin typeface="Yu Mincho" panose="02020400000000000000" pitchFamily="18" charset="-128"/>
                   <a:ea typeface="Yu Mincho" panose="02020400000000000000" pitchFamily="18" charset="-128"/>
                 </a:endParaRPr>
@@ -25292,7 +25263,7 @@
               <a:lstStyle/>
               <a:p>
                 <a:r>
-                  <a:rPr lang="en-US" altLang="ja-JP" sz="1350" dirty="0">
+                  <a:rPr lang="en-US" altLang="ja-JP" sz="1350">
                     <a:latin typeface="Yu Mincho" panose="02020400000000000000" pitchFamily="18" charset="-128"/>
                     <a:ea typeface="Yu Mincho" panose="02020400000000000000" pitchFamily="18" charset="-128"/>
                     <a:cs typeface="Times New Roman" panose="02020603050405020304" pitchFamily="18" charset="0"/>
@@ -25300,7 +25271,7 @@
                   <a:t>Ni</a:t>
                 </a:r>
                 <a:r>
-                  <a:rPr lang="en-US" altLang="ja-JP" sz="1350" baseline="-25000" dirty="0">
+                  <a:rPr lang="en-US" altLang="ja-JP" sz="1350" baseline="-25000">
                     <a:latin typeface="Yu Mincho" panose="02020400000000000000" pitchFamily="18" charset="-128"/>
                     <a:ea typeface="Yu Mincho" panose="02020400000000000000" pitchFamily="18" charset="-128"/>
                     <a:cs typeface="Times New Roman" panose="02020603050405020304" pitchFamily="18" charset="0"/>
@@ -25308,7 +25279,7 @@
                   <a:t>x</a:t>
                 </a:r>
                 <a:r>
-                  <a:rPr lang="en-US" altLang="ja-JP" sz="1350" dirty="0">
+                  <a:rPr lang="en-US" altLang="ja-JP" sz="1350">
                     <a:latin typeface="Yu Mincho" panose="02020400000000000000" pitchFamily="18" charset="-128"/>
                     <a:ea typeface="Yu Mincho" panose="02020400000000000000" pitchFamily="18" charset="-128"/>
                     <a:cs typeface="Times New Roman" panose="02020603050405020304" pitchFamily="18" charset="0"/>
@@ -25316,7 +25287,7 @@
                   <a:t>(OH)</a:t>
                 </a:r>
                 <a:r>
-                  <a:rPr lang="en-US" altLang="ja-JP" sz="1350" baseline="-25000" dirty="0">
+                  <a:rPr lang="en-US" altLang="ja-JP" sz="1350" baseline="-25000">
                     <a:latin typeface="Yu Mincho" panose="02020400000000000000" pitchFamily="18" charset="-128"/>
                     <a:ea typeface="Yu Mincho" panose="02020400000000000000" pitchFamily="18" charset="-128"/>
                     <a:cs typeface="Times New Roman" panose="02020603050405020304" pitchFamily="18" charset="0"/>
@@ -25324,7 +25295,7 @@
                   <a:t>y</a:t>
                 </a:r>
                 <a:r>
-                  <a:rPr lang="en-US" altLang="ja-JP" sz="1350" dirty="0">
+                  <a:rPr lang="en-US" altLang="ja-JP" sz="1350">
                     <a:latin typeface="Yu Mincho" panose="02020400000000000000" pitchFamily="18" charset="-128"/>
                     <a:ea typeface="Yu Mincho" panose="02020400000000000000" pitchFamily="18" charset="-128"/>
                     <a:cs typeface="Times New Roman" panose="02020603050405020304" pitchFamily="18" charset="0"/>
@@ -25340,7 +25311,7 @@
                   <a:t>・</a:t>
                 </a:r>
                 <a:r>
-                  <a:rPr lang="en-US" altLang="ja-JP" sz="1350" dirty="0">
+                  <a:rPr lang="en-US" altLang="ja-JP" sz="1350">
                     <a:latin typeface="Yu Mincho" panose="02020400000000000000" pitchFamily="18" charset="-128"/>
                     <a:ea typeface="Yu Mincho" panose="02020400000000000000" pitchFamily="18" charset="-128"/>
                     <a:cs typeface="Times New Roman" panose="02020603050405020304" pitchFamily="18" charset="0"/>
@@ -25348,7 +25319,7 @@
                   <a:t>H</a:t>
                 </a:r>
                 <a:r>
-                  <a:rPr lang="en-US" altLang="ja-JP" sz="1350" baseline="-25000" dirty="0">
+                  <a:rPr lang="en-US" altLang="ja-JP" sz="1350" baseline="-25000">
                     <a:latin typeface="Yu Mincho" panose="02020400000000000000" pitchFamily="18" charset="-128"/>
                     <a:ea typeface="Yu Mincho" panose="02020400000000000000" pitchFamily="18" charset="-128"/>
                     <a:cs typeface="Times New Roman" panose="02020603050405020304" pitchFamily="18" charset="0"/>
@@ -25356,7 +25327,7 @@
                   <a:t>2</a:t>
                 </a:r>
                 <a:r>
-                  <a:rPr lang="en-US" altLang="ja-JP" sz="1350" dirty="0">
+                  <a:rPr lang="en-US" altLang="ja-JP" sz="1350">
                     <a:latin typeface="Yu Mincho" panose="02020400000000000000" pitchFamily="18" charset="-128"/>
                     <a:ea typeface="Yu Mincho" panose="02020400000000000000" pitchFamily="18" charset="-128"/>
                     <a:cs typeface="Times New Roman" panose="02020603050405020304" pitchFamily="18" charset="0"/>
@@ -25416,7 +25387,7 @@
                 <a:lstStyle/>
                 <a:p>
                   <a:r>
-                    <a:rPr lang="en-US" altLang="ja-JP" sz="1350" dirty="0">
+                    <a:rPr lang="en-US" altLang="ja-JP" sz="1350">
                       <a:latin typeface="Yu Mincho" panose="02020400000000000000" pitchFamily="18" charset="-128"/>
                       <a:ea typeface="Yu Mincho" panose="02020400000000000000" pitchFamily="18" charset="-128"/>
                       <a:cs typeface="Times New Roman" panose="02020603050405020304" pitchFamily="18" charset="0"/>
@@ -25424,7 +25395,7 @@
                     <a:t>Ni</a:t>
                   </a:r>
                   <a:r>
-                    <a:rPr lang="en-US" altLang="ja-JP" sz="1350" baseline="-25000" dirty="0">
+                    <a:rPr lang="en-US" altLang="ja-JP" sz="1350" baseline="-25000">
                       <a:latin typeface="Yu Mincho" panose="02020400000000000000" pitchFamily="18" charset="-128"/>
                       <a:ea typeface="Yu Mincho" panose="02020400000000000000" pitchFamily="18" charset="-128"/>
                       <a:cs typeface="Times New Roman" panose="02020603050405020304" pitchFamily="18" charset="0"/>
@@ -25432,7 +25403,7 @@
                     <a:t>x</a:t>
                   </a:r>
                   <a:r>
-                    <a:rPr lang="en-US" altLang="ja-JP" sz="1350" dirty="0">
+                    <a:rPr lang="en-US" altLang="ja-JP" sz="1350">
                       <a:latin typeface="Yu Mincho" panose="02020400000000000000" pitchFamily="18" charset="-128"/>
                       <a:ea typeface="Yu Mincho" panose="02020400000000000000" pitchFamily="18" charset="-128"/>
                       <a:cs typeface="Times New Roman" panose="02020603050405020304" pitchFamily="18" charset="0"/>
@@ -25440,7 +25411,7 @@
                     <a:t>(OH)</a:t>
                   </a:r>
                   <a:r>
-                    <a:rPr lang="en-US" altLang="ja-JP" sz="1350" baseline="-25000" dirty="0">
+                    <a:rPr lang="en-US" altLang="ja-JP" sz="1350" baseline="-25000">
                       <a:latin typeface="Yu Mincho" panose="02020400000000000000" pitchFamily="18" charset="-128"/>
                       <a:ea typeface="Yu Mincho" panose="02020400000000000000" pitchFamily="18" charset="-128"/>
                       <a:cs typeface="Times New Roman" panose="02020603050405020304" pitchFamily="18" charset="0"/>
@@ -25448,7 +25419,7 @@
                     <a:t>y</a:t>
                   </a:r>
                   <a:r>
-                    <a:rPr lang="en-US" altLang="ja-JP" sz="1350" dirty="0">
+                    <a:rPr lang="en-US" altLang="ja-JP" sz="1350">
                       <a:latin typeface="Yu Mincho" panose="02020400000000000000" pitchFamily="18" charset="-128"/>
                       <a:ea typeface="Yu Mincho" panose="02020400000000000000" pitchFamily="18" charset="-128"/>
                       <a:cs typeface="Times New Roman" panose="02020603050405020304" pitchFamily="18" charset="0"/>
@@ -25464,7 +25435,7 @@
                     <a:t>・</a:t>
                   </a:r>
                   <a:r>
-                    <a:rPr lang="en-US" altLang="ja-JP" sz="1350" dirty="0">
+                    <a:rPr lang="en-US" altLang="ja-JP" sz="1350">
                       <a:latin typeface="Yu Mincho" panose="02020400000000000000" pitchFamily="18" charset="-128"/>
                       <a:ea typeface="Yu Mincho" panose="02020400000000000000" pitchFamily="18" charset="-128"/>
                       <a:cs typeface="Times New Roman" panose="02020603050405020304" pitchFamily="18" charset="0"/>
@@ -25472,7 +25443,7 @@
                     <a:t>H</a:t>
                   </a:r>
                   <a:r>
-                    <a:rPr lang="en-US" altLang="ja-JP" sz="1350" baseline="-25000" dirty="0">
+                    <a:rPr lang="en-US" altLang="ja-JP" sz="1350" baseline="-25000">
                       <a:latin typeface="Yu Mincho" panose="02020400000000000000" pitchFamily="18" charset="-128"/>
                       <a:ea typeface="Yu Mincho" panose="02020400000000000000" pitchFamily="18" charset="-128"/>
                       <a:cs typeface="Times New Roman" panose="02020603050405020304" pitchFamily="18" charset="0"/>
@@ -25480,7 +25451,7 @@
                     <a:t>2</a:t>
                   </a:r>
                   <a:r>
-                    <a:rPr lang="en-US" altLang="ja-JP" sz="1350" dirty="0">
+                    <a:rPr lang="en-US" altLang="ja-JP" sz="1350">
                       <a:latin typeface="Yu Mincho" panose="02020400000000000000" pitchFamily="18" charset="-128"/>
                       <a:ea typeface="Yu Mincho" panose="02020400000000000000" pitchFamily="18" charset="-128"/>
                       <a:cs typeface="Times New Roman" panose="02020603050405020304" pitchFamily="18" charset="0"/>
@@ -25646,7 +25617,7 @@
           <a:p>
             <a:pPr algn="ctr"/>
             <a:r>
-              <a:rPr lang="en-US" altLang="ja-JP" sz="1350" dirty="0"/>
+              <a:rPr lang="en-US" altLang="ja-JP" sz="1350"/>
               <a:t>DBS-Na</a:t>
             </a:r>
             <a:r>
@@ -25690,7 +25661,7 @@
               <a:t>エタノール</a:t>
             </a:r>
             <a:r>
-              <a:rPr lang="en-US" altLang="ja-JP" sz="1350" dirty="0"/>
+              <a:rPr lang="en-US" altLang="ja-JP" sz="1350"/>
               <a:t>-</a:t>
             </a:r>
             <a:r>
@@ -26107,7 +26078,7 @@
             <p:nvPr/>
           </p:nvPicPr>
           <p:blipFill>
-            <a:blip r:embed="rId3" cstate="print"/>
+            <a:blip r:embed="rId4" cstate="print"/>
             <a:srcRect/>
             <a:stretch>
               <a:fillRect/>
@@ -26146,7 +26117,7 @@
             <p:nvPr/>
           </p:nvPicPr>
           <p:blipFill>
-            <a:blip r:embed="rId3" cstate="print"/>
+            <a:blip r:embed="rId4" cstate="print"/>
             <a:srcRect/>
             <a:stretch>
               <a:fillRect/>
@@ -26192,12 +26163,12 @@
             <a:graphicData uri="http://schemas.openxmlformats.org/presentationml/2006/ole">
               <mc:AlternateContent xmlns:mc="http://schemas.openxmlformats.org/markup-compatibility/2006">
                 <mc:Choice xmlns:v="urn:schemas-microsoft-com:vml" Requires="v">
-                  <p:oleObj name="CS ChemDraw Drawing" r:id="rId4" imgW="604440" imgH="472320" progId="">
+                  <p:oleObj spid="_x0000_s61441" name="CS ChemDraw Drawing" r:id="rId5" imgW="604440" imgH="472320" progId="">
                     <p:embed/>
                   </p:oleObj>
                 </mc:Choice>
                 <mc:Fallback>
-                  <p:oleObj name="CS ChemDraw Drawing" r:id="rId4" imgW="604440" imgH="472320" progId="">
+                  <p:oleObj name="CS ChemDraw Drawing" r:id="rId5" imgW="604440" imgH="472320" progId="">
                     <p:embed/>
                     <p:pic>
                       <p:nvPicPr>
@@ -26214,7 +26185,7 @@
                         <p:nvPr/>
                       </p:nvPicPr>
                       <p:blipFill>
-                        <a:blip r:embed="rId5">
+                        <a:blip r:embed="rId6">
                           <a:extLst>
                             <a:ext uri="{28A0092B-C50C-407E-A947-70E740481C1C}">
                               <a14:useLocalDpi xmlns:a14="http://schemas.microsoft.com/office/drawing/2010/main" val="0"/>
@@ -26307,7 +26278,7 @@
               <p:nvPr/>
             </p:nvPicPr>
             <p:blipFill>
-              <a:blip r:embed="rId3" cstate="print"/>
+              <a:blip r:embed="rId4" cstate="print"/>
               <a:srcRect/>
               <a:stretch>
                 <a:fillRect/>
@@ -26346,7 +26317,7 @@
               <p:nvPr/>
             </p:nvPicPr>
             <p:blipFill>
-              <a:blip r:embed="rId3" cstate="print"/>
+              <a:blip r:embed="rId4" cstate="print"/>
               <a:srcRect/>
               <a:stretch>
                 <a:fillRect/>
@@ -26386,7 +26357,7 @@
             <p:nvPr/>
           </p:nvPicPr>
           <p:blipFill>
-            <a:blip r:embed="rId6" cstate="print"/>
+            <a:blip r:embed="rId7" cstate="print"/>
             <a:srcRect/>
             <a:stretch>
               <a:fillRect/>
@@ -26425,7 +26396,7 @@
             <p:nvPr/>
           </p:nvPicPr>
           <p:blipFill>
-            <a:blip r:embed="rId6" cstate="print"/>
+            <a:blip r:embed="rId7" cstate="print"/>
             <a:srcRect/>
             <a:stretch>
               <a:fillRect/>
@@ -26505,7 +26476,7 @@
               <p:nvPr/>
             </p:nvPicPr>
             <p:blipFill>
-              <a:blip r:embed="rId7"/>
+              <a:blip r:embed="rId8"/>
               <a:stretch>
                 <a:fillRect/>
               </a:stretch>
@@ -26605,12 +26576,12 @@
                   <a:rPr lang="ja-JP" altLang="en-US" sz="900"/>
                   <a:t>ドデシルベンゼンスルホン酸ナトリウム</a:t>
                 </a:r>
-                <a:endParaRPr lang="en-US" altLang="ja-JP" sz="900" dirty="0"/>
+                <a:endParaRPr lang="en-US" altLang="ja-JP" sz="900"/>
               </a:p>
               <a:p>
                 <a:pPr algn="ctr"/>
                 <a:r>
-                  <a:rPr lang="en-US" altLang="ja-JP" sz="900" dirty="0"/>
+                  <a:rPr lang="en-US" altLang="ja-JP" sz="900"/>
                   <a:t>(DBS-Na)</a:t>
                 </a:r>
                 <a:endParaRPr lang="ja-JP" altLang="en-US" sz="900"/>
@@ -26689,7 +26660,7 @@
             <a:lstStyle/>
             <a:p>
               <a:r>
-                <a:rPr lang="en-US" altLang="ja-JP" sz="1050" dirty="0">
+                <a:rPr lang="en-US" altLang="ja-JP" sz="1050">
                   <a:latin typeface="Yu Mincho" panose="02020400000000000000" pitchFamily="18" charset="-128"/>
                   <a:ea typeface="Yu Mincho" panose="02020400000000000000" pitchFamily="18" charset="-128"/>
                 </a:rPr>
@@ -26703,7 +26674,7 @@
                 <a:t> </a:t>
               </a:r>
               <a:r>
-                <a:rPr lang="en-US" altLang="ja-JP" sz="1050" dirty="0">
+                <a:rPr lang="en-US" altLang="ja-JP" sz="1050">
                   <a:latin typeface="Yu Mincho" panose="02020400000000000000" pitchFamily="18" charset="-128"/>
                   <a:ea typeface="Yu Mincho" panose="02020400000000000000" pitchFamily="18" charset="-128"/>
                 </a:rPr>
@@ -26916,7 +26887,7 @@
               </a:rPr>
               <a:t>ニッケル水酸化物ナノシートの前駆体ニッケル層状水酸化物の合成</a:t>
             </a:r>
-            <a:endParaRPr lang="en-US" altLang="ja-JP" sz="2100" dirty="0">
+            <a:endParaRPr lang="en-US" altLang="ja-JP" sz="2100">
               <a:latin typeface="MS Gothic" panose="020B0609070205080204" pitchFamily="49" charset="-128"/>
               <a:ea typeface="MS Gothic" panose="020B0609070205080204" pitchFamily="49" charset="-128"/>
             </a:endParaRPr>
@@ -26993,7 +26964,7 @@
               <a:p>
                 <a:pPr fontAlgn="base"/>
                 <a:r>
-                  <a:rPr lang="en-US" altLang="ja-JP" sz="1350" dirty="0">
+                  <a:rPr lang="en-US" altLang="ja-JP" sz="1350">
                     <a:latin typeface="Yu Mincho" panose="02020400000000000000" pitchFamily="18" charset="-128"/>
                     <a:ea typeface="Yu Mincho" panose="02020400000000000000" pitchFamily="18" charset="-128"/>
                     <a:cs typeface="ＭＳ Ｐゴシック" panose="020B0600070205080204" pitchFamily="34" charset="-128"/>
@@ -27001,7 +26972,7 @@
                   <a:t>Ni(CH</a:t>
                 </a:r>
                 <a:r>
-                  <a:rPr lang="en-US" altLang="ja-JP" sz="1350" baseline="-25000" dirty="0">
+                  <a:rPr lang="en-US" altLang="ja-JP" sz="1350" baseline="-25000">
                     <a:latin typeface="Yu Mincho" panose="02020400000000000000" pitchFamily="18" charset="-128"/>
                     <a:ea typeface="Yu Mincho" panose="02020400000000000000" pitchFamily="18" charset="-128"/>
                     <a:cs typeface="ＭＳ Ｐゴシック" panose="020B0600070205080204" pitchFamily="34" charset="-128"/>
@@ -27009,7 +26980,7 @@
                   <a:t>3</a:t>
                 </a:r>
                 <a:r>
-                  <a:rPr lang="en-US" altLang="ja-JP" sz="1350" dirty="0">
+                  <a:rPr lang="en-US" altLang="ja-JP" sz="1350">
                     <a:latin typeface="Yu Mincho" panose="02020400000000000000" pitchFamily="18" charset="-128"/>
                     <a:ea typeface="Yu Mincho" panose="02020400000000000000" pitchFamily="18" charset="-128"/>
                     <a:cs typeface="ＭＳ Ｐゴシック" panose="020B0600070205080204" pitchFamily="34" charset="-128"/>
@@ -27017,7 +26988,7 @@
                   <a:t>COO)</a:t>
                 </a:r>
                 <a:r>
-                  <a:rPr lang="en-US" altLang="ja-JP" sz="1350" baseline="-25000" dirty="0">
+                  <a:rPr lang="en-US" altLang="ja-JP" sz="1350" baseline="-25000">
                     <a:latin typeface="Yu Mincho" panose="02020400000000000000" pitchFamily="18" charset="-128"/>
                     <a:ea typeface="Yu Mincho" panose="02020400000000000000" pitchFamily="18" charset="-128"/>
                     <a:cs typeface="ＭＳ Ｐゴシック" panose="020B0600070205080204" pitchFamily="34" charset="-128"/>
@@ -27033,7 +27004,7 @@
                   <a:t>・</a:t>
                 </a:r>
                 <a:r>
-                  <a:rPr lang="en-US" altLang="ja-JP" sz="1350" dirty="0">
+                  <a:rPr lang="en-US" altLang="ja-JP" sz="1350">
                     <a:latin typeface="Yu Mincho" panose="02020400000000000000" pitchFamily="18" charset="-128"/>
                     <a:ea typeface="Yu Mincho" panose="02020400000000000000" pitchFamily="18" charset="-128"/>
                     <a:cs typeface="ＭＳ Ｐゴシック" panose="020B0600070205080204" pitchFamily="34" charset="-128"/>
@@ -27041,7 +27012,7 @@
                   <a:t>4H</a:t>
                 </a:r>
                 <a:r>
-                  <a:rPr lang="en-US" altLang="ja-JP" sz="1350" baseline="-25000" dirty="0">
+                  <a:rPr lang="en-US" altLang="ja-JP" sz="1350" baseline="-25000">
                     <a:latin typeface="Yu Mincho" panose="02020400000000000000" pitchFamily="18" charset="-128"/>
                     <a:ea typeface="Yu Mincho" panose="02020400000000000000" pitchFamily="18" charset="-128"/>
                     <a:cs typeface="ＭＳ Ｐゴシック" panose="020B0600070205080204" pitchFamily="34" charset="-128"/>
@@ -27049,14 +27020,14 @@
                   <a:t>2</a:t>
                 </a:r>
                 <a:r>
-                  <a:rPr lang="en-US" altLang="ja-JP" sz="1350" dirty="0">
+                  <a:rPr lang="en-US" altLang="ja-JP" sz="1350">
                     <a:latin typeface="Yu Mincho" panose="02020400000000000000" pitchFamily="18" charset="-128"/>
                     <a:ea typeface="Yu Mincho" panose="02020400000000000000" pitchFamily="18" charset="-128"/>
                     <a:cs typeface="ＭＳ Ｐゴシック" panose="020B0600070205080204" pitchFamily="34" charset="-128"/>
                   </a:rPr>
                   <a:t>O</a:t>
                 </a:r>
-                <a:endParaRPr lang="en-US" altLang="ja-JP" sz="1350" dirty="0">
+                <a:endParaRPr lang="en-US" altLang="ja-JP" sz="1350">
                   <a:latin typeface="Yu Mincho" panose="02020400000000000000" pitchFamily="18" charset="-128"/>
                   <a:ea typeface="Yu Mincho" panose="02020400000000000000" pitchFamily="18" charset="-128"/>
                 </a:endParaRPr>
@@ -27148,7 +27119,7 @@
               <a:lstStyle/>
               <a:p>
                 <a:r>
-                  <a:rPr lang="en-US" altLang="ja-JP" sz="1350" dirty="0">
+                  <a:rPr lang="en-US" altLang="ja-JP" sz="1350">
                     <a:latin typeface="Yu Mincho" panose="02020400000000000000" pitchFamily="18" charset="-128"/>
                     <a:ea typeface="Yu Mincho" panose="02020400000000000000" pitchFamily="18" charset="-128"/>
                     <a:cs typeface="Times New Roman" panose="02020603050405020304" pitchFamily="18" charset="0"/>
@@ -27156,7 +27127,7 @@
                   <a:t>Ni(OH)</a:t>
                 </a:r>
                 <a:r>
-                  <a:rPr lang="en-US" altLang="ja-JP" sz="1350" baseline="-25000" dirty="0">
+                  <a:rPr lang="en-US" altLang="ja-JP" sz="1350" baseline="-25000">
                     <a:latin typeface="Yu Mincho" panose="02020400000000000000" pitchFamily="18" charset="-128"/>
                     <a:ea typeface="Yu Mincho" panose="02020400000000000000" pitchFamily="18" charset="-128"/>
                     <a:cs typeface="Times New Roman" panose="02020603050405020304" pitchFamily="18" charset="0"/>
@@ -27164,7 +27135,7 @@
                   <a:t>x</a:t>
                 </a:r>
                 <a:r>
-                  <a:rPr lang="en-US" altLang="ja-JP" sz="1350" dirty="0">
+                  <a:rPr lang="en-US" altLang="ja-JP" sz="1350">
                     <a:latin typeface="Yu Mincho" panose="02020400000000000000" pitchFamily="18" charset="-128"/>
                     <a:ea typeface="Yu Mincho" panose="02020400000000000000" pitchFamily="18" charset="-128"/>
                     <a:cs typeface="Times New Roman" panose="02020603050405020304" pitchFamily="18" charset="0"/>
@@ -27172,7 +27143,7 @@
                   <a:t>(DBS)</a:t>
                 </a:r>
                 <a:r>
-                  <a:rPr lang="en-US" altLang="ja-JP" sz="1350" baseline="-25000" dirty="0">
+                  <a:rPr lang="en-US" altLang="ja-JP" sz="1350" baseline="-25000">
                     <a:latin typeface="Yu Mincho" panose="02020400000000000000" pitchFamily="18" charset="-128"/>
                     <a:ea typeface="Yu Mincho" panose="02020400000000000000" pitchFamily="18" charset="-128"/>
                     <a:cs typeface="Times New Roman" panose="02020603050405020304" pitchFamily="18" charset="0"/>
@@ -27188,7 +27159,7 @@
                   <a:t>・</a:t>
                 </a:r>
                 <a:r>
-                  <a:rPr lang="en-US" altLang="ja-JP" sz="1350" dirty="0">
+                  <a:rPr lang="en-US" altLang="ja-JP" sz="1350">
                     <a:latin typeface="Yu Mincho" panose="02020400000000000000" pitchFamily="18" charset="-128"/>
                     <a:ea typeface="Yu Mincho" panose="02020400000000000000" pitchFamily="18" charset="-128"/>
                     <a:cs typeface="Times New Roman" panose="02020603050405020304" pitchFamily="18" charset="0"/>
@@ -27196,7 +27167,7 @@
                   <a:t>H</a:t>
                 </a:r>
                 <a:r>
-                  <a:rPr lang="en-US" altLang="ja-JP" sz="1350" baseline="-25000" dirty="0">
+                  <a:rPr lang="en-US" altLang="ja-JP" sz="1350" baseline="-25000">
                     <a:latin typeface="Yu Mincho" panose="02020400000000000000" pitchFamily="18" charset="-128"/>
                     <a:ea typeface="Yu Mincho" panose="02020400000000000000" pitchFamily="18" charset="-128"/>
                     <a:cs typeface="Times New Roman" panose="02020603050405020304" pitchFamily="18" charset="0"/>
@@ -27204,7 +27175,7 @@
                   <a:t>2</a:t>
                 </a:r>
                 <a:r>
-                  <a:rPr lang="en-US" altLang="ja-JP" sz="1350" dirty="0">
+                  <a:rPr lang="en-US" altLang="ja-JP" sz="1350">
                     <a:latin typeface="Yu Mincho" panose="02020400000000000000" pitchFamily="18" charset="-128"/>
                     <a:ea typeface="Yu Mincho" panose="02020400000000000000" pitchFamily="18" charset="-128"/>
                     <a:cs typeface="Times New Roman" panose="02020603050405020304" pitchFamily="18" charset="0"/>
@@ -27264,7 +27235,7 @@
                 <a:lstStyle/>
                 <a:p>
                   <a:r>
-                    <a:rPr lang="en-US" altLang="ja-JP" sz="1350" dirty="0">
+                    <a:rPr lang="en-US" altLang="ja-JP" sz="1350">
                       <a:latin typeface="Yu Mincho" panose="02020400000000000000" pitchFamily="18" charset="-128"/>
                       <a:ea typeface="Yu Mincho" panose="02020400000000000000" pitchFamily="18" charset="-128"/>
                       <a:cs typeface="Times New Roman" panose="02020603050405020304" pitchFamily="18" charset="0"/>
@@ -27272,7 +27243,7 @@
                     <a:t>Ni(OH)</a:t>
                   </a:r>
                   <a:r>
-                    <a:rPr lang="en-US" altLang="ja-JP" sz="1350" baseline="-25000" dirty="0">
+                    <a:rPr lang="en-US" altLang="ja-JP" sz="1350" baseline="-25000">
                       <a:latin typeface="Yu Mincho" panose="02020400000000000000" pitchFamily="18" charset="-128"/>
                       <a:ea typeface="Yu Mincho" panose="02020400000000000000" pitchFamily="18" charset="-128"/>
                       <a:cs typeface="Times New Roman" panose="02020603050405020304" pitchFamily="18" charset="0"/>
@@ -27280,7 +27251,7 @@
                     <a:t>x</a:t>
                   </a:r>
                   <a:r>
-                    <a:rPr lang="en-US" altLang="ja-JP" sz="1350" dirty="0">
+                    <a:rPr lang="en-US" altLang="ja-JP" sz="1350">
                       <a:latin typeface="Yu Mincho" panose="02020400000000000000" pitchFamily="18" charset="-128"/>
                       <a:ea typeface="Yu Mincho" panose="02020400000000000000" pitchFamily="18" charset="-128"/>
                       <a:cs typeface="Times New Roman" panose="02020603050405020304" pitchFamily="18" charset="0"/>
@@ -27288,7 +27259,7 @@
                     <a:t>(OAc)</a:t>
                   </a:r>
                   <a:r>
-                    <a:rPr lang="en-US" altLang="ja-JP" sz="1350" baseline="-25000" dirty="0">
+                    <a:rPr lang="en-US" altLang="ja-JP" sz="1350" baseline="-25000">
                       <a:latin typeface="Yu Mincho" panose="02020400000000000000" pitchFamily="18" charset="-128"/>
                       <a:ea typeface="Yu Mincho" panose="02020400000000000000" pitchFamily="18" charset="-128"/>
                       <a:cs typeface="Times New Roman" panose="02020603050405020304" pitchFamily="18" charset="0"/>
@@ -27304,7 +27275,7 @@
                     <a:t>・</a:t>
                   </a:r>
                   <a:r>
-                    <a:rPr lang="en-US" altLang="ja-JP" sz="1350" dirty="0">
+                    <a:rPr lang="en-US" altLang="ja-JP" sz="1350">
                       <a:latin typeface="Yu Mincho" panose="02020400000000000000" pitchFamily="18" charset="-128"/>
                       <a:ea typeface="Yu Mincho" panose="02020400000000000000" pitchFamily="18" charset="-128"/>
                       <a:cs typeface="Times New Roman" panose="02020603050405020304" pitchFamily="18" charset="0"/>
@@ -27312,7 +27283,7 @@
                     <a:t>H</a:t>
                   </a:r>
                   <a:r>
-                    <a:rPr lang="en-US" altLang="ja-JP" sz="1350" baseline="-25000" dirty="0">
+                    <a:rPr lang="en-US" altLang="ja-JP" sz="1350" baseline="-25000">
                       <a:latin typeface="Yu Mincho" panose="02020400000000000000" pitchFamily="18" charset="-128"/>
                       <a:ea typeface="Yu Mincho" panose="02020400000000000000" pitchFamily="18" charset="-128"/>
                       <a:cs typeface="Times New Roman" panose="02020603050405020304" pitchFamily="18" charset="0"/>
@@ -27320,7 +27291,7 @@
                     <a:t>2</a:t>
                   </a:r>
                   <a:r>
-                    <a:rPr lang="en-US" altLang="ja-JP" sz="1350" dirty="0">
+                    <a:rPr lang="en-US" altLang="ja-JP" sz="1350">
                       <a:latin typeface="Yu Mincho" panose="02020400000000000000" pitchFamily="18" charset="-128"/>
                       <a:ea typeface="Yu Mincho" panose="02020400000000000000" pitchFamily="18" charset="-128"/>
                       <a:cs typeface="Times New Roman" panose="02020603050405020304" pitchFamily="18" charset="0"/>
@@ -27489,19 +27460,19 @@
               <a:rPr lang="ja-JP" altLang="en-US" sz="1350"/>
               <a:t>ドデシルベンゼンスルホン酸ナトリウム</a:t>
             </a:r>
-            <a:endParaRPr lang="en-US" altLang="ja-JP" sz="1350" dirty="0"/>
+            <a:endParaRPr lang="en-US" altLang="ja-JP" sz="1350"/>
           </a:p>
           <a:p>
             <a:pPr algn="ctr"/>
             <a:r>
-              <a:rPr lang="en-US" altLang="ja-JP" sz="1350" dirty="0"/>
+              <a:rPr lang="en-US" altLang="ja-JP" sz="1350"/>
               <a:t>(DBS-Na)</a:t>
             </a:r>
             <a:r>
               <a:rPr lang="ja-JP" altLang="en-US" sz="1350"/>
               <a:t>水溶液中でイオン交換</a:t>
             </a:r>
-            <a:endParaRPr lang="en-US" altLang="ja-JP" sz="1350" dirty="0"/>
+            <a:endParaRPr lang="en-US" altLang="ja-JP" sz="1350"/>
           </a:p>
           <a:p>
             <a:pPr algn="ctr"/>
@@ -27543,7 +27514,7 @@
               <a:t>エタノール</a:t>
             </a:r>
             <a:r>
-              <a:rPr lang="en-US" altLang="ja-JP" sz="1350" dirty="0"/>
+              <a:rPr lang="en-US" altLang="ja-JP" sz="1350"/>
               <a:t>-</a:t>
             </a:r>
             <a:r>
@@ -28011,7 +27982,7 @@
               <a:t>約</a:t>
             </a:r>
             <a:r>
-              <a:rPr lang="en-US" altLang="ja-JP" sz="1350" dirty="0">
+              <a:rPr lang="en-US" altLang="ja-JP" sz="1350">
                 <a:latin typeface="Hiragino Maru Gothic ProN W4" panose="020F0400000000000000" pitchFamily="34" charset="-128"/>
                 <a:ea typeface="Hiragino Maru Gothic ProN W4" panose="020F0400000000000000" pitchFamily="34" charset="-128"/>
               </a:rPr>
@@ -28082,7 +28053,7 @@
               <p:nvPr/>
             </p:nvPicPr>
             <p:blipFill>
-              <a:blip r:embed="rId3"/>
+              <a:blip r:embed="rId4"/>
               <a:stretch>
                 <a:fillRect/>
               </a:stretch>
@@ -28179,7 +28150,7 @@
               <a:p>
                 <a:pPr algn="ctr"/>
                 <a:r>
-                  <a:rPr lang="en-US" altLang="ja-JP" sz="1500" dirty="0"/>
+                  <a:rPr lang="en-US" altLang="ja-JP" sz="1500"/>
                   <a:t>DBS-Na</a:t>
                 </a:r>
                 <a:endParaRPr lang="ja-JP" altLang="en-US" sz="1500"/>
@@ -28258,7 +28229,7 @@
             <a:lstStyle/>
             <a:p>
               <a:r>
-                <a:rPr lang="en-US" altLang="ja-JP" sz="1350" dirty="0">
+                <a:rPr lang="en-US" altLang="ja-JP" sz="1350">
                   <a:latin typeface="Yu Mincho" panose="02020400000000000000" pitchFamily="18" charset="-128"/>
                   <a:ea typeface="Yu Mincho" panose="02020400000000000000" pitchFamily="18" charset="-128"/>
                 </a:rPr>
@@ -28272,7 +28243,7 @@
                 <a:t> </a:t>
               </a:r>
               <a:r>
-                <a:rPr lang="en-US" altLang="ja-JP" sz="1350" dirty="0">
+                <a:rPr lang="en-US" altLang="ja-JP" sz="1350">
                   <a:latin typeface="Yu Mincho" panose="02020400000000000000" pitchFamily="18" charset="-128"/>
                   <a:ea typeface="Yu Mincho" panose="02020400000000000000" pitchFamily="18" charset="-128"/>
                 </a:rPr>
@@ -28378,7 +28349,7 @@
             <p:nvPr/>
           </p:nvPicPr>
           <p:blipFill>
-            <a:blip r:embed="rId4"/>
+            <a:blip r:embed="rId5"/>
             <a:stretch>
               <a:fillRect/>
             </a:stretch>
@@ -28429,7 +28400,7 @@
                 <a:t>イオン交換後のニッケル層状水酸化物の</a:t>
               </a:r>
               <a:r>
-                <a:rPr lang="en-US" altLang="ja-JP" sz="1350" dirty="0">
+                <a:rPr lang="en-US" altLang="ja-JP" sz="1350">
                   <a:latin typeface="Hiragino Maru Gothic Pro W4" panose="020F0400000000000000" pitchFamily="34" charset="-128"/>
                   <a:ea typeface="Hiragino Maru Gothic Pro W4" panose="020F0400000000000000" pitchFamily="34" charset="-128"/>
                 </a:rPr>
@@ -28457,7 +28428,7 @@
             <p:nvPr/>
           </p:nvPicPr>
           <p:blipFill>
-            <a:blip r:embed="rId5"/>
+            <a:blip r:embed="rId6"/>
             <a:stretch>
               <a:fillRect/>
             </a:stretch>
@@ -28508,7 +28479,7 @@
                 <a:t>層状塩基性酢酸ニッケルの</a:t>
               </a:r>
               <a:r>
-                <a:rPr lang="en-US" altLang="ja-JP" sz="1350" dirty="0">
+                <a:rPr lang="en-US" altLang="ja-JP" sz="1350">
                   <a:latin typeface="Hiragino Maru Gothic Pro W4" panose="020F0400000000000000" pitchFamily="34" charset="-128"/>
                   <a:ea typeface="Hiragino Maru Gothic Pro W4" panose="020F0400000000000000" pitchFamily="34" charset="-128"/>
                 </a:rPr>
@@ -28536,7 +28507,7 @@
             <p:nvPr/>
           </p:nvPicPr>
           <p:blipFill>
-            <a:blip r:embed="rId6"/>
+            <a:blip r:embed="rId7"/>
             <a:stretch>
               <a:fillRect/>
             </a:stretch>
@@ -28566,7 +28537,7 @@
             <p:nvPr/>
           </p:nvPicPr>
           <p:blipFill>
-            <a:blip r:embed="rId7"/>
+            <a:blip r:embed="rId8"/>
             <a:stretch>
               <a:fillRect/>
             </a:stretch>
@@ -28639,7 +28610,7 @@
               <p:nvPr/>
             </p:nvPicPr>
             <p:blipFill>
-              <a:blip r:embed="rId8" cstate="print"/>
+              <a:blip r:embed="rId9" cstate="print"/>
               <a:srcRect/>
               <a:stretch>
                 <a:fillRect/>
@@ -28678,7 +28649,7 @@
               <p:nvPr/>
             </p:nvPicPr>
             <p:blipFill>
-              <a:blip r:embed="rId8" cstate="print"/>
+              <a:blip r:embed="rId9" cstate="print"/>
               <a:srcRect/>
               <a:stretch>
                 <a:fillRect/>
@@ -28724,12 +28695,12 @@
               <a:graphicData uri="http://schemas.openxmlformats.org/presentationml/2006/ole">
                 <mc:AlternateContent xmlns:mc="http://schemas.openxmlformats.org/markup-compatibility/2006">
                   <mc:Choice xmlns:v="urn:schemas-microsoft-com:vml" Requires="v">
-                    <p:oleObj name="CS ChemDraw Drawing" r:id="rId9" imgW="604440" imgH="472320" progId="">
+                    <p:oleObj spid="_x0000_s18433" name="CS ChemDraw Drawing" r:id="rId10" imgW="604440" imgH="472320" progId="">
                       <p:embed/>
                     </p:oleObj>
                   </mc:Choice>
                   <mc:Fallback>
-                    <p:oleObj name="CS ChemDraw Drawing" r:id="rId9" imgW="604440" imgH="472320" progId="">
+                    <p:oleObj name="CS ChemDraw Drawing" r:id="rId10" imgW="604440" imgH="472320" progId="">
                       <p:embed/>
                       <p:pic>
                         <p:nvPicPr>
@@ -28746,7 +28717,7 @@
                           <p:nvPr/>
                         </p:nvPicPr>
                         <p:blipFill>
-                          <a:blip r:embed="rId10">
+                          <a:blip r:embed="rId11">
                             <a:extLst>
                               <a:ext uri="{28A0092B-C50C-407E-A947-70E740481C1C}">
                                 <a14:useLocalDpi xmlns:a14="http://schemas.microsoft.com/office/drawing/2010/main" val="0"/>
@@ -28852,7 +28823,7 @@
           <a:lstStyle/>
           <a:p>
             <a:r>
-              <a:rPr lang="en-US" altLang="ja-JP" sz="1350" dirty="0">
+              <a:rPr lang="en-US" altLang="ja-JP" sz="1350">
                 <a:latin typeface="Hiragino Maru Gothic ProN W4" panose="020F0400000000000000" pitchFamily="34" charset="-128"/>
                 <a:ea typeface="Hiragino Maru Gothic ProN W4" panose="020F0400000000000000" pitchFamily="34" charset="-128"/>
               </a:rPr>
@@ -28944,7 +28915,7 @@
                 <p:nvPr/>
               </p:nvPicPr>
               <p:blipFill>
-                <a:blip r:embed="rId8" cstate="print"/>
+                <a:blip r:embed="rId9" cstate="print"/>
                 <a:srcRect/>
                 <a:stretch>
                   <a:fillRect/>
@@ -28983,7 +28954,7 @@
                 <p:nvPr/>
               </p:nvPicPr>
               <p:blipFill>
-                <a:blip r:embed="rId8" cstate="print"/>
+                <a:blip r:embed="rId9" cstate="print"/>
                 <a:srcRect/>
                 <a:stretch>
                   <a:fillRect/>
@@ -29023,7 +28994,7 @@
               <p:nvPr/>
             </p:nvPicPr>
             <p:blipFill>
-              <a:blip r:embed="rId11" cstate="print"/>
+              <a:blip r:embed="rId12" cstate="print"/>
               <a:srcRect/>
               <a:stretch>
                 <a:fillRect/>
@@ -29062,7 +29033,7 @@
               <p:nvPr/>
             </p:nvPicPr>
             <p:blipFill>
-              <a:blip r:embed="rId11" cstate="print"/>
+              <a:blip r:embed="rId12" cstate="print"/>
               <a:srcRect/>
               <a:stretch>
                 <a:fillRect/>
@@ -29159,7 +29130,7 @@
             <a:lstStyle/>
             <a:p>
               <a:r>
-                <a:rPr lang="en-US" altLang="ja-JP" sz="1350" dirty="0">
+                <a:rPr lang="en-US" altLang="ja-JP" sz="1350">
                   <a:latin typeface="Hiragino Maru Gothic ProN W4" panose="020F0400000000000000" pitchFamily="34" charset="-128"/>
                   <a:ea typeface="Hiragino Maru Gothic ProN W4" panose="020F0400000000000000" pitchFamily="34" charset="-128"/>
                 </a:rPr>
@@ -29285,7 +29256,7 @@
           <a:lstStyle/>
           <a:p>
             <a:r>
-              <a:rPr kumimoji="1" lang="en-US" altLang="ja-JP" sz="1600" dirty="0">
+              <a:rPr kumimoji="1" lang="en-US" altLang="ja-JP" sz="1600">
                 <a:latin typeface="Hiragino Maru Gothic ProN W4" panose="020F0400000000000000" pitchFamily="34" charset="-128"/>
                 <a:ea typeface="Hiragino Maru Gothic ProN W4" panose="020F0400000000000000" pitchFamily="34" charset="-128"/>
               </a:rPr>
@@ -29441,7 +29412,7 @@
               </a:rPr>
               <a:t>ニッケル水酸化物ナノシートの合成</a:t>
             </a:r>
-            <a:endParaRPr lang="en-US" altLang="ja-JP" sz="2100" dirty="0">
+            <a:endParaRPr lang="en-US" altLang="ja-JP" sz="2100">
               <a:latin typeface="MS Gothic" panose="020B0609070205080204" pitchFamily="49" charset="-128"/>
               <a:ea typeface="MS Gothic" panose="020B0609070205080204" pitchFamily="49" charset="-128"/>
             </a:endParaRPr>
@@ -29478,7 +29449,7 @@
           <a:p>
             <a:pPr algn="ctr"/>
             <a:r>
-              <a:rPr lang="en-US" altLang="ja-JP" dirty="0"/>
+              <a:rPr lang="en-US" altLang="ja-JP"/>
               <a:t>1-</a:t>
             </a:r>
             <a:r>
@@ -29538,7 +29509,7 @@
             <a:p>
               <a:pPr algn="ctr"/>
               <a:r>
-                <a:rPr lang="en-US" altLang="ja-JP" sz="2000" dirty="0">
+                <a:rPr lang="en-US" altLang="ja-JP" sz="2000">
                   <a:latin typeface="Yu Mincho" panose="02020400000000000000" pitchFamily="18" charset="-128"/>
                   <a:ea typeface="Yu Mincho" panose="02020400000000000000" pitchFamily="18" charset="-128"/>
                   <a:cs typeface="Times New Roman" panose="02020603050405020304" pitchFamily="18" charset="0"/>
@@ -29546,7 +29517,7 @@
                 <a:t>Ni(OH)</a:t>
               </a:r>
               <a:r>
-                <a:rPr lang="en-US" altLang="ja-JP" sz="2000" baseline="-25000" dirty="0">
+                <a:rPr lang="en-US" altLang="ja-JP" sz="2000" baseline="-25000">
                   <a:latin typeface="Yu Mincho" panose="02020400000000000000" pitchFamily="18" charset="-128"/>
                   <a:ea typeface="Yu Mincho" panose="02020400000000000000" pitchFamily="18" charset="-128"/>
                   <a:cs typeface="Times New Roman" panose="02020603050405020304" pitchFamily="18" charset="0"/>
@@ -29554,7 +29525,7 @@
                 <a:t>x</a:t>
               </a:r>
               <a:r>
-                <a:rPr lang="en-US" altLang="ja-JP" sz="2000" dirty="0">
+                <a:rPr lang="en-US" altLang="ja-JP" sz="2000">
                   <a:latin typeface="Yu Mincho" panose="02020400000000000000" pitchFamily="18" charset="-128"/>
                   <a:ea typeface="Yu Mincho" panose="02020400000000000000" pitchFamily="18" charset="-128"/>
                   <a:cs typeface="Times New Roman" panose="02020603050405020304" pitchFamily="18" charset="0"/>
@@ -29562,7 +29533,7 @@
                 <a:t>(DBS)</a:t>
               </a:r>
               <a:r>
-                <a:rPr lang="en-US" altLang="ja-JP" sz="2000" baseline="-25000" dirty="0">
+                <a:rPr lang="en-US" altLang="ja-JP" sz="2000" baseline="-25000">
                   <a:latin typeface="Yu Mincho" panose="02020400000000000000" pitchFamily="18" charset="-128"/>
                   <a:ea typeface="Yu Mincho" panose="02020400000000000000" pitchFamily="18" charset="-128"/>
                   <a:cs typeface="Times New Roman" panose="02020603050405020304" pitchFamily="18" charset="0"/>
@@ -29578,7 +29549,7 @@
                 <a:t>・</a:t>
               </a:r>
               <a:r>
-                <a:rPr lang="en-US" altLang="ja-JP" sz="2000" dirty="0">
+                <a:rPr lang="en-US" altLang="ja-JP" sz="2000">
                   <a:latin typeface="Yu Mincho" panose="02020400000000000000" pitchFamily="18" charset="-128"/>
                   <a:ea typeface="Yu Mincho" panose="02020400000000000000" pitchFamily="18" charset="-128"/>
                   <a:cs typeface="Times New Roman" panose="02020603050405020304" pitchFamily="18" charset="0"/>
@@ -29586,7 +29557,7 @@
                 <a:t>H</a:t>
               </a:r>
               <a:r>
-                <a:rPr lang="en-US" altLang="ja-JP" sz="2000" baseline="-25000" dirty="0">
+                <a:rPr lang="en-US" altLang="ja-JP" sz="2000" baseline="-25000">
                   <a:latin typeface="Yu Mincho" panose="02020400000000000000" pitchFamily="18" charset="-128"/>
                   <a:ea typeface="Yu Mincho" panose="02020400000000000000" pitchFamily="18" charset="-128"/>
                   <a:cs typeface="Times New Roman" panose="02020603050405020304" pitchFamily="18" charset="0"/>
@@ -29594,7 +29565,7 @@
                 <a:t>2</a:t>
               </a:r>
               <a:r>
-                <a:rPr lang="en-US" altLang="ja-JP" sz="2000" dirty="0">
+                <a:rPr lang="en-US" altLang="ja-JP" sz="2000">
                   <a:latin typeface="Yu Mincho" panose="02020400000000000000" pitchFamily="18" charset="-128"/>
                   <a:ea typeface="Yu Mincho" panose="02020400000000000000" pitchFamily="18" charset="-128"/>
                   <a:cs typeface="Times New Roman" panose="02020603050405020304" pitchFamily="18" charset="0"/>
@@ -29908,7 +29879,7 @@
           <a:lstStyle/>
           <a:p>
             <a:r>
-              <a:rPr lang="en-US" altLang="ja-JP" sz="2000" dirty="0"/>
+              <a:rPr lang="en-US" altLang="ja-JP" sz="2000"/>
               <a:t>Ni</a:t>
             </a:r>
             <a:r>
@@ -30373,14 +30344,14 @@
               <a:p>
                 <a:pPr algn="ctr"/>
                 <a:r>
-                  <a:rPr lang="en-US" altLang="ja-JP" sz="825" dirty="0">
+                  <a:rPr lang="en-US" altLang="ja-JP" sz="825">
                     <a:latin typeface="HGSSoeiKakugothicUB" panose="020B0900000000000000" pitchFamily="34" charset="-128"/>
                     <a:ea typeface="HGSSoeiKakugothicUB" panose="020B0900000000000000" pitchFamily="34" charset="-128"/>
                   </a:rPr>
                   <a:t>1-</a:t>
                 </a:r>
                 <a:r>
-                  <a:rPr lang="ja-JP" altLang="en-US" sz="825" dirty="0">
+                  <a:rPr lang="ja-JP" altLang="en-US" sz="825">
                     <a:latin typeface="HGSSoeiKakugothicUB" panose="020B0900000000000000" pitchFamily="34" charset="-128"/>
                     <a:ea typeface="HGSSoeiKakugothicUB" panose="020B0900000000000000" pitchFamily="34" charset="-128"/>
                   </a:rPr>
@@ -31362,7 +31333,7 @@
                       </a:rPr>
                       <a:t>濃縮液をピペットで滴下</a:t>
                     </a:r>
-                    <a:endParaRPr lang="en-US" altLang="ja-JP" sz="1350" b="1" dirty="0">
+                    <a:endParaRPr lang="en-US" altLang="ja-JP" sz="1350" b="1">
                       <a:latin typeface="Hiragino Maru Gothic ProN W4" panose="020F0400000000000000" pitchFamily="34" charset="-128"/>
                       <a:ea typeface="Hiragino Maru Gothic ProN W4" panose="020F0400000000000000" pitchFamily="34" charset="-128"/>
                     </a:endParaRPr>
@@ -31578,7 +31549,7 @@
                               </a:rPr>
                               <a:t>減圧濃縮</a:t>
                             </a:r>
-                            <a:endParaRPr lang="en-US" altLang="ja-JP" sz="1200" b="1" dirty="0">
+                            <a:endParaRPr lang="en-US" altLang="ja-JP" sz="1200" b="1">
                               <a:latin typeface="Hiragino Maru Gothic ProN W4" panose="020F0400000000000000" pitchFamily="34" charset="-128"/>
                               <a:ea typeface="Hiragino Maru Gothic ProN W4" panose="020F0400000000000000" pitchFamily="34" charset="-128"/>
                             </a:endParaRPr>
@@ -31765,7 +31736,7 @@
                     <a:lstStyle/>
                     <a:p>
                       <a:r>
-                        <a:rPr lang="en-US" altLang="ja-JP" sz="1200" b="1" dirty="0">
+                        <a:rPr lang="en-US" altLang="ja-JP" sz="1200" b="1">
                           <a:latin typeface="Hiragino Maru Gothic ProN W4" panose="020F0400000000000000" pitchFamily="34" charset="-128"/>
                           <a:ea typeface="Hiragino Maru Gothic ProN W4" panose="020F0400000000000000" pitchFamily="34" charset="-128"/>
                         </a:rPr>
@@ -31778,7 +31749,7 @@
                         </a:rPr>
                         <a:t>ナノシート分散液</a:t>
                       </a:r>
-                      <a:endParaRPr lang="en-US" altLang="ja-JP" sz="1200" b="1" dirty="0">
+                      <a:endParaRPr lang="en-US" altLang="ja-JP" sz="1200" b="1">
                         <a:latin typeface="Hiragino Maru Gothic ProN W4" panose="020F0400000000000000" pitchFamily="34" charset="-128"/>
                         <a:ea typeface="Hiragino Maru Gothic ProN W4" panose="020F0400000000000000" pitchFamily="34" charset="-128"/>
                       </a:endParaRPr>
@@ -32813,7 +32784,7 @@
                         </a:rPr>
                         <a:t>グラッシーカーボン</a:t>
                       </a:r>
-                      <a:endParaRPr lang="en-US" altLang="ja-JP" sz="1200" b="1" dirty="0">
+                      <a:endParaRPr lang="en-US" altLang="ja-JP" sz="1200" b="1">
                         <a:latin typeface="Hiragino Maru Gothic ProN W4" panose="020F0400000000000000" pitchFamily="34" charset="-128"/>
                         <a:ea typeface="Hiragino Maru Gothic ProN W4" panose="020F0400000000000000" pitchFamily="34" charset="-128"/>
                       </a:endParaRPr>
@@ -32856,7 +32827,7 @@
                         </a:rPr>
                         <a:t>滴下乾燥を</a:t>
                       </a:r>
-                      <a:endParaRPr lang="en-US" altLang="ja-JP" sz="1200" b="1" dirty="0">
+                      <a:endParaRPr lang="en-US" altLang="ja-JP" sz="1200" b="1">
                         <a:latin typeface="Hiragino Maru Gothic ProN W4" panose="020F0400000000000000" pitchFamily="34" charset="-128"/>
                         <a:ea typeface="Hiragino Maru Gothic ProN W4" panose="020F0400000000000000" pitchFamily="34" charset="-128"/>
                       </a:endParaRPr>
@@ -32870,7 +32841,7 @@
                         </a:rPr>
                         <a:t>繰り返す</a:t>
                       </a:r>
-                      <a:endParaRPr lang="en-US" altLang="ja-JP" sz="1200" b="1" dirty="0">
+                      <a:endParaRPr lang="en-US" altLang="ja-JP" sz="1200" b="1">
                         <a:latin typeface="Hiragino Maru Gothic ProN W4" panose="020F0400000000000000" pitchFamily="34" charset="-128"/>
                         <a:ea typeface="Hiragino Maru Gothic ProN W4" panose="020F0400000000000000" pitchFamily="34" charset="-128"/>
                       </a:endParaRPr>
@@ -32938,7 +32909,7 @@
                       </a:rPr>
                       <a:t>キャスト電極</a:t>
                     </a:r>
-                    <a:endParaRPr lang="en-US" altLang="ja-JP" b="1" dirty="0">
+                    <a:endParaRPr lang="en-US" altLang="ja-JP" b="1">
                       <a:solidFill>
                         <a:schemeClr val="tx1"/>
                       </a:solidFill>
@@ -33059,7 +33030,7 @@
               </a:rPr>
               <a:t>グラッシーカーボン電極</a:t>
             </a:r>
-            <a:endParaRPr lang="en-US" altLang="ja-JP" sz="1350" b="1" dirty="0">
+            <a:endParaRPr lang="en-US" altLang="ja-JP" sz="1350" b="1">
               <a:latin typeface="Hiragino Maru Gothic ProN W4" panose="020F0400000000000000" pitchFamily="34" charset="-128"/>
               <a:ea typeface="Hiragino Maru Gothic ProN W4" panose="020F0400000000000000" pitchFamily="34" charset="-128"/>
             </a:endParaRPr>
@@ -33095,7 +33066,7 @@
           <a:lstStyle/>
           <a:p>
             <a:r>
-              <a:rPr lang="en-US" altLang="ja-JP" sz="1200" b="1" dirty="0">
+              <a:rPr lang="en-US" altLang="ja-JP" sz="1200" b="1">
                 <a:latin typeface="Hiragino Maru Gothic ProN W4" panose="020F0400000000000000" pitchFamily="34" charset="-128"/>
                 <a:ea typeface="Hiragino Maru Gothic ProN W4" panose="020F0400000000000000" pitchFamily="34" charset="-128"/>
               </a:rPr>
@@ -33108,7 +33079,7 @@
               </a:rPr>
               <a:t>ブタノールを蒸発</a:t>
             </a:r>
-            <a:endParaRPr lang="en-US" altLang="ja-JP" sz="1200" b="1" dirty="0">
+            <a:endParaRPr lang="en-US" altLang="ja-JP" sz="1200" b="1">
               <a:latin typeface="Hiragino Maru Gothic ProN W4" panose="020F0400000000000000" pitchFamily="34" charset="-128"/>
               <a:ea typeface="Hiragino Maru Gothic ProN W4" panose="020F0400000000000000" pitchFamily="34" charset="-128"/>
             </a:endParaRPr>
@@ -33691,7 +33662,7 @@
                             </a:rPr>
                             <a:t>ケッチェンブラック</a:t>
                           </a:r>
-                          <a:endParaRPr lang="en-US" altLang="ja-JP" sz="1050" b="1" dirty="0">
+                          <a:endParaRPr lang="en-US" altLang="ja-JP" sz="1050" b="1">
                             <a:latin typeface="Hiragino Maru Gothic ProN W4" panose="020F0400000000000000" pitchFamily="34" charset="-128"/>
                             <a:ea typeface="Hiragino Maru Gothic ProN W4" panose="020F0400000000000000" pitchFamily="34" charset="-128"/>
                           </a:endParaRPr>
@@ -33780,7 +33751,7 @@
                             </a:rPr>
                             <a:t>減圧乾燥</a:t>
                           </a:r>
-                          <a:endParaRPr lang="en-US" altLang="ja-JP" sz="1200" b="1" dirty="0">
+                          <a:endParaRPr lang="en-US" altLang="ja-JP" sz="1200" b="1">
                             <a:latin typeface="Hiragino Maru Gothic ProN W4" panose="020F0400000000000000" pitchFamily="34" charset="-128"/>
                             <a:ea typeface="Hiragino Maru Gothic ProN W4" panose="020F0400000000000000" pitchFamily="34" charset="-128"/>
                           </a:endParaRPr>
@@ -33967,7 +33938,7 @@
                   <a:lstStyle/>
                   <a:p>
                     <a:r>
-                      <a:rPr lang="en-US" altLang="ja-JP" sz="1200" b="1" dirty="0">
+                      <a:rPr lang="en-US" altLang="ja-JP" sz="1200" b="1">
                         <a:latin typeface="Hiragino Maru Gothic ProN W4" panose="020F0400000000000000" pitchFamily="34" charset="-128"/>
                         <a:ea typeface="Hiragino Maru Gothic ProN W4" panose="020F0400000000000000" pitchFamily="34" charset="-128"/>
                       </a:rPr>
@@ -33980,7 +33951,7 @@
                       </a:rPr>
                       <a:t>ナノシート分散液</a:t>
                     </a:r>
-                    <a:endParaRPr lang="en-US" altLang="ja-JP" sz="1200" b="1" dirty="0">
+                    <a:endParaRPr lang="en-US" altLang="ja-JP" sz="1200" b="1">
                       <a:latin typeface="Hiragino Maru Gothic ProN W4" panose="020F0400000000000000" pitchFamily="34" charset="-128"/>
                       <a:ea typeface="Hiragino Maru Gothic ProN W4" panose="020F0400000000000000" pitchFamily="34" charset="-128"/>
                     </a:endParaRPr>
@@ -35981,7 +35952,7 @@
                       </a:rPr>
                       <a:t>ナフィオン</a:t>
                     </a:r>
-                    <a:endParaRPr lang="en-US" altLang="ja-JP" sz="1050" b="1" dirty="0">
+                    <a:endParaRPr lang="en-US" altLang="ja-JP" sz="1050" b="1">
                       <a:latin typeface="Hiragino Maru Gothic ProN W4" panose="020F0400000000000000" pitchFamily="34" charset="-128"/>
                       <a:ea typeface="Hiragino Maru Gothic ProN W4" panose="020F0400000000000000" pitchFamily="34" charset="-128"/>
                     </a:endParaRPr>
@@ -35989,7 +35960,7 @@
                   <a:p>
                     <a:pPr algn="ctr"/>
                     <a:r>
-                      <a:rPr lang="en-US" altLang="ja-JP" sz="1050" b="1" dirty="0">
+                      <a:rPr lang="en-US" altLang="ja-JP" sz="1050" b="1">
                         <a:latin typeface="Hiragino Maru Gothic ProN W4" panose="020F0400000000000000" pitchFamily="34" charset="-128"/>
                         <a:ea typeface="Hiragino Maru Gothic ProN W4" panose="020F0400000000000000" pitchFamily="34" charset="-128"/>
                       </a:rPr>
@@ -36005,7 +35976,7 @@
                       </a:rPr>
                       <a:t>セルロース</a:t>
                     </a:r>
-                    <a:endParaRPr lang="en-US" altLang="ja-JP" sz="1050" b="1" dirty="0">
+                    <a:endParaRPr lang="en-US" altLang="ja-JP" sz="1050" b="1">
                       <a:latin typeface="Hiragino Maru Gothic ProN W4" panose="020F0400000000000000" pitchFamily="34" charset="-128"/>
                       <a:ea typeface="Hiragino Maru Gothic ProN W4" panose="020F0400000000000000" pitchFamily="34" charset="-128"/>
                     </a:endParaRPr>
@@ -36174,7 +36145,7 @@
                       </a:rPr>
                       <a:t>カーボンペースト</a:t>
                     </a:r>
-                    <a:endParaRPr lang="en-US" altLang="ja-JP" sz="1200" b="1" dirty="0">
+                    <a:endParaRPr lang="en-US" altLang="ja-JP" sz="1200" b="1">
                       <a:latin typeface="Hiragino Maru Gothic ProN W4" panose="020F0400000000000000" pitchFamily="34" charset="-128"/>
                       <a:ea typeface="Hiragino Maru Gothic ProN W4" panose="020F0400000000000000" pitchFamily="34" charset="-128"/>
                     </a:endParaRPr>
@@ -36241,7 +36212,7 @@
                       </a:rPr>
                       <a:t>カーボンペースト電極</a:t>
                     </a:r>
-                    <a:endParaRPr lang="en-US" altLang="ja-JP" b="1" dirty="0">
+                    <a:endParaRPr lang="en-US" altLang="ja-JP" b="1">
                       <a:solidFill>
                         <a:schemeClr val="tx1"/>
                       </a:solidFill>
@@ -36689,7 +36660,7 @@
               </a:rPr>
               <a:t>カーボンペースト用電極</a:t>
             </a:r>
-            <a:endParaRPr lang="en-US" altLang="ja-JP" sz="1350" b="1" dirty="0">
+            <a:endParaRPr lang="en-US" altLang="ja-JP" sz="1350" b="1">
               <a:latin typeface="Hiragino Maru Gothic ProN W4" panose="020F0400000000000000" pitchFamily="34" charset="-128"/>
               <a:ea typeface="Hiragino Maru Gothic ProN W4" panose="020F0400000000000000" pitchFamily="34" charset="-128"/>
             </a:endParaRPr>
@@ -36733,7 +36704,7 @@
               <a:t>孔径</a:t>
             </a:r>
             <a:r>
-              <a:rPr lang="en-US" altLang="ja-JP" sz="1350" b="1" dirty="0">
+              <a:rPr lang="en-US" altLang="ja-JP" sz="1350" b="1">
                 <a:latin typeface="Hiragino Maru Gothic ProN W4" panose="020F0400000000000000" pitchFamily="34" charset="-128"/>
                 <a:ea typeface="Hiragino Maru Gothic ProN W4" panose="020F0400000000000000" pitchFamily="34" charset="-128"/>
               </a:rPr>
@@ -36746,7 +36717,7 @@
               </a:rPr>
               <a:t>の</a:t>
             </a:r>
-            <a:endParaRPr lang="en-US" altLang="ja-JP" sz="1350" b="1" dirty="0">
+            <a:endParaRPr lang="en-US" altLang="ja-JP" sz="1350" b="1">
               <a:latin typeface="Hiragino Maru Gothic ProN W4" panose="020F0400000000000000" pitchFamily="34" charset="-128"/>
               <a:ea typeface="Hiragino Maru Gothic ProN W4" panose="020F0400000000000000" pitchFamily="34" charset="-128"/>
             </a:endParaRPr>
@@ -36760,7 +36731,7 @@
               </a:rPr>
               <a:t>穴が空いている</a:t>
             </a:r>
-            <a:endParaRPr lang="en-US" altLang="ja-JP" sz="1350" b="1" dirty="0">
+            <a:endParaRPr lang="en-US" altLang="ja-JP" sz="1350" b="1">
               <a:latin typeface="Hiragino Maru Gothic ProN W4" panose="020F0400000000000000" pitchFamily="34" charset="-128"/>
               <a:ea typeface="Hiragino Maru Gothic ProN W4" panose="020F0400000000000000" pitchFamily="34" charset="-128"/>
             </a:endParaRPr>
@@ -36893,7 +36864,7 @@
               </a:rPr>
               <a:t>カーボンペースト電極</a:t>
             </a:r>
-            <a:endParaRPr lang="en-US" altLang="ja-JP" sz="1050" b="1" dirty="0">
+            <a:endParaRPr lang="en-US" altLang="ja-JP" sz="1050" b="1">
               <a:latin typeface="Hiragino Maru Gothic ProN W4" panose="020F0400000000000000" pitchFamily="34" charset="-128"/>
               <a:ea typeface="Hiragino Maru Gothic ProN W4" panose="020F0400000000000000" pitchFamily="34" charset="-128"/>
             </a:endParaRPr>
@@ -36936,7 +36907,7 @@
               </a:rPr>
               <a:t>キャスト電極</a:t>
             </a:r>
-            <a:endParaRPr lang="en-US" altLang="ja-JP" sz="1050" b="1" dirty="0">
+            <a:endParaRPr lang="en-US" altLang="ja-JP" sz="1050" b="1">
               <a:latin typeface="Hiragino Maru Gothic ProN W4" panose="020F0400000000000000" pitchFamily="34" charset="-128"/>
               <a:ea typeface="Hiragino Maru Gothic ProN W4" panose="020F0400000000000000" pitchFamily="34" charset="-128"/>
             </a:endParaRPr>
@@ -37539,7 +37510,7 @@
                   </a:rPr>
                   <a:t>参照極</a:t>
                 </a:r>
-                <a:endParaRPr lang="en-US" altLang="ja-JP" sz="1600" dirty="0">
+                <a:endParaRPr lang="en-US" altLang="ja-JP" sz="1600">
                   <a:latin typeface="Hiragino Maru Gothic ProN W4" panose="020F0400000000000000" pitchFamily="34" charset="-128"/>
                   <a:ea typeface="Hiragino Maru Gothic ProN W4" panose="020F0400000000000000" pitchFamily="34" charset="-128"/>
                 </a:endParaRPr>
@@ -37547,7 +37518,7 @@
               <a:p>
                 <a:pPr algn="ctr"/>
                 <a:r>
-                  <a:rPr lang="en-US" altLang="ja-JP" sz="1600" dirty="0">
+                  <a:rPr lang="en-US" altLang="ja-JP" sz="1600">
                     <a:latin typeface="Times New Roman" panose="02020603050405020304" pitchFamily="18" charset="0"/>
                     <a:ea typeface="Hiragino Maru Gothic ProN W4" panose="020F0400000000000000" pitchFamily="34" charset="-128"/>
                     <a:cs typeface="Times New Roman" panose="02020603050405020304" pitchFamily="18" charset="0"/>
@@ -37561,10 +37532,6 @@
                   </a:rPr>
                   <a:t>電極</a:t>
                 </a:r>
-                <a:endParaRPr lang="ja-JP" altLang="en-US" sz="1600" dirty="0">
-                  <a:latin typeface="Hiragino Maru Gothic ProN W4" panose="020F0400000000000000" pitchFamily="34" charset="-128"/>
-                  <a:ea typeface="Hiragino Maru Gothic ProN W4" panose="020F0400000000000000" pitchFamily="34" charset="-128"/>
-                </a:endParaRPr>
               </a:p>
             </p:txBody>
           </p:sp>
@@ -37615,7 +37582,7 @@
                   </a:rPr>
                   <a:t>対極</a:t>
                 </a:r>
-                <a:endParaRPr lang="en-US" altLang="ja-JP" sz="1600" dirty="0">
+                <a:endParaRPr lang="en-US" altLang="ja-JP" sz="1600">
                   <a:latin typeface="Hiragino Maru Gothic ProN W4" panose="020F0400000000000000" pitchFamily="34" charset="-128"/>
                   <a:ea typeface="Hiragino Maru Gothic ProN W4" panose="020F0400000000000000" pitchFamily="34" charset="-128"/>
                 </a:endParaRPr>
@@ -37627,14 +37594,7 @@
                     <a:latin typeface="Hiragino Maru Gothic ProN W4" panose="020F0400000000000000" pitchFamily="34" charset="-128"/>
                     <a:ea typeface="Hiragino Maru Gothic ProN W4" panose="020F0400000000000000" pitchFamily="34" charset="-128"/>
                   </a:rPr>
-                  <a:t>白金</a:t>
-                </a:r>
-                <a:r>
-                  <a:rPr lang="ja-JP" altLang="en-US" sz="1600" dirty="0">
-                    <a:latin typeface="Hiragino Maru Gothic ProN W4" panose="020F0400000000000000" pitchFamily="34" charset="-128"/>
-                    <a:ea typeface="Hiragino Maru Gothic ProN W4" panose="020F0400000000000000" pitchFamily="34" charset="-128"/>
-                  </a:rPr>
-                  <a:t>線　</a:t>
+                  <a:t>白金線　</a:t>
                 </a:r>
               </a:p>
             </p:txBody>
@@ -37724,7 +37684,7 @@
               <a:p>
                 <a:pPr algn="ctr"/>
                 <a:r>
-                  <a:rPr lang="ja-JP" altLang="en-US" sz="1600" dirty="0">
+                  <a:rPr lang="ja-JP" altLang="en-US" sz="1600">
                     <a:latin typeface="Hiragino Maru Gothic ProN W4" panose="020F0400000000000000" pitchFamily="34" charset="-128"/>
                     <a:ea typeface="Hiragino Maru Gothic ProN W4" panose="020F0400000000000000" pitchFamily="34" charset="-128"/>
                   </a:rPr>
@@ -37789,13 +37749,6 @@
                   </a:rPr>
                   <a:t>電解液</a:t>
                 </a:r>
-                <a:endParaRPr lang="ja-JP" altLang="en-US" sz="1600" dirty="0">
-                  <a:solidFill>
-                    <a:schemeClr val="tx1"/>
-                  </a:solidFill>
-                  <a:latin typeface="Times New Roman" pitchFamily="18" charset="0"/>
-                  <a:cs typeface="Times New Roman" pitchFamily="18" charset="0"/>
-                </a:endParaRPr>
               </a:p>
             </p:txBody>
           </p:sp>
@@ -38505,7 +38458,7 @@
               </a:rPr>
               <a:t>電気化学測定</a:t>
             </a:r>
-            <a:endParaRPr lang="en-US" altLang="ja-JP" sz="2100" dirty="0">
+            <a:endParaRPr lang="en-US" altLang="ja-JP" sz="2100">
               <a:latin typeface="MS Gothic" panose="020B0609070205080204" pitchFamily="49" charset="-128"/>
               <a:ea typeface="MS Gothic" panose="020B0609070205080204" pitchFamily="49" charset="-128"/>
             </a:endParaRPr>
@@ -38547,13 +38500,13 @@
               </a:rPr>
               <a:t>作用極：作製した電極</a:t>
             </a:r>
-            <a:endParaRPr lang="en-US" altLang="ja-JP" dirty="0">
+            <a:endParaRPr lang="en-US" altLang="ja-JP">
               <a:latin typeface="Times New Roman" panose="02020603050405020304" pitchFamily="18" charset="0"/>
               <a:cs typeface="Times New Roman" panose="02020603050405020304" pitchFamily="18" charset="0"/>
             </a:endParaRPr>
           </a:p>
           <a:p>
-            <a:endParaRPr lang="en-US" altLang="ja-JP" dirty="0">
+            <a:endParaRPr lang="en-US" altLang="ja-JP">
               <a:latin typeface="Times New Roman" panose="02020603050405020304" pitchFamily="18" charset="0"/>
               <a:cs typeface="Times New Roman" panose="02020603050405020304" pitchFamily="18" charset="0"/>
             </a:endParaRPr>
@@ -38566,13 +38519,13 @@
               </a:rPr>
               <a:t>対極：白金線</a:t>
             </a:r>
-            <a:endParaRPr lang="en-US" altLang="ja-JP" dirty="0">
+            <a:endParaRPr lang="en-US" altLang="ja-JP">
               <a:latin typeface="Times New Roman" panose="02020603050405020304" pitchFamily="18" charset="0"/>
               <a:cs typeface="Times New Roman" panose="02020603050405020304" pitchFamily="18" charset="0"/>
             </a:endParaRPr>
           </a:p>
           <a:p>
-            <a:endParaRPr lang="en-US" altLang="ja-JP" dirty="0">
+            <a:endParaRPr lang="en-US" altLang="ja-JP">
               <a:latin typeface="Times New Roman" panose="02020603050405020304" pitchFamily="18" charset="0"/>
               <a:cs typeface="Times New Roman" panose="02020603050405020304" pitchFamily="18" charset="0"/>
             </a:endParaRPr>
@@ -38586,7 +38539,7 @@
               <a:t>参照極：</a:t>
             </a:r>
             <a:r>
-              <a:rPr lang="en-US" altLang="ja-JP" dirty="0">
+              <a:rPr lang="en-US" altLang="ja-JP">
                 <a:latin typeface="Times New Roman" panose="02020603050405020304" pitchFamily="18" charset="0"/>
                 <a:cs typeface="Times New Roman" panose="02020603050405020304" pitchFamily="18" charset="0"/>
               </a:rPr>
@@ -38599,13 +38552,13 @@
               </a:rPr>
               <a:t>電極</a:t>
             </a:r>
-            <a:endParaRPr lang="en-US" altLang="ja-JP" dirty="0">
+            <a:endParaRPr lang="en-US" altLang="ja-JP">
               <a:latin typeface="Times New Roman" panose="02020603050405020304" pitchFamily="18" charset="0"/>
               <a:cs typeface="Times New Roman" panose="02020603050405020304" pitchFamily="18" charset="0"/>
             </a:endParaRPr>
           </a:p>
           <a:p>
-            <a:endParaRPr lang="en-US" altLang="ja-JP" dirty="0">
+            <a:endParaRPr lang="en-US" altLang="ja-JP">
               <a:latin typeface="Times New Roman" panose="02020603050405020304" pitchFamily="18" charset="0"/>
               <a:cs typeface="Times New Roman" panose="02020603050405020304" pitchFamily="18" charset="0"/>
             </a:endParaRPr>
@@ -38619,7 +38572,7 @@
               <a:t>電解液：</a:t>
             </a:r>
             <a:r>
-              <a:rPr lang="en-US" altLang="ja-JP" dirty="0">
+              <a:rPr lang="en-US" altLang="ja-JP">
                 <a:latin typeface="Times New Roman" panose="02020603050405020304" pitchFamily="18" charset="0"/>
                 <a:cs typeface="Times New Roman" panose="02020603050405020304" pitchFamily="18" charset="0"/>
               </a:rPr>
@@ -38751,7 +38704,7 @@
               </a:rPr>
               <a:t>三電極法</a:t>
             </a:r>
-            <a:endParaRPr lang="en-US" altLang="ja-JP" sz="2400" b="1" dirty="0">
+            <a:endParaRPr lang="en-US" altLang="ja-JP" sz="2400" b="1">
               <a:solidFill>
                 <a:schemeClr val="tx1"/>
               </a:solidFill>
@@ -38994,7 +38947,7 @@
               </a:rPr>
               <a:t>ニッケル水酸化物ナノシートを用いた</a:t>
             </a:r>
-            <a:endParaRPr lang="en-US" altLang="ja-JP" sz="2400" dirty="0">
+            <a:endParaRPr lang="en-US" altLang="ja-JP" sz="2400">
               <a:latin typeface="HGSSoeiKakugothicUB" panose="020B0900000000000000" pitchFamily="34" charset="-128"/>
               <a:ea typeface="HGSSoeiKakugothicUB" panose="020B0900000000000000" pitchFamily="34" charset="-128"/>
             </a:endParaRPr>
@@ -39103,7 +39056,7 @@
               </a:rPr>
               <a:t>グルコース濃度が増えると</a:t>
             </a:r>
-            <a:endParaRPr lang="en-US" altLang="ja-JP" dirty="0">
+            <a:endParaRPr lang="en-US" altLang="ja-JP">
               <a:latin typeface="Hiragino Maru Gothic ProN W4" panose="020F0400000000000000" pitchFamily="34" charset="-128"/>
               <a:ea typeface="Hiragino Maru Gothic ProN W4" panose="020F0400000000000000" pitchFamily="34" charset="-128"/>
             </a:endParaRPr>
@@ -39117,7 +39070,7 @@
               </a:rPr>
               <a:t>電流量も増加</a:t>
             </a:r>
-            <a:endParaRPr lang="en-US" altLang="ja-JP" dirty="0">
+            <a:endParaRPr lang="en-US" altLang="ja-JP">
               <a:latin typeface="Hiragino Maru Gothic ProN W4" panose="020F0400000000000000" pitchFamily="34" charset="-128"/>
               <a:ea typeface="Hiragino Maru Gothic ProN W4" panose="020F0400000000000000" pitchFamily="34" charset="-128"/>
             </a:endParaRPr>
@@ -39195,7 +39148,7 @@
           <a:p>
             <a:pPr algn="ctr"/>
             <a:r>
-              <a:rPr lang="en-US" altLang="ja-JP" sz="2000" dirty="0">
+              <a:rPr lang="en-US" altLang="ja-JP" sz="2000">
                 <a:solidFill>
                   <a:srgbClr val="000000"/>
                 </a:solidFill>
@@ -39240,7 +39193,7 @@
               </a:rPr>
               <a:t>見られた</a:t>
             </a:r>
-            <a:endParaRPr lang="en-US" altLang="ja-JP" sz="1400" dirty="0">
+            <a:endParaRPr lang="en-US" altLang="ja-JP" sz="1400">
               <a:solidFill>
                 <a:srgbClr val="000000"/>
               </a:solidFill>
@@ -39250,7 +39203,7 @@
             </a:endParaRPr>
           </a:p>
           <a:p>
-            <a:endParaRPr lang="en-US" altLang="ja-JP" sz="1400" dirty="0">
+            <a:endParaRPr lang="en-US" altLang="ja-JP" sz="1400">
               <a:solidFill>
                 <a:srgbClr val="000000"/>
               </a:solidFill>
@@ -39260,7 +39213,7 @@
             </a:endParaRPr>
           </a:p>
           <a:p>
-            <a:endParaRPr lang="en-US" altLang="ja-JP" sz="1400" dirty="0">
+            <a:endParaRPr lang="en-US" altLang="ja-JP" sz="1400">
               <a:solidFill>
                 <a:srgbClr val="000000"/>
               </a:solidFill>
@@ -39270,7 +39223,7 @@
             </a:endParaRPr>
           </a:p>
           <a:p>
-            <a:endParaRPr lang="en-US" altLang="ja-JP" sz="1400" dirty="0">
+            <a:endParaRPr lang="en-US" altLang="ja-JP" sz="1400">
               <a:solidFill>
                 <a:srgbClr val="000000"/>
               </a:solidFill>
@@ -39291,7 +39244,7 @@
               </a:rPr>
               <a:t>この結果をもとに</a:t>
             </a:r>
-            <a:endParaRPr lang="en-US" altLang="ja-JP" sz="1400" dirty="0">
+            <a:endParaRPr lang="en-US" altLang="ja-JP" sz="1400">
               <a:solidFill>
                 <a:srgbClr val="000000"/>
               </a:solidFill>
@@ -39303,7 +39256,7 @@
           <a:p>
             <a:pPr algn="ctr"/>
             <a:r>
-              <a:rPr lang="en-US" altLang="ja-JP" sz="2000" dirty="0">
+              <a:rPr lang="en-US" altLang="ja-JP" sz="2000">
                 <a:solidFill>
                   <a:srgbClr val="FF0000"/>
                 </a:solidFill>
@@ -39314,14 +39267,14 @@
               <a:t>0.6</a:t>
             </a:r>
             <a:r>
-              <a:rPr lang="en-US" altLang="ja-JP" sz="2000" dirty="0">
+              <a:rPr lang="en-US" altLang="ja-JP" sz="2000">
                 <a:latin typeface="Times New Roman" panose="02020603050405020304" pitchFamily="18" charset="0"/>
                 <a:ea typeface="Hiragino Maru Gothic ProN W4" panose="020F0400000000000000" pitchFamily="34" charset="-128"/>
                 <a:cs typeface="Times New Roman" panose="02020603050405020304" pitchFamily="18" charset="0"/>
               </a:rPr>
               <a:t> V vs Ag/AgCl</a:t>
             </a:r>
-            <a:endParaRPr lang="en-US" altLang="ja-JP" sz="2000" dirty="0">
+            <a:endParaRPr lang="en-US" altLang="ja-JP" sz="2000">
               <a:solidFill>
                 <a:srgbClr val="000000"/>
               </a:solidFill>
@@ -39342,7 +39295,7 @@
               </a:rPr>
               <a:t>に印加電圧を設定し</a:t>
             </a:r>
-            <a:endParaRPr lang="en-US" altLang="ja-JP" sz="1400" dirty="0">
+            <a:endParaRPr lang="en-US" altLang="ja-JP" sz="1400">
               <a:solidFill>
                 <a:srgbClr val="000000"/>
               </a:solidFill>
@@ -39363,7 +39316,7 @@
               </a:rPr>
               <a:t>濃度に対する電流密度の</a:t>
             </a:r>
-            <a:endParaRPr lang="en-US" altLang="ja-JP" sz="1400" dirty="0">
+            <a:endParaRPr lang="en-US" altLang="ja-JP" sz="1400">
               <a:solidFill>
                 <a:srgbClr val="000000"/>
               </a:solidFill>
@@ -39384,7 +39337,7 @@
               </a:rPr>
               <a:t>測定を行った</a:t>
             </a:r>
-            <a:endParaRPr lang="en-US" altLang="ja-JP" sz="1400" dirty="0">
+            <a:endParaRPr lang="en-US" altLang="ja-JP" sz="1400">
               <a:solidFill>
                 <a:srgbClr val="000000"/>
               </a:solidFill>
@@ -39424,7 +39377,7 @@
           <a:lstStyle/>
           <a:p>
             <a:r>
-              <a:rPr lang="en-US" altLang="ja-JP" sz="1400" dirty="0">
+              <a:rPr lang="en-US" altLang="ja-JP" sz="1400">
                 <a:solidFill>
                   <a:srgbClr val="00B050"/>
                 </a:solidFill>
@@ -39472,7 +39425,7 @@
           <a:lstStyle/>
           <a:p>
             <a:r>
-              <a:rPr lang="en-US" altLang="ja-JP" sz="1400" dirty="0">
+              <a:rPr lang="en-US" altLang="ja-JP" sz="1400">
                 <a:solidFill>
                   <a:schemeClr val="accent4">
                     <a:lumMod val="75000"/>
@@ -39524,7 +39477,7 @@
           <a:lstStyle/>
           <a:p>
             <a:r>
-              <a:rPr lang="en-US" altLang="ja-JP" sz="1400" dirty="0">
+              <a:rPr lang="en-US" altLang="ja-JP" sz="1400">
                 <a:solidFill>
                   <a:schemeClr val="accent5"/>
                 </a:solidFill>
@@ -39572,7 +39525,7 @@
           <a:lstStyle/>
           <a:p>
             <a:r>
-              <a:rPr lang="en-US" altLang="ja-JP" sz="1400" dirty="0">
+              <a:rPr lang="en-US" altLang="ja-JP" sz="1400">
                 <a:solidFill>
                   <a:srgbClr val="FF0000"/>
                 </a:solidFill>
@@ -39620,7 +39573,7 @@
           <a:lstStyle/>
           <a:p>
             <a:r>
-              <a:rPr lang="en-US" altLang="ja-JP" sz="1400" dirty="0">
+              <a:rPr lang="en-US" altLang="ja-JP" sz="1400">
                 <a:latin typeface="Times New Roman" panose="02020603050405020304" pitchFamily="18" charset="0"/>
                 <a:cs typeface="Times New Roman" panose="02020603050405020304" pitchFamily="18" charset="0"/>
               </a:rPr>
@@ -39669,7 +39622,7 @@
               <a:t>スキャンレート</a:t>
             </a:r>
             <a:r>
-              <a:rPr lang="en-US" altLang="ja-JP" sz="1600" dirty="0">
+              <a:rPr lang="en-US" altLang="ja-JP" sz="1600">
                 <a:latin typeface="Hiragino Maru Gothic Pro W4" panose="020F0400000000000000" pitchFamily="34" charset="-128"/>
                 <a:ea typeface="Hiragino Maru Gothic Pro W4" panose="020F0400000000000000" pitchFamily="34" charset="-128"/>
               </a:rPr>
@@ -39902,7 +39855,7 @@
               </a:rPr>
               <a:t>バインダー：</a:t>
             </a:r>
-            <a:endParaRPr lang="en-US" altLang="ja-JP" dirty="0">
+            <a:endParaRPr lang="en-US" altLang="ja-JP">
               <a:latin typeface="Times New Roman" panose="02020603050405020304" pitchFamily="18" charset="0"/>
               <a:ea typeface="MS Mincho" panose="02020609040205080304" pitchFamily="49" charset="-128"/>
               <a:cs typeface="Times New Roman" panose="02020603050405020304" pitchFamily="18" charset="0"/>
@@ -39917,7 +39870,7 @@
               </a:rPr>
               <a:t>セルロースナノファイバー</a:t>
             </a:r>
-            <a:endParaRPr lang="en-US" altLang="ja-JP" dirty="0">
+            <a:endParaRPr lang="en-US" altLang="ja-JP">
               <a:latin typeface="HGSSoeiKakugothicUB" panose="020B0900000000000000" pitchFamily="34" charset="-128"/>
               <a:ea typeface="HGSSoeiKakugothicUB" panose="020B0900000000000000" pitchFamily="34" charset="-128"/>
               <a:cs typeface="Times New Roman" panose="02020603050405020304" pitchFamily="18" charset="0"/>
@@ -39962,7 +39915,7 @@
               <a:t>同じ量、同じ手法で電極を</a:t>
             </a:r>
             <a:r>
-              <a:rPr lang="en-US" altLang="ja-JP" dirty="0">
+              <a:rPr lang="en-US" altLang="ja-JP">
                 <a:latin typeface="Times New Roman" panose="02020603050405020304" pitchFamily="18" charset="0"/>
                 <a:ea typeface="MS Mincho" panose="02020609040205080304" pitchFamily="49" charset="-128"/>
                 <a:cs typeface="Times New Roman" panose="02020603050405020304" pitchFamily="18" charset="0"/>
@@ -39977,7 +39930,7 @@
               </a:rPr>
               <a:t>つ</a:t>
             </a:r>
-            <a:endParaRPr lang="en-US" altLang="ja-JP" dirty="0">
+            <a:endParaRPr lang="en-US" altLang="ja-JP">
               <a:latin typeface="Times New Roman" panose="02020603050405020304" pitchFamily="18" charset="0"/>
               <a:ea typeface="MS Mincho" panose="02020609040205080304" pitchFamily="49" charset="-128"/>
               <a:cs typeface="Times New Roman" panose="02020603050405020304" pitchFamily="18" charset="0"/>
@@ -39992,7 +39945,7 @@
               </a:rPr>
               <a:t>作製したが再現性に乏しかった。</a:t>
             </a:r>
-            <a:endParaRPr lang="en-US" altLang="ja-JP" dirty="0">
+            <a:endParaRPr lang="en-US" altLang="ja-JP">
               <a:latin typeface="Times New Roman" panose="02020603050405020304" pitchFamily="18" charset="0"/>
               <a:ea typeface="MS Mincho" panose="02020609040205080304" pitchFamily="49" charset="-128"/>
               <a:cs typeface="Times New Roman" panose="02020603050405020304" pitchFamily="18" charset="0"/>
@@ -40163,7 +40116,7 @@
               </a:rPr>
               <a:t>バインダー：</a:t>
             </a:r>
-            <a:endParaRPr lang="en-US" altLang="ja-JP" dirty="0">
+            <a:endParaRPr lang="en-US" altLang="ja-JP">
               <a:latin typeface="Times New Roman" panose="02020603050405020304" pitchFamily="18" charset="0"/>
               <a:ea typeface="MS Mincho" panose="02020609040205080304" pitchFamily="49" charset="-128"/>
               <a:cs typeface="Times New Roman" panose="02020603050405020304" pitchFamily="18" charset="0"/>
@@ -40178,7 +40131,7 @@
               </a:rPr>
               <a:t>ナフィオン</a:t>
             </a:r>
-            <a:endParaRPr lang="en-US" altLang="ja-JP" dirty="0">
+            <a:endParaRPr lang="en-US" altLang="ja-JP">
               <a:latin typeface="HGSSoeiKakugothicUB" panose="020B0900000000000000" pitchFamily="34" charset="-128"/>
               <a:ea typeface="HGSSoeiKakugothicUB" panose="020B0900000000000000" pitchFamily="34" charset="-128"/>
               <a:cs typeface="Times New Roman" panose="02020603050405020304" pitchFamily="18" charset="0"/>

--- a/発表スライド/230217_スライド01.pptx
+++ b/発表スライド/230217_スライド01.pptx
@@ -144,6 +144,7 @@
 <file path=ppt/revisionInfo.xml><?xml version="1.0" encoding="utf-8"?>
 <p1510:revInfo xmlns:a="http://schemas.openxmlformats.org/drawingml/2006/main" xmlns:r="http://schemas.openxmlformats.org/officeDocument/2006/relationships" xmlns:p1510="http://schemas.microsoft.com/office/powerpoint/2015/10/main">
   <p1510:revLst>
+    <p1510:client id="{40A84FF3-5504-8B4D-B5BF-1CC760F89A2B}" v="16" dt="2023-02-17T14:55:42.902"/>
     <p1510:client id="{719BD9EA-3BA9-564D-AA26-5BBF6AD9D466}" v="69" dt="2023-02-17T12:52:46.366"/>
     <p1510:client id="{8E95786B-EB47-214E-8054-B894BBD4E56A}" v="20" dt="2023-02-17T09:03:30.291"/>
     <p1510:client id="{A9446C5A-C51B-544D-A5B5-FE8E56D2ADF1}" v="38" dt="2023-02-17T14:36:46.405"/>
@@ -344,7 +345,7 @@
               <a:t>第 </a:t>
             </a:r>
             <a:r>
-              <a:rPr kumimoji="1" lang="en-US" altLang="ja-JP"/>
+              <a:rPr kumimoji="1" lang="en-US" altLang="ja-JP" dirty="0"/>
               <a:t>2 </a:t>
             </a:r>
             <a:r>
@@ -359,7 +360,7 @@
               <a:t>第 </a:t>
             </a:r>
             <a:r>
-              <a:rPr kumimoji="1" lang="en-US" altLang="ja-JP"/>
+              <a:rPr kumimoji="1" lang="en-US" altLang="ja-JP" dirty="0"/>
               <a:t>3 </a:t>
             </a:r>
             <a:r>
@@ -374,7 +375,7 @@
               <a:t>第 </a:t>
             </a:r>
             <a:r>
-              <a:rPr kumimoji="1" lang="en-US" altLang="ja-JP"/>
+              <a:rPr kumimoji="1" lang="en-US" altLang="ja-JP" dirty="0"/>
               <a:t>4 </a:t>
             </a:r>
             <a:r>
@@ -389,7 +390,7 @@
               <a:t>第 </a:t>
             </a:r>
             <a:r>
-              <a:rPr kumimoji="1" lang="en-US" altLang="ja-JP"/>
+              <a:rPr kumimoji="1" lang="en-US" altLang="ja-JP" dirty="0"/>
               <a:t>5 </a:t>
             </a:r>
             <a:r>
@@ -621,7 +622,7 @@
               <a:rPr kumimoji="1" lang="ja-JP" altLang="en-US"/>
               <a:t>「ニッケル水酸化物ナノシート固定電極によるグルコース酸化の検討」</a:t>
             </a:r>
-            <a:endParaRPr kumimoji="1" lang="en-US" altLang="ja-JP"/>
+            <a:endParaRPr kumimoji="1" lang="en-US" altLang="ja-JP" dirty="0"/>
           </a:p>
           <a:p>
             <a:r>
@@ -725,7 +726,7 @@
               <a:t>ナフィオンでは</a:t>
             </a:r>
             <a:r>
-              <a:rPr lang="en-US" altLang="ja-JP" sz="1600">
+              <a:rPr lang="en-US" altLang="ja-JP" sz="1600" dirty="0">
                 <a:latin typeface="MS Mincho" panose="02020609040205080304" pitchFamily="49" charset="-128"/>
                 <a:ea typeface="MS Mincho" panose="02020609040205080304" pitchFamily="49" charset="-128"/>
                 <a:cs typeface="Times New Roman" panose="02020603050405020304" pitchFamily="18" charset="0"/>
@@ -741,7 +742,7 @@
               <a:t>、</a:t>
             </a:r>
             <a:r>
-              <a:rPr lang="en-US" altLang="ja-JP" sz="1600">
+              <a:rPr lang="en-US" altLang="ja-JP" sz="1600" dirty="0">
                 <a:latin typeface="MS Mincho" panose="02020609040205080304" pitchFamily="49" charset="-128"/>
                 <a:ea typeface="MS Mincho" panose="02020609040205080304" pitchFamily="49" charset="-128"/>
                 <a:cs typeface="Times New Roman" panose="02020603050405020304" pitchFamily="18" charset="0"/>
@@ -757,7 +758,7 @@
               <a:t>、</a:t>
             </a:r>
             <a:r>
-              <a:rPr lang="en-US" altLang="ja-JP" sz="1600">
+              <a:rPr lang="en-US" altLang="ja-JP" sz="1600" dirty="0">
                 <a:latin typeface="MS Mincho" panose="02020609040205080304" pitchFamily="49" charset="-128"/>
                 <a:ea typeface="MS Mincho" panose="02020609040205080304" pitchFamily="49" charset="-128"/>
                 <a:cs typeface="Times New Roman" panose="02020603050405020304" pitchFamily="18" charset="0"/>
@@ -773,7 +774,7 @@
               <a:t>と量を変化させて電極を作成していました。その中でも、ナフィオン</a:t>
             </a:r>
             <a:r>
-              <a:rPr lang="en-US" altLang="ja-JP" sz="1600">
+              <a:rPr lang="en-US" altLang="ja-JP" sz="1600" dirty="0">
                 <a:latin typeface="MS Mincho" panose="02020609040205080304" pitchFamily="49" charset="-128"/>
                 <a:ea typeface="MS Mincho" panose="02020609040205080304" pitchFamily="49" charset="-128"/>
                 <a:cs typeface="Times New Roman" panose="02020603050405020304" pitchFamily="18" charset="0"/>
@@ -789,7 +790,7 @@
               <a:t>が電流密度が高かったため、</a:t>
             </a:r>
             <a:r>
-              <a:rPr lang="en-US" altLang="ja-JP" sz="1600">
+              <a:rPr lang="en-US" altLang="ja-JP" sz="1600" dirty="0">
                 <a:latin typeface="MS Mincho" panose="02020609040205080304" pitchFamily="49" charset="-128"/>
                 <a:ea typeface="MS Mincho" panose="02020609040205080304" pitchFamily="49" charset="-128"/>
                 <a:cs typeface="Times New Roman" panose="02020603050405020304" pitchFamily="18" charset="0"/>
@@ -804,7 +805,7 @@
               </a:rPr>
               <a:t>で繰り返し測定を行いました。</a:t>
             </a:r>
-            <a:endParaRPr kumimoji="1" lang="en-US" altLang="ja-JP" sz="1600">
+            <a:endParaRPr kumimoji="1" lang="en-US" altLang="ja-JP" sz="1600" dirty="0">
               <a:latin typeface="MS Mincho" panose="02020609040205080304" pitchFamily="49" charset="-128"/>
               <a:ea typeface="MS Mincho" panose="02020609040205080304" pitchFamily="49" charset="-128"/>
               <a:cs typeface="Times New Roman" panose="02020603050405020304" pitchFamily="18" charset="0"/>
@@ -923,7 +924,7 @@
               <a:t>先ほどのナフィオン</a:t>
             </a:r>
             <a:r>
-              <a:rPr kumimoji="1" lang="en-US" altLang="ja-JP" sz="1600">
+              <a:rPr kumimoji="1" lang="en-US" altLang="ja-JP" sz="1600" dirty="0">
                 <a:latin typeface="MS Mincho" panose="02020609040205080304" pitchFamily="49" charset="-128"/>
                 <a:ea typeface="MS Mincho" panose="02020609040205080304" pitchFamily="49" charset="-128"/>
                 <a:cs typeface="Times New Roman" panose="02020603050405020304" pitchFamily="18" charset="0"/>
@@ -939,7 +940,7 @@
               <a:t>を使ったカーボンペースト電極で</a:t>
             </a:r>
             <a:r>
-              <a:rPr kumimoji="1" lang="en-US" altLang="ja-JP" sz="1600">
+              <a:rPr kumimoji="1" lang="en-US" altLang="ja-JP" sz="1600" dirty="0">
                 <a:latin typeface="MS Mincho" panose="02020609040205080304" pitchFamily="49" charset="-128"/>
                 <a:ea typeface="MS Mincho" panose="02020609040205080304" pitchFamily="49" charset="-128"/>
                 <a:cs typeface="Times New Roman" panose="02020603050405020304" pitchFamily="18" charset="0"/>
@@ -955,7 +956,7 @@
               <a:t>回の繰り返し測定を行いました。感度を比べてみると、</a:t>
             </a:r>
             <a:r>
-              <a:rPr kumimoji="1" lang="en-US" altLang="ja-JP" sz="1600">
+              <a:rPr kumimoji="1" lang="en-US" altLang="ja-JP" sz="1600" dirty="0">
                 <a:latin typeface="MS Mincho" panose="02020609040205080304" pitchFamily="49" charset="-128"/>
                 <a:ea typeface="MS Mincho" panose="02020609040205080304" pitchFamily="49" charset="-128"/>
                 <a:cs typeface="Times New Roman" panose="02020603050405020304" pitchFamily="18" charset="0"/>
@@ -971,7 +972,7 @@
               <a:t>回目と</a:t>
             </a:r>
             <a:r>
-              <a:rPr kumimoji="1" lang="en-US" altLang="ja-JP" sz="1600">
+              <a:rPr kumimoji="1" lang="en-US" altLang="ja-JP" sz="1600" dirty="0">
                 <a:latin typeface="MS Mincho" panose="02020609040205080304" pitchFamily="49" charset="-128"/>
                 <a:ea typeface="MS Mincho" panose="02020609040205080304" pitchFamily="49" charset="-128"/>
                 <a:cs typeface="Times New Roman" panose="02020603050405020304" pitchFamily="18" charset="0"/>
@@ -987,7 +988,7 @@
               <a:t>回目は、</a:t>
             </a:r>
             <a:r>
-              <a:rPr kumimoji="1" lang="en-US" altLang="ja-JP" sz="1600">
+              <a:rPr kumimoji="1" lang="en-US" altLang="ja-JP" sz="1600" dirty="0">
                 <a:latin typeface="MS Mincho" panose="02020609040205080304" pitchFamily="49" charset="-128"/>
                 <a:ea typeface="MS Mincho" panose="02020609040205080304" pitchFamily="49" charset="-128"/>
                 <a:cs typeface="Times New Roman" panose="02020603050405020304" pitchFamily="18" charset="0"/>
@@ -1002,7 +1003,7 @@
               </a:rPr>
               <a:t>回目に比べて、良好な結果となりました。</a:t>
             </a:r>
-            <a:endParaRPr kumimoji="1" lang="en-US" altLang="ja-JP" sz="1600">
+            <a:endParaRPr kumimoji="1" lang="en-US" altLang="ja-JP" sz="1600" dirty="0">
               <a:latin typeface="MS Mincho" panose="02020609040205080304" pitchFamily="49" charset="-128"/>
               <a:ea typeface="MS Mincho" panose="02020609040205080304" pitchFamily="49" charset="-128"/>
               <a:cs typeface="Times New Roman" panose="02020603050405020304" pitchFamily="18" charset="0"/>
@@ -1035,7 +1036,7 @@
               <a:t>繰り返し測定</a:t>
             </a:r>
             <a:r>
-              <a:rPr kumimoji="1" lang="en-US" altLang="ja-JP" sz="1600">
+              <a:rPr kumimoji="1" lang="en-US" altLang="ja-JP" sz="1600" dirty="0">
                 <a:latin typeface="MS Mincho" panose="02020609040205080304" pitchFamily="49" charset="-128"/>
                 <a:ea typeface="MS Mincho" panose="02020609040205080304" pitchFamily="49" charset="-128"/>
                 <a:cs typeface="Times New Roman" panose="02020603050405020304" pitchFamily="18" charset="0"/>
@@ -1050,7 +1051,7 @@
               </a:rPr>
               <a:t>回目からは感度の低下が見られましたが、これは電極表面のナノシートが一部剥がれ落ちた可能性や、電極表面に電極反応で生成するグルコン酸などが付着し、グルコースとの反応を阻害している可能性などが考えられます。</a:t>
             </a:r>
-            <a:endParaRPr kumimoji="1" lang="en-US" altLang="ja-JP" sz="1600">
+            <a:endParaRPr kumimoji="1" lang="en-US" altLang="ja-JP" sz="1600" dirty="0">
               <a:latin typeface="MS Mincho" panose="02020609040205080304" pitchFamily="49" charset="-128"/>
               <a:ea typeface="MS Mincho" panose="02020609040205080304" pitchFamily="49" charset="-128"/>
               <a:cs typeface="Times New Roman" panose="02020603050405020304" pitchFamily="18" charset="0"/>
@@ -1168,7 +1169,7 @@
               </a:rPr>
               <a:t>結言です。セルロースナノファイバーやナフィオンをバインダーとしてニッケル水酸化物ナノシートを用いた電極はグルコースを添加した際に電流量の増加が見られ、グルコース酸化による電流が確認されました。</a:t>
             </a:r>
-            <a:endParaRPr kumimoji="1" lang="en-US" altLang="ja-JP" sz="1600">
+            <a:endParaRPr kumimoji="1" lang="en-US" altLang="ja-JP" sz="1600" dirty="0">
               <a:latin typeface="MS Mincho" panose="02020609040205080304" pitchFamily="49" charset="-128"/>
               <a:ea typeface="MS Mincho" panose="02020609040205080304" pitchFamily="49" charset="-128"/>
               <a:cs typeface="Times New Roman" panose="02020603050405020304" pitchFamily="18" charset="0"/>
@@ -1228,7 +1229,7 @@
               <a:t>ナフィオン</a:t>
             </a:r>
             <a:r>
-              <a:rPr kumimoji="1" lang="en-US" altLang="ja-JP" sz="1600">
+              <a:rPr kumimoji="1" lang="en-US" altLang="ja-JP" sz="1600" dirty="0">
                 <a:latin typeface="MS Mincho" panose="02020609040205080304" pitchFamily="49" charset="-128"/>
                 <a:ea typeface="MS Mincho" panose="02020609040205080304" pitchFamily="49" charset="-128"/>
                 <a:cs typeface="Times New Roman" panose="02020603050405020304" pitchFamily="18" charset="0"/>
@@ -1236,7 +1237,7 @@
               <a:t>10 </a:t>
             </a:r>
             <a:r>
-              <a:rPr kumimoji="1" lang="el-GR" altLang="ja-JP" sz="1600">
+              <a:rPr kumimoji="1" lang="el-GR" altLang="ja-JP" sz="1600" dirty="0">
                 <a:latin typeface="MS Mincho" panose="02020609040205080304" pitchFamily="49" charset="-128"/>
                 <a:ea typeface="MS Mincho" panose="02020609040205080304" pitchFamily="49" charset="-128"/>
                 <a:cs typeface="Times New Roman" panose="02020603050405020304" pitchFamily="18" charset="0"/>
@@ -1244,7 +1245,7 @@
               <a:t>μ</a:t>
             </a:r>
             <a:r>
-              <a:rPr kumimoji="1" lang="en-US" altLang="ja-JP" sz="1600">
+              <a:rPr kumimoji="1" lang="en-US" altLang="ja-JP" sz="1600" dirty="0">
                 <a:latin typeface="MS Mincho" panose="02020609040205080304" pitchFamily="49" charset="-128"/>
                 <a:ea typeface="MS Mincho" panose="02020609040205080304" pitchFamily="49" charset="-128"/>
                 <a:cs typeface="Times New Roman" panose="02020603050405020304" pitchFamily="18" charset="0"/>
@@ -1259,7 +1260,7 @@
               </a:rPr>
               <a:t>をバインダーとして用いた電極が、本研究内では最も感度が良好でした。複数回測定での安定性は課題ですが、本研究によりニッケル水酸化物ナノシート固定電極によるグルコース酸化が可能であることが示されました。</a:t>
             </a:r>
-            <a:endParaRPr kumimoji="1" lang="en-US" altLang="ja-JP" sz="1600">
+            <a:endParaRPr kumimoji="1" lang="en-US" altLang="ja-JP" sz="1600" dirty="0">
               <a:latin typeface="MS Mincho" panose="02020609040205080304" pitchFamily="49" charset="-128"/>
               <a:ea typeface="MS Mincho" panose="02020609040205080304" pitchFamily="49" charset="-128"/>
               <a:cs typeface="Times New Roman" panose="02020603050405020304" pitchFamily="18" charset="0"/>
@@ -1383,14 +1384,14 @@
               <a:rPr kumimoji="1" lang="ja-JP" altLang="en-US"/>
               <a:t>左から右</a:t>
             </a:r>
-            <a:endParaRPr kumimoji="1" lang="en-US" altLang="ja-JP"/>
+            <a:endParaRPr kumimoji="1" lang="en-US" altLang="ja-JP" dirty="0"/>
           </a:p>
           <a:p>
             <a:r>
               <a:rPr kumimoji="1" lang="ja-JP" altLang="en-US"/>
               <a:t>上から下</a:t>
             </a:r>
-            <a:endParaRPr kumimoji="1" lang="en-US" altLang="ja-JP"/>
+            <a:endParaRPr kumimoji="1" lang="en-US" altLang="ja-JP" dirty="0"/>
           </a:p>
           <a:p>
             <a:endParaRPr kumimoji="1" lang="ja-JP" altLang="en-US"/>
@@ -1490,7 +1491,7 @@
               </a:rPr>
               <a:t>現在、グルコースの定量分析は食品加工や臨床診断、環境モニタリングなど多くの分野で利用されており、酵素を用いない非酵素型グルコース酸化触媒の開発が期待されています。</a:t>
             </a:r>
-            <a:endParaRPr kumimoji="1" lang="en-US" altLang="ja-JP">
+            <a:endParaRPr kumimoji="1" lang="en-US" altLang="ja-JP" dirty="0">
               <a:latin typeface="Times New Roman" panose="02020603050405020304" pitchFamily="18" charset="0"/>
               <a:ea typeface="MS Mincho" panose="02020609040205080304" pitchFamily="49" charset="-128"/>
               <a:cs typeface="Times New Roman" panose="02020603050405020304" pitchFamily="18" charset="0"/>
@@ -1498,7 +1499,7 @@
           </a:p>
           <a:p>
             <a:r>
-              <a:rPr kumimoji="1" lang="en-US" altLang="ja-JP">
+              <a:rPr kumimoji="1" lang="en-US" altLang="ja-JP" dirty="0">
                 <a:latin typeface="Times New Roman" panose="02020603050405020304" pitchFamily="18" charset="0"/>
                 <a:ea typeface="MS Mincho" panose="02020609040205080304" pitchFamily="49" charset="-128"/>
                 <a:cs typeface="Times New Roman" panose="02020603050405020304" pitchFamily="18" charset="0"/>
@@ -1514,7 +1515,7 @@
               <a:t>期待されていない</a:t>
             </a:r>
             <a:r>
-              <a:rPr kumimoji="1" lang="en-US" altLang="ja-JP">
+              <a:rPr kumimoji="1" lang="en-US" altLang="ja-JP" dirty="0">
                 <a:latin typeface="Times New Roman" panose="02020603050405020304" pitchFamily="18" charset="0"/>
                 <a:ea typeface="MS Mincho" panose="02020609040205080304" pitchFamily="49" charset="-128"/>
                 <a:cs typeface="Times New Roman" panose="02020603050405020304" pitchFamily="18" charset="0"/>
@@ -1524,7 +1525,7 @@
           </a:p>
           <a:p>
             <a:r>
-              <a:rPr kumimoji="1" lang="en-US" altLang="ja-JP">
+              <a:rPr kumimoji="1" lang="en-US" altLang="ja-JP" dirty="0">
                 <a:latin typeface="Times New Roman" panose="02020603050405020304" pitchFamily="18" charset="0"/>
                 <a:ea typeface="MS Mincho" panose="02020609040205080304" pitchFamily="49" charset="-128"/>
                 <a:cs typeface="Times New Roman" panose="02020603050405020304" pitchFamily="18" charset="0"/>
@@ -1540,7 +1541,7 @@
               <a:t>銅で反応が見られている</a:t>
             </a:r>
             <a:r>
-              <a:rPr kumimoji="1" lang="en-US" altLang="ja-JP">
+              <a:rPr kumimoji="1" lang="en-US" altLang="ja-JP" dirty="0">
                 <a:latin typeface="Times New Roman" panose="02020603050405020304" pitchFamily="18" charset="0"/>
                 <a:ea typeface="MS Mincho" panose="02020609040205080304" pitchFamily="49" charset="-128"/>
                 <a:cs typeface="Times New Roman" panose="02020603050405020304" pitchFamily="18" charset="0"/>
@@ -1549,7 +1550,7 @@
             </a:r>
           </a:p>
           <a:p>
-            <a:endParaRPr kumimoji="1" lang="en-US" altLang="ja-JP">
+            <a:endParaRPr kumimoji="1" lang="en-US" altLang="ja-JP" dirty="0">
               <a:latin typeface="Times New Roman" panose="02020603050405020304" pitchFamily="18" charset="0"/>
               <a:ea typeface="MS Mincho" panose="02020609040205080304" pitchFamily="49" charset="-128"/>
               <a:cs typeface="Times New Roman" panose="02020603050405020304" pitchFamily="18" charset="0"/>
@@ -1564,7 +1565,7 @@
               </a:rPr>
               <a:t>その中でも、ナノ構造を持たせたニッケル化合物では、グルコースを参加するいくつかの例が報告されており、高い触媒活性を有することが知られています。</a:t>
             </a:r>
-            <a:endParaRPr kumimoji="1" lang="en-US" altLang="ja-JP">
+            <a:endParaRPr kumimoji="1" lang="en-US" altLang="ja-JP" dirty="0">
               <a:latin typeface="Times New Roman" panose="02020603050405020304" pitchFamily="18" charset="0"/>
               <a:ea typeface="MS Mincho" panose="02020609040205080304" pitchFamily="49" charset="-128"/>
               <a:cs typeface="Times New Roman" panose="02020603050405020304" pitchFamily="18" charset="0"/>
@@ -1581,7 +1582,7 @@
               <a:t>本研究室では、以前より層状ニッケル水酸化物を</a:t>
             </a:r>
             <a:r>
-              <a:rPr lang="en-US" altLang="ja-JP" sz="1200">
+              <a:rPr lang="en-US" altLang="ja-JP" sz="1200" dirty="0">
                 <a:effectLst/>
                 <a:latin typeface="Times New Roman" panose="02020603050405020304" pitchFamily="18" charset="0"/>
                 <a:ea typeface="MS Mincho" panose="02020609040205080304" pitchFamily="49" charset="-128"/>
@@ -1704,7 +1705,7 @@
               <a:t>セルロースナノファイバーをバインダーとして同じ量</a:t>
             </a:r>
             <a:r>
-              <a:rPr lang="en-US" altLang="ja-JP" sz="1600" kern="100">
+              <a:rPr lang="en-US" altLang="ja-JP" sz="1600" kern="100" dirty="0">
                 <a:solidFill>
                   <a:srgbClr val="000000"/>
                 </a:solidFill>
@@ -1726,7 +1727,7 @@
               <a:t>、同じ手法でカーボンペースト電極を</a:t>
             </a:r>
             <a:r>
-              <a:rPr lang="en-US" altLang="ja-JP" sz="1600" kern="100">
+              <a:rPr lang="en-US" altLang="ja-JP" sz="1600" kern="100" dirty="0">
                 <a:solidFill>
                   <a:srgbClr val="000000"/>
                 </a:solidFill>
@@ -1747,7 +1748,7 @@
               </a:rPr>
               <a:t>つ作製し、クロノアンペロメトリを測定を行なった。</a:t>
             </a:r>
-            <a:endParaRPr lang="en-US" altLang="ja-JP" sz="1600" kern="100">
+            <a:endParaRPr lang="en-US" altLang="ja-JP" sz="1600" kern="100" dirty="0">
               <a:solidFill>
                 <a:srgbClr val="000000"/>
               </a:solidFill>
@@ -1758,7 +1759,7 @@
           </a:p>
           <a:p>
             <a:pPr algn="just"/>
-            <a:endParaRPr lang="en-US" altLang="ja-JP" sz="1600" kern="100">
+            <a:endParaRPr lang="en-US" altLang="ja-JP" sz="1600" kern="100" dirty="0">
               <a:effectLst/>
               <a:latin typeface="Times New Roman" panose="02020603050405020304" pitchFamily="18" charset="0"/>
               <a:cs typeface="Times New Roman" panose="02020603050405020304" pitchFamily="18" charset="0"/>
@@ -1774,7 +1775,7 @@
               </a:rPr>
               <a:t>二本は高い</a:t>
             </a:r>
-            <a:endParaRPr lang="en-US" altLang="ja-JP" sz="1600" kern="100">
+            <a:endParaRPr lang="en-US" altLang="ja-JP" sz="1600" kern="100" dirty="0">
               <a:effectLst/>
               <a:latin typeface="Times New Roman" panose="02020603050405020304" pitchFamily="18" charset="0"/>
               <a:cs typeface="Times New Roman" panose="02020603050405020304" pitchFamily="18" charset="0"/>
@@ -1790,7 +1791,7 @@
               </a:rPr>
               <a:t>二本は低い</a:t>
             </a:r>
-            <a:endParaRPr lang="en-US" altLang="ja-JP" sz="1600" kern="100">
+            <a:endParaRPr lang="en-US" altLang="ja-JP" sz="1600" kern="100" dirty="0">
               <a:effectLst/>
               <a:latin typeface="Times New Roman" panose="02020603050405020304" pitchFamily="18" charset="0"/>
               <a:cs typeface="Times New Roman" panose="02020603050405020304" pitchFamily="18" charset="0"/>
@@ -1806,7 +1807,7 @@
               </a:rPr>
               <a:t>再現性が</a:t>
             </a:r>
-            <a:endParaRPr lang="en-US" altLang="ja-JP" sz="1600" kern="100">
+            <a:endParaRPr lang="en-US" altLang="ja-JP" sz="1600" kern="100" dirty="0">
               <a:effectLst/>
               <a:latin typeface="Times New Roman" panose="02020603050405020304" pitchFamily="18" charset="0"/>
               <a:cs typeface="Times New Roman" panose="02020603050405020304" pitchFamily="18" charset="0"/>
@@ -1814,7 +1815,7 @@
           </a:p>
           <a:p>
             <a:pPr algn="just"/>
-            <a:endParaRPr lang="en-US" altLang="ja-JP" sz="1600" kern="100">
+            <a:endParaRPr lang="en-US" altLang="ja-JP" sz="1600" kern="100" dirty="0">
               <a:effectLst/>
               <a:latin typeface="Times New Roman" panose="02020603050405020304" pitchFamily="18" charset="0"/>
               <a:cs typeface="Times New Roman" panose="02020603050405020304" pitchFamily="18" charset="0"/>
@@ -1831,7 +1832,7 @@
               <a:t>スライド</a:t>
             </a:r>
             <a:r>
-              <a:rPr lang="en-US" altLang="ja-JP" sz="1600" kern="100">
+              <a:rPr lang="en-US" altLang="ja-JP" sz="1600" kern="100" dirty="0">
                 <a:effectLst/>
                 <a:latin typeface="Times New Roman" panose="02020603050405020304" pitchFamily="18" charset="0"/>
                 <a:cs typeface="Times New Roman" panose="02020603050405020304" pitchFamily="18" charset="0"/>
@@ -1846,7 +1847,7 @@
               </a:rPr>
               <a:t>枚にセルとナフィの図</a:t>
             </a:r>
-            <a:endParaRPr lang="en-US" altLang="ja-JP" sz="1600" kern="100">
+            <a:endParaRPr lang="en-US" altLang="ja-JP" sz="1600" kern="100" dirty="0">
               <a:effectLst/>
               <a:latin typeface="Times New Roman" panose="02020603050405020304" pitchFamily="18" charset="0"/>
               <a:cs typeface="Times New Roman" panose="02020603050405020304" pitchFamily="18" charset="0"/>
@@ -1854,7 +1855,7 @@
           </a:p>
           <a:p>
             <a:pPr algn="just"/>
-            <a:endParaRPr lang="en-US" altLang="ja-JP" sz="1600" kern="100">
+            <a:endParaRPr lang="en-US" altLang="ja-JP" sz="1600" kern="100" dirty="0">
               <a:effectLst/>
               <a:latin typeface="Times New Roman" panose="02020603050405020304" pitchFamily="18" charset="0"/>
               <a:cs typeface="Times New Roman" panose="02020603050405020304" pitchFamily="18" charset="0"/>
@@ -1862,7 +1863,7 @@
           </a:p>
           <a:p>
             <a:pPr algn="just"/>
-            <a:endParaRPr lang="en-US" altLang="ja-JP" sz="1600" kern="100">
+            <a:endParaRPr lang="en-US" altLang="ja-JP" sz="1600" kern="100" dirty="0">
               <a:effectLst/>
               <a:latin typeface="Times New Roman" panose="02020603050405020304" pitchFamily="18" charset="0"/>
               <a:cs typeface="Times New Roman" panose="02020603050405020304" pitchFamily="18" charset="0"/>
@@ -1895,7 +1896,7 @@
               <a:t>電極</a:t>
             </a:r>
             <a:r>
-              <a:rPr lang="en-US" altLang="ja-JP" sz="1600" kern="100">
+              <a:rPr lang="en-US" altLang="ja-JP" sz="1600" kern="100" dirty="0">
                 <a:effectLst/>
                 <a:latin typeface="Times New Roman" panose="02020603050405020304" pitchFamily="18" charset="0"/>
                 <a:cs typeface="Times New Roman" panose="02020603050405020304" pitchFamily="18" charset="0"/>
@@ -1919,7 +1920,7 @@
               <a:t>電極</a:t>
             </a:r>
             <a:r>
-              <a:rPr lang="en-US" altLang="ja-JP" sz="1600" kern="100">
+              <a:rPr lang="en-US" altLang="ja-JP" sz="1600" kern="100" dirty="0">
                 <a:effectLst/>
                 <a:latin typeface="Times New Roman" panose="02020603050405020304" pitchFamily="18" charset="0"/>
                 <a:cs typeface="Times New Roman" panose="02020603050405020304" pitchFamily="18" charset="0"/>
@@ -1935,7 +1936,7 @@
               <a:t>では電流密度が</a:t>
             </a:r>
             <a:r>
-              <a:rPr lang="en-US" altLang="ja-JP" sz="1600" kern="100">
+              <a:rPr lang="en-US" altLang="ja-JP" sz="1600" kern="100" dirty="0">
                 <a:effectLst/>
                 <a:latin typeface="Times New Roman" panose="02020603050405020304" pitchFamily="18" charset="0"/>
                 <a:cs typeface="Times New Roman" panose="02020603050405020304" pitchFamily="18" charset="0"/>
@@ -1943,7 +1944,7 @@
               <a:t>10 mA cm</a:t>
             </a:r>
             <a:r>
-              <a:rPr lang="en-US" altLang="ja-JP" sz="1600" kern="100" baseline="30000">
+              <a:rPr lang="en-US" altLang="ja-JP" sz="1600" kern="100" baseline="30000" dirty="0">
                 <a:effectLst/>
                 <a:latin typeface="Times New Roman" panose="02020603050405020304" pitchFamily="18" charset="0"/>
                 <a:cs typeface="Times New Roman" panose="02020603050405020304" pitchFamily="18" charset="0"/>
@@ -1967,7 +1968,7 @@
               <a:t>電極</a:t>
             </a:r>
             <a:r>
-              <a:rPr lang="en-US" altLang="ja-JP" sz="1600" kern="100">
+              <a:rPr lang="en-US" altLang="ja-JP" sz="1600" kern="100" dirty="0">
                 <a:effectLst/>
                 <a:latin typeface="Times New Roman" panose="02020603050405020304" pitchFamily="18" charset="0"/>
                 <a:cs typeface="Times New Roman" panose="02020603050405020304" pitchFamily="18" charset="0"/>
@@ -1983,7 +1984,7 @@
               <a:t>と電極</a:t>
             </a:r>
             <a:r>
-              <a:rPr lang="en-US" altLang="ja-JP" sz="1600" kern="100">
+              <a:rPr lang="en-US" altLang="ja-JP" sz="1600" kern="100" dirty="0">
                 <a:effectLst/>
                 <a:latin typeface="Times New Roman" panose="02020603050405020304" pitchFamily="18" charset="0"/>
                 <a:cs typeface="Times New Roman" panose="02020603050405020304" pitchFamily="18" charset="0"/>
@@ -1999,7 +2000,7 @@
               <a:t>では電極は</a:t>
             </a:r>
             <a:r>
-              <a:rPr lang="en-US" altLang="ja-JP" sz="1600" kern="100">
+              <a:rPr lang="en-US" altLang="ja-JP" sz="1600" kern="100" dirty="0">
                 <a:effectLst/>
                 <a:latin typeface="Times New Roman" panose="02020603050405020304" pitchFamily="18" charset="0"/>
                 <a:cs typeface="Times New Roman" panose="02020603050405020304" pitchFamily="18" charset="0"/>
@@ -2007,7 +2008,7 @@
               <a:t>0.5 mA cm</a:t>
             </a:r>
             <a:r>
-              <a:rPr lang="en-US" altLang="ja-JP" sz="1600" kern="100" baseline="30000">
+              <a:rPr lang="en-US" altLang="ja-JP" sz="1600" kern="100" baseline="30000" dirty="0">
                 <a:effectLst/>
                 <a:latin typeface="Times New Roman" panose="02020603050405020304" pitchFamily="18" charset="0"/>
                 <a:cs typeface="Times New Roman" panose="02020603050405020304" pitchFamily="18" charset="0"/>
@@ -2046,7 +2047,7 @@
               </a:rPr>
               <a:t>これらの結果から、セルロースナノファイバーをバインダーに用いた電極では、複数回測定が難しく、同じ手法で製作しても再現性に乏しいことが判明した。 </a:t>
             </a:r>
-            <a:endParaRPr lang="en-US" altLang="ja-JP" sz="1600">
+            <a:endParaRPr lang="en-US" altLang="ja-JP" sz="1600" dirty="0">
               <a:effectLst/>
               <a:latin typeface="Times New Roman" panose="02020603050405020304" pitchFamily="18" charset="0"/>
               <a:cs typeface="Times New Roman" panose="02020603050405020304" pitchFamily="18" charset="0"/>
@@ -2070,7 +2071,7 @@
               <a:tabLst/>
               <a:defRPr/>
             </a:pPr>
-            <a:endParaRPr kumimoji="1" lang="en-US" altLang="ja-JP" sz="1600">
+            <a:endParaRPr kumimoji="1" lang="en-US" altLang="ja-JP" sz="1600" dirty="0">
               <a:effectLst/>
               <a:latin typeface="Times New Roman" panose="02020603050405020304" pitchFamily="18" charset="0"/>
               <a:cs typeface="Times New Roman" panose="02020603050405020304" pitchFamily="18" charset="0"/>
@@ -2103,7 +2104,7 @@
               <a:t>写真</a:t>
             </a:r>
             <a:r>
-              <a:rPr kumimoji="1" lang="en-US" altLang="ja-JP" sz="1600">
+              <a:rPr kumimoji="1" lang="en-US" altLang="ja-JP" sz="1600" dirty="0">
                 <a:effectLst/>
                 <a:latin typeface="Times New Roman" panose="02020603050405020304" pitchFamily="18" charset="0"/>
                 <a:cs typeface="Times New Roman" panose="02020603050405020304" pitchFamily="18" charset="0"/>
@@ -2111,7 +2112,7 @@
               <a:t>[https://</a:t>
             </a:r>
             <a:r>
-              <a:rPr kumimoji="1" lang="en-US" altLang="ja-JP" sz="1600" err="1">
+              <a:rPr kumimoji="1" lang="en-US" altLang="ja-JP" sz="1600" dirty="0" err="1">
                 <a:effectLst/>
                 <a:latin typeface="Times New Roman" panose="02020603050405020304" pitchFamily="18" charset="0"/>
                 <a:cs typeface="Times New Roman" panose="02020603050405020304" pitchFamily="18" charset="0"/>
@@ -2119,14 +2120,14 @@
               <a:t>www.e-education.psu.edu</a:t>
             </a:r>
             <a:r>
-              <a:rPr kumimoji="1" lang="en-US" altLang="ja-JP" sz="1600">
+              <a:rPr kumimoji="1" lang="en-US" altLang="ja-JP" sz="1600" dirty="0">
                 <a:effectLst/>
                 <a:latin typeface="Times New Roman" panose="02020603050405020304" pitchFamily="18" charset="0"/>
                 <a:cs typeface="Times New Roman" panose="02020603050405020304" pitchFamily="18" charset="0"/>
               </a:rPr>
               <a:t>/egee439/node/669]</a:t>
             </a:r>
-            <a:endParaRPr kumimoji="1" lang="en-US" altLang="ja-JP" sz="1600">
+            <a:endParaRPr kumimoji="1" lang="en-US" altLang="ja-JP" sz="1600" dirty="0">
               <a:latin typeface="Times New Roman" panose="02020603050405020304" pitchFamily="18" charset="0"/>
               <a:cs typeface="Times New Roman" panose="02020603050405020304" pitchFamily="18" charset="0"/>
             </a:endParaRPr>
@@ -2236,7 +2237,7 @@
               <a:defRPr/>
             </a:pPr>
             <a:r>
-              <a:rPr lang="en-US" altLang="ja-JP" sz="1800">
+              <a:rPr lang="en-US" altLang="ja-JP" sz="1800" dirty="0">
                 <a:effectLst/>
                 <a:latin typeface="Times New Roman" panose="02020603050405020304" pitchFamily="18" charset="0"/>
                 <a:ea typeface="ＭＳ 明朝" panose="02020609040205080304" pitchFamily="49" charset="-128"/>
@@ -2253,7 +2254,7 @@
               <a:t>回目のグルコース滴下後に電流密度が低下し続ける反応が見られた。また、測定</a:t>
             </a:r>
             <a:r>
-              <a:rPr lang="en-US" altLang="ja-JP" sz="1800">
+              <a:rPr lang="en-US" altLang="ja-JP" sz="1800" dirty="0">
                 <a:effectLst/>
                 <a:latin typeface="Times New Roman" panose="02020603050405020304" pitchFamily="18" charset="0"/>
                 <a:ea typeface="ＭＳ 明朝" panose="02020609040205080304" pitchFamily="49" charset="-128"/>
@@ -2270,7 +2271,7 @@
               <a:t>回目以降から測定</a:t>
             </a:r>
             <a:r>
-              <a:rPr lang="en-US" altLang="ja-JP" sz="1800">
+              <a:rPr lang="en-US" altLang="ja-JP" sz="1800" dirty="0">
                 <a:effectLst/>
                 <a:latin typeface="Times New Roman" panose="02020603050405020304" pitchFamily="18" charset="0"/>
                 <a:ea typeface="ＭＳ 明朝" panose="02020609040205080304" pitchFamily="49" charset="-128"/>
@@ -2287,7 +2288,7 @@
               <a:t>回目に比べて電流密度が</a:t>
             </a:r>
             <a:r>
-              <a:rPr lang="en-US" altLang="ja-JP" sz="1800">
+              <a:rPr lang="en-US" altLang="ja-JP" sz="1800" dirty="0">
                 <a:effectLst/>
                 <a:latin typeface="Times New Roman" panose="02020603050405020304" pitchFamily="18" charset="0"/>
                 <a:ea typeface="ＭＳ 明朝" panose="02020609040205080304" pitchFamily="49" charset="-128"/>
@@ -2316,7 +2317,7 @@
               <a:t>また、</a:t>
             </a:r>
             <a:r>
-              <a:rPr lang="en-US" altLang="ja-JP" sz="1800">
+              <a:rPr lang="en-US" altLang="ja-JP" sz="1800" dirty="0">
                 <a:solidFill>
                   <a:srgbClr val="000000"/>
                 </a:solidFill>
@@ -2339,7 +2340,7 @@
               <a:t>回目や</a:t>
             </a:r>
             <a:r>
-              <a:rPr lang="en-US" altLang="ja-JP" sz="1800">
+              <a:rPr lang="en-US" altLang="ja-JP" sz="1800" dirty="0">
                 <a:solidFill>
                   <a:srgbClr val="000000"/>
                 </a:solidFill>
@@ -2362,7 +2363,7 @@
               <a:t>回目での反応と比べて、グルコース滴下</a:t>
             </a:r>
             <a:r>
-              <a:rPr lang="en-US" altLang="ja-JP" sz="1800">
+              <a:rPr lang="en-US" altLang="ja-JP" sz="1800" dirty="0">
                 <a:solidFill>
                   <a:srgbClr val="000000"/>
                 </a:solidFill>
@@ -2385,7 +2386,7 @@
               <a:t>回目と</a:t>
             </a:r>
             <a:r>
-              <a:rPr lang="en-US" altLang="ja-JP" sz="1800">
+              <a:rPr lang="en-US" altLang="ja-JP" sz="1800" dirty="0">
                 <a:solidFill>
                   <a:srgbClr val="000000"/>
                 </a:solidFill>
@@ -2408,7 +2409,7 @@
               <a:t>回目の電流密度の増加の差が大きくなっている。電極洗浄時にミリ</a:t>
             </a:r>
             <a:r>
-              <a:rPr lang="en-US" altLang="ja-JP" sz="1800">
+              <a:rPr lang="en-US" altLang="ja-JP" sz="1800" dirty="0">
                 <a:solidFill>
                   <a:srgbClr val="000000"/>
                 </a:solidFill>
@@ -2431,7 +2432,7 @@
               <a:t>水で電極表面にグルコースから酸化して生成されるグルコン酸など付着していた物質が洗い流されたためと考える。滴下</a:t>
             </a:r>
             <a:r>
-              <a:rPr lang="en-US" altLang="ja-JP" sz="1800">
+              <a:rPr lang="en-US" altLang="ja-JP" sz="1800" dirty="0">
                 <a:solidFill>
                   <a:srgbClr val="000000"/>
                 </a:solidFill>
@@ -2459,7 +2460,7 @@
               </a:rPr>
               <a:t> </a:t>
             </a:r>
-            <a:endParaRPr kumimoji="1" lang="en-US" altLang="ja-JP"/>
+            <a:endParaRPr kumimoji="1" lang="en-US" altLang="ja-JP" dirty="0"/>
           </a:p>
         </p:txBody>
       </p:sp>
@@ -2587,7 +2588,7 @@
               <a:t>グルコース滴下後に電流密度が低下し続ける反応は見られなかった。測定</a:t>
             </a:r>
             <a:r>
-              <a:rPr lang="en-US" altLang="ja-JP" sz="1800">
+              <a:rPr lang="en-US" altLang="ja-JP" sz="1800" dirty="0">
                 <a:effectLst/>
                 <a:latin typeface="Times New Roman" panose="02020603050405020304" pitchFamily="18" charset="0"/>
                 <a:ea typeface="ＭＳ 明朝" panose="02020609040205080304" pitchFamily="49" charset="-128"/>
@@ -2604,7 +2605,7 @@
               <a:t>回目の線形範囲は、複数回測定の中では一番広いが、感度は一番低い結果となった。測定回数</a:t>
             </a:r>
             <a:r>
-              <a:rPr lang="en-US" altLang="ja-JP" sz="1800">
+              <a:rPr lang="en-US" altLang="ja-JP" sz="1800" dirty="0">
                 <a:effectLst/>
                 <a:latin typeface="Times New Roman" panose="02020603050405020304" pitchFamily="18" charset="0"/>
                 <a:ea typeface="ＭＳ 明朝" panose="02020609040205080304" pitchFamily="49" charset="-128"/>
@@ -2621,7 +2622,7 @@
               <a:t>回目が</a:t>
             </a:r>
             <a:r>
-              <a:rPr lang="en-US" altLang="ja-JP" sz="1800">
+              <a:rPr lang="en-US" altLang="ja-JP" sz="1800" dirty="0">
                 <a:effectLst/>
                 <a:latin typeface="Times New Roman" panose="02020603050405020304" pitchFamily="18" charset="0"/>
                 <a:ea typeface="ＭＳ 明朝" panose="02020609040205080304" pitchFamily="49" charset="-128"/>
@@ -2638,7 +2639,7 @@
               <a:t>回目に比べて感度がわずかに高かったが、</a:t>
             </a:r>
             <a:r>
-              <a:rPr lang="en-US" altLang="ja-JP" sz="1800">
+              <a:rPr lang="en-US" altLang="ja-JP" sz="1800" dirty="0">
                 <a:effectLst/>
                 <a:latin typeface="Times New Roman" panose="02020603050405020304" pitchFamily="18" charset="0"/>
                 <a:ea typeface="ＭＳ 明朝" panose="02020609040205080304" pitchFamily="49" charset="-128"/>
@@ -2660,7 +2661,7 @@
               </a:rPr>
               <a:t> </a:t>
             </a:r>
-            <a:endParaRPr kumimoji="1" lang="en-US" altLang="ja-JP"/>
+            <a:endParaRPr kumimoji="1" lang="en-US" altLang="ja-JP" dirty="0"/>
           </a:p>
         </p:txBody>
       </p:sp>
@@ -2767,7 +2768,7 @@
               </a:rPr>
               <a:t>実験手順です。</a:t>
             </a:r>
-            <a:endParaRPr lang="en-US" altLang="ja-JP" sz="1800" kern="100">
+            <a:endParaRPr lang="en-US" altLang="ja-JP" sz="1800" kern="100" dirty="0">
               <a:solidFill>
                 <a:srgbClr val="000000"/>
               </a:solidFill>
@@ -2801,7 +2802,7 @@
               </a:rPr>
               <a:t>まず、ニッケル水酸化物ナノシートの合成を行います。</a:t>
             </a:r>
-            <a:endParaRPr lang="en-US" altLang="ja-JP" sz="1800" kern="100">
+            <a:endParaRPr lang="en-US" altLang="ja-JP" sz="1800" kern="100" dirty="0">
               <a:solidFill>
                 <a:srgbClr val="000000"/>
               </a:solidFill>
@@ -2836,7 +2837,7 @@
               <a:t>はじめに、酢酸ニッケル四水和物にエタノールと水を順番に加え、</a:t>
             </a:r>
             <a:r>
-              <a:rPr lang="en-US" altLang="ja-JP" sz="1800" kern="100">
+              <a:rPr lang="en-US" altLang="ja-JP" sz="1800" kern="100" dirty="0">
                 <a:solidFill>
                   <a:srgbClr val="000000"/>
                 </a:solidFill>
@@ -2869,7 +2870,7 @@
               </a:rPr>
               <a:t>度で加熱還流を行い遠心分離により、層状水酸化物である塩基性酢酸ニッケル塩の合成を行いました。</a:t>
             </a:r>
-            <a:endParaRPr lang="en-US" altLang="ja-JP" sz="1800" kern="100">
+            <a:endParaRPr lang="en-US" altLang="ja-JP" sz="1800" kern="100" dirty="0">
               <a:solidFill>
                 <a:srgbClr val="000000"/>
               </a:solidFill>
@@ -2886,7 +2887,7 @@
           </a:p>
           <a:p>
             <a:pPr algn="just"/>
-            <a:endParaRPr lang="en-US" altLang="ja-JP" sz="1800" kern="100">
+            <a:endParaRPr lang="en-US" altLang="ja-JP" sz="1800" kern="100" dirty="0">
               <a:solidFill>
                 <a:srgbClr val="000000"/>
               </a:solidFill>
@@ -2920,7 +2921,7 @@
               </a:rPr>
               <a:t>次に、先ほど合成した塩基性酢酸ニッケル塩をドデシルベンゼンスルホン酸ナトリウムを溶かした水溶液中にて一晩放置し、塩基性酢酸ニッケル塩の酢酸部分をドデシルベンゼンスルホン酸にイオン交換させ、層状化合物の層間を拡大させました。</a:t>
             </a:r>
-            <a:endParaRPr lang="en-US" altLang="ja-JP" sz="1800" kern="100">
+            <a:endParaRPr lang="en-US" altLang="ja-JP" sz="1800" kern="100" dirty="0">
               <a:solidFill>
                 <a:srgbClr val="000000"/>
               </a:solidFill>
@@ -3024,7 +3025,7 @@
           </a:bodyPr>
           <a:lstStyle/>
           <a:p>
-            <a:endParaRPr kumimoji="1" lang="ja-JP" altLang="en-US"/>
+            <a:endParaRPr kumimoji="1" lang="ja-JP" altLang="en-US" dirty="0"/>
           </a:p>
         </p:txBody>
       </p:sp>
@@ -3128,7 +3129,7 @@
               <a:t>本研究室では、銅、ニッケル、コバルトの水酸化物を</a:t>
             </a:r>
             <a:r>
-              <a:rPr lang="en-US" altLang="ja-JP" sz="1800" kern="100">
+              <a:rPr lang="en-US" altLang="ja-JP" sz="1800" kern="100" dirty="0">
                 <a:solidFill>
                   <a:srgbClr val="000000"/>
                 </a:solidFill>
@@ -3161,7 +3162,7 @@
               </a:rPr>
               <a:t>ブタノール中で単層剥離することによりナノシートが生成したことを報告しています。</a:t>
             </a:r>
-            <a:endParaRPr lang="en-US" altLang="ja-JP" sz="1800" kern="100">
+            <a:endParaRPr lang="en-US" altLang="ja-JP" sz="1800" kern="100" dirty="0">
               <a:solidFill>
                 <a:srgbClr val="000000"/>
               </a:solidFill>
@@ -3193,9 +3194,9 @@
                 <a:ea typeface="MS Mincho" panose="02020609040205080304" pitchFamily="49" charset="-128"/>
                 <a:cs typeface="游明朝" panose="02020400000000000000" pitchFamily="18" charset="-128"/>
               </a:rPr>
-              <a:t>また、銅水酸化物ナノシートではグルコースの酸化が確認されています。一方のニッケル水酸化物の異なるナノ構造でもグルコースの酸化についていくつかの例が報告されています。</a:t>
-            </a:r>
-            <a:endParaRPr lang="en-US" altLang="ja-JP" sz="1800" kern="100">
+              <a:t>また、銅水酸化物ナノシートではグルコースの酸化が確認されています。一方のニッケル水酸化物ナノ構造ではナノフレーク構造やナノチェーン構造などグルコースの酸化についていくつかの例が報告されています。</a:t>
+            </a:r>
+            <a:endParaRPr lang="en-US" altLang="ja-JP" sz="1800" kern="100" dirty="0">
               <a:solidFill>
                 <a:srgbClr val="000000"/>
               </a:solidFill>
@@ -3229,7 +3230,7 @@
               </a:rPr>
               <a:t>このことから、ニッケル水酸化ナノシートでもグルコースの酸化が可能であると考え、本研究ではニッケル水酸化物ナノシート固定電極を作製し、電気化学的なグルコース酸化の検討を行いました。</a:t>
             </a:r>
-            <a:endParaRPr lang="en-US" altLang="ja-JP" sz="1800" kern="100">
+            <a:endParaRPr lang="en-US" altLang="ja-JP" sz="1800" kern="100" dirty="0">
               <a:solidFill>
                 <a:srgbClr val="000000"/>
               </a:solidFill>
@@ -3360,7 +3361,7 @@
               <a:t>ナフィオンをバインダーとしてそれぞれ</a:t>
             </a:r>
             <a:r>
-              <a:rPr lang="en-US" altLang="ja-JP" sz="1600" kern="100">
+              <a:rPr lang="en-US" altLang="ja-JP" sz="1600" kern="100" dirty="0">
                 <a:solidFill>
                   <a:srgbClr val="000000"/>
                 </a:solidFill>
@@ -3382,7 +3383,7 @@
               <a:t>カーボンペースト電極を</a:t>
             </a:r>
             <a:r>
-              <a:rPr lang="en-US" altLang="ja-JP" sz="1600" kern="100">
+              <a:rPr lang="en-US" altLang="ja-JP" sz="1600" kern="100" dirty="0">
                 <a:solidFill>
                   <a:srgbClr val="000000"/>
                 </a:solidFill>
@@ -3403,7 +3404,7 @@
               </a:rPr>
               <a:t>つ作製し、クロノアンペロメトリを測定を行なった。</a:t>
             </a:r>
-            <a:endParaRPr lang="en-US" altLang="ja-JP" sz="1600" kern="100">
+            <a:endParaRPr lang="en-US" altLang="ja-JP" sz="1600" kern="100" dirty="0">
               <a:solidFill>
                 <a:srgbClr val="000000"/>
               </a:solidFill>
@@ -3431,7 +3432,7 @@
               <a:defRPr/>
             </a:pPr>
             <a:r>
-              <a:rPr lang="en-US" altLang="ja-JP" sz="1600" kern="100">
+              <a:rPr lang="en-US" altLang="ja-JP" sz="1600" kern="100" dirty="0">
                 <a:solidFill>
                   <a:srgbClr val="000000"/>
                 </a:solidFill>
@@ -3453,7 +3454,7 @@
               <a:t>量はおいとく</a:t>
             </a:r>
             <a:r>
-              <a:rPr lang="en-US" altLang="ja-JP" sz="1600" kern="100">
+              <a:rPr lang="en-US" altLang="ja-JP" sz="1600" kern="100" dirty="0">
                 <a:solidFill>
                   <a:srgbClr val="000000"/>
                 </a:solidFill>
@@ -3493,7 +3494,7 @@
               </a:rPr>
               <a:t>高い時と低い時がセルロースに比べると</a:t>
             </a:r>
-            <a:endParaRPr lang="en-US" altLang="ja-JP" sz="1600">
+            <a:endParaRPr lang="en-US" altLang="ja-JP" sz="1600" dirty="0">
               <a:effectLst/>
               <a:latin typeface="Times New Roman" panose="02020603050405020304" pitchFamily="18" charset="0"/>
               <a:cs typeface="Times New Roman" panose="02020603050405020304" pitchFamily="18" charset="0"/>
@@ -3517,7 +3518,7 @@
               <a:tabLst/>
               <a:defRPr/>
             </a:pPr>
-            <a:endParaRPr lang="en-US" altLang="ja-JP" sz="1600">
+            <a:endParaRPr lang="en-US" altLang="ja-JP" sz="1600" dirty="0">
               <a:effectLst/>
               <a:latin typeface="Times New Roman" panose="02020603050405020304" pitchFamily="18" charset="0"/>
               <a:cs typeface="Times New Roman" panose="02020603050405020304" pitchFamily="18" charset="0"/>
@@ -3550,7 +3551,7 @@
               <a:t>グルコースに対して反応し電流を流すことは確認できた。</a:t>
             </a:r>
             <a:r>
-              <a:rPr lang="en-US" altLang="ja-JP" sz="1600">
+              <a:rPr lang="en-US" altLang="ja-JP" sz="1600" dirty="0">
                 <a:solidFill>
                   <a:srgbClr val="000000"/>
                 </a:solidFill>
@@ -3572,7 +3573,7 @@
               <a:t>電極</a:t>
             </a:r>
             <a:r>
-              <a:rPr lang="en-US" altLang="ja-JP" sz="1600">
+              <a:rPr lang="en-US" altLang="ja-JP" sz="1600" dirty="0">
                 <a:solidFill>
                   <a:srgbClr val="000000"/>
                 </a:solidFill>
@@ -3594,7 +3595,7 @@
               <a:t>では、グルコースが</a:t>
             </a:r>
             <a:r>
-              <a:rPr lang="en-US" altLang="ja-JP" sz="1600">
+              <a:rPr lang="en-US" altLang="ja-JP" sz="1600" dirty="0">
                 <a:solidFill>
                   <a:srgbClr val="000000"/>
                 </a:solidFill>
@@ -3624,7 +3625,7 @@
               <a:t>ナフィオン溶液を用いた電極はセルロースナノファイバーを用いた電極より濃度に対する電流増加量</a:t>
             </a:r>
             <a:r>
-              <a:rPr lang="en-US" altLang="ja-JP" sz="1600">
+              <a:rPr lang="en-US" altLang="ja-JP" sz="1600" dirty="0">
                 <a:effectLst/>
                 <a:latin typeface="Times New Roman" panose="02020603050405020304" pitchFamily="18" charset="0"/>
                 <a:cs typeface="Times New Roman" panose="02020603050405020304" pitchFamily="18" charset="0"/>
@@ -3640,7 +3641,7 @@
               <a:t>感度</a:t>
             </a:r>
             <a:r>
-              <a:rPr lang="en-US" altLang="ja-JP" sz="1600">
+              <a:rPr lang="en-US" altLang="ja-JP" sz="1600" dirty="0">
                 <a:effectLst/>
                 <a:latin typeface="Times New Roman" panose="02020603050405020304" pitchFamily="18" charset="0"/>
                 <a:cs typeface="Times New Roman" panose="02020603050405020304" pitchFamily="18" charset="0"/>
@@ -3655,7 +3656,7 @@
               </a:rPr>
               <a:t>が大きく、電流密度が低い電極は無かった。結果として、ナフィオンは再現性が乏しいとは言えない電極であった。 </a:t>
             </a:r>
-            <a:endParaRPr lang="en-US" altLang="ja-JP" sz="1600">
+            <a:endParaRPr lang="en-US" altLang="ja-JP" sz="1600" dirty="0">
               <a:effectLst/>
               <a:latin typeface="Times New Roman" panose="02020603050405020304" pitchFamily="18" charset="0"/>
               <a:cs typeface="Times New Roman" panose="02020603050405020304" pitchFamily="18" charset="0"/>
@@ -3679,7 +3680,7 @@
               <a:tabLst/>
               <a:defRPr/>
             </a:pPr>
-            <a:endParaRPr kumimoji="1" lang="en-US" altLang="ja-JP" sz="1600">
+            <a:endParaRPr kumimoji="1" lang="en-US" altLang="ja-JP" sz="1600" dirty="0">
               <a:effectLst/>
               <a:latin typeface="Times New Roman" panose="02020603050405020304" pitchFamily="18" charset="0"/>
               <a:cs typeface="Times New Roman" panose="02020603050405020304" pitchFamily="18" charset="0"/>
@@ -3711,35 +3712,35 @@
               <a:t>写真</a:t>
             </a:r>
             <a:r>
-              <a:rPr kumimoji="1" lang="en-US" altLang="ja-JP" sz="1600">
+              <a:rPr kumimoji="1" lang="en-US" altLang="ja-JP" sz="1600" dirty="0">
                 <a:latin typeface="Times New Roman" panose="02020603050405020304" pitchFamily="18" charset="0"/>
                 <a:cs typeface="Times New Roman" panose="02020603050405020304" pitchFamily="18" charset="0"/>
               </a:rPr>
               <a:t>[https://</a:t>
             </a:r>
             <a:r>
-              <a:rPr kumimoji="1" lang="en-US" altLang="ja-JP" sz="1600" err="1">
+              <a:rPr kumimoji="1" lang="en-US" altLang="ja-JP" sz="1600" dirty="0" err="1">
                 <a:latin typeface="Times New Roman" panose="02020603050405020304" pitchFamily="18" charset="0"/>
                 <a:cs typeface="Times New Roman" panose="02020603050405020304" pitchFamily="18" charset="0"/>
               </a:rPr>
               <a:t>www.sigmaaldrich.com</a:t>
             </a:r>
             <a:r>
-              <a:rPr kumimoji="1" lang="en-US" altLang="ja-JP" sz="1600">
+              <a:rPr kumimoji="1" lang="en-US" altLang="ja-JP" sz="1600" dirty="0">
                 <a:latin typeface="Times New Roman" panose="02020603050405020304" pitchFamily="18" charset="0"/>
                 <a:cs typeface="Times New Roman" panose="02020603050405020304" pitchFamily="18" charset="0"/>
               </a:rPr>
               <a:t>/JP/ja/product/</a:t>
             </a:r>
             <a:r>
-              <a:rPr kumimoji="1" lang="en-US" altLang="ja-JP" sz="1600" err="1">
+              <a:rPr kumimoji="1" lang="en-US" altLang="ja-JP" sz="1600" dirty="0" err="1">
                 <a:latin typeface="Times New Roman" panose="02020603050405020304" pitchFamily="18" charset="0"/>
                 <a:cs typeface="Times New Roman" panose="02020603050405020304" pitchFamily="18" charset="0"/>
               </a:rPr>
               <a:t>aldrich</a:t>
             </a:r>
             <a:r>
-              <a:rPr kumimoji="1" lang="en-US" altLang="ja-JP" sz="1600">
+              <a:rPr kumimoji="1" lang="en-US" altLang="ja-JP" sz="1600" dirty="0">
                 <a:latin typeface="Times New Roman" panose="02020603050405020304" pitchFamily="18" charset="0"/>
                 <a:cs typeface="Times New Roman" panose="02020603050405020304" pitchFamily="18" charset="0"/>
               </a:rPr>
@@ -3862,7 +3863,7 @@
               <a:t>セルロースナノファイバーをバインダーに用いた電極の中で、線形範囲と感度がもっとも良好であった</a:t>
             </a:r>
             <a:r>
-              <a:rPr lang="en-US" altLang="ja-JP" sz="1600">
+              <a:rPr lang="en-US" altLang="ja-JP" sz="1600" dirty="0">
                 <a:solidFill>
                   <a:srgbClr val="000000"/>
                 </a:solidFill>
@@ -3884,7 +3885,7 @@
               <a:t>電極とナフィオンをバインダーに用いた電極の中で、感度が最も良好であった</a:t>
             </a:r>
             <a:r>
-              <a:rPr lang="en-US" altLang="ja-JP" sz="1600">
+              <a:rPr lang="en-US" altLang="ja-JP" sz="1600" dirty="0">
                 <a:solidFill>
                   <a:srgbClr val="000000"/>
                 </a:solidFill>
@@ -3914,7 +3915,7 @@
               <a:t>線形範囲と感度と共にナフィオンの方がセルロースナノファイバーより良好であった。</a:t>
             </a:r>
             <a:r>
-              <a:rPr lang="en-US" altLang="ja-JP" sz="1600">
+              <a:rPr lang="en-US" altLang="ja-JP" sz="1600" dirty="0">
                 <a:effectLst/>
                 <a:latin typeface="Times New Roman" panose="02020603050405020304" pitchFamily="18" charset="0"/>
                 <a:cs typeface="Times New Roman" panose="02020603050405020304" pitchFamily="18" charset="0"/>
@@ -3952,7 +3953,7 @@
               <a:tabLst/>
               <a:defRPr/>
             </a:pPr>
-            <a:endParaRPr kumimoji="1" lang="en-US" altLang="ja-JP" sz="1600">
+            <a:endParaRPr kumimoji="1" lang="en-US" altLang="ja-JP" sz="1600" dirty="0">
               <a:latin typeface="Times New Roman" panose="02020603050405020304" pitchFamily="18" charset="0"/>
               <a:cs typeface="Times New Roman" panose="02020603050405020304" pitchFamily="18" charset="0"/>
             </a:endParaRPr>
@@ -4064,18 +4065,18 @@
               <a:defRPr/>
             </a:pPr>
             <a:r>
-              <a:rPr kumimoji="1" lang="ja-JP" altLang="en-US" sz="1050" b="0"/>
+              <a:rPr kumimoji="1" lang="ja-JP" altLang="en-US" sz="1050" b="0" dirty="0"/>
               <a:t>これが、ドデシルベンゼンスルホン酸ナトリウムで、このドデシルベンゼンスルホン酸基を以降</a:t>
             </a:r>
             <a:r>
-              <a:rPr kumimoji="1" lang="en-US" altLang="ja-JP" sz="1050" b="0"/>
+              <a:rPr kumimoji="1" lang="en-US" altLang="ja-JP" sz="1050" b="0" dirty="0"/>
               <a:t>DBS</a:t>
             </a:r>
             <a:r>
-              <a:rPr kumimoji="1" lang="ja-JP" altLang="en-US" sz="1050" b="0"/>
+              <a:rPr kumimoji="1" lang="ja-JP" altLang="en-US" sz="1050" b="0" dirty="0"/>
               <a:t>と略します。</a:t>
             </a:r>
-            <a:endParaRPr kumimoji="1" lang="en-US" altLang="ja-JP" sz="1050" b="0"/>
+            <a:endParaRPr kumimoji="1" lang="en-US" altLang="ja-JP" sz="1050" b="0" dirty="0"/>
           </a:p>
           <a:p>
             <a:pPr marL="0" marR="0" lvl="0" indent="0" algn="l" defTabSz="914400" rtl="0" eaLnBrk="1" fontAlgn="auto" latinLnBrk="0" hangingPunct="1">
@@ -4095,7 +4096,7 @@
               <a:tabLst/>
               <a:defRPr/>
             </a:pPr>
-            <a:endParaRPr lang="en-US" altLang="ja-JP" sz="1050" kern="100">
+            <a:endParaRPr lang="en-US" altLang="ja-JP" sz="1050" kern="100" dirty="0">
               <a:solidFill>
                 <a:srgbClr val="000000"/>
               </a:solidFill>
@@ -4166,7 +4167,7 @@
               </a:rPr>
               <a:t>をドデシルベンゼンスルホン酸ナトリウムを溶かした水溶液中にて一晩放置し、酢酸イオンをドデシルベンゼンスルホン酸イオンに交換し、単層剥離できる層状水酸化物を得ることができました。</a:t>
             </a:r>
-            <a:endParaRPr lang="en-US" altLang="ja-JP" sz="1050" kern="100">
+            <a:endParaRPr lang="en-US" altLang="ja-JP" sz="1050" kern="100" dirty="0">
               <a:solidFill>
                 <a:srgbClr val="000000"/>
               </a:solidFill>
@@ -4199,7 +4200,7 @@
               <a:tabLst/>
               <a:defRPr/>
             </a:pPr>
-            <a:endParaRPr lang="en-US" altLang="ja-JP" sz="1050" kern="100">
+            <a:endParaRPr lang="en-US" altLang="ja-JP" sz="1050" kern="100" dirty="0">
               <a:solidFill>
                 <a:srgbClr val="000000"/>
               </a:solidFill>
@@ -4250,7 +4251,7 @@
               <a:t>下</a:t>
             </a:r>
             <a:r>
-              <a:rPr lang="en-US" altLang="ja-JP" sz="1050" kern="100">
+              <a:rPr lang="en-US" altLang="ja-JP" sz="1050" kern="100" dirty="0">
                 <a:solidFill>
                   <a:srgbClr val="000000"/>
                 </a:solidFill>
@@ -4284,7 +4285,7 @@
               <a:t>つの図はそれぞれ</a:t>
             </a:r>
             <a:r>
-              <a:rPr lang="en-US" altLang="ja-JP" sz="1050" kern="100">
+              <a:rPr lang="en-US" altLang="ja-JP" sz="1050" kern="100" dirty="0">
                 <a:solidFill>
                   <a:srgbClr val="000000"/>
                 </a:solidFill>
@@ -4317,7 +4318,7 @@
               </a:rPr>
               <a:t>の結果です。</a:t>
             </a:r>
-            <a:endParaRPr lang="en-US" altLang="ja-JP" sz="1050" kern="100">
+            <a:endParaRPr lang="en-US" altLang="ja-JP" sz="1050" kern="100" dirty="0">
               <a:solidFill>
                 <a:srgbClr val="000000"/>
               </a:solidFill>
@@ -4351,7 +4352,7 @@
               <a:defRPr/>
             </a:pPr>
             <a:r>
-              <a:rPr lang="en-US" altLang="ja-JP" sz="1050" kern="100">
+              <a:rPr lang="en-US" altLang="ja-JP" sz="1050" kern="100" dirty="0">
                 <a:solidFill>
                   <a:srgbClr val="000000"/>
                 </a:solidFill>
@@ -4385,7 +4386,7 @@
               <a:t>結果から、層状塩基性酢酸塩の層間が</a:t>
             </a:r>
             <a:r>
-              <a:rPr lang="en-US" altLang="ja-JP" sz="1050" kern="100">
+              <a:rPr lang="en-US" altLang="ja-JP" sz="1050" kern="100" dirty="0">
                 <a:solidFill>
                   <a:srgbClr val="000000"/>
                 </a:solidFill>
@@ -4419,7 +4420,7 @@
               <a:t>、イオン交換後のニッケル層状水酸化物は、層間が</a:t>
             </a:r>
             <a:r>
-              <a:rPr lang="en-US" altLang="ja-JP" sz="1050" kern="100">
+              <a:rPr lang="en-US" altLang="ja-JP" sz="1050" kern="100" dirty="0">
                 <a:solidFill>
                   <a:srgbClr val="000000"/>
                 </a:solidFill>
@@ -4453,7 +4454,7 @@
               <a:t>であり、イオン交換前と</a:t>
             </a:r>
             <a:r>
-              <a:rPr lang="en-US" altLang="ja-JP" sz="1050" kern="100">
+              <a:rPr lang="en-US" altLang="ja-JP" sz="1050" kern="100" dirty="0">
                 <a:solidFill>
                   <a:srgbClr val="000000"/>
                 </a:solidFill>
@@ -4486,7 +4487,7 @@
               </a:rPr>
               <a:t>ほど拡大されていることが確認できました。</a:t>
             </a:r>
-            <a:endParaRPr lang="en-US" altLang="ja-JP" sz="1050" kern="100">
+            <a:endParaRPr lang="en-US" altLang="ja-JP" sz="1050" kern="100" dirty="0">
               <a:solidFill>
                 <a:srgbClr val="000000"/>
               </a:solidFill>
@@ -4519,7 +4520,7 @@
               <a:tabLst/>
               <a:defRPr/>
             </a:pPr>
-            <a:endParaRPr lang="en-US" altLang="ja-JP" sz="1050" kern="100">
+            <a:endParaRPr lang="en-US" altLang="ja-JP" sz="1050" kern="100" dirty="0">
               <a:solidFill>
                 <a:srgbClr val="000000"/>
               </a:solidFill>
@@ -4553,7 +4554,7 @@
               <a:defRPr/>
             </a:pPr>
             <a:r>
-              <a:rPr lang="en-US" altLang="ja-JP" sz="1050" kern="100">
+              <a:rPr lang="en-US" altLang="ja-JP" sz="1050" kern="100" dirty="0">
                 <a:solidFill>
                   <a:srgbClr val="000000"/>
                 </a:solidFill>
@@ -4587,7 +4588,7 @@
               <a:t>は</a:t>
             </a:r>
             <a:r>
-              <a:rPr lang="en-US" altLang="ja-JP" sz="1050" kern="100">
+              <a:rPr lang="en-US" altLang="ja-JP" sz="1050" kern="100" dirty="0">
                 <a:solidFill>
                   <a:srgbClr val="000000"/>
                 </a:solidFill>
@@ -4621,7 +4622,7 @@
               <a:t>長辺の長さと一致しており、層状塩基性酢酸塩の層間が</a:t>
             </a:r>
             <a:r>
-              <a:rPr lang="en-US" altLang="ja-JP" sz="1050" kern="100">
+              <a:rPr lang="en-US" altLang="ja-JP" sz="1050" kern="100" dirty="0">
                 <a:solidFill>
                   <a:srgbClr val="000000"/>
                 </a:solidFill>
@@ -4654,7 +4655,7 @@
               </a:rPr>
               <a:t>により拡大されていることが確認できました。</a:t>
             </a:r>
-            <a:endParaRPr lang="en-US" altLang="ja-JP" sz="1050" kern="100">
+            <a:endParaRPr lang="en-US" altLang="ja-JP" sz="1050" kern="100" dirty="0">
               <a:solidFill>
                 <a:srgbClr val="000000"/>
               </a:solidFill>
@@ -4687,7 +4688,7 @@
               <a:tabLst/>
               <a:defRPr/>
             </a:pPr>
-            <a:endParaRPr lang="en-US" altLang="ja-JP" sz="1050" kern="100">
+            <a:endParaRPr lang="en-US" altLang="ja-JP" sz="1050" kern="100" dirty="0">
               <a:solidFill>
                 <a:srgbClr val="000000"/>
               </a:solidFill>
@@ -4721,7 +4722,7 @@
               <a:defRPr/>
             </a:pPr>
             <a:r>
-              <a:rPr lang="en-US" altLang="ja-JP" sz="1050" kern="100">
+              <a:rPr lang="en-US" altLang="ja-JP" sz="1050" kern="100" dirty="0">
                 <a:solidFill>
                   <a:srgbClr val="000000"/>
                 </a:solidFill>
@@ -4755,7 +4756,7 @@
               <a:t>指数と講師</a:t>
             </a:r>
             <a:r>
-              <a:rPr lang="en-US" altLang="ja-JP" sz="1050" kern="100">
+              <a:rPr lang="en-US" altLang="ja-JP" sz="1050" kern="100" dirty="0">
                 <a:solidFill>
                   <a:srgbClr val="000000"/>
                 </a:solidFill>
@@ -4880,7 +4881,7 @@
               <a:defRPr/>
             </a:pPr>
             <a:r>
-              <a:rPr lang="en-US" altLang="ja-JP" sz="1050" kern="100">
+              <a:rPr lang="en-US" altLang="ja-JP" sz="1050" kern="100" dirty="0">
                 <a:solidFill>
                   <a:srgbClr val="000000"/>
                 </a:solidFill>
@@ -4914,7 +4915,7 @@
               <a:t>結果から、イオン交換前の層状塩基性酢酸ニッケルの層間が</a:t>
             </a:r>
             <a:r>
-              <a:rPr lang="en-US" altLang="ja-JP" sz="1050" kern="100">
+              <a:rPr lang="en-US" altLang="ja-JP" sz="1050" kern="100" dirty="0">
                 <a:solidFill>
                   <a:srgbClr val="000000"/>
                 </a:solidFill>
@@ -4948,7 +4949,7 @@
               <a:t>でイオン交換後のニッケル層状水酸化物は、層間が</a:t>
             </a:r>
             <a:r>
-              <a:rPr lang="en-US" altLang="ja-JP" sz="1050" kern="100">
+              <a:rPr lang="en-US" altLang="ja-JP" sz="1050" kern="100" dirty="0">
                 <a:solidFill>
                   <a:srgbClr val="000000"/>
                 </a:solidFill>
@@ -4982,7 +4983,7 @@
               <a:t>であり、イオン交換前と</a:t>
             </a:r>
             <a:r>
-              <a:rPr lang="en-US" altLang="ja-JP" sz="1050" kern="100">
+              <a:rPr lang="en-US" altLang="ja-JP" sz="1050" kern="100" dirty="0">
                 <a:solidFill>
                   <a:srgbClr val="000000"/>
                 </a:solidFill>
@@ -5015,7 +5016,7 @@
               </a:rPr>
               <a:t>ほど拡大されていることが確認できました。</a:t>
             </a:r>
-            <a:endParaRPr lang="en-US" altLang="ja-JP" sz="1050" kern="100">
+            <a:endParaRPr lang="en-US" altLang="ja-JP" sz="1050" kern="100" dirty="0">
               <a:solidFill>
                 <a:srgbClr val="000000"/>
               </a:solidFill>
@@ -5048,7 +5049,7 @@
               <a:tabLst/>
               <a:defRPr/>
             </a:pPr>
-            <a:endParaRPr lang="en-US" altLang="ja-JP" sz="1050" kern="100">
+            <a:endParaRPr lang="en-US" altLang="ja-JP" sz="1050" kern="100" dirty="0">
               <a:solidFill>
                 <a:srgbClr val="000000"/>
               </a:solidFill>
@@ -5082,7 +5083,7 @@
               <a:defRPr/>
             </a:pPr>
             <a:r>
-              <a:rPr lang="en-US" altLang="ja-JP" sz="1050" kern="100">
+              <a:rPr lang="en-US" altLang="ja-JP" sz="1050" kern="100" dirty="0">
                 <a:solidFill>
                   <a:srgbClr val="000000"/>
                 </a:solidFill>
@@ -5116,7 +5117,7 @@
               <a:t>は</a:t>
             </a:r>
             <a:r>
-              <a:rPr lang="en-US" altLang="ja-JP" sz="1050" kern="100">
+              <a:rPr lang="en-US" altLang="ja-JP" sz="1050" kern="100" dirty="0">
                 <a:solidFill>
                   <a:srgbClr val="000000"/>
                 </a:solidFill>
@@ -5150,7 +5151,7 @@
               <a:t>長辺の長さと一致しており、層状塩基性酢酸ニッケルの層間が</a:t>
             </a:r>
             <a:r>
-              <a:rPr lang="en-US" altLang="ja-JP" sz="1050" kern="100">
+              <a:rPr lang="en-US" altLang="ja-JP" sz="1050" kern="100" dirty="0">
                 <a:solidFill>
                   <a:srgbClr val="000000"/>
                 </a:solidFill>
@@ -5183,7 +5184,7 @@
               </a:rPr>
               <a:t>により拡大されていることが確認できました。</a:t>
             </a:r>
-            <a:endParaRPr lang="en-US" altLang="ja-JP" sz="1050" kern="100">
+            <a:endParaRPr lang="en-US" altLang="ja-JP" sz="1050" kern="100" dirty="0">
               <a:solidFill>
                 <a:srgbClr val="000000"/>
               </a:solidFill>
@@ -5303,7 +5304,7 @@
               </a:rPr>
               <a:t>ニッケル水酸化物ナノシートの合成についてです。</a:t>
             </a:r>
-            <a:endParaRPr lang="en-US" altLang="ja-JP" sz="1600" kern="100">
+            <a:endParaRPr lang="en-US" altLang="ja-JP" sz="1600" kern="100" dirty="0">
               <a:solidFill>
                 <a:srgbClr val="000000"/>
               </a:solidFill>
@@ -5319,7 +5320,7 @@
           </a:p>
           <a:p>
             <a:pPr algn="just"/>
-            <a:endParaRPr lang="en-US" altLang="ja-JP" sz="1600" kern="100">
+            <a:endParaRPr lang="en-US" altLang="ja-JP" sz="1600" kern="100" dirty="0">
               <a:solidFill>
                 <a:srgbClr val="000000"/>
               </a:solidFill>
@@ -5352,7 +5353,7 @@
               <a:t>酢酸ニッケル四水和物にエタノール</a:t>
             </a:r>
             <a:r>
-              <a:rPr lang="en-US" altLang="ja-JP" sz="1600" kern="100">
+              <a:rPr lang="en-US" altLang="ja-JP" sz="1600" kern="100" dirty="0">
                 <a:solidFill>
                   <a:srgbClr val="000000"/>
                 </a:solidFill>
@@ -5415,7 +5416,7 @@
               </a:rPr>
               <a:t>酢酸イオンをドデシルベンゼンスルホン酸イオンに交換させ、層間の拡大を行いました。</a:t>
             </a:r>
-            <a:endParaRPr lang="en-US" altLang="ja-JP" sz="1600" kern="100">
+            <a:endParaRPr lang="en-US" altLang="ja-JP" sz="1600" kern="100" dirty="0">
               <a:solidFill>
                 <a:srgbClr val="000000"/>
               </a:solidFill>
@@ -5535,7 +5536,7 @@
               <a:t>実験手順です。まず、ニッケル水酸化物ナノシートの前駆体であるニッケル層状水酸化物を合成しました。酢酸ニッケル四水和物にエタノール</a:t>
             </a:r>
             <a:r>
-              <a:rPr lang="en-US" altLang="ja-JP" sz="1600" kern="100">
+              <a:rPr lang="en-US" altLang="ja-JP" sz="1600" kern="100" dirty="0">
                 <a:solidFill>
                   <a:srgbClr val="000000"/>
                 </a:solidFill>
@@ -5602,7 +5603,7 @@
               </a:rPr>
               <a:t>酢酸イオンをドデシルベンゼンスルホン酸イオンに交換させることにより層間を拡大しました。</a:t>
             </a:r>
-            <a:endParaRPr lang="en-US" altLang="ja-JP" sz="1600" kern="100">
+            <a:endParaRPr lang="en-US" altLang="ja-JP" sz="1600" kern="100" dirty="0">
               <a:solidFill>
                 <a:srgbClr val="000000"/>
               </a:solidFill>
@@ -5620,7 +5621,7 @@
           <a:p>
             <a:pPr algn="just"/>
             <a:r>
-              <a:rPr lang="en-US" altLang="ja-JP" sz="1600" kern="100">
+              <a:rPr lang="en-US" altLang="ja-JP" sz="1600" kern="100" dirty="0">
                 <a:solidFill>
                   <a:srgbClr val="000000"/>
                 </a:solidFill>
@@ -5654,7 +5655,7 @@
               <a:t>の結果から、層状塩基性酢酸ニッケルでは層間が</a:t>
             </a:r>
             <a:r>
-              <a:rPr lang="en-US" altLang="ja-JP" sz="1600" kern="100">
+              <a:rPr lang="en-US" altLang="ja-JP" sz="1600" kern="100" dirty="0">
                 <a:solidFill>
                   <a:srgbClr val="000000"/>
                 </a:solidFill>
@@ -5688,7 +5689,7 @@
               <a:t>、イオン交換後は</a:t>
             </a:r>
             <a:r>
-              <a:rPr lang="en-US" altLang="ja-JP" sz="1600" kern="100">
+              <a:rPr lang="en-US" altLang="ja-JP" sz="1600" kern="100" dirty="0">
                 <a:solidFill>
                   <a:srgbClr val="000000"/>
                 </a:solidFill>
@@ -5719,77 +5720,9 @@
                 <a:ea typeface="MS Mincho" panose="02020609040205080304" pitchFamily="49" charset="-128"/>
                 <a:cs typeface="Times New Roman" panose="02020603050405020304" pitchFamily="18" charset="0"/>
               </a:rPr>
-              <a:t>であることがわかり、層間が約</a:t>
-            </a:r>
-            <a:r>
-              <a:rPr lang="en-US" altLang="ja-JP" sz="1600" kern="100">
-                <a:solidFill>
-                  <a:srgbClr val="000000"/>
-                </a:solidFill>
-                <a:effectLst/>
-                <a:uFill>
-                  <a:solidFill>
-                    <a:srgbClr val="000000"/>
-                  </a:solidFill>
-                </a:uFill>
-                <a:latin typeface="MS Mincho" panose="02020609040205080304" pitchFamily="49" charset="-128"/>
-                <a:ea typeface="MS Mincho" panose="02020609040205080304" pitchFamily="49" charset="-128"/>
-                <a:cs typeface="Times New Roman" panose="02020603050405020304" pitchFamily="18" charset="0"/>
-              </a:rPr>
-              <a:t>20Å</a:t>
-            </a:r>
-            <a:r>
-              <a:rPr lang="ja-JP" altLang="en-US" sz="1600" kern="100">
-                <a:solidFill>
-                  <a:srgbClr val="000000"/>
-                </a:solidFill>
-                <a:effectLst/>
-                <a:uFill>
-                  <a:solidFill>
-                    <a:srgbClr val="000000"/>
-                  </a:solidFill>
-                </a:uFill>
-                <a:latin typeface="MS Mincho" panose="02020609040205080304" pitchFamily="49" charset="-128"/>
-                <a:ea typeface="MS Mincho" panose="02020609040205080304" pitchFamily="49" charset="-128"/>
-                <a:cs typeface="Times New Roman" panose="02020603050405020304" pitchFamily="18" charset="0"/>
-              </a:rPr>
-              <a:t>拡大していました。ドデシルベンゼンスルホン酸イオンの長さが約</a:t>
-            </a:r>
-            <a:r>
-              <a:rPr lang="en-US" altLang="ja-JP" sz="1600" kern="100">
-                <a:solidFill>
-                  <a:srgbClr val="000000"/>
-                </a:solidFill>
-                <a:effectLst/>
-                <a:uFill>
-                  <a:solidFill>
-                    <a:srgbClr val="000000"/>
-                  </a:solidFill>
-                </a:uFill>
-                <a:latin typeface="MS Mincho" panose="02020609040205080304" pitchFamily="49" charset="-128"/>
-                <a:ea typeface="MS Mincho" panose="02020609040205080304" pitchFamily="49" charset="-128"/>
-                <a:cs typeface="Times New Roman" panose="02020603050405020304" pitchFamily="18" charset="0"/>
-              </a:rPr>
-              <a:t>22Å</a:t>
-            </a:r>
-            <a:r>
-              <a:rPr lang="ja-JP" altLang="en-US" sz="1600" kern="100">
-                <a:solidFill>
-                  <a:srgbClr val="000000"/>
-                </a:solidFill>
-                <a:effectLst/>
-                <a:uFill>
-                  <a:solidFill>
-                    <a:srgbClr val="000000"/>
-                  </a:solidFill>
-                </a:uFill>
-                <a:latin typeface="MS Mincho" panose="02020609040205080304" pitchFamily="49" charset="-128"/>
-                <a:ea typeface="MS Mincho" panose="02020609040205080304" pitchFamily="49" charset="-128"/>
-                <a:cs typeface="Times New Roman" panose="02020603050405020304" pitchFamily="18" charset="0"/>
-              </a:rPr>
-              <a:t>程度であるため、イオン交換が達成できた判断しました。</a:t>
-            </a:r>
-            <a:endParaRPr lang="en-US" altLang="ja-JP" sz="1600" kern="100">
+              <a:t>であることがわかり、ドデシルベンゼンスルホン酸イオンのサイズ分を拡大できたと判断しました。</a:t>
+            </a:r>
+            <a:endParaRPr lang="en-US" altLang="ja-JP" sz="1600" kern="100" dirty="0">
               <a:solidFill>
                 <a:srgbClr val="000000"/>
               </a:solidFill>
@@ -5910,7 +5843,7 @@
               <a:t>次に、イオン交換後のニッケル層状水酸化物を</a:t>
             </a:r>
             <a:r>
-              <a:rPr lang="en-US" altLang="ja-JP" sz="1600" kern="100">
+              <a:rPr lang="en-US" altLang="ja-JP" sz="1600" kern="100" dirty="0">
                 <a:solidFill>
                   <a:srgbClr val="000000"/>
                 </a:solidFill>
@@ -5943,7 +5876,7 @@
               </a:rPr>
               <a:t>ブタノール中で超音波分散による単層剥離し、ニッケルナノシート分散液を作成しました。</a:t>
             </a:r>
-            <a:endParaRPr lang="en-US" altLang="ja-JP" sz="1600" kern="100">
+            <a:endParaRPr lang="en-US" altLang="ja-JP" sz="1600" kern="100" dirty="0">
               <a:solidFill>
                 <a:srgbClr val="000000"/>
               </a:solidFill>
@@ -5978,7 +5911,7 @@
               <a:t>作成後の分散液にレーザーポインターを当てるとチンダル現象がみられ、ナノシートが</a:t>
             </a:r>
             <a:r>
-              <a:rPr lang="en-US" altLang="ja-JP" sz="1600" kern="100">
+              <a:rPr lang="en-US" altLang="ja-JP" sz="1600" kern="100" dirty="0">
                 <a:solidFill>
                   <a:srgbClr val="000000"/>
                 </a:solidFill>
@@ -6009,9 +5942,9 @@
                 <a:ea typeface="MS Mincho" panose="02020609040205080304" pitchFamily="49" charset="-128"/>
                 <a:cs typeface="Times New Roman" panose="02020603050405020304" pitchFamily="18" charset="0"/>
               </a:rPr>
-              <a:t>ブタノール中に分散していることが確認できました。</a:t>
-            </a:r>
-            <a:endParaRPr lang="en-US" altLang="ja-JP" sz="1600" kern="100">
+              <a:t>ブタノール中に分散していると判断しました。</a:t>
+            </a:r>
+            <a:endParaRPr lang="en-US" altLang="ja-JP" sz="1600" kern="100" dirty="0">
               <a:solidFill>
                 <a:srgbClr val="000000"/>
               </a:solidFill>
@@ -6028,7 +5961,7 @@
           </a:p>
           <a:p>
             <a:pPr algn="just"/>
-            <a:endParaRPr lang="en-US" altLang="ja-JP" sz="1600" kern="100">
+            <a:endParaRPr lang="en-US" altLang="ja-JP" sz="1600" kern="100" dirty="0">
               <a:solidFill>
                 <a:srgbClr val="000000"/>
               </a:solidFill>
@@ -6062,7 +5995,7 @@
               </a:rPr>
               <a:t>この分散液を使って、電気化学測定に用いる電極を作製しました。</a:t>
             </a:r>
-            <a:endParaRPr lang="en-US" altLang="ja-JP" sz="1600" kern="100">
+            <a:endParaRPr lang="en-US" altLang="ja-JP" sz="1600" kern="100" dirty="0">
               <a:solidFill>
                 <a:srgbClr val="000000"/>
               </a:solidFill>
@@ -6182,7 +6115,7 @@
               </a:rPr>
               <a:t>電極の作製についてです。キャスト電極では、ニッケルナノシート分散液を減圧濃縮させた。この濃縮液をグラッシーカーボン電極にピペットを用いて滴下乾燥を繰り返しました。</a:t>
             </a:r>
-            <a:endParaRPr lang="en-US" altLang="ja-JP" sz="1600" kern="100">
+            <a:endParaRPr lang="en-US" altLang="ja-JP" sz="1600" kern="100" dirty="0">
               <a:solidFill>
                 <a:srgbClr val="000000"/>
               </a:solidFill>
@@ -6232,7 +6165,7 @@
               </a:rPr>
               <a:t>次に、カーボンペースト電極では、先ほど得たニッケルナノシート分散液にケッチェンブラックを混ぜ、減圧乾燥を行いました。乳鉢にバインダーとしてナフィオンまたはセルロースナノファイバーを入れて、減圧乾燥させた粉末を入念に混ぜ合わせました。混ぜ合わせた粉末をカーボンペースト用電極の穴に入る様に叩きながら詰め、作製を行いました。</a:t>
             </a:r>
-            <a:endParaRPr lang="en-US" altLang="ja-JP" sz="1600" kern="100">
+            <a:endParaRPr lang="en-US" altLang="ja-JP" sz="1600" kern="100" dirty="0">
               <a:solidFill>
                 <a:srgbClr val="000000"/>
               </a:solidFill>
@@ -6249,7 +6182,7 @@
           </a:p>
           <a:p>
             <a:pPr algn="just"/>
-            <a:endParaRPr lang="en-US" altLang="ja-JP" sz="1600" kern="100">
+            <a:endParaRPr lang="en-US" altLang="ja-JP" sz="1600" kern="100" dirty="0">
               <a:solidFill>
                 <a:srgbClr val="000000"/>
               </a:solidFill>
@@ -6360,7 +6293,7 @@
               </a:rPr>
               <a:t>電気化学測定は三電極法を使用しました。</a:t>
             </a:r>
-            <a:endParaRPr kumimoji="1" lang="en-US" altLang="ja-JP" sz="1600" b="0">
+            <a:endParaRPr kumimoji="1" lang="en-US" altLang="ja-JP" sz="1600" b="0" dirty="0">
               <a:latin typeface="MS Mincho" panose="02020609040205080304" pitchFamily="49" charset="-128"/>
               <a:ea typeface="MS Mincho" panose="02020609040205080304" pitchFamily="49" charset="-128"/>
               <a:cs typeface="Times New Roman" panose="02020603050405020304" pitchFamily="18" charset="0"/>
@@ -6369,28 +6302,20 @@
           <a:p>
             <a:pPr algn="just"/>
             <a:r>
-              <a:rPr kumimoji="1" lang="en-US" altLang="ja-JP" sz="1600" b="0">
-                <a:latin typeface="MS Mincho" panose="02020609040205080304" pitchFamily="49" charset="-128"/>
-                <a:ea typeface="MS Mincho" panose="02020609040205080304" pitchFamily="49" charset="-128"/>
-                <a:cs typeface="Times New Roman" panose="02020603050405020304" pitchFamily="18" charset="0"/>
-              </a:rPr>
-              <a:t>0.1 M</a:t>
-            </a:r>
-            <a:r>
               <a:rPr kumimoji="1" lang="ja-JP" altLang="en-US" sz="1600" b="0">
                 <a:latin typeface="MS Mincho" panose="02020609040205080304" pitchFamily="49" charset="-128"/>
                 <a:ea typeface="MS Mincho" panose="02020609040205080304" pitchFamily="49" charset="-128"/>
                 <a:cs typeface="Times New Roman" panose="02020603050405020304" pitchFamily="18" charset="0"/>
               </a:rPr>
-              <a:t>水酸化ナトリウム電解液中で行い、作用極は作製した電極、対極は白金線、参照極は</a:t>
-            </a:r>
-            <a:r>
-              <a:rPr kumimoji="1" lang="en-US" altLang="ja-JP" sz="1600" b="0">
+              <a:t>作用極は作製した電極、対極は白金線、参照極は銀</a:t>
+            </a:r>
+            <a:r>
+              <a:rPr kumimoji="1" lang="en-US" altLang="ja-JP" sz="1600" b="0" dirty="0">
                 <a:latin typeface="MS Mincho" panose="02020609040205080304" pitchFamily="49" charset="-128"/>
                 <a:ea typeface="MS Mincho" panose="02020609040205080304" pitchFamily="49" charset="-128"/>
                 <a:cs typeface="Times New Roman" panose="02020603050405020304" pitchFamily="18" charset="0"/>
               </a:rPr>
-              <a:t>Ag/AgCl</a:t>
+              <a:t>/</a:t>
             </a:r>
             <a:r>
               <a:rPr kumimoji="1" lang="ja-JP" altLang="en-US" sz="1600" b="0">
@@ -6398,9 +6323,25 @@
                 <a:ea typeface="MS Mincho" panose="02020609040205080304" pitchFamily="49" charset="-128"/>
                 <a:cs typeface="Times New Roman" panose="02020603050405020304" pitchFamily="18" charset="0"/>
               </a:rPr>
-              <a:t>電極を用いて測定を行いました。</a:t>
-            </a:r>
-            <a:endParaRPr kumimoji="1" lang="en-US" altLang="ja-JP" sz="1600" b="0">
+              <a:t>塩化銀電極を用いて</a:t>
+            </a:r>
+            <a:r>
+              <a:rPr kumimoji="1" lang="en-US" altLang="ja-JP" sz="1600" b="0" dirty="0">
+                <a:latin typeface="MS Mincho" panose="02020609040205080304" pitchFamily="49" charset="-128"/>
+                <a:ea typeface="MS Mincho" panose="02020609040205080304" pitchFamily="49" charset="-128"/>
+                <a:cs typeface="Times New Roman" panose="02020603050405020304" pitchFamily="18" charset="0"/>
+              </a:rPr>
+              <a:t>0.1 M</a:t>
+            </a:r>
+            <a:r>
+              <a:rPr kumimoji="1" lang="ja-JP" altLang="en-US" sz="1600" b="0">
+                <a:latin typeface="MS Mincho" panose="02020609040205080304" pitchFamily="49" charset="-128"/>
+                <a:ea typeface="MS Mincho" panose="02020609040205080304" pitchFamily="49" charset="-128"/>
+                <a:cs typeface="Times New Roman" panose="02020603050405020304" pitchFamily="18" charset="0"/>
+              </a:rPr>
+              <a:t>水酸化ナトリウム電解液中で測定を行いました。</a:t>
+            </a:r>
+            <a:endParaRPr kumimoji="1" lang="en-US" altLang="ja-JP" sz="1600" b="0" dirty="0">
               <a:latin typeface="MS Mincho" panose="02020609040205080304" pitchFamily="49" charset="-128"/>
               <a:ea typeface="MS Mincho" panose="02020609040205080304" pitchFamily="49" charset="-128"/>
               <a:cs typeface="Times New Roman" panose="02020603050405020304" pitchFamily="18" charset="0"/>
@@ -6522,7 +6463,7 @@
               </a:rPr>
               <a:t>キャスト電極によるサイクリックボルタンメトリ測定を行い、ニッケル水酸化物ナノシートによるグルコース酸化を調べました。</a:t>
             </a:r>
-            <a:endParaRPr lang="en-US" altLang="ja-JP" sz="1600">
+            <a:endParaRPr lang="en-US" altLang="ja-JP" sz="1600" dirty="0">
               <a:solidFill>
                 <a:srgbClr val="000000"/>
               </a:solidFill>
@@ -6570,7 +6511,7 @@
               <a:t>が、グルコース量を増やすにつれて</a:t>
             </a:r>
             <a:r>
-              <a:rPr lang="en-US" altLang="ja-JP" sz="1600">
+              <a:rPr lang="en-US" altLang="ja-JP" sz="1600" dirty="0">
                 <a:solidFill>
                   <a:srgbClr val="000000"/>
                 </a:solidFill>
@@ -6593,7 +6534,7 @@
               </a:rPr>
               <a:t>付近に電流量の増加が見られました。</a:t>
             </a:r>
-            <a:endParaRPr lang="en-US" altLang="ja-JP" sz="1600">
+            <a:endParaRPr lang="en-US" altLang="ja-JP" sz="1600" dirty="0">
               <a:solidFill>
                 <a:srgbClr val="000000"/>
               </a:solidFill>
@@ -6634,7 +6575,7 @@
               <a:t>この結果をもとに、</a:t>
             </a:r>
             <a:r>
-              <a:rPr lang="en-US" altLang="ja-JP" sz="1600">
+              <a:rPr lang="en-US" altLang="ja-JP" sz="1600" dirty="0">
                 <a:solidFill>
                   <a:srgbClr val="000000"/>
                 </a:solidFill>
@@ -6658,7 +6599,7 @@
               <a:t>ｌ</a:t>
             </a:r>
             <a:r>
-              <a:rPr lang="en-US" altLang="ja-JP" sz="1600">
+              <a:rPr lang="en-US" altLang="ja-JP" sz="1600" dirty="0">
                 <a:solidFill>
                   <a:srgbClr val="000000"/>
                 </a:solidFill>
@@ -6681,7 +6622,7 @@
               </a:rPr>
               <a:t>の低電位をかけて濃度に対する電流密度の測定を行いました。</a:t>
             </a:r>
-            <a:endParaRPr lang="en-US" altLang="ja-JP" sz="1600">
+            <a:endParaRPr lang="en-US" altLang="ja-JP" sz="1600" dirty="0">
               <a:solidFill>
                 <a:srgbClr val="000000"/>
               </a:solidFill>
@@ -6803,7 +6744,7 @@
               </a:rPr>
               <a:t>グルコース濃度に対する電流密度をカーボンペースト電極を用いて測定しました。</a:t>
             </a:r>
-            <a:endParaRPr kumimoji="1" lang="en-US" altLang="ja-JP" sz="1600">
+            <a:endParaRPr kumimoji="1" lang="en-US" altLang="ja-JP" sz="1600" dirty="0">
               <a:latin typeface="MS Mincho" panose="02020609040205080304" pitchFamily="49" charset="-128"/>
               <a:ea typeface="MS Mincho" panose="02020609040205080304" pitchFamily="49" charset="-128"/>
               <a:cs typeface="Times New Roman" panose="02020603050405020304" pitchFamily="18" charset="0"/>
@@ -6836,7 +6777,7 @@
               <a:t>ここにプロットされている</a:t>
             </a:r>
             <a:r>
-              <a:rPr kumimoji="1" lang="en-US" altLang="ja-JP" sz="1600">
+              <a:rPr kumimoji="1" lang="en-US" altLang="ja-JP" sz="1600" dirty="0">
                 <a:latin typeface="MS Mincho" panose="02020609040205080304" pitchFamily="49" charset="-128"/>
                 <a:ea typeface="MS Mincho" panose="02020609040205080304" pitchFamily="49" charset="-128"/>
                 <a:cs typeface="Times New Roman" panose="02020603050405020304" pitchFamily="18" charset="0"/>
@@ -6851,7 +6792,7 @@
               </a:rPr>
               <a:t>つの電極は全てバインダーとしてセルロースナノファイバーを使用し、同じ量、同じ手法で作製を行いました。</a:t>
             </a:r>
-            <a:endParaRPr kumimoji="1" lang="en-US" altLang="ja-JP" sz="1600">
+            <a:endParaRPr kumimoji="1" lang="en-US" altLang="ja-JP" sz="1600" dirty="0">
               <a:latin typeface="MS Mincho" panose="02020609040205080304" pitchFamily="49" charset="-128"/>
               <a:ea typeface="MS Mincho" panose="02020609040205080304" pitchFamily="49" charset="-128"/>
               <a:cs typeface="Times New Roman" panose="02020603050405020304" pitchFamily="18" charset="0"/>
@@ -6884,7 +6825,7 @@
               <a:t>しかし、上</a:t>
             </a:r>
             <a:r>
-              <a:rPr kumimoji="1" lang="en-US" altLang="ja-JP" sz="1600">
+              <a:rPr kumimoji="1" lang="en-US" altLang="ja-JP" sz="1600" dirty="0">
                 <a:latin typeface="MS Mincho" panose="02020609040205080304" pitchFamily="49" charset="-128"/>
                 <a:ea typeface="MS Mincho" panose="02020609040205080304" pitchFamily="49" charset="-128"/>
                 <a:cs typeface="Times New Roman" panose="02020603050405020304" pitchFamily="18" charset="0"/>
@@ -6900,7 +6841,7 @@
               <a:t>つのオレンジと緑の電極、下</a:t>
             </a:r>
             <a:r>
-              <a:rPr kumimoji="1" lang="en-US" altLang="ja-JP" sz="1600">
+              <a:rPr kumimoji="1" lang="en-US" altLang="ja-JP" sz="1600" dirty="0">
                 <a:latin typeface="MS Mincho" panose="02020609040205080304" pitchFamily="49" charset="-128"/>
                 <a:ea typeface="MS Mincho" panose="02020609040205080304" pitchFamily="49" charset="-128"/>
                 <a:cs typeface="Times New Roman" panose="02020603050405020304" pitchFamily="18" charset="0"/>
@@ -6915,7 +6856,7 @@
               </a:rPr>
               <a:t>つの赤と青の電極のように、同じ電流密度を得ることが難しく、再現性に乏しい状況でした。</a:t>
             </a:r>
-            <a:endParaRPr kumimoji="1" lang="en-US" altLang="ja-JP" sz="1600">
+            <a:endParaRPr kumimoji="1" lang="en-US" altLang="ja-JP" sz="1600" dirty="0">
               <a:latin typeface="MS Mincho" panose="02020609040205080304" pitchFamily="49" charset="-128"/>
               <a:ea typeface="MS Mincho" panose="02020609040205080304" pitchFamily="49" charset="-128"/>
               <a:cs typeface="Times New Roman" panose="02020603050405020304" pitchFamily="18" charset="0"/>
@@ -7041,7 +6982,7 @@
               </a:rPr>
               <a:t>ナフィオンとセルロースナノファイバーを比べると、電流密度と傾きはどちらもナフィオンが高い結果となりました。またセルロースナノファイバーに見られた、電流密度のバラツキは見られませんでした。</a:t>
             </a:r>
-            <a:endParaRPr lang="en-US" altLang="ja-JP" sz="1600">
+            <a:endParaRPr lang="en-US" altLang="ja-JP" sz="1600" dirty="0">
               <a:latin typeface="MS Mincho" panose="02020609040205080304" pitchFamily="49" charset="-128"/>
               <a:ea typeface="MS Mincho" panose="02020609040205080304" pitchFamily="49" charset="-128"/>
               <a:cs typeface="Times New Roman" panose="02020603050405020304" pitchFamily="18" charset="0"/>
@@ -7054,9 +6995,9 @@
                 <a:ea typeface="MS Mincho" panose="02020609040205080304" pitchFamily="49" charset="-128"/>
                 <a:cs typeface="Times New Roman" panose="02020603050405020304" pitchFamily="18" charset="0"/>
               </a:rPr>
-              <a:t>このことから、セルロースナノファイバーよりナフィオンがカーボンペースト電極に適していると思われます。</a:t>
-            </a:r>
-            <a:endParaRPr lang="en-US" altLang="ja-JP" sz="1600">
+              <a:t>今回の実験データからではセルロースナノファイバーよりナフィオンがカーボンペースト電極に適していると思われます。</a:t>
+            </a:r>
+            <a:endParaRPr lang="en-US" altLang="ja-JP" sz="1600" dirty="0">
               <a:latin typeface="MS Mincho" panose="02020609040205080304" pitchFamily="49" charset="-128"/>
               <a:ea typeface="MS Mincho" panose="02020609040205080304" pitchFamily="49" charset="-128"/>
               <a:cs typeface="Times New Roman" panose="02020603050405020304" pitchFamily="18" charset="0"/>
@@ -7145,7 +7086,7 @@
               <a:rPr lang="ja-JP" altLang="en-US"/>
               <a:t>マスター タイトルの書式設定</a:t>
             </a:r>
-            <a:endParaRPr lang="en-US"/>
+            <a:endParaRPr lang="en-US" dirty="0"/>
           </a:p>
         </p:txBody>
       </p:sp>
@@ -7210,7 +7151,7 @@
               <a:rPr lang="ja-JP" altLang="en-US"/>
               <a:t>マスター サブタイトルの書式設定</a:t>
             </a:r>
-            <a:endParaRPr lang="en-US"/>
+            <a:endParaRPr lang="en-US" dirty="0"/>
           </a:p>
         </p:txBody>
       </p:sp>
@@ -7328,7 +7269,7 @@
               <a:rPr lang="ja-JP" altLang="en-US"/>
               <a:t>マスター タイトルの書式設定</a:t>
             </a:r>
-            <a:endParaRPr lang="en-US"/>
+            <a:endParaRPr lang="en-US" dirty="0"/>
           </a:p>
         </p:txBody>
       </p:sp>
@@ -7412,7 +7353,7 @@
               <a:rPr lang="ja-JP" altLang="en-US"/>
               <a:t>レベル</a:t>
             </a:r>
-            <a:endParaRPr lang="en-US"/>
+            <a:endParaRPr lang="en-US" dirty="0"/>
           </a:p>
         </p:txBody>
       </p:sp>
@@ -7535,7 +7476,7 @@
               <a:rPr lang="ja-JP" altLang="en-US"/>
               <a:t>マスター タイトルの書式設定</a:t>
             </a:r>
-            <a:endParaRPr lang="en-US"/>
+            <a:endParaRPr lang="en-US" dirty="0"/>
           </a:p>
         </p:txBody>
       </p:sp>
@@ -7624,7 +7565,7 @@
               <a:rPr lang="ja-JP" altLang="en-US"/>
               <a:t>レベル</a:t>
             </a:r>
-            <a:endParaRPr lang="en-US"/>
+            <a:endParaRPr lang="en-US" dirty="0"/>
           </a:p>
         </p:txBody>
       </p:sp>
@@ -7742,7 +7683,7 @@
               <a:rPr lang="ja-JP" altLang="en-US"/>
               <a:t>マスター タイトルの書式設定</a:t>
             </a:r>
-            <a:endParaRPr lang="en-US"/>
+            <a:endParaRPr lang="en-US" dirty="0"/>
           </a:p>
         </p:txBody>
       </p:sp>
@@ -7826,7 +7767,7 @@
               <a:rPr lang="ja-JP" altLang="en-US"/>
               <a:t>レベル</a:t>
             </a:r>
-            <a:endParaRPr lang="en-US"/>
+            <a:endParaRPr lang="en-US" dirty="0"/>
           </a:p>
         </p:txBody>
       </p:sp>
@@ -7953,7 +7894,7 @@
               <a:rPr lang="ja-JP" altLang="en-US"/>
               <a:t>マスター タイトルの書式設定</a:t>
             </a:r>
-            <a:endParaRPr lang="en-US"/>
+            <a:endParaRPr lang="en-US" dirty="0"/>
           </a:p>
         </p:txBody>
       </p:sp>
@@ -8188,7 +8129,7 @@
               <a:rPr lang="ja-JP" altLang="en-US"/>
               <a:t>マスター タイトルの書式設定</a:t>
             </a:r>
-            <a:endParaRPr lang="en-US"/>
+            <a:endParaRPr lang="en-US" dirty="0"/>
           </a:p>
         </p:txBody>
       </p:sp>
@@ -8277,7 +8218,7 @@
               <a:rPr lang="ja-JP" altLang="en-US"/>
               <a:t>レベル</a:t>
             </a:r>
-            <a:endParaRPr lang="en-US"/>
+            <a:endParaRPr lang="en-US" dirty="0"/>
           </a:p>
         </p:txBody>
       </p:sp>
@@ -8366,7 +8307,7 @@
               <a:rPr lang="ja-JP" altLang="en-US"/>
               <a:t>レベル</a:t>
             </a:r>
-            <a:endParaRPr lang="en-US"/>
+            <a:endParaRPr lang="en-US" dirty="0"/>
           </a:p>
         </p:txBody>
       </p:sp>
@@ -8489,7 +8430,7 @@
               <a:rPr lang="ja-JP" altLang="en-US"/>
               <a:t>マスター タイトルの書式設定</a:t>
             </a:r>
-            <a:endParaRPr lang="en-US"/>
+            <a:endParaRPr lang="en-US" dirty="0"/>
           </a:p>
         </p:txBody>
       </p:sp>
@@ -8643,7 +8584,7 @@
               <a:rPr lang="ja-JP" altLang="en-US"/>
               <a:t>レベル</a:t>
             </a:r>
-            <a:endParaRPr lang="en-US"/>
+            <a:endParaRPr lang="en-US" dirty="0"/>
           </a:p>
         </p:txBody>
       </p:sp>
@@ -8797,7 +8738,7 @@
               <a:rPr lang="ja-JP" altLang="en-US"/>
               <a:t>レベル</a:t>
             </a:r>
-            <a:endParaRPr lang="en-US"/>
+            <a:endParaRPr lang="en-US" dirty="0"/>
           </a:p>
         </p:txBody>
       </p:sp>
@@ -8915,7 +8856,7 @@
               <a:rPr lang="ja-JP" altLang="en-US"/>
               <a:t>マスター タイトルの書式設定</a:t>
             </a:r>
-            <a:endParaRPr lang="en-US"/>
+            <a:endParaRPr lang="en-US" dirty="0"/>
           </a:p>
         </p:txBody>
       </p:sp>
@@ -9137,7 +9078,7 @@
               <a:rPr lang="ja-JP" altLang="en-US"/>
               <a:t>マスター タイトルの書式設定</a:t>
             </a:r>
-            <a:endParaRPr lang="en-US"/>
+            <a:endParaRPr lang="en-US" dirty="0"/>
           </a:p>
         </p:txBody>
       </p:sp>
@@ -9254,7 +9195,7 @@
               <a:rPr lang="ja-JP" altLang="en-US"/>
               <a:t>レベル</a:t>
             </a:r>
-            <a:endParaRPr lang="en-US"/>
+            <a:endParaRPr lang="en-US" dirty="0"/>
           </a:p>
         </p:txBody>
       </p:sp>
@@ -9446,7 +9387,7 @@
               <a:rPr lang="ja-JP" altLang="en-US"/>
               <a:t>マスター タイトルの書式設定</a:t>
             </a:r>
-            <a:endParaRPr lang="en-US"/>
+            <a:endParaRPr lang="en-US" dirty="0"/>
           </a:p>
         </p:txBody>
       </p:sp>
@@ -9511,7 +9452,7 @@
               <a:rPr lang="ja-JP" altLang="en-US"/>
               <a:t>アイコンをクリックして図を追加</a:t>
             </a:r>
-            <a:endParaRPr lang="en-US"/>
+            <a:endParaRPr lang="en-US" dirty="0"/>
           </a:p>
         </p:txBody>
       </p:sp>
@@ -9709,7 +9650,7 @@
               <a:rPr lang="ja-JP" altLang="en-US"/>
               <a:t>マスター タイトルの書式設定</a:t>
             </a:r>
-            <a:endParaRPr lang="en-US"/>
+            <a:endParaRPr lang="en-US" dirty="0"/>
           </a:p>
         </p:txBody>
       </p:sp>
@@ -9803,7 +9744,7 @@
               <a:rPr lang="ja-JP" altLang="en-US"/>
               <a:t>レベル</a:t>
             </a:r>
-            <a:endParaRPr lang="en-US"/>
+            <a:endParaRPr lang="en-US" dirty="0"/>
           </a:p>
         </p:txBody>
       </p:sp>
@@ -10285,7 +10226,7 @@
               <a:t>ニッケル水酸化物ナノシート</a:t>
             </a:r>
             <a:br>
-              <a:rPr lang="en-US" altLang="ja-JP" sz="3600" kern="100">
+              <a:rPr lang="en-US" altLang="ja-JP" sz="3600" kern="100" dirty="0">
                 <a:latin typeface="HGSSoeiKakugothicUB" panose="020B0900000000000000" pitchFamily="34" charset="-128"/>
                 <a:ea typeface="HGSSoeiKakugothicUB" panose="020B0900000000000000" pitchFamily="34" charset="-128"/>
                 <a:cs typeface="Times New Roman" panose="02020603050405020304" pitchFamily="18" charset="0"/>
@@ -10387,7 +10328,7 @@
               <a:t>令和</a:t>
             </a:r>
             <a:r>
-              <a:rPr lang="en-US" altLang="ja-JP">
+              <a:rPr lang="en-US" altLang="ja-JP" dirty="0">
                 <a:latin typeface="MS Gothic" panose="020B0609070205080204" pitchFamily="49" charset="-128"/>
                 <a:ea typeface="MS Gothic" panose="020B0609070205080204" pitchFamily="49" charset="-128"/>
               </a:rPr>
@@ -10400,7 +10341,7 @@
               </a:rPr>
               <a:t>年度</a:t>
             </a:r>
-            <a:endParaRPr lang="en-US" altLang="ja-JP">
+            <a:endParaRPr lang="en-US" altLang="ja-JP" dirty="0">
               <a:latin typeface="MS Gothic" panose="020B0609070205080204" pitchFamily="49" charset="-128"/>
               <a:ea typeface="MS Gothic" panose="020B0609070205080204" pitchFamily="49" charset="-128"/>
             </a:endParaRPr>
@@ -10414,7 +10355,7 @@
               </a:rPr>
               <a:t>徳島大学理工学部</a:t>
             </a:r>
-            <a:endParaRPr lang="en-US" altLang="ja-JP">
+            <a:endParaRPr lang="en-US" altLang="ja-JP" dirty="0">
               <a:latin typeface="MS Gothic" panose="020B0609070205080204" pitchFamily="49" charset="-128"/>
               <a:ea typeface="MS Gothic" panose="020B0609070205080204" pitchFamily="49" charset="-128"/>
             </a:endParaRPr>
@@ -10428,14 +10369,14 @@
               </a:rPr>
               <a:t>理工学科　応用化学システムコース　物質機能化学講座</a:t>
             </a:r>
-            <a:endParaRPr lang="en-US" altLang="ja-JP">
+            <a:endParaRPr lang="en-US" altLang="ja-JP" dirty="0">
               <a:latin typeface="MS Gothic" panose="020B0609070205080204" pitchFamily="49" charset="-128"/>
               <a:ea typeface="MS Gothic" panose="020B0609070205080204" pitchFamily="49" charset="-128"/>
             </a:endParaRPr>
           </a:p>
           <a:p>
             <a:pPr algn="ctr"/>
-            <a:endParaRPr lang="en-US" altLang="ja-JP" sz="2400">
+            <a:endParaRPr lang="en-US" altLang="ja-JP" sz="2400" dirty="0">
               <a:latin typeface="MS Gothic" panose="020B0609070205080204" pitchFamily="49" charset="-128"/>
               <a:ea typeface="MS Gothic" panose="020B0609070205080204" pitchFamily="49" charset="-128"/>
             </a:endParaRPr>
@@ -10481,7 +10422,7 @@
           <a:lstStyle/>
           <a:p>
             <a:r>
-              <a:rPr lang="en-US" altLang="ja-JP" sz="3000">
+              <a:rPr lang="en-US" altLang="ja-JP" sz="3000" dirty="0">
                 <a:latin typeface="HGSSoeiKakugothicUB" panose="020B0900000000000000" pitchFamily="34" charset="-128"/>
                 <a:ea typeface="HGSSoeiKakugothicUB" panose="020B0900000000000000" pitchFamily="34" charset="-128"/>
               </a:rPr>
@@ -10663,7 +10604,7 @@
               <a:t>ナフィオン</a:t>
             </a:r>
             <a:r>
-              <a:rPr lang="en-US" altLang="ja-JP">
+              <a:rPr lang="en-US" altLang="ja-JP" dirty="0">
                 <a:solidFill>
                   <a:schemeClr val="accent2">
                     <a:lumMod val="75000"/>
@@ -10717,7 +10658,7 @@
           <a:lstStyle/>
           <a:p>
             <a:r>
-              <a:rPr lang="en-US" altLang="ja-JP">
+              <a:rPr lang="en-US" altLang="ja-JP" dirty="0">
                 <a:solidFill>
                   <a:srgbClr val="00B050"/>
                 </a:solidFill>
@@ -10767,7 +10708,7 @@
           <a:lstStyle/>
           <a:p>
             <a:r>
-              <a:rPr lang="en-US" altLang="ja-JP">
+              <a:rPr lang="en-US" altLang="ja-JP" dirty="0">
                 <a:solidFill>
                   <a:srgbClr val="FF0000"/>
                 </a:solidFill>
@@ -10817,7 +10758,7 @@
           <a:lstStyle/>
           <a:p>
             <a:r>
-              <a:rPr lang="en-US" altLang="ja-JP">
+              <a:rPr lang="en-US" altLang="ja-JP" dirty="0">
                 <a:solidFill>
                   <a:schemeClr val="accent1"/>
                 </a:solidFill>
@@ -10874,7 +10815,7 @@
               </a:rPr>
               <a:t>バインダー：</a:t>
             </a:r>
-            <a:endParaRPr lang="en-US" altLang="ja-JP">
+            <a:endParaRPr lang="en-US" altLang="ja-JP" dirty="0">
               <a:latin typeface="Times New Roman" panose="02020603050405020304" pitchFamily="18" charset="0"/>
               <a:ea typeface="MS Mincho" panose="02020609040205080304" pitchFamily="49" charset="-128"/>
               <a:cs typeface="Times New Roman" panose="02020603050405020304" pitchFamily="18" charset="0"/>
@@ -10889,7 +10830,7 @@
               </a:rPr>
               <a:t>ナフィオン</a:t>
             </a:r>
-            <a:endParaRPr lang="en-US" altLang="ja-JP">
+            <a:endParaRPr lang="en-US" altLang="ja-JP" dirty="0">
               <a:latin typeface="HGSSoeiKakugothicUB" panose="020B0900000000000000" pitchFamily="34" charset="-128"/>
               <a:ea typeface="HGSSoeiKakugothicUB" panose="020B0900000000000000" pitchFamily="34" charset="-128"/>
               <a:cs typeface="Times New Roman" panose="02020603050405020304" pitchFamily="18" charset="0"/>
@@ -10938,7 +10879,7 @@
               <a:t>ナフィオン</a:t>
             </a:r>
             <a:r>
-              <a:rPr lang="en-US" altLang="ja-JP" sz="1800">
+              <a:rPr lang="en-US" altLang="ja-JP" sz="1800" dirty="0">
                 <a:latin typeface="Times New Roman" panose="02020603050405020304" pitchFamily="18" charset="0"/>
                 <a:ea typeface="MS Mincho" panose="02020609040205080304" pitchFamily="49" charset="-128"/>
                 <a:cs typeface="Times New Roman" panose="02020603050405020304" pitchFamily="18" charset="0"/>
@@ -10960,7 +10901,7 @@
               <a:t>ナフィオン</a:t>
             </a:r>
             <a:r>
-              <a:rPr lang="en-US" altLang="ja-JP" sz="1800">
+              <a:rPr lang="en-US" altLang="ja-JP" sz="1800" dirty="0">
                 <a:latin typeface="Times New Roman" panose="02020603050405020304" pitchFamily="18" charset="0"/>
                 <a:ea typeface="MS Mincho" panose="02020609040205080304" pitchFamily="49" charset="-128"/>
                 <a:cs typeface="Times New Roman" panose="02020603050405020304" pitchFamily="18" charset="0"/>
@@ -10982,7 +10923,7 @@
               <a:t>ナフィオン</a:t>
             </a:r>
             <a:r>
-              <a:rPr lang="en-US" altLang="ja-JP" sz="1800">
+              <a:rPr lang="en-US" altLang="ja-JP" sz="1800" dirty="0">
                 <a:latin typeface="Times New Roman" panose="02020603050405020304" pitchFamily="18" charset="0"/>
                 <a:ea typeface="MS Mincho" panose="02020609040205080304" pitchFamily="49" charset="-128"/>
                 <a:cs typeface="Times New Roman" panose="02020603050405020304" pitchFamily="18" charset="0"/>
@@ -11004,7 +10945,7 @@
               <a:t>ナフィオン</a:t>
             </a:r>
             <a:r>
-              <a:rPr lang="en-US" altLang="ja-JP" sz="1800">
+              <a:rPr lang="en-US" altLang="ja-JP" sz="1800" dirty="0">
                 <a:latin typeface="Times New Roman" panose="02020603050405020304" pitchFamily="18" charset="0"/>
                 <a:ea typeface="MS Mincho" panose="02020609040205080304" pitchFamily="49" charset="-128"/>
                 <a:cs typeface="Times New Roman" panose="02020603050405020304" pitchFamily="18" charset="0"/>
@@ -11051,7 +10992,7 @@
               <a:t>の</a:t>
             </a:r>
             <a:r>
-              <a:rPr kumimoji="1" lang="en-US" altLang="ja-JP">
+              <a:rPr kumimoji="1" lang="en-US" altLang="ja-JP" dirty="0">
                 <a:latin typeface="Times New Roman" panose="02020603050405020304" pitchFamily="18" charset="0"/>
                 <a:ea typeface="MS Mincho" panose="02020609040205080304" pitchFamily="49" charset="-128"/>
                 <a:cs typeface="Times New Roman" panose="02020603050405020304" pitchFamily="18" charset="0"/>
@@ -11187,7 +11128,7 @@
           <a:lstStyle/>
           <a:p>
             <a:r>
-              <a:rPr lang="en-US" altLang="ja-JP">
+              <a:rPr lang="en-US" altLang="ja-JP" dirty="0">
                 <a:latin typeface="Hiragino Maru Gothic ProN W4" panose="020F0400000000000000" pitchFamily="34" charset="-128"/>
                 <a:ea typeface="Hiragino Maru Gothic ProN W4" panose="020F0400000000000000" pitchFamily="34" charset="-128"/>
               </a:rPr>
@@ -11239,14 +11180,14 @@
               <a:t>ナフィオン</a:t>
             </a:r>
             <a:r>
-              <a:rPr lang="en-US" altLang="ja-JP" sz="2400">
+              <a:rPr lang="en-US" altLang="ja-JP" sz="2400" dirty="0">
                 <a:latin typeface="HGSSoeiKakugothicUB" panose="020B0900000000000000" pitchFamily="34" charset="-128"/>
                 <a:ea typeface="HGSSoeiKakugothicUB" panose="020B0900000000000000" pitchFamily="34" charset="-128"/>
               </a:rPr>
               <a:t>10 </a:t>
             </a:r>
             <a:r>
-              <a:rPr lang="en-US" altLang="ja-JP" sz="2400" b="1">
+              <a:rPr lang="en-US" altLang="ja-JP" sz="2400" b="1" dirty="0">
                 <a:latin typeface="Times New Roman" panose="02020603050405020304" pitchFamily="18" charset="0"/>
                 <a:ea typeface="HGSSoeiKakugothicUB" panose="020B0900000000000000" pitchFamily="34" charset="-128"/>
                 <a:cs typeface="Times New Roman" panose="02020603050405020304" pitchFamily="18" charset="0"/>
@@ -11254,7 +11195,7 @@
               <a:t>μ</a:t>
             </a:r>
             <a:r>
-              <a:rPr lang="en-US" altLang="ja-JP" sz="2400">
+              <a:rPr lang="en-US" altLang="ja-JP" sz="2400" dirty="0">
                 <a:latin typeface="HGSSoeiKakugothicUB" panose="020B0900000000000000" pitchFamily="34" charset="-128"/>
                 <a:ea typeface="HGSSoeiKakugothicUB" panose="020B0900000000000000" pitchFamily="34" charset="-128"/>
               </a:rPr>
@@ -11299,7 +11240,7 @@
           <a:lstStyle/>
           <a:p>
             <a:r>
-              <a:rPr lang="en-US" altLang="ja-JP">
+              <a:rPr lang="en-US" altLang="ja-JP" dirty="0">
                 <a:solidFill>
                   <a:schemeClr val="accent1"/>
                 </a:solidFill>
@@ -11350,7 +11291,7 @@
           <a:lstStyle/>
           <a:p>
             <a:r>
-              <a:rPr lang="en-US" altLang="ja-JP">
+              <a:rPr lang="en-US" altLang="ja-JP" dirty="0">
                 <a:solidFill>
                   <a:srgbClr val="FF0000"/>
                 </a:solidFill>
@@ -11409,7 +11350,7 @@
               </a:rPr>
               <a:t>感度低下の原因の可能性</a:t>
             </a:r>
-            <a:endParaRPr lang="en-US" altLang="ja-JP" sz="2000">
+            <a:endParaRPr lang="en-US" altLang="ja-JP" sz="2000" dirty="0">
               <a:latin typeface="Times New Roman" panose="02020603050405020304" pitchFamily="18" charset="0"/>
               <a:ea typeface="MS Mincho" panose="02020609040205080304" pitchFamily="49" charset="-128"/>
               <a:cs typeface="Times New Roman" panose="02020603050405020304" pitchFamily="18" charset="0"/>
@@ -11428,7 +11369,7 @@
               </a:rPr>
               <a:t>電極表面のナノシートが一部剥がれ落ちた</a:t>
             </a:r>
-            <a:endParaRPr lang="en-US" altLang="ja-JP" sz="2000">
+            <a:endParaRPr lang="en-US" altLang="ja-JP" sz="2000" dirty="0">
               <a:latin typeface="Times New Roman" panose="02020603050405020304" pitchFamily="18" charset="0"/>
               <a:ea typeface="MS Mincho" panose="02020609040205080304" pitchFamily="49" charset="-128"/>
               <a:cs typeface="Times New Roman" panose="02020603050405020304" pitchFamily="18" charset="0"/>
@@ -11573,7 +11514,7 @@
               </a:rPr>
               <a:t>ニッケル水酸化物ナノシートを用いた電極はグルコースを添加した際に電流量の増加が見られ、グルコース酸化による電流が確認された。</a:t>
             </a:r>
-            <a:endParaRPr lang="en-US" altLang="ja-JP" kern="100">
+            <a:endParaRPr lang="en-US" altLang="ja-JP" kern="100" dirty="0">
               <a:latin typeface="Times New Roman" panose="02020603050405020304" pitchFamily="18" charset="0"/>
               <a:ea typeface="ＭＳ 明朝" panose="02020609040205080304" pitchFamily="49" charset="-128"/>
               <a:cs typeface="Times New Roman" panose="02020603050405020304" pitchFamily="18" charset="0"/>
@@ -11584,7 +11525,7 @@
               <a:buFont typeface="+mj-lt"/>
               <a:buAutoNum type="arabicPeriod"/>
             </a:pPr>
-            <a:endParaRPr lang="en-US" altLang="ja-JP" kern="100">
+            <a:endParaRPr lang="en-US" altLang="ja-JP" kern="100" dirty="0">
               <a:latin typeface="Times New Roman" panose="02020603050405020304" pitchFamily="18" charset="0"/>
               <a:ea typeface="ＭＳ 明朝" panose="02020609040205080304" pitchFamily="49" charset="-128"/>
               <a:cs typeface="Times New Roman" panose="02020603050405020304" pitchFamily="18" charset="0"/>
@@ -11595,7 +11536,7 @@
               <a:buFont typeface="+mj-lt"/>
               <a:buAutoNum type="arabicPeriod"/>
             </a:pPr>
-            <a:endParaRPr lang="en-US" altLang="ja-JP" kern="100">
+            <a:endParaRPr lang="en-US" altLang="ja-JP" kern="100" dirty="0">
               <a:latin typeface="Times New Roman" panose="02020603050405020304" pitchFamily="18" charset="0"/>
               <a:ea typeface="ＭＳ 明朝" panose="02020609040205080304" pitchFamily="49" charset="-128"/>
               <a:cs typeface="Times New Roman" panose="02020603050405020304" pitchFamily="18" charset="0"/>
@@ -11606,7 +11547,7 @@
               <a:buFont typeface="+mj-lt"/>
               <a:buAutoNum type="arabicPeriod"/>
             </a:pPr>
-            <a:endParaRPr lang="en-US" altLang="ja-JP" kern="100">
+            <a:endParaRPr lang="en-US" altLang="ja-JP" kern="100" dirty="0">
               <a:latin typeface="Times New Roman" panose="02020603050405020304" pitchFamily="18" charset="0"/>
               <a:ea typeface="ＭＳ 明朝" panose="02020609040205080304" pitchFamily="49" charset="-128"/>
               <a:cs typeface="Times New Roman" panose="02020603050405020304" pitchFamily="18" charset="0"/>
@@ -11623,7 +11564,7 @@
                 <a:ea typeface="ＭＳ 明朝" panose="02020609040205080304" pitchFamily="49" charset="-128"/>
                 <a:cs typeface="Times New Roman" panose="02020603050405020304" pitchFamily="18" charset="0"/>
               </a:rPr>
-              <a:t>セルロースナノファイバーをバインダーとして用いた電極では作る度に得れる電流量に変化があり、</a:t>
+              <a:t>今回の実験データでは、セルロースナノファイバーをバインダーとして用いた電極では作る度に得れる電流量に変化があり、</a:t>
             </a:r>
             <a:r>
               <a:rPr lang="ja-JP" altLang="ja-JP" kern="100">
@@ -11639,7 +11580,7 @@
                 <a:ea typeface="ＭＳ 明朝" panose="02020609040205080304" pitchFamily="49" charset="-128"/>
                 <a:cs typeface="Times New Roman" panose="02020603050405020304" pitchFamily="18" charset="0"/>
               </a:rPr>
-              <a:t>が、ナフィオンをバインダーとして用いた電極では、</a:t>
+              <a:t>。ナフィオンをバインダーとして用いた電極では、</a:t>
             </a:r>
             <a:r>
               <a:rPr lang="ja-JP" altLang="ja-JP">
@@ -11647,9 +11588,25 @@
                 <a:ea typeface="ＭＳ 明朝" panose="02020609040205080304" pitchFamily="49" charset="-128"/>
                 <a:cs typeface="Times New Roman" panose="02020603050405020304" pitchFamily="18" charset="0"/>
               </a:rPr>
-              <a:t>セルロースナノファイバーより感度が良好であることが判明した。</a:t>
-            </a:r>
-            <a:endParaRPr lang="en-US" altLang="ja-JP">
+              <a:t>セルロースナノファイバーより感度が</a:t>
+            </a:r>
+            <a:r>
+              <a:rPr lang="ja-JP" altLang="en-US">
+                <a:latin typeface="Times New Roman" panose="02020603050405020304" pitchFamily="18" charset="0"/>
+                <a:ea typeface="ＭＳ 明朝" panose="02020609040205080304" pitchFamily="49" charset="-128"/>
+                <a:cs typeface="Times New Roman" panose="02020603050405020304" pitchFamily="18" charset="0"/>
+              </a:rPr>
+              <a:t>高かった</a:t>
+            </a:r>
+            <a:r>
+              <a:rPr lang="ja-JP" altLang="ja-JP">
+                <a:latin typeface="Times New Roman" panose="02020603050405020304" pitchFamily="18" charset="0"/>
+                <a:ea typeface="ＭＳ 明朝" panose="02020609040205080304" pitchFamily="49" charset="-128"/>
+                <a:cs typeface="Times New Roman" panose="02020603050405020304" pitchFamily="18" charset="0"/>
+              </a:rPr>
+              <a:t>。</a:t>
+            </a:r>
+            <a:endParaRPr lang="en-US" altLang="ja-JP" dirty="0">
               <a:latin typeface="Times New Roman" panose="02020603050405020304" pitchFamily="18" charset="0"/>
               <a:ea typeface="ＭＳ 明朝" panose="02020609040205080304" pitchFamily="49" charset="-128"/>
               <a:cs typeface="Times New Roman" panose="02020603050405020304" pitchFamily="18" charset="0"/>
@@ -11660,7 +11617,7 @@
               <a:buFont typeface="+mj-lt"/>
               <a:buAutoNum type="arabicPeriod"/>
             </a:pPr>
-            <a:endParaRPr lang="en-US" altLang="ja-JP">
+            <a:endParaRPr lang="en-US" altLang="ja-JP" dirty="0">
               <a:latin typeface="Times New Roman" panose="02020603050405020304" pitchFamily="18" charset="0"/>
               <a:ea typeface="ＭＳ 明朝" panose="02020609040205080304" pitchFamily="49" charset="-128"/>
               <a:cs typeface="Times New Roman" panose="02020603050405020304" pitchFamily="18" charset="0"/>
@@ -11671,7 +11628,7 @@
               <a:buFont typeface="+mj-lt"/>
               <a:buAutoNum type="arabicPeriod"/>
             </a:pPr>
-            <a:endParaRPr lang="en-US" altLang="ja-JP">
+            <a:endParaRPr lang="en-US" altLang="ja-JP" dirty="0">
               <a:latin typeface="Times New Roman" panose="02020603050405020304" pitchFamily="18" charset="0"/>
               <a:ea typeface="ＭＳ 明朝" panose="02020609040205080304" pitchFamily="49" charset="-128"/>
               <a:cs typeface="Times New Roman" panose="02020603050405020304" pitchFamily="18" charset="0"/>
@@ -11682,7 +11639,7 @@
               <a:buFont typeface="+mj-lt"/>
               <a:buAutoNum type="arabicPeriod"/>
             </a:pPr>
-            <a:endParaRPr lang="en-US" altLang="ja-JP">
+            <a:endParaRPr lang="en-US" altLang="ja-JP" dirty="0">
               <a:latin typeface="Times New Roman" panose="02020603050405020304" pitchFamily="18" charset="0"/>
               <a:ea typeface="ＭＳ 明朝" panose="02020609040205080304" pitchFamily="49" charset="-128"/>
               <a:cs typeface="Times New Roman" panose="02020603050405020304" pitchFamily="18" charset="0"/>
@@ -11702,7 +11659,7 @@
               <a:t>ナフィオン</a:t>
             </a:r>
             <a:r>
-              <a:rPr lang="en-US" altLang="ja-JP">
+              <a:rPr lang="en-US" altLang="ja-JP" dirty="0">
                 <a:latin typeface="Times New Roman" panose="02020603050405020304" pitchFamily="18" charset="0"/>
                 <a:ea typeface="ＭＳ 明朝" panose="02020609040205080304" pitchFamily="49" charset="-128"/>
                 <a:cs typeface="Times New Roman" panose="02020603050405020304" pitchFamily="18" charset="0"/>
@@ -12020,7 +11977,7 @@
               <a:t>利用されている</a:t>
             </a:r>
             <a:r>
-              <a:rPr lang="en-US" altLang="ja-JP" baseline="30000">
+              <a:rPr lang="en-US" altLang="ja-JP" baseline="30000" dirty="0">
                 <a:latin typeface="MS Gothic" panose="020B0609070205080204" pitchFamily="49" charset="-128"/>
                 <a:ea typeface="MS Gothic" panose="020B0609070205080204" pitchFamily="49" charset="-128"/>
               </a:rPr>
@@ -12033,7 +11990,7 @@
               </a:rPr>
               <a:t>。</a:t>
             </a:r>
-            <a:endParaRPr lang="en-US" altLang="ja-JP">
+            <a:endParaRPr lang="en-US" altLang="ja-JP" dirty="0">
               <a:latin typeface="MS Gothic" panose="020B0609070205080204" pitchFamily="49" charset="-128"/>
               <a:ea typeface="MS Gothic" panose="020B0609070205080204" pitchFamily="49" charset="-128"/>
             </a:endParaRPr>
@@ -12047,7 +12004,7 @@
               </a:rPr>
               <a:t>また、酵素を用いない非酵素型グルコース酸化触媒の開発が期待されている</a:t>
             </a:r>
-            <a:endParaRPr lang="en-US" altLang="ja-JP" baseline="30000">
+            <a:endParaRPr lang="en-US" altLang="ja-JP" baseline="30000" dirty="0">
               <a:latin typeface="MS Gothic" panose="020B0609070205080204" pitchFamily="49" charset="-128"/>
               <a:ea typeface="MS Gothic" panose="020B0609070205080204" pitchFamily="49" charset="-128"/>
             </a:endParaRPr>
@@ -12083,28 +12040,28 @@
           <a:lstStyle/>
           <a:p>
             <a:r>
-              <a:rPr lang="en-US" altLang="ja-JP" sz="900">
+              <a:rPr lang="en-US" altLang="ja-JP" sz="900" dirty="0">
                 <a:latin typeface="MS Gothic" panose="020B0609070205080204" pitchFamily="49" charset="-128"/>
                 <a:ea typeface="MS Gothic" panose="020B0609070205080204" pitchFamily="49" charset="-128"/>
               </a:rPr>
               <a:t>[1] Feng Gao et al. </a:t>
             </a:r>
             <a:r>
-              <a:rPr lang="en-US" altLang="ja-JP" sz="900" i="1">
+              <a:rPr lang="en-US" altLang="ja-JP" sz="900" i="1" dirty="0">
                 <a:latin typeface="MS Gothic" panose="020B0609070205080204" pitchFamily="49" charset="-128"/>
                 <a:ea typeface="MS Gothic" panose="020B0609070205080204" pitchFamily="49" charset="-128"/>
               </a:rPr>
               <a:t>ACS Appl. Nano Mater.</a:t>
             </a:r>
             <a:r>
-              <a:rPr lang="en-US" altLang="ja-JP" sz="900" b="1">
+              <a:rPr lang="en-US" altLang="ja-JP" sz="900" b="1" dirty="0">
                 <a:latin typeface="MS Gothic" panose="020B0609070205080204" pitchFamily="49" charset="-128"/>
                 <a:ea typeface="MS Gothic" panose="020B0609070205080204" pitchFamily="49" charset="-128"/>
               </a:rPr>
               <a:t>2021</a:t>
             </a:r>
             <a:r>
-              <a:rPr lang="en-US" altLang="ja-JP" sz="900">
+              <a:rPr lang="en-US" altLang="ja-JP" sz="900" dirty="0">
                 <a:latin typeface="MS Gothic" panose="020B0609070205080204" pitchFamily="49" charset="-128"/>
                 <a:ea typeface="MS Gothic" panose="020B0609070205080204" pitchFamily="49" charset="-128"/>
               </a:rPr>
@@ -12113,7 +12070,7 @@
           </a:p>
           <a:p>
             <a:r>
-              <a:rPr lang="en-US" altLang="ja-JP" sz="900">
+              <a:rPr lang="en-US" altLang="ja-JP" sz="900" dirty="0">
                 <a:solidFill>
                   <a:srgbClr val="000000"/>
                 </a:solidFill>
@@ -12124,7 +12081,7 @@
               <a:t>[2] Etab M et al. ,</a:t>
             </a:r>
             <a:r>
-              <a:rPr lang="en-US" altLang="ja-JP" sz="900" i="1" cap="all">
+              <a:rPr lang="en-US" altLang="ja-JP" sz="900" i="1" cap="all" dirty="0">
                 <a:solidFill>
                   <a:srgbClr val="000000"/>
                 </a:solidFill>
@@ -12135,7 +12092,7 @@
               <a:t> </a:t>
             </a:r>
             <a:r>
-              <a:rPr lang="en-US" altLang="ja-JP" sz="900" i="1">
+              <a:rPr lang="en-US" altLang="ja-JP" sz="900" i="1" dirty="0">
                 <a:solidFill>
                   <a:srgbClr val="000000"/>
                 </a:solidFill>
@@ -12146,7 +12103,7 @@
               <a:t>Arabian Journal of Chemistry </a:t>
             </a:r>
             <a:r>
-              <a:rPr lang="en-US" altLang="ja-JP" sz="900">
+              <a:rPr lang="en-US" altLang="ja-JP" sz="900" dirty="0">
                 <a:solidFill>
                   <a:srgbClr val="000000"/>
                 </a:solidFill>
@@ -12157,7 +12114,7 @@
               <a:t>(</a:t>
             </a:r>
             <a:r>
-              <a:rPr lang="en-US" altLang="ja-JP" sz="900" b="1">
+              <a:rPr lang="en-US" altLang="ja-JP" sz="900" b="1" dirty="0">
                 <a:solidFill>
                   <a:srgbClr val="000000"/>
                 </a:solidFill>
@@ -12168,7 +12125,7 @@
               <a:t>2022</a:t>
             </a:r>
             <a:r>
-              <a:rPr lang="en-US" altLang="ja-JP" sz="900">
+              <a:rPr lang="en-US" altLang="ja-JP" sz="900" dirty="0">
                 <a:solidFill>
                   <a:srgbClr val="000000"/>
                 </a:solidFill>
@@ -12237,7 +12194,7 @@
               <a:t>を持たせたニッケル化合物では、グルコースを酸化するいくつかの例が報告されており、高い触媒活性を有する</a:t>
             </a:r>
             <a:r>
-              <a:rPr lang="en-US" altLang="ja-JP" baseline="30000">
+              <a:rPr lang="en-US" altLang="ja-JP" baseline="30000" dirty="0">
                 <a:latin typeface="MS Gothic" panose="020B0609070205080204" pitchFamily="49" charset="-128"/>
                 <a:ea typeface="MS Gothic" panose="020B0609070205080204" pitchFamily="49" charset="-128"/>
                 <a:cs typeface="Times New Roman" panose="02020603050405020304" pitchFamily="18" charset="0"/>
@@ -12252,7 +12209,7 @@
               </a:rPr>
               <a:t>。</a:t>
             </a:r>
-            <a:endParaRPr lang="en-US" altLang="ja-JP">
+            <a:endParaRPr lang="en-US" altLang="ja-JP" dirty="0">
               <a:latin typeface="MS Gothic" panose="020B0609070205080204" pitchFamily="49" charset="-128"/>
               <a:ea typeface="MS Gothic" panose="020B0609070205080204" pitchFamily="49" charset="-128"/>
               <a:cs typeface="Times New Roman" panose="02020603050405020304" pitchFamily="18" charset="0"/>
@@ -12535,7 +12492,7 @@
               <a:t>本研究室では、以前より層状ニッケル水酸化物を</a:t>
             </a:r>
             <a:r>
-              <a:rPr lang="en-US" altLang="ja-JP">
+              <a:rPr lang="en-US" altLang="ja-JP" dirty="0">
                 <a:latin typeface="MS Gothic" panose="020B0609070205080204" pitchFamily="49" charset="-128"/>
                 <a:ea typeface="MS Gothic" panose="020B0609070205080204" pitchFamily="49" charset="-128"/>
                 <a:cs typeface="Times New Roman" panose="02020603050405020304" pitchFamily="18" charset="0"/>
@@ -12550,7 +12507,7 @@
               </a:rPr>
               <a:t>ブタノール中で単層剥離をさせており、グルコース酸化に有用であると考えた。</a:t>
             </a:r>
-            <a:endParaRPr lang="en-US" altLang="ja-JP">
+            <a:endParaRPr lang="en-US" altLang="ja-JP" dirty="0">
               <a:latin typeface="MS Gothic" panose="020B0609070205080204" pitchFamily="49" charset="-128"/>
               <a:ea typeface="MS Gothic" panose="020B0609070205080204" pitchFamily="49" charset="-128"/>
               <a:cs typeface="Times New Roman" panose="02020603050405020304" pitchFamily="18" charset="0"/>
@@ -12761,7 +12718,7 @@
           <a:lstStyle/>
           <a:p>
             <a:r>
-              <a:rPr lang="en" altLang="ja-JP">
+              <a:rPr lang="en" altLang="ja-JP" dirty="0">
                 <a:solidFill>
                   <a:schemeClr val="accent1">
                     <a:lumMod val="60000"/>
@@ -12773,7 +12730,7 @@
               </a:rPr>
               <a:t>Result</a:t>
             </a:r>
-            <a:endParaRPr lang="en-US" altLang="ja-JP"/>
+            <a:endParaRPr lang="en-US" altLang="ja-JP" dirty="0"/>
           </a:p>
         </p:txBody>
       </p:sp>
@@ -12928,7 +12885,7 @@
           <a:lstStyle/>
           <a:p>
             <a:r>
-              <a:rPr lang="en" altLang="ja-JP">
+              <a:rPr lang="en" altLang="ja-JP" dirty="0">
                 <a:solidFill>
                   <a:schemeClr val="accent1">
                     <a:lumMod val="60000"/>
@@ -12940,7 +12897,7 @@
               </a:rPr>
               <a:t>Result</a:t>
             </a:r>
-            <a:endParaRPr lang="en-US" altLang="ja-JP"/>
+            <a:endParaRPr lang="en-US" altLang="ja-JP" dirty="0"/>
           </a:p>
         </p:txBody>
       </p:sp>
@@ -13151,7 +13108,7 @@
                         <a:t>線形範囲 </a:t>
                       </a:r>
                       <a:r>
-                        <a:rPr lang="en-US" sz="1200" kern="100">
+                        <a:rPr lang="en-US" sz="1200" kern="100" dirty="0">
                           <a:effectLst/>
                         </a:rPr>
                         <a:t>(mM)</a:t>
@@ -13189,31 +13146,31 @@
                         <a:t>感度</a:t>
                       </a:r>
                       <a:r>
-                        <a:rPr lang="en-US" sz="1200" kern="100">
+                        <a:rPr lang="en-US" sz="1200" kern="100" dirty="0">
                           <a:effectLst/>
                         </a:rPr>
                         <a:t>(mA mM</a:t>
                       </a:r>
                       <a:r>
-                        <a:rPr lang="en-US" sz="1200" kern="100" baseline="30000">
+                        <a:rPr lang="en-US" sz="1200" kern="100" baseline="30000" dirty="0">
                           <a:effectLst/>
                         </a:rPr>
                         <a:t>-1</a:t>
                       </a:r>
                       <a:r>
-                        <a:rPr lang="en-US" sz="1200" kern="100">
+                        <a:rPr lang="en-US" sz="1200" kern="100" dirty="0">
                           <a:effectLst/>
                         </a:rPr>
                         <a:t> cm</a:t>
                       </a:r>
                       <a:r>
-                        <a:rPr lang="en-US" sz="1200" kern="100" baseline="30000">
+                        <a:rPr lang="en-US" sz="1200" kern="100" baseline="30000" dirty="0">
                           <a:effectLst/>
                         </a:rPr>
                         <a:t>-2</a:t>
                       </a:r>
                       <a:r>
-                        <a:rPr lang="en-US" sz="1200" kern="100">
+                        <a:rPr lang="en-US" sz="1200" kern="100" dirty="0">
                           <a:effectLst/>
                         </a:rPr>
                         <a:t>)</a:t>
@@ -13251,13 +13208,13 @@
                         <a:t>決定係数</a:t>
                       </a:r>
                       <a:r>
-                        <a:rPr lang="en-US" sz="1200" kern="100">
+                        <a:rPr lang="en-US" sz="1200" kern="100" dirty="0">
                           <a:effectLst/>
                         </a:rPr>
                         <a:t> R</a:t>
                       </a:r>
                       <a:r>
-                        <a:rPr lang="en-US" sz="1200" kern="100" baseline="30000">
+                        <a:rPr lang="en-US" sz="1200" kern="100" baseline="30000" dirty="0">
                           <a:effectLst/>
                         </a:rPr>
                         <a:t>2</a:t>
@@ -13296,7 +13253,7 @@
                     <a:p>
                       <a:pPr algn="ctr"/>
                       <a:r>
-                        <a:rPr lang="en-US" sz="1200" kern="100">
+                        <a:rPr lang="en-US" sz="1200" kern="100" dirty="0">
                           <a:effectLst/>
                         </a:rPr>
                         <a:t>1</a:t>
@@ -13343,7 +13300,7 @@
                     <a:p>
                       <a:pPr algn="r"/>
                       <a:r>
-                        <a:rPr lang="en-US" sz="1200" kern="100">
+                        <a:rPr lang="en-US" sz="1200" kern="100" dirty="0">
                           <a:effectLst/>
                         </a:rPr>
                         <a:t>0~1.31</a:t>
@@ -13425,7 +13382,7 @@
                     <a:p>
                       <a:pPr algn="r"/>
                       <a:r>
-                        <a:rPr lang="en-US" sz="1200" kern="100">
+                        <a:rPr lang="en-US" sz="1200" kern="100" dirty="0">
                           <a:effectLst/>
                         </a:rPr>
                         <a:t>0.9182</a:t>
@@ -13473,7 +13430,7 @@
                     <a:p>
                       <a:pPr algn="ctr"/>
                       <a:r>
-                        <a:rPr lang="en-US" sz="1200" kern="100">
+                        <a:rPr lang="en-US" sz="1200" kern="100" dirty="0">
                           <a:effectLst/>
                         </a:rPr>
                         <a:t>2</a:t>
@@ -13520,7 +13477,7 @@
                     <a:p>
                       <a:pPr algn="r"/>
                       <a:r>
-                        <a:rPr lang="en-US" sz="1200" kern="100">
+                        <a:rPr lang="en-US" sz="1200" kern="100" dirty="0">
                           <a:effectLst/>
                         </a:rPr>
                         <a:t>0~0.88</a:t>
@@ -13561,7 +13518,7 @@
                     <a:p>
                       <a:pPr algn="r"/>
                       <a:r>
-                        <a:rPr lang="en-US" sz="1200" kern="100">
+                        <a:rPr lang="en-US" sz="1200" kern="100" dirty="0">
                           <a:effectLst/>
                         </a:rPr>
                         <a:t>0.0307</a:t>
@@ -13602,7 +13559,7 @@
                     <a:p>
                       <a:pPr algn="r"/>
                       <a:r>
-                        <a:rPr lang="en-US" sz="1200" kern="100">
+                        <a:rPr lang="en-US" sz="1200" kern="100" dirty="0">
                           <a:effectLst/>
                         </a:rPr>
                         <a:t>0.9086</a:t>
@@ -13650,7 +13607,7 @@
                     <a:p>
                       <a:pPr algn="ctr"/>
                       <a:r>
-                        <a:rPr lang="en-US" sz="1200" kern="100">
+                        <a:rPr lang="en-US" sz="1200" kern="100" dirty="0">
                           <a:effectLst/>
                         </a:rPr>
                         <a:t>3</a:t>
@@ -13697,7 +13654,7 @@
                     <a:p>
                       <a:pPr algn="r"/>
                       <a:r>
-                        <a:rPr lang="en-US" sz="1200" kern="100">
+                        <a:rPr lang="en-US" sz="1200" kern="100" dirty="0">
                           <a:effectLst/>
                         </a:rPr>
                         <a:t>0~0.88</a:t>
@@ -13738,7 +13695,7 @@
                     <a:p>
                       <a:pPr algn="r"/>
                       <a:r>
-                        <a:rPr lang="en-US" sz="1200" kern="100">
+                        <a:rPr lang="en-US" sz="1200" kern="100" dirty="0">
                           <a:effectLst/>
                         </a:rPr>
                         <a:t>0.0324</a:t>
@@ -13779,7 +13736,7 @@
                     <a:p>
                       <a:pPr algn="r"/>
                       <a:r>
-                        <a:rPr lang="en-US" sz="1200" kern="100">
+                        <a:rPr lang="en-US" sz="1200" kern="100" dirty="0">
                           <a:effectLst/>
                         </a:rPr>
                         <a:t>0.8424</a:t>
@@ -13877,7 +13834,7 @@
           <a:lstStyle/>
           <a:p>
             <a:r>
-              <a:rPr lang="en" altLang="ja-JP">
+              <a:rPr lang="en" altLang="ja-JP" dirty="0">
                 <a:solidFill>
                   <a:schemeClr val="accent1">
                     <a:lumMod val="60000"/>
@@ -13889,7 +13846,7 @@
               </a:rPr>
               <a:t>Result</a:t>
             </a:r>
-            <a:endParaRPr lang="en-US" altLang="ja-JP"/>
+            <a:endParaRPr lang="en-US" altLang="ja-JP" dirty="0"/>
           </a:p>
         </p:txBody>
       </p:sp>
@@ -14062,10 +14019,16 @@
                     <a:p>
                       <a:pPr algn="l"/>
                       <a:r>
+                        <a:rPr lang="en-US" sz="1200" kern="100" dirty="0">
+                          <a:effectLst/>
+                        </a:rPr>
+                        <a:t> </a:t>
+                      </a:r>
+                      <a:r>
                         <a:rPr lang="en-US" sz="1200" kern="100">
                           <a:effectLst/>
                         </a:rPr>
-                        <a:t> 繰り返し測定回数</a:t>
+                        <a:t>繰り返し測定回数</a:t>
                       </a:r>
                       <a:endParaRPr lang="ja-JP" sz="1200" kern="100">
                         <a:effectLst/>
@@ -14100,7 +14063,7 @@
                         <a:t>線形範囲 </a:t>
                       </a:r>
                       <a:r>
-                        <a:rPr lang="en-US" sz="1200" kern="100">
+                        <a:rPr lang="en-US" sz="1200" kern="100" dirty="0">
                           <a:effectLst/>
                         </a:rPr>
                         <a:t>(mM)</a:t>
@@ -14138,31 +14101,31 @@
                         <a:t>感度</a:t>
                       </a:r>
                       <a:r>
-                        <a:rPr lang="en-US" sz="1200" kern="100">
+                        <a:rPr lang="en-US" sz="1200" kern="100" dirty="0">
                           <a:effectLst/>
                         </a:rPr>
                         <a:t>(mA mM</a:t>
                       </a:r>
                       <a:r>
-                        <a:rPr lang="en-US" sz="1200" kern="100" baseline="30000">
+                        <a:rPr lang="en-US" sz="1200" kern="100" baseline="30000" dirty="0">
                           <a:effectLst/>
                         </a:rPr>
                         <a:t>-1</a:t>
                       </a:r>
                       <a:r>
-                        <a:rPr lang="en-US" sz="1200" kern="100">
+                        <a:rPr lang="en-US" sz="1200" kern="100" dirty="0">
                           <a:effectLst/>
                         </a:rPr>
                         <a:t> cm</a:t>
                       </a:r>
                       <a:r>
-                        <a:rPr lang="en-US" sz="1200" kern="100" baseline="30000">
+                        <a:rPr lang="en-US" sz="1200" kern="100" baseline="30000" dirty="0">
                           <a:effectLst/>
                         </a:rPr>
                         <a:t>-2</a:t>
                       </a:r>
                       <a:r>
-                        <a:rPr lang="en-US" sz="1200" kern="100">
+                        <a:rPr lang="en-US" sz="1200" kern="100" dirty="0">
                           <a:effectLst/>
                         </a:rPr>
                         <a:t>)</a:t>
@@ -14200,13 +14163,13 @@
                         <a:t>決定係数</a:t>
                       </a:r>
                       <a:r>
-                        <a:rPr lang="en-US" sz="1200" kern="100">
+                        <a:rPr lang="en-US" sz="1200" kern="100" dirty="0">
                           <a:effectLst/>
                         </a:rPr>
                         <a:t> R</a:t>
                       </a:r>
                       <a:r>
-                        <a:rPr lang="en-US" sz="1200" kern="100" baseline="30000">
+                        <a:rPr lang="en-US" sz="1200" kern="100" baseline="30000" dirty="0">
                           <a:effectLst/>
                         </a:rPr>
                         <a:t>2</a:t>
@@ -14245,7 +14208,7 @@
                     <a:p>
                       <a:pPr algn="ctr"/>
                       <a:r>
-                        <a:rPr lang="en-US" sz="1200" kern="100">
+                        <a:rPr lang="en-US" sz="1200" kern="100" dirty="0">
                           <a:effectLst/>
                         </a:rPr>
                         <a:t>1</a:t>
@@ -14292,7 +14255,7 @@
                     <a:p>
                       <a:pPr algn="r"/>
                       <a:r>
-                        <a:rPr lang="en-US" sz="1200" kern="100">
+                        <a:rPr lang="en-US" sz="1200" kern="100" dirty="0">
                           <a:effectLst/>
                         </a:rPr>
                         <a:t>0~6.73</a:t>
@@ -14333,7 +14296,7 @@
                     <a:p>
                       <a:pPr algn="r"/>
                       <a:r>
-                        <a:rPr lang="en-US" sz="1200" kern="100">
+                        <a:rPr lang="en-US" sz="1200" kern="100" dirty="0">
                           <a:effectLst/>
                         </a:rPr>
                         <a:t>2.2533</a:t>
@@ -14374,7 +14337,7 @@
                     <a:p>
                       <a:pPr algn="r"/>
                       <a:r>
-                        <a:rPr lang="en-US" sz="1200" kern="100">
+                        <a:rPr lang="en-US" sz="1200" kern="100" dirty="0">
                           <a:effectLst/>
                         </a:rPr>
                         <a:t>0.9853</a:t>
@@ -14422,7 +14385,7 @@
                     <a:p>
                       <a:pPr algn="ctr"/>
                       <a:r>
-                        <a:rPr lang="en-US" sz="1200" kern="100">
+                        <a:rPr lang="en-US" sz="1200" kern="100" dirty="0">
                           <a:effectLst/>
                         </a:rPr>
                         <a:t>2</a:t>
@@ -14469,7 +14432,7 @@
                     <a:p>
                       <a:pPr algn="r"/>
                       <a:r>
-                        <a:rPr lang="en-US" sz="1200" kern="100">
+                        <a:rPr lang="en-US" sz="1200" kern="100" dirty="0">
                           <a:effectLst/>
                         </a:rPr>
                         <a:t>0~3.46</a:t>
@@ -14510,7 +14473,7 @@
                     <a:p>
                       <a:pPr algn="r"/>
                       <a:r>
-                        <a:rPr lang="en-US" sz="1200" kern="100">
+                        <a:rPr lang="en-US" sz="1200" kern="100" dirty="0">
                           <a:effectLst/>
                         </a:rPr>
                         <a:t>3.4265</a:t>
@@ -14551,7 +14514,7 @@
                     <a:p>
                       <a:pPr algn="r"/>
                       <a:r>
-                        <a:rPr lang="en-US" sz="1200" kern="100">
+                        <a:rPr lang="en-US" sz="1200" kern="100" dirty="0">
                           <a:effectLst/>
                         </a:rPr>
                         <a:t>0.9884</a:t>
@@ -14599,7 +14562,7 @@
                     <a:p>
                       <a:pPr algn="ctr"/>
                       <a:r>
-                        <a:rPr lang="en-US" sz="1200" kern="100">
+                        <a:rPr lang="en-US" sz="1200" kern="100" dirty="0">
                           <a:effectLst/>
                         </a:rPr>
                         <a:t>3</a:t>
@@ -14646,7 +14609,7 @@
                     <a:p>
                       <a:pPr algn="r"/>
                       <a:r>
-                        <a:rPr lang="en-US" sz="1200" kern="100">
+                        <a:rPr lang="en-US" sz="1200" kern="100" dirty="0">
                           <a:effectLst/>
                         </a:rPr>
                         <a:t>0~7.98</a:t>
@@ -14687,7 +14650,7 @@
                     <a:p>
                       <a:pPr algn="r"/>
                       <a:r>
-                        <a:rPr lang="en-US" sz="1200" kern="100">
+                        <a:rPr lang="en-US" sz="1200" kern="100" dirty="0">
                           <a:effectLst/>
                         </a:rPr>
                         <a:t>1.3460</a:t>
@@ -14728,7 +14691,7 @@
                     <a:p>
                       <a:pPr algn="r"/>
                       <a:r>
-                        <a:rPr lang="en-US" sz="1200" kern="100">
+                        <a:rPr lang="en-US" sz="1200" kern="100" dirty="0">
                           <a:effectLst/>
                         </a:rPr>
                         <a:t>0.9948</a:t>
@@ -14831,7 +14794,7 @@
           <a:lstStyle/>
           <a:p>
             <a:r>
-              <a:rPr lang="en" altLang="ja-JP">
+              <a:rPr lang="en" altLang="ja-JP" dirty="0">
                 <a:solidFill>
                   <a:schemeClr val="accent1">
                     <a:lumMod val="60000"/>
@@ -14918,7 +14881,7 @@
               </a:rPr>
               <a:t>酢酸ニッケルから塩基性酢酸ニッケル塩の合成</a:t>
             </a:r>
-            <a:endParaRPr lang="en-US" altLang="ja-JP" sz="2100">
+            <a:endParaRPr lang="en-US" altLang="ja-JP" sz="2100" dirty="0">
               <a:latin typeface="MS Gothic" panose="020B0609070205080204" pitchFamily="49" charset="-128"/>
               <a:ea typeface="MS Gothic" panose="020B0609070205080204" pitchFamily="49" charset="-128"/>
             </a:endParaRPr>
@@ -14928,7 +14891,7 @@
               <a:buFont typeface="+mj-lt"/>
               <a:buAutoNum type="arabicPeriod"/>
             </a:pPr>
-            <a:endParaRPr lang="en-US" altLang="ja-JP" sz="2100">
+            <a:endParaRPr lang="en-US" altLang="ja-JP" sz="2100" dirty="0">
               <a:latin typeface="MS Gothic" panose="020B0609070205080204" pitchFamily="49" charset="-128"/>
               <a:ea typeface="MS Gothic" panose="020B0609070205080204" pitchFamily="49" charset="-128"/>
             </a:endParaRPr>
@@ -14938,25 +14901,25 @@
               <a:buFont typeface="+mj-lt"/>
               <a:buAutoNum type="arabicPeriod"/>
             </a:pPr>
-            <a:endParaRPr lang="en-US" altLang="ja-JP" sz="2100">
+            <a:endParaRPr lang="en-US" altLang="ja-JP" sz="2100" dirty="0">
               <a:latin typeface="MS Gothic" panose="020B0609070205080204" pitchFamily="49" charset="-128"/>
               <a:ea typeface="MS Gothic" panose="020B0609070205080204" pitchFamily="49" charset="-128"/>
             </a:endParaRPr>
           </a:p>
           <a:p>
-            <a:endParaRPr lang="en-US" altLang="ja-JP" sz="2100">
+            <a:endParaRPr lang="en-US" altLang="ja-JP" sz="2100" dirty="0">
               <a:latin typeface="MS Gothic" panose="020B0609070205080204" pitchFamily="49" charset="-128"/>
               <a:ea typeface="MS Gothic" panose="020B0609070205080204" pitchFamily="49" charset="-128"/>
             </a:endParaRPr>
           </a:p>
           <a:p>
-            <a:endParaRPr lang="en-US" altLang="ja-JP" sz="2100">
+            <a:endParaRPr lang="en-US" altLang="ja-JP" sz="2100" dirty="0">
               <a:latin typeface="MS Gothic" panose="020B0609070205080204" pitchFamily="49" charset="-128"/>
               <a:ea typeface="MS Gothic" panose="020B0609070205080204" pitchFamily="49" charset="-128"/>
             </a:endParaRPr>
           </a:p>
           <a:p>
-            <a:endParaRPr lang="en-US" altLang="ja-JP" sz="2100">
+            <a:endParaRPr lang="en-US" altLang="ja-JP" sz="2100" dirty="0">
               <a:latin typeface="MS Gothic" panose="020B0609070205080204" pitchFamily="49" charset="-128"/>
               <a:ea typeface="MS Gothic" panose="020B0609070205080204" pitchFamily="49" charset="-128"/>
             </a:endParaRPr>
@@ -14973,15 +14936,15 @@
               </a:rPr>
               <a:t>塩基性酢酸ニッケル塩の層間隔をイオン交換により拡大</a:t>
             </a:r>
-            <a:endParaRPr lang="en-US" altLang="ja-JP" sz="2100">
+            <a:endParaRPr lang="en-US" altLang="ja-JP" sz="2100" dirty="0">
               <a:latin typeface="MS Gothic" panose="020B0609070205080204" pitchFamily="49" charset="-128"/>
               <a:ea typeface="MS Gothic" panose="020B0609070205080204" pitchFamily="49" charset="-128"/>
             </a:endParaRPr>
           </a:p>
         </p:txBody>
       </p:sp>
-      <mc:AlternateContent xmlns:mc="http://schemas.openxmlformats.org/markup-compatibility/2006">
-        <mc:Choice xmlns:a14="http://schemas.microsoft.com/office/drawing/2010/main" Requires="a14">
+      <mc:AlternateContent xmlns:mc="http://schemas.openxmlformats.org/markup-compatibility/2006" xmlns:a14="http://schemas.microsoft.com/office/drawing/2010/main">
+        <mc:Choice Requires="a14">
           <p:sp>
             <p:nvSpPr>
               <p:cNvPr id="7" name="テキスト ボックス 6">
@@ -15012,7 +14975,7 @@
               <a:p>
                 <a:pPr fontAlgn="base"/>
                 <a:r>
-                  <a:rPr lang="en-US" altLang="ja-JP" sz="1350">
+                  <a:rPr lang="en-US" altLang="ja-JP" sz="1350" dirty="0">
                     <a:latin typeface="Yu Mincho" panose="02020400000000000000" pitchFamily="18" charset="-128"/>
                     <a:ea typeface="Yu Mincho" panose="02020400000000000000" pitchFamily="18" charset="-128"/>
                     <a:cs typeface="ＭＳ Ｐゴシック" panose="020B0600070205080204" pitchFamily="34" charset="-128"/>
@@ -15020,7 +14983,7 @@
                   <a:t>2Ni(CH</a:t>
                 </a:r>
                 <a:r>
-                  <a:rPr lang="en-US" altLang="ja-JP" sz="1350" baseline="-25000">
+                  <a:rPr lang="en-US" altLang="ja-JP" sz="1350" baseline="-25000" dirty="0">
                     <a:latin typeface="Yu Mincho" panose="02020400000000000000" pitchFamily="18" charset="-128"/>
                     <a:ea typeface="Yu Mincho" panose="02020400000000000000" pitchFamily="18" charset="-128"/>
                     <a:cs typeface="ＭＳ Ｐゴシック" panose="020B0600070205080204" pitchFamily="34" charset="-128"/>
@@ -15028,7 +14991,7 @@
                   <a:t>3</a:t>
                 </a:r>
                 <a:r>
-                  <a:rPr lang="en-US" altLang="ja-JP" sz="1350">
+                  <a:rPr lang="en-US" altLang="ja-JP" sz="1350" dirty="0">
                     <a:latin typeface="Yu Mincho" panose="02020400000000000000" pitchFamily="18" charset="-128"/>
                     <a:ea typeface="Yu Mincho" panose="02020400000000000000" pitchFamily="18" charset="-128"/>
                     <a:cs typeface="ＭＳ Ｐゴシック" panose="020B0600070205080204" pitchFamily="34" charset="-128"/>
@@ -15036,7 +14999,7 @@
                   <a:t>COO)</a:t>
                 </a:r>
                 <a:r>
-                  <a:rPr lang="en-US" altLang="ja-JP" sz="1350" baseline="-25000">
+                  <a:rPr lang="en-US" altLang="ja-JP" sz="1350" baseline="-25000" dirty="0">
                     <a:latin typeface="Yu Mincho" panose="02020400000000000000" pitchFamily="18" charset="-128"/>
                     <a:ea typeface="Yu Mincho" panose="02020400000000000000" pitchFamily="18" charset="-128"/>
                     <a:cs typeface="ＭＳ Ｐゴシック" panose="020B0600070205080204" pitchFamily="34" charset="-128"/>
@@ -15052,7 +15015,7 @@
                   <a:t>・</a:t>
                 </a:r>
                 <a:r>
-                  <a:rPr lang="en-US" altLang="ja-JP" sz="1350">
+                  <a:rPr lang="en-US" altLang="ja-JP" sz="1350" dirty="0">
                     <a:latin typeface="Yu Mincho" panose="02020400000000000000" pitchFamily="18" charset="-128"/>
                     <a:ea typeface="Yu Mincho" panose="02020400000000000000" pitchFamily="18" charset="-128"/>
                     <a:cs typeface="ＭＳ Ｐゴシック" panose="020B0600070205080204" pitchFamily="34" charset="-128"/>
@@ -15060,7 +15023,7 @@
                   <a:t>4H</a:t>
                 </a:r>
                 <a:r>
-                  <a:rPr lang="en-US" altLang="ja-JP" sz="1350" baseline="-25000">
+                  <a:rPr lang="en-US" altLang="ja-JP" sz="1350" baseline="-25000" dirty="0">
                     <a:latin typeface="Yu Mincho" panose="02020400000000000000" pitchFamily="18" charset="-128"/>
                     <a:ea typeface="Yu Mincho" panose="02020400000000000000" pitchFamily="18" charset="-128"/>
                     <a:cs typeface="ＭＳ Ｐゴシック" panose="020B0600070205080204" pitchFamily="34" charset="-128"/>
@@ -15068,7 +15031,7 @@
                   <a:t>2</a:t>
                 </a:r>
                 <a:r>
-                  <a:rPr lang="en-US" altLang="ja-JP" sz="1350">
+                  <a:rPr lang="en-US" altLang="ja-JP" sz="1350" dirty="0">
                     <a:latin typeface="Yu Mincho" panose="02020400000000000000" pitchFamily="18" charset="-128"/>
                     <a:ea typeface="Yu Mincho" panose="02020400000000000000" pitchFamily="18" charset="-128"/>
                     <a:cs typeface="ＭＳ Ｐゴシック" panose="020B0600070205080204" pitchFamily="34" charset="-128"/>
@@ -15124,7 +15087,7 @@
                   </m:oMath>
                 </a14:m>
                 <a:r>
-                  <a:rPr lang="en-US" altLang="ja-JP" sz="1350">
+                  <a:rPr lang="en-US" altLang="ja-JP" sz="1350" dirty="0">
                     <a:latin typeface="Yu Mincho" panose="02020400000000000000" pitchFamily="18" charset="-128"/>
                     <a:ea typeface="Yu Mincho" panose="02020400000000000000" pitchFamily="18" charset="-128"/>
                     <a:cs typeface="Times New Roman" panose="02020603050405020304" pitchFamily="18" charset="0"/>
@@ -15132,7 +15095,7 @@
                   <a:t>   Ni</a:t>
                 </a:r>
                 <a:r>
-                  <a:rPr lang="en-US" altLang="ja-JP" sz="1350" baseline="-25000">
+                  <a:rPr lang="en-US" altLang="ja-JP" sz="1350" baseline="-25000" dirty="0">
                     <a:latin typeface="Yu Mincho" panose="02020400000000000000" pitchFamily="18" charset="-128"/>
                     <a:ea typeface="Yu Mincho" panose="02020400000000000000" pitchFamily="18" charset="-128"/>
                     <a:cs typeface="Times New Roman" panose="02020603050405020304" pitchFamily="18" charset="0"/>
@@ -15140,7 +15103,7 @@
                   <a:t>2</a:t>
                 </a:r>
                 <a:r>
-                  <a:rPr lang="en-US" altLang="ja-JP" sz="1350">
+                  <a:rPr lang="en-US" altLang="ja-JP" sz="1350" dirty="0">
                     <a:latin typeface="Yu Mincho" panose="02020400000000000000" pitchFamily="18" charset="-128"/>
                     <a:ea typeface="Yu Mincho" panose="02020400000000000000" pitchFamily="18" charset="-128"/>
                     <a:cs typeface="Times New Roman" panose="02020603050405020304" pitchFamily="18" charset="0"/>
@@ -15148,7 +15111,7 @@
                   <a:t>(OH)</a:t>
                 </a:r>
                 <a:r>
-                  <a:rPr lang="en-US" altLang="ja-JP" sz="1350" baseline="-25000">
+                  <a:rPr lang="en-US" altLang="ja-JP" sz="1350" baseline="-25000" dirty="0">
                     <a:latin typeface="Yu Mincho" panose="02020400000000000000" pitchFamily="18" charset="-128"/>
                     <a:ea typeface="Yu Mincho" panose="02020400000000000000" pitchFamily="18" charset="-128"/>
                     <a:cs typeface="Times New Roman" panose="02020603050405020304" pitchFamily="18" charset="0"/>
@@ -15156,7 +15119,7 @@
                   <a:t>3</a:t>
                 </a:r>
                 <a:r>
-                  <a:rPr lang="en-US" altLang="ja-JP" sz="1350">
+                  <a:rPr lang="en-US" altLang="ja-JP" sz="1350" dirty="0">
                     <a:latin typeface="Yu Mincho" panose="02020400000000000000" pitchFamily="18" charset="-128"/>
                     <a:ea typeface="Yu Mincho" panose="02020400000000000000" pitchFamily="18" charset="-128"/>
                     <a:cs typeface="Times New Roman" panose="02020603050405020304" pitchFamily="18" charset="0"/>
@@ -15164,7 +15127,7 @@
                   <a:t>(CH</a:t>
                 </a:r>
                 <a:r>
-                  <a:rPr lang="en-US" altLang="ja-JP" sz="1350" baseline="-25000">
+                  <a:rPr lang="en-US" altLang="ja-JP" sz="1350" baseline="-25000" dirty="0">
                     <a:latin typeface="Yu Mincho" panose="02020400000000000000" pitchFamily="18" charset="-128"/>
                     <a:ea typeface="Yu Mincho" panose="02020400000000000000" pitchFamily="18" charset="-128"/>
                     <a:cs typeface="Times New Roman" panose="02020603050405020304" pitchFamily="18" charset="0"/>
@@ -15172,7 +15135,7 @@
                   <a:t>3</a:t>
                 </a:r>
                 <a:r>
-                  <a:rPr lang="en-US" altLang="ja-JP" sz="1350">
+                  <a:rPr lang="en-US" altLang="ja-JP" sz="1350" dirty="0">
                     <a:latin typeface="Yu Mincho" panose="02020400000000000000" pitchFamily="18" charset="-128"/>
                     <a:ea typeface="Yu Mincho" panose="02020400000000000000" pitchFamily="18" charset="-128"/>
                     <a:cs typeface="Times New Roman" panose="02020603050405020304" pitchFamily="18" charset="0"/>
@@ -15188,7 +15151,7 @@
                   <a:t>・</a:t>
                 </a:r>
                 <a:r>
-                  <a:rPr lang="en-US" altLang="ja-JP" sz="1350">
+                  <a:rPr lang="en-US" altLang="ja-JP" sz="1350" dirty="0">
                     <a:latin typeface="Yu Mincho" panose="02020400000000000000" pitchFamily="18" charset="-128"/>
                     <a:ea typeface="Yu Mincho" panose="02020400000000000000" pitchFamily="18" charset="-128"/>
                     <a:cs typeface="Times New Roman" panose="02020603050405020304" pitchFamily="18" charset="0"/>
@@ -15196,7 +15159,7 @@
                   <a:t>H</a:t>
                 </a:r>
                 <a:r>
-                  <a:rPr lang="en-US" altLang="ja-JP" sz="1350" baseline="-25000">
+                  <a:rPr lang="en-US" altLang="ja-JP" sz="1350" baseline="-25000" dirty="0">
                     <a:latin typeface="Yu Mincho" panose="02020400000000000000" pitchFamily="18" charset="-128"/>
                     <a:ea typeface="Yu Mincho" panose="02020400000000000000" pitchFamily="18" charset="-128"/>
                     <a:cs typeface="Times New Roman" panose="02020603050405020304" pitchFamily="18" charset="0"/>
@@ -15204,7 +15167,7 @@
                   <a:t>2</a:t>
                 </a:r>
                 <a:r>
-                  <a:rPr lang="en-US" altLang="ja-JP" sz="1350">
+                  <a:rPr lang="en-US" altLang="ja-JP" sz="1350" dirty="0">
                     <a:latin typeface="Yu Mincho" panose="02020400000000000000" pitchFamily="18" charset="-128"/>
                     <a:ea typeface="Yu Mincho" panose="02020400000000000000" pitchFamily="18" charset="-128"/>
                     <a:cs typeface="Times New Roman" panose="02020603050405020304" pitchFamily="18" charset="0"/>
@@ -15212,7 +15175,7 @@
                   <a:t>O + 3CH</a:t>
                 </a:r>
                 <a:r>
-                  <a:rPr lang="en-US" altLang="ja-JP" sz="1350" baseline="-25000">
+                  <a:rPr lang="en-US" altLang="ja-JP" sz="1350" baseline="-25000" dirty="0">
                     <a:latin typeface="Yu Mincho" panose="02020400000000000000" pitchFamily="18" charset="-128"/>
                     <a:ea typeface="Yu Mincho" panose="02020400000000000000" pitchFamily="18" charset="-128"/>
                     <a:cs typeface="Times New Roman" panose="02020603050405020304" pitchFamily="18" charset="0"/>
@@ -15220,7 +15183,7 @@
                   <a:t>3</a:t>
                 </a:r>
                 <a:r>
-                  <a:rPr lang="en-US" altLang="ja-JP" sz="1350">
+                  <a:rPr lang="en-US" altLang="ja-JP" sz="1350" dirty="0">
                     <a:latin typeface="Yu Mincho" panose="02020400000000000000" pitchFamily="18" charset="-128"/>
                     <a:ea typeface="Yu Mincho" panose="02020400000000000000" pitchFamily="18" charset="-128"/>
                     <a:cs typeface="Times New Roman" panose="02020603050405020304" pitchFamily="18" charset="0"/>
@@ -15234,7 +15197,7 @@
                   </a:rPr>
                   <a:t> </a:t>
                 </a:r>
-                <a:endParaRPr lang="en-US" altLang="ja-JP" sz="1350">
+                <a:endParaRPr lang="en-US" altLang="ja-JP" sz="1350" dirty="0">
                   <a:latin typeface="Yu Mincho" panose="02020400000000000000" pitchFamily="18" charset="-128"/>
                   <a:ea typeface="Yu Mincho" panose="02020400000000000000" pitchFamily="18" charset="-128"/>
                 </a:endParaRPr>
@@ -15242,7 +15205,7 @@
             </p:txBody>
           </p:sp>
         </mc:Choice>
-        <mc:Fallback>
+        <mc:Fallback xmlns="">
           <p:sp>
             <p:nvSpPr>
               <p:cNvPr id="7" name="テキスト ボックス 6">
@@ -15336,7 +15299,7 @@
             <a:lstStyle/>
             <a:p>
               <a:r>
-                <a:rPr lang="en-US" altLang="ja-JP" sz="1350" kern="100">
+                <a:rPr lang="en-US" altLang="ja-JP" sz="1350" kern="100" dirty="0">
                   <a:latin typeface="游明朝" panose="02020400000000000000" pitchFamily="18" charset="-128"/>
                   <a:ea typeface="游明朝" panose="02020400000000000000" pitchFamily="18" charset="-128"/>
                   <a:cs typeface="Arial" panose="020B0604020202020204" pitchFamily="34" charset="0"/>
@@ -15344,7 +15307,7 @@
                 <a:t>Ni(OH)</a:t>
               </a:r>
               <a:r>
-                <a:rPr lang="en-US" altLang="ja-JP" sz="1350" kern="100" baseline="-25000">
+                <a:rPr lang="en-US" altLang="ja-JP" sz="1350" kern="100" baseline="-25000" dirty="0">
                   <a:latin typeface="游明朝" panose="02020400000000000000" pitchFamily="18" charset="-128"/>
                   <a:ea typeface="游明朝" panose="02020400000000000000" pitchFamily="18" charset="-128"/>
                   <a:cs typeface="Arial" panose="020B0604020202020204" pitchFamily="34" charset="0"/>
@@ -15352,7 +15315,7 @@
                 <a:t>3</a:t>
               </a:r>
               <a:r>
-                <a:rPr lang="en-US" altLang="ja-JP" sz="1350" kern="100">
+                <a:rPr lang="en-US" altLang="ja-JP" sz="1350" kern="100" dirty="0">
                   <a:latin typeface="游明朝" panose="02020400000000000000" pitchFamily="18" charset="-128"/>
                   <a:ea typeface="游明朝" panose="02020400000000000000" pitchFamily="18" charset="-128"/>
                   <a:cs typeface="Arial" panose="020B0604020202020204" pitchFamily="34" charset="0"/>
@@ -15360,7 +15323,7 @@
                 <a:t>(CH</a:t>
               </a:r>
               <a:r>
-                <a:rPr lang="en-US" altLang="ja-JP" sz="1350" kern="100" baseline="-25000">
+                <a:rPr lang="en-US" altLang="ja-JP" sz="1350" kern="100" baseline="-25000" dirty="0">
                   <a:latin typeface="游明朝" panose="02020400000000000000" pitchFamily="18" charset="-128"/>
                   <a:ea typeface="游明朝" panose="02020400000000000000" pitchFamily="18" charset="-128"/>
                   <a:cs typeface="Arial" panose="020B0604020202020204" pitchFamily="34" charset="0"/>
@@ -15368,7 +15331,7 @@
                 <a:t>3</a:t>
               </a:r>
               <a:r>
-                <a:rPr lang="en-US" altLang="ja-JP" sz="1350" kern="100">
+                <a:rPr lang="en-US" altLang="ja-JP" sz="1350" kern="100" dirty="0">
                   <a:latin typeface="游明朝" panose="02020400000000000000" pitchFamily="18" charset="-128"/>
                   <a:ea typeface="游明朝" panose="02020400000000000000" pitchFamily="18" charset="-128"/>
                   <a:cs typeface="Arial" panose="020B0604020202020204" pitchFamily="34" charset="0"/>
@@ -15384,7 +15347,7 @@
                 <a:t>・</a:t>
               </a:r>
               <a:r>
-                <a:rPr lang="en-US" altLang="ja-JP" sz="1350" kern="100">
+                <a:rPr lang="en-US" altLang="ja-JP" sz="1350" kern="100" dirty="0">
                   <a:latin typeface="游明朝" panose="02020400000000000000" pitchFamily="18" charset="-128"/>
                   <a:ea typeface="游明朝" panose="02020400000000000000" pitchFamily="18" charset="-128"/>
                   <a:cs typeface="Arial" panose="020B0604020202020204" pitchFamily="34" charset="0"/>
@@ -15392,7 +15355,7 @@
                 <a:t>H</a:t>
               </a:r>
               <a:r>
-                <a:rPr lang="en-US" altLang="ja-JP" sz="1350" kern="100" baseline="-25000">
+                <a:rPr lang="en-US" altLang="ja-JP" sz="1350" kern="100" baseline="-25000" dirty="0">
                   <a:latin typeface="游明朝" panose="02020400000000000000" pitchFamily="18" charset="-128"/>
                   <a:ea typeface="游明朝" panose="02020400000000000000" pitchFamily="18" charset="-128"/>
                   <a:cs typeface="Arial" panose="020B0604020202020204" pitchFamily="34" charset="0"/>
@@ -15400,7 +15363,7 @@
                 <a:t>2</a:t>
               </a:r>
               <a:r>
-                <a:rPr lang="en-US" altLang="ja-JP" sz="1350" kern="100">
+                <a:rPr lang="en-US" altLang="ja-JP" sz="1350" kern="100" dirty="0">
                   <a:latin typeface="游明朝" panose="02020400000000000000" pitchFamily="18" charset="-128"/>
                   <a:ea typeface="游明朝" panose="02020400000000000000" pitchFamily="18" charset="-128"/>
                   <a:cs typeface="Arial" panose="020B0604020202020204" pitchFamily="34" charset="0"/>
@@ -15532,7 +15495,7 @@
               <a:lstStyle/>
               <a:p>
                 <a:r>
-                  <a:rPr lang="en-US" altLang="ja-JP" sz="825">
+                  <a:rPr lang="en-US" altLang="ja-JP" sz="825" dirty="0">
                     <a:latin typeface="Yu Mincho" panose="02020400000000000000" pitchFamily="18" charset="-128"/>
                     <a:ea typeface="Yu Mincho" panose="02020400000000000000" pitchFamily="18" charset="-128"/>
                   </a:rPr>
@@ -15546,7 +15509,7 @@
                   <a:t> </a:t>
                 </a:r>
                 <a:r>
-                  <a:rPr lang="en-US" altLang="ja-JP" sz="825">
+                  <a:rPr lang="en-US" altLang="ja-JP" sz="825" dirty="0">
                     <a:latin typeface="Yu Mincho" panose="02020400000000000000" pitchFamily="18" charset="-128"/>
                     <a:ea typeface="Yu Mincho" panose="02020400000000000000" pitchFamily="18" charset="-128"/>
                   </a:rPr>
@@ -15588,7 +15551,7 @@
               <a:lstStyle/>
               <a:p>
                 <a:r>
-                  <a:rPr lang="en-US" altLang="ja-JP" sz="1050">
+                  <a:rPr lang="en-US" altLang="ja-JP" sz="1050" dirty="0">
                     <a:latin typeface="Yu Mincho" panose="02020400000000000000" pitchFamily="18" charset="-128"/>
                     <a:ea typeface="Yu Mincho" panose="02020400000000000000" pitchFamily="18" charset="-128"/>
                   </a:rPr>
@@ -15631,7 +15594,7 @@
             <a:lstStyle/>
             <a:p>
               <a:r>
-                <a:rPr lang="en-US" altLang="ja-JP" sz="1350">
+                <a:rPr lang="en-US" altLang="ja-JP" sz="1350" dirty="0">
                   <a:latin typeface="Yu Mincho" panose="02020400000000000000" pitchFamily="18" charset="-128"/>
                   <a:ea typeface="Yu Mincho" panose="02020400000000000000" pitchFamily="18" charset="-128"/>
                   <a:cs typeface="Arial" panose="020B0604020202020204" pitchFamily="34" charset="0"/>
@@ -15639,7 +15602,7 @@
                 <a:t>Ni(OH)</a:t>
               </a:r>
               <a:r>
-                <a:rPr lang="en-US" altLang="ja-JP" sz="1350" baseline="-25000">
+                <a:rPr lang="en-US" altLang="ja-JP" sz="1350" baseline="-25000" dirty="0">
                   <a:latin typeface="Yu Mincho" panose="02020400000000000000" pitchFamily="18" charset="-128"/>
                   <a:ea typeface="Yu Mincho" panose="02020400000000000000" pitchFamily="18" charset="-128"/>
                   <a:cs typeface="Arial" panose="020B0604020202020204" pitchFamily="34" charset="0"/>
@@ -15647,7 +15610,7 @@
                 <a:t>3</a:t>
               </a:r>
               <a:r>
-                <a:rPr lang="en-US" altLang="ja-JP" sz="1350">
+                <a:rPr lang="en-US" altLang="ja-JP" sz="1350" dirty="0">
                   <a:latin typeface="Yu Mincho" panose="02020400000000000000" pitchFamily="18" charset="-128"/>
                   <a:ea typeface="Yu Mincho" panose="02020400000000000000" pitchFamily="18" charset="-128"/>
                   <a:cs typeface="Arial" panose="020B0604020202020204" pitchFamily="34" charset="0"/>
@@ -15655,7 +15618,7 @@
                 <a:t>(CH</a:t>
               </a:r>
               <a:r>
-                <a:rPr lang="en-US" altLang="ja-JP" sz="1350" baseline="-25000">
+                <a:rPr lang="en-US" altLang="ja-JP" sz="1350" baseline="-25000" dirty="0">
                   <a:latin typeface="Yu Mincho" panose="02020400000000000000" pitchFamily="18" charset="-128"/>
                   <a:ea typeface="Yu Mincho" panose="02020400000000000000" pitchFamily="18" charset="-128"/>
                   <a:cs typeface="Arial" panose="020B0604020202020204" pitchFamily="34" charset="0"/>
@@ -15663,7 +15626,7 @@
                 <a:t>3</a:t>
               </a:r>
               <a:r>
-                <a:rPr lang="en-US" altLang="ja-JP" sz="1350">
+                <a:rPr lang="en-US" altLang="ja-JP" sz="1350" dirty="0">
                   <a:latin typeface="Yu Mincho" panose="02020400000000000000" pitchFamily="18" charset="-128"/>
                   <a:ea typeface="Yu Mincho" panose="02020400000000000000" pitchFamily="18" charset="-128"/>
                   <a:cs typeface="Arial" panose="020B0604020202020204" pitchFamily="34" charset="0"/>
@@ -15671,7 +15634,7 @@
                 <a:t>(CH</a:t>
               </a:r>
               <a:r>
-                <a:rPr lang="en-US" altLang="ja-JP" sz="1350" baseline="-25000">
+                <a:rPr lang="en-US" altLang="ja-JP" sz="1350" baseline="-25000" dirty="0">
                   <a:latin typeface="Yu Mincho" panose="02020400000000000000" pitchFamily="18" charset="-128"/>
                   <a:ea typeface="Yu Mincho" panose="02020400000000000000" pitchFamily="18" charset="-128"/>
                   <a:cs typeface="Arial" panose="020B0604020202020204" pitchFamily="34" charset="0"/>
@@ -15679,7 +15642,7 @@
                 <a:t>2</a:t>
               </a:r>
               <a:r>
-                <a:rPr lang="en-US" altLang="ja-JP" sz="1350">
+                <a:rPr lang="en-US" altLang="ja-JP" sz="1350" dirty="0">
                   <a:latin typeface="Yu Mincho" panose="02020400000000000000" pitchFamily="18" charset="-128"/>
                   <a:ea typeface="Yu Mincho" panose="02020400000000000000" pitchFamily="18" charset="-128"/>
                   <a:cs typeface="Arial" panose="020B0604020202020204" pitchFamily="34" charset="0"/>
@@ -15687,7 +15650,7 @@
                 <a:t>)</a:t>
               </a:r>
               <a:r>
-                <a:rPr lang="en-US" altLang="ja-JP" sz="1350" baseline="-25000">
+                <a:rPr lang="en-US" altLang="ja-JP" sz="1350" baseline="-25000" dirty="0">
                   <a:latin typeface="Yu Mincho" panose="02020400000000000000" pitchFamily="18" charset="-128"/>
                   <a:ea typeface="Yu Mincho" panose="02020400000000000000" pitchFamily="18" charset="-128"/>
                   <a:cs typeface="Arial" panose="020B0604020202020204" pitchFamily="34" charset="0"/>
@@ -15695,7 +15658,7 @@
                 <a:t>11</a:t>
               </a:r>
               <a:r>
-                <a:rPr lang="en-US" altLang="ja-JP" sz="1350">
+                <a:rPr lang="en-US" altLang="ja-JP" sz="1350" dirty="0">
                   <a:latin typeface="Yu Mincho" panose="02020400000000000000" pitchFamily="18" charset="-128"/>
                   <a:ea typeface="Yu Mincho" panose="02020400000000000000" pitchFamily="18" charset="-128"/>
                   <a:cs typeface="Arial" panose="020B0604020202020204" pitchFamily="34" charset="0"/>
@@ -15703,7 +15666,7 @@
                 <a:t>C</a:t>
               </a:r>
               <a:r>
-                <a:rPr lang="en-US" altLang="ja-JP" sz="1350" baseline="-25000">
+                <a:rPr lang="en-US" altLang="ja-JP" sz="1350" baseline="-25000" dirty="0">
                   <a:latin typeface="Yu Mincho" panose="02020400000000000000" pitchFamily="18" charset="-128"/>
                   <a:ea typeface="Yu Mincho" panose="02020400000000000000" pitchFamily="18" charset="-128"/>
                   <a:cs typeface="Arial" panose="020B0604020202020204" pitchFamily="34" charset="0"/>
@@ -15711,7 +15674,7 @@
                 <a:t>6</a:t>
               </a:r>
               <a:r>
-                <a:rPr lang="en-US" altLang="ja-JP" sz="1350">
+                <a:rPr lang="en-US" altLang="ja-JP" sz="1350" dirty="0">
                   <a:latin typeface="Yu Mincho" panose="02020400000000000000" pitchFamily="18" charset="-128"/>
                   <a:ea typeface="Yu Mincho" panose="02020400000000000000" pitchFamily="18" charset="-128"/>
                   <a:cs typeface="Arial" panose="020B0604020202020204" pitchFamily="34" charset="0"/>
@@ -15719,7 +15682,7 @@
                 <a:t>H</a:t>
               </a:r>
               <a:r>
-                <a:rPr lang="en-US" altLang="ja-JP" sz="1350" baseline="-25000">
+                <a:rPr lang="en-US" altLang="ja-JP" sz="1350" baseline="-25000" dirty="0">
                   <a:latin typeface="Yu Mincho" panose="02020400000000000000" pitchFamily="18" charset="-128"/>
                   <a:ea typeface="Yu Mincho" panose="02020400000000000000" pitchFamily="18" charset="-128"/>
                   <a:cs typeface="Arial" panose="020B0604020202020204" pitchFamily="34" charset="0"/>
@@ -15727,7 +15690,7 @@
                 <a:t>4</a:t>
               </a:r>
               <a:r>
-                <a:rPr lang="en-US" altLang="ja-JP" sz="1350">
+                <a:rPr lang="en-US" altLang="ja-JP" sz="1350" dirty="0">
                   <a:latin typeface="Yu Mincho" panose="02020400000000000000" pitchFamily="18" charset="-128"/>
                   <a:ea typeface="Yu Mincho" panose="02020400000000000000" pitchFamily="18" charset="-128"/>
                   <a:cs typeface="Arial" panose="020B0604020202020204" pitchFamily="34" charset="0"/>
@@ -15735,7 +15698,7 @@
                 <a:t>SO</a:t>
               </a:r>
               <a:r>
-                <a:rPr lang="en-US" altLang="ja-JP" sz="1350" baseline="-25000">
+                <a:rPr lang="en-US" altLang="ja-JP" sz="1350" baseline="-25000" dirty="0">
                   <a:latin typeface="Yu Mincho" panose="02020400000000000000" pitchFamily="18" charset="-128"/>
                   <a:ea typeface="Yu Mincho" panose="02020400000000000000" pitchFamily="18" charset="-128"/>
                   <a:cs typeface="Arial" panose="020B0604020202020204" pitchFamily="34" charset="0"/>
@@ -15743,7 +15706,7 @@
                 <a:t>3</a:t>
               </a:r>
               <a:r>
-                <a:rPr lang="en-US" altLang="ja-JP" sz="1350">
+                <a:rPr lang="en-US" altLang="ja-JP" sz="1350" dirty="0">
                   <a:latin typeface="Yu Mincho" panose="02020400000000000000" pitchFamily="18" charset="-128"/>
                   <a:ea typeface="Yu Mincho" panose="02020400000000000000" pitchFamily="18" charset="-128"/>
                   <a:cs typeface="Arial" panose="020B0604020202020204" pitchFamily="34" charset="0"/>
@@ -15759,7 +15722,7 @@
                 <a:t>・</a:t>
               </a:r>
               <a:r>
-                <a:rPr lang="en-US" altLang="ja-JP" sz="1350">
+                <a:rPr lang="en-US" altLang="ja-JP" sz="1350" dirty="0">
                   <a:latin typeface="Yu Mincho" panose="02020400000000000000" pitchFamily="18" charset="-128"/>
                   <a:ea typeface="Yu Mincho" panose="02020400000000000000" pitchFamily="18" charset="-128"/>
                   <a:cs typeface="Arial" panose="020B0604020202020204" pitchFamily="34" charset="0"/>
@@ -15767,7 +15730,7 @@
                 <a:t>H</a:t>
               </a:r>
               <a:r>
-                <a:rPr lang="en-US" altLang="ja-JP" sz="1350" baseline="-25000">
+                <a:rPr lang="en-US" altLang="ja-JP" sz="1350" baseline="-25000" dirty="0">
                   <a:latin typeface="Yu Mincho" panose="02020400000000000000" pitchFamily="18" charset="-128"/>
                   <a:ea typeface="Yu Mincho" panose="02020400000000000000" pitchFamily="18" charset="-128"/>
                   <a:cs typeface="Arial" panose="020B0604020202020204" pitchFamily="34" charset="0"/>
@@ -15775,7 +15738,7 @@
                 <a:t>2</a:t>
               </a:r>
               <a:r>
-                <a:rPr lang="en-US" altLang="ja-JP" sz="1350">
+                <a:rPr lang="en-US" altLang="ja-JP" sz="1350" dirty="0">
                   <a:latin typeface="Yu Mincho" panose="02020400000000000000" pitchFamily="18" charset="-128"/>
                   <a:ea typeface="Yu Mincho" panose="02020400000000000000" pitchFamily="18" charset="-128"/>
                   <a:cs typeface="Arial" panose="020B0604020202020204" pitchFamily="34" charset="0"/>
@@ -15868,7 +15831,7 @@
               <a:lstStyle/>
               <a:p>
                 <a:r>
-                  <a:rPr lang="en-US" altLang="ja-JP" sz="1050">
+                  <a:rPr lang="en-US" altLang="ja-JP" sz="1050" dirty="0">
                     <a:latin typeface="Yu Mincho" panose="02020400000000000000" pitchFamily="18" charset="-128"/>
                     <a:ea typeface="Yu Mincho" panose="02020400000000000000" pitchFamily="18" charset="-128"/>
                   </a:rPr>
@@ -15952,7 +15915,7 @@
               <a:lstStyle/>
               <a:p>
                 <a:r>
-                  <a:rPr lang="en-US" altLang="ja-JP" sz="825">
+                  <a:rPr lang="en-US" altLang="ja-JP" sz="825" dirty="0">
                     <a:latin typeface="Yu Mincho" panose="02020400000000000000" pitchFamily="18" charset="-128"/>
                     <a:ea typeface="Yu Mincho" panose="02020400000000000000" pitchFamily="18" charset="-128"/>
                   </a:rPr>
@@ -15966,7 +15929,7 @@
                   <a:t> </a:t>
                 </a:r>
                 <a:r>
-                  <a:rPr lang="en-US" altLang="ja-JP" sz="825">
+                  <a:rPr lang="en-US" altLang="ja-JP" sz="825" dirty="0">
                     <a:latin typeface="Yu Mincho" panose="02020400000000000000" pitchFamily="18" charset="-128"/>
                     <a:ea typeface="Yu Mincho" panose="02020400000000000000" pitchFamily="18" charset="-128"/>
                   </a:rPr>
@@ -16064,7 +16027,7 @@
             <a:p>
               <a:pPr algn="ctr"/>
               <a:r>
-                <a:rPr lang="en-US" altLang="ja-JP" sz="1050">
+                <a:rPr lang="en-US" altLang="ja-JP" sz="1050" dirty="0">
                   <a:latin typeface="Yu Mincho" panose="02020400000000000000" pitchFamily="18" charset="-128"/>
                   <a:ea typeface="Yu Mincho" panose="02020400000000000000" pitchFamily="18" charset="-128"/>
                 </a:rPr>
@@ -16081,7 +16044,7 @@
                 <a:t>室温</a:t>
               </a:r>
               <a:r>
-                <a:rPr lang="en-US" altLang="ja-JP" sz="1050">
+                <a:rPr lang="en-US" altLang="ja-JP" sz="1050" dirty="0">
                   <a:latin typeface="Yu Mincho" panose="02020400000000000000" pitchFamily="18" charset="-128"/>
                   <a:ea typeface="Yu Mincho" panose="02020400000000000000" pitchFamily="18" charset="-128"/>
                 </a:rPr>
@@ -16159,7 +16122,7 @@
               <a:t>サイクリックボルタンメトリー</a:t>
             </a:r>
             <a:r>
-              <a:rPr lang="en-US" altLang="ja-JP" sz="2100">
+              <a:rPr lang="en-US" altLang="ja-JP" sz="2100" dirty="0">
                 <a:latin typeface="HGSSoeiKakugothicUB" panose="020B0900000000000000" pitchFamily="34" charset="-128"/>
                 <a:ea typeface="HGSSoeiKakugothicUB" panose="020B0900000000000000" pitchFamily="34" charset="-128"/>
               </a:rPr>
@@ -16590,7 +16553,7 @@
                   </a:rPr>
                   <a:t>参照極</a:t>
                 </a:r>
-                <a:endParaRPr lang="en-US" altLang="ja-JP" sz="1350">
+                <a:endParaRPr lang="en-US" altLang="ja-JP" sz="1350" dirty="0">
                   <a:latin typeface="Hiragino Maru Gothic ProN W4" panose="020F0400000000000000" pitchFamily="34" charset="-128"/>
                   <a:ea typeface="Hiragino Maru Gothic ProN W4" panose="020F0400000000000000" pitchFamily="34" charset="-128"/>
                 </a:endParaRPr>
@@ -16598,7 +16561,7 @@
               <a:p>
                 <a:pPr algn="ctr"/>
                 <a:r>
-                  <a:rPr lang="en-US" altLang="ja-JP" sz="1350">
+                  <a:rPr lang="en-US" altLang="ja-JP" sz="1350" dirty="0">
                     <a:latin typeface="Hiragino Maru Gothic ProN W4" panose="020F0400000000000000" pitchFamily="34" charset="-128"/>
                     <a:ea typeface="Hiragino Maru Gothic ProN W4" panose="020F0400000000000000" pitchFamily="34" charset="-128"/>
                   </a:rPr>
@@ -16611,6 +16574,10 @@
                   </a:rPr>
                   <a:t>電極</a:t>
                 </a:r>
+                <a:endParaRPr lang="ja-JP" altLang="en-US" sz="1350" dirty="0">
+                  <a:latin typeface="Hiragino Maru Gothic ProN W4" panose="020F0400000000000000" pitchFamily="34" charset="-128"/>
+                  <a:ea typeface="Hiragino Maru Gothic ProN W4" panose="020F0400000000000000" pitchFamily="34" charset="-128"/>
+                </a:endParaRPr>
               </a:p>
             </p:txBody>
           </p:sp>
@@ -16655,7 +16622,7 @@
                   </a:rPr>
                   <a:t>対極</a:t>
                 </a:r>
-                <a:endParaRPr lang="en-US" altLang="ja-JP" sz="1350">
+                <a:endParaRPr lang="en-US" altLang="ja-JP" sz="1350" dirty="0">
                   <a:latin typeface="Hiragino Maru Gothic ProN W4" panose="020F0400000000000000" pitchFamily="34" charset="-128"/>
                   <a:ea typeface="Hiragino Maru Gothic ProN W4" panose="020F0400000000000000" pitchFamily="34" charset="-128"/>
                 </a:endParaRPr>
@@ -16667,7 +16634,14 @@
                     <a:latin typeface="Hiragino Maru Gothic ProN W4" panose="020F0400000000000000" pitchFamily="34" charset="-128"/>
                     <a:ea typeface="Hiragino Maru Gothic ProN W4" panose="020F0400000000000000" pitchFamily="34" charset="-128"/>
                   </a:rPr>
-                  <a:t>白金線　</a:t>
+                  <a:t>白金</a:t>
+                </a:r>
+                <a:r>
+                  <a:rPr lang="ja-JP" altLang="en-US" sz="1350" dirty="0">
+                    <a:latin typeface="Hiragino Maru Gothic ProN W4" panose="020F0400000000000000" pitchFamily="34" charset="-128"/>
+                    <a:ea typeface="Hiragino Maru Gothic ProN W4" panose="020F0400000000000000" pitchFamily="34" charset="-128"/>
+                  </a:rPr>
+                  <a:t>線　</a:t>
                 </a:r>
               </a:p>
             </p:txBody>
@@ -16745,7 +16719,7 @@
               <a:p>
                 <a:pPr algn="ctr"/>
                 <a:r>
-                  <a:rPr lang="ja-JP" altLang="en-US" sz="1350">
+                  <a:rPr lang="ja-JP" altLang="en-US" sz="1350" dirty="0">
                     <a:latin typeface="Hiragino Maru Gothic ProN W4" panose="020F0400000000000000" pitchFamily="34" charset="-128"/>
                     <a:ea typeface="Hiragino Maru Gothic ProN W4" panose="020F0400000000000000" pitchFamily="34" charset="-128"/>
                   </a:rPr>
@@ -16795,7 +16769,7 @@
               <a:p>
                 <a:pPr algn="ctr"/>
                 <a:r>
-                  <a:rPr lang="en-US" altLang="ja-JP" sz="1350">
+                  <a:rPr lang="en-US" altLang="ja-JP" sz="1350" dirty="0">
                     <a:solidFill>
                       <a:schemeClr val="tx1"/>
                     </a:solidFill>
@@ -16804,7 +16778,7 @@
                   </a:rPr>
                   <a:t>0.1 M NaOH</a:t>
                 </a:r>
-                <a:endParaRPr lang="ja-JP" altLang="en-US" sz="1350">
+                <a:endParaRPr lang="ja-JP" altLang="en-US" sz="1350" dirty="0">
                   <a:solidFill>
                     <a:schemeClr val="tx1"/>
                   </a:solidFill>
@@ -17986,7 +17960,7 @@
                     </a:rPr>
                     <a:t>参照極</a:t>
                   </a:r>
-                  <a:endParaRPr lang="en-US" altLang="ja-JP" sz="1350">
+                  <a:endParaRPr lang="en-US" altLang="ja-JP" sz="1350" dirty="0">
                     <a:latin typeface="Hiragino Maru Gothic ProN W4" panose="020F0400000000000000" pitchFamily="34" charset="-128"/>
                     <a:ea typeface="Hiragino Maru Gothic ProN W4" panose="020F0400000000000000" pitchFamily="34" charset="-128"/>
                   </a:endParaRPr>
@@ -17994,7 +17968,7 @@
                 <a:p>
                   <a:pPr algn="ctr"/>
                   <a:r>
-                    <a:rPr lang="en-US" altLang="ja-JP" sz="1350">
+                    <a:rPr lang="en-US" altLang="ja-JP" sz="1350" dirty="0">
                       <a:latin typeface="Hiragino Maru Gothic ProN W4" panose="020F0400000000000000" pitchFamily="34" charset="-128"/>
                       <a:ea typeface="Hiragino Maru Gothic ProN W4" panose="020F0400000000000000" pitchFamily="34" charset="-128"/>
                     </a:rPr>
@@ -18007,6 +17981,10 @@
                     </a:rPr>
                     <a:t>電極</a:t>
                   </a:r>
+                  <a:endParaRPr lang="ja-JP" altLang="en-US" sz="1350" dirty="0">
+                    <a:latin typeface="Hiragino Maru Gothic ProN W4" panose="020F0400000000000000" pitchFamily="34" charset="-128"/>
+                    <a:ea typeface="Hiragino Maru Gothic ProN W4" panose="020F0400000000000000" pitchFamily="34" charset="-128"/>
+                  </a:endParaRPr>
                 </a:p>
               </p:txBody>
             </p:sp>
@@ -18057,7 +18035,7 @@
                     </a:rPr>
                     <a:t>対極</a:t>
                   </a:r>
-                  <a:endParaRPr lang="en-US" altLang="ja-JP" sz="1350">
+                  <a:endParaRPr lang="en-US" altLang="ja-JP" sz="1350" dirty="0">
                     <a:latin typeface="Hiragino Maru Gothic ProN W4" panose="020F0400000000000000" pitchFamily="34" charset="-128"/>
                     <a:ea typeface="Hiragino Maru Gothic ProN W4" panose="020F0400000000000000" pitchFamily="34" charset="-128"/>
                   </a:endParaRPr>
@@ -18069,7 +18047,14 @@
                       <a:latin typeface="Hiragino Maru Gothic ProN W4" panose="020F0400000000000000" pitchFamily="34" charset="-128"/>
                       <a:ea typeface="Hiragino Maru Gothic ProN W4" panose="020F0400000000000000" pitchFamily="34" charset="-128"/>
                     </a:rPr>
-                    <a:t>白金線　</a:t>
+                    <a:t>白金</a:t>
+                  </a:r>
+                  <a:r>
+                    <a:rPr lang="ja-JP" altLang="en-US" sz="1350" dirty="0">
+                      <a:latin typeface="Hiragino Maru Gothic ProN W4" panose="020F0400000000000000" pitchFamily="34" charset="-128"/>
+                      <a:ea typeface="Hiragino Maru Gothic ProN W4" panose="020F0400000000000000" pitchFamily="34" charset="-128"/>
+                    </a:rPr>
+                    <a:t>線　</a:t>
                   </a:r>
                 </a:p>
               </p:txBody>
@@ -18159,7 +18144,7 @@
                 <a:p>
                   <a:pPr algn="ctr"/>
                   <a:r>
-                    <a:rPr lang="ja-JP" altLang="en-US" sz="1350">
+                    <a:rPr lang="ja-JP" altLang="en-US" sz="1350" dirty="0">
                       <a:latin typeface="Hiragino Maru Gothic ProN W4" panose="020F0400000000000000" pitchFamily="34" charset="-128"/>
                       <a:ea typeface="Hiragino Maru Gothic ProN W4" panose="020F0400000000000000" pitchFamily="34" charset="-128"/>
                     </a:rPr>
@@ -18215,7 +18200,7 @@
                 <a:p>
                   <a:pPr algn="ctr"/>
                   <a:r>
-                    <a:rPr lang="en-US" altLang="ja-JP" sz="1350">
+                    <a:rPr lang="en-US" altLang="ja-JP" sz="1350" dirty="0">
                       <a:solidFill>
                         <a:schemeClr val="tx1"/>
                       </a:solidFill>
@@ -18224,7 +18209,7 @@
                     </a:rPr>
                     <a:t>0.1 M NaOH</a:t>
                   </a:r>
-                  <a:endParaRPr lang="ja-JP" altLang="en-US" sz="1350">
+                  <a:endParaRPr lang="ja-JP" altLang="en-US" sz="1350" dirty="0">
                     <a:solidFill>
                       <a:schemeClr val="tx1"/>
                     </a:solidFill>
@@ -19007,7 +18992,7 @@
                 </a:rPr>
                 <a:t>スターラーピース</a:t>
               </a:r>
-              <a:endParaRPr lang="en-US" altLang="ja-JP" sz="1350">
+              <a:endParaRPr lang="en-US" altLang="ja-JP" sz="1350" dirty="0">
                 <a:latin typeface="Hiragino Maru Gothic ProN W4" panose="020F0400000000000000" pitchFamily="34" charset="-128"/>
                 <a:ea typeface="Hiragino Maru Gothic ProN W4" panose="020F0400000000000000" pitchFamily="34" charset="-128"/>
               </a:endParaRPr>
@@ -19021,6 +19006,10 @@
                 </a:rPr>
                 <a:t>で撹拌</a:t>
               </a:r>
+              <a:endParaRPr lang="ja-JP" altLang="en-US" sz="1350" dirty="0">
+                <a:latin typeface="Hiragino Maru Gothic ProN W4" panose="020F0400000000000000" pitchFamily="34" charset="-128"/>
+                <a:ea typeface="Hiragino Maru Gothic ProN W4" panose="020F0400000000000000" pitchFamily="34" charset="-128"/>
+              </a:endParaRPr>
             </a:p>
           </p:txBody>
         </p:sp>
@@ -19141,7 +19130,7 @@
               </a:rPr>
               <a:t>クロノアンペロメトリ</a:t>
             </a:r>
-            <a:endParaRPr lang="en-US" altLang="ja-JP" sz="2100">
+            <a:endParaRPr lang="en-US" altLang="ja-JP" sz="2100" dirty="0">
               <a:latin typeface="HGSSoeiKakugothicUB" panose="020B0900000000000000" pitchFamily="34" charset="-128"/>
               <a:ea typeface="HGSSoeiKakugothicUB" panose="020B0900000000000000" pitchFamily="34" charset="-128"/>
             </a:endParaRPr>
@@ -19184,7 +19173,7 @@
               <a:t>グルコース</a:t>
             </a:r>
             <a:r>
-              <a:rPr lang="en-US" altLang="ja-JP" sz="1350">
+              <a:rPr lang="en-US" altLang="ja-JP" sz="1350" dirty="0">
                 <a:latin typeface="Hiragino Maru Gothic ProN W4" panose="020F0400000000000000" pitchFamily="34" charset="-128"/>
                 <a:ea typeface="Hiragino Maru Gothic ProN W4" panose="020F0400000000000000" pitchFamily="34" charset="-128"/>
               </a:rPr>
@@ -19401,7 +19390,7 @@
                     </a:rPr>
                     <a:t>ニッケル水酸化物ナノシート固定電極を作製し</a:t>
                   </a:r>
-                  <a:endParaRPr lang="en-US" altLang="ja-JP" sz="2700" b="1">
+                  <a:endParaRPr lang="en-US" altLang="ja-JP" sz="2700" b="1" dirty="0">
                     <a:latin typeface="MS Gothic" panose="020B0609070205080204" pitchFamily="49" charset="-128"/>
                     <a:ea typeface="MS Gothic" panose="020B0609070205080204" pitchFamily="49" charset="-128"/>
                   </a:endParaRPr>
@@ -19469,7 +19458,7 @@
               <a:lstStyle/>
               <a:p>
                 <a:pPr algn="ctr"/>
-                <a:endParaRPr lang="en-US" altLang="ja-JP" sz="2400" b="1">
+                <a:endParaRPr lang="en-US" altLang="ja-JP" sz="2400" b="1" dirty="0">
                   <a:solidFill>
                     <a:schemeClr val="tx1"/>
                   </a:solidFill>
@@ -19542,7 +19531,7 @@
                 </a:rPr>
                 <a:t>本研究</a:t>
               </a:r>
-              <a:endParaRPr lang="en-US" altLang="ja-JP" sz="2400" b="1">
+              <a:endParaRPr lang="en-US" altLang="ja-JP" sz="2400" b="1" dirty="0">
                 <a:solidFill>
                   <a:schemeClr val="tx1"/>
                 </a:solidFill>
@@ -19736,7 +19725,7 @@
           <a:p>
             <a:pPr algn="ctr"/>
             <a:r>
-              <a:rPr kumimoji="1" lang="ja-JP" altLang="en-US">
+              <a:rPr kumimoji="1" lang="ja-JP" altLang="en-US" dirty="0">
                 <a:latin typeface="Meiryo" panose="020B0604030504040204" pitchFamily="34" charset="-128"/>
                 <a:ea typeface="Meiryo" panose="020B0604030504040204" pitchFamily="34" charset="-128"/>
               </a:rPr>
@@ -19917,7 +19906,7 @@
               </a:rPr>
               <a:t>緒言</a:t>
             </a:r>
-            <a:endParaRPr lang="en-US" altLang="ja-JP" sz="2100">
+            <a:endParaRPr lang="en-US" altLang="ja-JP" sz="2100" dirty="0">
               <a:latin typeface="MS Gothic" panose="020B0609070205080204" pitchFamily="49" charset="-128"/>
               <a:ea typeface="MS Gothic" panose="020B0609070205080204" pitchFamily="49" charset="-128"/>
             </a:endParaRPr>
@@ -19956,7 +19945,7 @@
               <a:buAutoNum type="arabicParenBoth"/>
             </a:pPr>
             <a:r>
-              <a:rPr lang="en-US" altLang="ja-JP" sz="900" b="0" i="0" u="none" strike="noStrike">
+              <a:rPr lang="en-US" altLang="ja-JP" sz="900" b="0" i="0" u="none" strike="noStrike" dirty="0">
                 <a:solidFill>
                   <a:srgbClr val="000000"/>
                 </a:solidFill>
@@ -19968,7 +19957,7 @@
               <a:t>M. Kurashina, A. Eguchi, E. Kanezaki, T. Shiga, and H. Oshio, </a:t>
             </a:r>
             <a:r>
-              <a:rPr lang="en-US" altLang="ja-JP" sz="900">
+              <a:rPr lang="en-US" altLang="ja-JP" sz="900" dirty="0">
                 <a:solidFill>
                   <a:srgbClr val="000000"/>
                 </a:solidFill>
@@ -19979,7 +19968,7 @@
               <a:t> </a:t>
             </a:r>
             <a:r>
-              <a:rPr lang="en-US" altLang="ja-JP" sz="900" b="0" i="1" u="none" strike="noStrike">
+              <a:rPr lang="en-US" altLang="ja-JP" sz="900" b="0" i="1" u="none" strike="noStrike" dirty="0">
                 <a:solidFill>
                   <a:srgbClr val="000000"/>
                 </a:solidFill>
@@ -19991,7 +19980,7 @@
               <a:t>Int. J. Mod. Phys. B</a:t>
             </a:r>
             <a:r>
-              <a:rPr lang="en-US" altLang="ja-JP" sz="900" b="0" i="0" u="none" strike="noStrike">
+              <a:rPr lang="en-US" altLang="ja-JP" sz="900" b="0" i="0" u="none" strike="noStrike" dirty="0">
                 <a:solidFill>
                   <a:srgbClr val="000000"/>
                 </a:solidFill>
@@ -20003,7 +19992,7 @@
               <a:t>, </a:t>
             </a:r>
             <a:r>
-              <a:rPr lang="en-US" altLang="ja-JP" sz="900" b="1" i="0" u="none" strike="noStrike">
+              <a:rPr lang="en-US" altLang="ja-JP" sz="900" b="1" i="0" u="none" strike="noStrike" dirty="0">
                 <a:solidFill>
                   <a:srgbClr val="000000"/>
                 </a:solidFill>
@@ -20015,7 +20004,7 @@
               <a:t>24</a:t>
             </a:r>
             <a:r>
-              <a:rPr lang="en-US" altLang="ja-JP" sz="900" b="0" i="0" u="none" strike="noStrike">
+              <a:rPr lang="en-US" altLang="ja-JP" sz="900" b="0" i="0" u="none" strike="noStrike" dirty="0">
                 <a:solidFill>
                   <a:srgbClr val="000000"/>
                 </a:solidFill>
@@ -20043,7 +20032,7 @@
               <a:t>坪平</a:t>
             </a:r>
             <a:r>
-              <a:rPr lang="en-US" altLang="ja-JP" sz="900">
+              <a:rPr lang="en-US" altLang="ja-JP" sz="900" dirty="0">
                 <a:solidFill>
                   <a:srgbClr val="000000"/>
                 </a:solidFill>
@@ -20065,7 +20054,7 @@
               <a:t>遥河</a:t>
             </a:r>
             <a:r>
-              <a:rPr lang="en-US" altLang="ja-JP" sz="900">
+              <a:rPr lang="en-US" altLang="ja-JP" sz="900" dirty="0">
                 <a:solidFill>
                   <a:srgbClr val="000000"/>
                 </a:solidFill>
@@ -20087,7 +20076,7 @@
               <a:t>徳島大学修士論文</a:t>
             </a:r>
             <a:r>
-              <a:rPr lang="en-US" altLang="ja-JP" sz="900">
+              <a:rPr lang="en-US" altLang="ja-JP" sz="900" dirty="0">
                 <a:solidFill>
                   <a:srgbClr val="000000"/>
                 </a:solidFill>
@@ -20098,7 +20087,7 @@
               <a:t> (2023)</a:t>
             </a:r>
             <a:r>
-              <a:rPr lang="en-US" altLang="ja-JP" sz="900" b="0" i="0" u="none" strike="noStrike">
+              <a:rPr lang="en-US" altLang="ja-JP" sz="900" b="0" i="0" u="none" strike="noStrike" dirty="0">
                 <a:solidFill>
                   <a:srgbClr val="000000"/>
                 </a:solidFill>
@@ -20115,7 +20104,7 @@
               <a:buAutoNum type="arabicParenBoth"/>
             </a:pPr>
             <a:r>
-              <a:rPr kumimoji="1" lang="en" altLang="ja-JP" sz="900">
+              <a:rPr kumimoji="1" lang="en" altLang="ja-JP" sz="900" dirty="0">
                 <a:latin typeface="Times New Roman" panose="02020603050405020304" pitchFamily="18" charset="0"/>
                 <a:ea typeface="MS Mincho" panose="02020609040205080304" pitchFamily="49" charset="-128"/>
                 <a:cs typeface="Times New Roman" panose="02020603050405020304" pitchFamily="18" charset="0"/>
@@ -20123,7 +20112,7 @@
               <a:t>E. M. Almutairi et al., </a:t>
             </a:r>
             <a:r>
-              <a:rPr kumimoji="1" lang="en" altLang="ja-JP" sz="900" i="1">
+              <a:rPr kumimoji="1" lang="en" altLang="ja-JP" sz="900" i="1" dirty="0">
                 <a:latin typeface="Times New Roman" panose="02020603050405020304" pitchFamily="18" charset="0"/>
                 <a:ea typeface="MS Mincho" panose="02020609040205080304" pitchFamily="49" charset="-128"/>
                 <a:cs typeface="Times New Roman" panose="02020603050405020304" pitchFamily="18" charset="0"/>
@@ -20131,7 +20120,7 @@
               <a:t>Arabian Journal of Chemistry </a:t>
             </a:r>
             <a:r>
-              <a:rPr kumimoji="1" lang="en" altLang="ja-JP" sz="900">
+              <a:rPr kumimoji="1" lang="en" altLang="ja-JP" sz="900" dirty="0">
                 <a:latin typeface="Times New Roman" panose="02020603050405020304" pitchFamily="18" charset="0"/>
                 <a:ea typeface="MS Mincho" panose="02020609040205080304" pitchFamily="49" charset="-128"/>
                 <a:cs typeface="Times New Roman" panose="02020603050405020304" pitchFamily="18" charset="0"/>
@@ -20181,7 +20170,7 @@
               </a:rPr>
               <a:t>層状化合物を剥離することで</a:t>
             </a:r>
-            <a:endParaRPr kumimoji="1" lang="en-US" altLang="ja-JP">
+            <a:endParaRPr kumimoji="1" lang="en-US" altLang="ja-JP" dirty="0">
               <a:latin typeface="HGSSoeiKakugothicUB" panose="020B0900000000000000" pitchFamily="34" charset="-128"/>
               <a:ea typeface="HGSSoeiKakugothicUB" panose="020B0900000000000000" pitchFamily="34" charset="-128"/>
             </a:endParaRPr>
@@ -20195,7 +20184,7 @@
               <a:t>ナノシートが得られる</a:t>
             </a:r>
             <a:r>
-              <a:rPr kumimoji="1" lang="en-US" altLang="ja-JP" baseline="30000">
+              <a:rPr kumimoji="1" lang="en-US" altLang="ja-JP" baseline="30000" dirty="0">
                 <a:latin typeface="HGSSoeiKakugothicUB" panose="020B0900000000000000" pitchFamily="34" charset="-128"/>
                 <a:ea typeface="HGSSoeiKakugothicUB" panose="020B0900000000000000" pitchFamily="34" charset="-128"/>
               </a:rPr>
@@ -20291,7 +20280,7 @@
           <a:lstStyle/>
           <a:p>
             <a:r>
-              <a:rPr kumimoji="1" lang="en-US" altLang="ja-JP">
+              <a:rPr kumimoji="1" lang="en-US" altLang="ja-JP" dirty="0">
                 <a:latin typeface="HGSSoeiKakugothicUB" panose="020B0900000000000000" pitchFamily="34" charset="-128"/>
                 <a:ea typeface="HGSSoeiKakugothicUB" panose="020B0900000000000000" pitchFamily="34" charset="-128"/>
               </a:rPr>
@@ -20336,42 +20325,42 @@
           <a:lstStyle/>
           <a:p>
             <a:r>
-              <a:rPr kumimoji="1" lang="en-US" altLang="ja-JP" sz="1400">
+              <a:rPr kumimoji="1" lang="en-US" altLang="ja-JP" sz="1400" dirty="0">
                 <a:latin typeface="Meiryo" panose="020B0604030504040204" pitchFamily="34" charset="-128"/>
                 <a:ea typeface="Meiryo" panose="020B0604030504040204" pitchFamily="34" charset="-128"/>
               </a:rPr>
               <a:t>Cu(OH)</a:t>
             </a:r>
             <a:r>
-              <a:rPr kumimoji="1" lang="en-US" altLang="ja-JP" sz="1400" baseline="-25000">
+              <a:rPr kumimoji="1" lang="en-US" altLang="ja-JP" sz="1400" baseline="-25000" dirty="0">
                 <a:latin typeface="Meiryo" panose="020B0604030504040204" pitchFamily="34" charset="-128"/>
                 <a:ea typeface="Meiryo" panose="020B0604030504040204" pitchFamily="34" charset="-128"/>
               </a:rPr>
               <a:t>2</a:t>
             </a:r>
             <a:r>
-              <a:rPr kumimoji="1" lang="en-US" altLang="ja-JP" sz="1400">
+              <a:rPr kumimoji="1" lang="en-US" altLang="ja-JP" sz="1400" dirty="0">
                 <a:latin typeface="Meiryo" panose="020B0604030504040204" pitchFamily="34" charset="-128"/>
                 <a:ea typeface="Meiryo" panose="020B0604030504040204" pitchFamily="34" charset="-128"/>
               </a:rPr>
               <a:t>, Ni(OH)</a:t>
             </a:r>
             <a:r>
-              <a:rPr kumimoji="1" lang="en-US" altLang="ja-JP" sz="1400" baseline="-25000">
+              <a:rPr kumimoji="1" lang="en-US" altLang="ja-JP" sz="1400" baseline="-25000" dirty="0">
                 <a:latin typeface="Meiryo" panose="020B0604030504040204" pitchFamily="34" charset="-128"/>
                 <a:ea typeface="Meiryo" panose="020B0604030504040204" pitchFamily="34" charset="-128"/>
               </a:rPr>
               <a:t>2</a:t>
             </a:r>
             <a:r>
-              <a:rPr kumimoji="1" lang="en-US" altLang="ja-JP" sz="1400">
+              <a:rPr kumimoji="1" lang="en-US" altLang="ja-JP" sz="1400" dirty="0">
                 <a:latin typeface="Meiryo" panose="020B0604030504040204" pitchFamily="34" charset="-128"/>
                 <a:ea typeface="Meiryo" panose="020B0604030504040204" pitchFamily="34" charset="-128"/>
               </a:rPr>
               <a:t>, Co(OH)</a:t>
             </a:r>
             <a:r>
-              <a:rPr kumimoji="1" lang="en-US" altLang="ja-JP" sz="1400" baseline="-25000">
+              <a:rPr kumimoji="1" lang="en-US" altLang="ja-JP" sz="1400" baseline="-25000" dirty="0">
                 <a:latin typeface="Meiryo" panose="020B0604030504040204" pitchFamily="34" charset="-128"/>
                 <a:ea typeface="Meiryo" panose="020B0604030504040204" pitchFamily="34" charset="-128"/>
               </a:rPr>
@@ -20421,7 +20410,7 @@
               <a:t>時間に対する電流応答</a:t>
             </a:r>
             <a:r>
-              <a:rPr kumimoji="1" lang="en-US" altLang="ja-JP" sz="1100" baseline="30000">
+              <a:rPr kumimoji="1" lang="en-US" altLang="ja-JP" sz="1100" baseline="30000" dirty="0">
                 <a:latin typeface="Hiragino Maru Gothic ProN W4" panose="020F0400000000000000" pitchFamily="34" charset="-128"/>
                 <a:ea typeface="Hiragino Maru Gothic ProN W4" panose="020F0400000000000000" pitchFamily="34" charset="-128"/>
               </a:rPr>
@@ -20448,8 +20437,8 @@
         </p:nvSpPr>
         <p:spPr>
           <a:xfrm>
-            <a:off x="3859250" y="2537019"/>
-            <a:ext cx="5020926" cy="2031325"/>
+            <a:off x="3947487" y="4018906"/>
+            <a:ext cx="5020926" cy="646331"/>
           </a:xfrm>
           <a:prstGeom prst="rect">
             <a:avLst/>
@@ -20467,9 +20456,9 @@
                 <a:latin typeface="Hiragino Maru Gothic ProN W4" panose="020F0400000000000000" pitchFamily="34" charset="-128"/>
                 <a:ea typeface="Hiragino Maru Gothic ProN W4" panose="020F0400000000000000" pitchFamily="34" charset="-128"/>
               </a:rPr>
-              <a:t>銅水酸化物ナノシートでは、</a:t>
-            </a:r>
-            <a:endParaRPr kumimoji="1" lang="en-US" altLang="ja-JP">
+              <a:t>ニッケル水酸化物ナノ構造でも</a:t>
+            </a:r>
+            <a:endParaRPr kumimoji="1" lang="en-US" altLang="ja-JP" dirty="0">
               <a:latin typeface="Hiragino Maru Gothic ProN W4" panose="020F0400000000000000" pitchFamily="34" charset="-128"/>
               <a:ea typeface="Hiragino Maru Gothic ProN W4" panose="020F0400000000000000" pitchFamily="34" charset="-128"/>
             </a:endParaRPr>
@@ -20480,54 +20469,10 @@
                 <a:latin typeface="Hiragino Maru Gothic ProN W4" panose="020F0400000000000000" pitchFamily="34" charset="-128"/>
                 <a:ea typeface="Hiragino Maru Gothic ProN W4" panose="020F0400000000000000" pitchFamily="34" charset="-128"/>
               </a:rPr>
-              <a:t>グルコースの酸化が確認されている</a:t>
-            </a:r>
-            <a:endParaRPr kumimoji="1" lang="en-US" altLang="ja-JP">
-              <a:latin typeface="Hiragino Maru Gothic ProN W4" panose="020F0400000000000000" pitchFamily="34" charset="-128"/>
-              <a:ea typeface="Hiragino Maru Gothic ProN W4" panose="020F0400000000000000" pitchFamily="34" charset="-128"/>
-            </a:endParaRPr>
-          </a:p>
-          <a:p>
-            <a:endParaRPr kumimoji="1" lang="en-US" altLang="ja-JP">
-              <a:latin typeface="Hiragino Maru Gothic ProN W4" panose="020F0400000000000000" pitchFamily="34" charset="-128"/>
-              <a:ea typeface="Hiragino Maru Gothic ProN W4" panose="020F0400000000000000" pitchFamily="34" charset="-128"/>
-            </a:endParaRPr>
-          </a:p>
-          <a:p>
-            <a:endParaRPr kumimoji="1" lang="en-US" altLang="ja-JP">
-              <a:latin typeface="Hiragino Maru Gothic ProN W4" panose="020F0400000000000000" pitchFamily="34" charset="-128"/>
-              <a:ea typeface="Hiragino Maru Gothic ProN W4" panose="020F0400000000000000" pitchFamily="34" charset="-128"/>
-            </a:endParaRPr>
-          </a:p>
-          <a:p>
-            <a:endParaRPr kumimoji="1" lang="en-US" altLang="ja-JP">
-              <a:latin typeface="Hiragino Maru Gothic ProN W4" panose="020F0400000000000000" pitchFamily="34" charset="-128"/>
-              <a:ea typeface="Hiragino Maru Gothic ProN W4" panose="020F0400000000000000" pitchFamily="34" charset="-128"/>
-            </a:endParaRPr>
-          </a:p>
-          <a:p>
-            <a:r>
-              <a:rPr kumimoji="1" lang="ja-JP" altLang="en-US">
-                <a:latin typeface="Hiragino Maru Gothic ProN W4" panose="020F0400000000000000" pitchFamily="34" charset="-128"/>
-                <a:ea typeface="Hiragino Maru Gothic ProN W4" panose="020F0400000000000000" pitchFamily="34" charset="-128"/>
-              </a:rPr>
-              <a:t>ニッケル水酸化物ナノ構造でも</a:t>
-            </a:r>
-            <a:endParaRPr kumimoji="1" lang="en-US" altLang="ja-JP">
-              <a:latin typeface="Hiragino Maru Gothic ProN W4" panose="020F0400000000000000" pitchFamily="34" charset="-128"/>
-              <a:ea typeface="Hiragino Maru Gothic ProN W4" panose="020F0400000000000000" pitchFamily="34" charset="-128"/>
-            </a:endParaRPr>
-          </a:p>
-          <a:p>
-            <a:r>
-              <a:rPr kumimoji="1" lang="ja-JP" altLang="en-US">
-                <a:latin typeface="Hiragino Maru Gothic ProN W4" panose="020F0400000000000000" pitchFamily="34" charset="-128"/>
-                <a:ea typeface="Hiragino Maru Gothic ProN W4" panose="020F0400000000000000" pitchFamily="34" charset="-128"/>
-              </a:rPr>
               <a:t>グルコースの酸化についていくつか例がある</a:t>
             </a:r>
             <a:r>
-              <a:rPr kumimoji="1" lang="en-US" altLang="ja-JP" baseline="30000">
+              <a:rPr kumimoji="1" lang="en-US" altLang="ja-JP" baseline="30000" dirty="0">
                 <a:latin typeface="Hiragino Maru Gothic ProN W4" panose="020F0400000000000000" pitchFamily="34" charset="-128"/>
                 <a:ea typeface="Hiragino Maru Gothic ProN W4" panose="020F0400000000000000" pitchFamily="34" charset="-128"/>
               </a:rPr>
@@ -20579,8 +20524,8 @@
           <p:nvPr/>
         </p:nvSpPr>
         <p:spPr>
-          <a:xfrm rot="14630998">
-            <a:off x="4168896" y="2879398"/>
+          <a:xfrm rot="15479489">
+            <a:off x="4190922" y="2451915"/>
             <a:ext cx="174555" cy="969093"/>
           </a:xfrm>
           <a:prstGeom prst="upArrow">
@@ -20656,6 +20601,61 @@
           </a:fontRef>
         </p:style>
       </p:cxnSp>
+      <p:sp>
+        <p:nvSpPr>
+          <p:cNvPr id="47" name="テキスト ボックス 46">
+            <a:extLst>
+              <a:ext uri="{FF2B5EF4-FFF2-40B4-BE49-F238E27FC236}">
+                <a16:creationId xmlns:a16="http://schemas.microsoft.com/office/drawing/2014/main" id="{1CDE8BB9-76DF-4D70-84BC-6F2BD4DF3304}"/>
+              </a:ext>
+            </a:extLst>
+          </p:cNvPr>
+          <p:cNvSpPr txBox="1"/>
+          <p:nvPr/>
+        </p:nvSpPr>
+        <p:spPr>
+          <a:xfrm>
+            <a:off x="4770302" y="2504509"/>
+            <a:ext cx="3877985" cy="646331"/>
+          </a:xfrm>
+          <a:prstGeom prst="rect">
+            <a:avLst/>
+          </a:prstGeom>
+          <a:noFill/>
+        </p:spPr>
+        <p:txBody>
+          <a:bodyPr wrap="none" rtlCol="0">
+            <a:spAutoFit/>
+          </a:bodyPr>
+          <a:lstStyle/>
+          <a:p>
+            <a:r>
+              <a:rPr kumimoji="1" lang="ja-JP" altLang="en-US">
+                <a:latin typeface="Hiragino Maru Gothic ProN W4" panose="020F0400000000000000" pitchFamily="34" charset="-128"/>
+                <a:ea typeface="Hiragino Maru Gothic ProN W4" panose="020F0400000000000000" pitchFamily="34" charset="-128"/>
+              </a:rPr>
+              <a:t>銅水酸化物ナノシートでは、</a:t>
+            </a:r>
+            <a:endParaRPr kumimoji="1" lang="en-US" altLang="ja-JP" dirty="0">
+              <a:latin typeface="Hiragino Maru Gothic ProN W4" panose="020F0400000000000000" pitchFamily="34" charset="-128"/>
+              <a:ea typeface="Hiragino Maru Gothic ProN W4" panose="020F0400000000000000" pitchFamily="34" charset="-128"/>
+            </a:endParaRPr>
+          </a:p>
+          <a:p>
+            <a:r>
+              <a:rPr kumimoji="1" lang="ja-JP" altLang="en-US">
+                <a:latin typeface="Hiragino Maru Gothic ProN W4" panose="020F0400000000000000" pitchFamily="34" charset="-128"/>
+                <a:ea typeface="Hiragino Maru Gothic ProN W4" panose="020F0400000000000000" pitchFamily="34" charset="-128"/>
+              </a:rPr>
+              <a:t>グルコースの酸化が確認されている</a:t>
+            </a:r>
+            <a:endParaRPr kumimoji="1" lang="en-US" altLang="ja-JP" dirty="0">
+              <a:latin typeface="Hiragino Maru Gothic ProN W4" panose="020F0400000000000000" pitchFamily="34" charset="-128"/>
+              <a:ea typeface="Hiragino Maru Gothic ProN W4" panose="020F0400000000000000" pitchFamily="34" charset="-128"/>
+            </a:endParaRPr>
+          </a:p>
+        </p:txBody>
+      </p:sp>
     </p:spTree>
     <p:extLst>
       <p:ext uri="{BB962C8B-B14F-4D97-AF65-F5344CB8AC3E}">
@@ -20710,7 +20710,7 @@
           <a:lstStyle/>
           <a:p>
             <a:r>
-              <a:rPr lang="en" altLang="ja-JP">
+              <a:rPr lang="en" altLang="ja-JP" dirty="0">
                 <a:solidFill>
                   <a:schemeClr val="accent1">
                     <a:lumMod val="60000"/>
@@ -20722,7 +20722,7 @@
               </a:rPr>
               <a:t>Result</a:t>
             </a:r>
-            <a:endParaRPr lang="en-US" altLang="ja-JP"/>
+            <a:endParaRPr lang="en-US" altLang="ja-JP" dirty="0"/>
           </a:p>
         </p:txBody>
       </p:sp>
@@ -20927,7 +20927,7 @@
                 </a:rPr>
                 <a:t>ナフィオン</a:t>
               </a:r>
-              <a:endParaRPr lang="en-US" altLang="ja-JP" b="1">
+              <a:endParaRPr lang="en-US" altLang="ja-JP" b="1" dirty="0">
                 <a:solidFill>
                   <a:schemeClr val="tx1"/>
                 </a:solidFill>
@@ -20973,7 +20973,7 @@
               </a:rPr>
               <a:t>陽イオン交換膜で</a:t>
             </a:r>
-            <a:endParaRPr lang="en-US" altLang="ja-JP" sz="1350">
+            <a:endParaRPr lang="en-US" altLang="ja-JP" sz="1350" dirty="0">
               <a:latin typeface="MS Mincho" panose="02020609040205080304" pitchFamily="49" charset="-128"/>
               <a:ea typeface="MS Mincho" panose="02020609040205080304" pitchFamily="49" charset="-128"/>
             </a:endParaRPr>
@@ -20986,7 +20986,7 @@
               </a:rPr>
               <a:t>電池や電池材料</a:t>
             </a:r>
-            <a:endParaRPr lang="en-US" altLang="ja-JP" sz="1350">
+            <a:endParaRPr lang="en-US" altLang="ja-JP" sz="1350" dirty="0">
               <a:latin typeface="MS Mincho" panose="02020609040205080304" pitchFamily="49" charset="-128"/>
               <a:ea typeface="MS Mincho" panose="02020609040205080304" pitchFamily="49" charset="-128"/>
             </a:endParaRPr>
@@ -21133,7 +21133,7 @@
           <a:lstStyle/>
           <a:p>
             <a:r>
-              <a:rPr lang="en" altLang="ja-JP">
+              <a:rPr lang="en" altLang="ja-JP" dirty="0">
                 <a:solidFill>
                   <a:schemeClr val="accent1">
                     <a:lumMod val="60000"/>
@@ -21145,7 +21145,7 @@
               </a:rPr>
               <a:t>Result</a:t>
             </a:r>
-            <a:endParaRPr lang="en-US" altLang="ja-JP"/>
+            <a:endParaRPr lang="en-US" altLang="ja-JP" dirty="0"/>
           </a:p>
         </p:txBody>
       </p:sp>
@@ -21385,7 +21385,7 @@
                     <a:p>
                       <a:pPr algn="l"/>
                       <a:r>
-                        <a:rPr lang="en-US" sz="900" kern="100">
+                        <a:rPr lang="en-US" sz="900" kern="100" dirty="0">
                           <a:effectLst/>
                           <a:latin typeface="Times New Roman" panose="02020603050405020304" pitchFamily="18" charset="0"/>
                           <a:ea typeface="MS Mincho" panose="02020609040205080304" pitchFamily="49" charset="-128"/>
@@ -21446,7 +21446,7 @@
                         <a:t>線形範囲 </a:t>
                       </a:r>
                       <a:r>
-                        <a:rPr lang="en-US" sz="900" kern="100">
+                        <a:rPr lang="en-US" sz="900" kern="100" dirty="0">
                           <a:effectLst/>
                           <a:latin typeface="Times New Roman" panose="02020603050405020304" pitchFamily="18" charset="0"/>
                           <a:ea typeface="MS Mincho" panose="02020609040205080304" pitchFamily="49" charset="-128"/>
@@ -21507,7 +21507,7 @@
                         <a:t>感度</a:t>
                       </a:r>
                       <a:r>
-                        <a:rPr lang="en-US" sz="900" kern="100">
+                        <a:rPr lang="en-US" sz="900" kern="100" dirty="0">
                           <a:effectLst/>
                           <a:latin typeface="Times New Roman" panose="02020603050405020304" pitchFamily="18" charset="0"/>
                           <a:ea typeface="MS Mincho" panose="02020609040205080304" pitchFamily="49" charset="-128"/>
@@ -21516,7 +21516,7 @@
                         <a:t>(mA mM</a:t>
                       </a:r>
                       <a:r>
-                        <a:rPr lang="en-US" sz="900" kern="100" baseline="30000">
+                        <a:rPr lang="en-US" sz="900" kern="100" baseline="30000" dirty="0">
                           <a:effectLst/>
                           <a:latin typeface="Times New Roman" panose="02020603050405020304" pitchFamily="18" charset="0"/>
                           <a:ea typeface="MS Mincho" panose="02020609040205080304" pitchFamily="49" charset="-128"/>
@@ -21525,7 +21525,7 @@
                         <a:t>-1</a:t>
                       </a:r>
                       <a:r>
-                        <a:rPr lang="en-US" sz="900" kern="100">
+                        <a:rPr lang="en-US" sz="900" kern="100" dirty="0">
                           <a:effectLst/>
                           <a:latin typeface="Times New Roman" panose="02020603050405020304" pitchFamily="18" charset="0"/>
                           <a:ea typeface="MS Mincho" panose="02020609040205080304" pitchFamily="49" charset="-128"/>
@@ -21534,7 +21534,7 @@
                         <a:t> cm</a:t>
                       </a:r>
                       <a:r>
-                        <a:rPr lang="en-US" sz="900" kern="100" baseline="30000">
+                        <a:rPr lang="en-US" sz="900" kern="100" baseline="30000" dirty="0">
                           <a:effectLst/>
                           <a:latin typeface="Times New Roman" panose="02020603050405020304" pitchFamily="18" charset="0"/>
                           <a:ea typeface="MS Mincho" panose="02020609040205080304" pitchFamily="49" charset="-128"/>
@@ -21543,7 +21543,7 @@
                         <a:t>-2</a:t>
                       </a:r>
                       <a:r>
-                        <a:rPr lang="en-US" sz="900" kern="100">
+                        <a:rPr lang="en-US" sz="900" kern="100" dirty="0">
                           <a:effectLst/>
                           <a:latin typeface="Times New Roman" panose="02020603050405020304" pitchFamily="18" charset="0"/>
                           <a:ea typeface="MS Mincho" panose="02020609040205080304" pitchFamily="49" charset="-128"/>
@@ -21604,7 +21604,7 @@
                         <a:t>決定係数</a:t>
                       </a:r>
                       <a:r>
-                        <a:rPr lang="en-US" sz="900" kern="100">
+                        <a:rPr lang="en-US" sz="900" kern="100" dirty="0">
                           <a:effectLst/>
                           <a:latin typeface="Times New Roman" panose="02020603050405020304" pitchFamily="18" charset="0"/>
                           <a:ea typeface="MS Mincho" panose="02020609040205080304" pitchFamily="49" charset="-128"/>
@@ -21613,7 +21613,7 @@
                         <a:t> R</a:t>
                       </a:r>
                       <a:r>
-                        <a:rPr lang="en-US" sz="900" kern="100" baseline="30000">
+                        <a:rPr lang="en-US" sz="900" kern="100" baseline="30000" dirty="0">
                           <a:effectLst/>
                           <a:latin typeface="Times New Roman" panose="02020603050405020304" pitchFamily="18" charset="0"/>
                           <a:ea typeface="MS Mincho" panose="02020609040205080304" pitchFamily="49" charset="-128"/>
@@ -21672,7 +21672,7 @@
                     <a:p>
                       <a:pPr algn="ctr"/>
                       <a:r>
-                        <a:rPr lang="en-US" sz="900" kern="100">
+                        <a:rPr lang="en-US" sz="900" kern="100" dirty="0">
                           <a:effectLst/>
                           <a:latin typeface="Times New Roman" panose="02020603050405020304" pitchFamily="18" charset="0"/>
                           <a:ea typeface="MS Mincho" panose="02020609040205080304" pitchFamily="49" charset="-128"/>
@@ -21730,7 +21730,7 @@
                     <a:p>
                       <a:pPr algn="r"/>
                       <a:r>
-                        <a:rPr lang="en-US" sz="1200" kern="100">
+                        <a:rPr lang="en-US" sz="1200" kern="100" dirty="0">
                           <a:effectLst/>
                           <a:latin typeface="Times New Roman" panose="02020603050405020304" pitchFamily="18" charset="0"/>
                           <a:ea typeface="MS Mincho" panose="02020609040205080304" pitchFamily="49" charset="-128"/>
@@ -21788,7 +21788,7 @@
                     <a:p>
                       <a:pPr algn="r"/>
                       <a:r>
-                        <a:rPr lang="en-US" sz="1200" kern="100">
+                        <a:rPr lang="en-US" sz="1200" kern="100" dirty="0">
                           <a:effectLst/>
                           <a:latin typeface="Times New Roman" panose="02020603050405020304" pitchFamily="18" charset="0"/>
                           <a:ea typeface="MS Mincho" panose="02020609040205080304" pitchFamily="49" charset="-128"/>
@@ -21846,7 +21846,7 @@
                     <a:p>
                       <a:pPr algn="r"/>
                       <a:r>
-                        <a:rPr lang="en-US" sz="1200" kern="100">
+                        <a:rPr lang="en-US" sz="1200" kern="100" dirty="0">
                           <a:effectLst/>
                           <a:latin typeface="Times New Roman" panose="02020603050405020304" pitchFamily="18" charset="0"/>
                           <a:ea typeface="MS Mincho" panose="02020609040205080304" pitchFamily="49" charset="-128"/>
@@ -22027,7 +22027,7 @@
                     <a:p>
                       <a:pPr algn="r"/>
                       <a:r>
-                        <a:rPr lang="en-US" sz="1200" kern="100">
+                        <a:rPr lang="en-US" sz="1200" kern="100" dirty="0">
                           <a:effectLst/>
                           <a:latin typeface="Times New Roman" panose="02020603050405020304" pitchFamily="18" charset="0"/>
                           <a:ea typeface="MS Mincho" panose="02020609040205080304" pitchFamily="49" charset="-128"/>
@@ -22085,7 +22085,7 @@
                     <a:p>
                       <a:pPr algn="r"/>
                       <a:r>
-                        <a:rPr lang="en-US" sz="1200" kern="100">
+                        <a:rPr lang="en-US" sz="1200" kern="100" dirty="0">
                           <a:effectLst/>
                           <a:latin typeface="Times New Roman" panose="02020603050405020304" pitchFamily="18" charset="0"/>
                           <a:ea typeface="MS Mincho" panose="02020609040205080304" pitchFamily="49" charset="-128"/>
@@ -22241,7 +22241,7 @@
                 <a:t>ナフィオン</a:t>
               </a:r>
               <a:r>
-                <a:rPr lang="en-US" altLang="ja-JP" sz="1050">
+                <a:rPr lang="en-US" altLang="ja-JP" sz="1050" dirty="0">
                   <a:latin typeface="Times New Roman" panose="02020603050405020304" pitchFamily="18" charset="0"/>
                   <a:ea typeface="Hiragino Maru Gothic Pro W4" panose="020F0400000000000000" pitchFamily="34" charset="-128"/>
                   <a:cs typeface="Times New Roman" panose="02020603050405020304" pitchFamily="18" charset="0"/>
@@ -22360,7 +22360,7 @@
                 <a:t>セルロース</a:t>
               </a:r>
               <a:r>
-                <a:rPr lang="en-US" altLang="ja-JP" sz="1050">
+                <a:rPr lang="en-US" altLang="ja-JP" sz="1050" dirty="0">
                   <a:solidFill>
                     <a:srgbClr val="FF0000"/>
                   </a:solidFill>
@@ -22477,7 +22477,7 @@
                 <a:t>ナフィオン</a:t>
               </a:r>
               <a:r>
-                <a:rPr lang="en-US" altLang="ja-JP" sz="1050">
+                <a:rPr lang="en-US" altLang="ja-JP" sz="1050" dirty="0">
                   <a:latin typeface="Times New Roman" panose="02020603050405020304" pitchFamily="18" charset="0"/>
                   <a:ea typeface="Hiragino Maru Gothic Pro W4" panose="020F0400000000000000" pitchFamily="34" charset="-128"/>
                   <a:cs typeface="Times New Roman" panose="02020603050405020304" pitchFamily="18" charset="0"/>
@@ -22596,7 +22596,7 @@
                 <a:t>セルロース</a:t>
               </a:r>
               <a:r>
-                <a:rPr lang="en-US" altLang="ja-JP" sz="1050">
+                <a:rPr lang="en-US" altLang="ja-JP" sz="1050" dirty="0">
                   <a:solidFill>
                     <a:srgbClr val="FF0000"/>
                   </a:solidFill>
@@ -22647,7 +22647,7 @@
           <a:lstStyle/>
           <a:p>
             <a:r>
-              <a:rPr lang="en-US" altLang="ja-JP" sz="1350"/>
+              <a:rPr lang="en-US" altLang="ja-JP" sz="1350" dirty="0"/>
               <a:t>Fig.8 </a:t>
             </a:r>
             <a:r>
@@ -22686,7 +22686,7 @@
           <a:lstStyle/>
           <a:p>
             <a:r>
-              <a:rPr lang="en-US" altLang="ja-JP" sz="1350"/>
+              <a:rPr lang="en-US" altLang="ja-JP" sz="1350" dirty="0"/>
               <a:t>Fig.7 </a:t>
             </a:r>
             <a:r>
@@ -22773,7 +22773,7 @@
           <a:p>
             <a:pPr algn="ctr"/>
             <a:r>
-              <a:rPr lang="ja-JP" altLang="en-US" b="1">
+              <a:rPr lang="ja-JP" altLang="en-US" b="1" dirty="0">
                 <a:solidFill>
                   <a:schemeClr val="tx1"/>
                 </a:solidFill>
@@ -22808,7 +22808,7 @@
             <p:nvPr/>
           </p:nvPicPr>
           <p:blipFill>
-            <a:blip r:embed="rId4" cstate="print"/>
+            <a:blip r:embed="rId3" cstate="print"/>
             <a:srcRect/>
             <a:stretch>
               <a:fillRect/>
@@ -22841,7 +22841,7 @@
             <p:nvPr/>
           </p:nvPicPr>
           <p:blipFill>
-            <a:blip r:embed="rId4" cstate="print"/>
+            <a:blip r:embed="rId3" cstate="print"/>
             <a:srcRect/>
             <a:stretch>
               <a:fillRect/>
@@ -22881,12 +22881,12 @@
             <a:graphicData uri="http://schemas.openxmlformats.org/presentationml/2006/ole">
               <mc:AlternateContent xmlns:mc="http://schemas.openxmlformats.org/markup-compatibility/2006">
                 <mc:Choice xmlns:v="urn:schemas-microsoft-com:vml" Requires="v">
-                  <p:oleObj spid="_x0000_s57345" name="CS ChemDraw Drawing" r:id="rId5" imgW="604440" imgH="472320" progId="">
+                  <p:oleObj name="CS ChemDraw Drawing" r:id="rId4" imgW="604440" imgH="472320" progId="">
                     <p:embed/>
                   </p:oleObj>
                 </mc:Choice>
                 <mc:Fallback>
-                  <p:oleObj name="CS ChemDraw Drawing" r:id="rId5" imgW="604440" imgH="472320" progId="">
+                  <p:oleObj name="CS ChemDraw Drawing" r:id="rId4" imgW="604440" imgH="472320" progId="">
                     <p:embed/>
                     <p:pic>
                       <p:nvPicPr>
@@ -22897,7 +22897,7 @@
                         <p:nvPr/>
                       </p:nvPicPr>
                       <p:blipFill>
-                        <a:blip r:embed="rId6">
+                        <a:blip r:embed="rId5">
                           <a:extLst>
                             <a:ext uri="{28A0092B-C50C-407E-A947-70E740481C1C}">
                               <a14:useLocalDpi xmlns:a14="http://schemas.microsoft.com/office/drawing/2010/main" val="0"/>
@@ -22970,7 +22970,7 @@
               <p:nvPr/>
             </p:nvPicPr>
             <p:blipFill>
-              <a:blip r:embed="rId4" cstate="print"/>
+              <a:blip r:embed="rId3" cstate="print"/>
               <a:srcRect/>
               <a:stretch>
                 <a:fillRect/>
@@ -23003,7 +23003,7 @@
               <p:nvPr/>
             </p:nvPicPr>
             <p:blipFill>
-              <a:blip r:embed="rId4" cstate="print"/>
+              <a:blip r:embed="rId3" cstate="print"/>
               <a:srcRect/>
               <a:stretch>
                 <a:fillRect/>
@@ -23037,7 +23037,7 @@
             <p:nvPr/>
           </p:nvPicPr>
           <p:blipFill>
-            <a:blip r:embed="rId7" cstate="print"/>
+            <a:blip r:embed="rId6" cstate="print"/>
             <a:srcRect/>
             <a:stretch>
               <a:fillRect/>
@@ -23070,7 +23070,7 @@
             <p:nvPr/>
           </p:nvPicPr>
           <p:blipFill>
-            <a:blip r:embed="rId7" cstate="print"/>
+            <a:blip r:embed="rId6" cstate="print"/>
             <a:srcRect/>
             <a:stretch>
               <a:fillRect/>
@@ -23166,7 +23166,7 @@
           <a:lstStyle/>
           <a:p>
             <a:r>
-              <a:rPr lang="en-US" altLang="ja-JP" sz="1050">
+              <a:rPr lang="en-US" altLang="ja-JP" sz="1050" dirty="0">
                 <a:latin typeface="Yu Mincho" panose="02020400000000000000" pitchFamily="18" charset="-128"/>
                 <a:ea typeface="Yu Mincho" panose="02020400000000000000" pitchFamily="18" charset="-128"/>
               </a:rPr>
@@ -23180,7 +23180,7 @@
               <a:t> </a:t>
             </a:r>
             <a:r>
-              <a:rPr lang="en-US" altLang="ja-JP" sz="1050">
+              <a:rPr lang="en-US" altLang="ja-JP" sz="1050" dirty="0">
                 <a:latin typeface="Yu Mincho" panose="02020400000000000000" pitchFamily="18" charset="-128"/>
                 <a:ea typeface="Yu Mincho" panose="02020400000000000000" pitchFamily="18" charset="-128"/>
               </a:rPr>
@@ -23228,7 +23228,7 @@
             <p:nvPr/>
           </p:nvPicPr>
           <p:blipFill>
-            <a:blip r:embed="rId8">
+            <a:blip r:embed="rId7">
               <a:extLst>
                 <a:ext uri="{28A0092B-C50C-407E-A947-70E740481C1C}">
                   <a14:useLocalDpi xmlns:a14="http://schemas.microsoft.com/office/drawing/2010/main"/>
@@ -23278,7 +23278,7 @@
             <a:lstStyle/>
             <a:p>
               <a:r>
-                <a:rPr lang="en-US" altLang="ja-JP" sz="900">
+                <a:rPr lang="en-US" altLang="ja-JP" sz="900" dirty="0">
                   <a:latin typeface="HGSSoeiKakugothicUB" panose="020B0900000000000000" pitchFamily="34" charset="-128"/>
                   <a:ea typeface="HGSSoeiKakugothicUB" panose="020B0900000000000000" pitchFamily="34" charset="-128"/>
                 </a:rPr>
@@ -23324,7 +23324,7 @@
                 <a:t>層状塩基性酢酸塩の</a:t>
               </a:r>
               <a:r>
-                <a:rPr lang="en-US" altLang="ja-JP" sz="1350"/>
+                <a:rPr lang="en-US" altLang="ja-JP" sz="1350" dirty="0"/>
                 <a:t>XRD</a:t>
               </a:r>
               <a:endParaRPr lang="ja-JP" altLang="en-US" sz="1350"/>
@@ -23367,7 +23367,7 @@
             <p:nvPr/>
           </p:nvPicPr>
           <p:blipFill>
-            <a:blip r:embed="rId9">
+            <a:blip r:embed="rId8">
               <a:extLst>
                 <a:ext uri="{28A0092B-C50C-407E-A947-70E740481C1C}">
                   <a14:useLocalDpi xmlns:a14="http://schemas.microsoft.com/office/drawing/2010/main"/>
@@ -23417,7 +23417,7 @@
             <a:lstStyle/>
             <a:p>
               <a:r>
-                <a:rPr lang="en-US" altLang="ja-JP" sz="900">
+                <a:rPr lang="en-US" altLang="ja-JP" sz="900" dirty="0">
                   <a:latin typeface="HGSSoeiKakugothicUB" panose="020B0900000000000000" pitchFamily="34" charset="-128"/>
                   <a:ea typeface="HGSSoeiKakugothicUB" panose="020B0900000000000000" pitchFamily="34" charset="-128"/>
                 </a:rPr>
@@ -23463,7 +23463,7 @@
                 <a:t>イオン交換後のニッケル層状水酸化物の</a:t>
               </a:r>
               <a:r>
-                <a:rPr lang="en-US" altLang="ja-JP" sz="1350"/>
+                <a:rPr lang="en-US" altLang="ja-JP" sz="1350" dirty="0"/>
                 <a:t>XRD</a:t>
               </a:r>
               <a:endParaRPr lang="ja-JP" altLang="en-US" sz="1350"/>
@@ -23506,7 +23506,7 @@
             <p:nvPr/>
           </p:nvPicPr>
           <p:blipFill>
-            <a:blip r:embed="rId10"/>
+            <a:blip r:embed="rId9"/>
             <a:stretch>
               <a:fillRect/>
             </a:stretch>
@@ -23606,12 +23606,12 @@
                 <a:rPr lang="ja-JP" altLang="en-US" sz="1050"/>
                 <a:t>ドデシルベンゼンスルホン酸ナトリウム</a:t>
               </a:r>
-              <a:endParaRPr lang="en-US" altLang="ja-JP" sz="1050"/>
+              <a:endParaRPr lang="en-US" altLang="ja-JP" sz="1050" dirty="0"/>
             </a:p>
             <a:p>
               <a:pPr algn="ctr"/>
               <a:r>
-                <a:rPr lang="en-US" altLang="ja-JP" sz="1050"/>
+                <a:rPr lang="en-US" altLang="ja-JP" sz="1050" dirty="0"/>
                 <a:t>(DBS-Na)</a:t>
               </a:r>
               <a:endParaRPr lang="ja-JP" altLang="en-US" sz="1050"/>
@@ -23793,14 +23793,14 @@
             <a:lstStyle/>
             <a:p>
               <a:r>
-                <a:rPr lang="en-US" altLang="ja-JP" sz="1350">
+                <a:rPr lang="en-US" altLang="ja-JP" sz="1350" dirty="0">
                   <a:solidFill>
                     <a:srgbClr val="FF0000"/>
                   </a:solidFill>
                 </a:rPr>
                 <a:t>X</a:t>
               </a:r>
-              <a:endParaRPr lang="ja-JP" altLang="en-US" sz="1350">
+              <a:endParaRPr lang="ja-JP" altLang="en-US" sz="1350" dirty="0">
                 <a:solidFill>
                   <a:srgbClr val="FF0000"/>
                 </a:solidFill>
@@ -23831,14 +23831,14 @@
             <a:lstStyle/>
             <a:p>
               <a:r>
-                <a:rPr lang="en-US" altLang="ja-JP" sz="1350">
+                <a:rPr lang="en-US" altLang="ja-JP" sz="1350" dirty="0">
                   <a:solidFill>
                     <a:srgbClr val="92D050"/>
                   </a:solidFill>
                 </a:rPr>
                 <a:t>Y</a:t>
               </a:r>
-              <a:endParaRPr lang="ja-JP" altLang="en-US" sz="1350">
+              <a:endParaRPr lang="ja-JP" altLang="en-US" sz="1350" dirty="0">
                 <a:solidFill>
                   <a:srgbClr val="92D050"/>
                 </a:solidFill>
@@ -23869,14 +23869,14 @@
             <a:lstStyle/>
             <a:p>
               <a:r>
-                <a:rPr lang="en-US" altLang="ja-JP" sz="1350">
+                <a:rPr lang="en-US" altLang="ja-JP" sz="1350" dirty="0">
                   <a:solidFill>
                     <a:schemeClr val="accent1"/>
                   </a:solidFill>
                 </a:rPr>
                 <a:t>Z</a:t>
               </a:r>
-              <a:endParaRPr lang="ja-JP" altLang="en-US" sz="1350">
+              <a:endParaRPr lang="ja-JP" altLang="en-US" sz="1350" dirty="0">
                 <a:solidFill>
                   <a:schemeClr val="accent1"/>
                 </a:solidFill>
@@ -23914,7 +23914,7 @@
           <a:lstStyle/>
           <a:p>
             <a:r>
-              <a:rPr lang="en-US" altLang="ja-JP">
+              <a:rPr lang="en-US" altLang="ja-JP" dirty="0">
                 <a:latin typeface="MS Gothic" panose="020B0609070205080204" pitchFamily="49" charset="-128"/>
                 <a:ea typeface="MS Gothic" panose="020B0609070205080204" pitchFamily="49" charset="-128"/>
               </a:rPr>
@@ -23927,7 +23927,7 @@
               </a:rPr>
               <a:t>塩基性酢酸ニッケル塩の層間隔をイオン交換により拡大</a:t>
             </a:r>
-            <a:endParaRPr lang="en-US" altLang="ja-JP">
+            <a:endParaRPr lang="en-US" altLang="ja-JP" dirty="0">
               <a:latin typeface="MS Gothic" panose="020B0609070205080204" pitchFamily="49" charset="-128"/>
               <a:ea typeface="MS Gothic" panose="020B0609070205080204" pitchFamily="49" charset="-128"/>
             </a:endParaRPr>
@@ -24034,7 +24034,7 @@
           <p:nvPr/>
         </p:nvPicPr>
         <p:blipFill>
-          <a:blip r:embed="rId4"/>
+          <a:blip r:embed="rId3"/>
           <a:stretch>
             <a:fillRect/>
           </a:stretch>
@@ -24142,7 +24142,7 @@
               <a:t>約</a:t>
             </a:r>
             <a:r>
-              <a:rPr lang="en-US" altLang="ja-JP" sz="1350">
+              <a:rPr lang="en-US" altLang="ja-JP" sz="1350" dirty="0">
                 <a:latin typeface="Hiragino Maru Gothic ProN W4" panose="020F0400000000000000" pitchFamily="34" charset="-128"/>
                 <a:ea typeface="Hiragino Maru Gothic ProN W4" panose="020F0400000000000000" pitchFamily="34" charset="-128"/>
               </a:rPr>
@@ -24195,7 +24195,7 @@
             <p:nvPr/>
           </p:nvPicPr>
           <p:blipFill>
-            <a:blip r:embed="rId5" cstate="print"/>
+            <a:blip r:embed="rId4" cstate="print"/>
             <a:srcRect/>
             <a:stretch>
               <a:fillRect/>
@@ -24234,7 +24234,7 @@
             <p:nvPr/>
           </p:nvPicPr>
           <p:blipFill>
-            <a:blip r:embed="rId5" cstate="print"/>
+            <a:blip r:embed="rId4" cstate="print"/>
             <a:srcRect/>
             <a:stretch>
               <a:fillRect/>
@@ -24280,12 +24280,12 @@
             <a:graphicData uri="http://schemas.openxmlformats.org/presentationml/2006/ole">
               <mc:AlternateContent xmlns:mc="http://schemas.openxmlformats.org/markup-compatibility/2006">
                 <mc:Choice xmlns:v="urn:schemas-microsoft-com:vml" Requires="v">
-                  <p:oleObj spid="_x0000_s59393" name="CS ChemDraw Drawing" r:id="rId6" imgW="604440" imgH="472320" progId="">
+                  <p:oleObj name="CS ChemDraw Drawing" r:id="rId5" imgW="604440" imgH="472320" progId="">
                     <p:embed/>
                   </p:oleObj>
                 </mc:Choice>
                 <mc:Fallback>
-                  <p:oleObj name="CS ChemDraw Drawing" r:id="rId6" imgW="604440" imgH="472320" progId="">
+                  <p:oleObj name="CS ChemDraw Drawing" r:id="rId5" imgW="604440" imgH="472320" progId="">
                     <p:embed/>
                     <p:pic>
                       <p:nvPicPr>
@@ -24302,7 +24302,7 @@
                         <p:nvPr/>
                       </p:nvPicPr>
                       <p:blipFill>
-                        <a:blip r:embed="rId7">
+                        <a:blip r:embed="rId6">
                           <a:extLst>
                             <a:ext uri="{28A0092B-C50C-407E-A947-70E740481C1C}">
                               <a14:useLocalDpi xmlns:a14="http://schemas.microsoft.com/office/drawing/2010/main" val="0"/>
@@ -24395,7 +24395,7 @@
               <p:nvPr/>
             </p:nvPicPr>
             <p:blipFill>
-              <a:blip r:embed="rId5" cstate="print"/>
+              <a:blip r:embed="rId4" cstate="print"/>
               <a:srcRect/>
               <a:stretch>
                 <a:fillRect/>
@@ -24434,7 +24434,7 @@
               <p:nvPr/>
             </p:nvPicPr>
             <p:blipFill>
-              <a:blip r:embed="rId5" cstate="print"/>
+              <a:blip r:embed="rId4" cstate="print"/>
               <a:srcRect/>
               <a:stretch>
                 <a:fillRect/>
@@ -24474,7 +24474,7 @@
             <p:nvPr/>
           </p:nvPicPr>
           <p:blipFill>
-            <a:blip r:embed="rId8" cstate="print"/>
+            <a:blip r:embed="rId7" cstate="print"/>
             <a:srcRect/>
             <a:stretch>
               <a:fillRect/>
@@ -24513,7 +24513,7 @@
             <p:nvPr/>
           </p:nvPicPr>
           <p:blipFill>
-            <a:blip r:embed="rId8" cstate="print"/>
+            <a:blip r:embed="rId7" cstate="print"/>
             <a:srcRect/>
             <a:stretch>
               <a:fillRect/>
@@ -24593,7 +24593,7 @@
               <p:nvPr/>
             </p:nvPicPr>
             <p:blipFill>
-              <a:blip r:embed="rId9"/>
+              <a:blip r:embed="rId8"/>
               <a:stretch>
                 <a:fillRect/>
               </a:stretch>
@@ -24693,12 +24693,12 @@
                   <a:rPr lang="ja-JP" altLang="en-US" sz="900"/>
                   <a:t>ドデシルベンゼンスルホン酸ナトリウム</a:t>
                 </a:r>
-                <a:endParaRPr lang="en-US" altLang="ja-JP" sz="900"/>
+                <a:endParaRPr lang="en-US" altLang="ja-JP" sz="900" dirty="0"/>
               </a:p>
               <a:p>
                 <a:pPr algn="ctr"/>
                 <a:r>
-                  <a:rPr lang="en-US" altLang="ja-JP" sz="900"/>
+                  <a:rPr lang="en-US" altLang="ja-JP" sz="900" dirty="0"/>
                   <a:t>(DBS-Na)</a:t>
                 </a:r>
                 <a:endParaRPr lang="ja-JP" altLang="en-US" sz="900"/>
@@ -24777,7 +24777,7 @@
             <a:lstStyle/>
             <a:p>
               <a:r>
-                <a:rPr lang="en-US" altLang="ja-JP" sz="1050">
+                <a:rPr lang="en-US" altLang="ja-JP" sz="1050" dirty="0">
                   <a:latin typeface="Yu Mincho" panose="02020400000000000000" pitchFamily="18" charset="-128"/>
                   <a:ea typeface="Yu Mincho" panose="02020400000000000000" pitchFamily="18" charset="-128"/>
                 </a:rPr>
@@ -24791,7 +24791,7 @@
                 <a:t> </a:t>
               </a:r>
               <a:r>
-                <a:rPr lang="en-US" altLang="ja-JP" sz="1050">
+                <a:rPr lang="en-US" altLang="ja-JP" sz="1050" dirty="0">
                   <a:latin typeface="Yu Mincho" panose="02020400000000000000" pitchFamily="18" charset="-128"/>
                   <a:ea typeface="Yu Mincho" panose="02020400000000000000" pitchFamily="18" charset="-128"/>
                 </a:rPr>
@@ -24872,7 +24872,7 @@
           <p:nvPr/>
         </p:nvPicPr>
         <p:blipFill>
-          <a:blip r:embed="rId10"/>
+          <a:blip r:embed="rId9"/>
           <a:stretch>
             <a:fillRect/>
           </a:stretch>
@@ -24947,7 +24947,7 @@
           <a:lstStyle/>
           <a:p>
             <a:r>
-              <a:rPr lang="en" altLang="ja-JP">
+              <a:rPr lang="en" altLang="ja-JP" dirty="0">
                 <a:solidFill>
                   <a:schemeClr val="accent1">
                     <a:lumMod val="60000"/>
@@ -25031,7 +25031,7 @@
               </a:rPr>
               <a:t>ニッケル水酸化物ナノシートの合成</a:t>
             </a:r>
-            <a:endParaRPr lang="en-US" altLang="ja-JP" sz="2100">
+            <a:endParaRPr lang="en-US" altLang="ja-JP" sz="2100" dirty="0">
               <a:latin typeface="MS Gothic" panose="020B0609070205080204" pitchFamily="49" charset="-128"/>
               <a:ea typeface="MS Gothic" panose="020B0609070205080204" pitchFamily="49" charset="-128"/>
             </a:endParaRPr>
@@ -25108,7 +25108,7 @@
               <a:p>
                 <a:pPr fontAlgn="base"/>
                 <a:r>
-                  <a:rPr lang="en-US" altLang="ja-JP" sz="1350">
+                  <a:rPr lang="en-US" altLang="ja-JP" sz="1350" dirty="0">
                     <a:latin typeface="Yu Mincho" panose="02020400000000000000" pitchFamily="18" charset="-128"/>
                     <a:ea typeface="Yu Mincho" panose="02020400000000000000" pitchFamily="18" charset="-128"/>
                     <a:cs typeface="ＭＳ Ｐゴシック" panose="020B0600070205080204" pitchFamily="34" charset="-128"/>
@@ -25116,7 +25116,7 @@
                   <a:t>2Ni(CH</a:t>
                 </a:r>
                 <a:r>
-                  <a:rPr lang="en-US" altLang="ja-JP" sz="1350" baseline="-25000">
+                  <a:rPr lang="en-US" altLang="ja-JP" sz="1350" baseline="-25000" dirty="0">
                     <a:latin typeface="Yu Mincho" panose="02020400000000000000" pitchFamily="18" charset="-128"/>
                     <a:ea typeface="Yu Mincho" panose="02020400000000000000" pitchFamily="18" charset="-128"/>
                     <a:cs typeface="ＭＳ Ｐゴシック" panose="020B0600070205080204" pitchFamily="34" charset="-128"/>
@@ -25124,7 +25124,7 @@
                   <a:t>3</a:t>
                 </a:r>
                 <a:r>
-                  <a:rPr lang="en-US" altLang="ja-JP" sz="1350">
+                  <a:rPr lang="en-US" altLang="ja-JP" sz="1350" dirty="0">
                     <a:latin typeface="Yu Mincho" panose="02020400000000000000" pitchFamily="18" charset="-128"/>
                     <a:ea typeface="Yu Mincho" panose="02020400000000000000" pitchFamily="18" charset="-128"/>
                     <a:cs typeface="ＭＳ Ｐゴシック" panose="020B0600070205080204" pitchFamily="34" charset="-128"/>
@@ -25132,7 +25132,7 @@
                   <a:t>COO)</a:t>
                 </a:r>
                 <a:r>
-                  <a:rPr lang="en-US" altLang="ja-JP" sz="1350" baseline="-25000">
+                  <a:rPr lang="en-US" altLang="ja-JP" sz="1350" baseline="-25000" dirty="0">
                     <a:latin typeface="Yu Mincho" panose="02020400000000000000" pitchFamily="18" charset="-128"/>
                     <a:ea typeface="Yu Mincho" panose="02020400000000000000" pitchFamily="18" charset="-128"/>
                     <a:cs typeface="ＭＳ Ｐゴシック" panose="020B0600070205080204" pitchFamily="34" charset="-128"/>
@@ -25148,7 +25148,7 @@
                   <a:t>・</a:t>
                 </a:r>
                 <a:r>
-                  <a:rPr lang="en-US" altLang="ja-JP" sz="1350">
+                  <a:rPr lang="en-US" altLang="ja-JP" sz="1350" dirty="0">
                     <a:latin typeface="Yu Mincho" panose="02020400000000000000" pitchFamily="18" charset="-128"/>
                     <a:ea typeface="Yu Mincho" panose="02020400000000000000" pitchFamily="18" charset="-128"/>
                     <a:cs typeface="ＭＳ Ｐゴシック" panose="020B0600070205080204" pitchFamily="34" charset="-128"/>
@@ -25156,7 +25156,7 @@
                   <a:t>4H</a:t>
                 </a:r>
                 <a:r>
-                  <a:rPr lang="en-US" altLang="ja-JP" sz="1350" baseline="-25000">
+                  <a:rPr lang="en-US" altLang="ja-JP" sz="1350" baseline="-25000" dirty="0">
                     <a:latin typeface="Yu Mincho" panose="02020400000000000000" pitchFamily="18" charset="-128"/>
                     <a:ea typeface="Yu Mincho" panose="02020400000000000000" pitchFamily="18" charset="-128"/>
                     <a:cs typeface="ＭＳ Ｐゴシック" panose="020B0600070205080204" pitchFamily="34" charset="-128"/>
@@ -25164,14 +25164,14 @@
                   <a:t>2</a:t>
                 </a:r>
                 <a:r>
-                  <a:rPr lang="en-US" altLang="ja-JP" sz="1350">
+                  <a:rPr lang="en-US" altLang="ja-JP" sz="1350" dirty="0">
                     <a:latin typeface="Yu Mincho" panose="02020400000000000000" pitchFamily="18" charset="-128"/>
                     <a:ea typeface="Yu Mincho" panose="02020400000000000000" pitchFamily="18" charset="-128"/>
                     <a:cs typeface="ＭＳ Ｐゴシック" panose="020B0600070205080204" pitchFamily="34" charset="-128"/>
                   </a:rPr>
                   <a:t>O</a:t>
                 </a:r>
-                <a:endParaRPr lang="en-US" altLang="ja-JP" sz="1350">
+                <a:endParaRPr lang="en-US" altLang="ja-JP" sz="1350" dirty="0">
                   <a:latin typeface="Yu Mincho" panose="02020400000000000000" pitchFamily="18" charset="-128"/>
                   <a:ea typeface="Yu Mincho" panose="02020400000000000000" pitchFamily="18" charset="-128"/>
                 </a:endParaRPr>
@@ -25263,7 +25263,7 @@
               <a:lstStyle/>
               <a:p>
                 <a:r>
-                  <a:rPr lang="en-US" altLang="ja-JP" sz="1350">
+                  <a:rPr lang="en-US" altLang="ja-JP" sz="1350" dirty="0">
                     <a:latin typeface="Yu Mincho" panose="02020400000000000000" pitchFamily="18" charset="-128"/>
                     <a:ea typeface="Yu Mincho" panose="02020400000000000000" pitchFamily="18" charset="-128"/>
                     <a:cs typeface="Times New Roman" panose="02020603050405020304" pitchFamily="18" charset="0"/>
@@ -25271,7 +25271,7 @@
                   <a:t>Ni</a:t>
                 </a:r>
                 <a:r>
-                  <a:rPr lang="en-US" altLang="ja-JP" sz="1350" baseline="-25000">
+                  <a:rPr lang="en-US" altLang="ja-JP" sz="1350" baseline="-25000" dirty="0">
                     <a:latin typeface="Yu Mincho" panose="02020400000000000000" pitchFamily="18" charset="-128"/>
                     <a:ea typeface="Yu Mincho" panose="02020400000000000000" pitchFamily="18" charset="-128"/>
                     <a:cs typeface="Times New Roman" panose="02020603050405020304" pitchFamily="18" charset="0"/>
@@ -25279,7 +25279,7 @@
                   <a:t>x</a:t>
                 </a:r>
                 <a:r>
-                  <a:rPr lang="en-US" altLang="ja-JP" sz="1350">
+                  <a:rPr lang="en-US" altLang="ja-JP" sz="1350" dirty="0">
                     <a:latin typeface="Yu Mincho" panose="02020400000000000000" pitchFamily="18" charset="-128"/>
                     <a:ea typeface="Yu Mincho" panose="02020400000000000000" pitchFamily="18" charset="-128"/>
                     <a:cs typeface="Times New Roman" panose="02020603050405020304" pitchFamily="18" charset="0"/>
@@ -25287,7 +25287,7 @@
                   <a:t>(OH)</a:t>
                 </a:r>
                 <a:r>
-                  <a:rPr lang="en-US" altLang="ja-JP" sz="1350" baseline="-25000">
+                  <a:rPr lang="en-US" altLang="ja-JP" sz="1350" baseline="-25000" dirty="0">
                     <a:latin typeface="Yu Mincho" panose="02020400000000000000" pitchFamily="18" charset="-128"/>
                     <a:ea typeface="Yu Mincho" panose="02020400000000000000" pitchFamily="18" charset="-128"/>
                     <a:cs typeface="Times New Roman" panose="02020603050405020304" pitchFamily="18" charset="0"/>
@@ -25295,7 +25295,7 @@
                   <a:t>y</a:t>
                 </a:r>
                 <a:r>
-                  <a:rPr lang="en-US" altLang="ja-JP" sz="1350">
+                  <a:rPr lang="en-US" altLang="ja-JP" sz="1350" dirty="0">
                     <a:latin typeface="Yu Mincho" panose="02020400000000000000" pitchFamily="18" charset="-128"/>
                     <a:ea typeface="Yu Mincho" panose="02020400000000000000" pitchFamily="18" charset="-128"/>
                     <a:cs typeface="Times New Roman" panose="02020603050405020304" pitchFamily="18" charset="0"/>
@@ -25311,7 +25311,7 @@
                   <a:t>・</a:t>
                 </a:r>
                 <a:r>
-                  <a:rPr lang="en-US" altLang="ja-JP" sz="1350">
+                  <a:rPr lang="en-US" altLang="ja-JP" sz="1350" dirty="0">
                     <a:latin typeface="Yu Mincho" panose="02020400000000000000" pitchFamily="18" charset="-128"/>
                     <a:ea typeface="Yu Mincho" panose="02020400000000000000" pitchFamily="18" charset="-128"/>
                     <a:cs typeface="Times New Roman" panose="02020603050405020304" pitchFamily="18" charset="0"/>
@@ -25319,7 +25319,7 @@
                   <a:t>H</a:t>
                 </a:r>
                 <a:r>
-                  <a:rPr lang="en-US" altLang="ja-JP" sz="1350" baseline="-25000">
+                  <a:rPr lang="en-US" altLang="ja-JP" sz="1350" baseline="-25000" dirty="0">
                     <a:latin typeface="Yu Mincho" panose="02020400000000000000" pitchFamily="18" charset="-128"/>
                     <a:ea typeface="Yu Mincho" panose="02020400000000000000" pitchFamily="18" charset="-128"/>
                     <a:cs typeface="Times New Roman" panose="02020603050405020304" pitchFamily="18" charset="0"/>
@@ -25327,7 +25327,7 @@
                   <a:t>2</a:t>
                 </a:r>
                 <a:r>
-                  <a:rPr lang="en-US" altLang="ja-JP" sz="1350">
+                  <a:rPr lang="en-US" altLang="ja-JP" sz="1350" dirty="0">
                     <a:latin typeface="Yu Mincho" panose="02020400000000000000" pitchFamily="18" charset="-128"/>
                     <a:ea typeface="Yu Mincho" panose="02020400000000000000" pitchFamily="18" charset="-128"/>
                     <a:cs typeface="Times New Roman" panose="02020603050405020304" pitchFamily="18" charset="0"/>
@@ -25387,7 +25387,7 @@
                 <a:lstStyle/>
                 <a:p>
                   <a:r>
-                    <a:rPr lang="en-US" altLang="ja-JP" sz="1350">
+                    <a:rPr lang="en-US" altLang="ja-JP" sz="1350" dirty="0">
                       <a:latin typeface="Yu Mincho" panose="02020400000000000000" pitchFamily="18" charset="-128"/>
                       <a:ea typeface="Yu Mincho" panose="02020400000000000000" pitchFamily="18" charset="-128"/>
                       <a:cs typeface="Times New Roman" panose="02020603050405020304" pitchFamily="18" charset="0"/>
@@ -25395,7 +25395,7 @@
                     <a:t>Ni</a:t>
                   </a:r>
                   <a:r>
-                    <a:rPr lang="en-US" altLang="ja-JP" sz="1350" baseline="-25000">
+                    <a:rPr lang="en-US" altLang="ja-JP" sz="1350" baseline="-25000" dirty="0">
                       <a:latin typeface="Yu Mincho" panose="02020400000000000000" pitchFamily="18" charset="-128"/>
                       <a:ea typeface="Yu Mincho" panose="02020400000000000000" pitchFamily="18" charset="-128"/>
                       <a:cs typeface="Times New Roman" panose="02020603050405020304" pitchFamily="18" charset="0"/>
@@ -25403,7 +25403,7 @@
                     <a:t>x</a:t>
                   </a:r>
                   <a:r>
-                    <a:rPr lang="en-US" altLang="ja-JP" sz="1350">
+                    <a:rPr lang="en-US" altLang="ja-JP" sz="1350" dirty="0">
                       <a:latin typeface="Yu Mincho" panose="02020400000000000000" pitchFamily="18" charset="-128"/>
                       <a:ea typeface="Yu Mincho" panose="02020400000000000000" pitchFamily="18" charset="-128"/>
                       <a:cs typeface="Times New Roman" panose="02020603050405020304" pitchFamily="18" charset="0"/>
@@ -25411,7 +25411,7 @@
                     <a:t>(OH)</a:t>
                   </a:r>
                   <a:r>
-                    <a:rPr lang="en-US" altLang="ja-JP" sz="1350" baseline="-25000">
+                    <a:rPr lang="en-US" altLang="ja-JP" sz="1350" baseline="-25000" dirty="0">
                       <a:latin typeface="Yu Mincho" panose="02020400000000000000" pitchFamily="18" charset="-128"/>
                       <a:ea typeface="Yu Mincho" panose="02020400000000000000" pitchFamily="18" charset="-128"/>
                       <a:cs typeface="Times New Roman" panose="02020603050405020304" pitchFamily="18" charset="0"/>
@@ -25419,7 +25419,7 @@
                     <a:t>y</a:t>
                   </a:r>
                   <a:r>
-                    <a:rPr lang="en-US" altLang="ja-JP" sz="1350">
+                    <a:rPr lang="en-US" altLang="ja-JP" sz="1350" dirty="0">
                       <a:latin typeface="Yu Mincho" panose="02020400000000000000" pitchFamily="18" charset="-128"/>
                       <a:ea typeface="Yu Mincho" panose="02020400000000000000" pitchFamily="18" charset="-128"/>
                       <a:cs typeface="Times New Roman" panose="02020603050405020304" pitchFamily="18" charset="0"/>
@@ -25435,7 +25435,7 @@
                     <a:t>・</a:t>
                   </a:r>
                   <a:r>
-                    <a:rPr lang="en-US" altLang="ja-JP" sz="1350">
+                    <a:rPr lang="en-US" altLang="ja-JP" sz="1350" dirty="0">
                       <a:latin typeface="Yu Mincho" panose="02020400000000000000" pitchFamily="18" charset="-128"/>
                       <a:ea typeface="Yu Mincho" panose="02020400000000000000" pitchFamily="18" charset="-128"/>
                       <a:cs typeface="Times New Roman" panose="02020603050405020304" pitchFamily="18" charset="0"/>
@@ -25443,7 +25443,7 @@
                     <a:t>H</a:t>
                   </a:r>
                   <a:r>
-                    <a:rPr lang="en-US" altLang="ja-JP" sz="1350" baseline="-25000">
+                    <a:rPr lang="en-US" altLang="ja-JP" sz="1350" baseline="-25000" dirty="0">
                       <a:latin typeface="Yu Mincho" panose="02020400000000000000" pitchFamily="18" charset="-128"/>
                       <a:ea typeface="Yu Mincho" panose="02020400000000000000" pitchFamily="18" charset="-128"/>
                       <a:cs typeface="Times New Roman" panose="02020603050405020304" pitchFamily="18" charset="0"/>
@@ -25451,7 +25451,7 @@
                     <a:t>2</a:t>
                   </a:r>
                   <a:r>
-                    <a:rPr lang="en-US" altLang="ja-JP" sz="1350">
+                    <a:rPr lang="en-US" altLang="ja-JP" sz="1350" dirty="0">
                       <a:latin typeface="Yu Mincho" panose="02020400000000000000" pitchFamily="18" charset="-128"/>
                       <a:ea typeface="Yu Mincho" panose="02020400000000000000" pitchFamily="18" charset="-128"/>
                       <a:cs typeface="Times New Roman" panose="02020603050405020304" pitchFamily="18" charset="0"/>
@@ -25617,7 +25617,7 @@
           <a:p>
             <a:pPr algn="ctr"/>
             <a:r>
-              <a:rPr lang="en-US" altLang="ja-JP" sz="1350"/>
+              <a:rPr lang="en-US" altLang="ja-JP" sz="1350" dirty="0"/>
               <a:t>DBS-Na</a:t>
             </a:r>
             <a:r>
@@ -25661,7 +25661,7 @@
               <a:t>エタノール</a:t>
             </a:r>
             <a:r>
-              <a:rPr lang="en-US" altLang="ja-JP" sz="1350"/>
+              <a:rPr lang="en-US" altLang="ja-JP" sz="1350" dirty="0"/>
               <a:t>-</a:t>
             </a:r>
             <a:r>
@@ -26078,7 +26078,7 @@
             <p:nvPr/>
           </p:nvPicPr>
           <p:blipFill>
-            <a:blip r:embed="rId4" cstate="print"/>
+            <a:blip r:embed="rId3" cstate="print"/>
             <a:srcRect/>
             <a:stretch>
               <a:fillRect/>
@@ -26117,7 +26117,7 @@
             <p:nvPr/>
           </p:nvPicPr>
           <p:blipFill>
-            <a:blip r:embed="rId4" cstate="print"/>
+            <a:blip r:embed="rId3" cstate="print"/>
             <a:srcRect/>
             <a:stretch>
               <a:fillRect/>
@@ -26163,12 +26163,12 @@
             <a:graphicData uri="http://schemas.openxmlformats.org/presentationml/2006/ole">
               <mc:AlternateContent xmlns:mc="http://schemas.openxmlformats.org/markup-compatibility/2006">
                 <mc:Choice xmlns:v="urn:schemas-microsoft-com:vml" Requires="v">
-                  <p:oleObj spid="_x0000_s61441" name="CS ChemDraw Drawing" r:id="rId5" imgW="604440" imgH="472320" progId="">
+                  <p:oleObj name="CS ChemDraw Drawing" r:id="rId4" imgW="604440" imgH="472320" progId="">
                     <p:embed/>
                   </p:oleObj>
                 </mc:Choice>
                 <mc:Fallback>
-                  <p:oleObj name="CS ChemDraw Drawing" r:id="rId5" imgW="604440" imgH="472320" progId="">
+                  <p:oleObj name="CS ChemDraw Drawing" r:id="rId4" imgW="604440" imgH="472320" progId="">
                     <p:embed/>
                     <p:pic>
                       <p:nvPicPr>
@@ -26185,7 +26185,7 @@
                         <p:nvPr/>
                       </p:nvPicPr>
                       <p:blipFill>
-                        <a:blip r:embed="rId6">
+                        <a:blip r:embed="rId5">
                           <a:extLst>
                             <a:ext uri="{28A0092B-C50C-407E-A947-70E740481C1C}">
                               <a14:useLocalDpi xmlns:a14="http://schemas.microsoft.com/office/drawing/2010/main" val="0"/>
@@ -26278,7 +26278,7 @@
               <p:nvPr/>
             </p:nvPicPr>
             <p:blipFill>
-              <a:blip r:embed="rId4" cstate="print"/>
+              <a:blip r:embed="rId3" cstate="print"/>
               <a:srcRect/>
               <a:stretch>
                 <a:fillRect/>
@@ -26317,7 +26317,7 @@
               <p:nvPr/>
             </p:nvPicPr>
             <p:blipFill>
-              <a:blip r:embed="rId4" cstate="print"/>
+              <a:blip r:embed="rId3" cstate="print"/>
               <a:srcRect/>
               <a:stretch>
                 <a:fillRect/>
@@ -26357,7 +26357,7 @@
             <p:nvPr/>
           </p:nvPicPr>
           <p:blipFill>
-            <a:blip r:embed="rId7" cstate="print"/>
+            <a:blip r:embed="rId6" cstate="print"/>
             <a:srcRect/>
             <a:stretch>
               <a:fillRect/>
@@ -26396,7 +26396,7 @@
             <p:nvPr/>
           </p:nvPicPr>
           <p:blipFill>
-            <a:blip r:embed="rId7" cstate="print"/>
+            <a:blip r:embed="rId6" cstate="print"/>
             <a:srcRect/>
             <a:stretch>
               <a:fillRect/>
@@ -26476,7 +26476,7 @@
               <p:nvPr/>
             </p:nvPicPr>
             <p:blipFill>
-              <a:blip r:embed="rId8"/>
+              <a:blip r:embed="rId7"/>
               <a:stretch>
                 <a:fillRect/>
               </a:stretch>
@@ -26576,12 +26576,12 @@
                   <a:rPr lang="ja-JP" altLang="en-US" sz="900"/>
                   <a:t>ドデシルベンゼンスルホン酸ナトリウム</a:t>
                 </a:r>
-                <a:endParaRPr lang="en-US" altLang="ja-JP" sz="900"/>
+                <a:endParaRPr lang="en-US" altLang="ja-JP" sz="900" dirty="0"/>
               </a:p>
               <a:p>
                 <a:pPr algn="ctr"/>
                 <a:r>
-                  <a:rPr lang="en-US" altLang="ja-JP" sz="900"/>
+                  <a:rPr lang="en-US" altLang="ja-JP" sz="900" dirty="0"/>
                   <a:t>(DBS-Na)</a:t>
                 </a:r>
                 <a:endParaRPr lang="ja-JP" altLang="en-US" sz="900"/>
@@ -26660,7 +26660,7 @@
             <a:lstStyle/>
             <a:p>
               <a:r>
-                <a:rPr lang="en-US" altLang="ja-JP" sz="1050">
+                <a:rPr lang="en-US" altLang="ja-JP" sz="1050" dirty="0">
                   <a:latin typeface="Yu Mincho" panose="02020400000000000000" pitchFamily="18" charset="-128"/>
                   <a:ea typeface="Yu Mincho" panose="02020400000000000000" pitchFamily="18" charset="-128"/>
                 </a:rPr>
@@ -26674,7 +26674,7 @@
                 <a:t> </a:t>
               </a:r>
               <a:r>
-                <a:rPr lang="en-US" altLang="ja-JP" sz="1050">
+                <a:rPr lang="en-US" altLang="ja-JP" sz="1050" dirty="0">
                   <a:latin typeface="Yu Mincho" panose="02020400000000000000" pitchFamily="18" charset="-128"/>
                   <a:ea typeface="Yu Mincho" panose="02020400000000000000" pitchFamily="18" charset="-128"/>
                 </a:rPr>
@@ -26887,7 +26887,7 @@
               </a:rPr>
               <a:t>ニッケル水酸化物ナノシートの前駆体ニッケル層状水酸化物の合成</a:t>
             </a:r>
-            <a:endParaRPr lang="en-US" altLang="ja-JP" sz="2100">
+            <a:endParaRPr lang="en-US" altLang="ja-JP" sz="2100" dirty="0">
               <a:latin typeface="MS Gothic" panose="020B0609070205080204" pitchFamily="49" charset="-128"/>
               <a:ea typeface="MS Gothic" panose="020B0609070205080204" pitchFamily="49" charset="-128"/>
             </a:endParaRPr>
@@ -26964,7 +26964,7 @@
               <a:p>
                 <a:pPr fontAlgn="base"/>
                 <a:r>
-                  <a:rPr lang="en-US" altLang="ja-JP" sz="1350">
+                  <a:rPr lang="en-US" altLang="ja-JP" sz="1350" dirty="0">
                     <a:latin typeface="Yu Mincho" panose="02020400000000000000" pitchFamily="18" charset="-128"/>
                     <a:ea typeface="Yu Mincho" panose="02020400000000000000" pitchFamily="18" charset="-128"/>
                     <a:cs typeface="ＭＳ Ｐゴシック" panose="020B0600070205080204" pitchFamily="34" charset="-128"/>
@@ -26972,7 +26972,7 @@
                   <a:t>Ni(CH</a:t>
                 </a:r>
                 <a:r>
-                  <a:rPr lang="en-US" altLang="ja-JP" sz="1350" baseline="-25000">
+                  <a:rPr lang="en-US" altLang="ja-JP" sz="1350" baseline="-25000" dirty="0">
                     <a:latin typeface="Yu Mincho" panose="02020400000000000000" pitchFamily="18" charset="-128"/>
                     <a:ea typeface="Yu Mincho" panose="02020400000000000000" pitchFamily="18" charset="-128"/>
                     <a:cs typeface="ＭＳ Ｐゴシック" panose="020B0600070205080204" pitchFamily="34" charset="-128"/>
@@ -26980,7 +26980,7 @@
                   <a:t>3</a:t>
                 </a:r>
                 <a:r>
-                  <a:rPr lang="en-US" altLang="ja-JP" sz="1350">
+                  <a:rPr lang="en-US" altLang="ja-JP" sz="1350" dirty="0">
                     <a:latin typeface="Yu Mincho" panose="02020400000000000000" pitchFamily="18" charset="-128"/>
                     <a:ea typeface="Yu Mincho" panose="02020400000000000000" pitchFamily="18" charset="-128"/>
                     <a:cs typeface="ＭＳ Ｐゴシック" panose="020B0600070205080204" pitchFamily="34" charset="-128"/>
@@ -26988,7 +26988,7 @@
                   <a:t>COO)</a:t>
                 </a:r>
                 <a:r>
-                  <a:rPr lang="en-US" altLang="ja-JP" sz="1350" baseline="-25000">
+                  <a:rPr lang="en-US" altLang="ja-JP" sz="1350" baseline="-25000" dirty="0">
                     <a:latin typeface="Yu Mincho" panose="02020400000000000000" pitchFamily="18" charset="-128"/>
                     <a:ea typeface="Yu Mincho" panose="02020400000000000000" pitchFamily="18" charset="-128"/>
                     <a:cs typeface="ＭＳ Ｐゴシック" panose="020B0600070205080204" pitchFamily="34" charset="-128"/>
@@ -27004,7 +27004,7 @@
                   <a:t>・</a:t>
                 </a:r>
                 <a:r>
-                  <a:rPr lang="en-US" altLang="ja-JP" sz="1350">
+                  <a:rPr lang="en-US" altLang="ja-JP" sz="1350" dirty="0">
                     <a:latin typeface="Yu Mincho" panose="02020400000000000000" pitchFamily="18" charset="-128"/>
                     <a:ea typeface="Yu Mincho" panose="02020400000000000000" pitchFamily="18" charset="-128"/>
                     <a:cs typeface="ＭＳ Ｐゴシック" panose="020B0600070205080204" pitchFamily="34" charset="-128"/>
@@ -27012,7 +27012,7 @@
                   <a:t>4H</a:t>
                 </a:r>
                 <a:r>
-                  <a:rPr lang="en-US" altLang="ja-JP" sz="1350" baseline="-25000">
+                  <a:rPr lang="en-US" altLang="ja-JP" sz="1350" baseline="-25000" dirty="0">
                     <a:latin typeface="Yu Mincho" panose="02020400000000000000" pitchFamily="18" charset="-128"/>
                     <a:ea typeface="Yu Mincho" panose="02020400000000000000" pitchFamily="18" charset="-128"/>
                     <a:cs typeface="ＭＳ Ｐゴシック" panose="020B0600070205080204" pitchFamily="34" charset="-128"/>
@@ -27020,14 +27020,14 @@
                   <a:t>2</a:t>
                 </a:r>
                 <a:r>
-                  <a:rPr lang="en-US" altLang="ja-JP" sz="1350">
+                  <a:rPr lang="en-US" altLang="ja-JP" sz="1350" dirty="0">
                     <a:latin typeface="Yu Mincho" panose="02020400000000000000" pitchFamily="18" charset="-128"/>
                     <a:ea typeface="Yu Mincho" panose="02020400000000000000" pitchFamily="18" charset="-128"/>
                     <a:cs typeface="ＭＳ Ｐゴシック" panose="020B0600070205080204" pitchFamily="34" charset="-128"/>
                   </a:rPr>
                   <a:t>O</a:t>
                 </a:r>
-                <a:endParaRPr lang="en-US" altLang="ja-JP" sz="1350">
+                <a:endParaRPr lang="en-US" altLang="ja-JP" sz="1350" dirty="0">
                   <a:latin typeface="Yu Mincho" panose="02020400000000000000" pitchFamily="18" charset="-128"/>
                   <a:ea typeface="Yu Mincho" panose="02020400000000000000" pitchFamily="18" charset="-128"/>
                 </a:endParaRPr>
@@ -27119,7 +27119,7 @@
               <a:lstStyle/>
               <a:p>
                 <a:r>
-                  <a:rPr lang="en-US" altLang="ja-JP" sz="1350">
+                  <a:rPr lang="en-US" altLang="ja-JP" sz="1350" dirty="0">
                     <a:latin typeface="Yu Mincho" panose="02020400000000000000" pitchFamily="18" charset="-128"/>
                     <a:ea typeface="Yu Mincho" panose="02020400000000000000" pitchFamily="18" charset="-128"/>
                     <a:cs typeface="Times New Roman" panose="02020603050405020304" pitchFamily="18" charset="0"/>
@@ -27127,7 +27127,7 @@
                   <a:t>Ni(OH)</a:t>
                 </a:r>
                 <a:r>
-                  <a:rPr lang="en-US" altLang="ja-JP" sz="1350" baseline="-25000">
+                  <a:rPr lang="en-US" altLang="ja-JP" sz="1350" baseline="-25000" dirty="0">
                     <a:latin typeface="Yu Mincho" panose="02020400000000000000" pitchFamily="18" charset="-128"/>
                     <a:ea typeface="Yu Mincho" panose="02020400000000000000" pitchFamily="18" charset="-128"/>
                     <a:cs typeface="Times New Roman" panose="02020603050405020304" pitchFamily="18" charset="0"/>
@@ -27135,7 +27135,7 @@
                   <a:t>x</a:t>
                 </a:r>
                 <a:r>
-                  <a:rPr lang="en-US" altLang="ja-JP" sz="1350">
+                  <a:rPr lang="en-US" altLang="ja-JP" sz="1350" dirty="0">
                     <a:latin typeface="Yu Mincho" panose="02020400000000000000" pitchFamily="18" charset="-128"/>
                     <a:ea typeface="Yu Mincho" panose="02020400000000000000" pitchFamily="18" charset="-128"/>
                     <a:cs typeface="Times New Roman" panose="02020603050405020304" pitchFamily="18" charset="0"/>
@@ -27143,7 +27143,7 @@
                   <a:t>(DBS)</a:t>
                 </a:r>
                 <a:r>
-                  <a:rPr lang="en-US" altLang="ja-JP" sz="1350" baseline="-25000">
+                  <a:rPr lang="en-US" altLang="ja-JP" sz="1350" baseline="-25000" dirty="0">
                     <a:latin typeface="Yu Mincho" panose="02020400000000000000" pitchFamily="18" charset="-128"/>
                     <a:ea typeface="Yu Mincho" panose="02020400000000000000" pitchFamily="18" charset="-128"/>
                     <a:cs typeface="Times New Roman" panose="02020603050405020304" pitchFamily="18" charset="0"/>
@@ -27159,7 +27159,7 @@
                   <a:t>・</a:t>
                 </a:r>
                 <a:r>
-                  <a:rPr lang="en-US" altLang="ja-JP" sz="1350">
+                  <a:rPr lang="en-US" altLang="ja-JP" sz="1350" dirty="0">
                     <a:latin typeface="Yu Mincho" panose="02020400000000000000" pitchFamily="18" charset="-128"/>
                     <a:ea typeface="Yu Mincho" panose="02020400000000000000" pitchFamily="18" charset="-128"/>
                     <a:cs typeface="Times New Roman" panose="02020603050405020304" pitchFamily="18" charset="0"/>
@@ -27167,7 +27167,7 @@
                   <a:t>H</a:t>
                 </a:r>
                 <a:r>
-                  <a:rPr lang="en-US" altLang="ja-JP" sz="1350" baseline="-25000">
+                  <a:rPr lang="en-US" altLang="ja-JP" sz="1350" baseline="-25000" dirty="0">
                     <a:latin typeface="Yu Mincho" panose="02020400000000000000" pitchFamily="18" charset="-128"/>
                     <a:ea typeface="Yu Mincho" panose="02020400000000000000" pitchFamily="18" charset="-128"/>
                     <a:cs typeface="Times New Roman" panose="02020603050405020304" pitchFamily="18" charset="0"/>
@@ -27175,7 +27175,7 @@
                   <a:t>2</a:t>
                 </a:r>
                 <a:r>
-                  <a:rPr lang="en-US" altLang="ja-JP" sz="1350">
+                  <a:rPr lang="en-US" altLang="ja-JP" sz="1350" dirty="0">
                     <a:latin typeface="Yu Mincho" panose="02020400000000000000" pitchFamily="18" charset="-128"/>
                     <a:ea typeface="Yu Mincho" panose="02020400000000000000" pitchFamily="18" charset="-128"/>
                     <a:cs typeface="Times New Roman" panose="02020603050405020304" pitchFamily="18" charset="0"/>
@@ -27235,7 +27235,7 @@
                 <a:lstStyle/>
                 <a:p>
                   <a:r>
-                    <a:rPr lang="en-US" altLang="ja-JP" sz="1350">
+                    <a:rPr lang="en-US" altLang="ja-JP" sz="1350" dirty="0">
                       <a:latin typeface="Yu Mincho" panose="02020400000000000000" pitchFamily="18" charset="-128"/>
                       <a:ea typeface="Yu Mincho" panose="02020400000000000000" pitchFamily="18" charset="-128"/>
                       <a:cs typeface="Times New Roman" panose="02020603050405020304" pitchFamily="18" charset="0"/>
@@ -27243,7 +27243,7 @@
                     <a:t>Ni(OH)</a:t>
                   </a:r>
                   <a:r>
-                    <a:rPr lang="en-US" altLang="ja-JP" sz="1350" baseline="-25000">
+                    <a:rPr lang="en-US" altLang="ja-JP" sz="1350" baseline="-25000" dirty="0">
                       <a:latin typeface="Yu Mincho" panose="02020400000000000000" pitchFamily="18" charset="-128"/>
                       <a:ea typeface="Yu Mincho" panose="02020400000000000000" pitchFamily="18" charset="-128"/>
                       <a:cs typeface="Times New Roman" panose="02020603050405020304" pitchFamily="18" charset="0"/>
@@ -27251,7 +27251,7 @@
                     <a:t>x</a:t>
                   </a:r>
                   <a:r>
-                    <a:rPr lang="en-US" altLang="ja-JP" sz="1350">
+                    <a:rPr lang="en-US" altLang="ja-JP" sz="1350" dirty="0">
                       <a:latin typeface="Yu Mincho" panose="02020400000000000000" pitchFamily="18" charset="-128"/>
                       <a:ea typeface="Yu Mincho" panose="02020400000000000000" pitchFamily="18" charset="-128"/>
                       <a:cs typeface="Times New Roman" panose="02020603050405020304" pitchFamily="18" charset="0"/>
@@ -27259,7 +27259,7 @@
                     <a:t>(OAc)</a:t>
                   </a:r>
                   <a:r>
-                    <a:rPr lang="en-US" altLang="ja-JP" sz="1350" baseline="-25000">
+                    <a:rPr lang="en-US" altLang="ja-JP" sz="1350" baseline="-25000" dirty="0">
                       <a:latin typeface="Yu Mincho" panose="02020400000000000000" pitchFamily="18" charset="-128"/>
                       <a:ea typeface="Yu Mincho" panose="02020400000000000000" pitchFamily="18" charset="-128"/>
                       <a:cs typeface="Times New Roman" panose="02020603050405020304" pitchFamily="18" charset="0"/>
@@ -27275,7 +27275,7 @@
                     <a:t>・</a:t>
                   </a:r>
                   <a:r>
-                    <a:rPr lang="en-US" altLang="ja-JP" sz="1350">
+                    <a:rPr lang="en-US" altLang="ja-JP" sz="1350" dirty="0">
                       <a:latin typeface="Yu Mincho" panose="02020400000000000000" pitchFamily="18" charset="-128"/>
                       <a:ea typeface="Yu Mincho" panose="02020400000000000000" pitchFamily="18" charset="-128"/>
                       <a:cs typeface="Times New Roman" panose="02020603050405020304" pitchFamily="18" charset="0"/>
@@ -27283,7 +27283,7 @@
                     <a:t>H</a:t>
                   </a:r>
                   <a:r>
-                    <a:rPr lang="en-US" altLang="ja-JP" sz="1350" baseline="-25000">
+                    <a:rPr lang="en-US" altLang="ja-JP" sz="1350" baseline="-25000" dirty="0">
                       <a:latin typeface="Yu Mincho" panose="02020400000000000000" pitchFamily="18" charset="-128"/>
                       <a:ea typeface="Yu Mincho" panose="02020400000000000000" pitchFamily="18" charset="-128"/>
                       <a:cs typeface="Times New Roman" panose="02020603050405020304" pitchFamily="18" charset="0"/>
@@ -27291,7 +27291,7 @@
                     <a:t>2</a:t>
                   </a:r>
                   <a:r>
-                    <a:rPr lang="en-US" altLang="ja-JP" sz="1350">
+                    <a:rPr lang="en-US" altLang="ja-JP" sz="1350" dirty="0">
                       <a:latin typeface="Yu Mincho" panose="02020400000000000000" pitchFamily="18" charset="-128"/>
                       <a:ea typeface="Yu Mincho" panose="02020400000000000000" pitchFamily="18" charset="-128"/>
                       <a:cs typeface="Times New Roman" panose="02020603050405020304" pitchFamily="18" charset="0"/>
@@ -27460,19 +27460,19 @@
               <a:rPr lang="ja-JP" altLang="en-US" sz="1350"/>
               <a:t>ドデシルベンゼンスルホン酸ナトリウム</a:t>
             </a:r>
-            <a:endParaRPr lang="en-US" altLang="ja-JP" sz="1350"/>
+            <a:endParaRPr lang="en-US" altLang="ja-JP" sz="1350" dirty="0"/>
           </a:p>
           <a:p>
             <a:pPr algn="ctr"/>
             <a:r>
-              <a:rPr lang="en-US" altLang="ja-JP" sz="1350"/>
+              <a:rPr lang="en-US" altLang="ja-JP" sz="1350" dirty="0"/>
               <a:t>(DBS-Na)</a:t>
             </a:r>
             <a:r>
               <a:rPr lang="ja-JP" altLang="en-US" sz="1350"/>
               <a:t>水溶液中でイオン交換</a:t>
             </a:r>
-            <a:endParaRPr lang="en-US" altLang="ja-JP" sz="1350"/>
+            <a:endParaRPr lang="en-US" altLang="ja-JP" sz="1350" dirty="0"/>
           </a:p>
           <a:p>
             <a:pPr algn="ctr"/>
@@ -27514,7 +27514,7 @@
               <a:t>エタノール</a:t>
             </a:r>
             <a:r>
-              <a:rPr lang="en-US" altLang="ja-JP" sz="1350"/>
+              <a:rPr lang="en-US" altLang="ja-JP" sz="1350" dirty="0"/>
               <a:t>-</a:t>
             </a:r>
             <a:r>
@@ -27982,7 +27982,7 @@
               <a:t>約</a:t>
             </a:r>
             <a:r>
-              <a:rPr lang="en-US" altLang="ja-JP" sz="1350">
+              <a:rPr lang="en-US" altLang="ja-JP" sz="1350" dirty="0">
                 <a:latin typeface="Hiragino Maru Gothic ProN W4" panose="020F0400000000000000" pitchFamily="34" charset="-128"/>
                 <a:ea typeface="Hiragino Maru Gothic ProN W4" panose="020F0400000000000000" pitchFamily="34" charset="-128"/>
               </a:rPr>
@@ -28053,7 +28053,7 @@
               <p:nvPr/>
             </p:nvPicPr>
             <p:blipFill>
-              <a:blip r:embed="rId4"/>
+              <a:blip r:embed="rId3"/>
               <a:stretch>
                 <a:fillRect/>
               </a:stretch>
@@ -28150,7 +28150,7 @@
               <a:p>
                 <a:pPr algn="ctr"/>
                 <a:r>
-                  <a:rPr lang="en-US" altLang="ja-JP" sz="1500"/>
+                  <a:rPr lang="en-US" altLang="ja-JP" sz="1500" dirty="0"/>
                   <a:t>DBS-Na</a:t>
                 </a:r>
                 <a:endParaRPr lang="ja-JP" altLang="en-US" sz="1500"/>
@@ -28229,7 +28229,7 @@
             <a:lstStyle/>
             <a:p>
               <a:r>
-                <a:rPr lang="en-US" altLang="ja-JP" sz="1350">
+                <a:rPr lang="en-US" altLang="ja-JP" sz="1350" dirty="0">
                   <a:latin typeface="Yu Mincho" panose="02020400000000000000" pitchFamily="18" charset="-128"/>
                   <a:ea typeface="Yu Mincho" panose="02020400000000000000" pitchFamily="18" charset="-128"/>
                 </a:rPr>
@@ -28243,7 +28243,7 @@
                 <a:t> </a:t>
               </a:r>
               <a:r>
-                <a:rPr lang="en-US" altLang="ja-JP" sz="1350">
+                <a:rPr lang="en-US" altLang="ja-JP" sz="1350" dirty="0">
                   <a:latin typeface="Yu Mincho" panose="02020400000000000000" pitchFamily="18" charset="-128"/>
                   <a:ea typeface="Yu Mincho" panose="02020400000000000000" pitchFamily="18" charset="-128"/>
                 </a:rPr>
@@ -28349,7 +28349,7 @@
             <p:nvPr/>
           </p:nvPicPr>
           <p:blipFill>
-            <a:blip r:embed="rId5"/>
+            <a:blip r:embed="rId4"/>
             <a:stretch>
               <a:fillRect/>
             </a:stretch>
@@ -28400,7 +28400,7 @@
                 <a:t>イオン交換後のニッケル層状水酸化物の</a:t>
               </a:r>
               <a:r>
-                <a:rPr lang="en-US" altLang="ja-JP" sz="1350">
+                <a:rPr lang="en-US" altLang="ja-JP" sz="1350" dirty="0">
                   <a:latin typeface="Hiragino Maru Gothic Pro W4" panose="020F0400000000000000" pitchFamily="34" charset="-128"/>
                   <a:ea typeface="Hiragino Maru Gothic Pro W4" panose="020F0400000000000000" pitchFamily="34" charset="-128"/>
                 </a:rPr>
@@ -28428,7 +28428,7 @@
             <p:nvPr/>
           </p:nvPicPr>
           <p:blipFill>
-            <a:blip r:embed="rId6"/>
+            <a:blip r:embed="rId5"/>
             <a:stretch>
               <a:fillRect/>
             </a:stretch>
@@ -28479,7 +28479,7 @@
                 <a:t>層状塩基性酢酸ニッケルの</a:t>
               </a:r>
               <a:r>
-                <a:rPr lang="en-US" altLang="ja-JP" sz="1350">
+                <a:rPr lang="en-US" altLang="ja-JP" sz="1350" dirty="0">
                   <a:latin typeface="Hiragino Maru Gothic Pro W4" panose="020F0400000000000000" pitchFamily="34" charset="-128"/>
                   <a:ea typeface="Hiragino Maru Gothic Pro W4" panose="020F0400000000000000" pitchFamily="34" charset="-128"/>
                 </a:rPr>
@@ -28507,7 +28507,7 @@
             <p:nvPr/>
           </p:nvPicPr>
           <p:blipFill>
-            <a:blip r:embed="rId7"/>
+            <a:blip r:embed="rId6"/>
             <a:stretch>
               <a:fillRect/>
             </a:stretch>
@@ -28537,7 +28537,7 @@
             <p:nvPr/>
           </p:nvPicPr>
           <p:blipFill>
-            <a:blip r:embed="rId8"/>
+            <a:blip r:embed="rId7"/>
             <a:stretch>
               <a:fillRect/>
             </a:stretch>
@@ -28610,7 +28610,7 @@
               <p:nvPr/>
             </p:nvPicPr>
             <p:blipFill>
-              <a:blip r:embed="rId9" cstate="print"/>
+              <a:blip r:embed="rId8" cstate="print"/>
               <a:srcRect/>
               <a:stretch>
                 <a:fillRect/>
@@ -28649,7 +28649,7 @@
               <p:nvPr/>
             </p:nvPicPr>
             <p:blipFill>
-              <a:blip r:embed="rId9" cstate="print"/>
+              <a:blip r:embed="rId8" cstate="print"/>
               <a:srcRect/>
               <a:stretch>
                 <a:fillRect/>
@@ -28695,12 +28695,12 @@
               <a:graphicData uri="http://schemas.openxmlformats.org/presentationml/2006/ole">
                 <mc:AlternateContent xmlns:mc="http://schemas.openxmlformats.org/markup-compatibility/2006">
                   <mc:Choice xmlns:v="urn:schemas-microsoft-com:vml" Requires="v">
-                    <p:oleObj spid="_x0000_s18433" name="CS ChemDraw Drawing" r:id="rId10" imgW="604440" imgH="472320" progId="">
+                    <p:oleObj name="CS ChemDraw Drawing" r:id="rId9" imgW="604440" imgH="472320" progId="">
                       <p:embed/>
                     </p:oleObj>
                   </mc:Choice>
                   <mc:Fallback>
-                    <p:oleObj name="CS ChemDraw Drawing" r:id="rId10" imgW="604440" imgH="472320" progId="">
+                    <p:oleObj name="CS ChemDraw Drawing" r:id="rId9" imgW="604440" imgH="472320" progId="">
                       <p:embed/>
                       <p:pic>
                         <p:nvPicPr>
@@ -28717,7 +28717,7 @@
                           <p:nvPr/>
                         </p:nvPicPr>
                         <p:blipFill>
-                          <a:blip r:embed="rId11">
+                          <a:blip r:embed="rId10">
                             <a:extLst>
                               <a:ext uri="{28A0092B-C50C-407E-A947-70E740481C1C}">
                                 <a14:useLocalDpi xmlns:a14="http://schemas.microsoft.com/office/drawing/2010/main" val="0"/>
@@ -28823,7 +28823,7 @@
           <a:lstStyle/>
           <a:p>
             <a:r>
-              <a:rPr lang="en-US" altLang="ja-JP" sz="1350">
+              <a:rPr lang="en-US" altLang="ja-JP" sz="1350" dirty="0">
                 <a:latin typeface="Hiragino Maru Gothic ProN W4" panose="020F0400000000000000" pitchFamily="34" charset="-128"/>
                 <a:ea typeface="Hiragino Maru Gothic ProN W4" panose="020F0400000000000000" pitchFamily="34" charset="-128"/>
               </a:rPr>
@@ -28851,9 +28851,9 @@
         <p:grpSpPr>
           <a:xfrm>
             <a:off x="6593559" y="1926091"/>
-            <a:ext cx="1982642" cy="1792360"/>
+            <a:ext cx="2065726" cy="1792360"/>
             <a:chOff x="4516329" y="1942197"/>
-            <a:chExt cx="1982642" cy="1792360"/>
+            <a:chExt cx="2065726" cy="1792360"/>
           </a:xfrm>
         </p:grpSpPr>
         <p:grpSp>
@@ -28915,7 +28915,7 @@
                 <p:nvPr/>
               </p:nvPicPr>
               <p:blipFill>
-                <a:blip r:embed="rId9" cstate="print"/>
+                <a:blip r:embed="rId8" cstate="print"/>
                 <a:srcRect/>
                 <a:stretch>
                   <a:fillRect/>
@@ -28954,7 +28954,7 @@
                 <p:nvPr/>
               </p:nvPicPr>
               <p:blipFill>
-                <a:blip r:embed="rId9" cstate="print"/>
+                <a:blip r:embed="rId8" cstate="print"/>
                 <a:srcRect/>
                 <a:stretch>
                   <a:fillRect/>
@@ -28994,7 +28994,7 @@
               <p:nvPr/>
             </p:nvPicPr>
             <p:blipFill>
-              <a:blip r:embed="rId12" cstate="print"/>
+              <a:blip r:embed="rId11" cstate="print"/>
               <a:srcRect/>
               <a:stretch>
                 <a:fillRect/>
@@ -29033,7 +29033,7 @@
               <p:nvPr/>
             </p:nvPicPr>
             <p:blipFill>
-              <a:blip r:embed="rId12" cstate="print"/>
+              <a:blip r:embed="rId11" cstate="print"/>
               <a:srcRect/>
               <a:stretch>
                 <a:fillRect/>
@@ -29069,13 +29069,12 @@
             </p:cNvPr>
             <p:cNvCxnSpPr>
               <a:cxnSpLocks/>
-              <a:endCxn id="25" idx="3"/>
             </p:cNvCxnSpPr>
             <p:nvPr/>
           </p:nvCxnSpPr>
           <p:spPr>
             <a:xfrm>
-              <a:off x="5691781" y="2197227"/>
+              <a:off x="5725043" y="2206556"/>
               <a:ext cx="17669" cy="1297270"/>
             </a:xfrm>
             <a:prstGeom prst="straightConnector1">
@@ -29115,7 +29114,7 @@
           </p:nvSpPr>
           <p:spPr>
             <a:xfrm>
-              <a:off x="5693942" y="2693717"/>
+              <a:off x="5777026" y="2653439"/>
               <a:ext cx="805029" cy="300082"/>
             </a:xfrm>
             <a:prstGeom prst="rect">
@@ -29130,7 +29129,7 @@
             <a:lstStyle/>
             <a:p>
               <a:r>
-                <a:rPr lang="en-US" altLang="ja-JP" sz="1350">
+                <a:rPr lang="en-US" altLang="ja-JP" sz="1350" dirty="0">
                   <a:latin typeface="Hiragino Maru Gothic ProN W4" panose="020F0400000000000000" pitchFamily="34" charset="-128"/>
                   <a:ea typeface="Hiragino Maru Gothic ProN W4" panose="020F0400000000000000" pitchFamily="34" charset="-128"/>
                 </a:rPr>
@@ -29256,7 +29255,7 @@
           <a:lstStyle/>
           <a:p>
             <a:r>
-              <a:rPr kumimoji="1" lang="en-US" altLang="ja-JP" sz="1600">
+              <a:rPr kumimoji="1" lang="en-US" altLang="ja-JP" sz="1600" dirty="0">
                 <a:latin typeface="Hiragino Maru Gothic ProN W4" panose="020F0400000000000000" pitchFamily="34" charset="-128"/>
                 <a:ea typeface="Hiragino Maru Gothic ProN W4" panose="020F0400000000000000" pitchFamily="34" charset="-128"/>
               </a:rPr>
@@ -29412,7 +29411,7 @@
               </a:rPr>
               <a:t>ニッケル水酸化物ナノシートの合成</a:t>
             </a:r>
-            <a:endParaRPr lang="en-US" altLang="ja-JP" sz="2100">
+            <a:endParaRPr lang="en-US" altLang="ja-JP" sz="2100" dirty="0">
               <a:latin typeface="MS Gothic" panose="020B0609070205080204" pitchFamily="49" charset="-128"/>
               <a:ea typeface="MS Gothic" panose="020B0609070205080204" pitchFamily="49" charset="-128"/>
             </a:endParaRPr>
@@ -29449,7 +29448,7 @@
           <a:p>
             <a:pPr algn="ctr"/>
             <a:r>
-              <a:rPr lang="en-US" altLang="ja-JP"/>
+              <a:rPr lang="en-US" altLang="ja-JP" dirty="0"/>
               <a:t>1-</a:t>
             </a:r>
             <a:r>
@@ -29509,7 +29508,7 @@
             <a:p>
               <a:pPr algn="ctr"/>
               <a:r>
-                <a:rPr lang="en-US" altLang="ja-JP" sz="2000">
+                <a:rPr lang="en-US" altLang="ja-JP" sz="2000" dirty="0">
                   <a:latin typeface="Yu Mincho" panose="02020400000000000000" pitchFamily="18" charset="-128"/>
                   <a:ea typeface="Yu Mincho" panose="02020400000000000000" pitchFamily="18" charset="-128"/>
                   <a:cs typeface="Times New Roman" panose="02020603050405020304" pitchFamily="18" charset="0"/>
@@ -29517,7 +29516,7 @@
                 <a:t>Ni(OH)</a:t>
               </a:r>
               <a:r>
-                <a:rPr lang="en-US" altLang="ja-JP" sz="2000" baseline="-25000">
+                <a:rPr lang="en-US" altLang="ja-JP" sz="2000" baseline="-25000" dirty="0">
                   <a:latin typeface="Yu Mincho" panose="02020400000000000000" pitchFamily="18" charset="-128"/>
                   <a:ea typeface="Yu Mincho" panose="02020400000000000000" pitchFamily="18" charset="-128"/>
                   <a:cs typeface="Times New Roman" panose="02020603050405020304" pitchFamily="18" charset="0"/>
@@ -29525,7 +29524,7 @@
                 <a:t>x</a:t>
               </a:r>
               <a:r>
-                <a:rPr lang="en-US" altLang="ja-JP" sz="2000">
+                <a:rPr lang="en-US" altLang="ja-JP" sz="2000" dirty="0">
                   <a:latin typeface="Yu Mincho" panose="02020400000000000000" pitchFamily="18" charset="-128"/>
                   <a:ea typeface="Yu Mincho" panose="02020400000000000000" pitchFamily="18" charset="-128"/>
                   <a:cs typeface="Times New Roman" panose="02020603050405020304" pitchFamily="18" charset="0"/>
@@ -29533,7 +29532,7 @@
                 <a:t>(DBS)</a:t>
               </a:r>
               <a:r>
-                <a:rPr lang="en-US" altLang="ja-JP" sz="2000" baseline="-25000">
+                <a:rPr lang="en-US" altLang="ja-JP" sz="2000" baseline="-25000" dirty="0">
                   <a:latin typeface="Yu Mincho" panose="02020400000000000000" pitchFamily="18" charset="-128"/>
                   <a:ea typeface="Yu Mincho" panose="02020400000000000000" pitchFamily="18" charset="-128"/>
                   <a:cs typeface="Times New Roman" panose="02020603050405020304" pitchFamily="18" charset="0"/>
@@ -29549,7 +29548,7 @@
                 <a:t>・</a:t>
               </a:r>
               <a:r>
-                <a:rPr lang="en-US" altLang="ja-JP" sz="2000">
+                <a:rPr lang="en-US" altLang="ja-JP" sz="2000" dirty="0">
                   <a:latin typeface="Yu Mincho" panose="02020400000000000000" pitchFamily="18" charset="-128"/>
                   <a:ea typeface="Yu Mincho" panose="02020400000000000000" pitchFamily="18" charset="-128"/>
                   <a:cs typeface="Times New Roman" panose="02020603050405020304" pitchFamily="18" charset="0"/>
@@ -29557,7 +29556,7 @@
                 <a:t>H</a:t>
               </a:r>
               <a:r>
-                <a:rPr lang="en-US" altLang="ja-JP" sz="2000" baseline="-25000">
+                <a:rPr lang="en-US" altLang="ja-JP" sz="2000" baseline="-25000" dirty="0">
                   <a:latin typeface="Yu Mincho" panose="02020400000000000000" pitchFamily="18" charset="-128"/>
                   <a:ea typeface="Yu Mincho" panose="02020400000000000000" pitchFamily="18" charset="-128"/>
                   <a:cs typeface="Times New Roman" panose="02020603050405020304" pitchFamily="18" charset="0"/>
@@ -29565,7 +29564,7 @@
                 <a:t>2</a:t>
               </a:r>
               <a:r>
-                <a:rPr lang="en-US" altLang="ja-JP" sz="2000">
+                <a:rPr lang="en-US" altLang="ja-JP" sz="2000" dirty="0">
                   <a:latin typeface="Yu Mincho" panose="02020400000000000000" pitchFamily="18" charset="-128"/>
                   <a:ea typeface="Yu Mincho" panose="02020400000000000000" pitchFamily="18" charset="-128"/>
                   <a:cs typeface="Times New Roman" panose="02020603050405020304" pitchFamily="18" charset="0"/>
@@ -29879,7 +29878,7 @@
           <a:lstStyle/>
           <a:p>
             <a:r>
-              <a:rPr lang="en-US" altLang="ja-JP" sz="2000"/>
+              <a:rPr lang="en-US" altLang="ja-JP" sz="2000" dirty="0"/>
               <a:t>Ni</a:t>
             </a:r>
             <a:r>
@@ -30344,14 +30343,14 @@
               <a:p>
                 <a:pPr algn="ctr"/>
                 <a:r>
-                  <a:rPr lang="en-US" altLang="ja-JP" sz="825">
+                  <a:rPr lang="en-US" altLang="ja-JP" sz="825" dirty="0">
                     <a:latin typeface="HGSSoeiKakugothicUB" panose="020B0900000000000000" pitchFamily="34" charset="-128"/>
                     <a:ea typeface="HGSSoeiKakugothicUB" panose="020B0900000000000000" pitchFamily="34" charset="-128"/>
                   </a:rPr>
                   <a:t>1-</a:t>
                 </a:r>
                 <a:r>
-                  <a:rPr lang="ja-JP" altLang="en-US" sz="825">
+                  <a:rPr lang="ja-JP" altLang="en-US" sz="825" dirty="0">
                     <a:latin typeface="HGSSoeiKakugothicUB" panose="020B0900000000000000" pitchFamily="34" charset="-128"/>
                     <a:ea typeface="HGSSoeiKakugothicUB" panose="020B0900000000000000" pitchFamily="34" charset="-128"/>
                   </a:rPr>
@@ -31333,7 +31332,7 @@
                       </a:rPr>
                       <a:t>濃縮液をピペットで滴下</a:t>
                     </a:r>
-                    <a:endParaRPr lang="en-US" altLang="ja-JP" sz="1350" b="1">
+                    <a:endParaRPr lang="en-US" altLang="ja-JP" sz="1350" b="1" dirty="0">
                       <a:latin typeface="Hiragino Maru Gothic ProN W4" panose="020F0400000000000000" pitchFamily="34" charset="-128"/>
                       <a:ea typeface="Hiragino Maru Gothic ProN W4" panose="020F0400000000000000" pitchFamily="34" charset="-128"/>
                     </a:endParaRPr>
@@ -31549,7 +31548,7 @@
                               </a:rPr>
                               <a:t>減圧濃縮</a:t>
                             </a:r>
-                            <a:endParaRPr lang="en-US" altLang="ja-JP" sz="1200" b="1">
+                            <a:endParaRPr lang="en-US" altLang="ja-JP" sz="1200" b="1" dirty="0">
                               <a:latin typeface="Hiragino Maru Gothic ProN W4" panose="020F0400000000000000" pitchFamily="34" charset="-128"/>
                               <a:ea typeface="Hiragino Maru Gothic ProN W4" panose="020F0400000000000000" pitchFamily="34" charset="-128"/>
                             </a:endParaRPr>
@@ -31736,7 +31735,7 @@
                     <a:lstStyle/>
                     <a:p>
                       <a:r>
-                        <a:rPr lang="en-US" altLang="ja-JP" sz="1200" b="1">
+                        <a:rPr lang="en-US" altLang="ja-JP" sz="1200" b="1" dirty="0">
                           <a:latin typeface="Hiragino Maru Gothic ProN W4" panose="020F0400000000000000" pitchFamily="34" charset="-128"/>
                           <a:ea typeface="Hiragino Maru Gothic ProN W4" panose="020F0400000000000000" pitchFamily="34" charset="-128"/>
                         </a:rPr>
@@ -31749,7 +31748,7 @@
                         </a:rPr>
                         <a:t>ナノシート分散液</a:t>
                       </a:r>
-                      <a:endParaRPr lang="en-US" altLang="ja-JP" sz="1200" b="1">
+                      <a:endParaRPr lang="en-US" altLang="ja-JP" sz="1200" b="1" dirty="0">
                         <a:latin typeface="Hiragino Maru Gothic ProN W4" panose="020F0400000000000000" pitchFamily="34" charset="-128"/>
                         <a:ea typeface="Hiragino Maru Gothic ProN W4" panose="020F0400000000000000" pitchFamily="34" charset="-128"/>
                       </a:endParaRPr>
@@ -32784,7 +32783,7 @@
                         </a:rPr>
                         <a:t>グラッシーカーボン</a:t>
                       </a:r>
-                      <a:endParaRPr lang="en-US" altLang="ja-JP" sz="1200" b="1">
+                      <a:endParaRPr lang="en-US" altLang="ja-JP" sz="1200" b="1" dirty="0">
                         <a:latin typeface="Hiragino Maru Gothic ProN W4" panose="020F0400000000000000" pitchFamily="34" charset="-128"/>
                         <a:ea typeface="Hiragino Maru Gothic ProN W4" panose="020F0400000000000000" pitchFamily="34" charset="-128"/>
                       </a:endParaRPr>
@@ -32827,7 +32826,7 @@
                         </a:rPr>
                         <a:t>滴下乾燥を</a:t>
                       </a:r>
-                      <a:endParaRPr lang="en-US" altLang="ja-JP" sz="1200" b="1">
+                      <a:endParaRPr lang="en-US" altLang="ja-JP" sz="1200" b="1" dirty="0">
                         <a:latin typeface="Hiragino Maru Gothic ProN W4" panose="020F0400000000000000" pitchFamily="34" charset="-128"/>
                         <a:ea typeface="Hiragino Maru Gothic ProN W4" panose="020F0400000000000000" pitchFamily="34" charset="-128"/>
                       </a:endParaRPr>
@@ -32841,7 +32840,7 @@
                         </a:rPr>
                         <a:t>繰り返す</a:t>
                       </a:r>
-                      <a:endParaRPr lang="en-US" altLang="ja-JP" sz="1200" b="1">
+                      <a:endParaRPr lang="en-US" altLang="ja-JP" sz="1200" b="1" dirty="0">
                         <a:latin typeface="Hiragino Maru Gothic ProN W4" panose="020F0400000000000000" pitchFamily="34" charset="-128"/>
                         <a:ea typeface="Hiragino Maru Gothic ProN W4" panose="020F0400000000000000" pitchFamily="34" charset="-128"/>
                       </a:endParaRPr>
@@ -32909,7 +32908,7 @@
                       </a:rPr>
                       <a:t>キャスト電極</a:t>
                     </a:r>
-                    <a:endParaRPr lang="en-US" altLang="ja-JP" b="1">
+                    <a:endParaRPr lang="en-US" altLang="ja-JP" b="1" dirty="0">
                       <a:solidFill>
                         <a:schemeClr val="tx1"/>
                       </a:solidFill>
@@ -33030,7 +33029,7 @@
               </a:rPr>
               <a:t>グラッシーカーボン電極</a:t>
             </a:r>
-            <a:endParaRPr lang="en-US" altLang="ja-JP" sz="1350" b="1">
+            <a:endParaRPr lang="en-US" altLang="ja-JP" sz="1350" b="1" dirty="0">
               <a:latin typeface="Hiragino Maru Gothic ProN W4" panose="020F0400000000000000" pitchFamily="34" charset="-128"/>
               <a:ea typeface="Hiragino Maru Gothic ProN W4" panose="020F0400000000000000" pitchFamily="34" charset="-128"/>
             </a:endParaRPr>
@@ -33066,7 +33065,7 @@
           <a:lstStyle/>
           <a:p>
             <a:r>
-              <a:rPr lang="en-US" altLang="ja-JP" sz="1200" b="1">
+              <a:rPr lang="en-US" altLang="ja-JP" sz="1200" b="1" dirty="0">
                 <a:latin typeface="Hiragino Maru Gothic ProN W4" panose="020F0400000000000000" pitchFamily="34" charset="-128"/>
                 <a:ea typeface="Hiragino Maru Gothic ProN W4" panose="020F0400000000000000" pitchFamily="34" charset="-128"/>
               </a:rPr>
@@ -33079,7 +33078,7 @@
               </a:rPr>
               <a:t>ブタノールを蒸発</a:t>
             </a:r>
-            <a:endParaRPr lang="en-US" altLang="ja-JP" sz="1200" b="1">
+            <a:endParaRPr lang="en-US" altLang="ja-JP" sz="1200" b="1" dirty="0">
               <a:latin typeface="Hiragino Maru Gothic ProN W4" panose="020F0400000000000000" pitchFamily="34" charset="-128"/>
               <a:ea typeface="Hiragino Maru Gothic ProN W4" panose="020F0400000000000000" pitchFamily="34" charset="-128"/>
             </a:endParaRPr>
@@ -33662,7 +33661,7 @@
                             </a:rPr>
                             <a:t>ケッチェンブラック</a:t>
                           </a:r>
-                          <a:endParaRPr lang="en-US" altLang="ja-JP" sz="1050" b="1">
+                          <a:endParaRPr lang="en-US" altLang="ja-JP" sz="1050" b="1" dirty="0">
                             <a:latin typeface="Hiragino Maru Gothic ProN W4" panose="020F0400000000000000" pitchFamily="34" charset="-128"/>
                             <a:ea typeface="Hiragino Maru Gothic ProN W4" panose="020F0400000000000000" pitchFamily="34" charset="-128"/>
                           </a:endParaRPr>
@@ -33751,7 +33750,7 @@
                             </a:rPr>
                             <a:t>減圧乾燥</a:t>
                           </a:r>
-                          <a:endParaRPr lang="en-US" altLang="ja-JP" sz="1200" b="1">
+                          <a:endParaRPr lang="en-US" altLang="ja-JP" sz="1200" b="1" dirty="0">
                             <a:latin typeface="Hiragino Maru Gothic ProN W4" panose="020F0400000000000000" pitchFamily="34" charset="-128"/>
                             <a:ea typeface="Hiragino Maru Gothic ProN W4" panose="020F0400000000000000" pitchFamily="34" charset="-128"/>
                           </a:endParaRPr>
@@ -33938,7 +33937,7 @@
                   <a:lstStyle/>
                   <a:p>
                     <a:r>
-                      <a:rPr lang="en-US" altLang="ja-JP" sz="1200" b="1">
+                      <a:rPr lang="en-US" altLang="ja-JP" sz="1200" b="1" dirty="0">
                         <a:latin typeface="Hiragino Maru Gothic ProN W4" panose="020F0400000000000000" pitchFamily="34" charset="-128"/>
                         <a:ea typeface="Hiragino Maru Gothic ProN W4" panose="020F0400000000000000" pitchFamily="34" charset="-128"/>
                       </a:rPr>
@@ -33951,7 +33950,7 @@
                       </a:rPr>
                       <a:t>ナノシート分散液</a:t>
                     </a:r>
-                    <a:endParaRPr lang="en-US" altLang="ja-JP" sz="1200" b="1">
+                    <a:endParaRPr lang="en-US" altLang="ja-JP" sz="1200" b="1" dirty="0">
                       <a:latin typeface="Hiragino Maru Gothic ProN W4" panose="020F0400000000000000" pitchFamily="34" charset="-128"/>
                       <a:ea typeface="Hiragino Maru Gothic ProN W4" panose="020F0400000000000000" pitchFamily="34" charset="-128"/>
                     </a:endParaRPr>
@@ -35952,7 +35951,7 @@
                       </a:rPr>
                       <a:t>ナフィオン</a:t>
                     </a:r>
-                    <a:endParaRPr lang="en-US" altLang="ja-JP" sz="1050" b="1">
+                    <a:endParaRPr lang="en-US" altLang="ja-JP" sz="1050" b="1" dirty="0">
                       <a:latin typeface="Hiragino Maru Gothic ProN W4" panose="020F0400000000000000" pitchFamily="34" charset="-128"/>
                       <a:ea typeface="Hiragino Maru Gothic ProN W4" panose="020F0400000000000000" pitchFamily="34" charset="-128"/>
                     </a:endParaRPr>
@@ -35960,7 +35959,7 @@
                   <a:p>
                     <a:pPr algn="ctr"/>
                     <a:r>
-                      <a:rPr lang="en-US" altLang="ja-JP" sz="1050" b="1">
+                      <a:rPr lang="en-US" altLang="ja-JP" sz="1050" b="1" dirty="0">
                         <a:latin typeface="Hiragino Maru Gothic ProN W4" panose="020F0400000000000000" pitchFamily="34" charset="-128"/>
                         <a:ea typeface="Hiragino Maru Gothic ProN W4" panose="020F0400000000000000" pitchFamily="34" charset="-128"/>
                       </a:rPr>
@@ -35976,7 +35975,7 @@
                       </a:rPr>
                       <a:t>セルロース</a:t>
                     </a:r>
-                    <a:endParaRPr lang="en-US" altLang="ja-JP" sz="1050" b="1">
+                    <a:endParaRPr lang="en-US" altLang="ja-JP" sz="1050" b="1" dirty="0">
                       <a:latin typeface="Hiragino Maru Gothic ProN W4" panose="020F0400000000000000" pitchFamily="34" charset="-128"/>
                       <a:ea typeface="Hiragino Maru Gothic ProN W4" panose="020F0400000000000000" pitchFamily="34" charset="-128"/>
                     </a:endParaRPr>
@@ -36145,7 +36144,7 @@
                       </a:rPr>
                       <a:t>カーボンペースト</a:t>
                     </a:r>
-                    <a:endParaRPr lang="en-US" altLang="ja-JP" sz="1200" b="1">
+                    <a:endParaRPr lang="en-US" altLang="ja-JP" sz="1200" b="1" dirty="0">
                       <a:latin typeface="Hiragino Maru Gothic ProN W4" panose="020F0400000000000000" pitchFamily="34" charset="-128"/>
                       <a:ea typeface="Hiragino Maru Gothic ProN W4" panose="020F0400000000000000" pitchFamily="34" charset="-128"/>
                     </a:endParaRPr>
@@ -36212,7 +36211,7 @@
                       </a:rPr>
                       <a:t>カーボンペースト電極</a:t>
                     </a:r>
-                    <a:endParaRPr lang="en-US" altLang="ja-JP" b="1">
+                    <a:endParaRPr lang="en-US" altLang="ja-JP" b="1" dirty="0">
                       <a:solidFill>
                         <a:schemeClr val="tx1"/>
                       </a:solidFill>
@@ -36660,7 +36659,7 @@
               </a:rPr>
               <a:t>カーボンペースト用電極</a:t>
             </a:r>
-            <a:endParaRPr lang="en-US" altLang="ja-JP" sz="1350" b="1">
+            <a:endParaRPr lang="en-US" altLang="ja-JP" sz="1350" b="1" dirty="0">
               <a:latin typeface="Hiragino Maru Gothic ProN W4" panose="020F0400000000000000" pitchFamily="34" charset="-128"/>
               <a:ea typeface="Hiragino Maru Gothic ProN W4" panose="020F0400000000000000" pitchFamily="34" charset="-128"/>
             </a:endParaRPr>
@@ -36704,7 +36703,7 @@
               <a:t>孔径</a:t>
             </a:r>
             <a:r>
-              <a:rPr lang="en-US" altLang="ja-JP" sz="1350" b="1">
+              <a:rPr lang="en-US" altLang="ja-JP" sz="1350" b="1" dirty="0">
                 <a:latin typeface="Hiragino Maru Gothic ProN W4" panose="020F0400000000000000" pitchFamily="34" charset="-128"/>
                 <a:ea typeface="Hiragino Maru Gothic ProN W4" panose="020F0400000000000000" pitchFamily="34" charset="-128"/>
               </a:rPr>
@@ -36717,7 +36716,7 @@
               </a:rPr>
               <a:t>の</a:t>
             </a:r>
-            <a:endParaRPr lang="en-US" altLang="ja-JP" sz="1350" b="1">
+            <a:endParaRPr lang="en-US" altLang="ja-JP" sz="1350" b="1" dirty="0">
               <a:latin typeface="Hiragino Maru Gothic ProN W4" panose="020F0400000000000000" pitchFamily="34" charset="-128"/>
               <a:ea typeface="Hiragino Maru Gothic ProN W4" panose="020F0400000000000000" pitchFamily="34" charset="-128"/>
             </a:endParaRPr>
@@ -36731,7 +36730,7 @@
               </a:rPr>
               <a:t>穴が空いている</a:t>
             </a:r>
-            <a:endParaRPr lang="en-US" altLang="ja-JP" sz="1350" b="1">
+            <a:endParaRPr lang="en-US" altLang="ja-JP" sz="1350" b="1" dirty="0">
               <a:latin typeface="Hiragino Maru Gothic ProN W4" panose="020F0400000000000000" pitchFamily="34" charset="-128"/>
               <a:ea typeface="Hiragino Maru Gothic ProN W4" panose="020F0400000000000000" pitchFamily="34" charset="-128"/>
             </a:endParaRPr>
@@ -36864,7 +36863,7 @@
               </a:rPr>
               <a:t>カーボンペースト電極</a:t>
             </a:r>
-            <a:endParaRPr lang="en-US" altLang="ja-JP" sz="1050" b="1">
+            <a:endParaRPr lang="en-US" altLang="ja-JP" sz="1050" b="1" dirty="0">
               <a:latin typeface="Hiragino Maru Gothic ProN W4" panose="020F0400000000000000" pitchFamily="34" charset="-128"/>
               <a:ea typeface="Hiragino Maru Gothic ProN W4" panose="020F0400000000000000" pitchFamily="34" charset="-128"/>
             </a:endParaRPr>
@@ -36907,7 +36906,7 @@
               </a:rPr>
               <a:t>キャスト電極</a:t>
             </a:r>
-            <a:endParaRPr lang="en-US" altLang="ja-JP" sz="1050" b="1">
+            <a:endParaRPr lang="en-US" altLang="ja-JP" sz="1050" b="1" dirty="0">
               <a:latin typeface="Hiragino Maru Gothic ProN W4" panose="020F0400000000000000" pitchFamily="34" charset="-128"/>
               <a:ea typeface="Hiragino Maru Gothic ProN W4" panose="020F0400000000000000" pitchFamily="34" charset="-128"/>
             </a:endParaRPr>
@@ -37510,7 +37509,7 @@
                   </a:rPr>
                   <a:t>参照極</a:t>
                 </a:r>
-                <a:endParaRPr lang="en-US" altLang="ja-JP" sz="1600">
+                <a:endParaRPr lang="en-US" altLang="ja-JP" sz="1600" dirty="0">
                   <a:latin typeface="Hiragino Maru Gothic ProN W4" panose="020F0400000000000000" pitchFamily="34" charset="-128"/>
                   <a:ea typeface="Hiragino Maru Gothic ProN W4" panose="020F0400000000000000" pitchFamily="34" charset="-128"/>
                 </a:endParaRPr>
@@ -37518,7 +37517,7 @@
               <a:p>
                 <a:pPr algn="ctr"/>
                 <a:r>
-                  <a:rPr lang="en-US" altLang="ja-JP" sz="1600">
+                  <a:rPr lang="en-US" altLang="ja-JP" sz="1600" dirty="0">
                     <a:latin typeface="Times New Roman" panose="02020603050405020304" pitchFamily="18" charset="0"/>
                     <a:ea typeface="Hiragino Maru Gothic ProN W4" panose="020F0400000000000000" pitchFamily="34" charset="-128"/>
                     <a:cs typeface="Times New Roman" panose="02020603050405020304" pitchFamily="18" charset="0"/>
@@ -37532,6 +37531,10 @@
                   </a:rPr>
                   <a:t>電極</a:t>
                 </a:r>
+                <a:endParaRPr lang="ja-JP" altLang="en-US" sz="1600" dirty="0">
+                  <a:latin typeface="Hiragino Maru Gothic ProN W4" panose="020F0400000000000000" pitchFamily="34" charset="-128"/>
+                  <a:ea typeface="Hiragino Maru Gothic ProN W4" panose="020F0400000000000000" pitchFamily="34" charset="-128"/>
+                </a:endParaRPr>
               </a:p>
             </p:txBody>
           </p:sp>
@@ -37582,7 +37585,7 @@
                   </a:rPr>
                   <a:t>対極</a:t>
                 </a:r>
-                <a:endParaRPr lang="en-US" altLang="ja-JP" sz="1600">
+                <a:endParaRPr lang="en-US" altLang="ja-JP" sz="1600" dirty="0">
                   <a:latin typeface="Hiragino Maru Gothic ProN W4" panose="020F0400000000000000" pitchFamily="34" charset="-128"/>
                   <a:ea typeface="Hiragino Maru Gothic ProN W4" panose="020F0400000000000000" pitchFamily="34" charset="-128"/>
                 </a:endParaRPr>
@@ -37594,7 +37597,14 @@
                     <a:latin typeface="Hiragino Maru Gothic ProN W4" panose="020F0400000000000000" pitchFamily="34" charset="-128"/>
                     <a:ea typeface="Hiragino Maru Gothic ProN W4" panose="020F0400000000000000" pitchFamily="34" charset="-128"/>
                   </a:rPr>
-                  <a:t>白金線　</a:t>
+                  <a:t>白金</a:t>
+                </a:r>
+                <a:r>
+                  <a:rPr lang="ja-JP" altLang="en-US" sz="1600" dirty="0">
+                    <a:latin typeface="Hiragino Maru Gothic ProN W4" panose="020F0400000000000000" pitchFamily="34" charset="-128"/>
+                    <a:ea typeface="Hiragino Maru Gothic ProN W4" panose="020F0400000000000000" pitchFamily="34" charset="-128"/>
+                  </a:rPr>
+                  <a:t>線　</a:t>
                 </a:r>
               </a:p>
             </p:txBody>
@@ -37684,7 +37694,7 @@
               <a:p>
                 <a:pPr algn="ctr"/>
                 <a:r>
-                  <a:rPr lang="ja-JP" altLang="en-US" sz="1600">
+                  <a:rPr lang="ja-JP" altLang="en-US" sz="1600" dirty="0">
                     <a:latin typeface="Hiragino Maru Gothic ProN W4" panose="020F0400000000000000" pitchFamily="34" charset="-128"/>
                     <a:ea typeface="Hiragino Maru Gothic ProN W4" panose="020F0400000000000000" pitchFamily="34" charset="-128"/>
                   </a:rPr>
@@ -37749,6 +37759,13 @@
                   </a:rPr>
                   <a:t>電解液</a:t>
                 </a:r>
+                <a:endParaRPr lang="ja-JP" altLang="en-US" sz="1600" dirty="0">
+                  <a:solidFill>
+                    <a:schemeClr val="tx1"/>
+                  </a:solidFill>
+                  <a:latin typeface="Times New Roman" pitchFamily="18" charset="0"/>
+                  <a:cs typeface="Times New Roman" pitchFamily="18" charset="0"/>
+                </a:endParaRPr>
               </a:p>
             </p:txBody>
           </p:sp>
@@ -38458,7 +38475,7 @@
               </a:rPr>
               <a:t>電気化学測定</a:t>
             </a:r>
-            <a:endParaRPr lang="en-US" altLang="ja-JP" sz="2100">
+            <a:endParaRPr lang="en-US" altLang="ja-JP" sz="2100" dirty="0">
               <a:latin typeface="MS Gothic" panose="020B0609070205080204" pitchFamily="49" charset="-128"/>
               <a:ea typeface="MS Gothic" panose="020B0609070205080204" pitchFamily="49" charset="-128"/>
             </a:endParaRPr>
@@ -38500,13 +38517,13 @@
               </a:rPr>
               <a:t>作用極：作製した電極</a:t>
             </a:r>
-            <a:endParaRPr lang="en-US" altLang="ja-JP">
+            <a:endParaRPr lang="en-US" altLang="ja-JP" dirty="0">
               <a:latin typeface="Times New Roman" panose="02020603050405020304" pitchFamily="18" charset="0"/>
               <a:cs typeface="Times New Roman" panose="02020603050405020304" pitchFamily="18" charset="0"/>
             </a:endParaRPr>
           </a:p>
           <a:p>
-            <a:endParaRPr lang="en-US" altLang="ja-JP">
+            <a:endParaRPr lang="en-US" altLang="ja-JP" dirty="0">
               <a:latin typeface="Times New Roman" panose="02020603050405020304" pitchFamily="18" charset="0"/>
               <a:cs typeface="Times New Roman" panose="02020603050405020304" pitchFamily="18" charset="0"/>
             </a:endParaRPr>
@@ -38519,13 +38536,13 @@
               </a:rPr>
               <a:t>対極：白金線</a:t>
             </a:r>
-            <a:endParaRPr lang="en-US" altLang="ja-JP">
+            <a:endParaRPr lang="en-US" altLang="ja-JP" dirty="0">
               <a:latin typeface="Times New Roman" panose="02020603050405020304" pitchFamily="18" charset="0"/>
               <a:cs typeface="Times New Roman" panose="02020603050405020304" pitchFamily="18" charset="0"/>
             </a:endParaRPr>
           </a:p>
           <a:p>
-            <a:endParaRPr lang="en-US" altLang="ja-JP">
+            <a:endParaRPr lang="en-US" altLang="ja-JP" dirty="0">
               <a:latin typeface="Times New Roman" panose="02020603050405020304" pitchFamily="18" charset="0"/>
               <a:cs typeface="Times New Roman" panose="02020603050405020304" pitchFamily="18" charset="0"/>
             </a:endParaRPr>
@@ -38539,7 +38556,7 @@
               <a:t>参照極：</a:t>
             </a:r>
             <a:r>
-              <a:rPr lang="en-US" altLang="ja-JP">
+              <a:rPr lang="en-US" altLang="ja-JP" dirty="0">
                 <a:latin typeface="Times New Roman" panose="02020603050405020304" pitchFamily="18" charset="0"/>
                 <a:cs typeface="Times New Roman" panose="02020603050405020304" pitchFamily="18" charset="0"/>
               </a:rPr>
@@ -38552,13 +38569,13 @@
               </a:rPr>
               <a:t>電極</a:t>
             </a:r>
-            <a:endParaRPr lang="en-US" altLang="ja-JP">
+            <a:endParaRPr lang="en-US" altLang="ja-JP" dirty="0">
               <a:latin typeface="Times New Roman" panose="02020603050405020304" pitchFamily="18" charset="0"/>
               <a:cs typeface="Times New Roman" panose="02020603050405020304" pitchFamily="18" charset="0"/>
             </a:endParaRPr>
           </a:p>
           <a:p>
-            <a:endParaRPr lang="en-US" altLang="ja-JP">
+            <a:endParaRPr lang="en-US" altLang="ja-JP" dirty="0">
               <a:latin typeface="Times New Roman" panose="02020603050405020304" pitchFamily="18" charset="0"/>
               <a:cs typeface="Times New Roman" panose="02020603050405020304" pitchFamily="18" charset="0"/>
             </a:endParaRPr>
@@ -38572,7 +38589,7 @@
               <a:t>電解液：</a:t>
             </a:r>
             <a:r>
-              <a:rPr lang="en-US" altLang="ja-JP">
+              <a:rPr lang="en-US" altLang="ja-JP" dirty="0">
                 <a:latin typeface="Times New Roman" panose="02020603050405020304" pitchFamily="18" charset="0"/>
                 <a:cs typeface="Times New Roman" panose="02020603050405020304" pitchFamily="18" charset="0"/>
               </a:rPr>
@@ -38704,7 +38721,7 @@
               </a:rPr>
               <a:t>三電極法</a:t>
             </a:r>
-            <a:endParaRPr lang="en-US" altLang="ja-JP" sz="2400" b="1">
+            <a:endParaRPr lang="en-US" altLang="ja-JP" sz="2400" b="1" dirty="0">
               <a:solidFill>
                 <a:schemeClr val="tx1"/>
               </a:solidFill>
@@ -38947,7 +38964,7 @@
               </a:rPr>
               <a:t>ニッケル水酸化物ナノシートを用いた</a:t>
             </a:r>
-            <a:endParaRPr lang="en-US" altLang="ja-JP" sz="2400">
+            <a:endParaRPr lang="en-US" altLang="ja-JP" sz="2400" dirty="0">
               <a:latin typeface="HGSSoeiKakugothicUB" panose="020B0900000000000000" pitchFamily="34" charset="-128"/>
               <a:ea typeface="HGSSoeiKakugothicUB" panose="020B0900000000000000" pitchFamily="34" charset="-128"/>
             </a:endParaRPr>
@@ -39056,7 +39073,7 @@
               </a:rPr>
               <a:t>グルコース濃度が増えると</a:t>
             </a:r>
-            <a:endParaRPr lang="en-US" altLang="ja-JP">
+            <a:endParaRPr lang="en-US" altLang="ja-JP" dirty="0">
               <a:latin typeface="Hiragino Maru Gothic ProN W4" panose="020F0400000000000000" pitchFamily="34" charset="-128"/>
               <a:ea typeface="Hiragino Maru Gothic ProN W4" panose="020F0400000000000000" pitchFamily="34" charset="-128"/>
             </a:endParaRPr>
@@ -39070,7 +39087,7 @@
               </a:rPr>
               <a:t>電流量も増加</a:t>
             </a:r>
-            <a:endParaRPr lang="en-US" altLang="ja-JP">
+            <a:endParaRPr lang="en-US" altLang="ja-JP" dirty="0">
               <a:latin typeface="Hiragino Maru Gothic ProN W4" panose="020F0400000000000000" pitchFamily="34" charset="-128"/>
               <a:ea typeface="Hiragino Maru Gothic ProN W4" panose="020F0400000000000000" pitchFamily="34" charset="-128"/>
             </a:endParaRPr>
@@ -39148,7 +39165,7 @@
           <a:p>
             <a:pPr algn="ctr"/>
             <a:r>
-              <a:rPr lang="en-US" altLang="ja-JP" sz="2000">
+              <a:rPr lang="en-US" altLang="ja-JP" sz="2000" dirty="0">
                 <a:solidFill>
                   <a:srgbClr val="000000"/>
                 </a:solidFill>
@@ -39193,7 +39210,7 @@
               </a:rPr>
               <a:t>見られた</a:t>
             </a:r>
-            <a:endParaRPr lang="en-US" altLang="ja-JP" sz="1400">
+            <a:endParaRPr lang="en-US" altLang="ja-JP" sz="1400" dirty="0">
               <a:solidFill>
                 <a:srgbClr val="000000"/>
               </a:solidFill>
@@ -39203,7 +39220,7 @@
             </a:endParaRPr>
           </a:p>
           <a:p>
-            <a:endParaRPr lang="en-US" altLang="ja-JP" sz="1400">
+            <a:endParaRPr lang="en-US" altLang="ja-JP" sz="1400" dirty="0">
               <a:solidFill>
                 <a:srgbClr val="000000"/>
               </a:solidFill>
@@ -39213,7 +39230,7 @@
             </a:endParaRPr>
           </a:p>
           <a:p>
-            <a:endParaRPr lang="en-US" altLang="ja-JP" sz="1400">
+            <a:endParaRPr lang="en-US" altLang="ja-JP" sz="1400" dirty="0">
               <a:solidFill>
                 <a:srgbClr val="000000"/>
               </a:solidFill>
@@ -39223,7 +39240,7 @@
             </a:endParaRPr>
           </a:p>
           <a:p>
-            <a:endParaRPr lang="en-US" altLang="ja-JP" sz="1400">
+            <a:endParaRPr lang="en-US" altLang="ja-JP" sz="1400" dirty="0">
               <a:solidFill>
                 <a:srgbClr val="000000"/>
               </a:solidFill>
@@ -39244,7 +39261,7 @@
               </a:rPr>
               <a:t>この結果をもとに</a:t>
             </a:r>
-            <a:endParaRPr lang="en-US" altLang="ja-JP" sz="1400">
+            <a:endParaRPr lang="en-US" altLang="ja-JP" sz="1400" dirty="0">
               <a:solidFill>
                 <a:srgbClr val="000000"/>
               </a:solidFill>
@@ -39256,7 +39273,7 @@
           <a:p>
             <a:pPr algn="ctr"/>
             <a:r>
-              <a:rPr lang="en-US" altLang="ja-JP" sz="2000">
+              <a:rPr lang="en-US" altLang="ja-JP" sz="2000" dirty="0">
                 <a:solidFill>
                   <a:srgbClr val="FF0000"/>
                 </a:solidFill>
@@ -39267,14 +39284,14 @@
               <a:t>0.6</a:t>
             </a:r>
             <a:r>
-              <a:rPr lang="en-US" altLang="ja-JP" sz="2000">
+              <a:rPr lang="en-US" altLang="ja-JP" sz="2000" dirty="0">
                 <a:latin typeface="Times New Roman" panose="02020603050405020304" pitchFamily="18" charset="0"/>
                 <a:ea typeface="Hiragino Maru Gothic ProN W4" panose="020F0400000000000000" pitchFamily="34" charset="-128"/>
                 <a:cs typeface="Times New Roman" panose="02020603050405020304" pitchFamily="18" charset="0"/>
               </a:rPr>
               <a:t> V vs Ag/AgCl</a:t>
             </a:r>
-            <a:endParaRPr lang="en-US" altLang="ja-JP" sz="2000">
+            <a:endParaRPr lang="en-US" altLang="ja-JP" sz="2000" dirty="0">
               <a:solidFill>
                 <a:srgbClr val="000000"/>
               </a:solidFill>
@@ -39295,7 +39312,7 @@
               </a:rPr>
               <a:t>に印加電圧を設定し</a:t>
             </a:r>
-            <a:endParaRPr lang="en-US" altLang="ja-JP" sz="1400">
+            <a:endParaRPr lang="en-US" altLang="ja-JP" sz="1400" dirty="0">
               <a:solidFill>
                 <a:srgbClr val="000000"/>
               </a:solidFill>
@@ -39316,7 +39333,7 @@
               </a:rPr>
               <a:t>濃度に対する電流密度の</a:t>
             </a:r>
-            <a:endParaRPr lang="en-US" altLang="ja-JP" sz="1400">
+            <a:endParaRPr lang="en-US" altLang="ja-JP" sz="1400" dirty="0">
               <a:solidFill>
                 <a:srgbClr val="000000"/>
               </a:solidFill>
@@ -39337,7 +39354,7 @@
               </a:rPr>
               <a:t>測定を行った</a:t>
             </a:r>
-            <a:endParaRPr lang="en-US" altLang="ja-JP" sz="1400">
+            <a:endParaRPr lang="en-US" altLang="ja-JP" sz="1400" dirty="0">
               <a:solidFill>
                 <a:srgbClr val="000000"/>
               </a:solidFill>
@@ -39377,7 +39394,7 @@
           <a:lstStyle/>
           <a:p>
             <a:r>
-              <a:rPr lang="en-US" altLang="ja-JP" sz="1400">
+              <a:rPr lang="en-US" altLang="ja-JP" sz="1400" dirty="0">
                 <a:solidFill>
                   <a:srgbClr val="00B050"/>
                 </a:solidFill>
@@ -39425,7 +39442,7 @@
           <a:lstStyle/>
           <a:p>
             <a:r>
-              <a:rPr lang="en-US" altLang="ja-JP" sz="1400">
+              <a:rPr lang="en-US" altLang="ja-JP" sz="1400" dirty="0">
                 <a:solidFill>
                   <a:schemeClr val="accent4">
                     <a:lumMod val="75000"/>
@@ -39477,7 +39494,7 @@
           <a:lstStyle/>
           <a:p>
             <a:r>
-              <a:rPr lang="en-US" altLang="ja-JP" sz="1400">
+              <a:rPr lang="en-US" altLang="ja-JP" sz="1400" dirty="0">
                 <a:solidFill>
                   <a:schemeClr val="accent5"/>
                 </a:solidFill>
@@ -39525,7 +39542,7 @@
           <a:lstStyle/>
           <a:p>
             <a:r>
-              <a:rPr lang="en-US" altLang="ja-JP" sz="1400">
+              <a:rPr lang="en-US" altLang="ja-JP" sz="1400" dirty="0">
                 <a:solidFill>
                   <a:srgbClr val="FF0000"/>
                 </a:solidFill>
@@ -39573,7 +39590,7 @@
           <a:lstStyle/>
           <a:p>
             <a:r>
-              <a:rPr lang="en-US" altLang="ja-JP" sz="1400">
+              <a:rPr lang="en-US" altLang="ja-JP" sz="1400" dirty="0">
                 <a:latin typeface="Times New Roman" panose="02020603050405020304" pitchFamily="18" charset="0"/>
                 <a:cs typeface="Times New Roman" panose="02020603050405020304" pitchFamily="18" charset="0"/>
               </a:rPr>
@@ -39622,7 +39639,7 @@
               <a:t>スキャンレート</a:t>
             </a:r>
             <a:r>
-              <a:rPr lang="en-US" altLang="ja-JP" sz="1600">
+              <a:rPr lang="en-US" altLang="ja-JP" sz="1600" dirty="0">
                 <a:latin typeface="Hiragino Maru Gothic Pro W4" panose="020F0400000000000000" pitchFamily="34" charset="-128"/>
                 <a:ea typeface="Hiragino Maru Gothic Pro W4" panose="020F0400000000000000" pitchFamily="34" charset="-128"/>
               </a:rPr>
@@ -39855,7 +39872,7 @@
               </a:rPr>
               <a:t>バインダー：</a:t>
             </a:r>
-            <a:endParaRPr lang="en-US" altLang="ja-JP">
+            <a:endParaRPr lang="en-US" altLang="ja-JP" dirty="0">
               <a:latin typeface="Times New Roman" panose="02020603050405020304" pitchFamily="18" charset="0"/>
               <a:ea typeface="MS Mincho" panose="02020609040205080304" pitchFamily="49" charset="-128"/>
               <a:cs typeface="Times New Roman" panose="02020603050405020304" pitchFamily="18" charset="0"/>
@@ -39870,7 +39887,7 @@
               </a:rPr>
               <a:t>セルロースナノファイバー</a:t>
             </a:r>
-            <a:endParaRPr lang="en-US" altLang="ja-JP">
+            <a:endParaRPr lang="en-US" altLang="ja-JP" dirty="0">
               <a:latin typeface="HGSSoeiKakugothicUB" panose="020B0900000000000000" pitchFamily="34" charset="-128"/>
               <a:ea typeface="HGSSoeiKakugothicUB" panose="020B0900000000000000" pitchFamily="34" charset="-128"/>
               <a:cs typeface="Times New Roman" panose="02020603050405020304" pitchFamily="18" charset="0"/>
@@ -39915,7 +39932,7 @@
               <a:t>同じ量、同じ手法で電極を</a:t>
             </a:r>
             <a:r>
-              <a:rPr lang="en-US" altLang="ja-JP">
+              <a:rPr lang="en-US" altLang="ja-JP" dirty="0">
                 <a:latin typeface="Times New Roman" panose="02020603050405020304" pitchFamily="18" charset="0"/>
                 <a:ea typeface="MS Mincho" panose="02020609040205080304" pitchFamily="49" charset="-128"/>
                 <a:cs typeface="Times New Roman" panose="02020603050405020304" pitchFamily="18" charset="0"/>
@@ -39930,7 +39947,7 @@
               </a:rPr>
               <a:t>つ</a:t>
             </a:r>
-            <a:endParaRPr lang="en-US" altLang="ja-JP">
+            <a:endParaRPr lang="en-US" altLang="ja-JP" dirty="0">
               <a:latin typeface="Times New Roman" panose="02020603050405020304" pitchFamily="18" charset="0"/>
               <a:ea typeface="MS Mincho" panose="02020609040205080304" pitchFamily="49" charset="-128"/>
               <a:cs typeface="Times New Roman" panose="02020603050405020304" pitchFamily="18" charset="0"/>
@@ -39945,7 +39962,7 @@
               </a:rPr>
               <a:t>作製したが再現性に乏しかった。</a:t>
             </a:r>
-            <a:endParaRPr lang="en-US" altLang="ja-JP">
+            <a:endParaRPr lang="en-US" altLang="ja-JP" dirty="0">
               <a:latin typeface="Times New Roman" panose="02020603050405020304" pitchFamily="18" charset="0"/>
               <a:ea typeface="MS Mincho" panose="02020609040205080304" pitchFamily="49" charset="-128"/>
               <a:cs typeface="Times New Roman" panose="02020603050405020304" pitchFamily="18" charset="0"/>
@@ -40116,7 +40133,7 @@
               </a:rPr>
               <a:t>バインダー：</a:t>
             </a:r>
-            <a:endParaRPr lang="en-US" altLang="ja-JP">
+            <a:endParaRPr lang="en-US" altLang="ja-JP" dirty="0">
               <a:latin typeface="Times New Roman" panose="02020603050405020304" pitchFamily="18" charset="0"/>
               <a:ea typeface="MS Mincho" panose="02020609040205080304" pitchFamily="49" charset="-128"/>
               <a:cs typeface="Times New Roman" panose="02020603050405020304" pitchFamily="18" charset="0"/>
@@ -40131,7 +40148,7 @@
               </a:rPr>
               <a:t>ナフィオン</a:t>
             </a:r>
-            <a:endParaRPr lang="en-US" altLang="ja-JP">
+            <a:endParaRPr lang="en-US" altLang="ja-JP" dirty="0">
               <a:latin typeface="HGSSoeiKakugothicUB" panose="020B0900000000000000" pitchFamily="34" charset="-128"/>
               <a:ea typeface="HGSSoeiKakugothicUB" panose="020B0900000000000000" pitchFamily="34" charset="-128"/>
               <a:cs typeface="Times New Roman" panose="02020603050405020304" pitchFamily="18" charset="0"/>

--- a/発表スライド/230217_スライド01.pptx
+++ b/発表スライド/230217_スライド01.pptx
@@ -144,10 +144,7 @@
 <file path=ppt/revisionInfo.xml><?xml version="1.0" encoding="utf-8"?>
 <p1510:revInfo xmlns:a="http://schemas.openxmlformats.org/drawingml/2006/main" xmlns:r="http://schemas.openxmlformats.org/officeDocument/2006/relationships" xmlns:p1510="http://schemas.microsoft.com/office/powerpoint/2015/10/main">
   <p1510:revLst>
-    <p1510:client id="{40A84FF3-5504-8B4D-B5BF-1CC760F89A2B}" v="16" dt="2023-02-17T14:55:42.902"/>
-    <p1510:client id="{719BD9EA-3BA9-564D-AA26-5BBF6AD9D466}" v="69" dt="2023-02-17T12:52:46.366"/>
-    <p1510:client id="{8E95786B-EB47-214E-8054-B894BBD4E56A}" v="20" dt="2023-02-17T09:03:30.291"/>
-    <p1510:client id="{A9446C5A-C51B-544D-A5B5-FE8E56D2ADF1}" v="38" dt="2023-02-17T14:36:46.405"/>
+    <p1510:client id="{A9446C5A-C51B-544D-A5B5-FE8E56D2ADF1}" v="39" dt="2023-02-20T02:36:14.066"/>
   </p1510:revLst>
 </p1510:revInfo>
 </file>
@@ -156,11 +153,65 @@
 <pc:chgInfo xmlns:a="http://schemas.openxmlformats.org/drawingml/2006/main" xmlns:r="http://schemas.openxmlformats.org/officeDocument/2006/relationships" xmlns:ac="http://schemas.microsoft.com/office/drawing/2013/main/command" xmlns:pc="http://schemas.microsoft.com/office/powerpoint/2013/main/command">
   <pc:docChgLst>
     <pc:chgData name="松山 ファミリー" userId="9fadbf8cd42e59b5" providerId="LiveId" clId="{A9446C5A-C51B-544D-A5B5-FE8E56D2ADF1}"/>
-    <pc:docChg chg="modSld">
-      <pc:chgData name="松山 ファミリー" userId="9fadbf8cd42e59b5" providerId="LiveId" clId="{A9446C5A-C51B-544D-A5B5-FE8E56D2ADF1}" dt="2023-02-17T14:36:46.405" v="38" actId="20577"/>
+    <pc:docChg chg="undo custSel modSld">
+      <pc:chgData name="松山 ファミリー" userId="9fadbf8cd42e59b5" providerId="LiveId" clId="{A9446C5A-C51B-544D-A5B5-FE8E56D2ADF1}" dt="2023-02-20T02:37:03.603" v="92" actId="14100"/>
       <pc:docMkLst>
         <pc:docMk/>
       </pc:docMkLst>
+      <pc:sldChg chg="addSp modSp mod">
+        <pc:chgData name="松山 ファミリー" userId="9fadbf8cd42e59b5" providerId="LiveId" clId="{A9446C5A-C51B-544D-A5B5-FE8E56D2ADF1}" dt="2023-02-20T02:36:45.138" v="90" actId="1076"/>
+        <pc:sldMkLst>
+          <pc:docMk/>
+          <pc:sldMk cId="4185337178" sldId="331"/>
+        </pc:sldMkLst>
+        <pc:spChg chg="add mod">
+          <ac:chgData name="松山 ファミリー" userId="9fadbf8cd42e59b5" providerId="LiveId" clId="{A9446C5A-C51B-544D-A5B5-FE8E56D2ADF1}" dt="2023-02-20T02:36:45.138" v="90" actId="1076"/>
+          <ac:spMkLst>
+            <pc:docMk/>
+            <pc:sldMk cId="4185337178" sldId="331"/>
+            <ac:spMk id="2" creationId="{7C496F92-6FBE-66F6-F3F5-04E74F3F3C52}"/>
+          </ac:spMkLst>
+        </pc:spChg>
+        <pc:spChg chg="mod">
+          <ac:chgData name="松山 ファミリー" userId="9fadbf8cd42e59b5" providerId="LiveId" clId="{A9446C5A-C51B-544D-A5B5-FE8E56D2ADF1}" dt="2023-02-20T02:36:13.219" v="58" actId="1076"/>
+          <ac:spMkLst>
+            <pc:docMk/>
+            <pc:sldMk cId="4185337178" sldId="331"/>
+            <ac:spMk id="25" creationId="{F993B989-E69D-932A-6777-A2F47D663750}"/>
+          </ac:spMkLst>
+        </pc:spChg>
+        <pc:spChg chg="mod">
+          <ac:chgData name="松山 ファミリー" userId="9fadbf8cd42e59b5" providerId="LiveId" clId="{A9446C5A-C51B-544D-A5B5-FE8E56D2ADF1}" dt="2023-02-20T02:35:40.277" v="56" actId="20577"/>
+          <ac:spMkLst>
+            <pc:docMk/>
+            <pc:sldMk cId="4185337178" sldId="331"/>
+            <ac:spMk id="27" creationId="{54711953-C5F6-9FEB-36B0-E9D505418AE4}"/>
+          </ac:spMkLst>
+        </pc:spChg>
+        <pc:grpChg chg="mod">
+          <ac:chgData name="松山 ファミリー" userId="9fadbf8cd42e59b5" providerId="LiveId" clId="{A9446C5A-C51B-544D-A5B5-FE8E56D2ADF1}" dt="2023-02-20T02:36:23.299" v="78" actId="1076"/>
+          <ac:grpSpMkLst>
+            <pc:docMk/>
+            <pc:sldMk cId="4185337178" sldId="331"/>
+            <ac:grpSpMk id="21" creationId="{555BE674-06E1-4643-1A8E-57B95D17570C}"/>
+          </ac:grpSpMkLst>
+        </pc:grpChg>
+      </pc:sldChg>
+      <pc:sldChg chg="modSp mod">
+        <pc:chgData name="松山 ファミリー" userId="9fadbf8cd42e59b5" providerId="LiveId" clId="{A9446C5A-C51B-544D-A5B5-FE8E56D2ADF1}" dt="2023-02-20T02:37:03.603" v="92" actId="14100"/>
+        <pc:sldMkLst>
+          <pc:docMk/>
+          <pc:sldMk cId="3711080238" sldId="345"/>
+        </pc:sldMkLst>
+        <pc:spChg chg="mod">
+          <ac:chgData name="松山 ファミリー" userId="9fadbf8cd42e59b5" providerId="LiveId" clId="{A9446C5A-C51B-544D-A5B5-FE8E56D2ADF1}" dt="2023-02-20T02:37:03.603" v="92" actId="14100"/>
+          <ac:spMkLst>
+            <pc:docMk/>
+            <pc:sldMk cId="3711080238" sldId="345"/>
+            <ac:spMk id="2" creationId="{8C389D02-E9C1-2515-248E-211D87285EAA}"/>
+          </ac:spMkLst>
+        </pc:spChg>
+      </pc:sldChg>
       <pc:sldChg chg="addSp delSp modSp mod">
         <pc:chgData name="松山 ファミリー" userId="9fadbf8cd42e59b5" providerId="LiveId" clId="{A9446C5A-C51B-544D-A5B5-FE8E56D2ADF1}" dt="2023-02-17T14:27:22.135" v="20"/>
         <pc:sldMkLst>
@@ -270,7 +321,7 @@
           <a:p>
             <a:fld id="{A335627E-946E-6542-9AF0-6241334F5BB9}" type="datetimeFigureOut">
               <a:rPr kumimoji="1" lang="ja-JP" altLang="en-US" smtClean="0"/>
-              <a:t>2023/2/17</a:t>
+              <a:t>2023/2/19</a:t>
             </a:fld>
             <a:endParaRPr kumimoji="1" lang="ja-JP" altLang="en-US"/>
           </a:p>
@@ -345,7 +396,7 @@
               <a:t>第 </a:t>
             </a:r>
             <a:r>
-              <a:rPr kumimoji="1" lang="en-US" altLang="ja-JP" dirty="0"/>
+              <a:rPr kumimoji="1" lang="en-US" altLang="ja-JP"/>
               <a:t>2 </a:t>
             </a:r>
             <a:r>
@@ -360,7 +411,7 @@
               <a:t>第 </a:t>
             </a:r>
             <a:r>
-              <a:rPr kumimoji="1" lang="en-US" altLang="ja-JP" dirty="0"/>
+              <a:rPr kumimoji="1" lang="en-US" altLang="ja-JP"/>
               <a:t>3 </a:t>
             </a:r>
             <a:r>
@@ -375,7 +426,7 @@
               <a:t>第 </a:t>
             </a:r>
             <a:r>
-              <a:rPr kumimoji="1" lang="en-US" altLang="ja-JP" dirty="0"/>
+              <a:rPr kumimoji="1" lang="en-US" altLang="ja-JP"/>
               <a:t>4 </a:t>
             </a:r>
             <a:r>
@@ -390,7 +441,7 @@
               <a:t>第 </a:t>
             </a:r>
             <a:r>
-              <a:rPr kumimoji="1" lang="en-US" altLang="ja-JP" dirty="0"/>
+              <a:rPr kumimoji="1" lang="en-US" altLang="ja-JP"/>
               <a:t>5 </a:t>
             </a:r>
             <a:r>
@@ -622,7 +673,7 @@
               <a:rPr kumimoji="1" lang="ja-JP" altLang="en-US"/>
               <a:t>「ニッケル水酸化物ナノシート固定電極によるグルコース酸化の検討」</a:t>
             </a:r>
-            <a:endParaRPr kumimoji="1" lang="en-US" altLang="ja-JP" dirty="0"/>
+            <a:endParaRPr kumimoji="1" lang="en-US" altLang="ja-JP"/>
           </a:p>
           <a:p>
             <a:r>
@@ -726,7 +777,7 @@
               <a:t>ナフィオンでは</a:t>
             </a:r>
             <a:r>
-              <a:rPr lang="en-US" altLang="ja-JP" sz="1600" dirty="0">
+              <a:rPr lang="en-US" altLang="ja-JP" sz="1600">
                 <a:latin typeface="MS Mincho" panose="02020609040205080304" pitchFamily="49" charset="-128"/>
                 <a:ea typeface="MS Mincho" panose="02020609040205080304" pitchFamily="49" charset="-128"/>
                 <a:cs typeface="Times New Roman" panose="02020603050405020304" pitchFamily="18" charset="0"/>
@@ -742,7 +793,7 @@
               <a:t>、</a:t>
             </a:r>
             <a:r>
-              <a:rPr lang="en-US" altLang="ja-JP" sz="1600" dirty="0">
+              <a:rPr lang="en-US" altLang="ja-JP" sz="1600">
                 <a:latin typeface="MS Mincho" panose="02020609040205080304" pitchFamily="49" charset="-128"/>
                 <a:ea typeface="MS Mincho" panose="02020609040205080304" pitchFamily="49" charset="-128"/>
                 <a:cs typeface="Times New Roman" panose="02020603050405020304" pitchFamily="18" charset="0"/>
@@ -758,7 +809,7 @@
               <a:t>、</a:t>
             </a:r>
             <a:r>
-              <a:rPr lang="en-US" altLang="ja-JP" sz="1600" dirty="0">
+              <a:rPr lang="en-US" altLang="ja-JP" sz="1600">
                 <a:latin typeface="MS Mincho" panose="02020609040205080304" pitchFamily="49" charset="-128"/>
                 <a:ea typeface="MS Mincho" panose="02020609040205080304" pitchFamily="49" charset="-128"/>
                 <a:cs typeface="Times New Roman" panose="02020603050405020304" pitchFamily="18" charset="0"/>
@@ -774,7 +825,7 @@
               <a:t>と量を変化させて電極を作成していました。その中でも、ナフィオン</a:t>
             </a:r>
             <a:r>
-              <a:rPr lang="en-US" altLang="ja-JP" sz="1600" dirty="0">
+              <a:rPr lang="en-US" altLang="ja-JP" sz="1600">
                 <a:latin typeface="MS Mincho" panose="02020609040205080304" pitchFamily="49" charset="-128"/>
                 <a:ea typeface="MS Mincho" panose="02020609040205080304" pitchFamily="49" charset="-128"/>
                 <a:cs typeface="Times New Roman" panose="02020603050405020304" pitchFamily="18" charset="0"/>
@@ -790,7 +841,7 @@
               <a:t>が電流密度が高かったため、</a:t>
             </a:r>
             <a:r>
-              <a:rPr lang="en-US" altLang="ja-JP" sz="1600" dirty="0">
+              <a:rPr lang="en-US" altLang="ja-JP" sz="1600">
                 <a:latin typeface="MS Mincho" panose="02020609040205080304" pitchFamily="49" charset="-128"/>
                 <a:ea typeface="MS Mincho" panose="02020609040205080304" pitchFamily="49" charset="-128"/>
                 <a:cs typeface="Times New Roman" panose="02020603050405020304" pitchFamily="18" charset="0"/>
@@ -805,7 +856,7 @@
               </a:rPr>
               <a:t>で繰り返し測定を行いました。</a:t>
             </a:r>
-            <a:endParaRPr kumimoji="1" lang="en-US" altLang="ja-JP" sz="1600" dirty="0">
+            <a:endParaRPr kumimoji="1" lang="en-US" altLang="ja-JP" sz="1600">
               <a:latin typeface="MS Mincho" panose="02020609040205080304" pitchFamily="49" charset="-128"/>
               <a:ea typeface="MS Mincho" panose="02020609040205080304" pitchFamily="49" charset="-128"/>
               <a:cs typeface="Times New Roman" panose="02020603050405020304" pitchFamily="18" charset="0"/>
@@ -924,7 +975,7 @@
               <a:t>先ほどのナフィオン</a:t>
             </a:r>
             <a:r>
-              <a:rPr kumimoji="1" lang="en-US" altLang="ja-JP" sz="1600" dirty="0">
+              <a:rPr kumimoji="1" lang="en-US" altLang="ja-JP" sz="1600">
                 <a:latin typeface="MS Mincho" panose="02020609040205080304" pitchFamily="49" charset="-128"/>
                 <a:ea typeface="MS Mincho" panose="02020609040205080304" pitchFamily="49" charset="-128"/>
                 <a:cs typeface="Times New Roman" panose="02020603050405020304" pitchFamily="18" charset="0"/>
@@ -940,7 +991,7 @@
               <a:t>を使ったカーボンペースト電極で</a:t>
             </a:r>
             <a:r>
-              <a:rPr kumimoji="1" lang="en-US" altLang="ja-JP" sz="1600" dirty="0">
+              <a:rPr kumimoji="1" lang="en-US" altLang="ja-JP" sz="1600">
                 <a:latin typeface="MS Mincho" panose="02020609040205080304" pitchFamily="49" charset="-128"/>
                 <a:ea typeface="MS Mincho" panose="02020609040205080304" pitchFamily="49" charset="-128"/>
                 <a:cs typeface="Times New Roman" panose="02020603050405020304" pitchFamily="18" charset="0"/>
@@ -956,7 +1007,7 @@
               <a:t>回の繰り返し測定を行いました。感度を比べてみると、</a:t>
             </a:r>
             <a:r>
-              <a:rPr kumimoji="1" lang="en-US" altLang="ja-JP" sz="1600" dirty="0">
+              <a:rPr kumimoji="1" lang="en-US" altLang="ja-JP" sz="1600">
                 <a:latin typeface="MS Mincho" panose="02020609040205080304" pitchFamily="49" charset="-128"/>
                 <a:ea typeface="MS Mincho" panose="02020609040205080304" pitchFamily="49" charset="-128"/>
                 <a:cs typeface="Times New Roman" panose="02020603050405020304" pitchFamily="18" charset="0"/>
@@ -972,7 +1023,7 @@
               <a:t>回目と</a:t>
             </a:r>
             <a:r>
-              <a:rPr kumimoji="1" lang="en-US" altLang="ja-JP" sz="1600" dirty="0">
+              <a:rPr kumimoji="1" lang="en-US" altLang="ja-JP" sz="1600">
                 <a:latin typeface="MS Mincho" panose="02020609040205080304" pitchFamily="49" charset="-128"/>
                 <a:ea typeface="MS Mincho" panose="02020609040205080304" pitchFamily="49" charset="-128"/>
                 <a:cs typeface="Times New Roman" panose="02020603050405020304" pitchFamily="18" charset="0"/>
@@ -988,7 +1039,7 @@
               <a:t>回目は、</a:t>
             </a:r>
             <a:r>
-              <a:rPr kumimoji="1" lang="en-US" altLang="ja-JP" sz="1600" dirty="0">
+              <a:rPr kumimoji="1" lang="en-US" altLang="ja-JP" sz="1600">
                 <a:latin typeface="MS Mincho" panose="02020609040205080304" pitchFamily="49" charset="-128"/>
                 <a:ea typeface="MS Mincho" panose="02020609040205080304" pitchFamily="49" charset="-128"/>
                 <a:cs typeface="Times New Roman" panose="02020603050405020304" pitchFamily="18" charset="0"/>
@@ -1003,7 +1054,7 @@
               </a:rPr>
               <a:t>回目に比べて、良好な結果となりました。</a:t>
             </a:r>
-            <a:endParaRPr kumimoji="1" lang="en-US" altLang="ja-JP" sz="1600" dirty="0">
+            <a:endParaRPr kumimoji="1" lang="en-US" altLang="ja-JP" sz="1600">
               <a:latin typeface="MS Mincho" panose="02020609040205080304" pitchFamily="49" charset="-128"/>
               <a:ea typeface="MS Mincho" panose="02020609040205080304" pitchFamily="49" charset="-128"/>
               <a:cs typeface="Times New Roman" panose="02020603050405020304" pitchFamily="18" charset="0"/>
@@ -1036,7 +1087,7 @@
               <a:t>繰り返し測定</a:t>
             </a:r>
             <a:r>
-              <a:rPr kumimoji="1" lang="en-US" altLang="ja-JP" sz="1600" dirty="0">
+              <a:rPr kumimoji="1" lang="en-US" altLang="ja-JP" sz="1600">
                 <a:latin typeface="MS Mincho" panose="02020609040205080304" pitchFamily="49" charset="-128"/>
                 <a:ea typeface="MS Mincho" panose="02020609040205080304" pitchFamily="49" charset="-128"/>
                 <a:cs typeface="Times New Roman" panose="02020603050405020304" pitchFamily="18" charset="0"/>
@@ -1051,7 +1102,7 @@
               </a:rPr>
               <a:t>回目からは感度の低下が見られましたが、これは電極表面のナノシートが一部剥がれ落ちた可能性や、電極表面に電極反応で生成するグルコン酸などが付着し、グルコースとの反応を阻害している可能性などが考えられます。</a:t>
             </a:r>
-            <a:endParaRPr kumimoji="1" lang="en-US" altLang="ja-JP" sz="1600" dirty="0">
+            <a:endParaRPr kumimoji="1" lang="en-US" altLang="ja-JP" sz="1600">
               <a:latin typeface="MS Mincho" panose="02020609040205080304" pitchFamily="49" charset="-128"/>
               <a:ea typeface="MS Mincho" panose="02020609040205080304" pitchFamily="49" charset="-128"/>
               <a:cs typeface="Times New Roman" panose="02020603050405020304" pitchFamily="18" charset="0"/>
@@ -1169,7 +1220,7 @@
               </a:rPr>
               <a:t>結言です。セルロースナノファイバーやナフィオンをバインダーとしてニッケル水酸化物ナノシートを用いた電極はグルコースを添加した際に電流量の増加が見られ、グルコース酸化による電流が確認されました。</a:t>
             </a:r>
-            <a:endParaRPr kumimoji="1" lang="en-US" altLang="ja-JP" sz="1600" dirty="0">
+            <a:endParaRPr kumimoji="1" lang="en-US" altLang="ja-JP" sz="1600">
               <a:latin typeface="MS Mincho" panose="02020609040205080304" pitchFamily="49" charset="-128"/>
               <a:ea typeface="MS Mincho" panose="02020609040205080304" pitchFamily="49" charset="-128"/>
               <a:cs typeface="Times New Roman" panose="02020603050405020304" pitchFamily="18" charset="0"/>
@@ -1229,7 +1280,7 @@
               <a:t>ナフィオン</a:t>
             </a:r>
             <a:r>
-              <a:rPr kumimoji="1" lang="en-US" altLang="ja-JP" sz="1600" dirty="0">
+              <a:rPr kumimoji="1" lang="en-US" altLang="ja-JP" sz="1600">
                 <a:latin typeface="MS Mincho" panose="02020609040205080304" pitchFamily="49" charset="-128"/>
                 <a:ea typeface="MS Mincho" panose="02020609040205080304" pitchFamily="49" charset="-128"/>
                 <a:cs typeface="Times New Roman" panose="02020603050405020304" pitchFamily="18" charset="0"/>
@@ -1237,7 +1288,7 @@
               <a:t>10 </a:t>
             </a:r>
             <a:r>
-              <a:rPr kumimoji="1" lang="el-GR" altLang="ja-JP" sz="1600" dirty="0">
+              <a:rPr kumimoji="1" lang="el-GR" altLang="ja-JP" sz="1600">
                 <a:latin typeface="MS Mincho" panose="02020609040205080304" pitchFamily="49" charset="-128"/>
                 <a:ea typeface="MS Mincho" panose="02020609040205080304" pitchFamily="49" charset="-128"/>
                 <a:cs typeface="Times New Roman" panose="02020603050405020304" pitchFamily="18" charset="0"/>
@@ -1245,7 +1296,7 @@
               <a:t>μ</a:t>
             </a:r>
             <a:r>
-              <a:rPr kumimoji="1" lang="en-US" altLang="ja-JP" sz="1600" dirty="0">
+              <a:rPr kumimoji="1" lang="en-US" altLang="ja-JP" sz="1600">
                 <a:latin typeface="MS Mincho" panose="02020609040205080304" pitchFamily="49" charset="-128"/>
                 <a:ea typeface="MS Mincho" panose="02020609040205080304" pitchFamily="49" charset="-128"/>
                 <a:cs typeface="Times New Roman" panose="02020603050405020304" pitchFamily="18" charset="0"/>
@@ -1260,7 +1311,7 @@
               </a:rPr>
               <a:t>をバインダーとして用いた電極が、本研究内では最も感度が良好でした。複数回測定での安定性は課題ですが、本研究によりニッケル水酸化物ナノシート固定電極によるグルコース酸化が可能であることが示されました。</a:t>
             </a:r>
-            <a:endParaRPr kumimoji="1" lang="en-US" altLang="ja-JP" sz="1600" dirty="0">
+            <a:endParaRPr kumimoji="1" lang="en-US" altLang="ja-JP" sz="1600">
               <a:latin typeface="MS Mincho" panose="02020609040205080304" pitchFamily="49" charset="-128"/>
               <a:ea typeface="MS Mincho" panose="02020609040205080304" pitchFamily="49" charset="-128"/>
               <a:cs typeface="Times New Roman" panose="02020603050405020304" pitchFamily="18" charset="0"/>
@@ -1384,14 +1435,14 @@
               <a:rPr kumimoji="1" lang="ja-JP" altLang="en-US"/>
               <a:t>左から右</a:t>
             </a:r>
-            <a:endParaRPr kumimoji="1" lang="en-US" altLang="ja-JP" dirty="0"/>
+            <a:endParaRPr kumimoji="1" lang="en-US" altLang="ja-JP"/>
           </a:p>
           <a:p>
             <a:r>
               <a:rPr kumimoji="1" lang="ja-JP" altLang="en-US"/>
               <a:t>上から下</a:t>
             </a:r>
-            <a:endParaRPr kumimoji="1" lang="en-US" altLang="ja-JP" dirty="0"/>
+            <a:endParaRPr kumimoji="1" lang="en-US" altLang="ja-JP"/>
           </a:p>
           <a:p>
             <a:endParaRPr kumimoji="1" lang="ja-JP" altLang="en-US"/>
@@ -1491,7 +1542,7 @@
               </a:rPr>
               <a:t>現在、グルコースの定量分析は食品加工や臨床診断、環境モニタリングなど多くの分野で利用されており、酵素を用いない非酵素型グルコース酸化触媒の開発が期待されています。</a:t>
             </a:r>
-            <a:endParaRPr kumimoji="1" lang="en-US" altLang="ja-JP" dirty="0">
+            <a:endParaRPr kumimoji="1" lang="en-US" altLang="ja-JP">
               <a:latin typeface="Times New Roman" panose="02020603050405020304" pitchFamily="18" charset="0"/>
               <a:ea typeface="MS Mincho" panose="02020609040205080304" pitchFamily="49" charset="-128"/>
               <a:cs typeface="Times New Roman" panose="02020603050405020304" pitchFamily="18" charset="0"/>
@@ -1499,7 +1550,7 @@
           </a:p>
           <a:p>
             <a:r>
-              <a:rPr kumimoji="1" lang="en-US" altLang="ja-JP" dirty="0">
+              <a:rPr kumimoji="1" lang="en-US" altLang="ja-JP">
                 <a:latin typeface="Times New Roman" panose="02020603050405020304" pitchFamily="18" charset="0"/>
                 <a:ea typeface="MS Mincho" panose="02020609040205080304" pitchFamily="49" charset="-128"/>
                 <a:cs typeface="Times New Roman" panose="02020603050405020304" pitchFamily="18" charset="0"/>
@@ -1515,7 +1566,7 @@
               <a:t>期待されていない</a:t>
             </a:r>
             <a:r>
-              <a:rPr kumimoji="1" lang="en-US" altLang="ja-JP" dirty="0">
+              <a:rPr kumimoji="1" lang="en-US" altLang="ja-JP">
                 <a:latin typeface="Times New Roman" panose="02020603050405020304" pitchFamily="18" charset="0"/>
                 <a:ea typeface="MS Mincho" panose="02020609040205080304" pitchFamily="49" charset="-128"/>
                 <a:cs typeface="Times New Roman" panose="02020603050405020304" pitchFamily="18" charset="0"/>
@@ -1525,7 +1576,7 @@
           </a:p>
           <a:p>
             <a:r>
-              <a:rPr kumimoji="1" lang="en-US" altLang="ja-JP" dirty="0">
+              <a:rPr kumimoji="1" lang="en-US" altLang="ja-JP">
                 <a:latin typeface="Times New Roman" panose="02020603050405020304" pitchFamily="18" charset="0"/>
                 <a:ea typeface="MS Mincho" panose="02020609040205080304" pitchFamily="49" charset="-128"/>
                 <a:cs typeface="Times New Roman" panose="02020603050405020304" pitchFamily="18" charset="0"/>
@@ -1541,7 +1592,7 @@
               <a:t>銅で反応が見られている</a:t>
             </a:r>
             <a:r>
-              <a:rPr kumimoji="1" lang="en-US" altLang="ja-JP" dirty="0">
+              <a:rPr kumimoji="1" lang="en-US" altLang="ja-JP">
                 <a:latin typeface="Times New Roman" panose="02020603050405020304" pitchFamily="18" charset="0"/>
                 <a:ea typeface="MS Mincho" panose="02020609040205080304" pitchFamily="49" charset="-128"/>
                 <a:cs typeface="Times New Roman" panose="02020603050405020304" pitchFamily="18" charset="0"/>
@@ -1550,7 +1601,7 @@
             </a:r>
           </a:p>
           <a:p>
-            <a:endParaRPr kumimoji="1" lang="en-US" altLang="ja-JP" dirty="0">
+            <a:endParaRPr kumimoji="1" lang="en-US" altLang="ja-JP">
               <a:latin typeface="Times New Roman" panose="02020603050405020304" pitchFamily="18" charset="0"/>
               <a:ea typeface="MS Mincho" panose="02020609040205080304" pitchFamily="49" charset="-128"/>
               <a:cs typeface="Times New Roman" panose="02020603050405020304" pitchFamily="18" charset="0"/>
@@ -1565,7 +1616,7 @@
               </a:rPr>
               <a:t>その中でも、ナノ構造を持たせたニッケル化合物では、グルコースを参加するいくつかの例が報告されており、高い触媒活性を有することが知られています。</a:t>
             </a:r>
-            <a:endParaRPr kumimoji="1" lang="en-US" altLang="ja-JP" dirty="0">
+            <a:endParaRPr kumimoji="1" lang="en-US" altLang="ja-JP">
               <a:latin typeface="Times New Roman" panose="02020603050405020304" pitchFamily="18" charset="0"/>
               <a:ea typeface="MS Mincho" panose="02020609040205080304" pitchFamily="49" charset="-128"/>
               <a:cs typeface="Times New Roman" panose="02020603050405020304" pitchFamily="18" charset="0"/>
@@ -1582,7 +1633,7 @@
               <a:t>本研究室では、以前より層状ニッケル水酸化物を</a:t>
             </a:r>
             <a:r>
-              <a:rPr lang="en-US" altLang="ja-JP" sz="1200" dirty="0">
+              <a:rPr lang="en-US" altLang="ja-JP" sz="1200">
                 <a:effectLst/>
                 <a:latin typeface="Times New Roman" panose="02020603050405020304" pitchFamily="18" charset="0"/>
                 <a:ea typeface="MS Mincho" panose="02020609040205080304" pitchFamily="49" charset="-128"/>
@@ -1705,7 +1756,7 @@
               <a:t>セルロースナノファイバーをバインダーとして同じ量</a:t>
             </a:r>
             <a:r>
-              <a:rPr lang="en-US" altLang="ja-JP" sz="1600" kern="100" dirty="0">
+              <a:rPr lang="en-US" altLang="ja-JP" sz="1600" kern="100">
                 <a:solidFill>
                   <a:srgbClr val="000000"/>
                 </a:solidFill>
@@ -1727,7 +1778,7 @@
               <a:t>、同じ手法でカーボンペースト電極を</a:t>
             </a:r>
             <a:r>
-              <a:rPr lang="en-US" altLang="ja-JP" sz="1600" kern="100" dirty="0">
+              <a:rPr lang="en-US" altLang="ja-JP" sz="1600" kern="100">
                 <a:solidFill>
                   <a:srgbClr val="000000"/>
                 </a:solidFill>
@@ -1748,7 +1799,7 @@
               </a:rPr>
               <a:t>つ作製し、クロノアンペロメトリを測定を行なった。</a:t>
             </a:r>
-            <a:endParaRPr lang="en-US" altLang="ja-JP" sz="1600" kern="100" dirty="0">
+            <a:endParaRPr lang="en-US" altLang="ja-JP" sz="1600" kern="100">
               <a:solidFill>
                 <a:srgbClr val="000000"/>
               </a:solidFill>
@@ -1759,7 +1810,7 @@
           </a:p>
           <a:p>
             <a:pPr algn="just"/>
-            <a:endParaRPr lang="en-US" altLang="ja-JP" sz="1600" kern="100" dirty="0">
+            <a:endParaRPr lang="en-US" altLang="ja-JP" sz="1600" kern="100">
               <a:effectLst/>
               <a:latin typeface="Times New Roman" panose="02020603050405020304" pitchFamily="18" charset="0"/>
               <a:cs typeface="Times New Roman" panose="02020603050405020304" pitchFamily="18" charset="0"/>
@@ -1775,7 +1826,7 @@
               </a:rPr>
               <a:t>二本は高い</a:t>
             </a:r>
-            <a:endParaRPr lang="en-US" altLang="ja-JP" sz="1600" kern="100" dirty="0">
+            <a:endParaRPr lang="en-US" altLang="ja-JP" sz="1600" kern="100">
               <a:effectLst/>
               <a:latin typeface="Times New Roman" panose="02020603050405020304" pitchFamily="18" charset="0"/>
               <a:cs typeface="Times New Roman" panose="02020603050405020304" pitchFamily="18" charset="0"/>
@@ -1791,7 +1842,7 @@
               </a:rPr>
               <a:t>二本は低い</a:t>
             </a:r>
-            <a:endParaRPr lang="en-US" altLang="ja-JP" sz="1600" kern="100" dirty="0">
+            <a:endParaRPr lang="en-US" altLang="ja-JP" sz="1600" kern="100">
               <a:effectLst/>
               <a:latin typeface="Times New Roman" panose="02020603050405020304" pitchFamily="18" charset="0"/>
               <a:cs typeface="Times New Roman" panose="02020603050405020304" pitchFamily="18" charset="0"/>
@@ -1807,7 +1858,7 @@
               </a:rPr>
               <a:t>再現性が</a:t>
             </a:r>
-            <a:endParaRPr lang="en-US" altLang="ja-JP" sz="1600" kern="100" dirty="0">
+            <a:endParaRPr lang="en-US" altLang="ja-JP" sz="1600" kern="100">
               <a:effectLst/>
               <a:latin typeface="Times New Roman" panose="02020603050405020304" pitchFamily="18" charset="0"/>
               <a:cs typeface="Times New Roman" panose="02020603050405020304" pitchFamily="18" charset="0"/>
@@ -1815,7 +1866,7 @@
           </a:p>
           <a:p>
             <a:pPr algn="just"/>
-            <a:endParaRPr lang="en-US" altLang="ja-JP" sz="1600" kern="100" dirty="0">
+            <a:endParaRPr lang="en-US" altLang="ja-JP" sz="1600" kern="100">
               <a:effectLst/>
               <a:latin typeface="Times New Roman" panose="02020603050405020304" pitchFamily="18" charset="0"/>
               <a:cs typeface="Times New Roman" panose="02020603050405020304" pitchFamily="18" charset="0"/>
@@ -1832,7 +1883,7 @@
               <a:t>スライド</a:t>
             </a:r>
             <a:r>
-              <a:rPr lang="en-US" altLang="ja-JP" sz="1600" kern="100" dirty="0">
+              <a:rPr lang="en-US" altLang="ja-JP" sz="1600" kern="100">
                 <a:effectLst/>
                 <a:latin typeface="Times New Roman" panose="02020603050405020304" pitchFamily="18" charset="0"/>
                 <a:cs typeface="Times New Roman" panose="02020603050405020304" pitchFamily="18" charset="0"/>
@@ -1847,7 +1898,7 @@
               </a:rPr>
               <a:t>枚にセルとナフィの図</a:t>
             </a:r>
-            <a:endParaRPr lang="en-US" altLang="ja-JP" sz="1600" kern="100" dirty="0">
+            <a:endParaRPr lang="en-US" altLang="ja-JP" sz="1600" kern="100">
               <a:effectLst/>
               <a:latin typeface="Times New Roman" panose="02020603050405020304" pitchFamily="18" charset="0"/>
               <a:cs typeface="Times New Roman" panose="02020603050405020304" pitchFamily="18" charset="0"/>
@@ -1855,7 +1906,7 @@
           </a:p>
           <a:p>
             <a:pPr algn="just"/>
-            <a:endParaRPr lang="en-US" altLang="ja-JP" sz="1600" kern="100" dirty="0">
+            <a:endParaRPr lang="en-US" altLang="ja-JP" sz="1600" kern="100">
               <a:effectLst/>
               <a:latin typeface="Times New Roman" panose="02020603050405020304" pitchFamily="18" charset="0"/>
               <a:cs typeface="Times New Roman" panose="02020603050405020304" pitchFamily="18" charset="0"/>
@@ -1863,7 +1914,7 @@
           </a:p>
           <a:p>
             <a:pPr algn="just"/>
-            <a:endParaRPr lang="en-US" altLang="ja-JP" sz="1600" kern="100" dirty="0">
+            <a:endParaRPr lang="en-US" altLang="ja-JP" sz="1600" kern="100">
               <a:effectLst/>
               <a:latin typeface="Times New Roman" panose="02020603050405020304" pitchFamily="18" charset="0"/>
               <a:cs typeface="Times New Roman" panose="02020603050405020304" pitchFamily="18" charset="0"/>
@@ -1896,7 +1947,7 @@
               <a:t>電極</a:t>
             </a:r>
             <a:r>
-              <a:rPr lang="en-US" altLang="ja-JP" sz="1600" kern="100" dirty="0">
+              <a:rPr lang="en-US" altLang="ja-JP" sz="1600" kern="100">
                 <a:effectLst/>
                 <a:latin typeface="Times New Roman" panose="02020603050405020304" pitchFamily="18" charset="0"/>
                 <a:cs typeface="Times New Roman" panose="02020603050405020304" pitchFamily="18" charset="0"/>
@@ -1920,7 +1971,7 @@
               <a:t>電極</a:t>
             </a:r>
             <a:r>
-              <a:rPr lang="en-US" altLang="ja-JP" sz="1600" kern="100" dirty="0">
+              <a:rPr lang="en-US" altLang="ja-JP" sz="1600" kern="100">
                 <a:effectLst/>
                 <a:latin typeface="Times New Roman" panose="02020603050405020304" pitchFamily="18" charset="0"/>
                 <a:cs typeface="Times New Roman" panose="02020603050405020304" pitchFamily="18" charset="0"/>
@@ -1936,7 +1987,7 @@
               <a:t>では電流密度が</a:t>
             </a:r>
             <a:r>
-              <a:rPr lang="en-US" altLang="ja-JP" sz="1600" kern="100" dirty="0">
+              <a:rPr lang="en-US" altLang="ja-JP" sz="1600" kern="100">
                 <a:effectLst/>
                 <a:latin typeface="Times New Roman" panose="02020603050405020304" pitchFamily="18" charset="0"/>
                 <a:cs typeface="Times New Roman" panose="02020603050405020304" pitchFamily="18" charset="0"/>
@@ -1944,7 +1995,7 @@
               <a:t>10 mA cm</a:t>
             </a:r>
             <a:r>
-              <a:rPr lang="en-US" altLang="ja-JP" sz="1600" kern="100" baseline="30000" dirty="0">
+              <a:rPr lang="en-US" altLang="ja-JP" sz="1600" kern="100" baseline="30000">
                 <a:effectLst/>
                 <a:latin typeface="Times New Roman" panose="02020603050405020304" pitchFamily="18" charset="0"/>
                 <a:cs typeface="Times New Roman" panose="02020603050405020304" pitchFamily="18" charset="0"/>
@@ -1968,7 +2019,7 @@
               <a:t>電極</a:t>
             </a:r>
             <a:r>
-              <a:rPr lang="en-US" altLang="ja-JP" sz="1600" kern="100" dirty="0">
+              <a:rPr lang="en-US" altLang="ja-JP" sz="1600" kern="100">
                 <a:effectLst/>
                 <a:latin typeface="Times New Roman" panose="02020603050405020304" pitchFamily="18" charset="0"/>
                 <a:cs typeface="Times New Roman" panose="02020603050405020304" pitchFamily="18" charset="0"/>
@@ -1984,7 +2035,7 @@
               <a:t>と電極</a:t>
             </a:r>
             <a:r>
-              <a:rPr lang="en-US" altLang="ja-JP" sz="1600" kern="100" dirty="0">
+              <a:rPr lang="en-US" altLang="ja-JP" sz="1600" kern="100">
                 <a:effectLst/>
                 <a:latin typeface="Times New Roman" panose="02020603050405020304" pitchFamily="18" charset="0"/>
                 <a:cs typeface="Times New Roman" panose="02020603050405020304" pitchFamily="18" charset="0"/>
@@ -2000,7 +2051,7 @@
               <a:t>では電極は</a:t>
             </a:r>
             <a:r>
-              <a:rPr lang="en-US" altLang="ja-JP" sz="1600" kern="100" dirty="0">
+              <a:rPr lang="en-US" altLang="ja-JP" sz="1600" kern="100">
                 <a:effectLst/>
                 <a:latin typeface="Times New Roman" panose="02020603050405020304" pitchFamily="18" charset="0"/>
                 <a:cs typeface="Times New Roman" panose="02020603050405020304" pitchFamily="18" charset="0"/>
@@ -2008,7 +2059,7 @@
               <a:t>0.5 mA cm</a:t>
             </a:r>
             <a:r>
-              <a:rPr lang="en-US" altLang="ja-JP" sz="1600" kern="100" baseline="30000" dirty="0">
+              <a:rPr lang="en-US" altLang="ja-JP" sz="1600" kern="100" baseline="30000">
                 <a:effectLst/>
                 <a:latin typeface="Times New Roman" panose="02020603050405020304" pitchFamily="18" charset="0"/>
                 <a:cs typeface="Times New Roman" panose="02020603050405020304" pitchFamily="18" charset="0"/>
@@ -2047,7 +2098,7 @@
               </a:rPr>
               <a:t>これらの結果から、セルロースナノファイバーをバインダーに用いた電極では、複数回測定が難しく、同じ手法で製作しても再現性に乏しいことが判明した。 </a:t>
             </a:r>
-            <a:endParaRPr lang="en-US" altLang="ja-JP" sz="1600" dirty="0">
+            <a:endParaRPr lang="en-US" altLang="ja-JP" sz="1600">
               <a:effectLst/>
               <a:latin typeface="Times New Roman" panose="02020603050405020304" pitchFamily="18" charset="0"/>
               <a:cs typeface="Times New Roman" panose="02020603050405020304" pitchFamily="18" charset="0"/>
@@ -2071,7 +2122,7 @@
               <a:tabLst/>
               <a:defRPr/>
             </a:pPr>
-            <a:endParaRPr kumimoji="1" lang="en-US" altLang="ja-JP" sz="1600" dirty="0">
+            <a:endParaRPr kumimoji="1" lang="en-US" altLang="ja-JP" sz="1600">
               <a:effectLst/>
               <a:latin typeface="Times New Roman" panose="02020603050405020304" pitchFamily="18" charset="0"/>
               <a:cs typeface="Times New Roman" panose="02020603050405020304" pitchFamily="18" charset="0"/>
@@ -2104,7 +2155,7 @@
               <a:t>写真</a:t>
             </a:r>
             <a:r>
-              <a:rPr kumimoji="1" lang="en-US" altLang="ja-JP" sz="1600" dirty="0">
+              <a:rPr kumimoji="1" lang="en-US" altLang="ja-JP" sz="1600">
                 <a:effectLst/>
                 <a:latin typeface="Times New Roman" panose="02020603050405020304" pitchFamily="18" charset="0"/>
                 <a:cs typeface="Times New Roman" panose="02020603050405020304" pitchFamily="18" charset="0"/>
@@ -2112,7 +2163,7 @@
               <a:t>[https://</a:t>
             </a:r>
             <a:r>
-              <a:rPr kumimoji="1" lang="en-US" altLang="ja-JP" sz="1600" dirty="0" err="1">
+              <a:rPr kumimoji="1" lang="en-US" altLang="ja-JP" sz="1600" err="1">
                 <a:effectLst/>
                 <a:latin typeface="Times New Roman" panose="02020603050405020304" pitchFamily="18" charset="0"/>
                 <a:cs typeface="Times New Roman" panose="02020603050405020304" pitchFamily="18" charset="0"/>
@@ -2120,14 +2171,14 @@
               <a:t>www.e-education.psu.edu</a:t>
             </a:r>
             <a:r>
-              <a:rPr kumimoji="1" lang="en-US" altLang="ja-JP" sz="1600" dirty="0">
+              <a:rPr kumimoji="1" lang="en-US" altLang="ja-JP" sz="1600">
                 <a:effectLst/>
                 <a:latin typeface="Times New Roman" panose="02020603050405020304" pitchFamily="18" charset="0"/>
                 <a:cs typeface="Times New Roman" panose="02020603050405020304" pitchFamily="18" charset="0"/>
               </a:rPr>
               <a:t>/egee439/node/669]</a:t>
             </a:r>
-            <a:endParaRPr kumimoji="1" lang="en-US" altLang="ja-JP" sz="1600" dirty="0">
+            <a:endParaRPr kumimoji="1" lang="en-US" altLang="ja-JP" sz="1600">
               <a:latin typeface="Times New Roman" panose="02020603050405020304" pitchFamily="18" charset="0"/>
               <a:cs typeface="Times New Roman" panose="02020603050405020304" pitchFamily="18" charset="0"/>
             </a:endParaRPr>
@@ -2237,7 +2288,7 @@
               <a:defRPr/>
             </a:pPr>
             <a:r>
-              <a:rPr lang="en-US" altLang="ja-JP" sz="1800" dirty="0">
+              <a:rPr lang="en-US" altLang="ja-JP" sz="1800">
                 <a:effectLst/>
                 <a:latin typeface="Times New Roman" panose="02020603050405020304" pitchFamily="18" charset="0"/>
                 <a:ea typeface="ＭＳ 明朝" panose="02020609040205080304" pitchFamily="49" charset="-128"/>
@@ -2254,7 +2305,7 @@
               <a:t>回目のグルコース滴下後に電流密度が低下し続ける反応が見られた。また、測定</a:t>
             </a:r>
             <a:r>
-              <a:rPr lang="en-US" altLang="ja-JP" sz="1800" dirty="0">
+              <a:rPr lang="en-US" altLang="ja-JP" sz="1800">
                 <a:effectLst/>
                 <a:latin typeface="Times New Roman" panose="02020603050405020304" pitchFamily="18" charset="0"/>
                 <a:ea typeface="ＭＳ 明朝" panose="02020609040205080304" pitchFamily="49" charset="-128"/>
@@ -2271,7 +2322,7 @@
               <a:t>回目以降から測定</a:t>
             </a:r>
             <a:r>
-              <a:rPr lang="en-US" altLang="ja-JP" sz="1800" dirty="0">
+              <a:rPr lang="en-US" altLang="ja-JP" sz="1800">
                 <a:effectLst/>
                 <a:latin typeface="Times New Roman" panose="02020603050405020304" pitchFamily="18" charset="0"/>
                 <a:ea typeface="ＭＳ 明朝" panose="02020609040205080304" pitchFamily="49" charset="-128"/>
@@ -2288,7 +2339,7 @@
               <a:t>回目に比べて電流密度が</a:t>
             </a:r>
             <a:r>
-              <a:rPr lang="en-US" altLang="ja-JP" sz="1800" dirty="0">
+              <a:rPr lang="en-US" altLang="ja-JP" sz="1800">
                 <a:effectLst/>
                 <a:latin typeface="Times New Roman" panose="02020603050405020304" pitchFamily="18" charset="0"/>
                 <a:ea typeface="ＭＳ 明朝" panose="02020609040205080304" pitchFamily="49" charset="-128"/>
@@ -2317,7 +2368,7 @@
               <a:t>また、</a:t>
             </a:r>
             <a:r>
-              <a:rPr lang="en-US" altLang="ja-JP" sz="1800" dirty="0">
+              <a:rPr lang="en-US" altLang="ja-JP" sz="1800">
                 <a:solidFill>
                   <a:srgbClr val="000000"/>
                 </a:solidFill>
@@ -2340,7 +2391,7 @@
               <a:t>回目や</a:t>
             </a:r>
             <a:r>
-              <a:rPr lang="en-US" altLang="ja-JP" sz="1800" dirty="0">
+              <a:rPr lang="en-US" altLang="ja-JP" sz="1800">
                 <a:solidFill>
                   <a:srgbClr val="000000"/>
                 </a:solidFill>
@@ -2363,7 +2414,7 @@
               <a:t>回目での反応と比べて、グルコース滴下</a:t>
             </a:r>
             <a:r>
-              <a:rPr lang="en-US" altLang="ja-JP" sz="1800" dirty="0">
+              <a:rPr lang="en-US" altLang="ja-JP" sz="1800">
                 <a:solidFill>
                   <a:srgbClr val="000000"/>
                 </a:solidFill>
@@ -2386,7 +2437,7 @@
               <a:t>回目と</a:t>
             </a:r>
             <a:r>
-              <a:rPr lang="en-US" altLang="ja-JP" sz="1800" dirty="0">
+              <a:rPr lang="en-US" altLang="ja-JP" sz="1800">
                 <a:solidFill>
                   <a:srgbClr val="000000"/>
                 </a:solidFill>
@@ -2409,7 +2460,7 @@
               <a:t>回目の電流密度の増加の差が大きくなっている。電極洗浄時にミリ</a:t>
             </a:r>
             <a:r>
-              <a:rPr lang="en-US" altLang="ja-JP" sz="1800" dirty="0">
+              <a:rPr lang="en-US" altLang="ja-JP" sz="1800">
                 <a:solidFill>
                   <a:srgbClr val="000000"/>
                 </a:solidFill>
@@ -2432,7 +2483,7 @@
               <a:t>水で電極表面にグルコースから酸化して生成されるグルコン酸など付着していた物質が洗い流されたためと考える。滴下</a:t>
             </a:r>
             <a:r>
-              <a:rPr lang="en-US" altLang="ja-JP" sz="1800" dirty="0">
+              <a:rPr lang="en-US" altLang="ja-JP" sz="1800">
                 <a:solidFill>
                   <a:srgbClr val="000000"/>
                 </a:solidFill>
@@ -2460,7 +2511,7 @@
               </a:rPr>
               <a:t> </a:t>
             </a:r>
-            <a:endParaRPr kumimoji="1" lang="en-US" altLang="ja-JP" dirty="0"/>
+            <a:endParaRPr kumimoji="1" lang="en-US" altLang="ja-JP"/>
           </a:p>
         </p:txBody>
       </p:sp>
@@ -2588,7 +2639,7 @@
               <a:t>グルコース滴下後に電流密度が低下し続ける反応は見られなかった。測定</a:t>
             </a:r>
             <a:r>
-              <a:rPr lang="en-US" altLang="ja-JP" sz="1800" dirty="0">
+              <a:rPr lang="en-US" altLang="ja-JP" sz="1800">
                 <a:effectLst/>
                 <a:latin typeface="Times New Roman" panose="02020603050405020304" pitchFamily="18" charset="0"/>
                 <a:ea typeface="ＭＳ 明朝" panose="02020609040205080304" pitchFamily="49" charset="-128"/>
@@ -2605,7 +2656,7 @@
               <a:t>回目の線形範囲は、複数回測定の中では一番広いが、感度は一番低い結果となった。測定回数</a:t>
             </a:r>
             <a:r>
-              <a:rPr lang="en-US" altLang="ja-JP" sz="1800" dirty="0">
+              <a:rPr lang="en-US" altLang="ja-JP" sz="1800">
                 <a:effectLst/>
                 <a:latin typeface="Times New Roman" panose="02020603050405020304" pitchFamily="18" charset="0"/>
                 <a:ea typeface="ＭＳ 明朝" panose="02020609040205080304" pitchFamily="49" charset="-128"/>
@@ -2622,7 +2673,7 @@
               <a:t>回目が</a:t>
             </a:r>
             <a:r>
-              <a:rPr lang="en-US" altLang="ja-JP" sz="1800" dirty="0">
+              <a:rPr lang="en-US" altLang="ja-JP" sz="1800">
                 <a:effectLst/>
                 <a:latin typeface="Times New Roman" panose="02020603050405020304" pitchFamily="18" charset="0"/>
                 <a:ea typeface="ＭＳ 明朝" panose="02020609040205080304" pitchFamily="49" charset="-128"/>
@@ -2639,7 +2690,7 @@
               <a:t>回目に比べて感度がわずかに高かったが、</a:t>
             </a:r>
             <a:r>
-              <a:rPr lang="en-US" altLang="ja-JP" sz="1800" dirty="0">
+              <a:rPr lang="en-US" altLang="ja-JP" sz="1800">
                 <a:effectLst/>
                 <a:latin typeface="Times New Roman" panose="02020603050405020304" pitchFamily="18" charset="0"/>
                 <a:ea typeface="ＭＳ 明朝" panose="02020609040205080304" pitchFamily="49" charset="-128"/>
@@ -2661,7 +2712,7 @@
               </a:rPr>
               <a:t> </a:t>
             </a:r>
-            <a:endParaRPr kumimoji="1" lang="en-US" altLang="ja-JP" dirty="0"/>
+            <a:endParaRPr kumimoji="1" lang="en-US" altLang="ja-JP"/>
           </a:p>
         </p:txBody>
       </p:sp>
@@ -2768,7 +2819,7 @@
               </a:rPr>
               <a:t>実験手順です。</a:t>
             </a:r>
-            <a:endParaRPr lang="en-US" altLang="ja-JP" sz="1800" kern="100" dirty="0">
+            <a:endParaRPr lang="en-US" altLang="ja-JP" sz="1800" kern="100">
               <a:solidFill>
                 <a:srgbClr val="000000"/>
               </a:solidFill>
@@ -2802,7 +2853,7 @@
               </a:rPr>
               <a:t>まず、ニッケル水酸化物ナノシートの合成を行います。</a:t>
             </a:r>
-            <a:endParaRPr lang="en-US" altLang="ja-JP" sz="1800" kern="100" dirty="0">
+            <a:endParaRPr lang="en-US" altLang="ja-JP" sz="1800" kern="100">
               <a:solidFill>
                 <a:srgbClr val="000000"/>
               </a:solidFill>
@@ -2837,7 +2888,7 @@
               <a:t>はじめに、酢酸ニッケル四水和物にエタノールと水を順番に加え、</a:t>
             </a:r>
             <a:r>
-              <a:rPr lang="en-US" altLang="ja-JP" sz="1800" kern="100" dirty="0">
+              <a:rPr lang="en-US" altLang="ja-JP" sz="1800" kern="100">
                 <a:solidFill>
                   <a:srgbClr val="000000"/>
                 </a:solidFill>
@@ -2870,7 +2921,7 @@
               </a:rPr>
               <a:t>度で加熱還流を行い遠心分離により、層状水酸化物である塩基性酢酸ニッケル塩の合成を行いました。</a:t>
             </a:r>
-            <a:endParaRPr lang="en-US" altLang="ja-JP" sz="1800" kern="100" dirty="0">
+            <a:endParaRPr lang="en-US" altLang="ja-JP" sz="1800" kern="100">
               <a:solidFill>
                 <a:srgbClr val="000000"/>
               </a:solidFill>
@@ -2887,7 +2938,7 @@
           </a:p>
           <a:p>
             <a:pPr algn="just"/>
-            <a:endParaRPr lang="en-US" altLang="ja-JP" sz="1800" kern="100" dirty="0">
+            <a:endParaRPr lang="en-US" altLang="ja-JP" sz="1800" kern="100">
               <a:solidFill>
                 <a:srgbClr val="000000"/>
               </a:solidFill>
@@ -2921,7 +2972,7 @@
               </a:rPr>
               <a:t>次に、先ほど合成した塩基性酢酸ニッケル塩をドデシルベンゼンスルホン酸ナトリウムを溶かした水溶液中にて一晩放置し、塩基性酢酸ニッケル塩の酢酸部分をドデシルベンゼンスルホン酸にイオン交換させ、層状化合物の層間を拡大させました。</a:t>
             </a:r>
-            <a:endParaRPr lang="en-US" altLang="ja-JP" sz="1800" kern="100" dirty="0">
+            <a:endParaRPr lang="en-US" altLang="ja-JP" sz="1800" kern="100">
               <a:solidFill>
                 <a:srgbClr val="000000"/>
               </a:solidFill>
@@ -3025,7 +3076,7 @@
           </a:bodyPr>
           <a:lstStyle/>
           <a:p>
-            <a:endParaRPr kumimoji="1" lang="ja-JP" altLang="en-US" dirty="0"/>
+            <a:endParaRPr kumimoji="1" lang="ja-JP" altLang="en-US"/>
           </a:p>
         </p:txBody>
       </p:sp>
@@ -3129,7 +3180,7 @@
               <a:t>本研究室では、銅、ニッケル、コバルトの水酸化物を</a:t>
             </a:r>
             <a:r>
-              <a:rPr lang="en-US" altLang="ja-JP" sz="1800" kern="100" dirty="0">
+              <a:rPr lang="en-US" altLang="ja-JP" sz="1800" kern="100">
                 <a:solidFill>
                   <a:srgbClr val="000000"/>
                 </a:solidFill>
@@ -3162,7 +3213,7 @@
               </a:rPr>
               <a:t>ブタノール中で単層剥離することによりナノシートが生成したことを報告しています。</a:t>
             </a:r>
-            <a:endParaRPr lang="en-US" altLang="ja-JP" sz="1800" kern="100" dirty="0">
+            <a:endParaRPr lang="en-US" altLang="ja-JP" sz="1800" kern="100">
               <a:solidFill>
                 <a:srgbClr val="000000"/>
               </a:solidFill>
@@ -3196,7 +3247,7 @@
               </a:rPr>
               <a:t>また、銅水酸化物ナノシートではグルコースの酸化が確認されています。一方のニッケル水酸化物ナノ構造ではナノフレーク構造やナノチェーン構造などグルコースの酸化についていくつかの例が報告されています。</a:t>
             </a:r>
-            <a:endParaRPr lang="en-US" altLang="ja-JP" sz="1800" kern="100" dirty="0">
+            <a:endParaRPr lang="en-US" altLang="ja-JP" sz="1800" kern="100">
               <a:solidFill>
                 <a:srgbClr val="000000"/>
               </a:solidFill>
@@ -3230,7 +3281,7 @@
               </a:rPr>
               <a:t>このことから、ニッケル水酸化ナノシートでもグルコースの酸化が可能であると考え、本研究ではニッケル水酸化物ナノシート固定電極を作製し、電気化学的なグルコース酸化の検討を行いました。</a:t>
             </a:r>
-            <a:endParaRPr lang="en-US" altLang="ja-JP" sz="1800" kern="100" dirty="0">
+            <a:endParaRPr lang="en-US" altLang="ja-JP" sz="1800" kern="100">
               <a:solidFill>
                 <a:srgbClr val="000000"/>
               </a:solidFill>
@@ -3361,7 +3412,7 @@
               <a:t>ナフィオンをバインダーとしてそれぞれ</a:t>
             </a:r>
             <a:r>
-              <a:rPr lang="en-US" altLang="ja-JP" sz="1600" kern="100" dirty="0">
+              <a:rPr lang="en-US" altLang="ja-JP" sz="1600" kern="100">
                 <a:solidFill>
                   <a:srgbClr val="000000"/>
                 </a:solidFill>
@@ -3383,7 +3434,7 @@
               <a:t>カーボンペースト電極を</a:t>
             </a:r>
             <a:r>
-              <a:rPr lang="en-US" altLang="ja-JP" sz="1600" kern="100" dirty="0">
+              <a:rPr lang="en-US" altLang="ja-JP" sz="1600" kern="100">
                 <a:solidFill>
                   <a:srgbClr val="000000"/>
                 </a:solidFill>
@@ -3404,7 +3455,7 @@
               </a:rPr>
               <a:t>つ作製し、クロノアンペロメトリを測定を行なった。</a:t>
             </a:r>
-            <a:endParaRPr lang="en-US" altLang="ja-JP" sz="1600" kern="100" dirty="0">
+            <a:endParaRPr lang="en-US" altLang="ja-JP" sz="1600" kern="100">
               <a:solidFill>
                 <a:srgbClr val="000000"/>
               </a:solidFill>
@@ -3432,7 +3483,7 @@
               <a:defRPr/>
             </a:pPr>
             <a:r>
-              <a:rPr lang="en-US" altLang="ja-JP" sz="1600" kern="100" dirty="0">
+              <a:rPr lang="en-US" altLang="ja-JP" sz="1600" kern="100">
                 <a:solidFill>
                   <a:srgbClr val="000000"/>
                 </a:solidFill>
@@ -3454,7 +3505,7 @@
               <a:t>量はおいとく</a:t>
             </a:r>
             <a:r>
-              <a:rPr lang="en-US" altLang="ja-JP" sz="1600" kern="100" dirty="0">
+              <a:rPr lang="en-US" altLang="ja-JP" sz="1600" kern="100">
                 <a:solidFill>
                   <a:srgbClr val="000000"/>
                 </a:solidFill>
@@ -3494,7 +3545,7 @@
               </a:rPr>
               <a:t>高い時と低い時がセルロースに比べると</a:t>
             </a:r>
-            <a:endParaRPr lang="en-US" altLang="ja-JP" sz="1600" dirty="0">
+            <a:endParaRPr lang="en-US" altLang="ja-JP" sz="1600">
               <a:effectLst/>
               <a:latin typeface="Times New Roman" panose="02020603050405020304" pitchFamily="18" charset="0"/>
               <a:cs typeface="Times New Roman" panose="02020603050405020304" pitchFamily="18" charset="0"/>
@@ -3518,7 +3569,7 @@
               <a:tabLst/>
               <a:defRPr/>
             </a:pPr>
-            <a:endParaRPr lang="en-US" altLang="ja-JP" sz="1600" dirty="0">
+            <a:endParaRPr lang="en-US" altLang="ja-JP" sz="1600">
               <a:effectLst/>
               <a:latin typeface="Times New Roman" panose="02020603050405020304" pitchFamily="18" charset="0"/>
               <a:cs typeface="Times New Roman" panose="02020603050405020304" pitchFamily="18" charset="0"/>
@@ -3551,7 +3602,7 @@
               <a:t>グルコースに対して反応し電流を流すことは確認できた。</a:t>
             </a:r>
             <a:r>
-              <a:rPr lang="en-US" altLang="ja-JP" sz="1600" dirty="0">
+              <a:rPr lang="en-US" altLang="ja-JP" sz="1600">
                 <a:solidFill>
                   <a:srgbClr val="000000"/>
                 </a:solidFill>
@@ -3573,7 +3624,7 @@
               <a:t>電極</a:t>
             </a:r>
             <a:r>
-              <a:rPr lang="en-US" altLang="ja-JP" sz="1600" dirty="0">
+              <a:rPr lang="en-US" altLang="ja-JP" sz="1600">
                 <a:solidFill>
                   <a:srgbClr val="000000"/>
                 </a:solidFill>
@@ -3595,7 +3646,7 @@
               <a:t>では、グルコースが</a:t>
             </a:r>
             <a:r>
-              <a:rPr lang="en-US" altLang="ja-JP" sz="1600" dirty="0">
+              <a:rPr lang="en-US" altLang="ja-JP" sz="1600">
                 <a:solidFill>
                   <a:srgbClr val="000000"/>
                 </a:solidFill>
@@ -3625,7 +3676,7 @@
               <a:t>ナフィオン溶液を用いた電極はセルロースナノファイバーを用いた電極より濃度に対する電流増加量</a:t>
             </a:r>
             <a:r>
-              <a:rPr lang="en-US" altLang="ja-JP" sz="1600" dirty="0">
+              <a:rPr lang="en-US" altLang="ja-JP" sz="1600">
                 <a:effectLst/>
                 <a:latin typeface="Times New Roman" panose="02020603050405020304" pitchFamily="18" charset="0"/>
                 <a:cs typeface="Times New Roman" panose="02020603050405020304" pitchFamily="18" charset="0"/>
@@ -3641,7 +3692,7 @@
               <a:t>感度</a:t>
             </a:r>
             <a:r>
-              <a:rPr lang="en-US" altLang="ja-JP" sz="1600" dirty="0">
+              <a:rPr lang="en-US" altLang="ja-JP" sz="1600">
                 <a:effectLst/>
                 <a:latin typeface="Times New Roman" panose="02020603050405020304" pitchFamily="18" charset="0"/>
                 <a:cs typeface="Times New Roman" panose="02020603050405020304" pitchFamily="18" charset="0"/>
@@ -3656,7 +3707,7 @@
               </a:rPr>
               <a:t>が大きく、電流密度が低い電極は無かった。結果として、ナフィオンは再現性が乏しいとは言えない電極であった。 </a:t>
             </a:r>
-            <a:endParaRPr lang="en-US" altLang="ja-JP" sz="1600" dirty="0">
+            <a:endParaRPr lang="en-US" altLang="ja-JP" sz="1600">
               <a:effectLst/>
               <a:latin typeface="Times New Roman" panose="02020603050405020304" pitchFamily="18" charset="0"/>
               <a:cs typeface="Times New Roman" panose="02020603050405020304" pitchFamily="18" charset="0"/>
@@ -3680,7 +3731,7 @@
               <a:tabLst/>
               <a:defRPr/>
             </a:pPr>
-            <a:endParaRPr kumimoji="1" lang="en-US" altLang="ja-JP" sz="1600" dirty="0">
+            <a:endParaRPr kumimoji="1" lang="en-US" altLang="ja-JP" sz="1600">
               <a:effectLst/>
               <a:latin typeface="Times New Roman" panose="02020603050405020304" pitchFamily="18" charset="0"/>
               <a:cs typeface="Times New Roman" panose="02020603050405020304" pitchFamily="18" charset="0"/>
@@ -3712,35 +3763,35 @@
               <a:t>写真</a:t>
             </a:r>
             <a:r>
-              <a:rPr kumimoji="1" lang="en-US" altLang="ja-JP" sz="1600" dirty="0">
+              <a:rPr kumimoji="1" lang="en-US" altLang="ja-JP" sz="1600">
                 <a:latin typeface="Times New Roman" panose="02020603050405020304" pitchFamily="18" charset="0"/>
                 <a:cs typeface="Times New Roman" panose="02020603050405020304" pitchFamily="18" charset="0"/>
               </a:rPr>
               <a:t>[https://</a:t>
             </a:r>
             <a:r>
-              <a:rPr kumimoji="1" lang="en-US" altLang="ja-JP" sz="1600" dirty="0" err="1">
+              <a:rPr kumimoji="1" lang="en-US" altLang="ja-JP" sz="1600" err="1">
                 <a:latin typeface="Times New Roman" panose="02020603050405020304" pitchFamily="18" charset="0"/>
                 <a:cs typeface="Times New Roman" panose="02020603050405020304" pitchFamily="18" charset="0"/>
               </a:rPr>
               <a:t>www.sigmaaldrich.com</a:t>
             </a:r>
             <a:r>
-              <a:rPr kumimoji="1" lang="en-US" altLang="ja-JP" sz="1600" dirty="0">
+              <a:rPr kumimoji="1" lang="en-US" altLang="ja-JP" sz="1600">
                 <a:latin typeface="Times New Roman" panose="02020603050405020304" pitchFamily="18" charset="0"/>
                 <a:cs typeface="Times New Roman" panose="02020603050405020304" pitchFamily="18" charset="0"/>
               </a:rPr>
               <a:t>/JP/ja/product/</a:t>
             </a:r>
             <a:r>
-              <a:rPr kumimoji="1" lang="en-US" altLang="ja-JP" sz="1600" dirty="0" err="1">
+              <a:rPr kumimoji="1" lang="en-US" altLang="ja-JP" sz="1600" err="1">
                 <a:latin typeface="Times New Roman" panose="02020603050405020304" pitchFamily="18" charset="0"/>
                 <a:cs typeface="Times New Roman" panose="02020603050405020304" pitchFamily="18" charset="0"/>
               </a:rPr>
               <a:t>aldrich</a:t>
             </a:r>
             <a:r>
-              <a:rPr kumimoji="1" lang="en-US" altLang="ja-JP" sz="1600" dirty="0">
+              <a:rPr kumimoji="1" lang="en-US" altLang="ja-JP" sz="1600">
                 <a:latin typeface="Times New Roman" panose="02020603050405020304" pitchFamily="18" charset="0"/>
                 <a:cs typeface="Times New Roman" panose="02020603050405020304" pitchFamily="18" charset="0"/>
               </a:rPr>
@@ -3863,7 +3914,7 @@
               <a:t>セルロースナノファイバーをバインダーに用いた電極の中で、線形範囲と感度がもっとも良好であった</a:t>
             </a:r>
             <a:r>
-              <a:rPr lang="en-US" altLang="ja-JP" sz="1600" dirty="0">
+              <a:rPr lang="en-US" altLang="ja-JP" sz="1600">
                 <a:solidFill>
                   <a:srgbClr val="000000"/>
                 </a:solidFill>
@@ -3885,7 +3936,7 @@
               <a:t>電極とナフィオンをバインダーに用いた電極の中で、感度が最も良好であった</a:t>
             </a:r>
             <a:r>
-              <a:rPr lang="en-US" altLang="ja-JP" sz="1600" dirty="0">
+              <a:rPr lang="en-US" altLang="ja-JP" sz="1600">
                 <a:solidFill>
                   <a:srgbClr val="000000"/>
                 </a:solidFill>
@@ -3915,7 +3966,7 @@
               <a:t>線形範囲と感度と共にナフィオンの方がセルロースナノファイバーより良好であった。</a:t>
             </a:r>
             <a:r>
-              <a:rPr lang="en-US" altLang="ja-JP" sz="1600" dirty="0">
+              <a:rPr lang="en-US" altLang="ja-JP" sz="1600">
                 <a:effectLst/>
                 <a:latin typeface="Times New Roman" panose="02020603050405020304" pitchFamily="18" charset="0"/>
                 <a:cs typeface="Times New Roman" panose="02020603050405020304" pitchFamily="18" charset="0"/>
@@ -3953,7 +4004,7 @@
               <a:tabLst/>
               <a:defRPr/>
             </a:pPr>
-            <a:endParaRPr kumimoji="1" lang="en-US" altLang="ja-JP" sz="1600" dirty="0">
+            <a:endParaRPr kumimoji="1" lang="en-US" altLang="ja-JP" sz="1600">
               <a:latin typeface="Times New Roman" panose="02020603050405020304" pitchFamily="18" charset="0"/>
               <a:cs typeface="Times New Roman" panose="02020603050405020304" pitchFamily="18" charset="0"/>
             </a:endParaRPr>
@@ -4065,18 +4116,18 @@
               <a:defRPr/>
             </a:pPr>
             <a:r>
-              <a:rPr kumimoji="1" lang="ja-JP" altLang="en-US" sz="1050" b="0" dirty="0"/>
+              <a:rPr kumimoji="1" lang="ja-JP" altLang="en-US" sz="1050" b="0"/>
               <a:t>これが、ドデシルベンゼンスルホン酸ナトリウムで、このドデシルベンゼンスルホン酸基を以降</a:t>
             </a:r>
             <a:r>
-              <a:rPr kumimoji="1" lang="en-US" altLang="ja-JP" sz="1050" b="0" dirty="0"/>
+              <a:rPr kumimoji="1" lang="en-US" altLang="ja-JP" sz="1050" b="0"/>
               <a:t>DBS</a:t>
             </a:r>
             <a:r>
-              <a:rPr kumimoji="1" lang="ja-JP" altLang="en-US" sz="1050" b="0" dirty="0"/>
+              <a:rPr kumimoji="1" lang="ja-JP" altLang="en-US" sz="1050" b="0"/>
               <a:t>と略します。</a:t>
             </a:r>
-            <a:endParaRPr kumimoji="1" lang="en-US" altLang="ja-JP" sz="1050" b="0" dirty="0"/>
+            <a:endParaRPr kumimoji="1" lang="en-US" altLang="ja-JP" sz="1050" b="0"/>
           </a:p>
           <a:p>
             <a:pPr marL="0" marR="0" lvl="0" indent="0" algn="l" defTabSz="914400" rtl="0" eaLnBrk="1" fontAlgn="auto" latinLnBrk="0" hangingPunct="1">
@@ -4096,7 +4147,7 @@
               <a:tabLst/>
               <a:defRPr/>
             </a:pPr>
-            <a:endParaRPr lang="en-US" altLang="ja-JP" sz="1050" kern="100" dirty="0">
+            <a:endParaRPr lang="en-US" altLang="ja-JP" sz="1050" kern="100">
               <a:solidFill>
                 <a:srgbClr val="000000"/>
               </a:solidFill>
@@ -4167,7 +4218,7 @@
               </a:rPr>
               <a:t>をドデシルベンゼンスルホン酸ナトリウムを溶かした水溶液中にて一晩放置し、酢酸イオンをドデシルベンゼンスルホン酸イオンに交換し、単層剥離できる層状水酸化物を得ることができました。</a:t>
             </a:r>
-            <a:endParaRPr lang="en-US" altLang="ja-JP" sz="1050" kern="100" dirty="0">
+            <a:endParaRPr lang="en-US" altLang="ja-JP" sz="1050" kern="100">
               <a:solidFill>
                 <a:srgbClr val="000000"/>
               </a:solidFill>
@@ -4200,7 +4251,7 @@
               <a:tabLst/>
               <a:defRPr/>
             </a:pPr>
-            <a:endParaRPr lang="en-US" altLang="ja-JP" sz="1050" kern="100" dirty="0">
+            <a:endParaRPr lang="en-US" altLang="ja-JP" sz="1050" kern="100">
               <a:solidFill>
                 <a:srgbClr val="000000"/>
               </a:solidFill>
@@ -4251,7 +4302,7 @@
               <a:t>下</a:t>
             </a:r>
             <a:r>
-              <a:rPr lang="en-US" altLang="ja-JP" sz="1050" kern="100" dirty="0">
+              <a:rPr lang="en-US" altLang="ja-JP" sz="1050" kern="100">
                 <a:solidFill>
                   <a:srgbClr val="000000"/>
                 </a:solidFill>
@@ -4285,7 +4336,7 @@
               <a:t>つの図はそれぞれ</a:t>
             </a:r>
             <a:r>
-              <a:rPr lang="en-US" altLang="ja-JP" sz="1050" kern="100" dirty="0">
+              <a:rPr lang="en-US" altLang="ja-JP" sz="1050" kern="100">
                 <a:solidFill>
                   <a:srgbClr val="000000"/>
                 </a:solidFill>
@@ -4318,7 +4369,7 @@
               </a:rPr>
               <a:t>の結果です。</a:t>
             </a:r>
-            <a:endParaRPr lang="en-US" altLang="ja-JP" sz="1050" kern="100" dirty="0">
+            <a:endParaRPr lang="en-US" altLang="ja-JP" sz="1050" kern="100">
               <a:solidFill>
                 <a:srgbClr val="000000"/>
               </a:solidFill>
@@ -4352,7 +4403,7 @@
               <a:defRPr/>
             </a:pPr>
             <a:r>
-              <a:rPr lang="en-US" altLang="ja-JP" sz="1050" kern="100" dirty="0">
+              <a:rPr lang="en-US" altLang="ja-JP" sz="1050" kern="100">
                 <a:solidFill>
                   <a:srgbClr val="000000"/>
                 </a:solidFill>
@@ -4386,7 +4437,7 @@
               <a:t>結果から、層状塩基性酢酸塩の層間が</a:t>
             </a:r>
             <a:r>
-              <a:rPr lang="en-US" altLang="ja-JP" sz="1050" kern="100" dirty="0">
+              <a:rPr lang="en-US" altLang="ja-JP" sz="1050" kern="100">
                 <a:solidFill>
                   <a:srgbClr val="000000"/>
                 </a:solidFill>
@@ -4420,7 +4471,7 @@
               <a:t>、イオン交換後のニッケル層状水酸化物は、層間が</a:t>
             </a:r>
             <a:r>
-              <a:rPr lang="en-US" altLang="ja-JP" sz="1050" kern="100" dirty="0">
+              <a:rPr lang="en-US" altLang="ja-JP" sz="1050" kern="100">
                 <a:solidFill>
                   <a:srgbClr val="000000"/>
                 </a:solidFill>
@@ -4454,7 +4505,7 @@
               <a:t>であり、イオン交換前と</a:t>
             </a:r>
             <a:r>
-              <a:rPr lang="en-US" altLang="ja-JP" sz="1050" kern="100" dirty="0">
+              <a:rPr lang="en-US" altLang="ja-JP" sz="1050" kern="100">
                 <a:solidFill>
                   <a:srgbClr val="000000"/>
                 </a:solidFill>
@@ -4487,7 +4538,7 @@
               </a:rPr>
               <a:t>ほど拡大されていることが確認できました。</a:t>
             </a:r>
-            <a:endParaRPr lang="en-US" altLang="ja-JP" sz="1050" kern="100" dirty="0">
+            <a:endParaRPr lang="en-US" altLang="ja-JP" sz="1050" kern="100">
               <a:solidFill>
                 <a:srgbClr val="000000"/>
               </a:solidFill>
@@ -4520,7 +4571,7 @@
               <a:tabLst/>
               <a:defRPr/>
             </a:pPr>
-            <a:endParaRPr lang="en-US" altLang="ja-JP" sz="1050" kern="100" dirty="0">
+            <a:endParaRPr lang="en-US" altLang="ja-JP" sz="1050" kern="100">
               <a:solidFill>
                 <a:srgbClr val="000000"/>
               </a:solidFill>
@@ -4554,7 +4605,7 @@
               <a:defRPr/>
             </a:pPr>
             <a:r>
-              <a:rPr lang="en-US" altLang="ja-JP" sz="1050" kern="100" dirty="0">
+              <a:rPr lang="en-US" altLang="ja-JP" sz="1050" kern="100">
                 <a:solidFill>
                   <a:srgbClr val="000000"/>
                 </a:solidFill>
@@ -4588,7 +4639,7 @@
               <a:t>は</a:t>
             </a:r>
             <a:r>
-              <a:rPr lang="en-US" altLang="ja-JP" sz="1050" kern="100" dirty="0">
+              <a:rPr lang="en-US" altLang="ja-JP" sz="1050" kern="100">
                 <a:solidFill>
                   <a:srgbClr val="000000"/>
                 </a:solidFill>
@@ -4622,7 +4673,7 @@
               <a:t>長辺の長さと一致しており、層状塩基性酢酸塩の層間が</a:t>
             </a:r>
             <a:r>
-              <a:rPr lang="en-US" altLang="ja-JP" sz="1050" kern="100" dirty="0">
+              <a:rPr lang="en-US" altLang="ja-JP" sz="1050" kern="100">
                 <a:solidFill>
                   <a:srgbClr val="000000"/>
                 </a:solidFill>
@@ -4655,7 +4706,7 @@
               </a:rPr>
               <a:t>により拡大されていることが確認できました。</a:t>
             </a:r>
-            <a:endParaRPr lang="en-US" altLang="ja-JP" sz="1050" kern="100" dirty="0">
+            <a:endParaRPr lang="en-US" altLang="ja-JP" sz="1050" kern="100">
               <a:solidFill>
                 <a:srgbClr val="000000"/>
               </a:solidFill>
@@ -4688,7 +4739,7 @@
               <a:tabLst/>
               <a:defRPr/>
             </a:pPr>
-            <a:endParaRPr lang="en-US" altLang="ja-JP" sz="1050" kern="100" dirty="0">
+            <a:endParaRPr lang="en-US" altLang="ja-JP" sz="1050" kern="100">
               <a:solidFill>
                 <a:srgbClr val="000000"/>
               </a:solidFill>
@@ -4722,7 +4773,7 @@
               <a:defRPr/>
             </a:pPr>
             <a:r>
-              <a:rPr lang="en-US" altLang="ja-JP" sz="1050" kern="100" dirty="0">
+              <a:rPr lang="en-US" altLang="ja-JP" sz="1050" kern="100">
                 <a:solidFill>
                   <a:srgbClr val="000000"/>
                 </a:solidFill>
@@ -4756,7 +4807,7 @@
               <a:t>指数と講師</a:t>
             </a:r>
             <a:r>
-              <a:rPr lang="en-US" altLang="ja-JP" sz="1050" kern="100" dirty="0">
+              <a:rPr lang="en-US" altLang="ja-JP" sz="1050" kern="100">
                 <a:solidFill>
                   <a:srgbClr val="000000"/>
                 </a:solidFill>
@@ -4881,7 +4932,7 @@
               <a:defRPr/>
             </a:pPr>
             <a:r>
-              <a:rPr lang="en-US" altLang="ja-JP" sz="1050" kern="100" dirty="0">
+              <a:rPr lang="en-US" altLang="ja-JP" sz="1050" kern="100">
                 <a:solidFill>
                   <a:srgbClr val="000000"/>
                 </a:solidFill>
@@ -4915,7 +4966,7 @@
               <a:t>結果から、イオン交換前の層状塩基性酢酸ニッケルの層間が</a:t>
             </a:r>
             <a:r>
-              <a:rPr lang="en-US" altLang="ja-JP" sz="1050" kern="100" dirty="0">
+              <a:rPr lang="en-US" altLang="ja-JP" sz="1050" kern="100">
                 <a:solidFill>
                   <a:srgbClr val="000000"/>
                 </a:solidFill>
@@ -4949,7 +5000,7 @@
               <a:t>でイオン交換後のニッケル層状水酸化物は、層間が</a:t>
             </a:r>
             <a:r>
-              <a:rPr lang="en-US" altLang="ja-JP" sz="1050" kern="100" dirty="0">
+              <a:rPr lang="en-US" altLang="ja-JP" sz="1050" kern="100">
                 <a:solidFill>
                   <a:srgbClr val="000000"/>
                 </a:solidFill>
@@ -4983,7 +5034,7 @@
               <a:t>であり、イオン交換前と</a:t>
             </a:r>
             <a:r>
-              <a:rPr lang="en-US" altLang="ja-JP" sz="1050" kern="100" dirty="0">
+              <a:rPr lang="en-US" altLang="ja-JP" sz="1050" kern="100">
                 <a:solidFill>
                   <a:srgbClr val="000000"/>
                 </a:solidFill>
@@ -5016,7 +5067,7 @@
               </a:rPr>
               <a:t>ほど拡大されていることが確認できました。</a:t>
             </a:r>
-            <a:endParaRPr lang="en-US" altLang="ja-JP" sz="1050" kern="100" dirty="0">
+            <a:endParaRPr lang="en-US" altLang="ja-JP" sz="1050" kern="100">
               <a:solidFill>
                 <a:srgbClr val="000000"/>
               </a:solidFill>
@@ -5049,7 +5100,7 @@
               <a:tabLst/>
               <a:defRPr/>
             </a:pPr>
-            <a:endParaRPr lang="en-US" altLang="ja-JP" sz="1050" kern="100" dirty="0">
+            <a:endParaRPr lang="en-US" altLang="ja-JP" sz="1050" kern="100">
               <a:solidFill>
                 <a:srgbClr val="000000"/>
               </a:solidFill>
@@ -5083,7 +5134,7 @@
               <a:defRPr/>
             </a:pPr>
             <a:r>
-              <a:rPr lang="en-US" altLang="ja-JP" sz="1050" kern="100" dirty="0">
+              <a:rPr lang="en-US" altLang="ja-JP" sz="1050" kern="100">
                 <a:solidFill>
                   <a:srgbClr val="000000"/>
                 </a:solidFill>
@@ -5117,7 +5168,7 @@
               <a:t>は</a:t>
             </a:r>
             <a:r>
-              <a:rPr lang="en-US" altLang="ja-JP" sz="1050" kern="100" dirty="0">
+              <a:rPr lang="en-US" altLang="ja-JP" sz="1050" kern="100">
                 <a:solidFill>
                   <a:srgbClr val="000000"/>
                 </a:solidFill>
@@ -5151,7 +5202,7 @@
               <a:t>長辺の長さと一致しており、層状塩基性酢酸ニッケルの層間が</a:t>
             </a:r>
             <a:r>
-              <a:rPr lang="en-US" altLang="ja-JP" sz="1050" kern="100" dirty="0">
+              <a:rPr lang="en-US" altLang="ja-JP" sz="1050" kern="100">
                 <a:solidFill>
                   <a:srgbClr val="000000"/>
                 </a:solidFill>
@@ -5184,7 +5235,7 @@
               </a:rPr>
               <a:t>により拡大されていることが確認できました。</a:t>
             </a:r>
-            <a:endParaRPr lang="en-US" altLang="ja-JP" sz="1050" kern="100" dirty="0">
+            <a:endParaRPr lang="en-US" altLang="ja-JP" sz="1050" kern="100">
               <a:solidFill>
                 <a:srgbClr val="000000"/>
               </a:solidFill>
@@ -5304,7 +5355,7 @@
               </a:rPr>
               <a:t>ニッケル水酸化物ナノシートの合成についてです。</a:t>
             </a:r>
-            <a:endParaRPr lang="en-US" altLang="ja-JP" sz="1600" kern="100" dirty="0">
+            <a:endParaRPr lang="en-US" altLang="ja-JP" sz="1600" kern="100">
               <a:solidFill>
                 <a:srgbClr val="000000"/>
               </a:solidFill>
@@ -5320,7 +5371,7 @@
           </a:p>
           <a:p>
             <a:pPr algn="just"/>
-            <a:endParaRPr lang="en-US" altLang="ja-JP" sz="1600" kern="100" dirty="0">
+            <a:endParaRPr lang="en-US" altLang="ja-JP" sz="1600" kern="100">
               <a:solidFill>
                 <a:srgbClr val="000000"/>
               </a:solidFill>
@@ -5353,7 +5404,7 @@
               <a:t>酢酸ニッケル四水和物にエタノール</a:t>
             </a:r>
             <a:r>
-              <a:rPr lang="en-US" altLang="ja-JP" sz="1600" kern="100" dirty="0">
+              <a:rPr lang="en-US" altLang="ja-JP" sz="1600" kern="100">
                 <a:solidFill>
                   <a:srgbClr val="000000"/>
                 </a:solidFill>
@@ -5416,7 +5467,7 @@
               </a:rPr>
               <a:t>酢酸イオンをドデシルベンゼンスルホン酸イオンに交換させ、層間の拡大を行いました。</a:t>
             </a:r>
-            <a:endParaRPr lang="en-US" altLang="ja-JP" sz="1600" kern="100" dirty="0">
+            <a:endParaRPr lang="en-US" altLang="ja-JP" sz="1600" kern="100">
               <a:solidFill>
                 <a:srgbClr val="000000"/>
               </a:solidFill>
@@ -5536,7 +5587,7 @@
               <a:t>実験手順です。まず、ニッケル水酸化物ナノシートの前駆体であるニッケル層状水酸化物を合成しました。酢酸ニッケル四水和物にエタノール</a:t>
             </a:r>
             <a:r>
-              <a:rPr lang="en-US" altLang="ja-JP" sz="1600" kern="100" dirty="0">
+              <a:rPr lang="en-US" altLang="ja-JP" sz="1600" kern="100">
                 <a:solidFill>
                   <a:srgbClr val="000000"/>
                 </a:solidFill>
@@ -5603,7 +5654,7 @@
               </a:rPr>
               <a:t>酢酸イオンをドデシルベンゼンスルホン酸イオンに交換させることにより層間を拡大しました。</a:t>
             </a:r>
-            <a:endParaRPr lang="en-US" altLang="ja-JP" sz="1600" kern="100" dirty="0">
+            <a:endParaRPr lang="en-US" altLang="ja-JP" sz="1600" kern="100">
               <a:solidFill>
                 <a:srgbClr val="000000"/>
               </a:solidFill>
@@ -5621,7 +5672,7 @@
           <a:p>
             <a:pPr algn="just"/>
             <a:r>
-              <a:rPr lang="en-US" altLang="ja-JP" sz="1600" kern="100" dirty="0">
+              <a:rPr lang="en-US" altLang="ja-JP" sz="1600" kern="100">
                 <a:solidFill>
                   <a:srgbClr val="000000"/>
                 </a:solidFill>
@@ -5655,7 +5706,7 @@
               <a:t>の結果から、層状塩基性酢酸ニッケルでは層間が</a:t>
             </a:r>
             <a:r>
-              <a:rPr lang="en-US" altLang="ja-JP" sz="1600" kern="100" dirty="0">
+              <a:rPr lang="en-US" altLang="ja-JP" sz="1600" kern="100">
                 <a:solidFill>
                   <a:srgbClr val="000000"/>
                 </a:solidFill>
@@ -5689,7 +5740,7 @@
               <a:t>、イオン交換後は</a:t>
             </a:r>
             <a:r>
-              <a:rPr lang="en-US" altLang="ja-JP" sz="1600" kern="100" dirty="0">
+              <a:rPr lang="en-US" altLang="ja-JP" sz="1600" kern="100">
                 <a:solidFill>
                   <a:srgbClr val="000000"/>
                 </a:solidFill>
@@ -5722,7 +5773,7 @@
               </a:rPr>
               <a:t>であることがわかり、ドデシルベンゼンスルホン酸イオンのサイズ分を拡大できたと判断しました。</a:t>
             </a:r>
-            <a:endParaRPr lang="en-US" altLang="ja-JP" sz="1600" kern="100" dirty="0">
+            <a:endParaRPr lang="en-US" altLang="ja-JP" sz="1600" kern="100">
               <a:solidFill>
                 <a:srgbClr val="000000"/>
               </a:solidFill>
@@ -5843,7 +5894,7 @@
               <a:t>次に、イオン交換後のニッケル層状水酸化物を</a:t>
             </a:r>
             <a:r>
-              <a:rPr lang="en-US" altLang="ja-JP" sz="1600" kern="100" dirty="0">
+              <a:rPr lang="en-US" altLang="ja-JP" sz="1600" kern="100">
                 <a:solidFill>
                   <a:srgbClr val="000000"/>
                 </a:solidFill>
@@ -5876,7 +5927,7 @@
               </a:rPr>
               <a:t>ブタノール中で超音波分散による単層剥離し、ニッケルナノシート分散液を作成しました。</a:t>
             </a:r>
-            <a:endParaRPr lang="en-US" altLang="ja-JP" sz="1600" kern="100" dirty="0">
+            <a:endParaRPr lang="en-US" altLang="ja-JP" sz="1600" kern="100">
               <a:solidFill>
                 <a:srgbClr val="000000"/>
               </a:solidFill>
@@ -5911,7 +5962,7 @@
               <a:t>作成後の分散液にレーザーポインターを当てるとチンダル現象がみられ、ナノシートが</a:t>
             </a:r>
             <a:r>
-              <a:rPr lang="en-US" altLang="ja-JP" sz="1600" kern="100" dirty="0">
+              <a:rPr lang="en-US" altLang="ja-JP" sz="1600" kern="100">
                 <a:solidFill>
                   <a:srgbClr val="000000"/>
                 </a:solidFill>
@@ -5944,7 +5995,7 @@
               </a:rPr>
               <a:t>ブタノール中に分散していると判断しました。</a:t>
             </a:r>
-            <a:endParaRPr lang="en-US" altLang="ja-JP" sz="1600" kern="100" dirty="0">
+            <a:endParaRPr lang="en-US" altLang="ja-JP" sz="1600" kern="100">
               <a:solidFill>
                 <a:srgbClr val="000000"/>
               </a:solidFill>
@@ -5961,7 +6012,7 @@
           </a:p>
           <a:p>
             <a:pPr algn="just"/>
-            <a:endParaRPr lang="en-US" altLang="ja-JP" sz="1600" kern="100" dirty="0">
+            <a:endParaRPr lang="en-US" altLang="ja-JP" sz="1600" kern="100">
               <a:solidFill>
                 <a:srgbClr val="000000"/>
               </a:solidFill>
@@ -5995,7 +6046,7 @@
               </a:rPr>
               <a:t>この分散液を使って、電気化学測定に用いる電極を作製しました。</a:t>
             </a:r>
-            <a:endParaRPr lang="en-US" altLang="ja-JP" sz="1600" kern="100" dirty="0">
+            <a:endParaRPr lang="en-US" altLang="ja-JP" sz="1600" kern="100">
               <a:solidFill>
                 <a:srgbClr val="000000"/>
               </a:solidFill>
@@ -6115,7 +6166,7 @@
               </a:rPr>
               <a:t>電極の作製についてです。キャスト電極では、ニッケルナノシート分散液を減圧濃縮させた。この濃縮液をグラッシーカーボン電極にピペットを用いて滴下乾燥を繰り返しました。</a:t>
             </a:r>
-            <a:endParaRPr lang="en-US" altLang="ja-JP" sz="1600" kern="100" dirty="0">
+            <a:endParaRPr lang="en-US" altLang="ja-JP" sz="1600" kern="100">
               <a:solidFill>
                 <a:srgbClr val="000000"/>
               </a:solidFill>
@@ -6165,7 +6216,7 @@
               </a:rPr>
               <a:t>次に、カーボンペースト電極では、先ほど得たニッケルナノシート分散液にケッチェンブラックを混ぜ、減圧乾燥を行いました。乳鉢にバインダーとしてナフィオンまたはセルロースナノファイバーを入れて、減圧乾燥させた粉末を入念に混ぜ合わせました。混ぜ合わせた粉末をカーボンペースト用電極の穴に入る様に叩きながら詰め、作製を行いました。</a:t>
             </a:r>
-            <a:endParaRPr lang="en-US" altLang="ja-JP" sz="1600" kern="100" dirty="0">
+            <a:endParaRPr lang="en-US" altLang="ja-JP" sz="1600" kern="100">
               <a:solidFill>
                 <a:srgbClr val="000000"/>
               </a:solidFill>
@@ -6182,7 +6233,7 @@
           </a:p>
           <a:p>
             <a:pPr algn="just"/>
-            <a:endParaRPr lang="en-US" altLang="ja-JP" sz="1600" kern="100" dirty="0">
+            <a:endParaRPr lang="en-US" altLang="ja-JP" sz="1600" kern="100">
               <a:solidFill>
                 <a:srgbClr val="000000"/>
               </a:solidFill>
@@ -6293,7 +6344,7 @@
               </a:rPr>
               <a:t>電気化学測定は三電極法を使用しました。</a:t>
             </a:r>
-            <a:endParaRPr kumimoji="1" lang="en-US" altLang="ja-JP" sz="1600" b="0" dirty="0">
+            <a:endParaRPr kumimoji="1" lang="en-US" altLang="ja-JP" sz="1600" b="0">
               <a:latin typeface="MS Mincho" panose="02020609040205080304" pitchFamily="49" charset="-128"/>
               <a:ea typeface="MS Mincho" panose="02020609040205080304" pitchFamily="49" charset="-128"/>
               <a:cs typeface="Times New Roman" panose="02020603050405020304" pitchFamily="18" charset="0"/>
@@ -6310,12 +6361,28 @@
               <a:t>作用極は作製した電極、対極は白金線、参照極は銀</a:t>
             </a:r>
             <a:r>
+              <a:rPr kumimoji="1" lang="en-US" altLang="ja-JP" sz="1600" b="0">
+                <a:latin typeface="MS Mincho" panose="02020609040205080304" pitchFamily="49" charset="-128"/>
+                <a:ea typeface="MS Mincho" panose="02020609040205080304" pitchFamily="49" charset="-128"/>
+                <a:cs typeface="Times New Roman" panose="02020603050405020304" pitchFamily="18" charset="0"/>
+              </a:rPr>
+              <a:t>/</a:t>
+            </a:r>
+            <a:r>
+              <a:rPr kumimoji="1" lang="ja-JP" altLang="en-US" sz="1600" b="0">
+                <a:latin typeface="MS Mincho" panose="02020609040205080304" pitchFamily="49" charset="-128"/>
+                <a:ea typeface="MS Mincho" panose="02020609040205080304" pitchFamily="49" charset="-128"/>
+                <a:cs typeface="Times New Roman" panose="02020603050405020304" pitchFamily="18" charset="0"/>
+              </a:rPr>
+              <a:t>塩化銀電極を用いて</a:t>
+            </a:r>
+            <a:r>
               <a:rPr kumimoji="1" lang="en-US" altLang="ja-JP" sz="1600" b="0" dirty="0">
                 <a:latin typeface="MS Mincho" panose="02020609040205080304" pitchFamily="49" charset="-128"/>
                 <a:ea typeface="MS Mincho" panose="02020609040205080304" pitchFamily="49" charset="-128"/>
                 <a:cs typeface="Times New Roman" panose="02020603050405020304" pitchFamily="18" charset="0"/>
               </a:rPr>
-              <a:t>/</a:t>
+              <a:t>0.1 M</a:t>
             </a:r>
             <a:r>
               <a:rPr kumimoji="1" lang="ja-JP" altLang="en-US" sz="1600" b="0">
@@ -6323,25 +6390,9 @@
                 <a:ea typeface="MS Mincho" panose="02020609040205080304" pitchFamily="49" charset="-128"/>
                 <a:cs typeface="Times New Roman" panose="02020603050405020304" pitchFamily="18" charset="0"/>
               </a:rPr>
-              <a:t>塩化銀電極を用いて</a:t>
-            </a:r>
-            <a:r>
-              <a:rPr kumimoji="1" lang="en-US" altLang="ja-JP" sz="1600" b="0" dirty="0">
-                <a:latin typeface="MS Mincho" panose="02020609040205080304" pitchFamily="49" charset="-128"/>
-                <a:ea typeface="MS Mincho" panose="02020609040205080304" pitchFamily="49" charset="-128"/>
-                <a:cs typeface="Times New Roman" panose="02020603050405020304" pitchFamily="18" charset="0"/>
-              </a:rPr>
-              <a:t>0.1 M</a:t>
-            </a:r>
-            <a:r>
-              <a:rPr kumimoji="1" lang="ja-JP" altLang="en-US" sz="1600" b="0">
-                <a:latin typeface="MS Mincho" panose="02020609040205080304" pitchFamily="49" charset="-128"/>
-                <a:ea typeface="MS Mincho" panose="02020609040205080304" pitchFamily="49" charset="-128"/>
-                <a:cs typeface="Times New Roman" panose="02020603050405020304" pitchFamily="18" charset="0"/>
-              </a:rPr>
               <a:t>水酸化ナトリウム電解液中で測定を行いました。</a:t>
             </a:r>
-            <a:endParaRPr kumimoji="1" lang="en-US" altLang="ja-JP" sz="1600" b="0" dirty="0">
+            <a:endParaRPr kumimoji="1" lang="en-US" altLang="ja-JP" sz="1600" b="0">
               <a:latin typeface="MS Mincho" panose="02020609040205080304" pitchFamily="49" charset="-128"/>
               <a:ea typeface="MS Mincho" panose="02020609040205080304" pitchFamily="49" charset="-128"/>
               <a:cs typeface="Times New Roman" panose="02020603050405020304" pitchFamily="18" charset="0"/>
@@ -6463,7 +6514,7 @@
               </a:rPr>
               <a:t>キャスト電極によるサイクリックボルタンメトリ測定を行い、ニッケル水酸化物ナノシートによるグルコース酸化を調べました。</a:t>
             </a:r>
-            <a:endParaRPr lang="en-US" altLang="ja-JP" sz="1600" dirty="0">
+            <a:endParaRPr lang="en-US" altLang="ja-JP" sz="1600">
               <a:solidFill>
                 <a:srgbClr val="000000"/>
               </a:solidFill>
@@ -6511,7 +6562,7 @@
               <a:t>が、グルコース量を増やすにつれて</a:t>
             </a:r>
             <a:r>
-              <a:rPr lang="en-US" altLang="ja-JP" sz="1600" dirty="0">
+              <a:rPr lang="en-US" altLang="ja-JP" sz="1600">
                 <a:solidFill>
                   <a:srgbClr val="000000"/>
                 </a:solidFill>
@@ -6534,7 +6585,7 @@
               </a:rPr>
               <a:t>付近に電流量の増加が見られました。</a:t>
             </a:r>
-            <a:endParaRPr lang="en-US" altLang="ja-JP" sz="1600" dirty="0">
+            <a:endParaRPr lang="en-US" altLang="ja-JP" sz="1600">
               <a:solidFill>
                 <a:srgbClr val="000000"/>
               </a:solidFill>
@@ -6575,7 +6626,7 @@
               <a:t>この結果をもとに、</a:t>
             </a:r>
             <a:r>
-              <a:rPr lang="en-US" altLang="ja-JP" sz="1600" dirty="0">
+              <a:rPr lang="en-US" altLang="ja-JP" sz="1600">
                 <a:solidFill>
                   <a:srgbClr val="000000"/>
                 </a:solidFill>
@@ -6599,7 +6650,7 @@
               <a:t>ｌ</a:t>
             </a:r>
             <a:r>
-              <a:rPr lang="en-US" altLang="ja-JP" sz="1600" dirty="0">
+              <a:rPr lang="en-US" altLang="ja-JP" sz="1600">
                 <a:solidFill>
                   <a:srgbClr val="000000"/>
                 </a:solidFill>
@@ -6622,7 +6673,7 @@
               </a:rPr>
               <a:t>の低電位をかけて濃度に対する電流密度の測定を行いました。</a:t>
             </a:r>
-            <a:endParaRPr lang="en-US" altLang="ja-JP" sz="1600" dirty="0">
+            <a:endParaRPr lang="en-US" altLang="ja-JP" sz="1600">
               <a:solidFill>
                 <a:srgbClr val="000000"/>
               </a:solidFill>
@@ -6744,7 +6795,7 @@
               </a:rPr>
               <a:t>グルコース濃度に対する電流密度をカーボンペースト電極を用いて測定しました。</a:t>
             </a:r>
-            <a:endParaRPr kumimoji="1" lang="en-US" altLang="ja-JP" sz="1600" dirty="0">
+            <a:endParaRPr kumimoji="1" lang="en-US" altLang="ja-JP" sz="1600">
               <a:latin typeface="MS Mincho" panose="02020609040205080304" pitchFamily="49" charset="-128"/>
               <a:ea typeface="MS Mincho" panose="02020609040205080304" pitchFamily="49" charset="-128"/>
               <a:cs typeface="Times New Roman" panose="02020603050405020304" pitchFamily="18" charset="0"/>
@@ -6777,7 +6828,7 @@
               <a:t>ここにプロットされている</a:t>
             </a:r>
             <a:r>
-              <a:rPr kumimoji="1" lang="en-US" altLang="ja-JP" sz="1600" dirty="0">
+              <a:rPr kumimoji="1" lang="en-US" altLang="ja-JP" sz="1600">
                 <a:latin typeface="MS Mincho" panose="02020609040205080304" pitchFamily="49" charset="-128"/>
                 <a:ea typeface="MS Mincho" panose="02020609040205080304" pitchFamily="49" charset="-128"/>
                 <a:cs typeface="Times New Roman" panose="02020603050405020304" pitchFamily="18" charset="0"/>
@@ -6792,7 +6843,7 @@
               </a:rPr>
               <a:t>つの電極は全てバインダーとしてセルロースナノファイバーを使用し、同じ量、同じ手法で作製を行いました。</a:t>
             </a:r>
-            <a:endParaRPr kumimoji="1" lang="en-US" altLang="ja-JP" sz="1600" dirty="0">
+            <a:endParaRPr kumimoji="1" lang="en-US" altLang="ja-JP" sz="1600">
               <a:latin typeface="MS Mincho" panose="02020609040205080304" pitchFamily="49" charset="-128"/>
               <a:ea typeface="MS Mincho" panose="02020609040205080304" pitchFamily="49" charset="-128"/>
               <a:cs typeface="Times New Roman" panose="02020603050405020304" pitchFamily="18" charset="0"/>
@@ -6825,7 +6876,7 @@
               <a:t>しかし、上</a:t>
             </a:r>
             <a:r>
-              <a:rPr kumimoji="1" lang="en-US" altLang="ja-JP" sz="1600" dirty="0">
+              <a:rPr kumimoji="1" lang="en-US" altLang="ja-JP" sz="1600">
                 <a:latin typeface="MS Mincho" panose="02020609040205080304" pitchFamily="49" charset="-128"/>
                 <a:ea typeface="MS Mincho" panose="02020609040205080304" pitchFamily="49" charset="-128"/>
                 <a:cs typeface="Times New Roman" panose="02020603050405020304" pitchFamily="18" charset="0"/>
@@ -6841,7 +6892,7 @@
               <a:t>つのオレンジと緑の電極、下</a:t>
             </a:r>
             <a:r>
-              <a:rPr kumimoji="1" lang="en-US" altLang="ja-JP" sz="1600" dirty="0">
+              <a:rPr kumimoji="1" lang="en-US" altLang="ja-JP" sz="1600">
                 <a:latin typeface="MS Mincho" panose="02020609040205080304" pitchFamily="49" charset="-128"/>
                 <a:ea typeface="MS Mincho" panose="02020609040205080304" pitchFamily="49" charset="-128"/>
                 <a:cs typeface="Times New Roman" panose="02020603050405020304" pitchFamily="18" charset="0"/>
@@ -6856,7 +6907,7 @@
               </a:rPr>
               <a:t>つの赤と青の電極のように、同じ電流密度を得ることが難しく、再現性に乏しい状況でした。</a:t>
             </a:r>
-            <a:endParaRPr kumimoji="1" lang="en-US" altLang="ja-JP" sz="1600" dirty="0">
+            <a:endParaRPr kumimoji="1" lang="en-US" altLang="ja-JP" sz="1600">
               <a:latin typeface="MS Mincho" panose="02020609040205080304" pitchFamily="49" charset="-128"/>
               <a:ea typeface="MS Mincho" panose="02020609040205080304" pitchFamily="49" charset="-128"/>
               <a:cs typeface="Times New Roman" panose="02020603050405020304" pitchFamily="18" charset="0"/>
@@ -6982,7 +7033,7 @@
               </a:rPr>
               <a:t>ナフィオンとセルロースナノファイバーを比べると、電流密度と傾きはどちらもナフィオンが高い結果となりました。またセルロースナノファイバーに見られた、電流密度のバラツキは見られませんでした。</a:t>
             </a:r>
-            <a:endParaRPr lang="en-US" altLang="ja-JP" sz="1600" dirty="0">
+            <a:endParaRPr lang="en-US" altLang="ja-JP" sz="1600">
               <a:latin typeface="MS Mincho" panose="02020609040205080304" pitchFamily="49" charset="-128"/>
               <a:ea typeface="MS Mincho" panose="02020609040205080304" pitchFamily="49" charset="-128"/>
               <a:cs typeface="Times New Roman" panose="02020603050405020304" pitchFamily="18" charset="0"/>
@@ -6997,7 +7048,7 @@
               </a:rPr>
               <a:t>今回の実験データからではセルロースナノファイバーよりナフィオンがカーボンペースト電極に適していると思われます。</a:t>
             </a:r>
-            <a:endParaRPr lang="en-US" altLang="ja-JP" sz="1600" dirty="0">
+            <a:endParaRPr lang="en-US" altLang="ja-JP" sz="1600">
               <a:latin typeface="MS Mincho" panose="02020609040205080304" pitchFamily="49" charset="-128"/>
               <a:ea typeface="MS Mincho" panose="02020609040205080304" pitchFamily="49" charset="-128"/>
               <a:cs typeface="Times New Roman" panose="02020603050405020304" pitchFamily="18" charset="0"/>
@@ -7086,7 +7137,7 @@
               <a:rPr lang="ja-JP" altLang="en-US"/>
               <a:t>マスター タイトルの書式設定</a:t>
             </a:r>
-            <a:endParaRPr lang="en-US" dirty="0"/>
+            <a:endParaRPr lang="en-US"/>
           </a:p>
         </p:txBody>
       </p:sp>
@@ -7151,7 +7202,7 @@
               <a:rPr lang="ja-JP" altLang="en-US"/>
               <a:t>マスター サブタイトルの書式設定</a:t>
             </a:r>
-            <a:endParaRPr lang="en-US" dirty="0"/>
+            <a:endParaRPr lang="en-US"/>
           </a:p>
         </p:txBody>
       </p:sp>
@@ -7172,7 +7223,7 @@
           <a:p>
             <a:fld id="{A11D51E9-B137-174D-A0AF-E756F784B769}" type="datetime1">
               <a:rPr kumimoji="1" lang="ja-JP" altLang="en-US" smtClean="0"/>
-              <a:t>2023/2/17</a:t>
+              <a:t>2023/2/19</a:t>
             </a:fld>
             <a:endParaRPr kumimoji="1" lang="ja-JP" altLang="en-US"/>
           </a:p>
@@ -7269,7 +7320,7 @@
               <a:rPr lang="ja-JP" altLang="en-US"/>
               <a:t>マスター タイトルの書式設定</a:t>
             </a:r>
-            <a:endParaRPr lang="en-US" dirty="0"/>
+            <a:endParaRPr lang="en-US"/>
           </a:p>
         </p:txBody>
       </p:sp>
@@ -7353,7 +7404,7 @@
               <a:rPr lang="ja-JP" altLang="en-US"/>
               <a:t>レベル</a:t>
             </a:r>
-            <a:endParaRPr lang="en-US" dirty="0"/>
+            <a:endParaRPr lang="en-US"/>
           </a:p>
         </p:txBody>
       </p:sp>
@@ -7374,7 +7425,7 @@
           <a:p>
             <a:fld id="{70F7427E-7D2E-9346-8343-AC9FA06B68C6}" type="datetime1">
               <a:rPr kumimoji="1" lang="ja-JP" altLang="en-US" smtClean="0"/>
-              <a:t>2023/2/17</a:t>
+              <a:t>2023/2/19</a:t>
             </a:fld>
             <a:endParaRPr kumimoji="1" lang="ja-JP" altLang="en-US"/>
           </a:p>
@@ -7476,7 +7527,7 @@
               <a:rPr lang="ja-JP" altLang="en-US"/>
               <a:t>マスター タイトルの書式設定</a:t>
             </a:r>
-            <a:endParaRPr lang="en-US" dirty="0"/>
+            <a:endParaRPr lang="en-US"/>
           </a:p>
         </p:txBody>
       </p:sp>
@@ -7565,7 +7616,7 @@
               <a:rPr lang="ja-JP" altLang="en-US"/>
               <a:t>レベル</a:t>
             </a:r>
-            <a:endParaRPr lang="en-US" dirty="0"/>
+            <a:endParaRPr lang="en-US"/>
           </a:p>
         </p:txBody>
       </p:sp>
@@ -7586,7 +7637,7 @@
           <a:p>
             <a:fld id="{C2C84F26-3E44-9A4E-909D-09D472272EC3}" type="datetime1">
               <a:rPr kumimoji="1" lang="ja-JP" altLang="en-US" smtClean="0"/>
-              <a:t>2023/2/17</a:t>
+              <a:t>2023/2/19</a:t>
             </a:fld>
             <a:endParaRPr kumimoji="1" lang="ja-JP" altLang="en-US"/>
           </a:p>
@@ -7683,7 +7734,7 @@
               <a:rPr lang="ja-JP" altLang="en-US"/>
               <a:t>マスター タイトルの書式設定</a:t>
             </a:r>
-            <a:endParaRPr lang="en-US" dirty="0"/>
+            <a:endParaRPr lang="en-US"/>
           </a:p>
         </p:txBody>
       </p:sp>
@@ -7767,7 +7818,7 @@
               <a:rPr lang="ja-JP" altLang="en-US"/>
               <a:t>レベル</a:t>
             </a:r>
-            <a:endParaRPr lang="en-US" dirty="0"/>
+            <a:endParaRPr lang="en-US"/>
           </a:p>
         </p:txBody>
       </p:sp>
@@ -7788,7 +7839,7 @@
           <a:p>
             <a:fld id="{2F145F32-114B-C948-9512-E99957BABB99}" type="datetime1">
               <a:rPr kumimoji="1" lang="ja-JP" altLang="en-US" smtClean="0"/>
-              <a:t>2023/2/17</a:t>
+              <a:t>2023/2/19</a:t>
             </a:fld>
             <a:endParaRPr kumimoji="1" lang="ja-JP" altLang="en-US"/>
           </a:p>
@@ -7894,7 +7945,7 @@
               <a:rPr lang="ja-JP" altLang="en-US"/>
               <a:t>マスター タイトルの書式設定</a:t>
             </a:r>
-            <a:endParaRPr lang="en-US" dirty="0"/>
+            <a:endParaRPr lang="en-US"/>
           </a:p>
         </p:txBody>
       </p:sp>
@@ -8032,7 +8083,7 @@
           <a:p>
             <a:fld id="{3BA07474-75FC-2E40-83E7-3BB1AA4AB08F}" type="datetime1">
               <a:rPr kumimoji="1" lang="ja-JP" altLang="en-US" smtClean="0"/>
-              <a:t>2023/2/17</a:t>
+              <a:t>2023/2/19</a:t>
             </a:fld>
             <a:endParaRPr kumimoji="1" lang="ja-JP" altLang="en-US"/>
           </a:p>
@@ -8129,7 +8180,7 @@
               <a:rPr lang="ja-JP" altLang="en-US"/>
               <a:t>マスター タイトルの書式設定</a:t>
             </a:r>
-            <a:endParaRPr lang="en-US" dirty="0"/>
+            <a:endParaRPr lang="en-US"/>
           </a:p>
         </p:txBody>
       </p:sp>
@@ -8218,7 +8269,7 @@
               <a:rPr lang="ja-JP" altLang="en-US"/>
               <a:t>レベル</a:t>
             </a:r>
-            <a:endParaRPr lang="en-US" dirty="0"/>
+            <a:endParaRPr lang="en-US"/>
           </a:p>
         </p:txBody>
       </p:sp>
@@ -8307,7 +8358,7 @@
               <a:rPr lang="ja-JP" altLang="en-US"/>
               <a:t>レベル</a:t>
             </a:r>
-            <a:endParaRPr lang="en-US" dirty="0"/>
+            <a:endParaRPr lang="en-US"/>
           </a:p>
         </p:txBody>
       </p:sp>
@@ -8328,7 +8379,7 @@
           <a:p>
             <a:fld id="{E4215ACD-28AB-C445-8A5D-FCFB174FEBC5}" type="datetime1">
               <a:rPr kumimoji="1" lang="ja-JP" altLang="en-US" smtClean="0"/>
-              <a:t>2023/2/17</a:t>
+              <a:t>2023/2/19</a:t>
             </a:fld>
             <a:endParaRPr kumimoji="1" lang="ja-JP" altLang="en-US"/>
           </a:p>
@@ -8430,7 +8481,7 @@
               <a:rPr lang="ja-JP" altLang="en-US"/>
               <a:t>マスター タイトルの書式設定</a:t>
             </a:r>
-            <a:endParaRPr lang="en-US" dirty="0"/>
+            <a:endParaRPr lang="en-US"/>
           </a:p>
         </p:txBody>
       </p:sp>
@@ -8584,7 +8635,7 @@
               <a:rPr lang="ja-JP" altLang="en-US"/>
               <a:t>レベル</a:t>
             </a:r>
-            <a:endParaRPr lang="en-US" dirty="0"/>
+            <a:endParaRPr lang="en-US"/>
           </a:p>
         </p:txBody>
       </p:sp>
@@ -8738,7 +8789,7 @@
               <a:rPr lang="ja-JP" altLang="en-US"/>
               <a:t>レベル</a:t>
             </a:r>
-            <a:endParaRPr lang="en-US" dirty="0"/>
+            <a:endParaRPr lang="en-US"/>
           </a:p>
         </p:txBody>
       </p:sp>
@@ -8759,7 +8810,7 @@
           <a:p>
             <a:fld id="{CFF64314-6BEB-C445-8B31-23E74EA5A9F6}" type="datetime1">
               <a:rPr kumimoji="1" lang="ja-JP" altLang="en-US" smtClean="0"/>
-              <a:t>2023/2/17</a:t>
+              <a:t>2023/2/19</a:t>
             </a:fld>
             <a:endParaRPr kumimoji="1" lang="ja-JP" altLang="en-US"/>
           </a:p>
@@ -8856,7 +8907,7 @@
               <a:rPr lang="ja-JP" altLang="en-US"/>
               <a:t>マスター タイトルの書式設定</a:t>
             </a:r>
-            <a:endParaRPr lang="en-US" dirty="0"/>
+            <a:endParaRPr lang="en-US"/>
           </a:p>
         </p:txBody>
       </p:sp>
@@ -8877,7 +8928,7 @@
           <a:p>
             <a:fld id="{057B305C-088B-F341-84EA-EA9EA48DEE3B}" type="datetime1">
               <a:rPr kumimoji="1" lang="ja-JP" altLang="en-US" smtClean="0"/>
-              <a:t>2023/2/17</a:t>
+              <a:t>2023/2/19</a:t>
             </a:fld>
             <a:endParaRPr kumimoji="1" lang="ja-JP" altLang="en-US"/>
           </a:p>
@@ -8972,7 +9023,7 @@
           <a:p>
             <a:fld id="{BE1006E3-8C53-9D41-85CD-C7158D669EC6}" type="datetime1">
               <a:rPr kumimoji="1" lang="ja-JP" altLang="en-US" smtClean="0"/>
-              <a:t>2023/2/17</a:t>
+              <a:t>2023/2/19</a:t>
             </a:fld>
             <a:endParaRPr kumimoji="1" lang="ja-JP" altLang="en-US"/>
           </a:p>
@@ -9078,7 +9129,7 @@
               <a:rPr lang="ja-JP" altLang="en-US"/>
               <a:t>マスター タイトルの書式設定</a:t>
             </a:r>
-            <a:endParaRPr lang="en-US" dirty="0"/>
+            <a:endParaRPr lang="en-US"/>
           </a:p>
         </p:txBody>
       </p:sp>
@@ -9195,7 +9246,7 @@
               <a:rPr lang="ja-JP" altLang="en-US"/>
               <a:t>レベル</a:t>
             </a:r>
-            <a:endParaRPr lang="en-US" dirty="0"/>
+            <a:endParaRPr lang="en-US"/>
           </a:p>
         </p:txBody>
       </p:sp>
@@ -9281,7 +9332,7 @@
           <a:p>
             <a:fld id="{3508EFED-559E-AE43-B147-3C913BE7BD3D}" type="datetime1">
               <a:rPr kumimoji="1" lang="ja-JP" altLang="en-US" smtClean="0"/>
-              <a:t>2023/2/17</a:t>
+              <a:t>2023/2/19</a:t>
             </a:fld>
             <a:endParaRPr kumimoji="1" lang="ja-JP" altLang="en-US"/>
           </a:p>
@@ -9387,7 +9438,7 @@
               <a:rPr lang="ja-JP" altLang="en-US"/>
               <a:t>マスター タイトルの書式設定</a:t>
             </a:r>
-            <a:endParaRPr lang="en-US" dirty="0"/>
+            <a:endParaRPr lang="en-US"/>
           </a:p>
         </p:txBody>
       </p:sp>
@@ -9452,7 +9503,7 @@
               <a:rPr lang="ja-JP" altLang="en-US"/>
               <a:t>アイコンをクリックして図を追加</a:t>
             </a:r>
-            <a:endParaRPr lang="en-US" dirty="0"/>
+            <a:endParaRPr lang="en-US"/>
           </a:p>
         </p:txBody>
       </p:sp>
@@ -9538,7 +9589,7 @@
           <a:p>
             <a:fld id="{EE7E53E1-3F3F-FE4C-B9D1-9723F3FB56EF}" type="datetime1">
               <a:rPr kumimoji="1" lang="ja-JP" altLang="en-US" smtClean="0"/>
-              <a:t>2023/2/17</a:t>
+              <a:t>2023/2/19</a:t>
             </a:fld>
             <a:endParaRPr kumimoji="1" lang="ja-JP" altLang="en-US"/>
           </a:p>
@@ -9650,7 +9701,7 @@
               <a:rPr lang="ja-JP" altLang="en-US"/>
               <a:t>マスター タイトルの書式設定</a:t>
             </a:r>
-            <a:endParaRPr lang="en-US" dirty="0"/>
+            <a:endParaRPr lang="en-US"/>
           </a:p>
         </p:txBody>
       </p:sp>
@@ -9744,7 +9795,7 @@
               <a:rPr lang="ja-JP" altLang="en-US"/>
               <a:t>レベル</a:t>
             </a:r>
-            <a:endParaRPr lang="en-US" dirty="0"/>
+            <a:endParaRPr lang="en-US"/>
           </a:p>
         </p:txBody>
       </p:sp>
@@ -9783,7 +9834,7 @@
           <a:p>
             <a:fld id="{36F19597-6E15-D146-AD27-D9E5F8C20520}" type="datetime1">
               <a:rPr kumimoji="1" lang="ja-JP" altLang="en-US" smtClean="0"/>
-              <a:t>2023/2/17</a:t>
+              <a:t>2023/2/19</a:t>
             </a:fld>
             <a:endParaRPr kumimoji="1" lang="ja-JP" altLang="en-US"/>
           </a:p>
@@ -10226,7 +10277,7 @@
               <a:t>ニッケル水酸化物ナノシート</a:t>
             </a:r>
             <a:br>
-              <a:rPr lang="en-US" altLang="ja-JP" sz="3600" kern="100" dirty="0">
+              <a:rPr lang="en-US" altLang="ja-JP" sz="3600" kern="100">
                 <a:latin typeface="HGSSoeiKakugothicUB" panose="020B0900000000000000" pitchFamily="34" charset="-128"/>
                 <a:ea typeface="HGSSoeiKakugothicUB" panose="020B0900000000000000" pitchFamily="34" charset="-128"/>
                 <a:cs typeface="Times New Roman" panose="02020603050405020304" pitchFamily="18" charset="0"/>
@@ -10328,7 +10379,7 @@
               <a:t>令和</a:t>
             </a:r>
             <a:r>
-              <a:rPr lang="en-US" altLang="ja-JP" dirty="0">
+              <a:rPr lang="en-US" altLang="ja-JP">
                 <a:latin typeface="MS Gothic" panose="020B0609070205080204" pitchFamily="49" charset="-128"/>
                 <a:ea typeface="MS Gothic" panose="020B0609070205080204" pitchFamily="49" charset="-128"/>
               </a:rPr>
@@ -10341,7 +10392,7 @@
               </a:rPr>
               <a:t>年度</a:t>
             </a:r>
-            <a:endParaRPr lang="en-US" altLang="ja-JP" dirty="0">
+            <a:endParaRPr lang="en-US" altLang="ja-JP">
               <a:latin typeface="MS Gothic" panose="020B0609070205080204" pitchFamily="49" charset="-128"/>
               <a:ea typeface="MS Gothic" panose="020B0609070205080204" pitchFamily="49" charset="-128"/>
             </a:endParaRPr>
@@ -10355,7 +10406,7 @@
               </a:rPr>
               <a:t>徳島大学理工学部</a:t>
             </a:r>
-            <a:endParaRPr lang="en-US" altLang="ja-JP" dirty="0">
+            <a:endParaRPr lang="en-US" altLang="ja-JP">
               <a:latin typeface="MS Gothic" panose="020B0609070205080204" pitchFamily="49" charset="-128"/>
               <a:ea typeface="MS Gothic" panose="020B0609070205080204" pitchFamily="49" charset="-128"/>
             </a:endParaRPr>
@@ -10369,14 +10420,14 @@
               </a:rPr>
               <a:t>理工学科　応用化学システムコース　物質機能化学講座</a:t>
             </a:r>
-            <a:endParaRPr lang="en-US" altLang="ja-JP" dirty="0">
+            <a:endParaRPr lang="en-US" altLang="ja-JP">
               <a:latin typeface="MS Gothic" panose="020B0609070205080204" pitchFamily="49" charset="-128"/>
               <a:ea typeface="MS Gothic" panose="020B0609070205080204" pitchFamily="49" charset="-128"/>
             </a:endParaRPr>
           </a:p>
           <a:p>
             <a:pPr algn="ctr"/>
-            <a:endParaRPr lang="en-US" altLang="ja-JP" sz="2400" dirty="0">
+            <a:endParaRPr lang="en-US" altLang="ja-JP" sz="2400">
               <a:latin typeface="MS Gothic" panose="020B0609070205080204" pitchFamily="49" charset="-128"/>
               <a:ea typeface="MS Gothic" panose="020B0609070205080204" pitchFamily="49" charset="-128"/>
             </a:endParaRPr>
@@ -10422,7 +10473,7 @@
           <a:lstStyle/>
           <a:p>
             <a:r>
-              <a:rPr lang="en-US" altLang="ja-JP" sz="3000" dirty="0">
+              <a:rPr lang="en-US" altLang="ja-JP" sz="3000">
                 <a:latin typeface="HGSSoeiKakugothicUB" panose="020B0900000000000000" pitchFamily="34" charset="-128"/>
                 <a:ea typeface="HGSSoeiKakugothicUB" panose="020B0900000000000000" pitchFamily="34" charset="-128"/>
               </a:rPr>
@@ -10604,7 +10655,7 @@
               <a:t>ナフィオン</a:t>
             </a:r>
             <a:r>
-              <a:rPr lang="en-US" altLang="ja-JP" dirty="0">
+              <a:rPr lang="en-US" altLang="ja-JP">
                 <a:solidFill>
                   <a:schemeClr val="accent2">
                     <a:lumMod val="75000"/>
@@ -10658,7 +10709,7 @@
           <a:lstStyle/>
           <a:p>
             <a:r>
-              <a:rPr lang="en-US" altLang="ja-JP" dirty="0">
+              <a:rPr lang="en-US" altLang="ja-JP">
                 <a:solidFill>
                   <a:srgbClr val="00B050"/>
                 </a:solidFill>
@@ -10708,7 +10759,7 @@
           <a:lstStyle/>
           <a:p>
             <a:r>
-              <a:rPr lang="en-US" altLang="ja-JP" dirty="0">
+              <a:rPr lang="en-US" altLang="ja-JP">
                 <a:solidFill>
                   <a:srgbClr val="FF0000"/>
                 </a:solidFill>
@@ -10758,7 +10809,7 @@
           <a:lstStyle/>
           <a:p>
             <a:r>
-              <a:rPr lang="en-US" altLang="ja-JP" dirty="0">
+              <a:rPr lang="en-US" altLang="ja-JP">
                 <a:solidFill>
                   <a:schemeClr val="accent1"/>
                 </a:solidFill>
@@ -10815,7 +10866,7 @@
               </a:rPr>
               <a:t>バインダー：</a:t>
             </a:r>
-            <a:endParaRPr lang="en-US" altLang="ja-JP" dirty="0">
+            <a:endParaRPr lang="en-US" altLang="ja-JP">
               <a:latin typeface="Times New Roman" panose="02020603050405020304" pitchFamily="18" charset="0"/>
               <a:ea typeface="MS Mincho" panose="02020609040205080304" pitchFamily="49" charset="-128"/>
               <a:cs typeface="Times New Roman" panose="02020603050405020304" pitchFamily="18" charset="0"/>
@@ -10830,7 +10881,7 @@
               </a:rPr>
               <a:t>ナフィオン</a:t>
             </a:r>
-            <a:endParaRPr lang="en-US" altLang="ja-JP" dirty="0">
+            <a:endParaRPr lang="en-US" altLang="ja-JP">
               <a:latin typeface="HGSSoeiKakugothicUB" panose="020B0900000000000000" pitchFamily="34" charset="-128"/>
               <a:ea typeface="HGSSoeiKakugothicUB" panose="020B0900000000000000" pitchFamily="34" charset="-128"/>
               <a:cs typeface="Times New Roman" panose="02020603050405020304" pitchFamily="18" charset="0"/>
@@ -10879,7 +10930,7 @@
               <a:t>ナフィオン</a:t>
             </a:r>
             <a:r>
-              <a:rPr lang="en-US" altLang="ja-JP" sz="1800" dirty="0">
+              <a:rPr lang="en-US" altLang="ja-JP" sz="1800">
                 <a:latin typeface="Times New Roman" panose="02020603050405020304" pitchFamily="18" charset="0"/>
                 <a:ea typeface="MS Mincho" panose="02020609040205080304" pitchFamily="49" charset="-128"/>
                 <a:cs typeface="Times New Roman" panose="02020603050405020304" pitchFamily="18" charset="0"/>
@@ -10901,7 +10952,7 @@
               <a:t>ナフィオン</a:t>
             </a:r>
             <a:r>
-              <a:rPr lang="en-US" altLang="ja-JP" sz="1800" dirty="0">
+              <a:rPr lang="en-US" altLang="ja-JP" sz="1800">
                 <a:latin typeface="Times New Roman" panose="02020603050405020304" pitchFamily="18" charset="0"/>
                 <a:ea typeface="MS Mincho" panose="02020609040205080304" pitchFamily="49" charset="-128"/>
                 <a:cs typeface="Times New Roman" panose="02020603050405020304" pitchFamily="18" charset="0"/>
@@ -10923,7 +10974,7 @@
               <a:t>ナフィオン</a:t>
             </a:r>
             <a:r>
-              <a:rPr lang="en-US" altLang="ja-JP" sz="1800" dirty="0">
+              <a:rPr lang="en-US" altLang="ja-JP" sz="1800">
                 <a:latin typeface="Times New Roman" panose="02020603050405020304" pitchFamily="18" charset="0"/>
                 <a:ea typeface="MS Mincho" panose="02020609040205080304" pitchFamily="49" charset="-128"/>
                 <a:cs typeface="Times New Roman" panose="02020603050405020304" pitchFamily="18" charset="0"/>
@@ -10945,7 +10996,7 @@
               <a:t>ナフィオン</a:t>
             </a:r>
             <a:r>
-              <a:rPr lang="en-US" altLang="ja-JP" sz="1800" dirty="0">
+              <a:rPr lang="en-US" altLang="ja-JP" sz="1800">
                 <a:latin typeface="Times New Roman" panose="02020603050405020304" pitchFamily="18" charset="0"/>
                 <a:ea typeface="MS Mincho" panose="02020609040205080304" pitchFamily="49" charset="-128"/>
                 <a:cs typeface="Times New Roman" panose="02020603050405020304" pitchFamily="18" charset="0"/>
@@ -10992,7 +11043,7 @@
               <a:t>の</a:t>
             </a:r>
             <a:r>
-              <a:rPr kumimoji="1" lang="en-US" altLang="ja-JP" dirty="0">
+              <a:rPr kumimoji="1" lang="en-US" altLang="ja-JP">
                 <a:latin typeface="Times New Roman" panose="02020603050405020304" pitchFamily="18" charset="0"/>
                 <a:ea typeface="MS Mincho" panose="02020609040205080304" pitchFamily="49" charset="-128"/>
                 <a:cs typeface="Times New Roman" panose="02020603050405020304" pitchFamily="18" charset="0"/>
@@ -11128,7 +11179,7 @@
           <a:lstStyle/>
           <a:p>
             <a:r>
-              <a:rPr lang="en-US" altLang="ja-JP" dirty="0">
+              <a:rPr lang="en-US" altLang="ja-JP">
                 <a:latin typeface="Hiragino Maru Gothic ProN W4" panose="020F0400000000000000" pitchFamily="34" charset="-128"/>
                 <a:ea typeface="Hiragino Maru Gothic ProN W4" panose="020F0400000000000000" pitchFamily="34" charset="-128"/>
               </a:rPr>
@@ -11180,14 +11231,14 @@
               <a:t>ナフィオン</a:t>
             </a:r>
             <a:r>
-              <a:rPr lang="en-US" altLang="ja-JP" sz="2400" dirty="0">
+              <a:rPr lang="en-US" altLang="ja-JP" sz="2400">
                 <a:latin typeface="HGSSoeiKakugothicUB" panose="020B0900000000000000" pitchFamily="34" charset="-128"/>
                 <a:ea typeface="HGSSoeiKakugothicUB" panose="020B0900000000000000" pitchFamily="34" charset="-128"/>
               </a:rPr>
               <a:t>10 </a:t>
             </a:r>
             <a:r>
-              <a:rPr lang="en-US" altLang="ja-JP" sz="2400" b="1" dirty="0">
+              <a:rPr lang="en-US" altLang="ja-JP" sz="2400" b="1">
                 <a:latin typeface="Times New Roman" panose="02020603050405020304" pitchFamily="18" charset="0"/>
                 <a:ea typeface="HGSSoeiKakugothicUB" panose="020B0900000000000000" pitchFamily="34" charset="-128"/>
                 <a:cs typeface="Times New Roman" panose="02020603050405020304" pitchFamily="18" charset="0"/>
@@ -11195,7 +11246,7 @@
               <a:t>μ</a:t>
             </a:r>
             <a:r>
-              <a:rPr lang="en-US" altLang="ja-JP" sz="2400" dirty="0">
+              <a:rPr lang="en-US" altLang="ja-JP" sz="2400">
                 <a:latin typeface="HGSSoeiKakugothicUB" panose="020B0900000000000000" pitchFamily="34" charset="-128"/>
                 <a:ea typeface="HGSSoeiKakugothicUB" panose="020B0900000000000000" pitchFamily="34" charset="-128"/>
               </a:rPr>
@@ -11240,7 +11291,7 @@
           <a:lstStyle/>
           <a:p>
             <a:r>
-              <a:rPr lang="en-US" altLang="ja-JP" dirty="0">
+              <a:rPr lang="en-US" altLang="ja-JP">
                 <a:solidFill>
                   <a:schemeClr val="accent1"/>
                 </a:solidFill>
@@ -11291,7 +11342,7 @@
           <a:lstStyle/>
           <a:p>
             <a:r>
-              <a:rPr lang="en-US" altLang="ja-JP" dirty="0">
+              <a:rPr lang="en-US" altLang="ja-JP">
                 <a:solidFill>
                   <a:srgbClr val="FF0000"/>
                 </a:solidFill>
@@ -11350,7 +11401,7 @@
               </a:rPr>
               <a:t>感度低下の原因の可能性</a:t>
             </a:r>
-            <a:endParaRPr lang="en-US" altLang="ja-JP" sz="2000" dirty="0">
+            <a:endParaRPr lang="en-US" altLang="ja-JP" sz="2000">
               <a:latin typeface="Times New Roman" panose="02020603050405020304" pitchFamily="18" charset="0"/>
               <a:ea typeface="MS Mincho" panose="02020609040205080304" pitchFamily="49" charset="-128"/>
               <a:cs typeface="Times New Roman" panose="02020603050405020304" pitchFamily="18" charset="0"/>
@@ -11369,7 +11420,7 @@
               </a:rPr>
               <a:t>電極表面のナノシートが一部剥がれ落ちた</a:t>
             </a:r>
-            <a:endParaRPr lang="en-US" altLang="ja-JP" sz="2000" dirty="0">
+            <a:endParaRPr lang="en-US" altLang="ja-JP" sz="2000">
               <a:latin typeface="Times New Roman" panose="02020603050405020304" pitchFamily="18" charset="0"/>
               <a:ea typeface="MS Mincho" panose="02020609040205080304" pitchFamily="49" charset="-128"/>
               <a:cs typeface="Times New Roman" panose="02020603050405020304" pitchFamily="18" charset="0"/>
@@ -11514,7 +11565,7 @@
               </a:rPr>
               <a:t>ニッケル水酸化物ナノシートを用いた電極はグルコースを添加した際に電流量の増加が見られ、グルコース酸化による電流が確認された。</a:t>
             </a:r>
-            <a:endParaRPr lang="en-US" altLang="ja-JP" kern="100" dirty="0">
+            <a:endParaRPr lang="en-US" altLang="ja-JP" kern="100">
               <a:latin typeface="Times New Roman" panose="02020603050405020304" pitchFamily="18" charset="0"/>
               <a:ea typeface="ＭＳ 明朝" panose="02020609040205080304" pitchFamily="49" charset="-128"/>
               <a:cs typeface="Times New Roman" panose="02020603050405020304" pitchFamily="18" charset="0"/>
@@ -11525,7 +11576,7 @@
               <a:buFont typeface="+mj-lt"/>
               <a:buAutoNum type="arabicPeriod"/>
             </a:pPr>
-            <a:endParaRPr lang="en-US" altLang="ja-JP" kern="100" dirty="0">
+            <a:endParaRPr lang="en-US" altLang="ja-JP" kern="100">
               <a:latin typeface="Times New Roman" panose="02020603050405020304" pitchFamily="18" charset="0"/>
               <a:ea typeface="ＭＳ 明朝" panose="02020609040205080304" pitchFamily="49" charset="-128"/>
               <a:cs typeface="Times New Roman" panose="02020603050405020304" pitchFamily="18" charset="0"/>
@@ -11536,7 +11587,7 @@
               <a:buFont typeface="+mj-lt"/>
               <a:buAutoNum type="arabicPeriod"/>
             </a:pPr>
-            <a:endParaRPr lang="en-US" altLang="ja-JP" kern="100" dirty="0">
+            <a:endParaRPr lang="en-US" altLang="ja-JP" kern="100">
               <a:latin typeface="Times New Roman" panose="02020603050405020304" pitchFamily="18" charset="0"/>
               <a:ea typeface="ＭＳ 明朝" panose="02020609040205080304" pitchFamily="49" charset="-128"/>
               <a:cs typeface="Times New Roman" panose="02020603050405020304" pitchFamily="18" charset="0"/>
@@ -11547,7 +11598,7 @@
               <a:buFont typeface="+mj-lt"/>
               <a:buAutoNum type="arabicPeriod"/>
             </a:pPr>
-            <a:endParaRPr lang="en-US" altLang="ja-JP" kern="100" dirty="0">
+            <a:endParaRPr lang="en-US" altLang="ja-JP" kern="100">
               <a:latin typeface="Times New Roman" panose="02020603050405020304" pitchFamily="18" charset="0"/>
               <a:ea typeface="ＭＳ 明朝" panose="02020609040205080304" pitchFamily="49" charset="-128"/>
               <a:cs typeface="Times New Roman" panose="02020603050405020304" pitchFamily="18" charset="0"/>
@@ -11606,7 +11657,7 @@
               </a:rPr>
               <a:t>。</a:t>
             </a:r>
-            <a:endParaRPr lang="en-US" altLang="ja-JP" dirty="0">
+            <a:endParaRPr lang="en-US" altLang="ja-JP">
               <a:latin typeface="Times New Roman" panose="02020603050405020304" pitchFamily="18" charset="0"/>
               <a:ea typeface="ＭＳ 明朝" panose="02020609040205080304" pitchFamily="49" charset="-128"/>
               <a:cs typeface="Times New Roman" panose="02020603050405020304" pitchFamily="18" charset="0"/>
@@ -11617,7 +11668,7 @@
               <a:buFont typeface="+mj-lt"/>
               <a:buAutoNum type="arabicPeriod"/>
             </a:pPr>
-            <a:endParaRPr lang="en-US" altLang="ja-JP" dirty="0">
+            <a:endParaRPr lang="en-US" altLang="ja-JP">
               <a:latin typeface="Times New Roman" panose="02020603050405020304" pitchFamily="18" charset="0"/>
               <a:ea typeface="ＭＳ 明朝" panose="02020609040205080304" pitchFamily="49" charset="-128"/>
               <a:cs typeface="Times New Roman" panose="02020603050405020304" pitchFamily="18" charset="0"/>
@@ -11628,7 +11679,7 @@
               <a:buFont typeface="+mj-lt"/>
               <a:buAutoNum type="arabicPeriod"/>
             </a:pPr>
-            <a:endParaRPr lang="en-US" altLang="ja-JP" dirty="0">
+            <a:endParaRPr lang="en-US" altLang="ja-JP">
               <a:latin typeface="Times New Roman" panose="02020603050405020304" pitchFamily="18" charset="0"/>
               <a:ea typeface="ＭＳ 明朝" panose="02020609040205080304" pitchFamily="49" charset="-128"/>
               <a:cs typeface="Times New Roman" panose="02020603050405020304" pitchFamily="18" charset="0"/>
@@ -11639,7 +11690,7 @@
               <a:buFont typeface="+mj-lt"/>
               <a:buAutoNum type="arabicPeriod"/>
             </a:pPr>
-            <a:endParaRPr lang="en-US" altLang="ja-JP" dirty="0">
+            <a:endParaRPr lang="en-US" altLang="ja-JP">
               <a:latin typeface="Times New Roman" panose="02020603050405020304" pitchFamily="18" charset="0"/>
               <a:ea typeface="ＭＳ 明朝" panose="02020609040205080304" pitchFamily="49" charset="-128"/>
               <a:cs typeface="Times New Roman" panose="02020603050405020304" pitchFamily="18" charset="0"/>
@@ -11659,7 +11710,7 @@
               <a:t>ナフィオン</a:t>
             </a:r>
             <a:r>
-              <a:rPr lang="en-US" altLang="ja-JP" dirty="0">
+              <a:rPr lang="en-US" altLang="ja-JP">
                 <a:latin typeface="Times New Roman" panose="02020603050405020304" pitchFamily="18" charset="0"/>
                 <a:ea typeface="ＭＳ 明朝" panose="02020609040205080304" pitchFamily="49" charset="-128"/>
                 <a:cs typeface="Times New Roman" panose="02020603050405020304" pitchFamily="18" charset="0"/>
@@ -11977,7 +12028,7 @@
               <a:t>利用されている</a:t>
             </a:r>
             <a:r>
-              <a:rPr lang="en-US" altLang="ja-JP" baseline="30000" dirty="0">
+              <a:rPr lang="en-US" altLang="ja-JP" baseline="30000">
                 <a:latin typeface="MS Gothic" panose="020B0609070205080204" pitchFamily="49" charset="-128"/>
                 <a:ea typeface="MS Gothic" panose="020B0609070205080204" pitchFamily="49" charset="-128"/>
               </a:rPr>
@@ -11990,7 +12041,7 @@
               </a:rPr>
               <a:t>。</a:t>
             </a:r>
-            <a:endParaRPr lang="en-US" altLang="ja-JP" dirty="0">
+            <a:endParaRPr lang="en-US" altLang="ja-JP">
               <a:latin typeface="MS Gothic" panose="020B0609070205080204" pitchFamily="49" charset="-128"/>
               <a:ea typeface="MS Gothic" panose="020B0609070205080204" pitchFamily="49" charset="-128"/>
             </a:endParaRPr>
@@ -12004,7 +12055,7 @@
               </a:rPr>
               <a:t>また、酵素を用いない非酵素型グルコース酸化触媒の開発が期待されている</a:t>
             </a:r>
-            <a:endParaRPr lang="en-US" altLang="ja-JP" baseline="30000" dirty="0">
+            <a:endParaRPr lang="en-US" altLang="ja-JP" baseline="30000">
               <a:latin typeface="MS Gothic" panose="020B0609070205080204" pitchFamily="49" charset="-128"/>
               <a:ea typeface="MS Gothic" panose="020B0609070205080204" pitchFamily="49" charset="-128"/>
             </a:endParaRPr>
@@ -12040,28 +12091,28 @@
           <a:lstStyle/>
           <a:p>
             <a:r>
-              <a:rPr lang="en-US" altLang="ja-JP" sz="900" dirty="0">
+              <a:rPr lang="en-US" altLang="ja-JP" sz="900">
                 <a:latin typeface="MS Gothic" panose="020B0609070205080204" pitchFamily="49" charset="-128"/>
                 <a:ea typeface="MS Gothic" panose="020B0609070205080204" pitchFamily="49" charset="-128"/>
               </a:rPr>
               <a:t>[1] Feng Gao et al. </a:t>
             </a:r>
             <a:r>
-              <a:rPr lang="en-US" altLang="ja-JP" sz="900" i="1" dirty="0">
+              <a:rPr lang="en-US" altLang="ja-JP" sz="900" i="1">
                 <a:latin typeface="MS Gothic" panose="020B0609070205080204" pitchFamily="49" charset="-128"/>
                 <a:ea typeface="MS Gothic" panose="020B0609070205080204" pitchFamily="49" charset="-128"/>
               </a:rPr>
               <a:t>ACS Appl. Nano Mater.</a:t>
             </a:r>
             <a:r>
-              <a:rPr lang="en-US" altLang="ja-JP" sz="900" b="1" dirty="0">
+              <a:rPr lang="en-US" altLang="ja-JP" sz="900" b="1">
                 <a:latin typeface="MS Gothic" panose="020B0609070205080204" pitchFamily="49" charset="-128"/>
                 <a:ea typeface="MS Gothic" panose="020B0609070205080204" pitchFamily="49" charset="-128"/>
               </a:rPr>
               <a:t>2021</a:t>
             </a:r>
             <a:r>
-              <a:rPr lang="en-US" altLang="ja-JP" sz="900" dirty="0">
+              <a:rPr lang="en-US" altLang="ja-JP" sz="900">
                 <a:latin typeface="MS Gothic" panose="020B0609070205080204" pitchFamily="49" charset="-128"/>
                 <a:ea typeface="MS Gothic" panose="020B0609070205080204" pitchFamily="49" charset="-128"/>
               </a:rPr>
@@ -12070,7 +12121,7 @@
           </a:p>
           <a:p>
             <a:r>
-              <a:rPr lang="en-US" altLang="ja-JP" sz="900" dirty="0">
+              <a:rPr lang="en-US" altLang="ja-JP" sz="900">
                 <a:solidFill>
                   <a:srgbClr val="000000"/>
                 </a:solidFill>
@@ -12081,7 +12132,7 @@
               <a:t>[2] Etab M et al. ,</a:t>
             </a:r>
             <a:r>
-              <a:rPr lang="en-US" altLang="ja-JP" sz="900" i="1" cap="all" dirty="0">
+              <a:rPr lang="en-US" altLang="ja-JP" sz="900" i="1" cap="all">
                 <a:solidFill>
                   <a:srgbClr val="000000"/>
                 </a:solidFill>
@@ -12092,7 +12143,7 @@
               <a:t> </a:t>
             </a:r>
             <a:r>
-              <a:rPr lang="en-US" altLang="ja-JP" sz="900" i="1" dirty="0">
+              <a:rPr lang="en-US" altLang="ja-JP" sz="900" i="1">
                 <a:solidFill>
                   <a:srgbClr val="000000"/>
                 </a:solidFill>
@@ -12103,7 +12154,7 @@
               <a:t>Arabian Journal of Chemistry </a:t>
             </a:r>
             <a:r>
-              <a:rPr lang="en-US" altLang="ja-JP" sz="900" dirty="0">
+              <a:rPr lang="en-US" altLang="ja-JP" sz="900">
                 <a:solidFill>
                   <a:srgbClr val="000000"/>
                 </a:solidFill>
@@ -12114,7 +12165,7 @@
               <a:t>(</a:t>
             </a:r>
             <a:r>
-              <a:rPr lang="en-US" altLang="ja-JP" sz="900" b="1" dirty="0">
+              <a:rPr lang="en-US" altLang="ja-JP" sz="900" b="1">
                 <a:solidFill>
                   <a:srgbClr val="000000"/>
                 </a:solidFill>
@@ -12125,7 +12176,7 @@
               <a:t>2022</a:t>
             </a:r>
             <a:r>
-              <a:rPr lang="en-US" altLang="ja-JP" sz="900" dirty="0">
+              <a:rPr lang="en-US" altLang="ja-JP" sz="900">
                 <a:solidFill>
                   <a:srgbClr val="000000"/>
                 </a:solidFill>
@@ -12194,7 +12245,7 @@
               <a:t>を持たせたニッケル化合物では、グルコースを酸化するいくつかの例が報告されており、高い触媒活性を有する</a:t>
             </a:r>
             <a:r>
-              <a:rPr lang="en-US" altLang="ja-JP" baseline="30000" dirty="0">
+              <a:rPr lang="en-US" altLang="ja-JP" baseline="30000">
                 <a:latin typeface="MS Gothic" panose="020B0609070205080204" pitchFamily="49" charset="-128"/>
                 <a:ea typeface="MS Gothic" panose="020B0609070205080204" pitchFamily="49" charset="-128"/>
                 <a:cs typeface="Times New Roman" panose="02020603050405020304" pitchFamily="18" charset="0"/>
@@ -12209,7 +12260,7 @@
               </a:rPr>
               <a:t>。</a:t>
             </a:r>
-            <a:endParaRPr lang="en-US" altLang="ja-JP" dirty="0">
+            <a:endParaRPr lang="en-US" altLang="ja-JP">
               <a:latin typeface="MS Gothic" panose="020B0609070205080204" pitchFamily="49" charset="-128"/>
               <a:ea typeface="MS Gothic" panose="020B0609070205080204" pitchFamily="49" charset="-128"/>
               <a:cs typeface="Times New Roman" panose="02020603050405020304" pitchFamily="18" charset="0"/>
@@ -12492,7 +12543,7 @@
               <a:t>本研究室では、以前より層状ニッケル水酸化物を</a:t>
             </a:r>
             <a:r>
-              <a:rPr lang="en-US" altLang="ja-JP" dirty="0">
+              <a:rPr lang="en-US" altLang="ja-JP">
                 <a:latin typeface="MS Gothic" panose="020B0609070205080204" pitchFamily="49" charset="-128"/>
                 <a:ea typeface="MS Gothic" panose="020B0609070205080204" pitchFamily="49" charset="-128"/>
                 <a:cs typeface="Times New Roman" panose="02020603050405020304" pitchFamily="18" charset="0"/>
@@ -12507,7 +12558,7 @@
               </a:rPr>
               <a:t>ブタノール中で単層剥離をさせており、グルコース酸化に有用であると考えた。</a:t>
             </a:r>
-            <a:endParaRPr lang="en-US" altLang="ja-JP" dirty="0">
+            <a:endParaRPr lang="en-US" altLang="ja-JP">
               <a:latin typeface="MS Gothic" panose="020B0609070205080204" pitchFamily="49" charset="-128"/>
               <a:ea typeface="MS Gothic" panose="020B0609070205080204" pitchFamily="49" charset="-128"/>
               <a:cs typeface="Times New Roman" panose="02020603050405020304" pitchFamily="18" charset="0"/>
@@ -12718,7 +12769,7 @@
           <a:lstStyle/>
           <a:p>
             <a:r>
-              <a:rPr lang="en" altLang="ja-JP" dirty="0">
+              <a:rPr lang="en" altLang="ja-JP">
                 <a:solidFill>
                   <a:schemeClr val="accent1">
                     <a:lumMod val="60000"/>
@@ -12730,7 +12781,7 @@
               </a:rPr>
               <a:t>Result</a:t>
             </a:r>
-            <a:endParaRPr lang="en-US" altLang="ja-JP" dirty="0"/>
+            <a:endParaRPr lang="en-US" altLang="ja-JP"/>
           </a:p>
         </p:txBody>
       </p:sp>
@@ -12885,7 +12936,7 @@
           <a:lstStyle/>
           <a:p>
             <a:r>
-              <a:rPr lang="en" altLang="ja-JP" dirty="0">
+              <a:rPr lang="en" altLang="ja-JP">
                 <a:solidFill>
                   <a:schemeClr val="accent1">
                     <a:lumMod val="60000"/>
@@ -12897,7 +12948,7 @@
               </a:rPr>
               <a:t>Result</a:t>
             </a:r>
-            <a:endParaRPr lang="en-US" altLang="ja-JP" dirty="0"/>
+            <a:endParaRPr lang="en-US" altLang="ja-JP"/>
           </a:p>
         </p:txBody>
       </p:sp>
@@ -13108,7 +13159,7 @@
                         <a:t>線形範囲 </a:t>
                       </a:r>
                       <a:r>
-                        <a:rPr lang="en-US" sz="1200" kern="100" dirty="0">
+                        <a:rPr lang="en-US" sz="1200" kern="100">
                           <a:effectLst/>
                         </a:rPr>
                         <a:t>(mM)</a:t>
@@ -13146,31 +13197,31 @@
                         <a:t>感度</a:t>
                       </a:r>
                       <a:r>
-                        <a:rPr lang="en-US" sz="1200" kern="100" dirty="0">
+                        <a:rPr lang="en-US" sz="1200" kern="100">
                           <a:effectLst/>
                         </a:rPr>
                         <a:t>(mA mM</a:t>
                       </a:r>
                       <a:r>
-                        <a:rPr lang="en-US" sz="1200" kern="100" baseline="30000" dirty="0">
+                        <a:rPr lang="en-US" sz="1200" kern="100" baseline="30000">
                           <a:effectLst/>
                         </a:rPr>
                         <a:t>-1</a:t>
                       </a:r>
                       <a:r>
-                        <a:rPr lang="en-US" sz="1200" kern="100" dirty="0">
+                        <a:rPr lang="en-US" sz="1200" kern="100">
                           <a:effectLst/>
                         </a:rPr>
                         <a:t> cm</a:t>
                       </a:r>
                       <a:r>
-                        <a:rPr lang="en-US" sz="1200" kern="100" baseline="30000" dirty="0">
+                        <a:rPr lang="en-US" sz="1200" kern="100" baseline="30000">
                           <a:effectLst/>
                         </a:rPr>
                         <a:t>-2</a:t>
                       </a:r>
                       <a:r>
-                        <a:rPr lang="en-US" sz="1200" kern="100" dirty="0">
+                        <a:rPr lang="en-US" sz="1200" kern="100">
                           <a:effectLst/>
                         </a:rPr>
                         <a:t>)</a:t>
@@ -13208,13 +13259,13 @@
                         <a:t>決定係数</a:t>
                       </a:r>
                       <a:r>
-                        <a:rPr lang="en-US" sz="1200" kern="100" dirty="0">
+                        <a:rPr lang="en-US" sz="1200" kern="100">
                           <a:effectLst/>
                         </a:rPr>
                         <a:t> R</a:t>
                       </a:r>
                       <a:r>
-                        <a:rPr lang="en-US" sz="1200" kern="100" baseline="30000" dirty="0">
+                        <a:rPr lang="en-US" sz="1200" kern="100" baseline="30000">
                           <a:effectLst/>
                         </a:rPr>
                         <a:t>2</a:t>
@@ -13253,7 +13304,7 @@
                     <a:p>
                       <a:pPr algn="ctr"/>
                       <a:r>
-                        <a:rPr lang="en-US" sz="1200" kern="100" dirty="0">
+                        <a:rPr lang="en-US" sz="1200" kern="100">
                           <a:effectLst/>
                         </a:rPr>
                         <a:t>1</a:t>
@@ -13300,7 +13351,7 @@
                     <a:p>
                       <a:pPr algn="r"/>
                       <a:r>
-                        <a:rPr lang="en-US" sz="1200" kern="100" dirty="0">
+                        <a:rPr lang="en-US" sz="1200" kern="100">
                           <a:effectLst/>
                         </a:rPr>
                         <a:t>0~1.31</a:t>
@@ -13382,7 +13433,7 @@
                     <a:p>
                       <a:pPr algn="r"/>
                       <a:r>
-                        <a:rPr lang="en-US" sz="1200" kern="100" dirty="0">
+                        <a:rPr lang="en-US" sz="1200" kern="100">
                           <a:effectLst/>
                         </a:rPr>
                         <a:t>0.9182</a:t>
@@ -13430,7 +13481,7 @@
                     <a:p>
                       <a:pPr algn="ctr"/>
                       <a:r>
-                        <a:rPr lang="en-US" sz="1200" kern="100" dirty="0">
+                        <a:rPr lang="en-US" sz="1200" kern="100">
                           <a:effectLst/>
                         </a:rPr>
                         <a:t>2</a:t>
@@ -13477,7 +13528,7 @@
                     <a:p>
                       <a:pPr algn="r"/>
                       <a:r>
-                        <a:rPr lang="en-US" sz="1200" kern="100" dirty="0">
+                        <a:rPr lang="en-US" sz="1200" kern="100">
                           <a:effectLst/>
                         </a:rPr>
                         <a:t>0~0.88</a:t>
@@ -13518,7 +13569,7 @@
                     <a:p>
                       <a:pPr algn="r"/>
                       <a:r>
-                        <a:rPr lang="en-US" sz="1200" kern="100" dirty="0">
+                        <a:rPr lang="en-US" sz="1200" kern="100">
                           <a:effectLst/>
                         </a:rPr>
                         <a:t>0.0307</a:t>
@@ -13559,7 +13610,7 @@
                     <a:p>
                       <a:pPr algn="r"/>
                       <a:r>
-                        <a:rPr lang="en-US" sz="1200" kern="100" dirty="0">
+                        <a:rPr lang="en-US" sz="1200" kern="100">
                           <a:effectLst/>
                         </a:rPr>
                         <a:t>0.9086</a:t>
@@ -13607,7 +13658,7 @@
                     <a:p>
                       <a:pPr algn="ctr"/>
                       <a:r>
-                        <a:rPr lang="en-US" sz="1200" kern="100" dirty="0">
+                        <a:rPr lang="en-US" sz="1200" kern="100">
                           <a:effectLst/>
                         </a:rPr>
                         <a:t>3</a:t>
@@ -13654,7 +13705,7 @@
                     <a:p>
                       <a:pPr algn="r"/>
                       <a:r>
-                        <a:rPr lang="en-US" sz="1200" kern="100" dirty="0">
+                        <a:rPr lang="en-US" sz="1200" kern="100">
                           <a:effectLst/>
                         </a:rPr>
                         <a:t>0~0.88</a:t>
@@ -13695,7 +13746,7 @@
                     <a:p>
                       <a:pPr algn="r"/>
                       <a:r>
-                        <a:rPr lang="en-US" sz="1200" kern="100" dirty="0">
+                        <a:rPr lang="en-US" sz="1200" kern="100">
                           <a:effectLst/>
                         </a:rPr>
                         <a:t>0.0324</a:t>
@@ -13736,7 +13787,7 @@
                     <a:p>
                       <a:pPr algn="r"/>
                       <a:r>
-                        <a:rPr lang="en-US" sz="1200" kern="100" dirty="0">
+                        <a:rPr lang="en-US" sz="1200" kern="100">
                           <a:effectLst/>
                         </a:rPr>
                         <a:t>0.8424</a:t>
@@ -13834,7 +13885,7 @@
           <a:lstStyle/>
           <a:p>
             <a:r>
-              <a:rPr lang="en" altLang="ja-JP" dirty="0">
+              <a:rPr lang="en" altLang="ja-JP">
                 <a:solidFill>
                   <a:schemeClr val="accent1">
                     <a:lumMod val="60000"/>
@@ -13846,7 +13897,7 @@
               </a:rPr>
               <a:t>Result</a:t>
             </a:r>
-            <a:endParaRPr lang="en-US" altLang="ja-JP" dirty="0"/>
+            <a:endParaRPr lang="en-US" altLang="ja-JP"/>
           </a:p>
         </p:txBody>
       </p:sp>
@@ -14019,16 +14070,10 @@
                     <a:p>
                       <a:pPr algn="l"/>
                       <a:r>
-                        <a:rPr lang="en-US" sz="1200" kern="100" dirty="0">
-                          <a:effectLst/>
-                        </a:rPr>
-                        <a:t> </a:t>
-                      </a:r>
-                      <a:r>
                         <a:rPr lang="en-US" sz="1200" kern="100">
                           <a:effectLst/>
                         </a:rPr>
-                        <a:t>繰り返し測定回数</a:t>
+                        <a:t> 繰り返し測定回数</a:t>
                       </a:r>
                       <a:endParaRPr lang="ja-JP" sz="1200" kern="100">
                         <a:effectLst/>
@@ -14063,7 +14108,7 @@
                         <a:t>線形範囲 </a:t>
                       </a:r>
                       <a:r>
-                        <a:rPr lang="en-US" sz="1200" kern="100" dirty="0">
+                        <a:rPr lang="en-US" sz="1200" kern="100">
                           <a:effectLst/>
                         </a:rPr>
                         <a:t>(mM)</a:t>
@@ -14101,31 +14146,31 @@
                         <a:t>感度</a:t>
                       </a:r>
                       <a:r>
-                        <a:rPr lang="en-US" sz="1200" kern="100" dirty="0">
+                        <a:rPr lang="en-US" sz="1200" kern="100">
                           <a:effectLst/>
                         </a:rPr>
                         <a:t>(mA mM</a:t>
                       </a:r>
                       <a:r>
-                        <a:rPr lang="en-US" sz="1200" kern="100" baseline="30000" dirty="0">
+                        <a:rPr lang="en-US" sz="1200" kern="100" baseline="30000">
                           <a:effectLst/>
                         </a:rPr>
                         <a:t>-1</a:t>
                       </a:r>
                       <a:r>
-                        <a:rPr lang="en-US" sz="1200" kern="100" dirty="0">
+                        <a:rPr lang="en-US" sz="1200" kern="100">
                           <a:effectLst/>
                         </a:rPr>
                         <a:t> cm</a:t>
                       </a:r>
                       <a:r>
-                        <a:rPr lang="en-US" sz="1200" kern="100" baseline="30000" dirty="0">
+                        <a:rPr lang="en-US" sz="1200" kern="100" baseline="30000">
                           <a:effectLst/>
                         </a:rPr>
                         <a:t>-2</a:t>
                       </a:r>
                       <a:r>
-                        <a:rPr lang="en-US" sz="1200" kern="100" dirty="0">
+                        <a:rPr lang="en-US" sz="1200" kern="100">
                           <a:effectLst/>
                         </a:rPr>
                         <a:t>)</a:t>
@@ -14163,13 +14208,13 @@
                         <a:t>決定係数</a:t>
                       </a:r>
                       <a:r>
-                        <a:rPr lang="en-US" sz="1200" kern="100" dirty="0">
+                        <a:rPr lang="en-US" sz="1200" kern="100">
                           <a:effectLst/>
                         </a:rPr>
                         <a:t> R</a:t>
                       </a:r>
                       <a:r>
-                        <a:rPr lang="en-US" sz="1200" kern="100" baseline="30000" dirty="0">
+                        <a:rPr lang="en-US" sz="1200" kern="100" baseline="30000">
                           <a:effectLst/>
                         </a:rPr>
                         <a:t>2</a:t>
@@ -14208,7 +14253,7 @@
                     <a:p>
                       <a:pPr algn="ctr"/>
                       <a:r>
-                        <a:rPr lang="en-US" sz="1200" kern="100" dirty="0">
+                        <a:rPr lang="en-US" sz="1200" kern="100">
                           <a:effectLst/>
                         </a:rPr>
                         <a:t>1</a:t>
@@ -14255,7 +14300,7 @@
                     <a:p>
                       <a:pPr algn="r"/>
                       <a:r>
-                        <a:rPr lang="en-US" sz="1200" kern="100" dirty="0">
+                        <a:rPr lang="en-US" sz="1200" kern="100">
                           <a:effectLst/>
                         </a:rPr>
                         <a:t>0~6.73</a:t>
@@ -14296,7 +14341,7 @@
                     <a:p>
                       <a:pPr algn="r"/>
                       <a:r>
-                        <a:rPr lang="en-US" sz="1200" kern="100" dirty="0">
+                        <a:rPr lang="en-US" sz="1200" kern="100">
                           <a:effectLst/>
                         </a:rPr>
                         <a:t>2.2533</a:t>
@@ -14337,7 +14382,7 @@
                     <a:p>
                       <a:pPr algn="r"/>
                       <a:r>
-                        <a:rPr lang="en-US" sz="1200" kern="100" dirty="0">
+                        <a:rPr lang="en-US" sz="1200" kern="100">
                           <a:effectLst/>
                         </a:rPr>
                         <a:t>0.9853</a:t>
@@ -14385,7 +14430,7 @@
                     <a:p>
                       <a:pPr algn="ctr"/>
                       <a:r>
-                        <a:rPr lang="en-US" sz="1200" kern="100" dirty="0">
+                        <a:rPr lang="en-US" sz="1200" kern="100">
                           <a:effectLst/>
                         </a:rPr>
                         <a:t>2</a:t>
@@ -14432,7 +14477,7 @@
                     <a:p>
                       <a:pPr algn="r"/>
                       <a:r>
-                        <a:rPr lang="en-US" sz="1200" kern="100" dirty="0">
+                        <a:rPr lang="en-US" sz="1200" kern="100">
                           <a:effectLst/>
                         </a:rPr>
                         <a:t>0~3.46</a:t>
@@ -14473,7 +14518,7 @@
                     <a:p>
                       <a:pPr algn="r"/>
                       <a:r>
-                        <a:rPr lang="en-US" sz="1200" kern="100" dirty="0">
+                        <a:rPr lang="en-US" sz="1200" kern="100">
                           <a:effectLst/>
                         </a:rPr>
                         <a:t>3.4265</a:t>
@@ -14514,7 +14559,7 @@
                     <a:p>
                       <a:pPr algn="r"/>
                       <a:r>
-                        <a:rPr lang="en-US" sz="1200" kern="100" dirty="0">
+                        <a:rPr lang="en-US" sz="1200" kern="100">
                           <a:effectLst/>
                         </a:rPr>
                         <a:t>0.9884</a:t>
@@ -14562,7 +14607,7 @@
                     <a:p>
                       <a:pPr algn="ctr"/>
                       <a:r>
-                        <a:rPr lang="en-US" sz="1200" kern="100" dirty="0">
+                        <a:rPr lang="en-US" sz="1200" kern="100">
                           <a:effectLst/>
                         </a:rPr>
                         <a:t>3</a:t>
@@ -14609,7 +14654,7 @@
                     <a:p>
                       <a:pPr algn="r"/>
                       <a:r>
-                        <a:rPr lang="en-US" sz="1200" kern="100" dirty="0">
+                        <a:rPr lang="en-US" sz="1200" kern="100">
                           <a:effectLst/>
                         </a:rPr>
                         <a:t>0~7.98</a:t>
@@ -14650,7 +14695,7 @@
                     <a:p>
                       <a:pPr algn="r"/>
                       <a:r>
-                        <a:rPr lang="en-US" sz="1200" kern="100" dirty="0">
+                        <a:rPr lang="en-US" sz="1200" kern="100">
                           <a:effectLst/>
                         </a:rPr>
                         <a:t>1.3460</a:t>
@@ -14691,7 +14736,7 @@
                     <a:p>
                       <a:pPr algn="r"/>
                       <a:r>
-                        <a:rPr lang="en-US" sz="1200" kern="100" dirty="0">
+                        <a:rPr lang="en-US" sz="1200" kern="100">
                           <a:effectLst/>
                         </a:rPr>
                         <a:t>0.9948</a:t>
@@ -14794,7 +14839,7 @@
           <a:lstStyle/>
           <a:p>
             <a:r>
-              <a:rPr lang="en" altLang="ja-JP" dirty="0">
+              <a:rPr lang="en" altLang="ja-JP">
                 <a:solidFill>
                   <a:schemeClr val="accent1">
                     <a:lumMod val="60000"/>
@@ -14881,7 +14926,7 @@
               </a:rPr>
               <a:t>酢酸ニッケルから塩基性酢酸ニッケル塩の合成</a:t>
             </a:r>
-            <a:endParaRPr lang="en-US" altLang="ja-JP" sz="2100" dirty="0">
+            <a:endParaRPr lang="en-US" altLang="ja-JP" sz="2100">
               <a:latin typeface="MS Gothic" panose="020B0609070205080204" pitchFamily="49" charset="-128"/>
               <a:ea typeface="MS Gothic" panose="020B0609070205080204" pitchFamily="49" charset="-128"/>
             </a:endParaRPr>
@@ -14891,7 +14936,7 @@
               <a:buFont typeface="+mj-lt"/>
               <a:buAutoNum type="arabicPeriod"/>
             </a:pPr>
-            <a:endParaRPr lang="en-US" altLang="ja-JP" sz="2100" dirty="0">
+            <a:endParaRPr lang="en-US" altLang="ja-JP" sz="2100">
               <a:latin typeface="MS Gothic" panose="020B0609070205080204" pitchFamily="49" charset="-128"/>
               <a:ea typeface="MS Gothic" panose="020B0609070205080204" pitchFamily="49" charset="-128"/>
             </a:endParaRPr>
@@ -14901,25 +14946,25 @@
               <a:buFont typeface="+mj-lt"/>
               <a:buAutoNum type="arabicPeriod"/>
             </a:pPr>
-            <a:endParaRPr lang="en-US" altLang="ja-JP" sz="2100" dirty="0">
+            <a:endParaRPr lang="en-US" altLang="ja-JP" sz="2100">
               <a:latin typeface="MS Gothic" panose="020B0609070205080204" pitchFamily="49" charset="-128"/>
               <a:ea typeface="MS Gothic" panose="020B0609070205080204" pitchFamily="49" charset="-128"/>
             </a:endParaRPr>
           </a:p>
           <a:p>
-            <a:endParaRPr lang="en-US" altLang="ja-JP" sz="2100" dirty="0">
+            <a:endParaRPr lang="en-US" altLang="ja-JP" sz="2100">
               <a:latin typeface="MS Gothic" panose="020B0609070205080204" pitchFamily="49" charset="-128"/>
               <a:ea typeface="MS Gothic" panose="020B0609070205080204" pitchFamily="49" charset="-128"/>
             </a:endParaRPr>
           </a:p>
           <a:p>
-            <a:endParaRPr lang="en-US" altLang="ja-JP" sz="2100" dirty="0">
+            <a:endParaRPr lang="en-US" altLang="ja-JP" sz="2100">
               <a:latin typeface="MS Gothic" panose="020B0609070205080204" pitchFamily="49" charset="-128"/>
               <a:ea typeface="MS Gothic" panose="020B0609070205080204" pitchFamily="49" charset="-128"/>
             </a:endParaRPr>
           </a:p>
           <a:p>
-            <a:endParaRPr lang="en-US" altLang="ja-JP" sz="2100" dirty="0">
+            <a:endParaRPr lang="en-US" altLang="ja-JP" sz="2100">
               <a:latin typeface="MS Gothic" panose="020B0609070205080204" pitchFamily="49" charset="-128"/>
               <a:ea typeface="MS Gothic" panose="020B0609070205080204" pitchFamily="49" charset="-128"/>
             </a:endParaRPr>
@@ -14936,7 +14981,7 @@
               </a:rPr>
               <a:t>塩基性酢酸ニッケル塩の層間隔をイオン交換により拡大</a:t>
             </a:r>
-            <a:endParaRPr lang="en-US" altLang="ja-JP" sz="2100" dirty="0">
+            <a:endParaRPr lang="en-US" altLang="ja-JP" sz="2100">
               <a:latin typeface="MS Gothic" panose="020B0609070205080204" pitchFamily="49" charset="-128"/>
               <a:ea typeface="MS Gothic" panose="020B0609070205080204" pitchFamily="49" charset="-128"/>
             </a:endParaRPr>
@@ -14975,7 +15020,7 @@
               <a:p>
                 <a:pPr fontAlgn="base"/>
                 <a:r>
-                  <a:rPr lang="en-US" altLang="ja-JP" sz="1350" dirty="0">
+                  <a:rPr lang="en-US" altLang="ja-JP" sz="1350">
                     <a:latin typeface="Yu Mincho" panose="02020400000000000000" pitchFamily="18" charset="-128"/>
                     <a:ea typeface="Yu Mincho" panose="02020400000000000000" pitchFamily="18" charset="-128"/>
                     <a:cs typeface="ＭＳ Ｐゴシック" panose="020B0600070205080204" pitchFamily="34" charset="-128"/>
@@ -14983,7 +15028,7 @@
                   <a:t>2Ni(CH</a:t>
                 </a:r>
                 <a:r>
-                  <a:rPr lang="en-US" altLang="ja-JP" sz="1350" baseline="-25000" dirty="0">
+                  <a:rPr lang="en-US" altLang="ja-JP" sz="1350" baseline="-25000">
                     <a:latin typeface="Yu Mincho" panose="02020400000000000000" pitchFamily="18" charset="-128"/>
                     <a:ea typeface="Yu Mincho" panose="02020400000000000000" pitchFamily="18" charset="-128"/>
                     <a:cs typeface="ＭＳ Ｐゴシック" panose="020B0600070205080204" pitchFamily="34" charset="-128"/>
@@ -14991,7 +15036,7 @@
                   <a:t>3</a:t>
                 </a:r>
                 <a:r>
-                  <a:rPr lang="en-US" altLang="ja-JP" sz="1350" dirty="0">
+                  <a:rPr lang="en-US" altLang="ja-JP" sz="1350">
                     <a:latin typeface="Yu Mincho" panose="02020400000000000000" pitchFamily="18" charset="-128"/>
                     <a:ea typeface="Yu Mincho" panose="02020400000000000000" pitchFamily="18" charset="-128"/>
                     <a:cs typeface="ＭＳ Ｐゴシック" panose="020B0600070205080204" pitchFamily="34" charset="-128"/>
@@ -14999,7 +15044,7 @@
                   <a:t>COO)</a:t>
                 </a:r>
                 <a:r>
-                  <a:rPr lang="en-US" altLang="ja-JP" sz="1350" baseline="-25000" dirty="0">
+                  <a:rPr lang="en-US" altLang="ja-JP" sz="1350" baseline="-25000">
                     <a:latin typeface="Yu Mincho" panose="02020400000000000000" pitchFamily="18" charset="-128"/>
                     <a:ea typeface="Yu Mincho" panose="02020400000000000000" pitchFamily="18" charset="-128"/>
                     <a:cs typeface="ＭＳ Ｐゴシック" panose="020B0600070205080204" pitchFamily="34" charset="-128"/>
@@ -15015,7 +15060,7 @@
                   <a:t>・</a:t>
                 </a:r>
                 <a:r>
-                  <a:rPr lang="en-US" altLang="ja-JP" sz="1350" dirty="0">
+                  <a:rPr lang="en-US" altLang="ja-JP" sz="1350">
                     <a:latin typeface="Yu Mincho" panose="02020400000000000000" pitchFamily="18" charset="-128"/>
                     <a:ea typeface="Yu Mincho" panose="02020400000000000000" pitchFamily="18" charset="-128"/>
                     <a:cs typeface="ＭＳ Ｐゴシック" panose="020B0600070205080204" pitchFamily="34" charset="-128"/>
@@ -15023,7 +15068,7 @@
                   <a:t>4H</a:t>
                 </a:r>
                 <a:r>
-                  <a:rPr lang="en-US" altLang="ja-JP" sz="1350" baseline="-25000" dirty="0">
+                  <a:rPr lang="en-US" altLang="ja-JP" sz="1350" baseline="-25000">
                     <a:latin typeface="Yu Mincho" panose="02020400000000000000" pitchFamily="18" charset="-128"/>
                     <a:ea typeface="Yu Mincho" panose="02020400000000000000" pitchFamily="18" charset="-128"/>
                     <a:cs typeface="ＭＳ Ｐゴシック" panose="020B0600070205080204" pitchFamily="34" charset="-128"/>
@@ -15031,7 +15076,7 @@
                   <a:t>2</a:t>
                 </a:r>
                 <a:r>
-                  <a:rPr lang="en-US" altLang="ja-JP" sz="1350" dirty="0">
+                  <a:rPr lang="en-US" altLang="ja-JP" sz="1350">
                     <a:latin typeface="Yu Mincho" panose="02020400000000000000" pitchFamily="18" charset="-128"/>
                     <a:ea typeface="Yu Mincho" panose="02020400000000000000" pitchFamily="18" charset="-128"/>
                     <a:cs typeface="ＭＳ Ｐゴシック" panose="020B0600070205080204" pitchFamily="34" charset="-128"/>
@@ -15087,7 +15132,7 @@
                   </m:oMath>
                 </a14:m>
                 <a:r>
-                  <a:rPr lang="en-US" altLang="ja-JP" sz="1350" dirty="0">
+                  <a:rPr lang="en-US" altLang="ja-JP" sz="1350">
                     <a:latin typeface="Yu Mincho" panose="02020400000000000000" pitchFamily="18" charset="-128"/>
                     <a:ea typeface="Yu Mincho" panose="02020400000000000000" pitchFamily="18" charset="-128"/>
                     <a:cs typeface="Times New Roman" panose="02020603050405020304" pitchFamily="18" charset="0"/>
@@ -15095,7 +15140,7 @@
                   <a:t>   Ni</a:t>
                 </a:r>
                 <a:r>
-                  <a:rPr lang="en-US" altLang="ja-JP" sz="1350" baseline="-25000" dirty="0">
+                  <a:rPr lang="en-US" altLang="ja-JP" sz="1350" baseline="-25000">
                     <a:latin typeface="Yu Mincho" panose="02020400000000000000" pitchFamily="18" charset="-128"/>
                     <a:ea typeface="Yu Mincho" panose="02020400000000000000" pitchFamily="18" charset="-128"/>
                     <a:cs typeface="Times New Roman" panose="02020603050405020304" pitchFamily="18" charset="0"/>
@@ -15103,7 +15148,7 @@
                   <a:t>2</a:t>
                 </a:r>
                 <a:r>
-                  <a:rPr lang="en-US" altLang="ja-JP" sz="1350" dirty="0">
+                  <a:rPr lang="en-US" altLang="ja-JP" sz="1350">
                     <a:latin typeface="Yu Mincho" panose="02020400000000000000" pitchFamily="18" charset="-128"/>
                     <a:ea typeface="Yu Mincho" panose="02020400000000000000" pitchFamily="18" charset="-128"/>
                     <a:cs typeface="Times New Roman" panose="02020603050405020304" pitchFamily="18" charset="0"/>
@@ -15111,7 +15156,7 @@
                   <a:t>(OH)</a:t>
                 </a:r>
                 <a:r>
-                  <a:rPr lang="en-US" altLang="ja-JP" sz="1350" baseline="-25000" dirty="0">
+                  <a:rPr lang="en-US" altLang="ja-JP" sz="1350" baseline="-25000">
                     <a:latin typeface="Yu Mincho" panose="02020400000000000000" pitchFamily="18" charset="-128"/>
                     <a:ea typeface="Yu Mincho" panose="02020400000000000000" pitchFamily="18" charset="-128"/>
                     <a:cs typeface="Times New Roman" panose="02020603050405020304" pitchFamily="18" charset="0"/>
@@ -15119,7 +15164,7 @@
                   <a:t>3</a:t>
                 </a:r>
                 <a:r>
-                  <a:rPr lang="en-US" altLang="ja-JP" sz="1350" dirty="0">
+                  <a:rPr lang="en-US" altLang="ja-JP" sz="1350">
                     <a:latin typeface="Yu Mincho" panose="02020400000000000000" pitchFamily="18" charset="-128"/>
                     <a:ea typeface="Yu Mincho" panose="02020400000000000000" pitchFamily="18" charset="-128"/>
                     <a:cs typeface="Times New Roman" panose="02020603050405020304" pitchFamily="18" charset="0"/>
@@ -15127,7 +15172,7 @@
                   <a:t>(CH</a:t>
                 </a:r>
                 <a:r>
-                  <a:rPr lang="en-US" altLang="ja-JP" sz="1350" baseline="-25000" dirty="0">
+                  <a:rPr lang="en-US" altLang="ja-JP" sz="1350" baseline="-25000">
                     <a:latin typeface="Yu Mincho" panose="02020400000000000000" pitchFamily="18" charset="-128"/>
                     <a:ea typeface="Yu Mincho" panose="02020400000000000000" pitchFamily="18" charset="-128"/>
                     <a:cs typeface="Times New Roman" panose="02020603050405020304" pitchFamily="18" charset="0"/>
@@ -15135,7 +15180,7 @@
                   <a:t>3</a:t>
                 </a:r>
                 <a:r>
-                  <a:rPr lang="en-US" altLang="ja-JP" sz="1350" dirty="0">
+                  <a:rPr lang="en-US" altLang="ja-JP" sz="1350">
                     <a:latin typeface="Yu Mincho" panose="02020400000000000000" pitchFamily="18" charset="-128"/>
                     <a:ea typeface="Yu Mincho" panose="02020400000000000000" pitchFamily="18" charset="-128"/>
                     <a:cs typeface="Times New Roman" panose="02020603050405020304" pitchFamily="18" charset="0"/>
@@ -15151,7 +15196,7 @@
                   <a:t>・</a:t>
                 </a:r>
                 <a:r>
-                  <a:rPr lang="en-US" altLang="ja-JP" sz="1350" dirty="0">
+                  <a:rPr lang="en-US" altLang="ja-JP" sz="1350">
                     <a:latin typeface="Yu Mincho" panose="02020400000000000000" pitchFamily="18" charset="-128"/>
                     <a:ea typeface="Yu Mincho" panose="02020400000000000000" pitchFamily="18" charset="-128"/>
                     <a:cs typeface="Times New Roman" panose="02020603050405020304" pitchFamily="18" charset="0"/>
@@ -15159,7 +15204,7 @@
                   <a:t>H</a:t>
                 </a:r>
                 <a:r>
-                  <a:rPr lang="en-US" altLang="ja-JP" sz="1350" baseline="-25000" dirty="0">
+                  <a:rPr lang="en-US" altLang="ja-JP" sz="1350" baseline="-25000">
                     <a:latin typeface="Yu Mincho" panose="02020400000000000000" pitchFamily="18" charset="-128"/>
                     <a:ea typeface="Yu Mincho" panose="02020400000000000000" pitchFamily="18" charset="-128"/>
                     <a:cs typeface="Times New Roman" panose="02020603050405020304" pitchFamily="18" charset="0"/>
@@ -15167,7 +15212,7 @@
                   <a:t>2</a:t>
                 </a:r>
                 <a:r>
-                  <a:rPr lang="en-US" altLang="ja-JP" sz="1350" dirty="0">
+                  <a:rPr lang="en-US" altLang="ja-JP" sz="1350">
                     <a:latin typeface="Yu Mincho" panose="02020400000000000000" pitchFamily="18" charset="-128"/>
                     <a:ea typeface="Yu Mincho" panose="02020400000000000000" pitchFamily="18" charset="-128"/>
                     <a:cs typeface="Times New Roman" panose="02020603050405020304" pitchFamily="18" charset="0"/>
@@ -15175,7 +15220,7 @@
                   <a:t>O + 3CH</a:t>
                 </a:r>
                 <a:r>
-                  <a:rPr lang="en-US" altLang="ja-JP" sz="1350" baseline="-25000" dirty="0">
+                  <a:rPr lang="en-US" altLang="ja-JP" sz="1350" baseline="-25000">
                     <a:latin typeface="Yu Mincho" panose="02020400000000000000" pitchFamily="18" charset="-128"/>
                     <a:ea typeface="Yu Mincho" panose="02020400000000000000" pitchFamily="18" charset="-128"/>
                     <a:cs typeface="Times New Roman" panose="02020603050405020304" pitchFamily="18" charset="0"/>
@@ -15183,7 +15228,7 @@
                   <a:t>3</a:t>
                 </a:r>
                 <a:r>
-                  <a:rPr lang="en-US" altLang="ja-JP" sz="1350" dirty="0">
+                  <a:rPr lang="en-US" altLang="ja-JP" sz="1350">
                     <a:latin typeface="Yu Mincho" panose="02020400000000000000" pitchFamily="18" charset="-128"/>
                     <a:ea typeface="Yu Mincho" panose="02020400000000000000" pitchFamily="18" charset="-128"/>
                     <a:cs typeface="Times New Roman" panose="02020603050405020304" pitchFamily="18" charset="0"/>
@@ -15197,7 +15242,7 @@
                   </a:rPr>
                   <a:t> </a:t>
                 </a:r>
-                <a:endParaRPr lang="en-US" altLang="ja-JP" sz="1350" dirty="0">
+                <a:endParaRPr lang="en-US" altLang="ja-JP" sz="1350">
                   <a:latin typeface="Yu Mincho" panose="02020400000000000000" pitchFamily="18" charset="-128"/>
                   <a:ea typeface="Yu Mincho" panose="02020400000000000000" pitchFamily="18" charset="-128"/>
                 </a:endParaRPr>
@@ -15299,7 +15344,7 @@
             <a:lstStyle/>
             <a:p>
               <a:r>
-                <a:rPr lang="en-US" altLang="ja-JP" sz="1350" kern="100" dirty="0">
+                <a:rPr lang="en-US" altLang="ja-JP" sz="1350" kern="100">
                   <a:latin typeface="游明朝" panose="02020400000000000000" pitchFamily="18" charset="-128"/>
                   <a:ea typeface="游明朝" panose="02020400000000000000" pitchFamily="18" charset="-128"/>
                   <a:cs typeface="Arial" panose="020B0604020202020204" pitchFamily="34" charset="0"/>
@@ -15307,7 +15352,7 @@
                 <a:t>Ni(OH)</a:t>
               </a:r>
               <a:r>
-                <a:rPr lang="en-US" altLang="ja-JP" sz="1350" kern="100" baseline="-25000" dirty="0">
+                <a:rPr lang="en-US" altLang="ja-JP" sz="1350" kern="100" baseline="-25000">
                   <a:latin typeface="游明朝" panose="02020400000000000000" pitchFamily="18" charset="-128"/>
                   <a:ea typeface="游明朝" panose="02020400000000000000" pitchFamily="18" charset="-128"/>
                   <a:cs typeface="Arial" panose="020B0604020202020204" pitchFamily="34" charset="0"/>
@@ -15315,7 +15360,7 @@
                 <a:t>3</a:t>
               </a:r>
               <a:r>
-                <a:rPr lang="en-US" altLang="ja-JP" sz="1350" kern="100" dirty="0">
+                <a:rPr lang="en-US" altLang="ja-JP" sz="1350" kern="100">
                   <a:latin typeface="游明朝" panose="02020400000000000000" pitchFamily="18" charset="-128"/>
                   <a:ea typeface="游明朝" panose="02020400000000000000" pitchFamily="18" charset="-128"/>
                   <a:cs typeface="Arial" panose="020B0604020202020204" pitchFamily="34" charset="0"/>
@@ -15323,7 +15368,7 @@
                 <a:t>(CH</a:t>
               </a:r>
               <a:r>
-                <a:rPr lang="en-US" altLang="ja-JP" sz="1350" kern="100" baseline="-25000" dirty="0">
+                <a:rPr lang="en-US" altLang="ja-JP" sz="1350" kern="100" baseline="-25000">
                   <a:latin typeface="游明朝" panose="02020400000000000000" pitchFamily="18" charset="-128"/>
                   <a:ea typeface="游明朝" panose="02020400000000000000" pitchFamily="18" charset="-128"/>
                   <a:cs typeface="Arial" panose="020B0604020202020204" pitchFamily="34" charset="0"/>
@@ -15331,7 +15376,7 @@
                 <a:t>3</a:t>
               </a:r>
               <a:r>
-                <a:rPr lang="en-US" altLang="ja-JP" sz="1350" kern="100" dirty="0">
+                <a:rPr lang="en-US" altLang="ja-JP" sz="1350" kern="100">
                   <a:latin typeface="游明朝" panose="02020400000000000000" pitchFamily="18" charset="-128"/>
                   <a:ea typeface="游明朝" panose="02020400000000000000" pitchFamily="18" charset="-128"/>
                   <a:cs typeface="Arial" panose="020B0604020202020204" pitchFamily="34" charset="0"/>
@@ -15347,7 +15392,7 @@
                 <a:t>・</a:t>
               </a:r>
               <a:r>
-                <a:rPr lang="en-US" altLang="ja-JP" sz="1350" kern="100" dirty="0">
+                <a:rPr lang="en-US" altLang="ja-JP" sz="1350" kern="100">
                   <a:latin typeface="游明朝" panose="02020400000000000000" pitchFamily="18" charset="-128"/>
                   <a:ea typeface="游明朝" panose="02020400000000000000" pitchFamily="18" charset="-128"/>
                   <a:cs typeface="Arial" panose="020B0604020202020204" pitchFamily="34" charset="0"/>
@@ -15355,7 +15400,7 @@
                 <a:t>H</a:t>
               </a:r>
               <a:r>
-                <a:rPr lang="en-US" altLang="ja-JP" sz="1350" kern="100" baseline="-25000" dirty="0">
+                <a:rPr lang="en-US" altLang="ja-JP" sz="1350" kern="100" baseline="-25000">
                   <a:latin typeface="游明朝" panose="02020400000000000000" pitchFamily="18" charset="-128"/>
                   <a:ea typeface="游明朝" panose="02020400000000000000" pitchFamily="18" charset="-128"/>
                   <a:cs typeface="Arial" panose="020B0604020202020204" pitchFamily="34" charset="0"/>
@@ -15363,7 +15408,7 @@
                 <a:t>2</a:t>
               </a:r>
               <a:r>
-                <a:rPr lang="en-US" altLang="ja-JP" sz="1350" kern="100" dirty="0">
+                <a:rPr lang="en-US" altLang="ja-JP" sz="1350" kern="100">
                   <a:latin typeface="游明朝" panose="02020400000000000000" pitchFamily="18" charset="-128"/>
                   <a:ea typeface="游明朝" panose="02020400000000000000" pitchFamily="18" charset="-128"/>
                   <a:cs typeface="Arial" panose="020B0604020202020204" pitchFamily="34" charset="0"/>
@@ -15495,7 +15540,7 @@
               <a:lstStyle/>
               <a:p>
                 <a:r>
-                  <a:rPr lang="en-US" altLang="ja-JP" sz="825" dirty="0">
+                  <a:rPr lang="en-US" altLang="ja-JP" sz="825">
                     <a:latin typeface="Yu Mincho" panose="02020400000000000000" pitchFamily="18" charset="-128"/>
                     <a:ea typeface="Yu Mincho" panose="02020400000000000000" pitchFamily="18" charset="-128"/>
                   </a:rPr>
@@ -15509,7 +15554,7 @@
                   <a:t> </a:t>
                 </a:r>
                 <a:r>
-                  <a:rPr lang="en-US" altLang="ja-JP" sz="825" dirty="0">
+                  <a:rPr lang="en-US" altLang="ja-JP" sz="825">
                     <a:latin typeface="Yu Mincho" panose="02020400000000000000" pitchFamily="18" charset="-128"/>
                     <a:ea typeface="Yu Mincho" panose="02020400000000000000" pitchFamily="18" charset="-128"/>
                   </a:rPr>
@@ -15551,7 +15596,7 @@
               <a:lstStyle/>
               <a:p>
                 <a:r>
-                  <a:rPr lang="en-US" altLang="ja-JP" sz="1050" dirty="0">
+                  <a:rPr lang="en-US" altLang="ja-JP" sz="1050">
                     <a:latin typeface="Yu Mincho" panose="02020400000000000000" pitchFamily="18" charset="-128"/>
                     <a:ea typeface="Yu Mincho" panose="02020400000000000000" pitchFamily="18" charset="-128"/>
                   </a:rPr>
@@ -15594,7 +15639,7 @@
             <a:lstStyle/>
             <a:p>
               <a:r>
-                <a:rPr lang="en-US" altLang="ja-JP" sz="1350" dirty="0">
+                <a:rPr lang="en-US" altLang="ja-JP" sz="1350">
                   <a:latin typeface="Yu Mincho" panose="02020400000000000000" pitchFamily="18" charset="-128"/>
                   <a:ea typeface="Yu Mincho" panose="02020400000000000000" pitchFamily="18" charset="-128"/>
                   <a:cs typeface="Arial" panose="020B0604020202020204" pitchFamily="34" charset="0"/>
@@ -15602,7 +15647,7 @@
                 <a:t>Ni(OH)</a:t>
               </a:r>
               <a:r>
-                <a:rPr lang="en-US" altLang="ja-JP" sz="1350" baseline="-25000" dirty="0">
+                <a:rPr lang="en-US" altLang="ja-JP" sz="1350" baseline="-25000">
                   <a:latin typeface="Yu Mincho" panose="02020400000000000000" pitchFamily="18" charset="-128"/>
                   <a:ea typeface="Yu Mincho" panose="02020400000000000000" pitchFamily="18" charset="-128"/>
                   <a:cs typeface="Arial" panose="020B0604020202020204" pitchFamily="34" charset="0"/>
@@ -15610,7 +15655,7 @@
                 <a:t>3</a:t>
               </a:r>
               <a:r>
-                <a:rPr lang="en-US" altLang="ja-JP" sz="1350" dirty="0">
+                <a:rPr lang="en-US" altLang="ja-JP" sz="1350">
                   <a:latin typeface="Yu Mincho" panose="02020400000000000000" pitchFamily="18" charset="-128"/>
                   <a:ea typeface="Yu Mincho" panose="02020400000000000000" pitchFamily="18" charset="-128"/>
                   <a:cs typeface="Arial" panose="020B0604020202020204" pitchFamily="34" charset="0"/>
@@ -15618,7 +15663,7 @@
                 <a:t>(CH</a:t>
               </a:r>
               <a:r>
-                <a:rPr lang="en-US" altLang="ja-JP" sz="1350" baseline="-25000" dirty="0">
+                <a:rPr lang="en-US" altLang="ja-JP" sz="1350" baseline="-25000">
                   <a:latin typeface="Yu Mincho" panose="02020400000000000000" pitchFamily="18" charset="-128"/>
                   <a:ea typeface="Yu Mincho" panose="02020400000000000000" pitchFamily="18" charset="-128"/>
                   <a:cs typeface="Arial" panose="020B0604020202020204" pitchFamily="34" charset="0"/>
@@ -15626,7 +15671,7 @@
                 <a:t>3</a:t>
               </a:r>
               <a:r>
-                <a:rPr lang="en-US" altLang="ja-JP" sz="1350" dirty="0">
+                <a:rPr lang="en-US" altLang="ja-JP" sz="1350">
                   <a:latin typeface="Yu Mincho" panose="02020400000000000000" pitchFamily="18" charset="-128"/>
                   <a:ea typeface="Yu Mincho" panose="02020400000000000000" pitchFamily="18" charset="-128"/>
                   <a:cs typeface="Arial" panose="020B0604020202020204" pitchFamily="34" charset="0"/>
@@ -15634,7 +15679,7 @@
                 <a:t>(CH</a:t>
               </a:r>
               <a:r>
-                <a:rPr lang="en-US" altLang="ja-JP" sz="1350" baseline="-25000" dirty="0">
+                <a:rPr lang="en-US" altLang="ja-JP" sz="1350" baseline="-25000">
                   <a:latin typeface="Yu Mincho" panose="02020400000000000000" pitchFamily="18" charset="-128"/>
                   <a:ea typeface="Yu Mincho" panose="02020400000000000000" pitchFamily="18" charset="-128"/>
                   <a:cs typeface="Arial" panose="020B0604020202020204" pitchFamily="34" charset="0"/>
@@ -15642,7 +15687,7 @@
                 <a:t>2</a:t>
               </a:r>
               <a:r>
-                <a:rPr lang="en-US" altLang="ja-JP" sz="1350" dirty="0">
+                <a:rPr lang="en-US" altLang="ja-JP" sz="1350">
                   <a:latin typeface="Yu Mincho" panose="02020400000000000000" pitchFamily="18" charset="-128"/>
                   <a:ea typeface="Yu Mincho" panose="02020400000000000000" pitchFamily="18" charset="-128"/>
                   <a:cs typeface="Arial" panose="020B0604020202020204" pitchFamily="34" charset="0"/>
@@ -15650,7 +15695,7 @@
                 <a:t>)</a:t>
               </a:r>
               <a:r>
-                <a:rPr lang="en-US" altLang="ja-JP" sz="1350" baseline="-25000" dirty="0">
+                <a:rPr lang="en-US" altLang="ja-JP" sz="1350" baseline="-25000">
                   <a:latin typeface="Yu Mincho" panose="02020400000000000000" pitchFamily="18" charset="-128"/>
                   <a:ea typeface="Yu Mincho" panose="02020400000000000000" pitchFamily="18" charset="-128"/>
                   <a:cs typeface="Arial" panose="020B0604020202020204" pitchFamily="34" charset="0"/>
@@ -15658,7 +15703,7 @@
                 <a:t>11</a:t>
               </a:r>
               <a:r>
-                <a:rPr lang="en-US" altLang="ja-JP" sz="1350" dirty="0">
+                <a:rPr lang="en-US" altLang="ja-JP" sz="1350">
                   <a:latin typeface="Yu Mincho" panose="02020400000000000000" pitchFamily="18" charset="-128"/>
                   <a:ea typeface="Yu Mincho" panose="02020400000000000000" pitchFamily="18" charset="-128"/>
                   <a:cs typeface="Arial" panose="020B0604020202020204" pitchFamily="34" charset="0"/>
@@ -15666,7 +15711,7 @@
                 <a:t>C</a:t>
               </a:r>
               <a:r>
-                <a:rPr lang="en-US" altLang="ja-JP" sz="1350" baseline="-25000" dirty="0">
+                <a:rPr lang="en-US" altLang="ja-JP" sz="1350" baseline="-25000">
                   <a:latin typeface="Yu Mincho" panose="02020400000000000000" pitchFamily="18" charset="-128"/>
                   <a:ea typeface="Yu Mincho" panose="02020400000000000000" pitchFamily="18" charset="-128"/>
                   <a:cs typeface="Arial" panose="020B0604020202020204" pitchFamily="34" charset="0"/>
@@ -15674,7 +15719,7 @@
                 <a:t>6</a:t>
               </a:r>
               <a:r>
-                <a:rPr lang="en-US" altLang="ja-JP" sz="1350" dirty="0">
+                <a:rPr lang="en-US" altLang="ja-JP" sz="1350">
                   <a:latin typeface="Yu Mincho" panose="02020400000000000000" pitchFamily="18" charset="-128"/>
                   <a:ea typeface="Yu Mincho" panose="02020400000000000000" pitchFamily="18" charset="-128"/>
                   <a:cs typeface="Arial" panose="020B0604020202020204" pitchFamily="34" charset="0"/>
@@ -15682,7 +15727,7 @@
                 <a:t>H</a:t>
               </a:r>
               <a:r>
-                <a:rPr lang="en-US" altLang="ja-JP" sz="1350" baseline="-25000" dirty="0">
+                <a:rPr lang="en-US" altLang="ja-JP" sz="1350" baseline="-25000">
                   <a:latin typeface="Yu Mincho" panose="02020400000000000000" pitchFamily="18" charset="-128"/>
                   <a:ea typeface="Yu Mincho" panose="02020400000000000000" pitchFamily="18" charset="-128"/>
                   <a:cs typeface="Arial" panose="020B0604020202020204" pitchFamily="34" charset="0"/>
@@ -15690,7 +15735,7 @@
                 <a:t>4</a:t>
               </a:r>
               <a:r>
-                <a:rPr lang="en-US" altLang="ja-JP" sz="1350" dirty="0">
+                <a:rPr lang="en-US" altLang="ja-JP" sz="1350">
                   <a:latin typeface="Yu Mincho" panose="02020400000000000000" pitchFamily="18" charset="-128"/>
                   <a:ea typeface="Yu Mincho" panose="02020400000000000000" pitchFamily="18" charset="-128"/>
                   <a:cs typeface="Arial" panose="020B0604020202020204" pitchFamily="34" charset="0"/>
@@ -15698,7 +15743,7 @@
                 <a:t>SO</a:t>
               </a:r>
               <a:r>
-                <a:rPr lang="en-US" altLang="ja-JP" sz="1350" baseline="-25000" dirty="0">
+                <a:rPr lang="en-US" altLang="ja-JP" sz="1350" baseline="-25000">
                   <a:latin typeface="Yu Mincho" panose="02020400000000000000" pitchFamily="18" charset="-128"/>
                   <a:ea typeface="Yu Mincho" panose="02020400000000000000" pitchFamily="18" charset="-128"/>
                   <a:cs typeface="Arial" panose="020B0604020202020204" pitchFamily="34" charset="0"/>
@@ -15706,7 +15751,7 @@
                 <a:t>3</a:t>
               </a:r>
               <a:r>
-                <a:rPr lang="en-US" altLang="ja-JP" sz="1350" dirty="0">
+                <a:rPr lang="en-US" altLang="ja-JP" sz="1350">
                   <a:latin typeface="Yu Mincho" panose="02020400000000000000" pitchFamily="18" charset="-128"/>
                   <a:ea typeface="Yu Mincho" panose="02020400000000000000" pitchFamily="18" charset="-128"/>
                   <a:cs typeface="Arial" panose="020B0604020202020204" pitchFamily="34" charset="0"/>
@@ -15722,7 +15767,7 @@
                 <a:t>・</a:t>
               </a:r>
               <a:r>
-                <a:rPr lang="en-US" altLang="ja-JP" sz="1350" dirty="0">
+                <a:rPr lang="en-US" altLang="ja-JP" sz="1350">
                   <a:latin typeface="Yu Mincho" panose="02020400000000000000" pitchFamily="18" charset="-128"/>
                   <a:ea typeface="Yu Mincho" panose="02020400000000000000" pitchFamily="18" charset="-128"/>
                   <a:cs typeface="Arial" panose="020B0604020202020204" pitchFamily="34" charset="0"/>
@@ -15730,7 +15775,7 @@
                 <a:t>H</a:t>
               </a:r>
               <a:r>
-                <a:rPr lang="en-US" altLang="ja-JP" sz="1350" baseline="-25000" dirty="0">
+                <a:rPr lang="en-US" altLang="ja-JP" sz="1350" baseline="-25000">
                   <a:latin typeface="Yu Mincho" panose="02020400000000000000" pitchFamily="18" charset="-128"/>
                   <a:ea typeface="Yu Mincho" panose="02020400000000000000" pitchFamily="18" charset="-128"/>
                   <a:cs typeface="Arial" panose="020B0604020202020204" pitchFamily="34" charset="0"/>
@@ -15738,7 +15783,7 @@
                 <a:t>2</a:t>
               </a:r>
               <a:r>
-                <a:rPr lang="en-US" altLang="ja-JP" sz="1350" dirty="0">
+                <a:rPr lang="en-US" altLang="ja-JP" sz="1350">
                   <a:latin typeface="Yu Mincho" panose="02020400000000000000" pitchFamily="18" charset="-128"/>
                   <a:ea typeface="Yu Mincho" panose="02020400000000000000" pitchFamily="18" charset="-128"/>
                   <a:cs typeface="Arial" panose="020B0604020202020204" pitchFamily="34" charset="0"/>
@@ -15831,7 +15876,7 @@
               <a:lstStyle/>
               <a:p>
                 <a:r>
-                  <a:rPr lang="en-US" altLang="ja-JP" sz="1050" dirty="0">
+                  <a:rPr lang="en-US" altLang="ja-JP" sz="1050">
                     <a:latin typeface="Yu Mincho" panose="02020400000000000000" pitchFamily="18" charset="-128"/>
                     <a:ea typeface="Yu Mincho" panose="02020400000000000000" pitchFamily="18" charset="-128"/>
                   </a:rPr>
@@ -15915,7 +15960,7 @@
               <a:lstStyle/>
               <a:p>
                 <a:r>
-                  <a:rPr lang="en-US" altLang="ja-JP" sz="825" dirty="0">
+                  <a:rPr lang="en-US" altLang="ja-JP" sz="825">
                     <a:latin typeface="Yu Mincho" panose="02020400000000000000" pitchFamily="18" charset="-128"/>
                     <a:ea typeface="Yu Mincho" panose="02020400000000000000" pitchFamily="18" charset="-128"/>
                   </a:rPr>
@@ -15929,7 +15974,7 @@
                   <a:t> </a:t>
                 </a:r>
                 <a:r>
-                  <a:rPr lang="en-US" altLang="ja-JP" sz="825" dirty="0">
+                  <a:rPr lang="en-US" altLang="ja-JP" sz="825">
                     <a:latin typeface="Yu Mincho" panose="02020400000000000000" pitchFamily="18" charset="-128"/>
                     <a:ea typeface="Yu Mincho" panose="02020400000000000000" pitchFamily="18" charset="-128"/>
                   </a:rPr>
@@ -16027,7 +16072,7 @@
             <a:p>
               <a:pPr algn="ctr"/>
               <a:r>
-                <a:rPr lang="en-US" altLang="ja-JP" sz="1050" dirty="0">
+                <a:rPr lang="en-US" altLang="ja-JP" sz="1050">
                   <a:latin typeface="Yu Mincho" panose="02020400000000000000" pitchFamily="18" charset="-128"/>
                   <a:ea typeface="Yu Mincho" panose="02020400000000000000" pitchFamily="18" charset="-128"/>
                 </a:rPr>
@@ -16044,7 +16089,7 @@
                 <a:t>室温</a:t>
               </a:r>
               <a:r>
-                <a:rPr lang="en-US" altLang="ja-JP" sz="1050" dirty="0">
+                <a:rPr lang="en-US" altLang="ja-JP" sz="1050">
                   <a:latin typeface="Yu Mincho" panose="02020400000000000000" pitchFamily="18" charset="-128"/>
                   <a:ea typeface="Yu Mincho" panose="02020400000000000000" pitchFamily="18" charset="-128"/>
                 </a:rPr>
@@ -16122,7 +16167,7 @@
               <a:t>サイクリックボルタンメトリー</a:t>
             </a:r>
             <a:r>
-              <a:rPr lang="en-US" altLang="ja-JP" sz="2100" dirty="0">
+              <a:rPr lang="en-US" altLang="ja-JP" sz="2100">
                 <a:latin typeface="HGSSoeiKakugothicUB" panose="020B0900000000000000" pitchFamily="34" charset="-128"/>
                 <a:ea typeface="HGSSoeiKakugothicUB" panose="020B0900000000000000" pitchFamily="34" charset="-128"/>
               </a:rPr>
@@ -16553,7 +16598,7 @@
                   </a:rPr>
                   <a:t>参照極</a:t>
                 </a:r>
-                <a:endParaRPr lang="en-US" altLang="ja-JP" sz="1350" dirty="0">
+                <a:endParaRPr lang="en-US" altLang="ja-JP" sz="1350">
                   <a:latin typeface="Hiragino Maru Gothic ProN W4" panose="020F0400000000000000" pitchFamily="34" charset="-128"/>
                   <a:ea typeface="Hiragino Maru Gothic ProN W4" panose="020F0400000000000000" pitchFamily="34" charset="-128"/>
                 </a:endParaRPr>
@@ -16561,7 +16606,7 @@
               <a:p>
                 <a:pPr algn="ctr"/>
                 <a:r>
-                  <a:rPr lang="en-US" altLang="ja-JP" sz="1350" dirty="0">
+                  <a:rPr lang="en-US" altLang="ja-JP" sz="1350">
                     <a:latin typeface="Hiragino Maru Gothic ProN W4" panose="020F0400000000000000" pitchFamily="34" charset="-128"/>
                     <a:ea typeface="Hiragino Maru Gothic ProN W4" panose="020F0400000000000000" pitchFamily="34" charset="-128"/>
                   </a:rPr>
@@ -16574,10 +16619,6 @@
                   </a:rPr>
                   <a:t>電極</a:t>
                 </a:r>
-                <a:endParaRPr lang="ja-JP" altLang="en-US" sz="1350" dirty="0">
-                  <a:latin typeface="Hiragino Maru Gothic ProN W4" panose="020F0400000000000000" pitchFamily="34" charset="-128"/>
-                  <a:ea typeface="Hiragino Maru Gothic ProN W4" panose="020F0400000000000000" pitchFamily="34" charset="-128"/>
-                </a:endParaRPr>
               </a:p>
             </p:txBody>
           </p:sp>
@@ -16622,7 +16663,7 @@
                   </a:rPr>
                   <a:t>対極</a:t>
                 </a:r>
-                <a:endParaRPr lang="en-US" altLang="ja-JP" sz="1350" dirty="0">
+                <a:endParaRPr lang="en-US" altLang="ja-JP" sz="1350">
                   <a:latin typeface="Hiragino Maru Gothic ProN W4" panose="020F0400000000000000" pitchFamily="34" charset="-128"/>
                   <a:ea typeface="Hiragino Maru Gothic ProN W4" panose="020F0400000000000000" pitchFamily="34" charset="-128"/>
                 </a:endParaRPr>
@@ -16634,14 +16675,7 @@
                     <a:latin typeface="Hiragino Maru Gothic ProN W4" panose="020F0400000000000000" pitchFamily="34" charset="-128"/>
                     <a:ea typeface="Hiragino Maru Gothic ProN W4" panose="020F0400000000000000" pitchFamily="34" charset="-128"/>
                   </a:rPr>
-                  <a:t>白金</a:t>
-                </a:r>
-                <a:r>
-                  <a:rPr lang="ja-JP" altLang="en-US" sz="1350" dirty="0">
-                    <a:latin typeface="Hiragino Maru Gothic ProN W4" panose="020F0400000000000000" pitchFamily="34" charset="-128"/>
-                    <a:ea typeface="Hiragino Maru Gothic ProN W4" panose="020F0400000000000000" pitchFamily="34" charset="-128"/>
-                  </a:rPr>
-                  <a:t>線　</a:t>
+                  <a:t>白金線　</a:t>
                 </a:r>
               </a:p>
             </p:txBody>
@@ -16719,7 +16753,7 @@
               <a:p>
                 <a:pPr algn="ctr"/>
                 <a:r>
-                  <a:rPr lang="ja-JP" altLang="en-US" sz="1350" dirty="0">
+                  <a:rPr lang="ja-JP" altLang="en-US" sz="1350">
                     <a:latin typeface="Hiragino Maru Gothic ProN W4" panose="020F0400000000000000" pitchFamily="34" charset="-128"/>
                     <a:ea typeface="Hiragino Maru Gothic ProN W4" panose="020F0400000000000000" pitchFamily="34" charset="-128"/>
                   </a:rPr>
@@ -16769,7 +16803,7 @@
               <a:p>
                 <a:pPr algn="ctr"/>
                 <a:r>
-                  <a:rPr lang="en-US" altLang="ja-JP" sz="1350" dirty="0">
+                  <a:rPr lang="en-US" altLang="ja-JP" sz="1350">
                     <a:solidFill>
                       <a:schemeClr val="tx1"/>
                     </a:solidFill>
@@ -16778,7 +16812,7 @@
                   </a:rPr>
                   <a:t>0.1 M NaOH</a:t>
                 </a:r>
-                <a:endParaRPr lang="ja-JP" altLang="en-US" sz="1350" dirty="0">
+                <a:endParaRPr lang="ja-JP" altLang="en-US" sz="1350">
                   <a:solidFill>
                     <a:schemeClr val="tx1"/>
                   </a:solidFill>
@@ -17960,7 +17994,7 @@
                     </a:rPr>
                     <a:t>参照極</a:t>
                   </a:r>
-                  <a:endParaRPr lang="en-US" altLang="ja-JP" sz="1350" dirty="0">
+                  <a:endParaRPr lang="en-US" altLang="ja-JP" sz="1350">
                     <a:latin typeface="Hiragino Maru Gothic ProN W4" panose="020F0400000000000000" pitchFamily="34" charset="-128"/>
                     <a:ea typeface="Hiragino Maru Gothic ProN W4" panose="020F0400000000000000" pitchFamily="34" charset="-128"/>
                   </a:endParaRPr>
@@ -17968,7 +18002,7 @@
                 <a:p>
                   <a:pPr algn="ctr"/>
                   <a:r>
-                    <a:rPr lang="en-US" altLang="ja-JP" sz="1350" dirty="0">
+                    <a:rPr lang="en-US" altLang="ja-JP" sz="1350">
                       <a:latin typeface="Hiragino Maru Gothic ProN W4" panose="020F0400000000000000" pitchFamily="34" charset="-128"/>
                       <a:ea typeface="Hiragino Maru Gothic ProN W4" panose="020F0400000000000000" pitchFamily="34" charset="-128"/>
                     </a:rPr>
@@ -17981,10 +18015,6 @@
                     </a:rPr>
                     <a:t>電極</a:t>
                   </a:r>
-                  <a:endParaRPr lang="ja-JP" altLang="en-US" sz="1350" dirty="0">
-                    <a:latin typeface="Hiragino Maru Gothic ProN W4" panose="020F0400000000000000" pitchFamily="34" charset="-128"/>
-                    <a:ea typeface="Hiragino Maru Gothic ProN W4" panose="020F0400000000000000" pitchFamily="34" charset="-128"/>
-                  </a:endParaRPr>
                 </a:p>
               </p:txBody>
             </p:sp>
@@ -18035,7 +18065,7 @@
                     </a:rPr>
                     <a:t>対極</a:t>
                   </a:r>
-                  <a:endParaRPr lang="en-US" altLang="ja-JP" sz="1350" dirty="0">
+                  <a:endParaRPr lang="en-US" altLang="ja-JP" sz="1350">
                     <a:latin typeface="Hiragino Maru Gothic ProN W4" panose="020F0400000000000000" pitchFamily="34" charset="-128"/>
                     <a:ea typeface="Hiragino Maru Gothic ProN W4" panose="020F0400000000000000" pitchFamily="34" charset="-128"/>
                   </a:endParaRPr>
@@ -18047,14 +18077,7 @@
                       <a:latin typeface="Hiragino Maru Gothic ProN W4" panose="020F0400000000000000" pitchFamily="34" charset="-128"/>
                       <a:ea typeface="Hiragino Maru Gothic ProN W4" panose="020F0400000000000000" pitchFamily="34" charset="-128"/>
                     </a:rPr>
-                    <a:t>白金</a:t>
-                  </a:r>
-                  <a:r>
-                    <a:rPr lang="ja-JP" altLang="en-US" sz="1350" dirty="0">
-                      <a:latin typeface="Hiragino Maru Gothic ProN W4" panose="020F0400000000000000" pitchFamily="34" charset="-128"/>
-                      <a:ea typeface="Hiragino Maru Gothic ProN W4" panose="020F0400000000000000" pitchFamily="34" charset="-128"/>
-                    </a:rPr>
-                    <a:t>線　</a:t>
+                    <a:t>白金線　</a:t>
                   </a:r>
                 </a:p>
               </p:txBody>
@@ -18144,7 +18167,7 @@
                 <a:p>
                   <a:pPr algn="ctr"/>
                   <a:r>
-                    <a:rPr lang="ja-JP" altLang="en-US" sz="1350" dirty="0">
+                    <a:rPr lang="ja-JP" altLang="en-US" sz="1350">
                       <a:latin typeface="Hiragino Maru Gothic ProN W4" panose="020F0400000000000000" pitchFamily="34" charset="-128"/>
                       <a:ea typeface="Hiragino Maru Gothic ProN W4" panose="020F0400000000000000" pitchFamily="34" charset="-128"/>
                     </a:rPr>
@@ -18200,7 +18223,7 @@
                 <a:p>
                   <a:pPr algn="ctr"/>
                   <a:r>
-                    <a:rPr lang="en-US" altLang="ja-JP" sz="1350" dirty="0">
+                    <a:rPr lang="en-US" altLang="ja-JP" sz="1350">
                       <a:solidFill>
                         <a:schemeClr val="tx1"/>
                       </a:solidFill>
@@ -18209,7 +18232,7 @@
                     </a:rPr>
                     <a:t>0.1 M NaOH</a:t>
                   </a:r>
-                  <a:endParaRPr lang="ja-JP" altLang="en-US" sz="1350" dirty="0">
+                  <a:endParaRPr lang="ja-JP" altLang="en-US" sz="1350">
                     <a:solidFill>
                       <a:schemeClr val="tx1"/>
                     </a:solidFill>
@@ -18992,7 +19015,7 @@
                 </a:rPr>
                 <a:t>スターラーピース</a:t>
               </a:r>
-              <a:endParaRPr lang="en-US" altLang="ja-JP" sz="1350" dirty="0">
+              <a:endParaRPr lang="en-US" altLang="ja-JP" sz="1350">
                 <a:latin typeface="Hiragino Maru Gothic ProN W4" panose="020F0400000000000000" pitchFamily="34" charset="-128"/>
                 <a:ea typeface="Hiragino Maru Gothic ProN W4" panose="020F0400000000000000" pitchFamily="34" charset="-128"/>
               </a:endParaRPr>
@@ -19006,10 +19029,6 @@
                 </a:rPr>
                 <a:t>で撹拌</a:t>
               </a:r>
-              <a:endParaRPr lang="ja-JP" altLang="en-US" sz="1350" dirty="0">
-                <a:latin typeface="Hiragino Maru Gothic ProN W4" panose="020F0400000000000000" pitchFamily="34" charset="-128"/>
-                <a:ea typeface="Hiragino Maru Gothic ProN W4" panose="020F0400000000000000" pitchFamily="34" charset="-128"/>
-              </a:endParaRPr>
             </a:p>
           </p:txBody>
         </p:sp>
@@ -19130,7 +19149,7 @@
               </a:rPr>
               <a:t>クロノアンペロメトリ</a:t>
             </a:r>
-            <a:endParaRPr lang="en-US" altLang="ja-JP" sz="2100" dirty="0">
+            <a:endParaRPr lang="en-US" altLang="ja-JP" sz="2100">
               <a:latin typeface="HGSSoeiKakugothicUB" panose="020B0900000000000000" pitchFamily="34" charset="-128"/>
               <a:ea typeface="HGSSoeiKakugothicUB" panose="020B0900000000000000" pitchFamily="34" charset="-128"/>
             </a:endParaRPr>
@@ -19173,7 +19192,7 @@
               <a:t>グルコース</a:t>
             </a:r>
             <a:r>
-              <a:rPr lang="en-US" altLang="ja-JP" sz="1350" dirty="0">
+              <a:rPr lang="en-US" altLang="ja-JP" sz="1350">
                 <a:latin typeface="Hiragino Maru Gothic ProN W4" panose="020F0400000000000000" pitchFamily="34" charset="-128"/>
                 <a:ea typeface="Hiragino Maru Gothic ProN W4" panose="020F0400000000000000" pitchFamily="34" charset="-128"/>
               </a:rPr>
@@ -19390,7 +19409,7 @@
                     </a:rPr>
                     <a:t>ニッケル水酸化物ナノシート固定電極を作製し</a:t>
                   </a:r>
-                  <a:endParaRPr lang="en-US" altLang="ja-JP" sz="2700" b="1" dirty="0">
+                  <a:endParaRPr lang="en-US" altLang="ja-JP" sz="2700" b="1">
                     <a:latin typeface="MS Gothic" panose="020B0609070205080204" pitchFamily="49" charset="-128"/>
                     <a:ea typeface="MS Gothic" panose="020B0609070205080204" pitchFamily="49" charset="-128"/>
                   </a:endParaRPr>
@@ -19458,7 +19477,7 @@
               <a:lstStyle/>
               <a:p>
                 <a:pPr algn="ctr"/>
-                <a:endParaRPr lang="en-US" altLang="ja-JP" sz="2400" b="1" dirty="0">
+                <a:endParaRPr lang="en-US" altLang="ja-JP" sz="2400" b="1">
                   <a:solidFill>
                     <a:schemeClr val="tx1"/>
                   </a:solidFill>
@@ -19531,7 +19550,7 @@
                 </a:rPr>
                 <a:t>本研究</a:t>
               </a:r>
-              <a:endParaRPr lang="en-US" altLang="ja-JP" sz="2400" b="1" dirty="0">
+              <a:endParaRPr lang="en-US" altLang="ja-JP" sz="2400" b="1">
                 <a:solidFill>
                   <a:schemeClr val="tx1"/>
                 </a:solidFill>
@@ -19725,7 +19744,7 @@
           <a:p>
             <a:pPr algn="ctr"/>
             <a:r>
-              <a:rPr kumimoji="1" lang="ja-JP" altLang="en-US" dirty="0">
+              <a:rPr kumimoji="1" lang="ja-JP" altLang="en-US">
                 <a:latin typeface="Meiryo" panose="020B0604030504040204" pitchFamily="34" charset="-128"/>
                 <a:ea typeface="Meiryo" panose="020B0604030504040204" pitchFamily="34" charset="-128"/>
               </a:rPr>
@@ -19906,7 +19925,7 @@
               </a:rPr>
               <a:t>緒言</a:t>
             </a:r>
-            <a:endParaRPr lang="en-US" altLang="ja-JP" sz="2100" dirty="0">
+            <a:endParaRPr lang="en-US" altLang="ja-JP" sz="2100">
               <a:latin typeface="MS Gothic" panose="020B0609070205080204" pitchFamily="49" charset="-128"/>
               <a:ea typeface="MS Gothic" panose="020B0609070205080204" pitchFamily="49" charset="-128"/>
             </a:endParaRPr>
@@ -19945,7 +19964,7 @@
               <a:buAutoNum type="arabicParenBoth"/>
             </a:pPr>
             <a:r>
-              <a:rPr lang="en-US" altLang="ja-JP" sz="900" b="0" i="0" u="none" strike="noStrike" dirty="0">
+              <a:rPr lang="en-US" altLang="ja-JP" sz="900" b="0" i="0" u="none" strike="noStrike">
                 <a:solidFill>
                   <a:srgbClr val="000000"/>
                 </a:solidFill>
@@ -19957,7 +19976,7 @@
               <a:t>M. Kurashina, A. Eguchi, E. Kanezaki, T. Shiga, and H. Oshio, </a:t>
             </a:r>
             <a:r>
-              <a:rPr lang="en-US" altLang="ja-JP" sz="900" dirty="0">
+              <a:rPr lang="en-US" altLang="ja-JP" sz="900">
                 <a:solidFill>
                   <a:srgbClr val="000000"/>
                 </a:solidFill>
@@ -19968,7 +19987,7 @@
               <a:t> </a:t>
             </a:r>
             <a:r>
-              <a:rPr lang="en-US" altLang="ja-JP" sz="900" b="0" i="1" u="none" strike="noStrike" dirty="0">
+              <a:rPr lang="en-US" altLang="ja-JP" sz="900" b="0" i="1" u="none" strike="noStrike">
                 <a:solidFill>
                   <a:srgbClr val="000000"/>
                 </a:solidFill>
@@ -19980,7 +19999,7 @@
               <a:t>Int. J. Mod. Phys. B</a:t>
             </a:r>
             <a:r>
-              <a:rPr lang="en-US" altLang="ja-JP" sz="900" b="0" i="0" u="none" strike="noStrike" dirty="0">
+              <a:rPr lang="en-US" altLang="ja-JP" sz="900" b="0" i="0" u="none" strike="noStrike">
                 <a:solidFill>
                   <a:srgbClr val="000000"/>
                 </a:solidFill>
@@ -19992,7 +20011,7 @@
               <a:t>, </a:t>
             </a:r>
             <a:r>
-              <a:rPr lang="en-US" altLang="ja-JP" sz="900" b="1" i="0" u="none" strike="noStrike" dirty="0">
+              <a:rPr lang="en-US" altLang="ja-JP" sz="900" b="1" i="0" u="none" strike="noStrike">
                 <a:solidFill>
                   <a:srgbClr val="000000"/>
                 </a:solidFill>
@@ -20004,7 +20023,7 @@
               <a:t>24</a:t>
             </a:r>
             <a:r>
-              <a:rPr lang="en-US" altLang="ja-JP" sz="900" b="0" i="0" u="none" strike="noStrike" dirty="0">
+              <a:rPr lang="en-US" altLang="ja-JP" sz="900" b="0" i="0" u="none" strike="noStrike">
                 <a:solidFill>
                   <a:srgbClr val="000000"/>
                 </a:solidFill>
@@ -20032,7 +20051,7 @@
               <a:t>坪平</a:t>
             </a:r>
             <a:r>
-              <a:rPr lang="en-US" altLang="ja-JP" sz="900" dirty="0">
+              <a:rPr lang="en-US" altLang="ja-JP" sz="900">
                 <a:solidFill>
                   <a:srgbClr val="000000"/>
                 </a:solidFill>
@@ -20054,7 +20073,7 @@
               <a:t>遥河</a:t>
             </a:r>
             <a:r>
-              <a:rPr lang="en-US" altLang="ja-JP" sz="900" dirty="0">
+              <a:rPr lang="en-US" altLang="ja-JP" sz="900">
                 <a:solidFill>
                   <a:srgbClr val="000000"/>
                 </a:solidFill>
@@ -20076,7 +20095,7 @@
               <a:t>徳島大学修士論文</a:t>
             </a:r>
             <a:r>
-              <a:rPr lang="en-US" altLang="ja-JP" sz="900" dirty="0">
+              <a:rPr lang="en-US" altLang="ja-JP" sz="900">
                 <a:solidFill>
                   <a:srgbClr val="000000"/>
                 </a:solidFill>
@@ -20087,7 +20106,7 @@
               <a:t> (2023)</a:t>
             </a:r>
             <a:r>
-              <a:rPr lang="en-US" altLang="ja-JP" sz="900" b="0" i="0" u="none" strike="noStrike" dirty="0">
+              <a:rPr lang="en-US" altLang="ja-JP" sz="900" b="0" i="0" u="none" strike="noStrike">
                 <a:solidFill>
                   <a:srgbClr val="000000"/>
                 </a:solidFill>
@@ -20104,7 +20123,7 @@
               <a:buAutoNum type="arabicParenBoth"/>
             </a:pPr>
             <a:r>
-              <a:rPr kumimoji="1" lang="en" altLang="ja-JP" sz="900" dirty="0">
+              <a:rPr kumimoji="1" lang="en" altLang="ja-JP" sz="900">
                 <a:latin typeface="Times New Roman" panose="02020603050405020304" pitchFamily="18" charset="0"/>
                 <a:ea typeface="MS Mincho" panose="02020609040205080304" pitchFamily="49" charset="-128"/>
                 <a:cs typeface="Times New Roman" panose="02020603050405020304" pitchFamily="18" charset="0"/>
@@ -20112,7 +20131,7 @@
               <a:t>E. M. Almutairi et al., </a:t>
             </a:r>
             <a:r>
-              <a:rPr kumimoji="1" lang="en" altLang="ja-JP" sz="900" i="1" dirty="0">
+              <a:rPr kumimoji="1" lang="en" altLang="ja-JP" sz="900" i="1">
                 <a:latin typeface="Times New Roman" panose="02020603050405020304" pitchFamily="18" charset="0"/>
                 <a:ea typeface="MS Mincho" panose="02020609040205080304" pitchFamily="49" charset="-128"/>
                 <a:cs typeface="Times New Roman" panose="02020603050405020304" pitchFamily="18" charset="0"/>
@@ -20120,7 +20139,7 @@
               <a:t>Arabian Journal of Chemistry </a:t>
             </a:r>
             <a:r>
-              <a:rPr kumimoji="1" lang="en" altLang="ja-JP" sz="900" dirty="0">
+              <a:rPr kumimoji="1" lang="en" altLang="ja-JP" sz="900">
                 <a:latin typeface="Times New Roman" panose="02020603050405020304" pitchFamily="18" charset="0"/>
                 <a:ea typeface="MS Mincho" panose="02020609040205080304" pitchFamily="49" charset="-128"/>
                 <a:cs typeface="Times New Roman" panose="02020603050405020304" pitchFamily="18" charset="0"/>
@@ -20150,7 +20169,7 @@
         <p:spPr>
           <a:xfrm>
             <a:off x="5639076" y="703211"/>
-            <a:ext cx="3185487" cy="646331"/>
+            <a:ext cx="3416320" cy="646331"/>
           </a:xfrm>
           <a:prstGeom prst="rect">
             <a:avLst/>
@@ -20168,7 +20187,7 @@
                 <a:latin typeface="HGSSoeiKakugothicUB" panose="020B0900000000000000" pitchFamily="34" charset="-128"/>
                 <a:ea typeface="HGSSoeiKakugothicUB" panose="020B0900000000000000" pitchFamily="34" charset="-128"/>
               </a:rPr>
-              <a:t>層状化合物を剥離することで</a:t>
+              <a:t>層状水酸化物を剥離することで</a:t>
             </a:r>
             <a:endParaRPr kumimoji="1" lang="en-US" altLang="ja-JP" dirty="0">
               <a:latin typeface="HGSSoeiKakugothicUB" panose="020B0900000000000000" pitchFamily="34" charset="-128"/>
@@ -20325,42 +20344,42 @@
           <a:lstStyle/>
           <a:p>
             <a:r>
-              <a:rPr kumimoji="1" lang="en-US" altLang="ja-JP" sz="1400" dirty="0">
+              <a:rPr kumimoji="1" lang="en-US" altLang="ja-JP" sz="1400">
                 <a:latin typeface="Meiryo" panose="020B0604030504040204" pitchFamily="34" charset="-128"/>
                 <a:ea typeface="Meiryo" panose="020B0604030504040204" pitchFamily="34" charset="-128"/>
               </a:rPr>
               <a:t>Cu(OH)</a:t>
             </a:r>
             <a:r>
-              <a:rPr kumimoji="1" lang="en-US" altLang="ja-JP" sz="1400" baseline="-25000" dirty="0">
+              <a:rPr kumimoji="1" lang="en-US" altLang="ja-JP" sz="1400" baseline="-25000">
                 <a:latin typeface="Meiryo" panose="020B0604030504040204" pitchFamily="34" charset="-128"/>
                 <a:ea typeface="Meiryo" panose="020B0604030504040204" pitchFamily="34" charset="-128"/>
               </a:rPr>
               <a:t>2</a:t>
             </a:r>
             <a:r>
-              <a:rPr kumimoji="1" lang="en-US" altLang="ja-JP" sz="1400" dirty="0">
+              <a:rPr kumimoji="1" lang="en-US" altLang="ja-JP" sz="1400">
                 <a:latin typeface="Meiryo" panose="020B0604030504040204" pitchFamily="34" charset="-128"/>
                 <a:ea typeface="Meiryo" panose="020B0604030504040204" pitchFamily="34" charset="-128"/>
               </a:rPr>
               <a:t>, Ni(OH)</a:t>
             </a:r>
             <a:r>
-              <a:rPr kumimoji="1" lang="en-US" altLang="ja-JP" sz="1400" baseline="-25000" dirty="0">
+              <a:rPr kumimoji="1" lang="en-US" altLang="ja-JP" sz="1400" baseline="-25000">
                 <a:latin typeface="Meiryo" panose="020B0604030504040204" pitchFamily="34" charset="-128"/>
                 <a:ea typeface="Meiryo" panose="020B0604030504040204" pitchFamily="34" charset="-128"/>
               </a:rPr>
               <a:t>2</a:t>
             </a:r>
             <a:r>
-              <a:rPr kumimoji="1" lang="en-US" altLang="ja-JP" sz="1400" dirty="0">
+              <a:rPr kumimoji="1" lang="en-US" altLang="ja-JP" sz="1400">
                 <a:latin typeface="Meiryo" panose="020B0604030504040204" pitchFamily="34" charset="-128"/>
                 <a:ea typeface="Meiryo" panose="020B0604030504040204" pitchFamily="34" charset="-128"/>
               </a:rPr>
               <a:t>, Co(OH)</a:t>
             </a:r>
             <a:r>
-              <a:rPr kumimoji="1" lang="en-US" altLang="ja-JP" sz="1400" baseline="-25000" dirty="0">
+              <a:rPr kumimoji="1" lang="en-US" altLang="ja-JP" sz="1400" baseline="-25000">
                 <a:latin typeface="Meiryo" panose="020B0604030504040204" pitchFamily="34" charset="-128"/>
                 <a:ea typeface="Meiryo" panose="020B0604030504040204" pitchFamily="34" charset="-128"/>
               </a:rPr>
@@ -20410,7 +20429,7 @@
               <a:t>時間に対する電流応答</a:t>
             </a:r>
             <a:r>
-              <a:rPr kumimoji="1" lang="en-US" altLang="ja-JP" sz="1100" baseline="30000" dirty="0">
+              <a:rPr kumimoji="1" lang="en-US" altLang="ja-JP" sz="1100" baseline="30000">
                 <a:latin typeface="Hiragino Maru Gothic ProN W4" panose="020F0400000000000000" pitchFamily="34" charset="-128"/>
                 <a:ea typeface="Hiragino Maru Gothic ProN W4" panose="020F0400000000000000" pitchFamily="34" charset="-128"/>
               </a:rPr>
@@ -20458,7 +20477,7 @@
               </a:rPr>
               <a:t>ニッケル水酸化物ナノ構造でも</a:t>
             </a:r>
-            <a:endParaRPr kumimoji="1" lang="en-US" altLang="ja-JP" dirty="0">
+            <a:endParaRPr kumimoji="1" lang="en-US" altLang="ja-JP">
               <a:latin typeface="Hiragino Maru Gothic ProN W4" panose="020F0400000000000000" pitchFamily="34" charset="-128"/>
               <a:ea typeface="Hiragino Maru Gothic ProN W4" panose="020F0400000000000000" pitchFamily="34" charset="-128"/>
             </a:endParaRPr>
@@ -20472,7 +20491,7 @@
               <a:t>グルコースの酸化についていくつか例がある</a:t>
             </a:r>
             <a:r>
-              <a:rPr kumimoji="1" lang="en-US" altLang="ja-JP" baseline="30000" dirty="0">
+              <a:rPr kumimoji="1" lang="en-US" altLang="ja-JP" baseline="30000">
                 <a:latin typeface="Hiragino Maru Gothic ProN W4" panose="020F0400000000000000" pitchFamily="34" charset="-128"/>
                 <a:ea typeface="Hiragino Maru Gothic ProN W4" panose="020F0400000000000000" pitchFamily="34" charset="-128"/>
               </a:rPr>
@@ -20656,6 +20675,45 @@
           </a:p>
         </p:txBody>
       </p:sp>
+      <p:sp>
+        <p:nvSpPr>
+          <p:cNvPr id="2" name="テキスト ボックス 1">
+            <a:extLst>
+              <a:ext uri="{FF2B5EF4-FFF2-40B4-BE49-F238E27FC236}">
+                <a16:creationId xmlns:a16="http://schemas.microsoft.com/office/drawing/2014/main" id="{7C496F92-6FBE-66F6-F3F5-04E74F3F3C52}"/>
+              </a:ext>
+            </a:extLst>
+          </p:cNvPr>
+          <p:cNvSpPr txBox="1"/>
+          <p:nvPr/>
+        </p:nvSpPr>
+        <p:spPr>
+          <a:xfrm>
+            <a:off x="2026122" y="916111"/>
+            <a:ext cx="1233030" cy="276999"/>
+          </a:xfrm>
+          <a:prstGeom prst="rect">
+            <a:avLst/>
+          </a:prstGeom>
+          <a:noFill/>
+        </p:spPr>
+        <p:txBody>
+          <a:bodyPr wrap="none" rtlCol="0">
+            <a:spAutoFit/>
+          </a:bodyPr>
+          <a:lstStyle/>
+          <a:p>
+            <a:r>
+              <a:rPr kumimoji="1" lang="en-US" altLang="ja-JP" sz="1200" dirty="0"/>
+              <a:t>1-</a:t>
+            </a:r>
+            <a:r>
+              <a:rPr kumimoji="1" lang="ja-JP" altLang="en-US" sz="1200"/>
+              <a:t>ブタノール中</a:t>
+            </a:r>
+          </a:p>
+        </p:txBody>
+      </p:sp>
     </p:spTree>
     <p:extLst>
       <p:ext uri="{BB962C8B-B14F-4D97-AF65-F5344CB8AC3E}">
@@ -20710,7 +20768,7 @@
           <a:lstStyle/>
           <a:p>
             <a:r>
-              <a:rPr lang="en" altLang="ja-JP" dirty="0">
+              <a:rPr lang="en" altLang="ja-JP">
                 <a:solidFill>
                   <a:schemeClr val="accent1">
                     <a:lumMod val="60000"/>
@@ -20722,7 +20780,7 @@
               </a:rPr>
               <a:t>Result</a:t>
             </a:r>
-            <a:endParaRPr lang="en-US" altLang="ja-JP" dirty="0"/>
+            <a:endParaRPr lang="en-US" altLang="ja-JP"/>
           </a:p>
         </p:txBody>
       </p:sp>
@@ -20927,7 +20985,7 @@
                 </a:rPr>
                 <a:t>ナフィオン</a:t>
               </a:r>
-              <a:endParaRPr lang="en-US" altLang="ja-JP" b="1" dirty="0">
+              <a:endParaRPr lang="en-US" altLang="ja-JP" b="1">
                 <a:solidFill>
                   <a:schemeClr val="tx1"/>
                 </a:solidFill>
@@ -20973,7 +21031,7 @@
               </a:rPr>
               <a:t>陽イオン交換膜で</a:t>
             </a:r>
-            <a:endParaRPr lang="en-US" altLang="ja-JP" sz="1350" dirty="0">
+            <a:endParaRPr lang="en-US" altLang="ja-JP" sz="1350">
               <a:latin typeface="MS Mincho" panose="02020609040205080304" pitchFamily="49" charset="-128"/>
               <a:ea typeface="MS Mincho" panose="02020609040205080304" pitchFamily="49" charset="-128"/>
             </a:endParaRPr>
@@ -20986,7 +21044,7 @@
               </a:rPr>
               <a:t>電池や電池材料</a:t>
             </a:r>
-            <a:endParaRPr lang="en-US" altLang="ja-JP" sz="1350" dirty="0">
+            <a:endParaRPr lang="en-US" altLang="ja-JP" sz="1350">
               <a:latin typeface="MS Mincho" panose="02020609040205080304" pitchFamily="49" charset="-128"/>
               <a:ea typeface="MS Mincho" panose="02020609040205080304" pitchFamily="49" charset="-128"/>
             </a:endParaRPr>
@@ -21133,7 +21191,7 @@
           <a:lstStyle/>
           <a:p>
             <a:r>
-              <a:rPr lang="en" altLang="ja-JP" dirty="0">
+              <a:rPr lang="en" altLang="ja-JP">
                 <a:solidFill>
                   <a:schemeClr val="accent1">
                     <a:lumMod val="60000"/>
@@ -21145,7 +21203,7 @@
               </a:rPr>
               <a:t>Result</a:t>
             </a:r>
-            <a:endParaRPr lang="en-US" altLang="ja-JP" dirty="0"/>
+            <a:endParaRPr lang="en-US" altLang="ja-JP"/>
           </a:p>
         </p:txBody>
       </p:sp>
@@ -21385,7 +21443,7 @@
                     <a:p>
                       <a:pPr algn="l"/>
                       <a:r>
-                        <a:rPr lang="en-US" sz="900" kern="100" dirty="0">
+                        <a:rPr lang="en-US" sz="900" kern="100">
                           <a:effectLst/>
                           <a:latin typeface="Times New Roman" panose="02020603050405020304" pitchFamily="18" charset="0"/>
                           <a:ea typeface="MS Mincho" panose="02020609040205080304" pitchFamily="49" charset="-128"/>
@@ -21446,7 +21504,7 @@
                         <a:t>線形範囲 </a:t>
                       </a:r>
                       <a:r>
-                        <a:rPr lang="en-US" sz="900" kern="100" dirty="0">
+                        <a:rPr lang="en-US" sz="900" kern="100">
                           <a:effectLst/>
                           <a:latin typeface="Times New Roman" panose="02020603050405020304" pitchFamily="18" charset="0"/>
                           <a:ea typeface="MS Mincho" panose="02020609040205080304" pitchFamily="49" charset="-128"/>
@@ -21507,7 +21565,7 @@
                         <a:t>感度</a:t>
                       </a:r>
                       <a:r>
-                        <a:rPr lang="en-US" sz="900" kern="100" dirty="0">
+                        <a:rPr lang="en-US" sz="900" kern="100">
                           <a:effectLst/>
                           <a:latin typeface="Times New Roman" panose="02020603050405020304" pitchFamily="18" charset="0"/>
                           <a:ea typeface="MS Mincho" panose="02020609040205080304" pitchFamily="49" charset="-128"/>
@@ -21516,7 +21574,7 @@
                         <a:t>(mA mM</a:t>
                       </a:r>
                       <a:r>
-                        <a:rPr lang="en-US" sz="900" kern="100" baseline="30000" dirty="0">
+                        <a:rPr lang="en-US" sz="900" kern="100" baseline="30000">
                           <a:effectLst/>
                           <a:latin typeface="Times New Roman" panose="02020603050405020304" pitchFamily="18" charset="0"/>
                           <a:ea typeface="MS Mincho" panose="02020609040205080304" pitchFamily="49" charset="-128"/>
@@ -21525,7 +21583,7 @@
                         <a:t>-1</a:t>
                       </a:r>
                       <a:r>
-                        <a:rPr lang="en-US" sz="900" kern="100" dirty="0">
+                        <a:rPr lang="en-US" sz="900" kern="100">
                           <a:effectLst/>
                           <a:latin typeface="Times New Roman" panose="02020603050405020304" pitchFamily="18" charset="0"/>
                           <a:ea typeface="MS Mincho" panose="02020609040205080304" pitchFamily="49" charset="-128"/>
@@ -21534,7 +21592,7 @@
                         <a:t> cm</a:t>
                       </a:r>
                       <a:r>
-                        <a:rPr lang="en-US" sz="900" kern="100" baseline="30000" dirty="0">
+                        <a:rPr lang="en-US" sz="900" kern="100" baseline="30000">
                           <a:effectLst/>
                           <a:latin typeface="Times New Roman" panose="02020603050405020304" pitchFamily="18" charset="0"/>
                           <a:ea typeface="MS Mincho" panose="02020609040205080304" pitchFamily="49" charset="-128"/>
@@ -21543,7 +21601,7 @@
                         <a:t>-2</a:t>
                       </a:r>
                       <a:r>
-                        <a:rPr lang="en-US" sz="900" kern="100" dirty="0">
+                        <a:rPr lang="en-US" sz="900" kern="100">
                           <a:effectLst/>
                           <a:latin typeface="Times New Roman" panose="02020603050405020304" pitchFamily="18" charset="0"/>
                           <a:ea typeface="MS Mincho" panose="02020609040205080304" pitchFamily="49" charset="-128"/>
@@ -21604,7 +21662,7 @@
                         <a:t>決定係数</a:t>
                       </a:r>
                       <a:r>
-                        <a:rPr lang="en-US" sz="900" kern="100" dirty="0">
+                        <a:rPr lang="en-US" sz="900" kern="100">
                           <a:effectLst/>
                           <a:latin typeface="Times New Roman" panose="02020603050405020304" pitchFamily="18" charset="0"/>
                           <a:ea typeface="MS Mincho" panose="02020609040205080304" pitchFamily="49" charset="-128"/>
@@ -21613,7 +21671,7 @@
                         <a:t> R</a:t>
                       </a:r>
                       <a:r>
-                        <a:rPr lang="en-US" sz="900" kern="100" baseline="30000" dirty="0">
+                        <a:rPr lang="en-US" sz="900" kern="100" baseline="30000">
                           <a:effectLst/>
                           <a:latin typeface="Times New Roman" panose="02020603050405020304" pitchFamily="18" charset="0"/>
                           <a:ea typeface="MS Mincho" panose="02020609040205080304" pitchFamily="49" charset="-128"/>
@@ -21672,7 +21730,7 @@
                     <a:p>
                       <a:pPr algn="ctr"/>
                       <a:r>
-                        <a:rPr lang="en-US" sz="900" kern="100" dirty="0">
+                        <a:rPr lang="en-US" sz="900" kern="100">
                           <a:effectLst/>
                           <a:latin typeface="Times New Roman" panose="02020603050405020304" pitchFamily="18" charset="0"/>
                           <a:ea typeface="MS Mincho" panose="02020609040205080304" pitchFamily="49" charset="-128"/>
@@ -21730,7 +21788,7 @@
                     <a:p>
                       <a:pPr algn="r"/>
                       <a:r>
-                        <a:rPr lang="en-US" sz="1200" kern="100" dirty="0">
+                        <a:rPr lang="en-US" sz="1200" kern="100">
                           <a:effectLst/>
                           <a:latin typeface="Times New Roman" panose="02020603050405020304" pitchFamily="18" charset="0"/>
                           <a:ea typeface="MS Mincho" panose="02020609040205080304" pitchFamily="49" charset="-128"/>
@@ -21788,7 +21846,7 @@
                     <a:p>
                       <a:pPr algn="r"/>
                       <a:r>
-                        <a:rPr lang="en-US" sz="1200" kern="100" dirty="0">
+                        <a:rPr lang="en-US" sz="1200" kern="100">
                           <a:effectLst/>
                           <a:latin typeface="Times New Roman" panose="02020603050405020304" pitchFamily="18" charset="0"/>
                           <a:ea typeface="MS Mincho" panose="02020609040205080304" pitchFamily="49" charset="-128"/>
@@ -21846,7 +21904,7 @@
                     <a:p>
                       <a:pPr algn="r"/>
                       <a:r>
-                        <a:rPr lang="en-US" sz="1200" kern="100" dirty="0">
+                        <a:rPr lang="en-US" sz="1200" kern="100">
                           <a:effectLst/>
                           <a:latin typeface="Times New Roman" panose="02020603050405020304" pitchFamily="18" charset="0"/>
                           <a:ea typeface="MS Mincho" panose="02020609040205080304" pitchFamily="49" charset="-128"/>
@@ -22027,7 +22085,7 @@
                     <a:p>
                       <a:pPr algn="r"/>
                       <a:r>
-                        <a:rPr lang="en-US" sz="1200" kern="100" dirty="0">
+                        <a:rPr lang="en-US" sz="1200" kern="100">
                           <a:effectLst/>
                           <a:latin typeface="Times New Roman" panose="02020603050405020304" pitchFamily="18" charset="0"/>
                           <a:ea typeface="MS Mincho" panose="02020609040205080304" pitchFamily="49" charset="-128"/>
@@ -22085,7 +22143,7 @@
                     <a:p>
                       <a:pPr algn="r"/>
                       <a:r>
-                        <a:rPr lang="en-US" sz="1200" kern="100" dirty="0">
+                        <a:rPr lang="en-US" sz="1200" kern="100">
                           <a:effectLst/>
                           <a:latin typeface="Times New Roman" panose="02020603050405020304" pitchFamily="18" charset="0"/>
                           <a:ea typeface="MS Mincho" panose="02020609040205080304" pitchFamily="49" charset="-128"/>
@@ -22241,7 +22299,7 @@
                 <a:t>ナフィオン</a:t>
               </a:r>
               <a:r>
-                <a:rPr lang="en-US" altLang="ja-JP" sz="1050" dirty="0">
+                <a:rPr lang="en-US" altLang="ja-JP" sz="1050">
                   <a:latin typeface="Times New Roman" panose="02020603050405020304" pitchFamily="18" charset="0"/>
                   <a:ea typeface="Hiragino Maru Gothic Pro W4" panose="020F0400000000000000" pitchFamily="34" charset="-128"/>
                   <a:cs typeface="Times New Roman" panose="02020603050405020304" pitchFamily="18" charset="0"/>
@@ -22360,7 +22418,7 @@
                 <a:t>セルロース</a:t>
               </a:r>
               <a:r>
-                <a:rPr lang="en-US" altLang="ja-JP" sz="1050" dirty="0">
+                <a:rPr lang="en-US" altLang="ja-JP" sz="1050">
                   <a:solidFill>
                     <a:srgbClr val="FF0000"/>
                   </a:solidFill>
@@ -22477,7 +22535,7 @@
                 <a:t>ナフィオン</a:t>
               </a:r>
               <a:r>
-                <a:rPr lang="en-US" altLang="ja-JP" sz="1050" dirty="0">
+                <a:rPr lang="en-US" altLang="ja-JP" sz="1050">
                   <a:latin typeface="Times New Roman" panose="02020603050405020304" pitchFamily="18" charset="0"/>
                   <a:ea typeface="Hiragino Maru Gothic Pro W4" panose="020F0400000000000000" pitchFamily="34" charset="-128"/>
                   <a:cs typeface="Times New Roman" panose="02020603050405020304" pitchFamily="18" charset="0"/>
@@ -22596,7 +22654,7 @@
                 <a:t>セルロース</a:t>
               </a:r>
               <a:r>
-                <a:rPr lang="en-US" altLang="ja-JP" sz="1050" dirty="0">
+                <a:rPr lang="en-US" altLang="ja-JP" sz="1050">
                   <a:solidFill>
                     <a:srgbClr val="FF0000"/>
                   </a:solidFill>
@@ -22647,7 +22705,7 @@
           <a:lstStyle/>
           <a:p>
             <a:r>
-              <a:rPr lang="en-US" altLang="ja-JP" sz="1350" dirty="0"/>
+              <a:rPr lang="en-US" altLang="ja-JP" sz="1350"/>
               <a:t>Fig.8 </a:t>
             </a:r>
             <a:r>
@@ -22686,7 +22744,7 @@
           <a:lstStyle/>
           <a:p>
             <a:r>
-              <a:rPr lang="en-US" altLang="ja-JP" sz="1350" dirty="0"/>
+              <a:rPr lang="en-US" altLang="ja-JP" sz="1350"/>
               <a:t>Fig.7 </a:t>
             </a:r>
             <a:r>
@@ -22773,7 +22831,7 @@
           <a:p>
             <a:pPr algn="ctr"/>
             <a:r>
-              <a:rPr lang="ja-JP" altLang="en-US" b="1" dirty="0">
+              <a:rPr lang="ja-JP" altLang="en-US" b="1">
                 <a:solidFill>
                   <a:schemeClr val="tx1"/>
                 </a:solidFill>
@@ -23166,7 +23224,7 @@
           <a:lstStyle/>
           <a:p>
             <a:r>
-              <a:rPr lang="en-US" altLang="ja-JP" sz="1050" dirty="0">
+              <a:rPr lang="en-US" altLang="ja-JP" sz="1050">
                 <a:latin typeface="Yu Mincho" panose="02020400000000000000" pitchFamily="18" charset="-128"/>
                 <a:ea typeface="Yu Mincho" panose="02020400000000000000" pitchFamily="18" charset="-128"/>
               </a:rPr>
@@ -23180,7 +23238,7 @@
               <a:t> </a:t>
             </a:r>
             <a:r>
-              <a:rPr lang="en-US" altLang="ja-JP" sz="1050" dirty="0">
+              <a:rPr lang="en-US" altLang="ja-JP" sz="1050">
                 <a:latin typeface="Yu Mincho" panose="02020400000000000000" pitchFamily="18" charset="-128"/>
                 <a:ea typeface="Yu Mincho" panose="02020400000000000000" pitchFamily="18" charset="-128"/>
               </a:rPr>
@@ -23278,7 +23336,7 @@
             <a:lstStyle/>
             <a:p>
               <a:r>
-                <a:rPr lang="en-US" altLang="ja-JP" sz="900" dirty="0">
+                <a:rPr lang="en-US" altLang="ja-JP" sz="900">
                   <a:latin typeface="HGSSoeiKakugothicUB" panose="020B0900000000000000" pitchFamily="34" charset="-128"/>
                   <a:ea typeface="HGSSoeiKakugothicUB" panose="020B0900000000000000" pitchFamily="34" charset="-128"/>
                 </a:rPr>
@@ -23324,7 +23382,7 @@
                 <a:t>層状塩基性酢酸塩の</a:t>
               </a:r>
               <a:r>
-                <a:rPr lang="en-US" altLang="ja-JP" sz="1350" dirty="0"/>
+                <a:rPr lang="en-US" altLang="ja-JP" sz="1350"/>
                 <a:t>XRD</a:t>
               </a:r>
               <a:endParaRPr lang="ja-JP" altLang="en-US" sz="1350"/>
@@ -23417,7 +23475,7 @@
             <a:lstStyle/>
             <a:p>
               <a:r>
-                <a:rPr lang="en-US" altLang="ja-JP" sz="900" dirty="0">
+                <a:rPr lang="en-US" altLang="ja-JP" sz="900">
                   <a:latin typeface="HGSSoeiKakugothicUB" panose="020B0900000000000000" pitchFamily="34" charset="-128"/>
                   <a:ea typeface="HGSSoeiKakugothicUB" panose="020B0900000000000000" pitchFamily="34" charset="-128"/>
                 </a:rPr>
@@ -23463,7 +23521,7 @@
                 <a:t>イオン交換後のニッケル層状水酸化物の</a:t>
               </a:r>
               <a:r>
-                <a:rPr lang="en-US" altLang="ja-JP" sz="1350" dirty="0"/>
+                <a:rPr lang="en-US" altLang="ja-JP" sz="1350"/>
                 <a:t>XRD</a:t>
               </a:r>
               <a:endParaRPr lang="ja-JP" altLang="en-US" sz="1350"/>
@@ -23606,12 +23664,12 @@
                 <a:rPr lang="ja-JP" altLang="en-US" sz="1050"/>
                 <a:t>ドデシルベンゼンスルホン酸ナトリウム</a:t>
               </a:r>
-              <a:endParaRPr lang="en-US" altLang="ja-JP" sz="1050" dirty="0"/>
+              <a:endParaRPr lang="en-US" altLang="ja-JP" sz="1050"/>
             </a:p>
             <a:p>
               <a:pPr algn="ctr"/>
               <a:r>
-                <a:rPr lang="en-US" altLang="ja-JP" sz="1050" dirty="0"/>
+                <a:rPr lang="en-US" altLang="ja-JP" sz="1050"/>
                 <a:t>(DBS-Na)</a:t>
               </a:r>
               <a:endParaRPr lang="ja-JP" altLang="en-US" sz="1050"/>
@@ -23793,14 +23851,14 @@
             <a:lstStyle/>
             <a:p>
               <a:r>
-                <a:rPr lang="en-US" altLang="ja-JP" sz="1350" dirty="0">
+                <a:rPr lang="en-US" altLang="ja-JP" sz="1350">
                   <a:solidFill>
                     <a:srgbClr val="FF0000"/>
                   </a:solidFill>
                 </a:rPr>
                 <a:t>X</a:t>
               </a:r>
-              <a:endParaRPr lang="ja-JP" altLang="en-US" sz="1350" dirty="0">
+              <a:endParaRPr lang="ja-JP" altLang="en-US" sz="1350">
                 <a:solidFill>
                   <a:srgbClr val="FF0000"/>
                 </a:solidFill>
@@ -23831,14 +23889,14 @@
             <a:lstStyle/>
             <a:p>
               <a:r>
-                <a:rPr lang="en-US" altLang="ja-JP" sz="1350" dirty="0">
+                <a:rPr lang="en-US" altLang="ja-JP" sz="1350">
                   <a:solidFill>
                     <a:srgbClr val="92D050"/>
                   </a:solidFill>
                 </a:rPr>
                 <a:t>Y</a:t>
               </a:r>
-              <a:endParaRPr lang="ja-JP" altLang="en-US" sz="1350" dirty="0">
+              <a:endParaRPr lang="ja-JP" altLang="en-US" sz="1350">
                 <a:solidFill>
                   <a:srgbClr val="92D050"/>
                 </a:solidFill>
@@ -23869,14 +23927,14 @@
             <a:lstStyle/>
             <a:p>
               <a:r>
-                <a:rPr lang="en-US" altLang="ja-JP" sz="1350" dirty="0">
+                <a:rPr lang="en-US" altLang="ja-JP" sz="1350">
                   <a:solidFill>
                     <a:schemeClr val="accent1"/>
                   </a:solidFill>
                 </a:rPr>
                 <a:t>Z</a:t>
               </a:r>
-              <a:endParaRPr lang="ja-JP" altLang="en-US" sz="1350" dirty="0">
+              <a:endParaRPr lang="ja-JP" altLang="en-US" sz="1350">
                 <a:solidFill>
                   <a:schemeClr val="accent1"/>
                 </a:solidFill>
@@ -23914,7 +23972,7 @@
           <a:lstStyle/>
           <a:p>
             <a:r>
-              <a:rPr lang="en-US" altLang="ja-JP" dirty="0">
+              <a:rPr lang="en-US" altLang="ja-JP">
                 <a:latin typeface="MS Gothic" panose="020B0609070205080204" pitchFamily="49" charset="-128"/>
                 <a:ea typeface="MS Gothic" panose="020B0609070205080204" pitchFamily="49" charset="-128"/>
               </a:rPr>
@@ -23927,7 +23985,7 @@
               </a:rPr>
               <a:t>塩基性酢酸ニッケル塩の層間隔をイオン交換により拡大</a:t>
             </a:r>
-            <a:endParaRPr lang="en-US" altLang="ja-JP" dirty="0">
+            <a:endParaRPr lang="en-US" altLang="ja-JP">
               <a:latin typeface="MS Gothic" panose="020B0609070205080204" pitchFamily="49" charset="-128"/>
               <a:ea typeface="MS Gothic" panose="020B0609070205080204" pitchFamily="49" charset="-128"/>
             </a:endParaRPr>
@@ -24142,7 +24200,7 @@
               <a:t>約</a:t>
             </a:r>
             <a:r>
-              <a:rPr lang="en-US" altLang="ja-JP" sz="1350" dirty="0">
+              <a:rPr lang="en-US" altLang="ja-JP" sz="1350">
                 <a:latin typeface="Hiragino Maru Gothic ProN W4" panose="020F0400000000000000" pitchFamily="34" charset="-128"/>
                 <a:ea typeface="Hiragino Maru Gothic ProN W4" panose="020F0400000000000000" pitchFamily="34" charset="-128"/>
               </a:rPr>
@@ -24693,12 +24751,12 @@
                   <a:rPr lang="ja-JP" altLang="en-US" sz="900"/>
                   <a:t>ドデシルベンゼンスルホン酸ナトリウム</a:t>
                 </a:r>
-                <a:endParaRPr lang="en-US" altLang="ja-JP" sz="900" dirty="0"/>
+                <a:endParaRPr lang="en-US" altLang="ja-JP" sz="900"/>
               </a:p>
               <a:p>
                 <a:pPr algn="ctr"/>
                 <a:r>
-                  <a:rPr lang="en-US" altLang="ja-JP" sz="900" dirty="0"/>
+                  <a:rPr lang="en-US" altLang="ja-JP" sz="900"/>
                   <a:t>(DBS-Na)</a:t>
                 </a:r>
                 <a:endParaRPr lang="ja-JP" altLang="en-US" sz="900"/>
@@ -24777,7 +24835,7 @@
             <a:lstStyle/>
             <a:p>
               <a:r>
-                <a:rPr lang="en-US" altLang="ja-JP" sz="1050" dirty="0">
+                <a:rPr lang="en-US" altLang="ja-JP" sz="1050">
                   <a:latin typeface="Yu Mincho" panose="02020400000000000000" pitchFamily="18" charset="-128"/>
                   <a:ea typeface="Yu Mincho" panose="02020400000000000000" pitchFamily="18" charset="-128"/>
                 </a:rPr>
@@ -24791,7 +24849,7 @@
                 <a:t> </a:t>
               </a:r>
               <a:r>
-                <a:rPr lang="en-US" altLang="ja-JP" sz="1050" dirty="0">
+                <a:rPr lang="en-US" altLang="ja-JP" sz="1050">
                   <a:latin typeface="Yu Mincho" panose="02020400000000000000" pitchFamily="18" charset="-128"/>
                   <a:ea typeface="Yu Mincho" panose="02020400000000000000" pitchFamily="18" charset="-128"/>
                 </a:rPr>
@@ -24947,7 +25005,7 @@
           <a:lstStyle/>
           <a:p>
             <a:r>
-              <a:rPr lang="en" altLang="ja-JP" dirty="0">
+              <a:rPr lang="en" altLang="ja-JP">
                 <a:solidFill>
                   <a:schemeClr val="accent1">
                     <a:lumMod val="60000"/>
@@ -25031,7 +25089,7 @@
               </a:rPr>
               <a:t>ニッケル水酸化物ナノシートの合成</a:t>
             </a:r>
-            <a:endParaRPr lang="en-US" altLang="ja-JP" sz="2100" dirty="0">
+            <a:endParaRPr lang="en-US" altLang="ja-JP" sz="2100">
               <a:latin typeface="MS Gothic" panose="020B0609070205080204" pitchFamily="49" charset="-128"/>
               <a:ea typeface="MS Gothic" panose="020B0609070205080204" pitchFamily="49" charset="-128"/>
             </a:endParaRPr>
@@ -25108,7 +25166,7 @@
               <a:p>
                 <a:pPr fontAlgn="base"/>
                 <a:r>
-                  <a:rPr lang="en-US" altLang="ja-JP" sz="1350" dirty="0">
+                  <a:rPr lang="en-US" altLang="ja-JP" sz="1350">
                     <a:latin typeface="Yu Mincho" panose="02020400000000000000" pitchFamily="18" charset="-128"/>
                     <a:ea typeface="Yu Mincho" panose="02020400000000000000" pitchFamily="18" charset="-128"/>
                     <a:cs typeface="ＭＳ Ｐゴシック" panose="020B0600070205080204" pitchFamily="34" charset="-128"/>
@@ -25116,7 +25174,7 @@
                   <a:t>2Ni(CH</a:t>
                 </a:r>
                 <a:r>
-                  <a:rPr lang="en-US" altLang="ja-JP" sz="1350" baseline="-25000" dirty="0">
+                  <a:rPr lang="en-US" altLang="ja-JP" sz="1350" baseline="-25000">
                     <a:latin typeface="Yu Mincho" panose="02020400000000000000" pitchFamily="18" charset="-128"/>
                     <a:ea typeface="Yu Mincho" panose="02020400000000000000" pitchFamily="18" charset="-128"/>
                     <a:cs typeface="ＭＳ Ｐゴシック" panose="020B0600070205080204" pitchFamily="34" charset="-128"/>
@@ -25124,7 +25182,7 @@
                   <a:t>3</a:t>
                 </a:r>
                 <a:r>
-                  <a:rPr lang="en-US" altLang="ja-JP" sz="1350" dirty="0">
+                  <a:rPr lang="en-US" altLang="ja-JP" sz="1350">
                     <a:latin typeface="Yu Mincho" panose="02020400000000000000" pitchFamily="18" charset="-128"/>
                     <a:ea typeface="Yu Mincho" panose="02020400000000000000" pitchFamily="18" charset="-128"/>
                     <a:cs typeface="ＭＳ Ｐゴシック" panose="020B0600070205080204" pitchFamily="34" charset="-128"/>
@@ -25132,7 +25190,7 @@
                   <a:t>COO)</a:t>
                 </a:r>
                 <a:r>
-                  <a:rPr lang="en-US" altLang="ja-JP" sz="1350" baseline="-25000" dirty="0">
+                  <a:rPr lang="en-US" altLang="ja-JP" sz="1350" baseline="-25000">
                     <a:latin typeface="Yu Mincho" panose="02020400000000000000" pitchFamily="18" charset="-128"/>
                     <a:ea typeface="Yu Mincho" panose="02020400000000000000" pitchFamily="18" charset="-128"/>
                     <a:cs typeface="ＭＳ Ｐゴシック" panose="020B0600070205080204" pitchFamily="34" charset="-128"/>
@@ -25148,7 +25206,7 @@
                   <a:t>・</a:t>
                 </a:r>
                 <a:r>
-                  <a:rPr lang="en-US" altLang="ja-JP" sz="1350" dirty="0">
+                  <a:rPr lang="en-US" altLang="ja-JP" sz="1350">
                     <a:latin typeface="Yu Mincho" panose="02020400000000000000" pitchFamily="18" charset="-128"/>
                     <a:ea typeface="Yu Mincho" panose="02020400000000000000" pitchFamily="18" charset="-128"/>
                     <a:cs typeface="ＭＳ Ｐゴシック" panose="020B0600070205080204" pitchFamily="34" charset="-128"/>
@@ -25156,7 +25214,7 @@
                   <a:t>4H</a:t>
                 </a:r>
                 <a:r>
-                  <a:rPr lang="en-US" altLang="ja-JP" sz="1350" baseline="-25000" dirty="0">
+                  <a:rPr lang="en-US" altLang="ja-JP" sz="1350" baseline="-25000">
                     <a:latin typeface="Yu Mincho" panose="02020400000000000000" pitchFamily="18" charset="-128"/>
                     <a:ea typeface="Yu Mincho" panose="02020400000000000000" pitchFamily="18" charset="-128"/>
                     <a:cs typeface="ＭＳ Ｐゴシック" panose="020B0600070205080204" pitchFamily="34" charset="-128"/>
@@ -25164,14 +25222,14 @@
                   <a:t>2</a:t>
                 </a:r>
                 <a:r>
-                  <a:rPr lang="en-US" altLang="ja-JP" sz="1350" dirty="0">
+                  <a:rPr lang="en-US" altLang="ja-JP" sz="1350">
                     <a:latin typeface="Yu Mincho" panose="02020400000000000000" pitchFamily="18" charset="-128"/>
                     <a:ea typeface="Yu Mincho" panose="02020400000000000000" pitchFamily="18" charset="-128"/>
                     <a:cs typeface="ＭＳ Ｐゴシック" panose="020B0600070205080204" pitchFamily="34" charset="-128"/>
                   </a:rPr>
                   <a:t>O</a:t>
                 </a:r>
-                <a:endParaRPr lang="en-US" altLang="ja-JP" sz="1350" dirty="0">
+                <a:endParaRPr lang="en-US" altLang="ja-JP" sz="1350">
                   <a:latin typeface="Yu Mincho" panose="02020400000000000000" pitchFamily="18" charset="-128"/>
                   <a:ea typeface="Yu Mincho" panose="02020400000000000000" pitchFamily="18" charset="-128"/>
                 </a:endParaRPr>
@@ -25263,7 +25321,7 @@
               <a:lstStyle/>
               <a:p>
                 <a:r>
-                  <a:rPr lang="en-US" altLang="ja-JP" sz="1350" dirty="0">
+                  <a:rPr lang="en-US" altLang="ja-JP" sz="1350">
                     <a:latin typeface="Yu Mincho" panose="02020400000000000000" pitchFamily="18" charset="-128"/>
                     <a:ea typeface="Yu Mincho" panose="02020400000000000000" pitchFamily="18" charset="-128"/>
                     <a:cs typeface="Times New Roman" panose="02020603050405020304" pitchFamily="18" charset="0"/>
@@ -25271,7 +25329,7 @@
                   <a:t>Ni</a:t>
                 </a:r>
                 <a:r>
-                  <a:rPr lang="en-US" altLang="ja-JP" sz="1350" baseline="-25000" dirty="0">
+                  <a:rPr lang="en-US" altLang="ja-JP" sz="1350" baseline="-25000">
                     <a:latin typeface="Yu Mincho" panose="02020400000000000000" pitchFamily="18" charset="-128"/>
                     <a:ea typeface="Yu Mincho" panose="02020400000000000000" pitchFamily="18" charset="-128"/>
                     <a:cs typeface="Times New Roman" panose="02020603050405020304" pitchFamily="18" charset="0"/>
@@ -25279,7 +25337,7 @@
                   <a:t>x</a:t>
                 </a:r>
                 <a:r>
-                  <a:rPr lang="en-US" altLang="ja-JP" sz="1350" dirty="0">
+                  <a:rPr lang="en-US" altLang="ja-JP" sz="1350">
                     <a:latin typeface="Yu Mincho" panose="02020400000000000000" pitchFamily="18" charset="-128"/>
                     <a:ea typeface="Yu Mincho" panose="02020400000000000000" pitchFamily="18" charset="-128"/>
                     <a:cs typeface="Times New Roman" panose="02020603050405020304" pitchFamily="18" charset="0"/>
@@ -25287,7 +25345,7 @@
                   <a:t>(OH)</a:t>
                 </a:r>
                 <a:r>
-                  <a:rPr lang="en-US" altLang="ja-JP" sz="1350" baseline="-25000" dirty="0">
+                  <a:rPr lang="en-US" altLang="ja-JP" sz="1350" baseline="-25000">
                     <a:latin typeface="Yu Mincho" panose="02020400000000000000" pitchFamily="18" charset="-128"/>
                     <a:ea typeface="Yu Mincho" panose="02020400000000000000" pitchFamily="18" charset="-128"/>
                     <a:cs typeface="Times New Roman" panose="02020603050405020304" pitchFamily="18" charset="0"/>
@@ -25295,7 +25353,7 @@
                   <a:t>y</a:t>
                 </a:r>
                 <a:r>
-                  <a:rPr lang="en-US" altLang="ja-JP" sz="1350" dirty="0">
+                  <a:rPr lang="en-US" altLang="ja-JP" sz="1350">
                     <a:latin typeface="Yu Mincho" panose="02020400000000000000" pitchFamily="18" charset="-128"/>
                     <a:ea typeface="Yu Mincho" panose="02020400000000000000" pitchFamily="18" charset="-128"/>
                     <a:cs typeface="Times New Roman" panose="02020603050405020304" pitchFamily="18" charset="0"/>
@@ -25311,7 +25369,7 @@
                   <a:t>・</a:t>
                 </a:r>
                 <a:r>
-                  <a:rPr lang="en-US" altLang="ja-JP" sz="1350" dirty="0">
+                  <a:rPr lang="en-US" altLang="ja-JP" sz="1350">
                     <a:latin typeface="Yu Mincho" panose="02020400000000000000" pitchFamily="18" charset="-128"/>
                     <a:ea typeface="Yu Mincho" panose="02020400000000000000" pitchFamily="18" charset="-128"/>
                     <a:cs typeface="Times New Roman" panose="02020603050405020304" pitchFamily="18" charset="0"/>
@@ -25319,7 +25377,7 @@
                   <a:t>H</a:t>
                 </a:r>
                 <a:r>
-                  <a:rPr lang="en-US" altLang="ja-JP" sz="1350" baseline="-25000" dirty="0">
+                  <a:rPr lang="en-US" altLang="ja-JP" sz="1350" baseline="-25000">
                     <a:latin typeface="Yu Mincho" panose="02020400000000000000" pitchFamily="18" charset="-128"/>
                     <a:ea typeface="Yu Mincho" panose="02020400000000000000" pitchFamily="18" charset="-128"/>
                     <a:cs typeface="Times New Roman" panose="02020603050405020304" pitchFamily="18" charset="0"/>
@@ -25327,7 +25385,7 @@
                   <a:t>2</a:t>
                 </a:r>
                 <a:r>
-                  <a:rPr lang="en-US" altLang="ja-JP" sz="1350" dirty="0">
+                  <a:rPr lang="en-US" altLang="ja-JP" sz="1350">
                     <a:latin typeface="Yu Mincho" panose="02020400000000000000" pitchFamily="18" charset="-128"/>
                     <a:ea typeface="Yu Mincho" panose="02020400000000000000" pitchFamily="18" charset="-128"/>
                     <a:cs typeface="Times New Roman" panose="02020603050405020304" pitchFamily="18" charset="0"/>
@@ -25387,7 +25445,7 @@
                 <a:lstStyle/>
                 <a:p>
                   <a:r>
-                    <a:rPr lang="en-US" altLang="ja-JP" sz="1350" dirty="0">
+                    <a:rPr lang="en-US" altLang="ja-JP" sz="1350">
                       <a:latin typeface="Yu Mincho" panose="02020400000000000000" pitchFamily="18" charset="-128"/>
                       <a:ea typeface="Yu Mincho" panose="02020400000000000000" pitchFamily="18" charset="-128"/>
                       <a:cs typeface="Times New Roman" panose="02020603050405020304" pitchFamily="18" charset="0"/>
@@ -25395,7 +25453,7 @@
                     <a:t>Ni</a:t>
                   </a:r>
                   <a:r>
-                    <a:rPr lang="en-US" altLang="ja-JP" sz="1350" baseline="-25000" dirty="0">
+                    <a:rPr lang="en-US" altLang="ja-JP" sz="1350" baseline="-25000">
                       <a:latin typeface="Yu Mincho" panose="02020400000000000000" pitchFamily="18" charset="-128"/>
                       <a:ea typeface="Yu Mincho" panose="02020400000000000000" pitchFamily="18" charset="-128"/>
                       <a:cs typeface="Times New Roman" panose="02020603050405020304" pitchFamily="18" charset="0"/>
@@ -25403,7 +25461,7 @@
                     <a:t>x</a:t>
                   </a:r>
                   <a:r>
-                    <a:rPr lang="en-US" altLang="ja-JP" sz="1350" dirty="0">
+                    <a:rPr lang="en-US" altLang="ja-JP" sz="1350">
                       <a:latin typeface="Yu Mincho" panose="02020400000000000000" pitchFamily="18" charset="-128"/>
                       <a:ea typeface="Yu Mincho" panose="02020400000000000000" pitchFamily="18" charset="-128"/>
                       <a:cs typeface="Times New Roman" panose="02020603050405020304" pitchFamily="18" charset="0"/>
@@ -25411,7 +25469,7 @@
                     <a:t>(OH)</a:t>
                   </a:r>
                   <a:r>
-                    <a:rPr lang="en-US" altLang="ja-JP" sz="1350" baseline="-25000" dirty="0">
+                    <a:rPr lang="en-US" altLang="ja-JP" sz="1350" baseline="-25000">
                       <a:latin typeface="Yu Mincho" panose="02020400000000000000" pitchFamily="18" charset="-128"/>
                       <a:ea typeface="Yu Mincho" panose="02020400000000000000" pitchFamily="18" charset="-128"/>
                       <a:cs typeface="Times New Roman" panose="02020603050405020304" pitchFamily="18" charset="0"/>
@@ -25419,7 +25477,7 @@
                     <a:t>y</a:t>
                   </a:r>
                   <a:r>
-                    <a:rPr lang="en-US" altLang="ja-JP" sz="1350" dirty="0">
+                    <a:rPr lang="en-US" altLang="ja-JP" sz="1350">
                       <a:latin typeface="Yu Mincho" panose="02020400000000000000" pitchFamily="18" charset="-128"/>
                       <a:ea typeface="Yu Mincho" panose="02020400000000000000" pitchFamily="18" charset="-128"/>
                       <a:cs typeface="Times New Roman" panose="02020603050405020304" pitchFamily="18" charset="0"/>
@@ -25435,7 +25493,7 @@
                     <a:t>・</a:t>
                   </a:r>
                   <a:r>
-                    <a:rPr lang="en-US" altLang="ja-JP" sz="1350" dirty="0">
+                    <a:rPr lang="en-US" altLang="ja-JP" sz="1350">
                       <a:latin typeface="Yu Mincho" panose="02020400000000000000" pitchFamily="18" charset="-128"/>
                       <a:ea typeface="Yu Mincho" panose="02020400000000000000" pitchFamily="18" charset="-128"/>
                       <a:cs typeface="Times New Roman" panose="02020603050405020304" pitchFamily="18" charset="0"/>
@@ -25443,7 +25501,7 @@
                     <a:t>H</a:t>
                   </a:r>
                   <a:r>
-                    <a:rPr lang="en-US" altLang="ja-JP" sz="1350" baseline="-25000" dirty="0">
+                    <a:rPr lang="en-US" altLang="ja-JP" sz="1350" baseline="-25000">
                       <a:latin typeface="Yu Mincho" panose="02020400000000000000" pitchFamily="18" charset="-128"/>
                       <a:ea typeface="Yu Mincho" panose="02020400000000000000" pitchFamily="18" charset="-128"/>
                       <a:cs typeface="Times New Roman" panose="02020603050405020304" pitchFamily="18" charset="0"/>
@@ -25451,7 +25509,7 @@
                     <a:t>2</a:t>
                   </a:r>
                   <a:r>
-                    <a:rPr lang="en-US" altLang="ja-JP" sz="1350" dirty="0">
+                    <a:rPr lang="en-US" altLang="ja-JP" sz="1350">
                       <a:latin typeface="Yu Mincho" panose="02020400000000000000" pitchFamily="18" charset="-128"/>
                       <a:ea typeface="Yu Mincho" panose="02020400000000000000" pitchFamily="18" charset="-128"/>
                       <a:cs typeface="Times New Roman" panose="02020603050405020304" pitchFamily="18" charset="0"/>
@@ -25617,7 +25675,7 @@
           <a:p>
             <a:pPr algn="ctr"/>
             <a:r>
-              <a:rPr lang="en-US" altLang="ja-JP" sz="1350" dirty="0"/>
+              <a:rPr lang="en-US" altLang="ja-JP" sz="1350"/>
               <a:t>DBS-Na</a:t>
             </a:r>
             <a:r>
@@ -25661,7 +25719,7 @@
               <a:t>エタノール</a:t>
             </a:r>
             <a:r>
-              <a:rPr lang="en-US" altLang="ja-JP" sz="1350" dirty="0"/>
+              <a:rPr lang="en-US" altLang="ja-JP" sz="1350"/>
               <a:t>-</a:t>
             </a:r>
             <a:r>
@@ -26576,12 +26634,12 @@
                   <a:rPr lang="ja-JP" altLang="en-US" sz="900"/>
                   <a:t>ドデシルベンゼンスルホン酸ナトリウム</a:t>
                 </a:r>
-                <a:endParaRPr lang="en-US" altLang="ja-JP" sz="900" dirty="0"/>
+                <a:endParaRPr lang="en-US" altLang="ja-JP" sz="900"/>
               </a:p>
               <a:p>
                 <a:pPr algn="ctr"/>
                 <a:r>
-                  <a:rPr lang="en-US" altLang="ja-JP" sz="900" dirty="0"/>
+                  <a:rPr lang="en-US" altLang="ja-JP" sz="900"/>
                   <a:t>(DBS-Na)</a:t>
                 </a:r>
                 <a:endParaRPr lang="ja-JP" altLang="en-US" sz="900"/>
@@ -26660,7 +26718,7 @@
             <a:lstStyle/>
             <a:p>
               <a:r>
-                <a:rPr lang="en-US" altLang="ja-JP" sz="1050" dirty="0">
+                <a:rPr lang="en-US" altLang="ja-JP" sz="1050">
                   <a:latin typeface="Yu Mincho" panose="02020400000000000000" pitchFamily="18" charset="-128"/>
                   <a:ea typeface="Yu Mincho" panose="02020400000000000000" pitchFamily="18" charset="-128"/>
                 </a:rPr>
@@ -26674,7 +26732,7 @@
                 <a:t> </a:t>
               </a:r>
               <a:r>
-                <a:rPr lang="en-US" altLang="ja-JP" sz="1050" dirty="0">
+                <a:rPr lang="en-US" altLang="ja-JP" sz="1050">
                   <a:latin typeface="Yu Mincho" panose="02020400000000000000" pitchFamily="18" charset="-128"/>
                   <a:ea typeface="Yu Mincho" panose="02020400000000000000" pitchFamily="18" charset="-128"/>
                 </a:rPr>
@@ -26887,7 +26945,7 @@
               </a:rPr>
               <a:t>ニッケル水酸化物ナノシートの前駆体ニッケル層状水酸化物の合成</a:t>
             </a:r>
-            <a:endParaRPr lang="en-US" altLang="ja-JP" sz="2100" dirty="0">
+            <a:endParaRPr lang="en-US" altLang="ja-JP" sz="2100">
               <a:latin typeface="MS Gothic" panose="020B0609070205080204" pitchFamily="49" charset="-128"/>
               <a:ea typeface="MS Gothic" panose="020B0609070205080204" pitchFamily="49" charset="-128"/>
             </a:endParaRPr>
@@ -26964,7 +27022,7 @@
               <a:p>
                 <a:pPr fontAlgn="base"/>
                 <a:r>
-                  <a:rPr lang="en-US" altLang="ja-JP" sz="1350" dirty="0">
+                  <a:rPr lang="en-US" altLang="ja-JP" sz="1350">
                     <a:latin typeface="Yu Mincho" panose="02020400000000000000" pitchFamily="18" charset="-128"/>
                     <a:ea typeface="Yu Mincho" panose="02020400000000000000" pitchFamily="18" charset="-128"/>
                     <a:cs typeface="ＭＳ Ｐゴシック" panose="020B0600070205080204" pitchFamily="34" charset="-128"/>
@@ -26972,7 +27030,7 @@
                   <a:t>Ni(CH</a:t>
                 </a:r>
                 <a:r>
-                  <a:rPr lang="en-US" altLang="ja-JP" sz="1350" baseline="-25000" dirty="0">
+                  <a:rPr lang="en-US" altLang="ja-JP" sz="1350" baseline="-25000">
                     <a:latin typeface="Yu Mincho" panose="02020400000000000000" pitchFamily="18" charset="-128"/>
                     <a:ea typeface="Yu Mincho" panose="02020400000000000000" pitchFamily="18" charset="-128"/>
                     <a:cs typeface="ＭＳ Ｐゴシック" panose="020B0600070205080204" pitchFamily="34" charset="-128"/>
@@ -26980,7 +27038,7 @@
                   <a:t>3</a:t>
                 </a:r>
                 <a:r>
-                  <a:rPr lang="en-US" altLang="ja-JP" sz="1350" dirty="0">
+                  <a:rPr lang="en-US" altLang="ja-JP" sz="1350">
                     <a:latin typeface="Yu Mincho" panose="02020400000000000000" pitchFamily="18" charset="-128"/>
                     <a:ea typeface="Yu Mincho" panose="02020400000000000000" pitchFamily="18" charset="-128"/>
                     <a:cs typeface="ＭＳ Ｐゴシック" panose="020B0600070205080204" pitchFamily="34" charset="-128"/>
@@ -26988,7 +27046,7 @@
                   <a:t>COO)</a:t>
                 </a:r>
                 <a:r>
-                  <a:rPr lang="en-US" altLang="ja-JP" sz="1350" baseline="-25000" dirty="0">
+                  <a:rPr lang="en-US" altLang="ja-JP" sz="1350" baseline="-25000">
                     <a:latin typeface="Yu Mincho" panose="02020400000000000000" pitchFamily="18" charset="-128"/>
                     <a:ea typeface="Yu Mincho" panose="02020400000000000000" pitchFamily="18" charset="-128"/>
                     <a:cs typeface="ＭＳ Ｐゴシック" panose="020B0600070205080204" pitchFamily="34" charset="-128"/>
@@ -27004,7 +27062,7 @@
                   <a:t>・</a:t>
                 </a:r>
                 <a:r>
-                  <a:rPr lang="en-US" altLang="ja-JP" sz="1350" dirty="0">
+                  <a:rPr lang="en-US" altLang="ja-JP" sz="1350">
                     <a:latin typeface="Yu Mincho" panose="02020400000000000000" pitchFamily="18" charset="-128"/>
                     <a:ea typeface="Yu Mincho" panose="02020400000000000000" pitchFamily="18" charset="-128"/>
                     <a:cs typeface="ＭＳ Ｐゴシック" panose="020B0600070205080204" pitchFamily="34" charset="-128"/>
@@ -27012,7 +27070,7 @@
                   <a:t>4H</a:t>
                 </a:r>
                 <a:r>
-                  <a:rPr lang="en-US" altLang="ja-JP" sz="1350" baseline="-25000" dirty="0">
+                  <a:rPr lang="en-US" altLang="ja-JP" sz="1350" baseline="-25000">
                     <a:latin typeface="Yu Mincho" panose="02020400000000000000" pitchFamily="18" charset="-128"/>
                     <a:ea typeface="Yu Mincho" panose="02020400000000000000" pitchFamily="18" charset="-128"/>
                     <a:cs typeface="ＭＳ Ｐゴシック" panose="020B0600070205080204" pitchFamily="34" charset="-128"/>
@@ -27020,14 +27078,14 @@
                   <a:t>2</a:t>
                 </a:r>
                 <a:r>
-                  <a:rPr lang="en-US" altLang="ja-JP" sz="1350" dirty="0">
+                  <a:rPr lang="en-US" altLang="ja-JP" sz="1350">
                     <a:latin typeface="Yu Mincho" panose="02020400000000000000" pitchFamily="18" charset="-128"/>
                     <a:ea typeface="Yu Mincho" panose="02020400000000000000" pitchFamily="18" charset="-128"/>
                     <a:cs typeface="ＭＳ Ｐゴシック" panose="020B0600070205080204" pitchFamily="34" charset="-128"/>
                   </a:rPr>
                   <a:t>O</a:t>
                 </a:r>
-                <a:endParaRPr lang="en-US" altLang="ja-JP" sz="1350" dirty="0">
+                <a:endParaRPr lang="en-US" altLang="ja-JP" sz="1350">
                   <a:latin typeface="Yu Mincho" panose="02020400000000000000" pitchFamily="18" charset="-128"/>
                   <a:ea typeface="Yu Mincho" panose="02020400000000000000" pitchFamily="18" charset="-128"/>
                 </a:endParaRPr>
@@ -27119,7 +27177,7 @@
               <a:lstStyle/>
               <a:p>
                 <a:r>
-                  <a:rPr lang="en-US" altLang="ja-JP" sz="1350" dirty="0">
+                  <a:rPr lang="en-US" altLang="ja-JP" sz="1350">
                     <a:latin typeface="Yu Mincho" panose="02020400000000000000" pitchFamily="18" charset="-128"/>
                     <a:ea typeface="Yu Mincho" panose="02020400000000000000" pitchFamily="18" charset="-128"/>
                     <a:cs typeface="Times New Roman" panose="02020603050405020304" pitchFamily="18" charset="0"/>
@@ -27127,7 +27185,7 @@
                   <a:t>Ni(OH)</a:t>
                 </a:r>
                 <a:r>
-                  <a:rPr lang="en-US" altLang="ja-JP" sz="1350" baseline="-25000" dirty="0">
+                  <a:rPr lang="en-US" altLang="ja-JP" sz="1350" baseline="-25000">
                     <a:latin typeface="Yu Mincho" panose="02020400000000000000" pitchFamily="18" charset="-128"/>
                     <a:ea typeface="Yu Mincho" panose="02020400000000000000" pitchFamily="18" charset="-128"/>
                     <a:cs typeface="Times New Roman" panose="02020603050405020304" pitchFamily="18" charset="0"/>
@@ -27135,7 +27193,7 @@
                   <a:t>x</a:t>
                 </a:r>
                 <a:r>
-                  <a:rPr lang="en-US" altLang="ja-JP" sz="1350" dirty="0">
+                  <a:rPr lang="en-US" altLang="ja-JP" sz="1350">
                     <a:latin typeface="Yu Mincho" panose="02020400000000000000" pitchFamily="18" charset="-128"/>
                     <a:ea typeface="Yu Mincho" panose="02020400000000000000" pitchFamily="18" charset="-128"/>
                     <a:cs typeface="Times New Roman" panose="02020603050405020304" pitchFamily="18" charset="0"/>
@@ -27143,7 +27201,7 @@
                   <a:t>(DBS)</a:t>
                 </a:r>
                 <a:r>
-                  <a:rPr lang="en-US" altLang="ja-JP" sz="1350" baseline="-25000" dirty="0">
+                  <a:rPr lang="en-US" altLang="ja-JP" sz="1350" baseline="-25000">
                     <a:latin typeface="Yu Mincho" panose="02020400000000000000" pitchFamily="18" charset="-128"/>
                     <a:ea typeface="Yu Mincho" panose="02020400000000000000" pitchFamily="18" charset="-128"/>
                     <a:cs typeface="Times New Roman" panose="02020603050405020304" pitchFamily="18" charset="0"/>
@@ -27159,7 +27217,7 @@
                   <a:t>・</a:t>
                 </a:r>
                 <a:r>
-                  <a:rPr lang="en-US" altLang="ja-JP" sz="1350" dirty="0">
+                  <a:rPr lang="en-US" altLang="ja-JP" sz="1350">
                     <a:latin typeface="Yu Mincho" panose="02020400000000000000" pitchFamily="18" charset="-128"/>
                     <a:ea typeface="Yu Mincho" panose="02020400000000000000" pitchFamily="18" charset="-128"/>
                     <a:cs typeface="Times New Roman" panose="02020603050405020304" pitchFamily="18" charset="0"/>
@@ -27167,7 +27225,7 @@
                   <a:t>H</a:t>
                 </a:r>
                 <a:r>
-                  <a:rPr lang="en-US" altLang="ja-JP" sz="1350" baseline="-25000" dirty="0">
+                  <a:rPr lang="en-US" altLang="ja-JP" sz="1350" baseline="-25000">
                     <a:latin typeface="Yu Mincho" panose="02020400000000000000" pitchFamily="18" charset="-128"/>
                     <a:ea typeface="Yu Mincho" panose="02020400000000000000" pitchFamily="18" charset="-128"/>
                     <a:cs typeface="Times New Roman" panose="02020603050405020304" pitchFamily="18" charset="0"/>
@@ -27175,7 +27233,7 @@
                   <a:t>2</a:t>
                 </a:r>
                 <a:r>
-                  <a:rPr lang="en-US" altLang="ja-JP" sz="1350" dirty="0">
+                  <a:rPr lang="en-US" altLang="ja-JP" sz="1350">
                     <a:latin typeface="Yu Mincho" panose="02020400000000000000" pitchFamily="18" charset="-128"/>
                     <a:ea typeface="Yu Mincho" panose="02020400000000000000" pitchFamily="18" charset="-128"/>
                     <a:cs typeface="Times New Roman" panose="02020603050405020304" pitchFamily="18" charset="0"/>
@@ -27235,7 +27293,7 @@
                 <a:lstStyle/>
                 <a:p>
                   <a:r>
-                    <a:rPr lang="en-US" altLang="ja-JP" sz="1350" dirty="0">
+                    <a:rPr lang="en-US" altLang="ja-JP" sz="1350">
                       <a:latin typeface="Yu Mincho" panose="02020400000000000000" pitchFamily="18" charset="-128"/>
                       <a:ea typeface="Yu Mincho" panose="02020400000000000000" pitchFamily="18" charset="-128"/>
                       <a:cs typeface="Times New Roman" panose="02020603050405020304" pitchFamily="18" charset="0"/>
@@ -27243,7 +27301,7 @@
                     <a:t>Ni(OH)</a:t>
                   </a:r>
                   <a:r>
-                    <a:rPr lang="en-US" altLang="ja-JP" sz="1350" baseline="-25000" dirty="0">
+                    <a:rPr lang="en-US" altLang="ja-JP" sz="1350" baseline="-25000">
                       <a:latin typeface="Yu Mincho" panose="02020400000000000000" pitchFamily="18" charset="-128"/>
                       <a:ea typeface="Yu Mincho" panose="02020400000000000000" pitchFamily="18" charset="-128"/>
                       <a:cs typeface="Times New Roman" panose="02020603050405020304" pitchFamily="18" charset="0"/>
@@ -27251,7 +27309,7 @@
                     <a:t>x</a:t>
                   </a:r>
                   <a:r>
-                    <a:rPr lang="en-US" altLang="ja-JP" sz="1350" dirty="0">
+                    <a:rPr lang="en-US" altLang="ja-JP" sz="1350">
                       <a:latin typeface="Yu Mincho" panose="02020400000000000000" pitchFamily="18" charset="-128"/>
                       <a:ea typeface="Yu Mincho" panose="02020400000000000000" pitchFamily="18" charset="-128"/>
                       <a:cs typeface="Times New Roman" panose="02020603050405020304" pitchFamily="18" charset="0"/>
@@ -27259,7 +27317,7 @@
                     <a:t>(OAc)</a:t>
                   </a:r>
                   <a:r>
-                    <a:rPr lang="en-US" altLang="ja-JP" sz="1350" baseline="-25000" dirty="0">
+                    <a:rPr lang="en-US" altLang="ja-JP" sz="1350" baseline="-25000">
                       <a:latin typeface="Yu Mincho" panose="02020400000000000000" pitchFamily="18" charset="-128"/>
                       <a:ea typeface="Yu Mincho" panose="02020400000000000000" pitchFamily="18" charset="-128"/>
                       <a:cs typeface="Times New Roman" panose="02020603050405020304" pitchFamily="18" charset="0"/>
@@ -27275,7 +27333,7 @@
                     <a:t>・</a:t>
                   </a:r>
                   <a:r>
-                    <a:rPr lang="en-US" altLang="ja-JP" sz="1350" dirty="0">
+                    <a:rPr lang="en-US" altLang="ja-JP" sz="1350">
                       <a:latin typeface="Yu Mincho" panose="02020400000000000000" pitchFamily="18" charset="-128"/>
                       <a:ea typeface="Yu Mincho" panose="02020400000000000000" pitchFamily="18" charset="-128"/>
                       <a:cs typeface="Times New Roman" panose="02020603050405020304" pitchFamily="18" charset="0"/>
@@ -27283,7 +27341,7 @@
                     <a:t>H</a:t>
                   </a:r>
                   <a:r>
-                    <a:rPr lang="en-US" altLang="ja-JP" sz="1350" baseline="-25000" dirty="0">
+                    <a:rPr lang="en-US" altLang="ja-JP" sz="1350" baseline="-25000">
                       <a:latin typeface="Yu Mincho" panose="02020400000000000000" pitchFamily="18" charset="-128"/>
                       <a:ea typeface="Yu Mincho" panose="02020400000000000000" pitchFamily="18" charset="-128"/>
                       <a:cs typeface="Times New Roman" panose="02020603050405020304" pitchFamily="18" charset="0"/>
@@ -27291,7 +27349,7 @@
                     <a:t>2</a:t>
                   </a:r>
                   <a:r>
-                    <a:rPr lang="en-US" altLang="ja-JP" sz="1350" dirty="0">
+                    <a:rPr lang="en-US" altLang="ja-JP" sz="1350">
                       <a:latin typeface="Yu Mincho" panose="02020400000000000000" pitchFamily="18" charset="-128"/>
                       <a:ea typeface="Yu Mincho" panose="02020400000000000000" pitchFamily="18" charset="-128"/>
                       <a:cs typeface="Times New Roman" panose="02020603050405020304" pitchFamily="18" charset="0"/>
@@ -27460,19 +27518,19 @@
               <a:rPr lang="ja-JP" altLang="en-US" sz="1350"/>
               <a:t>ドデシルベンゼンスルホン酸ナトリウム</a:t>
             </a:r>
-            <a:endParaRPr lang="en-US" altLang="ja-JP" sz="1350" dirty="0"/>
+            <a:endParaRPr lang="en-US" altLang="ja-JP" sz="1350"/>
           </a:p>
           <a:p>
             <a:pPr algn="ctr"/>
             <a:r>
-              <a:rPr lang="en-US" altLang="ja-JP" sz="1350" dirty="0"/>
+              <a:rPr lang="en-US" altLang="ja-JP" sz="1350"/>
               <a:t>(DBS-Na)</a:t>
             </a:r>
             <a:r>
               <a:rPr lang="ja-JP" altLang="en-US" sz="1350"/>
               <a:t>水溶液中でイオン交換</a:t>
             </a:r>
-            <a:endParaRPr lang="en-US" altLang="ja-JP" sz="1350" dirty="0"/>
+            <a:endParaRPr lang="en-US" altLang="ja-JP" sz="1350"/>
           </a:p>
           <a:p>
             <a:pPr algn="ctr"/>
@@ -27514,7 +27572,7 @@
               <a:t>エタノール</a:t>
             </a:r>
             <a:r>
-              <a:rPr lang="en-US" altLang="ja-JP" sz="1350" dirty="0"/>
+              <a:rPr lang="en-US" altLang="ja-JP" sz="1350"/>
               <a:t>-</a:t>
             </a:r>
             <a:r>
@@ -27982,7 +28040,7 @@
               <a:t>約</a:t>
             </a:r>
             <a:r>
-              <a:rPr lang="en-US" altLang="ja-JP" sz="1350" dirty="0">
+              <a:rPr lang="en-US" altLang="ja-JP" sz="1350">
                 <a:latin typeface="Hiragino Maru Gothic ProN W4" panose="020F0400000000000000" pitchFamily="34" charset="-128"/>
                 <a:ea typeface="Hiragino Maru Gothic ProN W4" panose="020F0400000000000000" pitchFamily="34" charset="-128"/>
               </a:rPr>
@@ -28150,7 +28208,7 @@
               <a:p>
                 <a:pPr algn="ctr"/>
                 <a:r>
-                  <a:rPr lang="en-US" altLang="ja-JP" sz="1500" dirty="0"/>
+                  <a:rPr lang="en-US" altLang="ja-JP" sz="1500"/>
                   <a:t>DBS-Na</a:t>
                 </a:r>
                 <a:endParaRPr lang="ja-JP" altLang="en-US" sz="1500"/>
@@ -28229,7 +28287,7 @@
             <a:lstStyle/>
             <a:p>
               <a:r>
-                <a:rPr lang="en-US" altLang="ja-JP" sz="1350" dirty="0">
+                <a:rPr lang="en-US" altLang="ja-JP" sz="1350">
                   <a:latin typeface="Yu Mincho" panose="02020400000000000000" pitchFamily="18" charset="-128"/>
                   <a:ea typeface="Yu Mincho" panose="02020400000000000000" pitchFamily="18" charset="-128"/>
                 </a:rPr>
@@ -28243,7 +28301,7 @@
                 <a:t> </a:t>
               </a:r>
               <a:r>
-                <a:rPr lang="en-US" altLang="ja-JP" sz="1350" dirty="0">
+                <a:rPr lang="en-US" altLang="ja-JP" sz="1350">
                   <a:latin typeface="Yu Mincho" panose="02020400000000000000" pitchFamily="18" charset="-128"/>
                   <a:ea typeface="Yu Mincho" panose="02020400000000000000" pitchFamily="18" charset="-128"/>
                 </a:rPr>
@@ -28400,7 +28458,7 @@
                 <a:t>イオン交換後のニッケル層状水酸化物の</a:t>
               </a:r>
               <a:r>
-                <a:rPr lang="en-US" altLang="ja-JP" sz="1350" dirty="0">
+                <a:rPr lang="en-US" altLang="ja-JP" sz="1350">
                   <a:latin typeface="Hiragino Maru Gothic Pro W4" panose="020F0400000000000000" pitchFamily="34" charset="-128"/>
                   <a:ea typeface="Hiragino Maru Gothic Pro W4" panose="020F0400000000000000" pitchFamily="34" charset="-128"/>
                 </a:rPr>
@@ -28479,7 +28537,7 @@
                 <a:t>層状塩基性酢酸ニッケルの</a:t>
               </a:r>
               <a:r>
-                <a:rPr lang="en-US" altLang="ja-JP" sz="1350" dirty="0">
+                <a:rPr lang="en-US" altLang="ja-JP" sz="1350">
                   <a:latin typeface="Hiragino Maru Gothic Pro W4" panose="020F0400000000000000" pitchFamily="34" charset="-128"/>
                   <a:ea typeface="Hiragino Maru Gothic Pro W4" panose="020F0400000000000000" pitchFamily="34" charset="-128"/>
                 </a:rPr>
@@ -28823,7 +28881,7 @@
           <a:lstStyle/>
           <a:p>
             <a:r>
-              <a:rPr lang="en-US" altLang="ja-JP" sz="1350" dirty="0">
+              <a:rPr lang="en-US" altLang="ja-JP" sz="1350">
                 <a:latin typeface="Hiragino Maru Gothic ProN W4" panose="020F0400000000000000" pitchFamily="34" charset="-128"/>
                 <a:ea typeface="Hiragino Maru Gothic ProN W4" panose="020F0400000000000000" pitchFamily="34" charset="-128"/>
               </a:rPr>
@@ -28875,7 +28933,7 @@
               <a:off x="4516329" y="1942197"/>
               <a:ext cx="1269707" cy="1792360"/>
               <a:chOff x="3689192" y="2279868"/>
-              <a:chExt cx="1824565" cy="2932001"/>
+              <a:chExt cx="1824565" cy="2932002"/>
             </a:xfrm>
           </p:grpSpPr>
           <p:grpSp>
@@ -28895,7 +28953,7 @@
             <p:grpSpPr bwMode="auto">
               <a:xfrm>
                 <a:off x="3689192" y="2279868"/>
-                <a:ext cx="1824565" cy="2932001"/>
+                <a:ext cx="1824565" cy="2932002"/>
                 <a:chOff x="2551" y="994"/>
                 <a:chExt cx="945" cy="1329"/>
               </a:xfrm>
@@ -29255,7 +29313,7 @@
           <a:lstStyle/>
           <a:p>
             <a:r>
-              <a:rPr kumimoji="1" lang="en-US" altLang="ja-JP" sz="1600" dirty="0">
+              <a:rPr kumimoji="1" lang="en-US" altLang="ja-JP" sz="1600">
                 <a:latin typeface="Hiragino Maru Gothic ProN W4" panose="020F0400000000000000" pitchFamily="34" charset="-128"/>
                 <a:ea typeface="Hiragino Maru Gothic ProN W4" panose="020F0400000000000000" pitchFamily="34" charset="-128"/>
               </a:rPr>
@@ -29282,7 +29340,6 @@
           </p:cNvPr>
           <p:cNvCxnSpPr>
             <a:cxnSpLocks/>
-            <a:endCxn id="23" idx="0"/>
           </p:cNvCxnSpPr>
           <p:nvPr/>
         </p:nvCxnSpPr>
@@ -29411,7 +29468,7 @@
               </a:rPr>
               <a:t>ニッケル水酸化物ナノシートの合成</a:t>
             </a:r>
-            <a:endParaRPr lang="en-US" altLang="ja-JP" sz="2100" dirty="0">
+            <a:endParaRPr lang="en-US" altLang="ja-JP" sz="2100">
               <a:latin typeface="MS Gothic" panose="020B0609070205080204" pitchFamily="49" charset="-128"/>
               <a:ea typeface="MS Gothic" panose="020B0609070205080204" pitchFamily="49" charset="-128"/>
             </a:endParaRPr>
@@ -29448,7 +29505,7 @@
           <a:p>
             <a:pPr algn="ctr"/>
             <a:r>
-              <a:rPr lang="en-US" altLang="ja-JP" dirty="0"/>
+              <a:rPr lang="en-US" altLang="ja-JP"/>
               <a:t>1-</a:t>
             </a:r>
             <a:r>
@@ -29508,7 +29565,7 @@
             <a:p>
               <a:pPr algn="ctr"/>
               <a:r>
-                <a:rPr lang="en-US" altLang="ja-JP" sz="2000" dirty="0">
+                <a:rPr lang="en-US" altLang="ja-JP" sz="2000">
                   <a:latin typeface="Yu Mincho" panose="02020400000000000000" pitchFamily="18" charset="-128"/>
                   <a:ea typeface="Yu Mincho" panose="02020400000000000000" pitchFamily="18" charset="-128"/>
                   <a:cs typeface="Times New Roman" panose="02020603050405020304" pitchFamily="18" charset="0"/>
@@ -29516,7 +29573,7 @@
                 <a:t>Ni(OH)</a:t>
               </a:r>
               <a:r>
-                <a:rPr lang="en-US" altLang="ja-JP" sz="2000" baseline="-25000" dirty="0">
+                <a:rPr lang="en-US" altLang="ja-JP" sz="2000" baseline="-25000">
                   <a:latin typeface="Yu Mincho" panose="02020400000000000000" pitchFamily="18" charset="-128"/>
                   <a:ea typeface="Yu Mincho" panose="02020400000000000000" pitchFamily="18" charset="-128"/>
                   <a:cs typeface="Times New Roman" panose="02020603050405020304" pitchFamily="18" charset="0"/>
@@ -29524,7 +29581,7 @@
                 <a:t>x</a:t>
               </a:r>
               <a:r>
-                <a:rPr lang="en-US" altLang="ja-JP" sz="2000" dirty="0">
+                <a:rPr lang="en-US" altLang="ja-JP" sz="2000">
                   <a:latin typeface="Yu Mincho" panose="02020400000000000000" pitchFamily="18" charset="-128"/>
                   <a:ea typeface="Yu Mincho" panose="02020400000000000000" pitchFamily="18" charset="-128"/>
                   <a:cs typeface="Times New Roman" panose="02020603050405020304" pitchFamily="18" charset="0"/>
@@ -29532,7 +29589,7 @@
                 <a:t>(DBS)</a:t>
               </a:r>
               <a:r>
-                <a:rPr lang="en-US" altLang="ja-JP" sz="2000" baseline="-25000" dirty="0">
+                <a:rPr lang="en-US" altLang="ja-JP" sz="2000" baseline="-25000">
                   <a:latin typeface="Yu Mincho" panose="02020400000000000000" pitchFamily="18" charset="-128"/>
                   <a:ea typeface="Yu Mincho" panose="02020400000000000000" pitchFamily="18" charset="-128"/>
                   <a:cs typeface="Times New Roman" panose="02020603050405020304" pitchFamily="18" charset="0"/>
@@ -29548,7 +29605,7 @@
                 <a:t>・</a:t>
               </a:r>
               <a:r>
-                <a:rPr lang="en-US" altLang="ja-JP" sz="2000" dirty="0">
+                <a:rPr lang="en-US" altLang="ja-JP" sz="2000">
                   <a:latin typeface="Yu Mincho" panose="02020400000000000000" pitchFamily="18" charset="-128"/>
                   <a:ea typeface="Yu Mincho" panose="02020400000000000000" pitchFamily="18" charset="-128"/>
                   <a:cs typeface="Times New Roman" panose="02020603050405020304" pitchFamily="18" charset="0"/>
@@ -29556,7 +29613,7 @@
                 <a:t>H</a:t>
               </a:r>
               <a:r>
-                <a:rPr lang="en-US" altLang="ja-JP" sz="2000" baseline="-25000" dirty="0">
+                <a:rPr lang="en-US" altLang="ja-JP" sz="2000" baseline="-25000">
                   <a:latin typeface="Yu Mincho" panose="02020400000000000000" pitchFamily="18" charset="-128"/>
                   <a:ea typeface="Yu Mincho" panose="02020400000000000000" pitchFamily="18" charset="-128"/>
                   <a:cs typeface="Times New Roman" panose="02020603050405020304" pitchFamily="18" charset="0"/>
@@ -29564,7 +29621,7 @@
                 <a:t>2</a:t>
               </a:r>
               <a:r>
-                <a:rPr lang="en-US" altLang="ja-JP" sz="2000" dirty="0">
+                <a:rPr lang="en-US" altLang="ja-JP" sz="2000">
                   <a:latin typeface="Yu Mincho" panose="02020400000000000000" pitchFamily="18" charset="-128"/>
                   <a:ea typeface="Yu Mincho" panose="02020400000000000000" pitchFamily="18" charset="-128"/>
                   <a:cs typeface="Times New Roman" panose="02020603050405020304" pitchFamily="18" charset="0"/>
@@ -29878,7 +29935,7 @@
           <a:lstStyle/>
           <a:p>
             <a:r>
-              <a:rPr lang="en-US" altLang="ja-JP" sz="2000" dirty="0"/>
+              <a:rPr lang="en-US" altLang="ja-JP" sz="2000"/>
               <a:t>Ni</a:t>
             </a:r>
             <a:r>
@@ -30343,14 +30400,14 @@
               <a:p>
                 <a:pPr algn="ctr"/>
                 <a:r>
-                  <a:rPr lang="en-US" altLang="ja-JP" sz="825" dirty="0">
+                  <a:rPr lang="en-US" altLang="ja-JP" sz="825">
                     <a:latin typeface="HGSSoeiKakugothicUB" panose="020B0900000000000000" pitchFamily="34" charset="-128"/>
                     <a:ea typeface="HGSSoeiKakugothicUB" panose="020B0900000000000000" pitchFamily="34" charset="-128"/>
                   </a:rPr>
                   <a:t>1-</a:t>
                 </a:r>
                 <a:r>
-                  <a:rPr lang="ja-JP" altLang="en-US" sz="825" dirty="0">
+                  <a:rPr lang="ja-JP" altLang="en-US" sz="825">
                     <a:latin typeface="HGSSoeiKakugothicUB" panose="020B0900000000000000" pitchFamily="34" charset="-128"/>
                     <a:ea typeface="HGSSoeiKakugothicUB" panose="020B0900000000000000" pitchFamily="34" charset="-128"/>
                   </a:rPr>
@@ -31332,7 +31389,7 @@
                       </a:rPr>
                       <a:t>濃縮液をピペットで滴下</a:t>
                     </a:r>
-                    <a:endParaRPr lang="en-US" altLang="ja-JP" sz="1350" b="1" dirty="0">
+                    <a:endParaRPr lang="en-US" altLang="ja-JP" sz="1350" b="1">
                       <a:latin typeface="Hiragino Maru Gothic ProN W4" panose="020F0400000000000000" pitchFamily="34" charset="-128"/>
                       <a:ea typeface="Hiragino Maru Gothic ProN W4" panose="020F0400000000000000" pitchFamily="34" charset="-128"/>
                     </a:endParaRPr>
@@ -31548,7 +31605,7 @@
                               </a:rPr>
                               <a:t>減圧濃縮</a:t>
                             </a:r>
-                            <a:endParaRPr lang="en-US" altLang="ja-JP" sz="1200" b="1" dirty="0">
+                            <a:endParaRPr lang="en-US" altLang="ja-JP" sz="1200" b="1">
                               <a:latin typeface="Hiragino Maru Gothic ProN W4" panose="020F0400000000000000" pitchFamily="34" charset="-128"/>
                               <a:ea typeface="Hiragino Maru Gothic ProN W4" panose="020F0400000000000000" pitchFamily="34" charset="-128"/>
                             </a:endParaRPr>
@@ -31735,7 +31792,7 @@
                     <a:lstStyle/>
                     <a:p>
                       <a:r>
-                        <a:rPr lang="en-US" altLang="ja-JP" sz="1200" b="1" dirty="0">
+                        <a:rPr lang="en-US" altLang="ja-JP" sz="1200" b="1">
                           <a:latin typeface="Hiragino Maru Gothic ProN W4" panose="020F0400000000000000" pitchFamily="34" charset="-128"/>
                           <a:ea typeface="Hiragino Maru Gothic ProN W4" panose="020F0400000000000000" pitchFamily="34" charset="-128"/>
                         </a:rPr>
@@ -31748,7 +31805,7 @@
                         </a:rPr>
                         <a:t>ナノシート分散液</a:t>
                       </a:r>
-                      <a:endParaRPr lang="en-US" altLang="ja-JP" sz="1200" b="1" dirty="0">
+                      <a:endParaRPr lang="en-US" altLang="ja-JP" sz="1200" b="1">
                         <a:latin typeface="Hiragino Maru Gothic ProN W4" panose="020F0400000000000000" pitchFamily="34" charset="-128"/>
                         <a:ea typeface="Hiragino Maru Gothic ProN W4" panose="020F0400000000000000" pitchFamily="34" charset="-128"/>
                       </a:endParaRPr>
@@ -32783,7 +32840,7 @@
                         </a:rPr>
                         <a:t>グラッシーカーボン</a:t>
                       </a:r>
-                      <a:endParaRPr lang="en-US" altLang="ja-JP" sz="1200" b="1" dirty="0">
+                      <a:endParaRPr lang="en-US" altLang="ja-JP" sz="1200" b="1">
                         <a:latin typeface="Hiragino Maru Gothic ProN W4" panose="020F0400000000000000" pitchFamily="34" charset="-128"/>
                         <a:ea typeface="Hiragino Maru Gothic ProN W4" panose="020F0400000000000000" pitchFamily="34" charset="-128"/>
                       </a:endParaRPr>
@@ -32826,7 +32883,7 @@
                         </a:rPr>
                         <a:t>滴下乾燥を</a:t>
                       </a:r>
-                      <a:endParaRPr lang="en-US" altLang="ja-JP" sz="1200" b="1" dirty="0">
+                      <a:endParaRPr lang="en-US" altLang="ja-JP" sz="1200" b="1">
                         <a:latin typeface="Hiragino Maru Gothic ProN W4" panose="020F0400000000000000" pitchFamily="34" charset="-128"/>
                         <a:ea typeface="Hiragino Maru Gothic ProN W4" panose="020F0400000000000000" pitchFamily="34" charset="-128"/>
                       </a:endParaRPr>
@@ -32840,7 +32897,7 @@
                         </a:rPr>
                         <a:t>繰り返す</a:t>
                       </a:r>
-                      <a:endParaRPr lang="en-US" altLang="ja-JP" sz="1200" b="1" dirty="0">
+                      <a:endParaRPr lang="en-US" altLang="ja-JP" sz="1200" b="1">
                         <a:latin typeface="Hiragino Maru Gothic ProN W4" panose="020F0400000000000000" pitchFamily="34" charset="-128"/>
                         <a:ea typeface="Hiragino Maru Gothic ProN W4" panose="020F0400000000000000" pitchFamily="34" charset="-128"/>
                       </a:endParaRPr>
@@ -32908,7 +32965,7 @@
                       </a:rPr>
                       <a:t>キャスト電極</a:t>
                     </a:r>
-                    <a:endParaRPr lang="en-US" altLang="ja-JP" b="1" dirty="0">
+                    <a:endParaRPr lang="en-US" altLang="ja-JP" b="1">
                       <a:solidFill>
                         <a:schemeClr val="tx1"/>
                       </a:solidFill>
@@ -33029,7 +33086,7 @@
               </a:rPr>
               <a:t>グラッシーカーボン電極</a:t>
             </a:r>
-            <a:endParaRPr lang="en-US" altLang="ja-JP" sz="1350" b="1" dirty="0">
+            <a:endParaRPr lang="en-US" altLang="ja-JP" sz="1350" b="1">
               <a:latin typeface="Hiragino Maru Gothic ProN W4" panose="020F0400000000000000" pitchFamily="34" charset="-128"/>
               <a:ea typeface="Hiragino Maru Gothic ProN W4" panose="020F0400000000000000" pitchFamily="34" charset="-128"/>
             </a:endParaRPr>
@@ -33065,7 +33122,7 @@
           <a:lstStyle/>
           <a:p>
             <a:r>
-              <a:rPr lang="en-US" altLang="ja-JP" sz="1200" b="1" dirty="0">
+              <a:rPr lang="en-US" altLang="ja-JP" sz="1200" b="1">
                 <a:latin typeface="Hiragino Maru Gothic ProN W4" panose="020F0400000000000000" pitchFamily="34" charset="-128"/>
                 <a:ea typeface="Hiragino Maru Gothic ProN W4" panose="020F0400000000000000" pitchFamily="34" charset="-128"/>
               </a:rPr>
@@ -33078,7 +33135,7 @@
               </a:rPr>
               <a:t>ブタノールを蒸発</a:t>
             </a:r>
-            <a:endParaRPr lang="en-US" altLang="ja-JP" sz="1200" b="1" dirty="0">
+            <a:endParaRPr lang="en-US" altLang="ja-JP" sz="1200" b="1">
               <a:latin typeface="Hiragino Maru Gothic ProN W4" panose="020F0400000000000000" pitchFamily="34" charset="-128"/>
               <a:ea typeface="Hiragino Maru Gothic ProN W4" panose="020F0400000000000000" pitchFamily="34" charset="-128"/>
             </a:endParaRPr>
@@ -33661,7 +33718,7 @@
                             </a:rPr>
                             <a:t>ケッチェンブラック</a:t>
                           </a:r>
-                          <a:endParaRPr lang="en-US" altLang="ja-JP" sz="1050" b="1" dirty="0">
+                          <a:endParaRPr lang="en-US" altLang="ja-JP" sz="1050" b="1">
                             <a:latin typeface="Hiragino Maru Gothic ProN W4" panose="020F0400000000000000" pitchFamily="34" charset="-128"/>
                             <a:ea typeface="Hiragino Maru Gothic ProN W4" panose="020F0400000000000000" pitchFamily="34" charset="-128"/>
                           </a:endParaRPr>
@@ -33750,7 +33807,7 @@
                             </a:rPr>
                             <a:t>減圧乾燥</a:t>
                           </a:r>
-                          <a:endParaRPr lang="en-US" altLang="ja-JP" sz="1200" b="1" dirty="0">
+                          <a:endParaRPr lang="en-US" altLang="ja-JP" sz="1200" b="1">
                             <a:latin typeface="Hiragino Maru Gothic ProN W4" panose="020F0400000000000000" pitchFamily="34" charset="-128"/>
                             <a:ea typeface="Hiragino Maru Gothic ProN W4" panose="020F0400000000000000" pitchFamily="34" charset="-128"/>
                           </a:endParaRPr>
@@ -33937,7 +33994,7 @@
                   <a:lstStyle/>
                   <a:p>
                     <a:r>
-                      <a:rPr lang="en-US" altLang="ja-JP" sz="1200" b="1" dirty="0">
+                      <a:rPr lang="en-US" altLang="ja-JP" sz="1200" b="1">
                         <a:latin typeface="Hiragino Maru Gothic ProN W4" panose="020F0400000000000000" pitchFamily="34" charset="-128"/>
                         <a:ea typeface="Hiragino Maru Gothic ProN W4" panose="020F0400000000000000" pitchFamily="34" charset="-128"/>
                       </a:rPr>
@@ -33950,7 +34007,7 @@
                       </a:rPr>
                       <a:t>ナノシート分散液</a:t>
                     </a:r>
-                    <a:endParaRPr lang="en-US" altLang="ja-JP" sz="1200" b="1" dirty="0">
+                    <a:endParaRPr lang="en-US" altLang="ja-JP" sz="1200" b="1">
                       <a:latin typeface="Hiragino Maru Gothic ProN W4" panose="020F0400000000000000" pitchFamily="34" charset="-128"/>
                       <a:ea typeface="Hiragino Maru Gothic ProN W4" panose="020F0400000000000000" pitchFamily="34" charset="-128"/>
                     </a:endParaRPr>
@@ -35951,7 +36008,7 @@
                       </a:rPr>
                       <a:t>ナフィオン</a:t>
                     </a:r>
-                    <a:endParaRPr lang="en-US" altLang="ja-JP" sz="1050" b="1" dirty="0">
+                    <a:endParaRPr lang="en-US" altLang="ja-JP" sz="1050" b="1">
                       <a:latin typeface="Hiragino Maru Gothic ProN W4" panose="020F0400000000000000" pitchFamily="34" charset="-128"/>
                       <a:ea typeface="Hiragino Maru Gothic ProN W4" panose="020F0400000000000000" pitchFamily="34" charset="-128"/>
                     </a:endParaRPr>
@@ -35959,7 +36016,7 @@
                   <a:p>
                     <a:pPr algn="ctr"/>
                     <a:r>
-                      <a:rPr lang="en-US" altLang="ja-JP" sz="1050" b="1" dirty="0">
+                      <a:rPr lang="en-US" altLang="ja-JP" sz="1050" b="1">
                         <a:latin typeface="Hiragino Maru Gothic ProN W4" panose="020F0400000000000000" pitchFamily="34" charset="-128"/>
                         <a:ea typeface="Hiragino Maru Gothic ProN W4" panose="020F0400000000000000" pitchFamily="34" charset="-128"/>
                       </a:rPr>
@@ -35975,7 +36032,7 @@
                       </a:rPr>
                       <a:t>セルロース</a:t>
                     </a:r>
-                    <a:endParaRPr lang="en-US" altLang="ja-JP" sz="1050" b="1" dirty="0">
+                    <a:endParaRPr lang="en-US" altLang="ja-JP" sz="1050" b="1">
                       <a:latin typeface="Hiragino Maru Gothic ProN W4" panose="020F0400000000000000" pitchFamily="34" charset="-128"/>
                       <a:ea typeface="Hiragino Maru Gothic ProN W4" panose="020F0400000000000000" pitchFamily="34" charset="-128"/>
                     </a:endParaRPr>
@@ -36144,7 +36201,7 @@
                       </a:rPr>
                       <a:t>カーボンペースト</a:t>
                     </a:r>
-                    <a:endParaRPr lang="en-US" altLang="ja-JP" sz="1200" b="1" dirty="0">
+                    <a:endParaRPr lang="en-US" altLang="ja-JP" sz="1200" b="1">
                       <a:latin typeface="Hiragino Maru Gothic ProN W4" panose="020F0400000000000000" pitchFamily="34" charset="-128"/>
                       <a:ea typeface="Hiragino Maru Gothic ProN W4" panose="020F0400000000000000" pitchFamily="34" charset="-128"/>
                     </a:endParaRPr>
@@ -36211,7 +36268,7 @@
                       </a:rPr>
                       <a:t>カーボンペースト電極</a:t>
                     </a:r>
-                    <a:endParaRPr lang="en-US" altLang="ja-JP" b="1" dirty="0">
+                    <a:endParaRPr lang="en-US" altLang="ja-JP" b="1">
                       <a:solidFill>
                         <a:schemeClr val="tx1"/>
                       </a:solidFill>
@@ -36659,7 +36716,7 @@
               </a:rPr>
               <a:t>カーボンペースト用電極</a:t>
             </a:r>
-            <a:endParaRPr lang="en-US" altLang="ja-JP" sz="1350" b="1" dirty="0">
+            <a:endParaRPr lang="en-US" altLang="ja-JP" sz="1350" b="1">
               <a:latin typeface="Hiragino Maru Gothic ProN W4" panose="020F0400000000000000" pitchFamily="34" charset="-128"/>
               <a:ea typeface="Hiragino Maru Gothic ProN W4" panose="020F0400000000000000" pitchFamily="34" charset="-128"/>
             </a:endParaRPr>
@@ -36703,7 +36760,7 @@
               <a:t>孔径</a:t>
             </a:r>
             <a:r>
-              <a:rPr lang="en-US" altLang="ja-JP" sz="1350" b="1" dirty="0">
+              <a:rPr lang="en-US" altLang="ja-JP" sz="1350" b="1">
                 <a:latin typeface="Hiragino Maru Gothic ProN W4" panose="020F0400000000000000" pitchFamily="34" charset="-128"/>
                 <a:ea typeface="Hiragino Maru Gothic ProN W4" panose="020F0400000000000000" pitchFamily="34" charset="-128"/>
               </a:rPr>
@@ -36716,7 +36773,7 @@
               </a:rPr>
               <a:t>の</a:t>
             </a:r>
-            <a:endParaRPr lang="en-US" altLang="ja-JP" sz="1350" b="1" dirty="0">
+            <a:endParaRPr lang="en-US" altLang="ja-JP" sz="1350" b="1">
               <a:latin typeface="Hiragino Maru Gothic ProN W4" panose="020F0400000000000000" pitchFamily="34" charset="-128"/>
               <a:ea typeface="Hiragino Maru Gothic ProN W4" panose="020F0400000000000000" pitchFamily="34" charset="-128"/>
             </a:endParaRPr>
@@ -36730,7 +36787,7 @@
               </a:rPr>
               <a:t>穴が空いている</a:t>
             </a:r>
-            <a:endParaRPr lang="en-US" altLang="ja-JP" sz="1350" b="1" dirty="0">
+            <a:endParaRPr lang="en-US" altLang="ja-JP" sz="1350" b="1">
               <a:latin typeface="Hiragino Maru Gothic ProN W4" panose="020F0400000000000000" pitchFamily="34" charset="-128"/>
               <a:ea typeface="Hiragino Maru Gothic ProN W4" panose="020F0400000000000000" pitchFamily="34" charset="-128"/>
             </a:endParaRPr>
@@ -36863,7 +36920,7 @@
               </a:rPr>
               <a:t>カーボンペースト電極</a:t>
             </a:r>
-            <a:endParaRPr lang="en-US" altLang="ja-JP" sz="1050" b="1" dirty="0">
+            <a:endParaRPr lang="en-US" altLang="ja-JP" sz="1050" b="1">
               <a:latin typeface="Hiragino Maru Gothic ProN W4" panose="020F0400000000000000" pitchFamily="34" charset="-128"/>
               <a:ea typeface="Hiragino Maru Gothic ProN W4" panose="020F0400000000000000" pitchFamily="34" charset="-128"/>
             </a:endParaRPr>
@@ -36906,7 +36963,7 @@
               </a:rPr>
               <a:t>キャスト電極</a:t>
             </a:r>
-            <a:endParaRPr lang="en-US" altLang="ja-JP" sz="1050" b="1" dirty="0">
+            <a:endParaRPr lang="en-US" altLang="ja-JP" sz="1050" b="1">
               <a:latin typeface="Hiragino Maru Gothic ProN W4" panose="020F0400000000000000" pitchFamily="34" charset="-128"/>
               <a:ea typeface="Hiragino Maru Gothic ProN W4" panose="020F0400000000000000" pitchFamily="34" charset="-128"/>
             </a:endParaRPr>
@@ -37509,7 +37566,7 @@
                   </a:rPr>
                   <a:t>参照極</a:t>
                 </a:r>
-                <a:endParaRPr lang="en-US" altLang="ja-JP" sz="1600" dirty="0">
+                <a:endParaRPr lang="en-US" altLang="ja-JP" sz="1600">
                   <a:latin typeface="Hiragino Maru Gothic ProN W4" panose="020F0400000000000000" pitchFamily="34" charset="-128"/>
                   <a:ea typeface="Hiragino Maru Gothic ProN W4" panose="020F0400000000000000" pitchFamily="34" charset="-128"/>
                 </a:endParaRPr>
@@ -37517,7 +37574,7 @@
               <a:p>
                 <a:pPr algn="ctr"/>
                 <a:r>
-                  <a:rPr lang="en-US" altLang="ja-JP" sz="1600" dirty="0">
+                  <a:rPr lang="en-US" altLang="ja-JP" sz="1600">
                     <a:latin typeface="Times New Roman" panose="02020603050405020304" pitchFamily="18" charset="0"/>
                     <a:ea typeface="Hiragino Maru Gothic ProN W4" panose="020F0400000000000000" pitchFamily="34" charset="-128"/>
                     <a:cs typeface="Times New Roman" panose="02020603050405020304" pitchFamily="18" charset="0"/>
@@ -37531,10 +37588,6 @@
                   </a:rPr>
                   <a:t>電極</a:t>
                 </a:r>
-                <a:endParaRPr lang="ja-JP" altLang="en-US" sz="1600" dirty="0">
-                  <a:latin typeface="Hiragino Maru Gothic ProN W4" panose="020F0400000000000000" pitchFamily="34" charset="-128"/>
-                  <a:ea typeface="Hiragino Maru Gothic ProN W4" panose="020F0400000000000000" pitchFamily="34" charset="-128"/>
-                </a:endParaRPr>
               </a:p>
             </p:txBody>
           </p:sp>
@@ -37585,7 +37638,7 @@
                   </a:rPr>
                   <a:t>対極</a:t>
                 </a:r>
-                <a:endParaRPr lang="en-US" altLang="ja-JP" sz="1600" dirty="0">
+                <a:endParaRPr lang="en-US" altLang="ja-JP" sz="1600">
                   <a:latin typeface="Hiragino Maru Gothic ProN W4" panose="020F0400000000000000" pitchFamily="34" charset="-128"/>
                   <a:ea typeface="Hiragino Maru Gothic ProN W4" panose="020F0400000000000000" pitchFamily="34" charset="-128"/>
                 </a:endParaRPr>
@@ -37597,14 +37650,7 @@
                     <a:latin typeface="Hiragino Maru Gothic ProN W4" panose="020F0400000000000000" pitchFamily="34" charset="-128"/>
                     <a:ea typeface="Hiragino Maru Gothic ProN W4" panose="020F0400000000000000" pitchFamily="34" charset="-128"/>
                   </a:rPr>
-                  <a:t>白金</a:t>
-                </a:r>
-                <a:r>
-                  <a:rPr lang="ja-JP" altLang="en-US" sz="1600" dirty="0">
-                    <a:latin typeface="Hiragino Maru Gothic ProN W4" panose="020F0400000000000000" pitchFamily="34" charset="-128"/>
-                    <a:ea typeface="Hiragino Maru Gothic ProN W4" panose="020F0400000000000000" pitchFamily="34" charset="-128"/>
-                  </a:rPr>
-                  <a:t>線　</a:t>
+                  <a:t>白金線　</a:t>
                 </a:r>
               </a:p>
             </p:txBody>
@@ -37694,7 +37740,7 @@
               <a:p>
                 <a:pPr algn="ctr"/>
                 <a:r>
-                  <a:rPr lang="ja-JP" altLang="en-US" sz="1600" dirty="0">
+                  <a:rPr lang="ja-JP" altLang="en-US" sz="1600">
                     <a:latin typeface="Hiragino Maru Gothic ProN W4" panose="020F0400000000000000" pitchFamily="34" charset="-128"/>
                     <a:ea typeface="Hiragino Maru Gothic ProN W4" panose="020F0400000000000000" pitchFamily="34" charset="-128"/>
                   </a:rPr>
@@ -37759,13 +37805,6 @@
                   </a:rPr>
                   <a:t>電解液</a:t>
                 </a:r>
-                <a:endParaRPr lang="ja-JP" altLang="en-US" sz="1600" dirty="0">
-                  <a:solidFill>
-                    <a:schemeClr val="tx1"/>
-                  </a:solidFill>
-                  <a:latin typeface="Times New Roman" pitchFamily="18" charset="0"/>
-                  <a:cs typeface="Times New Roman" pitchFamily="18" charset="0"/>
-                </a:endParaRPr>
               </a:p>
             </p:txBody>
           </p:sp>
@@ -38475,7 +38514,7 @@
               </a:rPr>
               <a:t>電気化学測定</a:t>
             </a:r>
-            <a:endParaRPr lang="en-US" altLang="ja-JP" sz="2100" dirty="0">
+            <a:endParaRPr lang="en-US" altLang="ja-JP" sz="2100">
               <a:latin typeface="MS Gothic" panose="020B0609070205080204" pitchFamily="49" charset="-128"/>
               <a:ea typeface="MS Gothic" panose="020B0609070205080204" pitchFamily="49" charset="-128"/>
             </a:endParaRPr>
@@ -38517,13 +38556,13 @@
               </a:rPr>
               <a:t>作用極：作製した電極</a:t>
             </a:r>
-            <a:endParaRPr lang="en-US" altLang="ja-JP" dirty="0">
+            <a:endParaRPr lang="en-US" altLang="ja-JP">
               <a:latin typeface="Times New Roman" panose="02020603050405020304" pitchFamily="18" charset="0"/>
               <a:cs typeface="Times New Roman" panose="02020603050405020304" pitchFamily="18" charset="0"/>
             </a:endParaRPr>
           </a:p>
           <a:p>
-            <a:endParaRPr lang="en-US" altLang="ja-JP" dirty="0">
+            <a:endParaRPr lang="en-US" altLang="ja-JP">
               <a:latin typeface="Times New Roman" panose="02020603050405020304" pitchFamily="18" charset="0"/>
               <a:cs typeface="Times New Roman" panose="02020603050405020304" pitchFamily="18" charset="0"/>
             </a:endParaRPr>
@@ -38536,13 +38575,13 @@
               </a:rPr>
               <a:t>対極：白金線</a:t>
             </a:r>
-            <a:endParaRPr lang="en-US" altLang="ja-JP" dirty="0">
+            <a:endParaRPr lang="en-US" altLang="ja-JP">
               <a:latin typeface="Times New Roman" panose="02020603050405020304" pitchFamily="18" charset="0"/>
               <a:cs typeface="Times New Roman" panose="02020603050405020304" pitchFamily="18" charset="0"/>
             </a:endParaRPr>
           </a:p>
           <a:p>
-            <a:endParaRPr lang="en-US" altLang="ja-JP" dirty="0">
+            <a:endParaRPr lang="en-US" altLang="ja-JP">
               <a:latin typeface="Times New Roman" panose="02020603050405020304" pitchFamily="18" charset="0"/>
               <a:cs typeface="Times New Roman" panose="02020603050405020304" pitchFamily="18" charset="0"/>
             </a:endParaRPr>
@@ -38556,7 +38595,7 @@
               <a:t>参照極：</a:t>
             </a:r>
             <a:r>
-              <a:rPr lang="en-US" altLang="ja-JP" dirty="0">
+              <a:rPr lang="en-US" altLang="ja-JP">
                 <a:latin typeface="Times New Roman" panose="02020603050405020304" pitchFamily="18" charset="0"/>
                 <a:cs typeface="Times New Roman" panose="02020603050405020304" pitchFamily="18" charset="0"/>
               </a:rPr>
@@ -38569,13 +38608,13 @@
               </a:rPr>
               <a:t>電極</a:t>
             </a:r>
-            <a:endParaRPr lang="en-US" altLang="ja-JP" dirty="0">
+            <a:endParaRPr lang="en-US" altLang="ja-JP">
               <a:latin typeface="Times New Roman" panose="02020603050405020304" pitchFamily="18" charset="0"/>
               <a:cs typeface="Times New Roman" panose="02020603050405020304" pitchFamily="18" charset="0"/>
             </a:endParaRPr>
           </a:p>
           <a:p>
-            <a:endParaRPr lang="en-US" altLang="ja-JP" dirty="0">
+            <a:endParaRPr lang="en-US" altLang="ja-JP">
               <a:latin typeface="Times New Roman" panose="02020603050405020304" pitchFamily="18" charset="0"/>
               <a:cs typeface="Times New Roman" panose="02020603050405020304" pitchFamily="18" charset="0"/>
             </a:endParaRPr>
@@ -38589,7 +38628,7 @@
               <a:t>電解液：</a:t>
             </a:r>
             <a:r>
-              <a:rPr lang="en-US" altLang="ja-JP" dirty="0">
+              <a:rPr lang="en-US" altLang="ja-JP">
                 <a:latin typeface="Times New Roman" panose="02020603050405020304" pitchFamily="18" charset="0"/>
                 <a:cs typeface="Times New Roman" panose="02020603050405020304" pitchFamily="18" charset="0"/>
               </a:rPr>
@@ -38721,7 +38760,7 @@
               </a:rPr>
               <a:t>三電極法</a:t>
             </a:r>
-            <a:endParaRPr lang="en-US" altLang="ja-JP" sz="2400" b="1" dirty="0">
+            <a:endParaRPr lang="en-US" altLang="ja-JP" sz="2400" b="1">
               <a:solidFill>
                 <a:schemeClr val="tx1"/>
               </a:solidFill>
@@ -38964,7 +39003,7 @@
               </a:rPr>
               <a:t>ニッケル水酸化物ナノシートを用いた</a:t>
             </a:r>
-            <a:endParaRPr lang="en-US" altLang="ja-JP" sz="2400" dirty="0">
+            <a:endParaRPr lang="en-US" altLang="ja-JP" sz="2400">
               <a:latin typeface="HGSSoeiKakugothicUB" panose="020B0900000000000000" pitchFamily="34" charset="-128"/>
               <a:ea typeface="HGSSoeiKakugothicUB" panose="020B0900000000000000" pitchFamily="34" charset="-128"/>
             </a:endParaRPr>
@@ -39073,7 +39112,7 @@
               </a:rPr>
               <a:t>グルコース濃度が増えると</a:t>
             </a:r>
-            <a:endParaRPr lang="en-US" altLang="ja-JP" dirty="0">
+            <a:endParaRPr lang="en-US" altLang="ja-JP">
               <a:latin typeface="Hiragino Maru Gothic ProN W4" panose="020F0400000000000000" pitchFamily="34" charset="-128"/>
               <a:ea typeface="Hiragino Maru Gothic ProN W4" panose="020F0400000000000000" pitchFamily="34" charset="-128"/>
             </a:endParaRPr>
@@ -39087,7 +39126,7 @@
               </a:rPr>
               <a:t>電流量も増加</a:t>
             </a:r>
-            <a:endParaRPr lang="en-US" altLang="ja-JP" dirty="0">
+            <a:endParaRPr lang="en-US" altLang="ja-JP">
               <a:latin typeface="Hiragino Maru Gothic ProN W4" panose="020F0400000000000000" pitchFamily="34" charset="-128"/>
               <a:ea typeface="Hiragino Maru Gothic ProN W4" panose="020F0400000000000000" pitchFamily="34" charset="-128"/>
             </a:endParaRPr>
@@ -39165,7 +39204,7 @@
           <a:p>
             <a:pPr algn="ctr"/>
             <a:r>
-              <a:rPr lang="en-US" altLang="ja-JP" sz="2000" dirty="0">
+              <a:rPr lang="en-US" altLang="ja-JP" sz="2000">
                 <a:solidFill>
                   <a:srgbClr val="000000"/>
                 </a:solidFill>
@@ -39210,7 +39249,7 @@
               </a:rPr>
               <a:t>見られた</a:t>
             </a:r>
-            <a:endParaRPr lang="en-US" altLang="ja-JP" sz="1400" dirty="0">
+            <a:endParaRPr lang="en-US" altLang="ja-JP" sz="1400">
               <a:solidFill>
                 <a:srgbClr val="000000"/>
               </a:solidFill>
@@ -39220,7 +39259,7 @@
             </a:endParaRPr>
           </a:p>
           <a:p>
-            <a:endParaRPr lang="en-US" altLang="ja-JP" sz="1400" dirty="0">
+            <a:endParaRPr lang="en-US" altLang="ja-JP" sz="1400">
               <a:solidFill>
                 <a:srgbClr val="000000"/>
               </a:solidFill>
@@ -39230,7 +39269,7 @@
             </a:endParaRPr>
           </a:p>
           <a:p>
-            <a:endParaRPr lang="en-US" altLang="ja-JP" sz="1400" dirty="0">
+            <a:endParaRPr lang="en-US" altLang="ja-JP" sz="1400">
               <a:solidFill>
                 <a:srgbClr val="000000"/>
               </a:solidFill>
@@ -39240,7 +39279,7 @@
             </a:endParaRPr>
           </a:p>
           <a:p>
-            <a:endParaRPr lang="en-US" altLang="ja-JP" sz="1400" dirty="0">
+            <a:endParaRPr lang="en-US" altLang="ja-JP" sz="1400">
               <a:solidFill>
                 <a:srgbClr val="000000"/>
               </a:solidFill>
@@ -39261,7 +39300,7 @@
               </a:rPr>
               <a:t>この結果をもとに</a:t>
             </a:r>
-            <a:endParaRPr lang="en-US" altLang="ja-JP" sz="1400" dirty="0">
+            <a:endParaRPr lang="en-US" altLang="ja-JP" sz="1400">
               <a:solidFill>
                 <a:srgbClr val="000000"/>
               </a:solidFill>
@@ -39273,7 +39312,7 @@
           <a:p>
             <a:pPr algn="ctr"/>
             <a:r>
-              <a:rPr lang="en-US" altLang="ja-JP" sz="2000" dirty="0">
+              <a:rPr lang="en-US" altLang="ja-JP" sz="2000">
                 <a:solidFill>
                   <a:srgbClr val="FF0000"/>
                 </a:solidFill>
@@ -39284,14 +39323,14 @@
               <a:t>0.6</a:t>
             </a:r>
             <a:r>
-              <a:rPr lang="en-US" altLang="ja-JP" sz="2000" dirty="0">
+              <a:rPr lang="en-US" altLang="ja-JP" sz="2000">
                 <a:latin typeface="Times New Roman" panose="02020603050405020304" pitchFamily="18" charset="0"/>
                 <a:ea typeface="Hiragino Maru Gothic ProN W4" panose="020F0400000000000000" pitchFamily="34" charset="-128"/>
                 <a:cs typeface="Times New Roman" panose="02020603050405020304" pitchFamily="18" charset="0"/>
               </a:rPr>
               <a:t> V vs Ag/AgCl</a:t>
             </a:r>
-            <a:endParaRPr lang="en-US" altLang="ja-JP" sz="2000" dirty="0">
+            <a:endParaRPr lang="en-US" altLang="ja-JP" sz="2000">
               <a:solidFill>
                 <a:srgbClr val="000000"/>
               </a:solidFill>
@@ -39312,7 +39351,7 @@
               </a:rPr>
               <a:t>に印加電圧を設定し</a:t>
             </a:r>
-            <a:endParaRPr lang="en-US" altLang="ja-JP" sz="1400" dirty="0">
+            <a:endParaRPr lang="en-US" altLang="ja-JP" sz="1400">
               <a:solidFill>
                 <a:srgbClr val="000000"/>
               </a:solidFill>
@@ -39333,7 +39372,7 @@
               </a:rPr>
               <a:t>濃度に対する電流密度の</a:t>
             </a:r>
-            <a:endParaRPr lang="en-US" altLang="ja-JP" sz="1400" dirty="0">
+            <a:endParaRPr lang="en-US" altLang="ja-JP" sz="1400">
               <a:solidFill>
                 <a:srgbClr val="000000"/>
               </a:solidFill>
@@ -39354,7 +39393,7 @@
               </a:rPr>
               <a:t>測定を行った</a:t>
             </a:r>
-            <a:endParaRPr lang="en-US" altLang="ja-JP" sz="1400" dirty="0">
+            <a:endParaRPr lang="en-US" altLang="ja-JP" sz="1400">
               <a:solidFill>
                 <a:srgbClr val="000000"/>
               </a:solidFill>
@@ -39394,7 +39433,7 @@
           <a:lstStyle/>
           <a:p>
             <a:r>
-              <a:rPr lang="en-US" altLang="ja-JP" sz="1400" dirty="0">
+              <a:rPr lang="en-US" altLang="ja-JP" sz="1400">
                 <a:solidFill>
                   <a:srgbClr val="00B050"/>
                 </a:solidFill>
@@ -39442,7 +39481,7 @@
           <a:lstStyle/>
           <a:p>
             <a:r>
-              <a:rPr lang="en-US" altLang="ja-JP" sz="1400" dirty="0">
+              <a:rPr lang="en-US" altLang="ja-JP" sz="1400">
                 <a:solidFill>
                   <a:schemeClr val="accent4">
                     <a:lumMod val="75000"/>
@@ -39494,7 +39533,7 @@
           <a:lstStyle/>
           <a:p>
             <a:r>
-              <a:rPr lang="en-US" altLang="ja-JP" sz="1400" dirty="0">
+              <a:rPr lang="en-US" altLang="ja-JP" sz="1400">
                 <a:solidFill>
                   <a:schemeClr val="accent5"/>
                 </a:solidFill>
@@ -39542,7 +39581,7 @@
           <a:lstStyle/>
           <a:p>
             <a:r>
-              <a:rPr lang="en-US" altLang="ja-JP" sz="1400" dirty="0">
+              <a:rPr lang="en-US" altLang="ja-JP" sz="1400">
                 <a:solidFill>
                   <a:srgbClr val="FF0000"/>
                 </a:solidFill>
@@ -39590,7 +39629,7 @@
           <a:lstStyle/>
           <a:p>
             <a:r>
-              <a:rPr lang="en-US" altLang="ja-JP" sz="1400" dirty="0">
+              <a:rPr lang="en-US" altLang="ja-JP" sz="1400">
                 <a:latin typeface="Times New Roman" panose="02020603050405020304" pitchFamily="18" charset="0"/>
                 <a:cs typeface="Times New Roman" panose="02020603050405020304" pitchFamily="18" charset="0"/>
               </a:rPr>
@@ -39639,7 +39678,7 @@
               <a:t>スキャンレート</a:t>
             </a:r>
             <a:r>
-              <a:rPr lang="en-US" altLang="ja-JP" sz="1600" dirty="0">
+              <a:rPr lang="en-US" altLang="ja-JP" sz="1600">
                 <a:latin typeface="Hiragino Maru Gothic Pro W4" panose="020F0400000000000000" pitchFamily="34" charset="-128"/>
                 <a:ea typeface="Hiragino Maru Gothic Pro W4" panose="020F0400000000000000" pitchFamily="34" charset="-128"/>
               </a:rPr>
@@ -39670,7 +39709,10 @@
             <a:ext cx="278580" cy="665923"/>
           </a:xfrm>
           <a:prstGeom prst="rightArrow">
-            <a:avLst/>
+            <a:avLst>
+              <a:gd name="adj1" fmla="val 100000"/>
+              <a:gd name="adj2" fmla="val 100000"/>
+            </a:avLst>
           </a:prstGeom>
           <a:solidFill>
             <a:schemeClr val="accent1">
@@ -39872,7 +39914,7 @@
               </a:rPr>
               <a:t>バインダー：</a:t>
             </a:r>
-            <a:endParaRPr lang="en-US" altLang="ja-JP" dirty="0">
+            <a:endParaRPr lang="en-US" altLang="ja-JP">
               <a:latin typeface="Times New Roman" panose="02020603050405020304" pitchFamily="18" charset="0"/>
               <a:ea typeface="MS Mincho" panose="02020609040205080304" pitchFamily="49" charset="-128"/>
               <a:cs typeface="Times New Roman" panose="02020603050405020304" pitchFamily="18" charset="0"/>
@@ -39887,7 +39929,7 @@
               </a:rPr>
               <a:t>セルロースナノファイバー</a:t>
             </a:r>
-            <a:endParaRPr lang="en-US" altLang="ja-JP" dirty="0">
+            <a:endParaRPr lang="en-US" altLang="ja-JP">
               <a:latin typeface="HGSSoeiKakugothicUB" panose="020B0900000000000000" pitchFamily="34" charset="-128"/>
               <a:ea typeface="HGSSoeiKakugothicUB" panose="020B0900000000000000" pitchFamily="34" charset="-128"/>
               <a:cs typeface="Times New Roman" panose="02020603050405020304" pitchFamily="18" charset="0"/>
@@ -39932,7 +39974,7 @@
               <a:t>同じ量、同じ手法で電極を</a:t>
             </a:r>
             <a:r>
-              <a:rPr lang="en-US" altLang="ja-JP" dirty="0">
+              <a:rPr lang="en-US" altLang="ja-JP">
                 <a:latin typeface="Times New Roman" panose="02020603050405020304" pitchFamily="18" charset="0"/>
                 <a:ea typeface="MS Mincho" panose="02020609040205080304" pitchFamily="49" charset="-128"/>
                 <a:cs typeface="Times New Roman" panose="02020603050405020304" pitchFamily="18" charset="0"/>
@@ -39947,7 +39989,7 @@
               </a:rPr>
               <a:t>つ</a:t>
             </a:r>
-            <a:endParaRPr lang="en-US" altLang="ja-JP" dirty="0">
+            <a:endParaRPr lang="en-US" altLang="ja-JP">
               <a:latin typeface="Times New Roman" panose="02020603050405020304" pitchFamily="18" charset="0"/>
               <a:ea typeface="MS Mincho" panose="02020609040205080304" pitchFamily="49" charset="-128"/>
               <a:cs typeface="Times New Roman" panose="02020603050405020304" pitchFamily="18" charset="0"/>
@@ -39962,7 +40004,7 @@
               </a:rPr>
               <a:t>作製したが再現性に乏しかった。</a:t>
             </a:r>
-            <a:endParaRPr lang="en-US" altLang="ja-JP" dirty="0">
+            <a:endParaRPr lang="en-US" altLang="ja-JP">
               <a:latin typeface="Times New Roman" panose="02020603050405020304" pitchFamily="18" charset="0"/>
               <a:ea typeface="MS Mincho" panose="02020609040205080304" pitchFamily="49" charset="-128"/>
               <a:cs typeface="Times New Roman" panose="02020603050405020304" pitchFamily="18" charset="0"/>
@@ -40133,7 +40175,7 @@
               </a:rPr>
               <a:t>バインダー：</a:t>
             </a:r>
-            <a:endParaRPr lang="en-US" altLang="ja-JP" dirty="0">
+            <a:endParaRPr lang="en-US" altLang="ja-JP">
               <a:latin typeface="Times New Roman" panose="02020603050405020304" pitchFamily="18" charset="0"/>
               <a:ea typeface="MS Mincho" panose="02020609040205080304" pitchFamily="49" charset="-128"/>
               <a:cs typeface="Times New Roman" panose="02020603050405020304" pitchFamily="18" charset="0"/>
@@ -40148,7 +40190,7 @@
               </a:rPr>
               <a:t>ナフィオン</a:t>
             </a:r>
-            <a:endParaRPr lang="en-US" altLang="ja-JP" dirty="0">
+            <a:endParaRPr lang="en-US" altLang="ja-JP">
               <a:latin typeface="HGSSoeiKakugothicUB" panose="020B0900000000000000" pitchFamily="34" charset="-128"/>
               <a:ea typeface="HGSSoeiKakugothicUB" panose="020B0900000000000000" pitchFamily="34" charset="-128"/>
               <a:cs typeface="Times New Roman" panose="02020603050405020304" pitchFamily="18" charset="0"/>
